--- a/Documentation/Screen Designs/Shanta Sanofi Screen Designs.pptx
+++ b/Documentation/Screen Designs/Shanta Sanofi Screen Designs.pptx
@@ -210,7 +210,7 @@
           <a:p>
             <a:fld id="{736940B7-5369-499F-A655-F2C040499C10}" type="datetimeFigureOut">
               <a:rPr lang="en-IN" smtClean="0"/>
-              <a:t>18/02/19</a:t>
+              <a:t>19-02-2019</a:t>
             </a:fld>
             <a:endParaRPr lang="en-IN"/>
           </a:p>
@@ -1701,7 +1701,7 @@
           <a:p>
             <a:fld id="{0344983A-0EFF-4FA5-823C-58DD31D92387}" type="datetimeFigureOut">
               <a:rPr lang="en-IN" smtClean="0"/>
-              <a:t>18/02/19</a:t>
+              <a:t>19-02-2019</a:t>
             </a:fld>
             <a:endParaRPr lang="en-IN"/>
           </a:p>
@@ -1871,7 +1871,7 @@
           <a:p>
             <a:fld id="{0344983A-0EFF-4FA5-823C-58DD31D92387}" type="datetimeFigureOut">
               <a:rPr lang="en-IN" smtClean="0"/>
-              <a:t>18/02/19</a:t>
+              <a:t>19-02-2019</a:t>
             </a:fld>
             <a:endParaRPr lang="en-IN"/>
           </a:p>
@@ -2051,7 +2051,7 @@
           <a:p>
             <a:fld id="{0344983A-0EFF-4FA5-823C-58DD31D92387}" type="datetimeFigureOut">
               <a:rPr lang="en-IN" smtClean="0"/>
-              <a:t>18/02/19</a:t>
+              <a:t>19-02-2019</a:t>
             </a:fld>
             <a:endParaRPr lang="en-IN"/>
           </a:p>
@@ -2221,7 +2221,7 @@
           <a:p>
             <a:fld id="{0344983A-0EFF-4FA5-823C-58DD31D92387}" type="datetimeFigureOut">
               <a:rPr lang="en-IN" smtClean="0"/>
-              <a:t>18/02/19</a:t>
+              <a:t>19-02-2019</a:t>
             </a:fld>
             <a:endParaRPr lang="en-IN"/>
           </a:p>
@@ -2467,7 +2467,7 @@
           <a:p>
             <a:fld id="{0344983A-0EFF-4FA5-823C-58DD31D92387}" type="datetimeFigureOut">
               <a:rPr lang="en-IN" smtClean="0"/>
-              <a:t>18/02/19</a:t>
+              <a:t>19-02-2019</a:t>
             </a:fld>
             <a:endParaRPr lang="en-IN"/>
           </a:p>
@@ -2699,7 +2699,7 @@
           <a:p>
             <a:fld id="{0344983A-0EFF-4FA5-823C-58DD31D92387}" type="datetimeFigureOut">
               <a:rPr lang="en-IN" smtClean="0"/>
-              <a:t>18/02/19</a:t>
+              <a:t>19-02-2019</a:t>
             </a:fld>
             <a:endParaRPr lang="en-IN"/>
           </a:p>
@@ -3066,7 +3066,7 @@
           <a:p>
             <a:fld id="{0344983A-0EFF-4FA5-823C-58DD31D92387}" type="datetimeFigureOut">
               <a:rPr lang="en-IN" smtClean="0"/>
-              <a:t>18/02/19</a:t>
+              <a:t>19-02-2019</a:t>
             </a:fld>
             <a:endParaRPr lang="en-IN"/>
           </a:p>
@@ -3184,7 +3184,7 @@
           <a:p>
             <a:fld id="{0344983A-0EFF-4FA5-823C-58DD31D92387}" type="datetimeFigureOut">
               <a:rPr lang="en-IN" smtClean="0"/>
-              <a:t>18/02/19</a:t>
+              <a:t>19-02-2019</a:t>
             </a:fld>
             <a:endParaRPr lang="en-IN"/>
           </a:p>
@@ -3279,7 +3279,7 @@
           <a:p>
             <a:fld id="{0344983A-0EFF-4FA5-823C-58DD31D92387}" type="datetimeFigureOut">
               <a:rPr lang="en-IN" smtClean="0"/>
-              <a:t>18/02/19</a:t>
+              <a:t>19-02-2019</a:t>
             </a:fld>
             <a:endParaRPr lang="en-IN"/>
           </a:p>
@@ -3556,7 +3556,7 @@
           <a:p>
             <a:fld id="{0344983A-0EFF-4FA5-823C-58DD31D92387}" type="datetimeFigureOut">
               <a:rPr lang="en-IN" smtClean="0"/>
-              <a:t>18/02/19</a:t>
+              <a:t>19-02-2019</a:t>
             </a:fld>
             <a:endParaRPr lang="en-IN"/>
           </a:p>
@@ -3813,7 +3813,7 @@
           <a:p>
             <a:fld id="{0344983A-0EFF-4FA5-823C-58DD31D92387}" type="datetimeFigureOut">
               <a:rPr lang="en-IN" smtClean="0"/>
-              <a:t>18/02/19</a:t>
+              <a:t>19-02-2019</a:t>
             </a:fld>
             <a:endParaRPr lang="en-IN"/>
           </a:p>
@@ -4026,7 +4026,7 @@
           <a:p>
             <a:fld id="{0344983A-0EFF-4FA5-823C-58DD31D92387}" type="datetimeFigureOut">
               <a:rPr lang="en-IN" smtClean="0"/>
-              <a:t>18/02/19</a:t>
+              <a:t>19-02-2019</a:t>
             </a:fld>
             <a:endParaRPr lang="en-IN"/>
           </a:p>
@@ -6188,10 +6188,47 @@
       </p:sp>
       <p:sp>
         <p:nvSpPr>
-          <p:cNvPr id="51" name="Rectangle: Rounded Corners 55">
-            <a:extLst>
-              <a:ext uri="{FF2B5EF4-FFF2-40B4-BE49-F238E27FC236}">
-                <a16:creationId xmlns:a16="http://schemas.microsoft.com/office/drawing/2014/main" id="{1A549288-70C2-FA4A-B20B-0E47D8136C14}"/>
+          <p:cNvPr id="53" name="TextBox 52">
+            <a:extLst>
+              <a:ext uri="{FF2B5EF4-FFF2-40B4-BE49-F238E27FC236}">
+                <a16:creationId xmlns:a16="http://schemas.microsoft.com/office/drawing/2014/main" id="{550105AF-B118-154C-AF9F-5CD4F3909DD9}"/>
+              </a:ext>
+            </a:extLst>
+          </p:cNvPr>
+          <p:cNvSpPr txBox="1"/>
+          <p:nvPr/>
+        </p:nvSpPr>
+        <p:spPr>
+          <a:xfrm>
+            <a:off x="3607569" y="3877164"/>
+            <a:ext cx="1437831" cy="369332"/>
+          </a:xfrm>
+          <a:prstGeom prst="rect">
+            <a:avLst/>
+          </a:prstGeom>
+          <a:noFill/>
+        </p:spPr>
+        <p:txBody>
+          <a:bodyPr wrap="none" rtlCol="0">
+            <a:spAutoFit/>
+          </a:bodyPr>
+          <a:lstStyle/>
+          <a:p>
+            <a:pPr algn="ctr"/>
+            <a:r>
+              <a:rPr lang="en-US" dirty="0" smtClean="0"/>
+              <a:t>Attendance : </a:t>
+            </a:r>
+            <a:endParaRPr lang="en-US" dirty="0"/>
+          </a:p>
+        </p:txBody>
+      </p:sp>
+      <p:sp>
+        <p:nvSpPr>
+          <p:cNvPr id="58" name="Rectangle: Rounded Corners 65">
+            <a:extLst>
+              <a:ext uri="{FF2B5EF4-FFF2-40B4-BE49-F238E27FC236}">
+                <a16:creationId xmlns:a16="http://schemas.microsoft.com/office/drawing/2014/main" id="{05EAECDE-3B6D-E24E-8243-B8611089B202}"/>
               </a:ext>
             </a:extLst>
           </p:cNvPr>
@@ -6200,19 +6237,20 @@
         </p:nvSpPr>
         <p:spPr>
           <a:xfrm>
-            <a:off x="5376460" y="3187422"/>
-            <a:ext cx="3068078" cy="422168"/>
+            <a:off x="6075615" y="5945552"/>
+            <a:ext cx="1813374" cy="443272"/>
           </a:xfrm>
           <a:prstGeom prst="roundRect">
             <a:avLst/>
           </a:prstGeom>
           <a:solidFill>
-            <a:schemeClr val="bg1"/>
+            <a:srgbClr val="00B0F0"/>
           </a:solidFill>
           <a:ln>
             <a:solidFill>
-              <a:schemeClr val="bg2">
-                <a:lumMod val="50000"/>
+              <a:schemeClr val="accent1">
+                <a:lumMod val="60000"/>
+                <a:lumOff val="40000"/>
               </a:schemeClr>
             </a:solidFill>
           </a:ln>
@@ -6237,107 +6275,6 @@
           <a:bodyPr rtlCol="0" anchor="ctr"/>
           <a:lstStyle/>
           <a:p>
-            <a:r>
-              <a:rPr lang="en-IN" sz="1646" dirty="0">
-                <a:solidFill>
-                  <a:schemeClr val="bg2">
-                    <a:lumMod val="50000"/>
-                  </a:schemeClr>
-                </a:solidFill>
-              </a:rPr>
-              <a:t>Yes, NO</a:t>
-            </a:r>
-          </a:p>
-        </p:txBody>
-      </p:sp>
-      <p:sp>
-        <p:nvSpPr>
-          <p:cNvPr id="53" name="TextBox 52">
-            <a:extLst>
-              <a:ext uri="{FF2B5EF4-FFF2-40B4-BE49-F238E27FC236}">
-                <a16:creationId xmlns:a16="http://schemas.microsoft.com/office/drawing/2014/main" id="{550105AF-B118-154C-AF9F-5CD4F3909DD9}"/>
-              </a:ext>
-            </a:extLst>
-          </p:cNvPr>
-          <p:cNvSpPr txBox="1"/>
-          <p:nvPr/>
-        </p:nvSpPr>
-        <p:spPr>
-          <a:xfrm>
-            <a:off x="3616749" y="3231720"/>
-            <a:ext cx="1408655" cy="369332"/>
-          </a:xfrm>
-          <a:prstGeom prst="rect">
-            <a:avLst/>
-          </a:prstGeom>
-          <a:noFill/>
-        </p:spPr>
-        <p:txBody>
-          <a:bodyPr wrap="none" rtlCol="0">
-            <a:spAutoFit/>
-          </a:bodyPr>
-          <a:lstStyle/>
-          <a:p>
-            <a:pPr algn="ctr"/>
-            <a:r>
-              <a:rPr lang="en-US" dirty="0"/>
-              <a:t>Radio Button</a:t>
-            </a:r>
-          </a:p>
-        </p:txBody>
-      </p:sp>
-      <p:sp>
-        <p:nvSpPr>
-          <p:cNvPr id="58" name="Rectangle: Rounded Corners 65">
-            <a:extLst>
-              <a:ext uri="{FF2B5EF4-FFF2-40B4-BE49-F238E27FC236}">
-                <a16:creationId xmlns:a16="http://schemas.microsoft.com/office/drawing/2014/main" id="{05EAECDE-3B6D-E24E-8243-B8611089B202}"/>
-              </a:ext>
-            </a:extLst>
-          </p:cNvPr>
-          <p:cNvSpPr/>
-          <p:nvPr/>
-        </p:nvSpPr>
-        <p:spPr>
-          <a:xfrm>
-            <a:off x="6129623" y="4608447"/>
-            <a:ext cx="1813374" cy="443272"/>
-          </a:xfrm>
-          <a:prstGeom prst="roundRect">
-            <a:avLst/>
-          </a:prstGeom>
-          <a:solidFill>
-            <a:srgbClr val="00B0F0"/>
-          </a:solidFill>
-          <a:ln>
-            <a:solidFill>
-              <a:schemeClr val="accent1">
-                <a:lumMod val="60000"/>
-                <a:lumOff val="40000"/>
-              </a:schemeClr>
-            </a:solidFill>
-          </a:ln>
-        </p:spPr>
-        <p:style>
-          <a:lnRef idx="2">
-            <a:schemeClr val="accent1">
-              <a:shade val="50000"/>
-            </a:schemeClr>
-          </a:lnRef>
-          <a:fillRef idx="1">
-            <a:schemeClr val="accent1"/>
-          </a:fillRef>
-          <a:effectRef idx="0">
-            <a:schemeClr val="accent1"/>
-          </a:effectRef>
-          <a:fontRef idx="minor">
-            <a:schemeClr val="lt1"/>
-          </a:fontRef>
-        </p:style>
-        <p:txBody>
-          <a:bodyPr rtlCol="0" anchor="ctr"/>
-          <a:lstStyle/>
-          <a:p>
             <a:pPr algn="ctr"/>
             <a:r>
               <a:rPr lang="en-IN" sz="1646" dirty="0"/>
@@ -6422,6 +6359,30 @@
           </a:p>
         </p:txBody>
       </p:sp>
+      <p:pic>
+        <p:nvPicPr>
+          <p:cNvPr id="2" name="Picture 1"/>
+          <p:cNvPicPr>
+            <a:picLocks noChangeAspect="1"/>
+          </p:cNvPicPr>
+          <p:nvPr/>
+        </p:nvPicPr>
+        <p:blipFill>
+          <a:blip r:embed="rId11"/>
+          <a:stretch>
+            <a:fillRect/>
+          </a:stretch>
+        </p:blipFill>
+        <p:spPr>
+          <a:xfrm>
+            <a:off x="5343373" y="3037305"/>
+            <a:ext cx="5095875" cy="2124075"/>
+          </a:xfrm>
+          <a:prstGeom prst="rect">
+            <a:avLst/>
+          </a:prstGeom>
+        </p:spPr>
+      </p:pic>
     </p:spTree>
     <p:extLst>
       <p:ext uri="{BB962C8B-B14F-4D97-AF65-F5344CB8AC3E}">
@@ -15547,6 +15508,10 @@
           <a:lstStyle/>
           <a:p>
             <a:pPr algn="ctr"/>
+            <a:r>
+              <a:rPr lang="en-IN" sz="1646" dirty="0"/>
+              <a:t>E</a:t>
+            </a:r>
             <a:endParaRPr lang="en-IN" sz="1646" dirty="0"/>
           </a:p>
         </p:txBody>
@@ -15581,15 +15546,32 @@
           <a:p>
             <a:pPr algn="ctr"/>
             <a:r>
-              <a:rPr lang="en-IN" sz="2200" b="1" dirty="0">
+              <a:rPr lang="en-IN" sz="2200" b="1" dirty="0" smtClean="0">
                 <a:solidFill>
                   <a:schemeClr val="bg2">
                     <a:lumMod val="50000"/>
                   </a:schemeClr>
                 </a:solidFill>
               </a:rPr>
-              <a:t>Course Work Addition for Trainee : course details</a:t>
+              <a:t>Course </a:t>
             </a:r>
+            <a:r>
+              <a:rPr lang="en-IN" sz="2200" b="1" dirty="0" err="1" smtClean="0">
+                <a:solidFill>
+                  <a:schemeClr val="bg2">
+                    <a:lumMod val="50000"/>
+                  </a:schemeClr>
+                </a:solidFill>
+              </a:rPr>
+              <a:t>Addititon</a:t>
+            </a:r>
+            <a:endParaRPr lang="en-IN" sz="2200" b="1" dirty="0">
+              <a:solidFill>
+                <a:schemeClr val="bg2">
+                  <a:lumMod val="50000"/>
+                </a:schemeClr>
+              </a:solidFill>
+            </a:endParaRPr>
           </a:p>
         </p:txBody>
       </p:sp>
@@ -15874,7 +15856,7 @@
         </p:nvSpPr>
         <p:spPr>
           <a:xfrm>
-            <a:off x="5322452" y="4422945"/>
+            <a:off x="5395502" y="4459287"/>
             <a:ext cx="3068078" cy="422168"/>
           </a:xfrm>
           <a:prstGeom prst="roundRect">
@@ -15935,7 +15917,7 @@
         </p:nvSpPr>
         <p:spPr>
           <a:xfrm>
-            <a:off x="8806412" y="4393303"/>
+            <a:off x="8869433" y="4409906"/>
             <a:ext cx="1813374" cy="443272"/>
           </a:xfrm>
           <a:prstGeom prst="roundRect">
@@ -16031,7 +16013,7 @@
         </p:nvSpPr>
         <p:spPr>
           <a:xfrm>
-            <a:off x="6075615" y="5843970"/>
+            <a:off x="6075616" y="6344081"/>
             <a:ext cx="1813374" cy="443272"/>
           </a:xfrm>
           <a:prstGeom prst="roundRect">
@@ -16155,10 +16137,10 @@
       </p:sp>
       <p:sp>
         <p:nvSpPr>
-          <p:cNvPr id="56" name="Rectangle: Rounded Corners 55">
-            <a:extLst>
-              <a:ext uri="{FF2B5EF4-FFF2-40B4-BE49-F238E27FC236}">
-                <a16:creationId xmlns:a16="http://schemas.microsoft.com/office/drawing/2014/main" id="{6640BC33-E56F-2047-A9F0-9EFFB3E5EADB}"/>
+          <p:cNvPr id="57" name="Rectangle: Rounded Corners 65">
+            <a:extLst>
+              <a:ext uri="{FF2B5EF4-FFF2-40B4-BE49-F238E27FC236}">
+                <a16:creationId xmlns:a16="http://schemas.microsoft.com/office/drawing/2014/main" id="{E2E76E90-693E-CA49-A433-FA00E8B4B9D4}"/>
               </a:ext>
             </a:extLst>
           </p:cNvPr>
@@ -16167,19 +16149,20 @@
         </p:nvSpPr>
         <p:spPr>
           <a:xfrm>
-            <a:off x="4202468" y="5226964"/>
-            <a:ext cx="1423665" cy="422168"/>
+            <a:off x="8869433" y="5529385"/>
+            <a:ext cx="1813374" cy="443272"/>
           </a:xfrm>
           <a:prstGeom prst="roundRect">
             <a:avLst/>
           </a:prstGeom>
           <a:solidFill>
-            <a:schemeClr val="bg1"/>
+            <a:srgbClr val="00B0F0"/>
           </a:solidFill>
           <a:ln>
             <a:solidFill>
-              <a:schemeClr val="bg2">
-                <a:lumMod val="50000"/>
+              <a:schemeClr val="accent1">
+                <a:lumMod val="60000"/>
+                <a:lumOff val="40000"/>
               </a:schemeClr>
             </a:solidFill>
           </a:ln>
@@ -16204,22 +16187,57 @@
           <a:bodyPr rtlCol="0" anchor="ctr"/>
           <a:lstStyle/>
           <a:p>
-            <a:endParaRPr lang="en-IN" sz="1646" dirty="0">
-              <a:solidFill>
-                <a:schemeClr val="bg2">
-                  <a:lumMod val="50000"/>
-                </a:schemeClr>
-              </a:solidFill>
-            </a:endParaRPr>
-          </a:p>
-        </p:txBody>
-      </p:sp>
-      <p:sp>
-        <p:nvSpPr>
-          <p:cNvPr id="57" name="Rectangle: Rounded Corners 65">
-            <a:extLst>
-              <a:ext uri="{FF2B5EF4-FFF2-40B4-BE49-F238E27FC236}">
-                <a16:creationId xmlns:a16="http://schemas.microsoft.com/office/drawing/2014/main" id="{E2E76E90-693E-CA49-A433-FA00E8B4B9D4}"/>
+            <a:pPr algn="ctr"/>
+            <a:r>
+              <a:rPr lang="en-IN" sz="1646" dirty="0" err="1" smtClean="0"/>
+              <a:t>nter</a:t>
+            </a:r>
+            <a:endParaRPr lang="en-IN" sz="1646" dirty="0"/>
+          </a:p>
+        </p:txBody>
+      </p:sp>
+      <p:sp>
+        <p:nvSpPr>
+          <p:cNvPr id="59" name="TextBox 58">
+            <a:extLst>
+              <a:ext uri="{FF2B5EF4-FFF2-40B4-BE49-F238E27FC236}">
+                <a16:creationId xmlns:a16="http://schemas.microsoft.com/office/drawing/2014/main" id="{21A65F48-94AD-7449-B09D-FDB97C9B906F}"/>
+              </a:ext>
+            </a:extLst>
+          </p:cNvPr>
+          <p:cNvSpPr txBox="1"/>
+          <p:nvPr/>
+        </p:nvSpPr>
+        <p:spPr>
+          <a:xfrm>
+            <a:off x="3806115" y="5603325"/>
+            <a:ext cx="1087349" cy="369332"/>
+          </a:xfrm>
+          <a:prstGeom prst="rect">
+            <a:avLst/>
+          </a:prstGeom>
+          <a:noFill/>
+        </p:spPr>
+        <p:txBody>
+          <a:bodyPr wrap="none" rtlCol="0">
+            <a:spAutoFit/>
+          </a:bodyPr>
+          <a:lstStyle/>
+          <a:p>
+            <a:pPr algn="ctr"/>
+            <a:r>
+              <a:rPr lang="en-US" dirty="0"/>
+              <a:t>End Date </a:t>
+            </a:r>
+          </a:p>
+        </p:txBody>
+      </p:sp>
+      <p:sp>
+        <p:nvSpPr>
+          <p:cNvPr id="60" name="Rectangle: Rounded Corners 55">
+            <a:extLst>
+              <a:ext uri="{FF2B5EF4-FFF2-40B4-BE49-F238E27FC236}">
+                <a16:creationId xmlns:a16="http://schemas.microsoft.com/office/drawing/2014/main" id="{1A549288-70C2-FA4A-B20B-0E47D8136C14}"/>
               </a:ext>
             </a:extLst>
           </p:cNvPr>
@@ -16228,20 +16246,19 @@
         </p:nvSpPr>
         <p:spPr>
           <a:xfrm>
-            <a:off x="10283174" y="5180378"/>
-            <a:ext cx="1813374" cy="443272"/>
+            <a:off x="5310837" y="5539937"/>
+            <a:ext cx="3068078" cy="422168"/>
           </a:xfrm>
           <a:prstGeom prst="roundRect">
             <a:avLst/>
           </a:prstGeom>
           <a:solidFill>
-            <a:srgbClr val="00B0F0"/>
+            <a:schemeClr val="bg1"/>
           </a:solidFill>
           <a:ln>
             <a:solidFill>
-              <a:schemeClr val="accent1">
-                <a:lumMod val="60000"/>
-                <a:lumOff val="40000"/>
+              <a:schemeClr val="bg2">
+                <a:lumMod val="50000"/>
               </a:schemeClr>
             </a:solidFill>
           </a:ln>
@@ -16266,101 +16283,6 @@
           <a:bodyPr rtlCol="0" anchor="ctr"/>
           <a:lstStyle/>
           <a:p>
-            <a:pPr algn="ctr"/>
-            <a:r>
-              <a:rPr lang="en-IN" sz="1646" dirty="0"/>
-              <a:t>Enter</a:t>
-            </a:r>
-          </a:p>
-        </p:txBody>
-      </p:sp>
-      <p:sp>
-        <p:nvSpPr>
-          <p:cNvPr id="59" name="TextBox 58">
-            <a:extLst>
-              <a:ext uri="{FF2B5EF4-FFF2-40B4-BE49-F238E27FC236}">
-                <a16:creationId xmlns:a16="http://schemas.microsoft.com/office/drawing/2014/main" id="{21A65F48-94AD-7449-B09D-FDB97C9B906F}"/>
-              </a:ext>
-            </a:extLst>
-          </p:cNvPr>
-          <p:cNvSpPr txBox="1"/>
-          <p:nvPr/>
-        </p:nvSpPr>
-        <p:spPr>
-          <a:xfrm>
-            <a:off x="3170570" y="5245427"/>
-            <a:ext cx="1087349" cy="369332"/>
-          </a:xfrm>
-          <a:prstGeom prst="rect">
-            <a:avLst/>
-          </a:prstGeom>
-          <a:noFill/>
-        </p:spPr>
-        <p:txBody>
-          <a:bodyPr wrap="none" rtlCol="0">
-            <a:spAutoFit/>
-          </a:bodyPr>
-          <a:lstStyle/>
-          <a:p>
-            <a:pPr algn="ctr"/>
-            <a:r>
-              <a:rPr lang="en-US" dirty="0"/>
-              <a:t>End Date </a:t>
-            </a:r>
-          </a:p>
-        </p:txBody>
-      </p:sp>
-      <p:sp>
-        <p:nvSpPr>
-          <p:cNvPr id="61" name="Rectangle: Rounded Corners 55">
-            <a:extLst>
-              <a:ext uri="{FF2B5EF4-FFF2-40B4-BE49-F238E27FC236}">
-                <a16:creationId xmlns:a16="http://schemas.microsoft.com/office/drawing/2014/main" id="{F60C5301-47F8-4941-8CAD-D7283A57C9AE}"/>
-              </a:ext>
-            </a:extLst>
-          </p:cNvPr>
-          <p:cNvSpPr/>
-          <p:nvPr/>
-        </p:nvSpPr>
-        <p:spPr>
-          <a:xfrm>
-            <a:off x="8268237" y="5245427"/>
-            <a:ext cx="1745854" cy="422168"/>
-          </a:xfrm>
-          <a:prstGeom prst="roundRect">
-            <a:avLst/>
-          </a:prstGeom>
-          <a:solidFill>
-            <a:schemeClr val="bg1"/>
-          </a:solidFill>
-          <a:ln>
-            <a:solidFill>
-              <a:schemeClr val="bg2">
-                <a:lumMod val="50000"/>
-              </a:schemeClr>
-            </a:solidFill>
-          </a:ln>
-        </p:spPr>
-        <p:style>
-          <a:lnRef idx="2">
-            <a:schemeClr val="accent1">
-              <a:shade val="50000"/>
-            </a:schemeClr>
-          </a:lnRef>
-          <a:fillRef idx="1">
-            <a:schemeClr val="accent1"/>
-          </a:fillRef>
-          <a:effectRef idx="0">
-            <a:schemeClr val="accent1"/>
-          </a:effectRef>
-          <a:fontRef idx="minor">
-            <a:schemeClr val="lt1"/>
-          </a:fontRef>
-        </p:style>
-        <p:txBody>
-          <a:bodyPr rtlCol="0" anchor="ctr"/>
-          <a:lstStyle/>
-          <a:p>
             <a:endParaRPr lang="en-IN" sz="1646" dirty="0">
               <a:solidFill>
                 <a:schemeClr val="bg2">
@@ -16368,41 +16290,6 @@
                 </a:schemeClr>
               </a:solidFill>
             </a:endParaRPr>
-          </a:p>
-        </p:txBody>
-      </p:sp>
-      <p:sp>
-        <p:nvSpPr>
-          <p:cNvPr id="2" name="TextBox 1">
-            <a:extLst>
-              <a:ext uri="{FF2B5EF4-FFF2-40B4-BE49-F238E27FC236}">
-                <a16:creationId xmlns:a16="http://schemas.microsoft.com/office/drawing/2014/main" id="{32DB6CA8-BF7B-0740-9946-F3130C3BE8CB}"/>
-              </a:ext>
-            </a:extLst>
-          </p:cNvPr>
-          <p:cNvSpPr txBox="1"/>
-          <p:nvPr/>
-        </p:nvSpPr>
-        <p:spPr>
-          <a:xfrm>
-            <a:off x="7405958" y="5231322"/>
-            <a:ext cx="625492" cy="369332"/>
-          </a:xfrm>
-          <a:prstGeom prst="rect">
-            <a:avLst/>
-          </a:prstGeom>
-          <a:noFill/>
-        </p:spPr>
-        <p:txBody>
-          <a:bodyPr wrap="none" rtlCol="0">
-            <a:spAutoFit/>
-          </a:bodyPr>
-          <a:lstStyle/>
-          <a:p>
-            <a:r>
-              <a:rPr lang="en-US" dirty="0"/>
-              <a:t>Days</a:t>
-            </a:r>
           </a:p>
         </p:txBody>
       </p:sp>
@@ -17872,7 +17759,7 @@
         </p:blipFill>
         <p:spPr>
           <a:xfrm>
-            <a:off x="2426845" y="1493009"/>
+            <a:off x="7692566" y="7755222"/>
             <a:ext cx="10136484" cy="5597102"/>
           </a:xfrm>
           <a:prstGeom prst="rect">
@@ -17922,6 +17809,451 @@
           </a:p>
         </p:txBody>
       </p:sp>
+      <p:sp>
+        <p:nvSpPr>
+          <p:cNvPr id="43" name="Rectangle 42">
+            <a:extLst>
+              <a:ext uri="{FF2B5EF4-FFF2-40B4-BE49-F238E27FC236}">
+                <a16:creationId xmlns:a16="http://schemas.microsoft.com/office/drawing/2014/main" id="{30028716-C2BF-5A46-ADDC-B7D95A809ECA}"/>
+              </a:ext>
+            </a:extLst>
+          </p:cNvPr>
+          <p:cNvSpPr/>
+          <p:nvPr/>
+        </p:nvSpPr>
+        <p:spPr>
+          <a:xfrm>
+            <a:off x="2598391" y="1120614"/>
+            <a:ext cx="10013122" cy="6113279"/>
+          </a:xfrm>
+          <a:prstGeom prst="rect">
+            <a:avLst/>
+          </a:prstGeom>
+          <a:solidFill>
+            <a:schemeClr val="bg2">
+              <a:alpha val="15000"/>
+            </a:schemeClr>
+          </a:solidFill>
+          <a:ln>
+            <a:noFill/>
+          </a:ln>
+        </p:spPr>
+        <p:style>
+          <a:lnRef idx="2">
+            <a:schemeClr val="accent1">
+              <a:shade val="50000"/>
+            </a:schemeClr>
+          </a:lnRef>
+          <a:fillRef idx="1">
+            <a:schemeClr val="accent1"/>
+          </a:fillRef>
+          <a:effectRef idx="0">
+            <a:schemeClr val="accent1"/>
+          </a:effectRef>
+          <a:fontRef idx="minor">
+            <a:schemeClr val="lt1"/>
+          </a:fontRef>
+        </p:style>
+        <p:txBody>
+          <a:bodyPr rtlCol="0" anchor="ctr"/>
+          <a:lstStyle/>
+          <a:p>
+            <a:pPr algn="ctr"/>
+            <a:r>
+              <a:rPr lang="en-IN" sz="1646" dirty="0" smtClean="0"/>
+              <a:t>E`</a:t>
+            </a:r>
+            <a:endParaRPr lang="en-IN" sz="1646" dirty="0"/>
+          </a:p>
+        </p:txBody>
+      </p:sp>
+      <p:sp>
+        <p:nvSpPr>
+          <p:cNvPr id="44" name="Rectangle: Rounded Corners 55">
+            <a:extLst>
+              <a:ext uri="{FF2B5EF4-FFF2-40B4-BE49-F238E27FC236}">
+                <a16:creationId xmlns:a16="http://schemas.microsoft.com/office/drawing/2014/main" id="{1A549288-70C2-FA4A-B20B-0E47D8136C14}"/>
+              </a:ext>
+            </a:extLst>
+          </p:cNvPr>
+          <p:cNvSpPr/>
+          <p:nvPr/>
+        </p:nvSpPr>
+        <p:spPr>
+          <a:xfrm>
+            <a:off x="7861467" y="1720972"/>
+            <a:ext cx="1130804" cy="430662"/>
+          </a:xfrm>
+          <a:prstGeom prst="roundRect">
+            <a:avLst/>
+          </a:prstGeom>
+          <a:solidFill>
+            <a:schemeClr val="bg1"/>
+          </a:solidFill>
+          <a:ln>
+            <a:solidFill>
+              <a:schemeClr val="bg2">
+                <a:lumMod val="50000"/>
+              </a:schemeClr>
+            </a:solidFill>
+          </a:ln>
+        </p:spPr>
+        <p:style>
+          <a:lnRef idx="2">
+            <a:schemeClr val="accent1">
+              <a:shade val="50000"/>
+            </a:schemeClr>
+          </a:lnRef>
+          <a:fillRef idx="1">
+            <a:schemeClr val="accent1"/>
+          </a:fillRef>
+          <a:effectRef idx="0">
+            <a:schemeClr val="accent1"/>
+          </a:effectRef>
+          <a:fontRef idx="minor">
+            <a:schemeClr val="lt1"/>
+          </a:fontRef>
+        </p:style>
+        <p:txBody>
+          <a:bodyPr rtlCol="0" anchor="ctr"/>
+          <a:lstStyle/>
+          <a:p>
+            <a:endParaRPr lang="en-IN" sz="1646" dirty="0">
+              <a:solidFill>
+                <a:schemeClr val="bg2">
+                  <a:lumMod val="50000"/>
+                </a:schemeClr>
+              </a:solidFill>
+            </a:endParaRPr>
+          </a:p>
+        </p:txBody>
+      </p:sp>
+      <p:sp>
+        <p:nvSpPr>
+          <p:cNvPr id="45" name="TextBox 44">
+            <a:extLst>
+              <a:ext uri="{FF2B5EF4-FFF2-40B4-BE49-F238E27FC236}">
+                <a16:creationId xmlns:a16="http://schemas.microsoft.com/office/drawing/2014/main" id="{550105AF-B118-154C-AF9F-5CD4F3909DD9}"/>
+              </a:ext>
+            </a:extLst>
+          </p:cNvPr>
+          <p:cNvSpPr txBox="1"/>
+          <p:nvPr/>
+        </p:nvSpPr>
+        <p:spPr>
+          <a:xfrm>
+            <a:off x="6296769" y="1751637"/>
+            <a:ext cx="1448720" cy="369332"/>
+          </a:xfrm>
+          <a:prstGeom prst="rect">
+            <a:avLst/>
+          </a:prstGeom>
+          <a:noFill/>
+        </p:spPr>
+        <p:txBody>
+          <a:bodyPr wrap="square" rtlCol="0">
+            <a:spAutoFit/>
+          </a:bodyPr>
+          <a:lstStyle/>
+          <a:p>
+            <a:pPr algn="ctr"/>
+            <a:r>
+              <a:rPr lang="en-US" dirty="0"/>
+              <a:t>Start Date *</a:t>
+            </a:r>
+          </a:p>
+        </p:txBody>
+      </p:sp>
+      <p:sp>
+        <p:nvSpPr>
+          <p:cNvPr id="46" name="TextBox 45">
+            <a:extLst>
+              <a:ext uri="{FF2B5EF4-FFF2-40B4-BE49-F238E27FC236}">
+                <a16:creationId xmlns:a16="http://schemas.microsoft.com/office/drawing/2014/main" id="{21A65F48-94AD-7449-B09D-FDB97C9B906F}"/>
+              </a:ext>
+            </a:extLst>
+          </p:cNvPr>
+          <p:cNvSpPr txBox="1"/>
+          <p:nvPr/>
+        </p:nvSpPr>
+        <p:spPr>
+          <a:xfrm>
+            <a:off x="9093084" y="1751637"/>
+            <a:ext cx="1303766" cy="369332"/>
+          </a:xfrm>
+          <a:prstGeom prst="rect">
+            <a:avLst/>
+          </a:prstGeom>
+          <a:noFill/>
+        </p:spPr>
+        <p:txBody>
+          <a:bodyPr wrap="square" rtlCol="0">
+            <a:spAutoFit/>
+          </a:bodyPr>
+          <a:lstStyle/>
+          <a:p>
+            <a:pPr algn="ctr"/>
+            <a:r>
+              <a:rPr lang="en-US" dirty="0"/>
+              <a:t>End Date </a:t>
+            </a:r>
+          </a:p>
+        </p:txBody>
+      </p:sp>
+      <p:sp>
+        <p:nvSpPr>
+          <p:cNvPr id="48" name="Rectangle: Rounded Corners 55">
+            <a:extLst>
+              <a:ext uri="{FF2B5EF4-FFF2-40B4-BE49-F238E27FC236}">
+                <a16:creationId xmlns:a16="http://schemas.microsoft.com/office/drawing/2014/main" id="{1A549288-70C2-FA4A-B20B-0E47D8136C14}"/>
+              </a:ext>
+            </a:extLst>
+          </p:cNvPr>
+          <p:cNvSpPr/>
+          <p:nvPr/>
+        </p:nvSpPr>
+        <p:spPr>
+          <a:xfrm>
+            <a:off x="10408769" y="1745367"/>
+            <a:ext cx="1130804" cy="430662"/>
+          </a:xfrm>
+          <a:prstGeom prst="roundRect">
+            <a:avLst/>
+          </a:prstGeom>
+          <a:solidFill>
+            <a:schemeClr val="bg1"/>
+          </a:solidFill>
+          <a:ln>
+            <a:solidFill>
+              <a:schemeClr val="bg2">
+                <a:lumMod val="50000"/>
+              </a:schemeClr>
+            </a:solidFill>
+          </a:ln>
+        </p:spPr>
+        <p:style>
+          <a:lnRef idx="2">
+            <a:schemeClr val="accent1">
+              <a:shade val="50000"/>
+            </a:schemeClr>
+          </a:lnRef>
+          <a:fillRef idx="1">
+            <a:schemeClr val="accent1"/>
+          </a:fillRef>
+          <a:effectRef idx="0">
+            <a:schemeClr val="accent1"/>
+          </a:effectRef>
+          <a:fontRef idx="minor">
+            <a:schemeClr val="lt1"/>
+          </a:fontRef>
+        </p:style>
+        <p:txBody>
+          <a:bodyPr rtlCol="0" anchor="ctr"/>
+          <a:lstStyle/>
+          <a:p>
+            <a:endParaRPr lang="en-IN" sz="1646" dirty="0">
+              <a:solidFill>
+                <a:schemeClr val="bg2">
+                  <a:lumMod val="50000"/>
+                </a:schemeClr>
+              </a:solidFill>
+            </a:endParaRPr>
+          </a:p>
+        </p:txBody>
+      </p:sp>
+      <p:sp>
+        <p:nvSpPr>
+          <p:cNvPr id="49" name="Rectangle: Rounded Corners 65">
+            <a:extLst>
+              <a:ext uri="{FF2B5EF4-FFF2-40B4-BE49-F238E27FC236}">
+                <a16:creationId xmlns:a16="http://schemas.microsoft.com/office/drawing/2014/main" id="{05EAECDE-3B6D-E24E-8243-B8611089B202}"/>
+              </a:ext>
+            </a:extLst>
+          </p:cNvPr>
+          <p:cNvSpPr/>
+          <p:nvPr/>
+        </p:nvSpPr>
+        <p:spPr>
+          <a:xfrm>
+            <a:off x="6075616" y="6958721"/>
+            <a:ext cx="1813374" cy="443272"/>
+          </a:xfrm>
+          <a:prstGeom prst="roundRect">
+            <a:avLst/>
+          </a:prstGeom>
+          <a:solidFill>
+            <a:srgbClr val="00B0F0"/>
+          </a:solidFill>
+          <a:ln>
+            <a:solidFill>
+              <a:schemeClr val="accent1">
+                <a:lumMod val="60000"/>
+                <a:lumOff val="40000"/>
+              </a:schemeClr>
+            </a:solidFill>
+          </a:ln>
+        </p:spPr>
+        <p:style>
+          <a:lnRef idx="2">
+            <a:schemeClr val="accent1">
+              <a:shade val="50000"/>
+            </a:schemeClr>
+          </a:lnRef>
+          <a:fillRef idx="1">
+            <a:schemeClr val="accent1"/>
+          </a:fillRef>
+          <a:effectRef idx="0">
+            <a:schemeClr val="accent1"/>
+          </a:effectRef>
+          <a:fontRef idx="minor">
+            <a:schemeClr val="lt1"/>
+          </a:fontRef>
+        </p:style>
+        <p:txBody>
+          <a:bodyPr rtlCol="0" anchor="ctr"/>
+          <a:lstStyle/>
+          <a:p>
+            <a:pPr algn="ctr"/>
+            <a:r>
+              <a:rPr lang="en-IN" sz="1646" dirty="0"/>
+              <a:t>Submit</a:t>
+            </a:r>
+          </a:p>
+        </p:txBody>
+      </p:sp>
+      <p:pic>
+        <p:nvPicPr>
+          <p:cNvPr id="4" name="Picture 3"/>
+          <p:cNvPicPr>
+            <a:picLocks noChangeAspect="1"/>
+          </p:cNvPicPr>
+          <p:nvPr/>
+        </p:nvPicPr>
+        <p:blipFill>
+          <a:blip r:embed="rId12"/>
+          <a:stretch>
+            <a:fillRect/>
+          </a:stretch>
+        </p:blipFill>
+        <p:spPr>
+          <a:xfrm>
+            <a:off x="2778824" y="1593724"/>
+            <a:ext cx="3543300" cy="704850"/>
+          </a:xfrm>
+          <a:prstGeom prst="rect">
+            <a:avLst/>
+          </a:prstGeom>
+        </p:spPr>
+      </p:pic>
+      <p:pic>
+        <p:nvPicPr>
+          <p:cNvPr id="5" name="Picture 4"/>
+          <p:cNvPicPr>
+            <a:picLocks noChangeAspect="1"/>
+          </p:cNvPicPr>
+          <p:nvPr/>
+        </p:nvPicPr>
+        <p:blipFill>
+          <a:blip r:embed="rId13"/>
+          <a:stretch>
+            <a:fillRect/>
+          </a:stretch>
+        </p:blipFill>
+        <p:spPr>
+          <a:xfrm>
+            <a:off x="9353687" y="2321917"/>
+            <a:ext cx="3240968" cy="466725"/>
+          </a:xfrm>
+          <a:prstGeom prst="rect">
+            <a:avLst/>
+          </a:prstGeom>
+        </p:spPr>
+      </p:pic>
+      <p:sp>
+        <p:nvSpPr>
+          <p:cNvPr id="52" name="TextBox 51">
+            <a:extLst>
+              <a:ext uri="{FF2B5EF4-FFF2-40B4-BE49-F238E27FC236}">
+                <a16:creationId xmlns:a16="http://schemas.microsoft.com/office/drawing/2014/main" id="{550105AF-B118-154C-AF9F-5CD4F3909DD9}"/>
+              </a:ext>
+            </a:extLst>
+          </p:cNvPr>
+          <p:cNvSpPr txBox="1"/>
+          <p:nvPr/>
+        </p:nvSpPr>
+        <p:spPr>
+          <a:xfrm>
+            <a:off x="8267911" y="2318133"/>
+            <a:ext cx="1448720" cy="369332"/>
+          </a:xfrm>
+          <a:prstGeom prst="rect">
+            <a:avLst/>
+          </a:prstGeom>
+          <a:noFill/>
+        </p:spPr>
+        <p:txBody>
+          <a:bodyPr wrap="square" rtlCol="0">
+            <a:spAutoFit/>
+          </a:bodyPr>
+          <a:lstStyle/>
+          <a:p>
+            <a:pPr algn="ctr"/>
+            <a:r>
+              <a:rPr lang="en-US" dirty="0" smtClean="0"/>
+              <a:t>Filter : </a:t>
+            </a:r>
+            <a:endParaRPr lang="en-US" dirty="0"/>
+          </a:p>
+        </p:txBody>
+      </p:sp>
+      <p:pic>
+        <p:nvPicPr>
+          <p:cNvPr id="7" name="Picture 6"/>
+          <p:cNvPicPr>
+            <a:picLocks noChangeAspect="1"/>
+          </p:cNvPicPr>
+          <p:nvPr/>
+        </p:nvPicPr>
+        <p:blipFill>
+          <a:blip r:embed="rId14"/>
+          <a:stretch>
+            <a:fillRect/>
+          </a:stretch>
+        </p:blipFill>
+        <p:spPr>
+          <a:xfrm>
+            <a:off x="2804923" y="3341709"/>
+            <a:ext cx="8706761" cy="2809852"/>
+          </a:xfrm>
+          <a:prstGeom prst="rect">
+            <a:avLst/>
+          </a:prstGeom>
+        </p:spPr>
+      </p:pic>
+      <p:pic>
+        <p:nvPicPr>
+          <p:cNvPr id="8" name="Picture 7"/>
+          <p:cNvPicPr>
+            <a:picLocks noChangeAspect="1"/>
+          </p:cNvPicPr>
+          <p:nvPr/>
+        </p:nvPicPr>
+        <p:blipFill>
+          <a:blip r:embed="rId15"/>
+          <a:stretch>
+            <a:fillRect/>
+          </a:stretch>
+        </p:blipFill>
+        <p:spPr>
+          <a:xfrm>
+            <a:off x="11029268" y="4141094"/>
+            <a:ext cx="333375" cy="1905000"/>
+          </a:xfrm>
+          <a:prstGeom prst="rect">
+            <a:avLst/>
+          </a:prstGeom>
+        </p:spPr>
+      </p:pic>
     </p:spTree>
     <p:extLst>
       <p:ext uri="{BB962C8B-B14F-4D97-AF65-F5344CB8AC3E}">

--- a/Documentation/Screen Designs/Shanta Sanofi Screen Designs.pptx
+++ b/Documentation/Screen Designs/Shanta Sanofi Screen Designs.pptx
@@ -5,22 +5,21 @@
     <p:sldMasterId id="2147483672" r:id="rId1"/>
   </p:sldMasterIdLst>
   <p:notesMasterIdLst>
-    <p:notesMasterId r:id="rId15"/>
+    <p:notesMasterId r:id="rId14"/>
   </p:notesMasterIdLst>
   <p:sldIdLst>
     <p:sldId id="283" r:id="rId2"/>
     <p:sldId id="295" r:id="rId3"/>
     <p:sldId id="299" r:id="rId4"/>
     <p:sldId id="296" r:id="rId5"/>
-    <p:sldId id="290" r:id="rId6"/>
-    <p:sldId id="284" r:id="rId7"/>
-    <p:sldId id="291" r:id="rId8"/>
-    <p:sldId id="292" r:id="rId9"/>
-    <p:sldId id="293" r:id="rId10"/>
-    <p:sldId id="287" r:id="rId11"/>
-    <p:sldId id="288" r:id="rId12"/>
-    <p:sldId id="294" r:id="rId13"/>
-    <p:sldId id="297" r:id="rId14"/>
+    <p:sldId id="284" r:id="rId6"/>
+    <p:sldId id="291" r:id="rId7"/>
+    <p:sldId id="292" r:id="rId8"/>
+    <p:sldId id="293" r:id="rId9"/>
+    <p:sldId id="294" r:id="rId10"/>
+    <p:sldId id="288" r:id="rId11"/>
+    <p:sldId id="290" r:id="rId12"/>
+    <p:sldId id="297" r:id="rId13"/>
   </p:sldIdLst>
   <p:sldSz cx="13103225" cy="8229600"/>
   <p:notesSz cx="6858000" cy="9144000"/>
@@ -635,7 +634,7 @@
     </p:spTree>
     <p:extLst>
       <p:ext uri="{BB962C8B-B14F-4D97-AF65-F5344CB8AC3E}">
-        <p14:creationId xmlns:p14="http://schemas.microsoft.com/office/powerpoint/2010/main" val="3484139248"/>
+        <p14:creationId xmlns:p14="http://schemas.microsoft.com/office/powerpoint/2010/main" val="3913989221"/>
       </p:ext>
     </p:extLst>
   </p:cSld>
@@ -719,91 +718,7 @@
     </p:spTree>
     <p:extLst>
       <p:ext uri="{BB962C8B-B14F-4D97-AF65-F5344CB8AC3E}">
-        <p14:creationId xmlns:p14="http://schemas.microsoft.com/office/powerpoint/2010/main" val="3913989221"/>
-      </p:ext>
-    </p:extLst>
-  </p:cSld>
-  <p:clrMapOvr>
-    <a:masterClrMapping/>
-  </p:clrMapOvr>
-</p:notes>
-</file>
-
-<file path=ppt/notesSlides/notesSlide12.xml><?xml version="1.0" encoding="utf-8"?>
-<p:notes xmlns:a="http://schemas.openxmlformats.org/drawingml/2006/main" xmlns:r="http://schemas.openxmlformats.org/officeDocument/2006/relationships" xmlns:p="http://schemas.openxmlformats.org/presentationml/2006/main">
-  <p:cSld>
-    <p:spTree>
-      <p:nvGrpSpPr>
-        <p:cNvPr id="1" name=""/>
-        <p:cNvGrpSpPr/>
-        <p:nvPr/>
-      </p:nvGrpSpPr>
-      <p:grpSpPr>
-        <a:xfrm>
-          <a:off x="0" y="0"/>
-          <a:ext cx="0" cy="0"/>
-          <a:chOff x="0" y="0"/>
-          <a:chExt cx="0" cy="0"/>
-        </a:xfrm>
-      </p:grpSpPr>
-      <p:sp>
-        <p:nvSpPr>
-          <p:cNvPr id="2" name="Slide Image Placeholder 1"/>
-          <p:cNvSpPr>
-            <a:spLocks noGrp="1" noRot="1" noChangeAspect="1"/>
-          </p:cNvSpPr>
-          <p:nvPr>
-            <p:ph type="sldImg"/>
-          </p:nvPr>
-        </p:nvSpPr>
-        <p:spPr/>
-      </p:sp>
-      <p:sp>
-        <p:nvSpPr>
-          <p:cNvPr id="3" name="Notes Placeholder 2"/>
-          <p:cNvSpPr>
-            <a:spLocks noGrp="1"/>
-          </p:cNvSpPr>
-          <p:nvPr>
-            <p:ph type="body" idx="1"/>
-          </p:nvPr>
-        </p:nvSpPr>
-        <p:spPr/>
-        <p:txBody>
-          <a:bodyPr/>
-          <a:lstStyle/>
-          <a:p>
-            <a:endParaRPr lang="en-US" dirty="0"/>
-          </a:p>
-        </p:txBody>
-      </p:sp>
-      <p:sp>
-        <p:nvSpPr>
-          <p:cNvPr id="4" name="Slide Number Placeholder 3"/>
-          <p:cNvSpPr>
-            <a:spLocks noGrp="1"/>
-          </p:cNvSpPr>
-          <p:nvPr>
-            <p:ph type="sldNum" sz="quarter" idx="5"/>
-          </p:nvPr>
-        </p:nvSpPr>
-        <p:spPr/>
-        <p:txBody>
-          <a:bodyPr/>
-          <a:lstStyle/>
-          <a:p>
-            <a:fld id="{7DD41ED4-1231-4BDD-A166-105321184164}" type="slidenum">
-              <a:rPr lang="en-IN" smtClean="0"/>
-              <a:t>12</a:t>
-            </a:fld>
-            <a:endParaRPr lang="en-IN"/>
-          </a:p>
-        </p:txBody>
-      </p:sp>
-    </p:spTree>
-    <p:extLst>
-      <p:ext uri="{BB962C8B-B14F-4D97-AF65-F5344CB8AC3E}">
-        <p14:creationId xmlns:p14="http://schemas.microsoft.com/office/powerpoint/2010/main" val="3378848030"/>
+        <p14:creationId xmlns:p14="http://schemas.microsoft.com/office/powerpoint/2010/main" val="1396601265"/>
       </p:ext>
     </p:extLst>
   </p:cSld>
@@ -1139,7 +1054,7 @@
     </p:spTree>
     <p:extLst>
       <p:ext uri="{BB962C8B-B14F-4D97-AF65-F5344CB8AC3E}">
-        <p14:creationId xmlns:p14="http://schemas.microsoft.com/office/powerpoint/2010/main" val="1396601265"/>
+        <p14:creationId xmlns:p14="http://schemas.microsoft.com/office/powerpoint/2010/main" val="3265022020"/>
       </p:ext>
     </p:extLst>
   </p:cSld>
@@ -1223,7 +1138,7 @@
     </p:spTree>
     <p:extLst>
       <p:ext uri="{BB962C8B-B14F-4D97-AF65-F5344CB8AC3E}">
-        <p14:creationId xmlns:p14="http://schemas.microsoft.com/office/powerpoint/2010/main" val="3265022020"/>
+        <p14:creationId xmlns:p14="http://schemas.microsoft.com/office/powerpoint/2010/main" val="3327299249"/>
       </p:ext>
     </p:extLst>
   </p:cSld>
@@ -1307,7 +1222,7 @@
     </p:spTree>
     <p:extLst>
       <p:ext uri="{BB962C8B-B14F-4D97-AF65-F5344CB8AC3E}">
-        <p14:creationId xmlns:p14="http://schemas.microsoft.com/office/powerpoint/2010/main" val="3327299249"/>
+        <p14:creationId xmlns:p14="http://schemas.microsoft.com/office/powerpoint/2010/main" val="2681794354"/>
       </p:ext>
     </p:extLst>
   </p:cSld>
@@ -1391,7 +1306,7 @@
     </p:spTree>
     <p:extLst>
       <p:ext uri="{BB962C8B-B14F-4D97-AF65-F5344CB8AC3E}">
-        <p14:creationId xmlns:p14="http://schemas.microsoft.com/office/powerpoint/2010/main" val="2681794354"/>
+        <p14:creationId xmlns:p14="http://schemas.microsoft.com/office/powerpoint/2010/main" val="2167689040"/>
       </p:ext>
     </p:extLst>
   </p:cSld>
@@ -1475,7 +1390,7 @@
     </p:spTree>
     <p:extLst>
       <p:ext uri="{BB962C8B-B14F-4D97-AF65-F5344CB8AC3E}">
-        <p14:creationId xmlns:p14="http://schemas.microsoft.com/office/powerpoint/2010/main" val="2167689040"/>
+        <p14:creationId xmlns:p14="http://schemas.microsoft.com/office/powerpoint/2010/main" val="3378848030"/>
       </p:ext>
     </p:extLst>
   </p:cSld>
@@ -7077,7 +6992,7 @@
                   <a:schemeClr val="bg1"/>
                 </a:solidFill>
               </a:rPr>
-              <a:t>Database upload</a:t>
+              <a:t>Database Upload</a:t>
             </a:r>
             <a:endParaRPr lang="en-IN" sz="1646" dirty="0">
               <a:solidFill>
@@ -7737,7 +7652,7 @@
       </p:sp>
       <p:pic>
         <p:nvPicPr>
-          <p:cNvPr id="47" name="Picture 46">
+          <p:cNvPr id="43" name="Picture 42">
             <a:extLst>
               <a:ext uri="{FF2B5EF4-FFF2-40B4-BE49-F238E27FC236}">
                 <a16:creationId xmlns:a16="http://schemas.microsoft.com/office/drawing/2014/main" id="{C84DA818-07F7-3C49-8665-28FBED243475}"/>
@@ -7774,7 +7689,7 @@
       </p:pic>
       <p:sp>
         <p:nvSpPr>
-          <p:cNvPr id="48" name="TextBox 47">
+          <p:cNvPr id="44" name="TextBox 43">
             <a:extLst>
               <a:ext uri="{FF2B5EF4-FFF2-40B4-BE49-F238E27FC236}">
                 <a16:creationId xmlns:a16="http://schemas.microsoft.com/office/drawing/2014/main" id="{2DF43A07-FAF5-B646-88CD-2F283F8D3FE4}"/>
@@ -7811,10 +7726,45 @@
           </a:p>
         </p:txBody>
       </p:sp>
+      <p:sp>
+        <p:nvSpPr>
+          <p:cNvPr id="2" name="TextBox 1">
+            <a:extLst>
+              <a:ext uri="{FF2B5EF4-FFF2-40B4-BE49-F238E27FC236}">
+                <a16:creationId xmlns:a16="http://schemas.microsoft.com/office/drawing/2014/main" id="{861006DE-B487-8F41-B682-B1DE95147731}"/>
+              </a:ext>
+            </a:extLst>
+          </p:cNvPr>
+          <p:cNvSpPr txBox="1"/>
+          <p:nvPr/>
+        </p:nvSpPr>
+        <p:spPr>
+          <a:xfrm>
+            <a:off x="5315372" y="2813371"/>
+            <a:ext cx="2886519" cy="369332"/>
+          </a:xfrm>
+          <a:prstGeom prst="rect">
+            <a:avLst/>
+          </a:prstGeom>
+          <a:noFill/>
+        </p:spPr>
+        <p:txBody>
+          <a:bodyPr wrap="square" rtlCol="0">
+            <a:spAutoFit/>
+          </a:bodyPr>
+          <a:lstStyle/>
+          <a:p>
+            <a:r>
+              <a:rPr lang="en-US" dirty="0"/>
+              <a:t>//Quick Insights</a:t>
+            </a:r>
+          </a:p>
+        </p:txBody>
+      </p:sp>
     </p:spTree>
     <p:extLst>
       <p:ext uri="{BB962C8B-B14F-4D97-AF65-F5344CB8AC3E}">
-        <p14:creationId xmlns:p14="http://schemas.microsoft.com/office/powerpoint/2010/main" val="3742781327"/>
+        <p14:creationId xmlns:p14="http://schemas.microsoft.com/office/powerpoint/2010/main" val="2777914342"/>
       </p:ext>
     </p:extLst>
   </p:cSld>
@@ -9179,64 +9129,9 @@
           </a:prstGeom>
         </p:spPr>
       </p:pic>
-      <p:sp>
-        <p:nvSpPr>
-          <p:cNvPr id="40" name="Rectangle 39">
-            <a:extLst>
-              <a:ext uri="{FF2B5EF4-FFF2-40B4-BE49-F238E27FC236}">
-                <a16:creationId xmlns:a16="http://schemas.microsoft.com/office/drawing/2014/main" id="{5CCF21A6-3573-F543-95AF-2A9029C46D51}"/>
-              </a:ext>
-            </a:extLst>
-          </p:cNvPr>
-          <p:cNvSpPr/>
-          <p:nvPr/>
-        </p:nvSpPr>
-        <p:spPr>
-          <a:xfrm>
-            <a:off x="2921289" y="1995623"/>
-            <a:ext cx="8835437" cy="694077"/>
-          </a:xfrm>
-          <a:prstGeom prst="rect">
-            <a:avLst/>
-          </a:prstGeom>
-          <a:solidFill>
-            <a:schemeClr val="bg1"/>
-          </a:solidFill>
-          <a:ln>
-            <a:noFill/>
-          </a:ln>
-        </p:spPr>
-        <p:style>
-          <a:lnRef idx="2">
-            <a:schemeClr val="accent1">
-              <a:shade val="50000"/>
-            </a:schemeClr>
-          </a:lnRef>
-          <a:fillRef idx="1">
-            <a:schemeClr val="accent1"/>
-          </a:fillRef>
-          <a:effectRef idx="0">
-            <a:schemeClr val="accent1"/>
-          </a:effectRef>
-          <a:fontRef idx="minor">
-            <a:schemeClr val="lt1"/>
-          </a:fontRef>
-        </p:style>
-        <p:txBody>
-          <a:bodyPr rtlCol="0" anchor="ctr"/>
-          <a:lstStyle/>
-          <a:p>
-            <a:pPr algn="ctr"/>
-            <a:r>
-              <a:rPr lang="en-IN" sz="1646" dirty="0"/>
-              <a:t>E</a:t>
-            </a:r>
-          </a:p>
-        </p:txBody>
-      </p:sp>
       <p:pic>
         <p:nvPicPr>
-          <p:cNvPr id="43" name="Picture 42">
+          <p:cNvPr id="38" name="Picture 37">
             <a:extLst>
               <a:ext uri="{FF2B5EF4-FFF2-40B4-BE49-F238E27FC236}">
                 <a16:creationId xmlns:a16="http://schemas.microsoft.com/office/drawing/2014/main" id="{C84DA818-07F7-3C49-8665-28FBED243475}"/>
@@ -9273,7 +9168,7 @@
       </p:pic>
       <p:sp>
         <p:nvSpPr>
-          <p:cNvPr id="44" name="TextBox 43">
+          <p:cNvPr id="39" name="TextBox 38">
             <a:extLst>
               <a:ext uri="{FF2B5EF4-FFF2-40B4-BE49-F238E27FC236}">
                 <a16:creationId xmlns:a16="http://schemas.microsoft.com/office/drawing/2014/main" id="{2DF43A07-FAF5-B646-88CD-2F283F8D3FE4}"/>
@@ -9310,45 +9205,10 @@
           </a:p>
         </p:txBody>
       </p:sp>
-      <p:sp>
-        <p:nvSpPr>
-          <p:cNvPr id="2" name="TextBox 1">
-            <a:extLst>
-              <a:ext uri="{FF2B5EF4-FFF2-40B4-BE49-F238E27FC236}">
-                <a16:creationId xmlns:a16="http://schemas.microsoft.com/office/drawing/2014/main" id="{861006DE-B487-8F41-B682-B1DE95147731}"/>
-              </a:ext>
-            </a:extLst>
-          </p:cNvPr>
-          <p:cNvSpPr txBox="1"/>
-          <p:nvPr/>
-        </p:nvSpPr>
-        <p:spPr>
-          <a:xfrm>
-            <a:off x="5315372" y="2813371"/>
-            <a:ext cx="2886519" cy="369332"/>
-          </a:xfrm>
-          <a:prstGeom prst="rect">
-            <a:avLst/>
-          </a:prstGeom>
-          <a:noFill/>
-        </p:spPr>
-        <p:txBody>
-          <a:bodyPr wrap="square" rtlCol="0">
-            <a:spAutoFit/>
-          </a:bodyPr>
-          <a:lstStyle/>
-          <a:p>
-            <a:r>
-              <a:rPr lang="en-US" dirty="0"/>
-              <a:t>//Quick Insights</a:t>
-            </a:r>
-          </a:p>
-        </p:txBody>
-      </p:sp>
     </p:spTree>
     <p:extLst>
       <p:ext uri="{BB962C8B-B14F-4D97-AF65-F5344CB8AC3E}">
-        <p14:creationId xmlns:p14="http://schemas.microsoft.com/office/powerpoint/2010/main" val="2777914342"/>
+        <p14:creationId xmlns:p14="http://schemas.microsoft.com/office/powerpoint/2010/main" val="3070678385"/>
       </p:ext>
     </p:extLst>
   </p:cSld>
@@ -9359,6 +9219,258 @@
 </file>
 
 <file path=ppt/slides/slide12.xml><?xml version="1.0" encoding="utf-8"?>
+<p:sld xmlns:a="http://schemas.openxmlformats.org/drawingml/2006/main" xmlns:r="http://schemas.openxmlformats.org/officeDocument/2006/relationships" xmlns:p="http://schemas.openxmlformats.org/presentationml/2006/main">
+  <p:cSld>
+    <p:spTree>
+      <p:nvGrpSpPr>
+        <p:cNvPr id="1" name=""/>
+        <p:cNvGrpSpPr/>
+        <p:nvPr/>
+      </p:nvGrpSpPr>
+      <p:grpSpPr>
+        <a:xfrm>
+          <a:off x="0" y="0"/>
+          <a:ext cx="0" cy="0"/>
+          <a:chOff x="0" y="0"/>
+          <a:chExt cx="0" cy="0"/>
+        </a:xfrm>
+      </p:grpSpPr>
+      <p:sp>
+        <p:nvSpPr>
+          <p:cNvPr id="2" name="Title 1">
+            <a:extLst>
+              <a:ext uri="{FF2B5EF4-FFF2-40B4-BE49-F238E27FC236}">
+                <a16:creationId xmlns:a16="http://schemas.microsoft.com/office/drawing/2014/main" id="{4432D4D3-C579-6240-989A-CEDB497F222C}"/>
+              </a:ext>
+            </a:extLst>
+          </p:cNvPr>
+          <p:cNvSpPr>
+            <a:spLocks noGrp="1"/>
+          </p:cNvSpPr>
+          <p:nvPr>
+            <p:ph type="title"/>
+          </p:nvPr>
+        </p:nvSpPr>
+        <p:spPr/>
+        <p:txBody>
+          <a:bodyPr/>
+          <a:lstStyle/>
+          <a:p>
+            <a:endParaRPr lang="en-US"/>
+          </a:p>
+        </p:txBody>
+      </p:sp>
+      <p:sp>
+        <p:nvSpPr>
+          <p:cNvPr id="3" name="Content Placeholder 2">
+            <a:extLst>
+              <a:ext uri="{FF2B5EF4-FFF2-40B4-BE49-F238E27FC236}">
+                <a16:creationId xmlns:a16="http://schemas.microsoft.com/office/drawing/2014/main" id="{E02A1946-B590-FC4E-8F12-EF0895919C97}"/>
+              </a:ext>
+            </a:extLst>
+          </p:cNvPr>
+          <p:cNvSpPr>
+            <a:spLocks noGrp="1"/>
+          </p:cNvSpPr>
+          <p:nvPr>
+            <p:ph idx="1"/>
+          </p:nvPr>
+        </p:nvSpPr>
+        <p:spPr/>
+        <p:txBody>
+          <a:bodyPr>
+            <a:normAutofit fontScale="85000" lnSpcReduction="20000"/>
+          </a:bodyPr>
+          <a:lstStyle/>
+          <a:p>
+            <a:r>
+              <a:rPr lang="en-US" dirty="0" err="1"/>
+              <a:t>Shivay</a:t>
+            </a:r>
+            <a:r>
+              <a:rPr lang="en-US" dirty="0"/>
+              <a:t>:</a:t>
+            </a:r>
+          </a:p>
+          <a:p>
+            <a:r>
+              <a:rPr lang="en-US" dirty="0"/>
+              <a:t>Addition of Course ::</a:t>
+            </a:r>
+          </a:p>
+          <a:p>
+            <a:r>
+              <a:rPr lang="en-US" dirty="0"/>
+              <a:t>Add multiple employees</a:t>
+            </a:r>
+          </a:p>
+          <a:p>
+            <a:r>
+              <a:rPr lang="en-US" dirty="0"/>
+              <a:t>Start Date, End Date :: Update Module 2</a:t>
+            </a:r>
+          </a:p>
+          <a:p>
+            <a:r>
+              <a:rPr lang="en-US" dirty="0"/>
+              <a:t>Module 1</a:t>
+            </a:r>
+          </a:p>
+          <a:p>
+            <a:r>
+              <a:rPr lang="en-US" dirty="0"/>
+              <a:t>Dashboard : 2</a:t>
+            </a:r>
+            <a:r>
+              <a:rPr lang="en-US" baseline="30000" dirty="0"/>
+              <a:t>nd</a:t>
+            </a:r>
+            <a:r>
+              <a:rPr lang="en-US" dirty="0"/>
+              <a:t> &amp; 3</a:t>
+            </a:r>
+            <a:r>
+              <a:rPr lang="en-US" baseline="30000" dirty="0"/>
+              <a:t>rd</a:t>
+            </a:r>
+            <a:r>
+              <a:rPr lang="en-US" dirty="0"/>
+              <a:t> </a:t>
+            </a:r>
+            <a:r>
+              <a:rPr lang="en-US" dirty="0" err="1"/>
+              <a:t>infoG</a:t>
+            </a:r>
+            <a:endParaRPr lang="en-US" dirty="0"/>
+          </a:p>
+          <a:p>
+            <a:r>
+              <a:rPr lang="en-US" dirty="0"/>
+              <a:t>Cleaning</a:t>
+            </a:r>
+          </a:p>
+          <a:p>
+            <a:endParaRPr lang="en-US" dirty="0"/>
+          </a:p>
+          <a:p>
+            <a:r>
+              <a:rPr lang="en-US" dirty="0"/>
+              <a:t>Sarthak : module 4</a:t>
+            </a:r>
+          </a:p>
+          <a:p>
+            <a:r>
+              <a:rPr lang="en-US" dirty="0"/>
+              <a:t>Dashboard : 4 fields + 1 </a:t>
+            </a:r>
+            <a:r>
+              <a:rPr lang="en-US" dirty="0" err="1"/>
+              <a:t>infoG</a:t>
+            </a:r>
+            <a:endParaRPr lang="en-US" dirty="0"/>
+          </a:p>
+          <a:p>
+            <a:r>
+              <a:rPr lang="en-US" dirty="0"/>
+              <a:t>Template ICONS.</a:t>
+            </a:r>
+          </a:p>
+          <a:p>
+            <a:r>
+              <a:rPr lang="en-US" dirty="0"/>
+              <a:t>Admin Actor</a:t>
+            </a:r>
+          </a:p>
+          <a:p>
+            <a:endParaRPr lang="en-US" dirty="0"/>
+          </a:p>
+          <a:p>
+            <a:endParaRPr lang="en-US" dirty="0"/>
+          </a:p>
+        </p:txBody>
+      </p:sp>
+      <p:sp>
+        <p:nvSpPr>
+          <p:cNvPr id="4" name="TextBox 3">
+            <a:extLst>
+              <a:ext uri="{FF2B5EF4-FFF2-40B4-BE49-F238E27FC236}">
+                <a16:creationId xmlns:a16="http://schemas.microsoft.com/office/drawing/2014/main" id="{7530ED90-0DF6-7E40-ADC5-DD08B3983ED4}"/>
+              </a:ext>
+            </a:extLst>
+          </p:cNvPr>
+          <p:cNvSpPr txBox="1"/>
+          <p:nvPr/>
+        </p:nvSpPr>
+        <p:spPr>
+          <a:xfrm>
+            <a:off x="8243455" y="5381031"/>
+            <a:ext cx="2399311" cy="2031325"/>
+          </a:xfrm>
+          <a:prstGeom prst="rect">
+            <a:avLst/>
+          </a:prstGeom>
+          <a:noFill/>
+        </p:spPr>
+        <p:txBody>
+          <a:bodyPr wrap="none" rtlCol="0">
+            <a:spAutoFit/>
+          </a:bodyPr>
+          <a:lstStyle/>
+          <a:p>
+            <a:r>
+              <a:rPr lang="en-US" dirty="0"/>
+              <a:t>Admin ACTOR</a:t>
+            </a:r>
+          </a:p>
+          <a:p>
+            <a:r>
+              <a:rPr lang="en-US" dirty="0"/>
+              <a:t>Add Trainer Account</a:t>
+            </a:r>
+          </a:p>
+          <a:p>
+            <a:r>
+              <a:rPr lang="en-US" dirty="0"/>
+              <a:t>Delete Trainer Account</a:t>
+            </a:r>
+          </a:p>
+          <a:p>
+            <a:r>
+              <a:rPr lang="en-US" dirty="0"/>
+              <a:t>Add/ remove employee</a:t>
+            </a:r>
+          </a:p>
+          <a:p>
+            <a:r>
+              <a:rPr lang="en-US" dirty="0"/>
+              <a:t>Add employee Details</a:t>
+            </a:r>
+          </a:p>
+          <a:p>
+            <a:r>
+              <a:rPr lang="en-US" dirty="0"/>
+              <a:t>Database Upload</a:t>
+            </a:r>
+          </a:p>
+          <a:p>
+            <a:endParaRPr lang="en-US" dirty="0"/>
+          </a:p>
+        </p:txBody>
+      </p:sp>
+    </p:spTree>
+    <p:extLst>
+      <p:ext uri="{BB962C8B-B14F-4D97-AF65-F5344CB8AC3E}">
+        <p14:creationId xmlns:p14="http://schemas.microsoft.com/office/powerpoint/2010/main" val="738580338"/>
+      </p:ext>
+    </p:extLst>
+  </p:cSld>
+  <p:clrMapOvr>
+    <a:masterClrMapping/>
+  </p:clrMapOvr>
+</p:sld>
+</file>
+
+<file path=ppt/slides/slide2.xml><?xml version="1.0" encoding="utf-8"?>
 <p:sld xmlns:a="http://schemas.openxmlformats.org/drawingml/2006/main" xmlns:r="http://schemas.openxmlformats.org/officeDocument/2006/relationships" xmlns:p="http://schemas.openxmlformats.org/presentationml/2006/main">
   <p:cSld>
     <p:spTree>
@@ -10762,11 +10874,11 @@
           <a:bodyPr rtlCol="0" anchor="ctr"/>
           <a:lstStyle/>
           <a:p>
-            <a:pPr marL="285750" indent="-285750" algn="ctr">
-              <a:buFont typeface="Arial" panose="020B0604020202020204" pitchFamily="34" charset="0"/>
-              <a:buChar char="•"/>
-            </a:pPr>
-            <a:endParaRPr lang="en-IN" sz="1646" dirty="0"/>
+            <a:pPr algn="ctr"/>
+            <a:r>
+              <a:rPr lang="en-IN" sz="1646" dirty="0"/>
+              <a:t>E</a:t>
+            </a:r>
           </a:p>
         </p:txBody>
       </p:sp>
@@ -10784,7 +10896,7 @@
         </p:nvSpPr>
         <p:spPr>
           <a:xfrm>
-            <a:off x="2975207" y="1322878"/>
+            <a:off x="3484365" y="1366307"/>
             <a:ext cx="8014191" cy="430887"/>
           </a:xfrm>
           <a:prstGeom prst="rect">
@@ -10807,14 +10919,31 @@
                   </a:schemeClr>
                 </a:solidFill>
               </a:rPr>
-              <a:t>Alert Trainee</a:t>
+              <a:t>Course </a:t>
             </a:r>
-          </a:p>
-        </p:txBody>
-      </p:sp>
-      <p:sp>
-        <p:nvSpPr>
-          <p:cNvPr id="40" name="Rectangle 39">
+            <a:r>
+              <a:rPr lang="en-IN" sz="2200" b="1" dirty="0" err="1">
+                <a:solidFill>
+                  <a:schemeClr val="bg2">
+                    <a:lumMod val="50000"/>
+                  </a:schemeClr>
+                </a:solidFill>
+              </a:rPr>
+              <a:t>Addititon</a:t>
+            </a:r>
+            <a:endParaRPr lang="en-IN" sz="2200" b="1" dirty="0">
+              <a:solidFill>
+                <a:schemeClr val="bg2">
+                  <a:lumMod val="50000"/>
+                </a:schemeClr>
+              </a:solidFill>
+            </a:endParaRPr>
+          </a:p>
+        </p:txBody>
+      </p:sp>
+      <p:sp>
+        <p:nvSpPr>
+          <p:cNvPr id="46" name="Rectangle 45">
             <a:extLst>
               <a:ext uri="{FF2B5EF4-FFF2-40B4-BE49-F238E27FC236}">
                 <a16:creationId xmlns:a16="http://schemas.microsoft.com/office/drawing/2014/main" id="{5CCF21A6-3573-F543-95AF-2A9029C46D51}"/>
@@ -10826,7 +10955,7 @@
         </p:nvSpPr>
         <p:spPr>
           <a:xfrm>
-            <a:off x="2921199" y="2069138"/>
+            <a:off x="3290644" y="2043539"/>
             <a:ext cx="8835437" cy="694077"/>
           </a:xfrm>
           <a:prstGeom prst="rect">
@@ -10869,10 +10998,10 @@
       </p:sp>
       <p:sp>
         <p:nvSpPr>
-          <p:cNvPr id="41" name="Rectangle 40">
-            <a:extLst>
-              <a:ext uri="{FF2B5EF4-FFF2-40B4-BE49-F238E27FC236}">
-                <a16:creationId xmlns:a16="http://schemas.microsoft.com/office/drawing/2014/main" id="{5CCF21A6-3573-F543-95AF-2A9029C46D51}"/>
+          <p:cNvPr id="47" name="Rectangle: Rounded Corners 55">
+            <a:extLst>
+              <a:ext uri="{FF2B5EF4-FFF2-40B4-BE49-F238E27FC236}">
+                <a16:creationId xmlns:a16="http://schemas.microsoft.com/office/drawing/2014/main" id="{1A549288-70C2-FA4A-B20B-0E47D8136C14}"/>
               </a:ext>
             </a:extLst>
           </p:cNvPr>
@@ -10881,17 +11010,21 @@
         </p:nvSpPr>
         <p:spPr>
           <a:xfrm>
-            <a:off x="2921289" y="1995623"/>
-            <a:ext cx="8835437" cy="694077"/>
-          </a:xfrm>
-          <a:prstGeom prst="rect">
+            <a:off x="5691897" y="2185038"/>
+            <a:ext cx="3068078" cy="422168"/>
+          </a:xfrm>
+          <a:prstGeom prst="roundRect">
             <a:avLst/>
           </a:prstGeom>
           <a:solidFill>
             <a:schemeClr val="bg1"/>
           </a:solidFill>
           <a:ln>
-            <a:noFill/>
+            <a:solidFill>
+              <a:schemeClr val="bg2">
+                <a:lumMod val="50000"/>
+              </a:schemeClr>
+            </a:solidFill>
           </a:ln>
         </p:spPr>
         <p:style>
@@ -10914,20 +11047,22 @@
           <a:bodyPr rtlCol="0" anchor="ctr"/>
           <a:lstStyle/>
           <a:p>
-            <a:pPr algn="ctr"/>
-            <a:r>
-              <a:rPr lang="en-IN" sz="1646" dirty="0"/>
-              <a:t>E</a:t>
-            </a:r>
-          </a:p>
-        </p:txBody>
-      </p:sp>
-      <p:sp>
-        <p:nvSpPr>
-          <p:cNvPr id="43" name="Rectangle: Rounded Corners 55">
-            <a:extLst>
-              <a:ext uri="{FF2B5EF4-FFF2-40B4-BE49-F238E27FC236}">
-                <a16:creationId xmlns:a16="http://schemas.microsoft.com/office/drawing/2014/main" id="{1A549288-70C2-FA4A-B20B-0E47D8136C14}"/>
+            <a:endParaRPr lang="en-IN" sz="1646" dirty="0">
+              <a:solidFill>
+                <a:schemeClr val="bg2">
+                  <a:lumMod val="50000"/>
+                </a:schemeClr>
+              </a:solidFill>
+            </a:endParaRPr>
+          </a:p>
+        </p:txBody>
+      </p:sp>
+      <p:sp>
+        <p:nvSpPr>
+          <p:cNvPr id="48" name="Rectangle: Rounded Corners 65">
+            <a:extLst>
+              <a:ext uri="{FF2B5EF4-FFF2-40B4-BE49-F238E27FC236}">
+                <a16:creationId xmlns:a16="http://schemas.microsoft.com/office/drawing/2014/main" id="{05EAECDE-3B6D-E24E-8243-B8611089B202}"/>
               </a:ext>
             </a:extLst>
           </p:cNvPr>
@@ -10936,19 +11071,20 @@
         </p:nvSpPr>
         <p:spPr>
           <a:xfrm>
-            <a:off x="5322542" y="2137122"/>
-            <a:ext cx="3068078" cy="422168"/>
+            <a:off x="9175857" y="2155396"/>
+            <a:ext cx="1813374" cy="443272"/>
           </a:xfrm>
           <a:prstGeom prst="roundRect">
             <a:avLst/>
           </a:prstGeom>
           <a:solidFill>
-            <a:schemeClr val="bg1"/>
+            <a:srgbClr val="00B0F0"/>
           </a:solidFill>
           <a:ln>
             <a:solidFill>
-              <a:schemeClr val="bg2">
-                <a:lumMod val="50000"/>
+              <a:schemeClr val="accent1">
+                <a:lumMod val="60000"/>
+                <a:lumOff val="40000"/>
               </a:schemeClr>
             </a:solidFill>
           </a:ln>
@@ -10973,22 +11109,56 @@
           <a:bodyPr rtlCol="0" anchor="ctr"/>
           <a:lstStyle/>
           <a:p>
-            <a:endParaRPr lang="en-IN" sz="1646" dirty="0">
-              <a:solidFill>
-                <a:schemeClr val="bg2">
-                  <a:lumMod val="50000"/>
-                </a:schemeClr>
-              </a:solidFill>
-            </a:endParaRPr>
-          </a:p>
-        </p:txBody>
-      </p:sp>
-      <p:sp>
-        <p:nvSpPr>
-          <p:cNvPr id="44" name="Rectangle: Rounded Corners 65">
-            <a:extLst>
-              <a:ext uri="{FF2B5EF4-FFF2-40B4-BE49-F238E27FC236}">
-                <a16:creationId xmlns:a16="http://schemas.microsoft.com/office/drawing/2014/main" id="{05EAECDE-3B6D-E24E-8243-B8611089B202}"/>
+            <a:pPr algn="ctr"/>
+            <a:r>
+              <a:rPr lang="en-IN" sz="1646" dirty="0"/>
+              <a:t>Enter</a:t>
+            </a:r>
+          </a:p>
+        </p:txBody>
+      </p:sp>
+      <p:sp>
+        <p:nvSpPr>
+          <p:cNvPr id="49" name="TextBox 48">
+            <a:extLst>
+              <a:ext uri="{FF2B5EF4-FFF2-40B4-BE49-F238E27FC236}">
+                <a16:creationId xmlns:a16="http://schemas.microsoft.com/office/drawing/2014/main" id="{550105AF-B118-154C-AF9F-5CD4F3909DD9}"/>
+              </a:ext>
+            </a:extLst>
+          </p:cNvPr>
+          <p:cNvSpPr txBox="1"/>
+          <p:nvPr/>
+        </p:nvSpPr>
+        <p:spPr>
+          <a:xfrm>
+            <a:off x="3988960" y="2212280"/>
+            <a:ext cx="1201804" cy="369332"/>
+          </a:xfrm>
+          <a:prstGeom prst="rect">
+            <a:avLst/>
+          </a:prstGeom>
+          <a:noFill/>
+        </p:spPr>
+        <p:txBody>
+          <a:bodyPr wrap="none" rtlCol="0">
+            <a:spAutoFit/>
+          </a:bodyPr>
+          <a:lstStyle/>
+          <a:p>
+            <a:pPr algn="ctr"/>
+            <a:r>
+              <a:rPr lang="en-US" dirty="0"/>
+              <a:t>Course ID*</a:t>
+            </a:r>
+          </a:p>
+        </p:txBody>
+      </p:sp>
+      <p:sp>
+        <p:nvSpPr>
+          <p:cNvPr id="50" name="Rectangle 49">
+            <a:extLst>
+              <a:ext uri="{FF2B5EF4-FFF2-40B4-BE49-F238E27FC236}">
+                <a16:creationId xmlns:a16="http://schemas.microsoft.com/office/drawing/2014/main" id="{5CCF21A6-3573-F543-95AF-2A9029C46D51}"/>
               </a:ext>
             </a:extLst>
           </p:cNvPr>
@@ -10997,22 +11167,17 @@
         </p:nvSpPr>
         <p:spPr>
           <a:xfrm>
-            <a:off x="8806502" y="2107480"/>
-            <a:ext cx="1813374" cy="443272"/>
-          </a:xfrm>
-          <a:prstGeom prst="roundRect">
+            <a:off x="3243991" y="3211281"/>
+            <a:ext cx="8835437" cy="694077"/>
+          </a:xfrm>
+          <a:prstGeom prst="rect">
             <a:avLst/>
           </a:prstGeom>
           <a:solidFill>
-            <a:srgbClr val="00B0F0"/>
+            <a:schemeClr val="bg1"/>
           </a:solidFill>
           <a:ln>
-            <a:solidFill>
-              <a:schemeClr val="accent1">
-                <a:lumMod val="60000"/>
-                <a:lumOff val="40000"/>
-              </a:schemeClr>
-            </a:solidFill>
+            <a:noFill/>
           </a:ln>
         </p:spPr>
         <p:style>
@@ -11038,52 +11203,17 @@
             <a:pPr algn="ctr"/>
             <a:r>
               <a:rPr lang="en-IN" sz="1646" dirty="0"/>
-              <a:t>Enter</a:t>
+              <a:t>E</a:t>
             </a:r>
           </a:p>
         </p:txBody>
       </p:sp>
       <p:sp>
         <p:nvSpPr>
-          <p:cNvPr id="45" name="TextBox 44">
-            <a:extLst>
-              <a:ext uri="{FF2B5EF4-FFF2-40B4-BE49-F238E27FC236}">
-                <a16:creationId xmlns:a16="http://schemas.microsoft.com/office/drawing/2014/main" id="{550105AF-B118-154C-AF9F-5CD4F3909DD9}"/>
-              </a:ext>
-            </a:extLst>
-          </p:cNvPr>
-          <p:cNvSpPr txBox="1"/>
-          <p:nvPr/>
-        </p:nvSpPr>
-        <p:spPr>
-          <a:xfrm>
-            <a:off x="3668770" y="2163540"/>
-            <a:ext cx="1362040" cy="369332"/>
-          </a:xfrm>
-          <a:prstGeom prst="rect">
-            <a:avLst/>
-          </a:prstGeom>
-          <a:noFill/>
-        </p:spPr>
-        <p:txBody>
-          <a:bodyPr wrap="none" rtlCol="0">
-            <a:spAutoFit/>
-          </a:bodyPr>
-          <a:lstStyle/>
-          <a:p>
-            <a:r>
-              <a:rPr lang="en-US" dirty="0"/>
-              <a:t>Employee ID</a:t>
-            </a:r>
-          </a:p>
-        </p:txBody>
-      </p:sp>
-      <p:sp>
-        <p:nvSpPr>
-          <p:cNvPr id="46" name="Rectangle 45">
-            <a:extLst>
-              <a:ext uri="{FF2B5EF4-FFF2-40B4-BE49-F238E27FC236}">
-                <a16:creationId xmlns:a16="http://schemas.microsoft.com/office/drawing/2014/main" id="{5CCF21A6-3573-F543-95AF-2A9029C46D51}"/>
+          <p:cNvPr id="51" name="Rectangle: Rounded Corners 55">
+            <a:extLst>
+              <a:ext uri="{FF2B5EF4-FFF2-40B4-BE49-F238E27FC236}">
+                <a16:creationId xmlns:a16="http://schemas.microsoft.com/office/drawing/2014/main" id="{1A549288-70C2-FA4A-B20B-0E47D8136C14}"/>
               </a:ext>
             </a:extLst>
           </p:cNvPr>
@@ -11092,17 +11222,21 @@
         </p:nvSpPr>
         <p:spPr>
           <a:xfrm>
-            <a:off x="2967852" y="3113704"/>
-            <a:ext cx="8835437" cy="694077"/>
-          </a:xfrm>
-          <a:prstGeom prst="rect">
+            <a:off x="5718294" y="3389122"/>
+            <a:ext cx="3068078" cy="422168"/>
+          </a:xfrm>
+          <a:prstGeom prst="roundRect">
             <a:avLst/>
           </a:prstGeom>
           <a:solidFill>
             <a:schemeClr val="bg1"/>
           </a:solidFill>
           <a:ln>
-            <a:noFill/>
+            <a:solidFill>
+              <a:schemeClr val="bg2">
+                <a:lumMod val="50000"/>
+              </a:schemeClr>
+            </a:solidFill>
           </a:ln>
         </p:spPr>
         <p:style>
@@ -11125,20 +11259,22 @@
           <a:bodyPr rtlCol="0" anchor="ctr"/>
           <a:lstStyle/>
           <a:p>
-            <a:pPr algn="ctr"/>
-            <a:r>
-              <a:rPr lang="en-IN" sz="1646" dirty="0"/>
-              <a:t>E</a:t>
-            </a:r>
-          </a:p>
-        </p:txBody>
-      </p:sp>
-      <p:sp>
-        <p:nvSpPr>
-          <p:cNvPr id="47" name="Rectangle: Rounded Corners 55">
-            <a:extLst>
-              <a:ext uri="{FF2B5EF4-FFF2-40B4-BE49-F238E27FC236}">
-                <a16:creationId xmlns:a16="http://schemas.microsoft.com/office/drawing/2014/main" id="{1A549288-70C2-FA4A-B20B-0E47D8136C14}"/>
+            <a:endParaRPr lang="en-IN" sz="1646" dirty="0">
+              <a:solidFill>
+                <a:schemeClr val="bg2">
+                  <a:lumMod val="50000"/>
+                </a:schemeClr>
+              </a:solidFill>
+            </a:endParaRPr>
+          </a:p>
+        </p:txBody>
+      </p:sp>
+      <p:sp>
+        <p:nvSpPr>
+          <p:cNvPr id="52" name="Rectangle: Rounded Corners 65">
+            <a:extLst>
+              <a:ext uri="{FF2B5EF4-FFF2-40B4-BE49-F238E27FC236}">
+                <a16:creationId xmlns:a16="http://schemas.microsoft.com/office/drawing/2014/main" id="{05EAECDE-3B6D-E24E-8243-B8611089B202}"/>
               </a:ext>
             </a:extLst>
           </p:cNvPr>
@@ -11147,19 +11283,20 @@
         </p:nvSpPr>
         <p:spPr>
           <a:xfrm>
-            <a:off x="5369105" y="3255203"/>
-            <a:ext cx="3068078" cy="422168"/>
+            <a:off x="9192225" y="3339741"/>
+            <a:ext cx="1813374" cy="443272"/>
           </a:xfrm>
           <a:prstGeom prst="roundRect">
             <a:avLst/>
           </a:prstGeom>
           <a:solidFill>
-            <a:schemeClr val="bg1"/>
+            <a:srgbClr val="00B0F0"/>
           </a:solidFill>
           <a:ln>
             <a:solidFill>
-              <a:schemeClr val="bg2">
-                <a:lumMod val="50000"/>
+              <a:schemeClr val="accent1">
+                <a:lumMod val="60000"/>
+                <a:lumOff val="40000"/>
               </a:schemeClr>
             </a:solidFill>
           </a:ln>
@@ -11184,19 +11321,53 @@
           <a:bodyPr rtlCol="0" anchor="ctr"/>
           <a:lstStyle/>
           <a:p>
-            <a:endParaRPr lang="en-IN" sz="1646" dirty="0">
-              <a:solidFill>
-                <a:schemeClr val="bg2">
-                  <a:lumMod val="50000"/>
-                </a:schemeClr>
-              </a:solidFill>
-            </a:endParaRPr>
-          </a:p>
-        </p:txBody>
-      </p:sp>
-      <p:sp>
-        <p:nvSpPr>
-          <p:cNvPr id="48" name="Rectangle: Rounded Corners 65">
+            <a:pPr algn="ctr"/>
+            <a:r>
+              <a:rPr lang="en-IN" sz="1646" dirty="0"/>
+              <a:t>Enter</a:t>
+            </a:r>
+          </a:p>
+        </p:txBody>
+      </p:sp>
+      <p:sp>
+        <p:nvSpPr>
+          <p:cNvPr id="53" name="TextBox 52">
+            <a:extLst>
+              <a:ext uri="{FF2B5EF4-FFF2-40B4-BE49-F238E27FC236}">
+                <a16:creationId xmlns:a16="http://schemas.microsoft.com/office/drawing/2014/main" id="{550105AF-B118-154C-AF9F-5CD4F3909DD9}"/>
+              </a:ext>
+            </a:extLst>
+          </p:cNvPr>
+          <p:cNvSpPr txBox="1"/>
+          <p:nvPr/>
+        </p:nvSpPr>
+        <p:spPr>
+          <a:xfrm>
+            <a:off x="4025321" y="3406590"/>
+            <a:ext cx="1294522" cy="369332"/>
+          </a:xfrm>
+          <a:prstGeom prst="rect">
+            <a:avLst/>
+          </a:prstGeom>
+          <a:noFill/>
+        </p:spPr>
+        <p:txBody>
+          <a:bodyPr wrap="none" rtlCol="0">
+            <a:spAutoFit/>
+          </a:bodyPr>
+          <a:lstStyle/>
+          <a:p>
+            <a:pPr algn="ctr"/>
+            <a:r>
+              <a:rPr lang="en-US" dirty="0"/>
+              <a:t>Start Date *</a:t>
+            </a:r>
+          </a:p>
+        </p:txBody>
+      </p:sp>
+      <p:sp>
+        <p:nvSpPr>
+          <p:cNvPr id="58" name="Rectangle: Rounded Corners 65">
             <a:extLst>
               <a:ext uri="{FF2B5EF4-FFF2-40B4-BE49-F238E27FC236}">
                 <a16:creationId xmlns:a16="http://schemas.microsoft.com/office/drawing/2014/main" id="{05EAECDE-3B6D-E24E-8243-B8611089B202}"/>
@@ -11208,7 +11379,7 @@
         </p:nvSpPr>
         <p:spPr>
           <a:xfrm>
-            <a:off x="8853065" y="3225561"/>
+            <a:off x="6398408" y="5273916"/>
             <a:ext cx="1813374" cy="443272"/>
           </a:xfrm>
           <a:prstGeom prst="roundRect">
@@ -11249,17 +11420,54 @@
             <a:pPr algn="ctr"/>
             <a:r>
               <a:rPr lang="en-IN" sz="1646" dirty="0"/>
-              <a:t>Enter</a:t>
+              <a:t>Submit</a:t>
             </a:r>
           </a:p>
         </p:txBody>
       </p:sp>
-      <p:sp>
-        <p:nvSpPr>
-          <p:cNvPr id="49" name="TextBox 48">
-            <a:extLst>
-              <a:ext uri="{FF2B5EF4-FFF2-40B4-BE49-F238E27FC236}">
-                <a16:creationId xmlns:a16="http://schemas.microsoft.com/office/drawing/2014/main" id="{550105AF-B118-154C-AF9F-5CD4F3909DD9}"/>
+      <p:pic>
+        <p:nvPicPr>
+          <p:cNvPr id="54" name="Picture 53">
+            <a:extLst>
+              <a:ext uri="{FF2B5EF4-FFF2-40B4-BE49-F238E27FC236}">
+                <a16:creationId xmlns:a16="http://schemas.microsoft.com/office/drawing/2014/main" id="{C84DA818-07F7-3C49-8665-28FBED243475}"/>
+              </a:ext>
+            </a:extLst>
+          </p:cNvPr>
+          <p:cNvPicPr>
+            <a:picLocks noChangeAspect="1"/>
+          </p:cNvPicPr>
+          <p:nvPr/>
+        </p:nvPicPr>
+        <p:blipFill>
+          <a:blip r:embed="rId7" cstate="hqprint">
+            <a:lum bright="70000" contrast="-70000"/>
+            <a:extLst>
+              <a:ext uri="{28A0092B-C50C-407E-A947-70E740481C1C}">
+                <a14:useLocalDpi xmlns:a14="http://schemas.microsoft.com/office/drawing/2010/main" val="0"/>
+              </a:ext>
+            </a:extLst>
+          </a:blip>
+          <a:stretch>
+            <a:fillRect/>
+          </a:stretch>
+        </p:blipFill>
+        <p:spPr>
+          <a:xfrm>
+            <a:off x="155418" y="5245759"/>
+            <a:ext cx="351932" cy="342369"/>
+          </a:xfrm>
+          <a:prstGeom prst="rect">
+            <a:avLst/>
+          </a:prstGeom>
+        </p:spPr>
+      </p:pic>
+      <p:sp>
+        <p:nvSpPr>
+          <p:cNvPr id="55" name="TextBox 54">
+            <a:extLst>
+              <a:ext uri="{FF2B5EF4-FFF2-40B4-BE49-F238E27FC236}">
+                <a16:creationId xmlns:a16="http://schemas.microsoft.com/office/drawing/2014/main" id="{2DF43A07-FAF5-B646-88CD-2F283F8D3FE4}"/>
               </a:ext>
             </a:extLst>
           </p:cNvPr>
@@ -11268,8 +11476,8 @@
         </p:nvSpPr>
         <p:spPr>
           <a:xfrm>
-            <a:off x="3723875" y="3282445"/>
-            <a:ext cx="1086388" cy="369332"/>
+            <a:off x="556190" y="5294064"/>
+            <a:ext cx="1809736" cy="289310"/>
           </a:xfrm>
           <a:prstGeom prst="rect">
             <a:avLst/>
@@ -11277,25 +11485,28 @@
           <a:noFill/>
         </p:spPr>
         <p:txBody>
-          <a:bodyPr wrap="none" rtlCol="0">
+          <a:bodyPr wrap="square" rtlCol="0">
             <a:spAutoFit/>
           </a:bodyPr>
           <a:lstStyle/>
           <a:p>
-            <a:pPr algn="ctr"/>
             <a:r>
-              <a:rPr lang="en-US" dirty="0"/>
-              <a:t>Course ID</a:t>
+              <a:rPr lang="en-IN" sz="1280" dirty="0">
+                <a:solidFill>
+                  <a:schemeClr val="bg1"/>
+                </a:solidFill>
+              </a:rPr>
+              <a:t>Latest Updates</a:t>
             </a:r>
           </a:p>
         </p:txBody>
       </p:sp>
       <p:sp>
         <p:nvSpPr>
-          <p:cNvPr id="50" name="Rectangle 49">
-            <a:extLst>
-              <a:ext uri="{FF2B5EF4-FFF2-40B4-BE49-F238E27FC236}">
-                <a16:creationId xmlns:a16="http://schemas.microsoft.com/office/drawing/2014/main" id="{5CCF21A6-3573-F543-95AF-2A9029C46D51}"/>
+          <p:cNvPr id="57" name="Rectangle: Rounded Corners 65">
+            <a:extLst>
+              <a:ext uri="{FF2B5EF4-FFF2-40B4-BE49-F238E27FC236}">
+                <a16:creationId xmlns:a16="http://schemas.microsoft.com/office/drawing/2014/main" id="{E2E76E90-693E-CA49-A433-FA00E8B4B9D4}"/>
               </a:ext>
             </a:extLst>
           </p:cNvPr>
@@ -11304,17 +11515,22 @@
         </p:nvSpPr>
         <p:spPr>
           <a:xfrm>
-            <a:off x="2921199" y="4281446"/>
-            <a:ext cx="8835437" cy="694077"/>
-          </a:xfrm>
-          <a:prstGeom prst="rect">
+            <a:off x="9192225" y="4459220"/>
+            <a:ext cx="1813374" cy="443272"/>
+          </a:xfrm>
+          <a:prstGeom prst="roundRect">
             <a:avLst/>
           </a:prstGeom>
           <a:solidFill>
-            <a:schemeClr val="bg1"/>
+            <a:srgbClr val="00B0F0"/>
           </a:solidFill>
           <a:ln>
-            <a:noFill/>
+            <a:solidFill>
+              <a:schemeClr val="accent1">
+                <a:lumMod val="60000"/>
+                <a:lumOff val="40000"/>
+              </a:schemeClr>
+            </a:solidFill>
           </a:ln>
         </p:spPr>
         <p:style>
@@ -11339,15 +11555,52 @@
           <a:p>
             <a:pPr algn="ctr"/>
             <a:r>
-              <a:rPr lang="en-IN" sz="1646" dirty="0"/>
-              <a:t>E</a:t>
+              <a:rPr lang="en-IN" sz="1646" dirty="0" err="1"/>
+              <a:t>nter</a:t>
             </a:r>
-          </a:p>
-        </p:txBody>
-      </p:sp>
-      <p:sp>
-        <p:nvSpPr>
-          <p:cNvPr id="51" name="Rectangle: Rounded Corners 55">
+            <a:endParaRPr lang="en-IN" sz="1646" dirty="0"/>
+          </a:p>
+        </p:txBody>
+      </p:sp>
+      <p:sp>
+        <p:nvSpPr>
+          <p:cNvPr id="59" name="TextBox 58">
+            <a:extLst>
+              <a:ext uri="{FF2B5EF4-FFF2-40B4-BE49-F238E27FC236}">
+                <a16:creationId xmlns:a16="http://schemas.microsoft.com/office/drawing/2014/main" id="{21A65F48-94AD-7449-B09D-FDB97C9B906F}"/>
+              </a:ext>
+            </a:extLst>
+          </p:cNvPr>
+          <p:cNvSpPr txBox="1"/>
+          <p:nvPr/>
+        </p:nvSpPr>
+        <p:spPr>
+          <a:xfrm>
+            <a:off x="4128907" y="4533160"/>
+            <a:ext cx="1087349" cy="369332"/>
+          </a:xfrm>
+          <a:prstGeom prst="rect">
+            <a:avLst/>
+          </a:prstGeom>
+          <a:noFill/>
+        </p:spPr>
+        <p:txBody>
+          <a:bodyPr wrap="none" rtlCol="0">
+            <a:spAutoFit/>
+          </a:bodyPr>
+          <a:lstStyle/>
+          <a:p>
+            <a:pPr algn="ctr"/>
+            <a:r>
+              <a:rPr lang="en-US" dirty="0"/>
+              <a:t>End Date </a:t>
+            </a:r>
+          </a:p>
+        </p:txBody>
+      </p:sp>
+      <p:sp>
+        <p:nvSpPr>
+          <p:cNvPr id="60" name="Rectangle: Rounded Corners 55">
             <a:extLst>
               <a:ext uri="{FF2B5EF4-FFF2-40B4-BE49-F238E27FC236}">
                 <a16:creationId xmlns:a16="http://schemas.microsoft.com/office/drawing/2014/main" id="{1A549288-70C2-FA4A-B20B-0E47D8136C14}"/>
@@ -11359,7 +11612,7 @@
         </p:nvSpPr>
         <p:spPr>
           <a:xfrm>
-            <a:off x="5322452" y="4422945"/>
+            <a:off x="5633629" y="4469772"/>
             <a:ext cx="3068078" cy="422168"/>
           </a:xfrm>
           <a:prstGeom prst="roundRect">
@@ -11406,326 +11659,10 @@
           </a:p>
         </p:txBody>
       </p:sp>
-      <p:sp>
-        <p:nvSpPr>
-          <p:cNvPr id="52" name="Rectangle: Rounded Corners 65">
-            <a:extLst>
-              <a:ext uri="{FF2B5EF4-FFF2-40B4-BE49-F238E27FC236}">
-                <a16:creationId xmlns:a16="http://schemas.microsoft.com/office/drawing/2014/main" id="{05EAECDE-3B6D-E24E-8243-B8611089B202}"/>
-              </a:ext>
-            </a:extLst>
-          </p:cNvPr>
-          <p:cNvSpPr/>
-          <p:nvPr/>
-        </p:nvSpPr>
-        <p:spPr>
-          <a:xfrm>
-            <a:off x="8806412" y="4393303"/>
-            <a:ext cx="1813374" cy="443272"/>
-          </a:xfrm>
-          <a:prstGeom prst="roundRect">
-            <a:avLst/>
-          </a:prstGeom>
-          <a:solidFill>
-            <a:srgbClr val="00B0F0"/>
-          </a:solidFill>
-          <a:ln>
-            <a:solidFill>
-              <a:schemeClr val="accent1">
-                <a:lumMod val="60000"/>
-                <a:lumOff val="40000"/>
-              </a:schemeClr>
-            </a:solidFill>
-          </a:ln>
-        </p:spPr>
-        <p:style>
-          <a:lnRef idx="2">
-            <a:schemeClr val="accent1">
-              <a:shade val="50000"/>
-            </a:schemeClr>
-          </a:lnRef>
-          <a:fillRef idx="1">
-            <a:schemeClr val="accent1"/>
-          </a:fillRef>
-          <a:effectRef idx="0">
-            <a:schemeClr val="accent1"/>
-          </a:effectRef>
-          <a:fontRef idx="minor">
-            <a:schemeClr val="lt1"/>
-          </a:fontRef>
-        </p:style>
-        <p:txBody>
-          <a:bodyPr rtlCol="0" anchor="ctr"/>
-          <a:lstStyle/>
-          <a:p>
-            <a:pPr algn="ctr"/>
-            <a:r>
-              <a:rPr lang="en-IN" sz="1646" dirty="0"/>
-              <a:t>Enter</a:t>
-            </a:r>
-          </a:p>
-        </p:txBody>
-      </p:sp>
-      <p:sp>
-        <p:nvSpPr>
-          <p:cNvPr id="53" name="TextBox 52">
-            <a:extLst>
-              <a:ext uri="{FF2B5EF4-FFF2-40B4-BE49-F238E27FC236}">
-                <a16:creationId xmlns:a16="http://schemas.microsoft.com/office/drawing/2014/main" id="{550105AF-B118-154C-AF9F-5CD4F3909DD9}"/>
-              </a:ext>
-            </a:extLst>
-          </p:cNvPr>
-          <p:cNvSpPr txBox="1"/>
-          <p:nvPr/>
-        </p:nvSpPr>
-        <p:spPr>
-          <a:xfrm>
-            <a:off x="3798350" y="4467243"/>
-            <a:ext cx="937437" cy="369332"/>
-          </a:xfrm>
-          <a:prstGeom prst="rect">
-            <a:avLst/>
-          </a:prstGeom>
-          <a:noFill/>
-        </p:spPr>
-        <p:txBody>
-          <a:bodyPr wrap="none" rtlCol="0">
-            <a:spAutoFit/>
-          </a:bodyPr>
-          <a:lstStyle/>
-          <a:p>
-            <a:pPr algn="ctr"/>
-            <a:r>
-              <a:rPr lang="en-US" dirty="0"/>
-              <a:t>Test No.</a:t>
-            </a:r>
-          </a:p>
-        </p:txBody>
-      </p:sp>
-      <p:sp>
-        <p:nvSpPr>
-          <p:cNvPr id="58" name="Rectangle: Rounded Corners 65">
-            <a:extLst>
-              <a:ext uri="{FF2B5EF4-FFF2-40B4-BE49-F238E27FC236}">
-                <a16:creationId xmlns:a16="http://schemas.microsoft.com/office/drawing/2014/main" id="{05EAECDE-3B6D-E24E-8243-B8611089B202}"/>
-              </a:ext>
-            </a:extLst>
-          </p:cNvPr>
-          <p:cNvSpPr/>
-          <p:nvPr/>
-        </p:nvSpPr>
-        <p:spPr>
-          <a:xfrm>
-            <a:off x="5996457" y="6741147"/>
-            <a:ext cx="1813374" cy="443272"/>
-          </a:xfrm>
-          <a:prstGeom prst="roundRect">
-            <a:avLst/>
-          </a:prstGeom>
-          <a:solidFill>
-            <a:srgbClr val="00B0F0"/>
-          </a:solidFill>
-          <a:ln>
-            <a:solidFill>
-              <a:schemeClr val="accent1">
-                <a:lumMod val="60000"/>
-                <a:lumOff val="40000"/>
-              </a:schemeClr>
-            </a:solidFill>
-          </a:ln>
-        </p:spPr>
-        <p:style>
-          <a:lnRef idx="2">
-            <a:schemeClr val="accent1">
-              <a:shade val="50000"/>
-            </a:schemeClr>
-          </a:lnRef>
-          <a:fillRef idx="1">
-            <a:schemeClr val="accent1"/>
-          </a:fillRef>
-          <a:effectRef idx="0">
-            <a:schemeClr val="accent1"/>
-          </a:effectRef>
-          <a:fontRef idx="minor">
-            <a:schemeClr val="lt1"/>
-          </a:fontRef>
-        </p:style>
-        <p:txBody>
-          <a:bodyPr rtlCol="0" anchor="ctr"/>
-          <a:lstStyle/>
-          <a:p>
-            <a:pPr algn="ctr"/>
-            <a:r>
-              <a:rPr lang="en-IN" sz="1646" dirty="0"/>
-              <a:t>Send SMS</a:t>
-            </a:r>
-          </a:p>
-        </p:txBody>
-      </p:sp>
-      <p:pic>
-        <p:nvPicPr>
-          <p:cNvPr id="3" name="Picture 2"/>
-          <p:cNvPicPr>
-            <a:picLocks noChangeAspect="1"/>
-          </p:cNvPicPr>
-          <p:nvPr/>
-        </p:nvPicPr>
-        <p:blipFill>
-          <a:blip r:embed="rId11"/>
-          <a:stretch>
-            <a:fillRect/>
-          </a:stretch>
-        </p:blipFill>
-        <p:spPr>
-          <a:xfrm>
-            <a:off x="4732150" y="5197676"/>
-            <a:ext cx="4341988" cy="1314450"/>
-          </a:xfrm>
-          <a:prstGeom prst="rect">
-            <a:avLst/>
-          </a:prstGeom>
-        </p:spPr>
-      </p:pic>
-      <p:pic>
-        <p:nvPicPr>
-          <p:cNvPr id="56" name="Picture 55">
-            <a:extLst>
-              <a:ext uri="{FF2B5EF4-FFF2-40B4-BE49-F238E27FC236}">
-                <a16:creationId xmlns:a16="http://schemas.microsoft.com/office/drawing/2014/main" id="{C84DA818-07F7-3C49-8665-28FBED243475}"/>
-              </a:ext>
-            </a:extLst>
-          </p:cNvPr>
-          <p:cNvPicPr>
-            <a:picLocks noChangeAspect="1"/>
-          </p:cNvPicPr>
-          <p:nvPr/>
-        </p:nvPicPr>
-        <p:blipFill>
-          <a:blip r:embed="rId7" cstate="hqprint">
-            <a:lum bright="70000" contrast="-70000"/>
-            <a:extLst>
-              <a:ext uri="{28A0092B-C50C-407E-A947-70E740481C1C}">
-                <a14:useLocalDpi xmlns:a14="http://schemas.microsoft.com/office/drawing/2010/main" val="0"/>
-              </a:ext>
-            </a:extLst>
-          </a:blip>
-          <a:stretch>
-            <a:fillRect/>
-          </a:stretch>
-        </p:blipFill>
-        <p:spPr>
-          <a:xfrm>
-            <a:off x="155418" y="5245759"/>
-            <a:ext cx="351932" cy="342369"/>
-          </a:xfrm>
-          <a:prstGeom prst="rect">
-            <a:avLst/>
-          </a:prstGeom>
-        </p:spPr>
-      </p:pic>
-      <p:sp>
-        <p:nvSpPr>
-          <p:cNvPr id="57" name="TextBox 56">
-            <a:extLst>
-              <a:ext uri="{FF2B5EF4-FFF2-40B4-BE49-F238E27FC236}">
-                <a16:creationId xmlns:a16="http://schemas.microsoft.com/office/drawing/2014/main" id="{2DF43A07-FAF5-B646-88CD-2F283F8D3FE4}"/>
-              </a:ext>
-            </a:extLst>
-          </p:cNvPr>
-          <p:cNvSpPr txBox="1"/>
-          <p:nvPr/>
-        </p:nvSpPr>
-        <p:spPr>
-          <a:xfrm>
-            <a:off x="556190" y="5294064"/>
-            <a:ext cx="1809736" cy="289310"/>
-          </a:xfrm>
-          <a:prstGeom prst="rect">
-            <a:avLst/>
-          </a:prstGeom>
-          <a:noFill/>
-        </p:spPr>
-        <p:txBody>
-          <a:bodyPr wrap="square" rtlCol="0">
-            <a:spAutoFit/>
-          </a:bodyPr>
-          <a:lstStyle/>
-          <a:p>
-            <a:r>
-              <a:rPr lang="en-IN" sz="1280" dirty="0">
-                <a:solidFill>
-                  <a:schemeClr val="bg1"/>
-                </a:solidFill>
-              </a:rPr>
-              <a:t>Latest Updates</a:t>
-            </a:r>
-          </a:p>
-        </p:txBody>
-      </p:sp>
-      <p:sp>
-        <p:nvSpPr>
-          <p:cNvPr id="59" name="Rectangle: Rounded Corners 65">
-            <a:extLst>
-              <a:ext uri="{FF2B5EF4-FFF2-40B4-BE49-F238E27FC236}">
-                <a16:creationId xmlns:a16="http://schemas.microsoft.com/office/drawing/2014/main" id="{50DF11FB-4625-5A49-B5F9-1B52C1001EDA}"/>
-              </a:ext>
-            </a:extLst>
-          </p:cNvPr>
-          <p:cNvSpPr/>
-          <p:nvPr/>
-        </p:nvSpPr>
-        <p:spPr>
-          <a:xfrm>
-            <a:off x="8188659" y="6695126"/>
-            <a:ext cx="1813374" cy="443272"/>
-          </a:xfrm>
-          <a:prstGeom prst="roundRect">
-            <a:avLst/>
-          </a:prstGeom>
-          <a:solidFill>
-            <a:srgbClr val="00B0F0"/>
-          </a:solidFill>
-          <a:ln>
-            <a:solidFill>
-              <a:schemeClr val="accent1">
-                <a:lumMod val="60000"/>
-                <a:lumOff val="40000"/>
-              </a:schemeClr>
-            </a:solidFill>
-          </a:ln>
-        </p:spPr>
-        <p:style>
-          <a:lnRef idx="2">
-            <a:schemeClr val="accent1">
-              <a:shade val="50000"/>
-            </a:schemeClr>
-          </a:lnRef>
-          <a:fillRef idx="1">
-            <a:schemeClr val="accent1"/>
-          </a:fillRef>
-          <a:effectRef idx="0">
-            <a:schemeClr val="accent1"/>
-          </a:effectRef>
-          <a:fontRef idx="minor">
-            <a:schemeClr val="lt1"/>
-          </a:fontRef>
-        </p:style>
-        <p:txBody>
-          <a:bodyPr rtlCol="0" anchor="ctr"/>
-          <a:lstStyle/>
-          <a:p>
-            <a:pPr algn="ctr"/>
-            <a:r>
-              <a:rPr lang="en-IN" sz="1646" dirty="0"/>
-              <a:t>Send SMS</a:t>
-            </a:r>
-          </a:p>
-        </p:txBody>
-      </p:sp>
     </p:spTree>
     <p:extLst>
       <p:ext uri="{BB962C8B-B14F-4D97-AF65-F5344CB8AC3E}">
-        <p14:creationId xmlns:p14="http://schemas.microsoft.com/office/powerpoint/2010/main" val="876097151"/>
+        <p14:creationId xmlns:p14="http://schemas.microsoft.com/office/powerpoint/2010/main" val="3232596059"/>
       </p:ext>
     </p:extLst>
   </p:cSld>
@@ -11735,259 +11672,7 @@
 </p:sld>
 </file>
 
-<file path=ppt/slides/slide13.xml><?xml version="1.0" encoding="utf-8"?>
-<p:sld xmlns:a="http://schemas.openxmlformats.org/drawingml/2006/main" xmlns:r="http://schemas.openxmlformats.org/officeDocument/2006/relationships" xmlns:p="http://schemas.openxmlformats.org/presentationml/2006/main">
-  <p:cSld>
-    <p:spTree>
-      <p:nvGrpSpPr>
-        <p:cNvPr id="1" name=""/>
-        <p:cNvGrpSpPr/>
-        <p:nvPr/>
-      </p:nvGrpSpPr>
-      <p:grpSpPr>
-        <a:xfrm>
-          <a:off x="0" y="0"/>
-          <a:ext cx="0" cy="0"/>
-          <a:chOff x="0" y="0"/>
-          <a:chExt cx="0" cy="0"/>
-        </a:xfrm>
-      </p:grpSpPr>
-      <p:sp>
-        <p:nvSpPr>
-          <p:cNvPr id="2" name="Title 1">
-            <a:extLst>
-              <a:ext uri="{FF2B5EF4-FFF2-40B4-BE49-F238E27FC236}">
-                <a16:creationId xmlns:a16="http://schemas.microsoft.com/office/drawing/2014/main" id="{4432D4D3-C579-6240-989A-CEDB497F222C}"/>
-              </a:ext>
-            </a:extLst>
-          </p:cNvPr>
-          <p:cNvSpPr>
-            <a:spLocks noGrp="1"/>
-          </p:cNvSpPr>
-          <p:nvPr>
-            <p:ph type="title"/>
-          </p:nvPr>
-        </p:nvSpPr>
-        <p:spPr/>
-        <p:txBody>
-          <a:bodyPr/>
-          <a:lstStyle/>
-          <a:p>
-            <a:endParaRPr lang="en-US"/>
-          </a:p>
-        </p:txBody>
-      </p:sp>
-      <p:sp>
-        <p:nvSpPr>
-          <p:cNvPr id="3" name="Content Placeholder 2">
-            <a:extLst>
-              <a:ext uri="{FF2B5EF4-FFF2-40B4-BE49-F238E27FC236}">
-                <a16:creationId xmlns:a16="http://schemas.microsoft.com/office/drawing/2014/main" id="{E02A1946-B590-FC4E-8F12-EF0895919C97}"/>
-              </a:ext>
-            </a:extLst>
-          </p:cNvPr>
-          <p:cNvSpPr>
-            <a:spLocks noGrp="1"/>
-          </p:cNvSpPr>
-          <p:nvPr>
-            <p:ph idx="1"/>
-          </p:nvPr>
-        </p:nvSpPr>
-        <p:spPr/>
-        <p:txBody>
-          <a:bodyPr>
-            <a:normAutofit fontScale="85000" lnSpcReduction="20000"/>
-          </a:bodyPr>
-          <a:lstStyle/>
-          <a:p>
-            <a:r>
-              <a:rPr lang="en-US" dirty="0" err="1"/>
-              <a:t>Shivay</a:t>
-            </a:r>
-            <a:r>
-              <a:rPr lang="en-US" dirty="0"/>
-              <a:t>:</a:t>
-            </a:r>
-          </a:p>
-          <a:p>
-            <a:r>
-              <a:rPr lang="en-US" dirty="0"/>
-              <a:t>Addition of Course ::</a:t>
-            </a:r>
-          </a:p>
-          <a:p>
-            <a:r>
-              <a:rPr lang="en-US" dirty="0"/>
-              <a:t>Add multiple employees</a:t>
-            </a:r>
-          </a:p>
-          <a:p>
-            <a:r>
-              <a:rPr lang="en-US" dirty="0"/>
-              <a:t>Start Date, End Date :: Update Module 2</a:t>
-            </a:r>
-          </a:p>
-          <a:p>
-            <a:r>
-              <a:rPr lang="en-US" dirty="0"/>
-              <a:t>Module 1</a:t>
-            </a:r>
-          </a:p>
-          <a:p>
-            <a:r>
-              <a:rPr lang="en-US" dirty="0"/>
-              <a:t>Dashboard : 2</a:t>
-            </a:r>
-            <a:r>
-              <a:rPr lang="en-US" baseline="30000" dirty="0"/>
-              <a:t>nd</a:t>
-            </a:r>
-            <a:r>
-              <a:rPr lang="en-US" dirty="0"/>
-              <a:t> &amp; 3</a:t>
-            </a:r>
-            <a:r>
-              <a:rPr lang="en-US" baseline="30000" dirty="0"/>
-              <a:t>rd</a:t>
-            </a:r>
-            <a:r>
-              <a:rPr lang="en-US" dirty="0"/>
-              <a:t> </a:t>
-            </a:r>
-            <a:r>
-              <a:rPr lang="en-US" dirty="0" err="1"/>
-              <a:t>infoG</a:t>
-            </a:r>
-            <a:endParaRPr lang="en-US" dirty="0"/>
-          </a:p>
-          <a:p>
-            <a:r>
-              <a:rPr lang="en-US" dirty="0"/>
-              <a:t>Cleaning</a:t>
-            </a:r>
-          </a:p>
-          <a:p>
-            <a:endParaRPr lang="en-US" dirty="0"/>
-          </a:p>
-          <a:p>
-            <a:r>
-              <a:rPr lang="en-US" dirty="0"/>
-              <a:t>Sarthak : module 4</a:t>
-            </a:r>
-          </a:p>
-          <a:p>
-            <a:r>
-              <a:rPr lang="en-US" dirty="0"/>
-              <a:t>Dashboard : 4 fields + 1 </a:t>
-            </a:r>
-            <a:r>
-              <a:rPr lang="en-US" dirty="0" err="1"/>
-              <a:t>infoG</a:t>
-            </a:r>
-            <a:endParaRPr lang="en-US" dirty="0"/>
-          </a:p>
-          <a:p>
-            <a:r>
-              <a:rPr lang="en-US" dirty="0"/>
-              <a:t>Template ICONS.</a:t>
-            </a:r>
-          </a:p>
-          <a:p>
-            <a:r>
-              <a:rPr lang="en-US" dirty="0"/>
-              <a:t>Admin Actor</a:t>
-            </a:r>
-          </a:p>
-          <a:p>
-            <a:endParaRPr lang="en-US" dirty="0"/>
-          </a:p>
-          <a:p>
-            <a:endParaRPr lang="en-US" dirty="0"/>
-          </a:p>
-        </p:txBody>
-      </p:sp>
-      <p:sp>
-        <p:nvSpPr>
-          <p:cNvPr id="4" name="TextBox 3">
-            <a:extLst>
-              <a:ext uri="{FF2B5EF4-FFF2-40B4-BE49-F238E27FC236}">
-                <a16:creationId xmlns:a16="http://schemas.microsoft.com/office/drawing/2014/main" id="{7530ED90-0DF6-7E40-ADC5-DD08B3983ED4}"/>
-              </a:ext>
-            </a:extLst>
-          </p:cNvPr>
-          <p:cNvSpPr txBox="1"/>
-          <p:nvPr/>
-        </p:nvSpPr>
-        <p:spPr>
-          <a:xfrm>
-            <a:off x="8243455" y="5381031"/>
-            <a:ext cx="2399311" cy="2031325"/>
-          </a:xfrm>
-          <a:prstGeom prst="rect">
-            <a:avLst/>
-          </a:prstGeom>
-          <a:noFill/>
-        </p:spPr>
-        <p:txBody>
-          <a:bodyPr wrap="none" rtlCol="0">
-            <a:spAutoFit/>
-          </a:bodyPr>
-          <a:lstStyle/>
-          <a:p>
-            <a:r>
-              <a:rPr lang="en-US" dirty="0"/>
-              <a:t>Admin ACTOR</a:t>
-            </a:r>
-          </a:p>
-          <a:p>
-            <a:r>
-              <a:rPr lang="en-US" dirty="0"/>
-              <a:t>Add Trainer Account</a:t>
-            </a:r>
-          </a:p>
-          <a:p>
-            <a:r>
-              <a:rPr lang="en-US" dirty="0"/>
-              <a:t>Delete Trainer Account</a:t>
-            </a:r>
-          </a:p>
-          <a:p>
-            <a:r>
-              <a:rPr lang="en-US" dirty="0"/>
-              <a:t>Add/ remove employee</a:t>
-            </a:r>
-          </a:p>
-          <a:p>
-            <a:r>
-              <a:rPr lang="en-US" dirty="0"/>
-              <a:t>Add employee Details</a:t>
-            </a:r>
-          </a:p>
-          <a:p>
-            <a:r>
-              <a:rPr lang="en-US" dirty="0"/>
-              <a:t>Database Upload</a:t>
-            </a:r>
-          </a:p>
-          <a:p>
-            <a:endParaRPr lang="en-US" dirty="0"/>
-          </a:p>
-        </p:txBody>
-      </p:sp>
-    </p:spTree>
-    <p:extLst>
-      <p:ext uri="{BB962C8B-B14F-4D97-AF65-F5344CB8AC3E}">
-        <p14:creationId xmlns:p14="http://schemas.microsoft.com/office/powerpoint/2010/main" val="738580338"/>
-      </p:ext>
-    </p:extLst>
-  </p:cSld>
-  <p:clrMapOvr>
-    <a:masterClrMapping/>
-  </p:clrMapOvr>
-</p:sld>
-</file>
-
-<file path=ppt/slides/slide2.xml><?xml version="1.0" encoding="utf-8"?>
+<file path=ppt/slides/slide3.xml><?xml version="1.0" encoding="utf-8"?>
 <p:sld xmlns:a="http://schemas.openxmlformats.org/drawingml/2006/main" xmlns:r="http://schemas.openxmlformats.org/officeDocument/2006/relationships" xmlns:p="http://schemas.openxmlformats.org/presentationml/2006/main">
   <p:cSld>
     <p:spTree>
@@ -13342,9 +13027,157 @@
           </a:prstGeom>
         </p:spPr>
       </p:pic>
-      <p:sp>
-        <p:nvSpPr>
-          <p:cNvPr id="38" name="Rectangle 37">
+      <p:pic>
+        <p:nvPicPr>
+          <p:cNvPr id="38" name="Picture 37">
+            <a:extLst>
+              <a:ext uri="{FF2B5EF4-FFF2-40B4-BE49-F238E27FC236}">
+                <a16:creationId xmlns:a16="http://schemas.microsoft.com/office/drawing/2014/main" id="{C84DA818-07F7-3C49-8665-28FBED243475}"/>
+              </a:ext>
+            </a:extLst>
+          </p:cNvPr>
+          <p:cNvPicPr>
+            <a:picLocks noChangeAspect="1"/>
+          </p:cNvPicPr>
+          <p:nvPr/>
+        </p:nvPicPr>
+        <p:blipFill>
+          <a:blip r:embed="rId7" cstate="hqprint">
+            <a:lum bright="70000" contrast="-70000"/>
+            <a:extLst>
+              <a:ext uri="{28A0092B-C50C-407E-A947-70E740481C1C}">
+                <a14:useLocalDpi xmlns:a14="http://schemas.microsoft.com/office/drawing/2010/main" val="0"/>
+              </a:ext>
+            </a:extLst>
+          </a:blip>
+          <a:stretch>
+            <a:fillRect/>
+          </a:stretch>
+        </p:blipFill>
+        <p:spPr>
+          <a:xfrm>
+            <a:off x="155418" y="5245759"/>
+            <a:ext cx="351932" cy="342369"/>
+          </a:xfrm>
+          <a:prstGeom prst="rect">
+            <a:avLst/>
+          </a:prstGeom>
+        </p:spPr>
+      </p:pic>
+      <p:sp>
+        <p:nvSpPr>
+          <p:cNvPr id="39" name="TextBox 38">
+            <a:extLst>
+              <a:ext uri="{FF2B5EF4-FFF2-40B4-BE49-F238E27FC236}">
+                <a16:creationId xmlns:a16="http://schemas.microsoft.com/office/drawing/2014/main" id="{2DF43A07-FAF5-B646-88CD-2F283F8D3FE4}"/>
+              </a:ext>
+            </a:extLst>
+          </p:cNvPr>
+          <p:cNvSpPr txBox="1"/>
+          <p:nvPr/>
+        </p:nvSpPr>
+        <p:spPr>
+          <a:xfrm>
+            <a:off x="556190" y="5294064"/>
+            <a:ext cx="1809736" cy="289310"/>
+          </a:xfrm>
+          <a:prstGeom prst="rect">
+            <a:avLst/>
+          </a:prstGeom>
+          <a:noFill/>
+        </p:spPr>
+        <p:txBody>
+          <a:bodyPr wrap="square" rtlCol="0">
+            <a:spAutoFit/>
+          </a:bodyPr>
+          <a:lstStyle/>
+          <a:p>
+            <a:r>
+              <a:rPr lang="en-IN" sz="1280" dirty="0">
+                <a:solidFill>
+                  <a:schemeClr val="bg1"/>
+                </a:solidFill>
+              </a:rPr>
+              <a:t>Latest Updates</a:t>
+            </a:r>
+          </a:p>
+        </p:txBody>
+      </p:sp>
+      <p:pic>
+        <p:nvPicPr>
+          <p:cNvPr id="40" name="Picture 39">
+            <a:extLst>
+              <a:ext uri="{FF2B5EF4-FFF2-40B4-BE49-F238E27FC236}">
+                <a16:creationId xmlns:a16="http://schemas.microsoft.com/office/drawing/2014/main" id="{25AD6FF2-6DC2-9342-A298-C73A156A7691}"/>
+              </a:ext>
+            </a:extLst>
+          </p:cNvPr>
+          <p:cNvPicPr>
+            <a:picLocks noChangeAspect="1"/>
+          </p:cNvPicPr>
+          <p:nvPr/>
+        </p:nvPicPr>
+        <p:blipFill>
+          <a:blip r:embed="rId11"/>
+          <a:stretch>
+            <a:fillRect/>
+          </a:stretch>
+        </p:blipFill>
+        <p:spPr>
+          <a:xfrm>
+            <a:off x="7692566" y="7755222"/>
+            <a:ext cx="10136484" cy="5597102"/>
+          </a:xfrm>
+          <a:prstGeom prst="rect">
+            <a:avLst/>
+          </a:prstGeom>
+        </p:spPr>
+      </p:pic>
+      <p:sp>
+        <p:nvSpPr>
+          <p:cNvPr id="2" name="TextBox 1">
+            <a:extLst>
+              <a:ext uri="{FF2B5EF4-FFF2-40B4-BE49-F238E27FC236}">
+                <a16:creationId xmlns:a16="http://schemas.microsoft.com/office/drawing/2014/main" id="{F6E8D36F-A7DB-3D47-A208-36DFC3AE9AAB}"/>
+              </a:ext>
+            </a:extLst>
+          </p:cNvPr>
+          <p:cNvSpPr txBox="1"/>
+          <p:nvPr/>
+        </p:nvSpPr>
+        <p:spPr>
+          <a:xfrm>
+            <a:off x="5379586" y="1321413"/>
+            <a:ext cx="3087127" cy="369332"/>
+          </a:xfrm>
+          <a:prstGeom prst="rect">
+            <a:avLst/>
+          </a:prstGeom>
+          <a:noFill/>
+        </p:spPr>
+        <p:txBody>
+          <a:bodyPr wrap="none" rtlCol="0">
+            <a:spAutoFit/>
+          </a:bodyPr>
+          <a:lstStyle/>
+          <a:p>
+            <a:r>
+              <a:rPr lang="en-IN" b="1" dirty="0">
+                <a:solidFill>
+                  <a:schemeClr val="bg2">
+                    <a:lumMod val="50000"/>
+                  </a:schemeClr>
+                </a:solidFill>
+              </a:rPr>
+              <a:t>Employee Selection for Course</a:t>
+            </a:r>
+            <a:endParaRPr lang="en-US" dirty="0"/>
+          </a:p>
+        </p:txBody>
+      </p:sp>
+      <p:sp>
+        <p:nvSpPr>
+          <p:cNvPr id="43" name="Rectangle 42">
             <a:extLst>
               <a:ext uri="{FF2B5EF4-FFF2-40B4-BE49-F238E27FC236}">
                 <a16:creationId xmlns:a16="http://schemas.microsoft.com/office/drawing/2014/main" id="{30028716-C2BF-5A46-ADDC-B7D95A809ECA}"/>
@@ -13356,8 +13189,8 @@
         </p:nvSpPr>
         <p:spPr>
           <a:xfrm>
-            <a:off x="2759074" y="1071416"/>
-            <a:ext cx="9833410" cy="5825124"/>
+            <a:off x="2603263" y="955863"/>
+            <a:ext cx="10013122" cy="6228832"/>
           </a:xfrm>
           <a:prstGeom prst="rect">
             <a:avLst/>
@@ -13394,76 +13227,17 @@
             <a:pPr algn="ctr"/>
             <a:r>
               <a:rPr lang="en-IN" sz="1646" dirty="0"/>
-              <a:t>E</a:t>
+              <a:t>E`</a:t>
             </a:r>
           </a:p>
         </p:txBody>
       </p:sp>
       <p:sp>
         <p:nvSpPr>
-          <p:cNvPr id="39" name="TextBox 38">
-            <a:extLst>
-              <a:ext uri="{FF2B5EF4-FFF2-40B4-BE49-F238E27FC236}">
-                <a16:creationId xmlns:a16="http://schemas.microsoft.com/office/drawing/2014/main" id="{BC70D7A2-3E35-CA4B-AE30-78E358032325}"/>
-              </a:ext>
-            </a:extLst>
-          </p:cNvPr>
-          <p:cNvSpPr txBox="1"/>
-          <p:nvPr/>
-        </p:nvSpPr>
-        <p:spPr>
-          <a:xfrm>
-            <a:off x="3484365" y="1366307"/>
-            <a:ext cx="8014191" cy="430887"/>
-          </a:xfrm>
-          <a:prstGeom prst="rect">
-            <a:avLst/>
-          </a:prstGeom>
-          <a:noFill/>
-        </p:spPr>
-        <p:txBody>
-          <a:bodyPr wrap="square" rtlCol="0">
-            <a:spAutoFit/>
-          </a:bodyPr>
-          <a:lstStyle/>
-          <a:p>
-            <a:pPr algn="ctr"/>
-            <a:r>
-              <a:rPr lang="en-IN" sz="2200" b="1" dirty="0">
-                <a:solidFill>
-                  <a:schemeClr val="bg2">
-                    <a:lumMod val="50000"/>
-                  </a:schemeClr>
-                </a:solidFill>
-              </a:rPr>
-              <a:t>Course </a:t>
-            </a:r>
-            <a:r>
-              <a:rPr lang="en-IN" sz="2200" b="1" dirty="0" err="1">
-                <a:solidFill>
-                  <a:schemeClr val="bg2">
-                    <a:lumMod val="50000"/>
-                  </a:schemeClr>
-                </a:solidFill>
-              </a:rPr>
-              <a:t>Addititon</a:t>
-            </a:r>
-            <a:endParaRPr lang="en-IN" sz="2200" b="1" dirty="0">
-              <a:solidFill>
-                <a:schemeClr val="bg2">
-                  <a:lumMod val="50000"/>
-                </a:schemeClr>
-              </a:solidFill>
-            </a:endParaRPr>
-          </a:p>
-        </p:txBody>
-      </p:sp>
-      <p:sp>
-        <p:nvSpPr>
-          <p:cNvPr id="46" name="Rectangle 45">
-            <a:extLst>
-              <a:ext uri="{FF2B5EF4-FFF2-40B4-BE49-F238E27FC236}">
-                <a16:creationId xmlns:a16="http://schemas.microsoft.com/office/drawing/2014/main" id="{5CCF21A6-3573-F543-95AF-2A9029C46D51}"/>
+          <p:cNvPr id="44" name="Rectangle: Rounded Corners 55">
+            <a:extLst>
+              <a:ext uri="{FF2B5EF4-FFF2-40B4-BE49-F238E27FC236}">
+                <a16:creationId xmlns:a16="http://schemas.microsoft.com/office/drawing/2014/main" id="{1A549288-70C2-FA4A-B20B-0E47D8136C14}"/>
               </a:ext>
             </a:extLst>
           </p:cNvPr>
@@ -13472,17 +13246,21 @@
         </p:nvSpPr>
         <p:spPr>
           <a:xfrm>
-            <a:off x="3290644" y="2043539"/>
-            <a:ext cx="8835437" cy="694077"/>
-          </a:xfrm>
-          <a:prstGeom prst="rect">
+            <a:off x="6357748" y="1979238"/>
+            <a:ext cx="1130804" cy="430662"/>
+          </a:xfrm>
+          <a:prstGeom prst="roundRect">
             <a:avLst/>
           </a:prstGeom>
           <a:solidFill>
             <a:schemeClr val="bg1"/>
           </a:solidFill>
           <a:ln>
-            <a:noFill/>
+            <a:solidFill>
+              <a:schemeClr val="bg2">
+                <a:lumMod val="50000"/>
+              </a:schemeClr>
+            </a:solidFill>
           </a:ln>
         </p:spPr>
         <p:style>
@@ -13505,17 +13283,91 @@
           <a:bodyPr rtlCol="0" anchor="ctr"/>
           <a:lstStyle/>
           <a:p>
+            <a:endParaRPr lang="en-IN" sz="1646" dirty="0">
+              <a:solidFill>
+                <a:schemeClr val="bg2">
+                  <a:lumMod val="50000"/>
+                </a:schemeClr>
+              </a:solidFill>
+            </a:endParaRPr>
+          </a:p>
+        </p:txBody>
+      </p:sp>
+      <p:sp>
+        <p:nvSpPr>
+          <p:cNvPr id="45" name="TextBox 44">
+            <a:extLst>
+              <a:ext uri="{FF2B5EF4-FFF2-40B4-BE49-F238E27FC236}">
+                <a16:creationId xmlns:a16="http://schemas.microsoft.com/office/drawing/2014/main" id="{550105AF-B118-154C-AF9F-5CD4F3909DD9}"/>
+              </a:ext>
+            </a:extLst>
+          </p:cNvPr>
+          <p:cNvSpPr txBox="1"/>
+          <p:nvPr/>
+        </p:nvSpPr>
+        <p:spPr>
+          <a:xfrm>
+            <a:off x="4793050" y="2009903"/>
+            <a:ext cx="1448720" cy="369332"/>
+          </a:xfrm>
+          <a:prstGeom prst="rect">
+            <a:avLst/>
+          </a:prstGeom>
+          <a:noFill/>
+        </p:spPr>
+        <p:txBody>
+          <a:bodyPr wrap="square" rtlCol="0">
+            <a:spAutoFit/>
+          </a:bodyPr>
+          <a:lstStyle/>
+          <a:p>
             <a:pPr algn="ctr"/>
             <a:r>
-              <a:rPr lang="en-IN" sz="1646" dirty="0"/>
-              <a:t>E</a:t>
+              <a:rPr lang="en-US" dirty="0"/>
+              <a:t>Start Date</a:t>
             </a:r>
           </a:p>
         </p:txBody>
       </p:sp>
       <p:sp>
         <p:nvSpPr>
-          <p:cNvPr id="47" name="Rectangle: Rounded Corners 55">
+          <p:cNvPr id="46" name="TextBox 45">
+            <a:extLst>
+              <a:ext uri="{FF2B5EF4-FFF2-40B4-BE49-F238E27FC236}">
+                <a16:creationId xmlns:a16="http://schemas.microsoft.com/office/drawing/2014/main" id="{21A65F48-94AD-7449-B09D-FDB97C9B906F}"/>
+              </a:ext>
+            </a:extLst>
+          </p:cNvPr>
+          <p:cNvSpPr txBox="1"/>
+          <p:nvPr/>
+        </p:nvSpPr>
+        <p:spPr>
+          <a:xfrm>
+            <a:off x="7589365" y="2009903"/>
+            <a:ext cx="1303766" cy="369332"/>
+          </a:xfrm>
+          <a:prstGeom prst="rect">
+            <a:avLst/>
+          </a:prstGeom>
+          <a:noFill/>
+        </p:spPr>
+        <p:txBody>
+          <a:bodyPr wrap="square" rtlCol="0">
+            <a:spAutoFit/>
+          </a:bodyPr>
+          <a:lstStyle/>
+          <a:p>
+            <a:pPr algn="ctr"/>
+            <a:r>
+              <a:rPr lang="en-US" dirty="0"/>
+              <a:t>End Date </a:t>
+            </a:r>
+          </a:p>
+        </p:txBody>
+      </p:sp>
+      <p:sp>
+        <p:nvSpPr>
+          <p:cNvPr id="48" name="Rectangle: Rounded Corners 55">
             <a:extLst>
               <a:ext uri="{FF2B5EF4-FFF2-40B4-BE49-F238E27FC236}">
                 <a16:creationId xmlns:a16="http://schemas.microsoft.com/office/drawing/2014/main" id="{1A549288-70C2-FA4A-B20B-0E47D8136C14}"/>
@@ -13527,8 +13379,8 @@
         </p:nvSpPr>
         <p:spPr>
           <a:xfrm>
-            <a:off x="5691897" y="2185038"/>
-            <a:ext cx="3068078" cy="422168"/>
+            <a:off x="8905050" y="2003633"/>
+            <a:ext cx="1130804" cy="430662"/>
           </a:xfrm>
           <a:prstGeom prst="roundRect">
             <a:avLst/>
@@ -13576,7 +13428,7 @@
       </p:sp>
       <p:sp>
         <p:nvSpPr>
-          <p:cNvPr id="48" name="Rectangle: Rounded Corners 65">
+          <p:cNvPr id="49" name="Rectangle: Rounded Corners 65">
             <a:extLst>
               <a:ext uri="{FF2B5EF4-FFF2-40B4-BE49-F238E27FC236}">
                 <a16:creationId xmlns:a16="http://schemas.microsoft.com/office/drawing/2014/main" id="{05EAECDE-3B6D-E24E-8243-B8611089B202}"/>
@@ -13588,7 +13440,7 @@
         </p:nvSpPr>
         <p:spPr>
           <a:xfrm>
-            <a:off x="9175857" y="2155396"/>
+            <a:off x="6075616" y="6406408"/>
             <a:ext cx="1813374" cy="443272"/>
           </a:xfrm>
           <a:prstGeom prst="roundRect">
@@ -13629,314 +13481,6 @@
             <a:pPr algn="ctr"/>
             <a:r>
               <a:rPr lang="en-IN" sz="1646" dirty="0"/>
-              <a:t>Enter</a:t>
-            </a:r>
-          </a:p>
-        </p:txBody>
-      </p:sp>
-      <p:sp>
-        <p:nvSpPr>
-          <p:cNvPr id="49" name="TextBox 48">
-            <a:extLst>
-              <a:ext uri="{FF2B5EF4-FFF2-40B4-BE49-F238E27FC236}">
-                <a16:creationId xmlns:a16="http://schemas.microsoft.com/office/drawing/2014/main" id="{550105AF-B118-154C-AF9F-5CD4F3909DD9}"/>
-              </a:ext>
-            </a:extLst>
-          </p:cNvPr>
-          <p:cNvSpPr txBox="1"/>
-          <p:nvPr/>
-        </p:nvSpPr>
-        <p:spPr>
-          <a:xfrm>
-            <a:off x="3988960" y="2212280"/>
-            <a:ext cx="1201804" cy="369332"/>
-          </a:xfrm>
-          <a:prstGeom prst="rect">
-            <a:avLst/>
-          </a:prstGeom>
-          <a:noFill/>
-        </p:spPr>
-        <p:txBody>
-          <a:bodyPr wrap="none" rtlCol="0">
-            <a:spAutoFit/>
-          </a:bodyPr>
-          <a:lstStyle/>
-          <a:p>
-            <a:pPr algn="ctr"/>
-            <a:r>
-              <a:rPr lang="en-US" dirty="0"/>
-              <a:t>Course ID*</a:t>
-            </a:r>
-          </a:p>
-        </p:txBody>
-      </p:sp>
-      <p:sp>
-        <p:nvSpPr>
-          <p:cNvPr id="50" name="Rectangle 49">
-            <a:extLst>
-              <a:ext uri="{FF2B5EF4-FFF2-40B4-BE49-F238E27FC236}">
-                <a16:creationId xmlns:a16="http://schemas.microsoft.com/office/drawing/2014/main" id="{5CCF21A6-3573-F543-95AF-2A9029C46D51}"/>
-              </a:ext>
-            </a:extLst>
-          </p:cNvPr>
-          <p:cNvSpPr/>
-          <p:nvPr/>
-        </p:nvSpPr>
-        <p:spPr>
-          <a:xfrm>
-            <a:off x="3243991" y="3211281"/>
-            <a:ext cx="8835437" cy="694077"/>
-          </a:xfrm>
-          <a:prstGeom prst="rect">
-            <a:avLst/>
-          </a:prstGeom>
-          <a:solidFill>
-            <a:schemeClr val="bg1"/>
-          </a:solidFill>
-          <a:ln>
-            <a:noFill/>
-          </a:ln>
-        </p:spPr>
-        <p:style>
-          <a:lnRef idx="2">
-            <a:schemeClr val="accent1">
-              <a:shade val="50000"/>
-            </a:schemeClr>
-          </a:lnRef>
-          <a:fillRef idx="1">
-            <a:schemeClr val="accent1"/>
-          </a:fillRef>
-          <a:effectRef idx="0">
-            <a:schemeClr val="accent1"/>
-          </a:effectRef>
-          <a:fontRef idx="minor">
-            <a:schemeClr val="lt1"/>
-          </a:fontRef>
-        </p:style>
-        <p:txBody>
-          <a:bodyPr rtlCol="0" anchor="ctr"/>
-          <a:lstStyle/>
-          <a:p>
-            <a:pPr algn="ctr"/>
-            <a:r>
-              <a:rPr lang="en-IN" sz="1646" dirty="0"/>
-              <a:t>E</a:t>
-            </a:r>
-          </a:p>
-        </p:txBody>
-      </p:sp>
-      <p:sp>
-        <p:nvSpPr>
-          <p:cNvPr id="51" name="Rectangle: Rounded Corners 55">
-            <a:extLst>
-              <a:ext uri="{FF2B5EF4-FFF2-40B4-BE49-F238E27FC236}">
-                <a16:creationId xmlns:a16="http://schemas.microsoft.com/office/drawing/2014/main" id="{1A549288-70C2-FA4A-B20B-0E47D8136C14}"/>
-              </a:ext>
-            </a:extLst>
-          </p:cNvPr>
-          <p:cNvSpPr/>
-          <p:nvPr/>
-        </p:nvSpPr>
-        <p:spPr>
-          <a:xfrm>
-            <a:off x="5718294" y="3389122"/>
-            <a:ext cx="3068078" cy="422168"/>
-          </a:xfrm>
-          <a:prstGeom prst="roundRect">
-            <a:avLst/>
-          </a:prstGeom>
-          <a:solidFill>
-            <a:schemeClr val="bg1"/>
-          </a:solidFill>
-          <a:ln>
-            <a:solidFill>
-              <a:schemeClr val="bg2">
-                <a:lumMod val="50000"/>
-              </a:schemeClr>
-            </a:solidFill>
-          </a:ln>
-        </p:spPr>
-        <p:style>
-          <a:lnRef idx="2">
-            <a:schemeClr val="accent1">
-              <a:shade val="50000"/>
-            </a:schemeClr>
-          </a:lnRef>
-          <a:fillRef idx="1">
-            <a:schemeClr val="accent1"/>
-          </a:fillRef>
-          <a:effectRef idx="0">
-            <a:schemeClr val="accent1"/>
-          </a:effectRef>
-          <a:fontRef idx="minor">
-            <a:schemeClr val="lt1"/>
-          </a:fontRef>
-        </p:style>
-        <p:txBody>
-          <a:bodyPr rtlCol="0" anchor="ctr"/>
-          <a:lstStyle/>
-          <a:p>
-            <a:endParaRPr lang="en-IN" sz="1646" dirty="0">
-              <a:solidFill>
-                <a:schemeClr val="bg2">
-                  <a:lumMod val="50000"/>
-                </a:schemeClr>
-              </a:solidFill>
-            </a:endParaRPr>
-          </a:p>
-        </p:txBody>
-      </p:sp>
-      <p:sp>
-        <p:nvSpPr>
-          <p:cNvPr id="52" name="Rectangle: Rounded Corners 65">
-            <a:extLst>
-              <a:ext uri="{FF2B5EF4-FFF2-40B4-BE49-F238E27FC236}">
-                <a16:creationId xmlns:a16="http://schemas.microsoft.com/office/drawing/2014/main" id="{05EAECDE-3B6D-E24E-8243-B8611089B202}"/>
-              </a:ext>
-            </a:extLst>
-          </p:cNvPr>
-          <p:cNvSpPr/>
-          <p:nvPr/>
-        </p:nvSpPr>
-        <p:spPr>
-          <a:xfrm>
-            <a:off x="9192225" y="3339741"/>
-            <a:ext cx="1813374" cy="443272"/>
-          </a:xfrm>
-          <a:prstGeom prst="roundRect">
-            <a:avLst/>
-          </a:prstGeom>
-          <a:solidFill>
-            <a:srgbClr val="00B0F0"/>
-          </a:solidFill>
-          <a:ln>
-            <a:solidFill>
-              <a:schemeClr val="accent1">
-                <a:lumMod val="60000"/>
-                <a:lumOff val="40000"/>
-              </a:schemeClr>
-            </a:solidFill>
-          </a:ln>
-        </p:spPr>
-        <p:style>
-          <a:lnRef idx="2">
-            <a:schemeClr val="accent1">
-              <a:shade val="50000"/>
-            </a:schemeClr>
-          </a:lnRef>
-          <a:fillRef idx="1">
-            <a:schemeClr val="accent1"/>
-          </a:fillRef>
-          <a:effectRef idx="0">
-            <a:schemeClr val="accent1"/>
-          </a:effectRef>
-          <a:fontRef idx="minor">
-            <a:schemeClr val="lt1"/>
-          </a:fontRef>
-        </p:style>
-        <p:txBody>
-          <a:bodyPr rtlCol="0" anchor="ctr"/>
-          <a:lstStyle/>
-          <a:p>
-            <a:pPr algn="ctr"/>
-            <a:r>
-              <a:rPr lang="en-IN" sz="1646" dirty="0"/>
-              <a:t>Enter</a:t>
-            </a:r>
-          </a:p>
-        </p:txBody>
-      </p:sp>
-      <p:sp>
-        <p:nvSpPr>
-          <p:cNvPr id="53" name="TextBox 52">
-            <a:extLst>
-              <a:ext uri="{FF2B5EF4-FFF2-40B4-BE49-F238E27FC236}">
-                <a16:creationId xmlns:a16="http://schemas.microsoft.com/office/drawing/2014/main" id="{550105AF-B118-154C-AF9F-5CD4F3909DD9}"/>
-              </a:ext>
-            </a:extLst>
-          </p:cNvPr>
-          <p:cNvSpPr txBox="1"/>
-          <p:nvPr/>
-        </p:nvSpPr>
-        <p:spPr>
-          <a:xfrm>
-            <a:off x="4025321" y="3406590"/>
-            <a:ext cx="1294522" cy="369332"/>
-          </a:xfrm>
-          <a:prstGeom prst="rect">
-            <a:avLst/>
-          </a:prstGeom>
-          <a:noFill/>
-        </p:spPr>
-        <p:txBody>
-          <a:bodyPr wrap="none" rtlCol="0">
-            <a:spAutoFit/>
-          </a:bodyPr>
-          <a:lstStyle/>
-          <a:p>
-            <a:pPr algn="ctr"/>
-            <a:r>
-              <a:rPr lang="en-US" dirty="0"/>
-              <a:t>Start Date *</a:t>
-            </a:r>
-          </a:p>
-        </p:txBody>
-      </p:sp>
-      <p:sp>
-        <p:nvSpPr>
-          <p:cNvPr id="58" name="Rectangle: Rounded Corners 65">
-            <a:extLst>
-              <a:ext uri="{FF2B5EF4-FFF2-40B4-BE49-F238E27FC236}">
-                <a16:creationId xmlns:a16="http://schemas.microsoft.com/office/drawing/2014/main" id="{05EAECDE-3B6D-E24E-8243-B8611089B202}"/>
-              </a:ext>
-            </a:extLst>
-          </p:cNvPr>
-          <p:cNvSpPr/>
-          <p:nvPr/>
-        </p:nvSpPr>
-        <p:spPr>
-          <a:xfrm>
-            <a:off x="6398408" y="5273916"/>
-            <a:ext cx="1813374" cy="443272"/>
-          </a:xfrm>
-          <a:prstGeom prst="roundRect">
-            <a:avLst/>
-          </a:prstGeom>
-          <a:solidFill>
-            <a:srgbClr val="00B0F0"/>
-          </a:solidFill>
-          <a:ln>
-            <a:solidFill>
-              <a:schemeClr val="accent1">
-                <a:lumMod val="60000"/>
-                <a:lumOff val="40000"/>
-              </a:schemeClr>
-            </a:solidFill>
-          </a:ln>
-        </p:spPr>
-        <p:style>
-          <a:lnRef idx="2">
-            <a:schemeClr val="accent1">
-              <a:shade val="50000"/>
-            </a:schemeClr>
-          </a:lnRef>
-          <a:fillRef idx="1">
-            <a:schemeClr val="accent1"/>
-          </a:fillRef>
-          <a:effectRef idx="0">
-            <a:schemeClr val="accent1"/>
-          </a:effectRef>
-          <a:fontRef idx="minor">
-            <a:schemeClr val="lt1"/>
-          </a:fontRef>
-        </p:style>
-        <p:txBody>
-          <a:bodyPr rtlCol="0" anchor="ctr"/>
-          <a:lstStyle/>
-          <a:p>
-            <a:pPr algn="ctr"/>
-            <a:r>
-              <a:rPr lang="en-IN" sz="1646" dirty="0"/>
               <a:t>Submit</a:t>
             </a:r>
           </a:p>
@@ -13944,35 +13488,22 @@
       </p:sp>
       <p:pic>
         <p:nvPicPr>
-          <p:cNvPr id="54" name="Picture 53">
-            <a:extLst>
-              <a:ext uri="{FF2B5EF4-FFF2-40B4-BE49-F238E27FC236}">
-                <a16:creationId xmlns:a16="http://schemas.microsoft.com/office/drawing/2014/main" id="{C84DA818-07F7-3C49-8665-28FBED243475}"/>
-              </a:ext>
-            </a:extLst>
-          </p:cNvPr>
+          <p:cNvPr id="5" name="Picture 4"/>
           <p:cNvPicPr>
             <a:picLocks noChangeAspect="1"/>
           </p:cNvPicPr>
           <p:nvPr/>
         </p:nvPicPr>
         <p:blipFill>
-          <a:blip r:embed="rId7" cstate="hqprint">
-            <a:lum bright="70000" contrast="-70000"/>
-            <a:extLst>
-              <a:ext uri="{28A0092B-C50C-407E-A947-70E740481C1C}">
-                <a14:useLocalDpi xmlns:a14="http://schemas.microsoft.com/office/drawing/2010/main" val="0"/>
-              </a:ext>
-            </a:extLst>
-          </a:blip>
+          <a:blip r:embed="rId12"/>
           <a:stretch>
             <a:fillRect/>
           </a:stretch>
         </p:blipFill>
         <p:spPr>
           <a:xfrm>
-            <a:off x="155418" y="5245759"/>
-            <a:ext cx="351932" cy="342369"/>
+            <a:off x="8719601" y="2606000"/>
+            <a:ext cx="3240968" cy="466725"/>
           </a:xfrm>
           <a:prstGeom prst="rect">
             <a:avLst/>
@@ -13981,10 +13512,10 @@
       </p:pic>
       <p:sp>
         <p:nvSpPr>
-          <p:cNvPr id="55" name="TextBox 54">
-            <a:extLst>
-              <a:ext uri="{FF2B5EF4-FFF2-40B4-BE49-F238E27FC236}">
-                <a16:creationId xmlns:a16="http://schemas.microsoft.com/office/drawing/2014/main" id="{2DF43A07-FAF5-B646-88CD-2F283F8D3FE4}"/>
+          <p:cNvPr id="52" name="TextBox 51">
+            <a:extLst>
+              <a:ext uri="{FF2B5EF4-FFF2-40B4-BE49-F238E27FC236}">
+                <a16:creationId xmlns:a16="http://schemas.microsoft.com/office/drawing/2014/main" id="{550105AF-B118-154C-AF9F-5CD4F3909DD9}"/>
               </a:ext>
             </a:extLst>
           </p:cNvPr>
@@ -13993,8 +13524,8 @@
         </p:nvSpPr>
         <p:spPr>
           <a:xfrm>
-            <a:off x="556190" y="5294064"/>
-            <a:ext cx="1809736" cy="289310"/>
+            <a:off x="7607188" y="2632201"/>
+            <a:ext cx="1448720" cy="369332"/>
           </a:xfrm>
           <a:prstGeom prst="rect">
             <a:avLst/>
@@ -14007,179 +13538,124 @@
           </a:bodyPr>
           <a:lstStyle/>
           <a:p>
-            <a:r>
-              <a:rPr lang="en-IN" sz="1280" dirty="0">
-                <a:solidFill>
-                  <a:schemeClr val="bg1"/>
-                </a:solidFill>
-              </a:rPr>
-              <a:t>Latest Updates</a:t>
-            </a:r>
-          </a:p>
-        </p:txBody>
-      </p:sp>
-      <p:sp>
-        <p:nvSpPr>
-          <p:cNvPr id="57" name="Rectangle: Rounded Corners 65">
-            <a:extLst>
-              <a:ext uri="{FF2B5EF4-FFF2-40B4-BE49-F238E27FC236}">
-                <a16:creationId xmlns:a16="http://schemas.microsoft.com/office/drawing/2014/main" id="{E2E76E90-693E-CA49-A433-FA00E8B4B9D4}"/>
-              </a:ext>
-            </a:extLst>
-          </p:cNvPr>
-          <p:cNvSpPr/>
-          <p:nvPr/>
-        </p:nvSpPr>
-        <p:spPr>
-          <a:xfrm>
-            <a:off x="9192225" y="4459220"/>
-            <a:ext cx="1813374" cy="443272"/>
-          </a:xfrm>
-          <a:prstGeom prst="roundRect">
-            <a:avLst/>
-          </a:prstGeom>
-          <a:solidFill>
-            <a:srgbClr val="00B0F0"/>
-          </a:solidFill>
-          <a:ln>
-            <a:solidFill>
-              <a:schemeClr val="accent1">
-                <a:lumMod val="60000"/>
-                <a:lumOff val="40000"/>
-              </a:schemeClr>
-            </a:solidFill>
-          </a:ln>
-        </p:spPr>
-        <p:style>
-          <a:lnRef idx="2">
-            <a:schemeClr val="accent1">
-              <a:shade val="50000"/>
-            </a:schemeClr>
-          </a:lnRef>
-          <a:fillRef idx="1">
-            <a:schemeClr val="accent1"/>
-          </a:fillRef>
-          <a:effectRef idx="0">
-            <a:schemeClr val="accent1"/>
-          </a:effectRef>
-          <a:fontRef idx="minor">
-            <a:schemeClr val="lt1"/>
-          </a:fontRef>
-        </p:style>
-        <p:txBody>
-          <a:bodyPr rtlCol="0" anchor="ctr"/>
-          <a:lstStyle/>
-          <a:p>
-            <a:pPr algn="ctr"/>
-            <a:r>
-              <a:rPr lang="en-IN" sz="1646" dirty="0" err="1"/>
-              <a:t>nter</a:t>
-            </a:r>
-            <a:endParaRPr lang="en-IN" sz="1646" dirty="0"/>
-          </a:p>
-        </p:txBody>
-      </p:sp>
-      <p:sp>
-        <p:nvSpPr>
-          <p:cNvPr id="59" name="TextBox 58">
-            <a:extLst>
-              <a:ext uri="{FF2B5EF4-FFF2-40B4-BE49-F238E27FC236}">
-                <a16:creationId xmlns:a16="http://schemas.microsoft.com/office/drawing/2014/main" id="{21A65F48-94AD-7449-B09D-FDB97C9B906F}"/>
-              </a:ext>
-            </a:extLst>
-          </p:cNvPr>
-          <p:cNvSpPr txBox="1"/>
-          <p:nvPr/>
-        </p:nvSpPr>
-        <p:spPr>
-          <a:xfrm>
-            <a:off x="4128907" y="4533160"/>
-            <a:ext cx="1087349" cy="369332"/>
-          </a:xfrm>
-          <a:prstGeom prst="rect">
-            <a:avLst/>
-          </a:prstGeom>
-          <a:noFill/>
-        </p:spPr>
-        <p:txBody>
-          <a:bodyPr wrap="none" rtlCol="0">
-            <a:spAutoFit/>
-          </a:bodyPr>
-          <a:lstStyle/>
-          <a:p>
             <a:pPr algn="ctr"/>
             <a:r>
               <a:rPr lang="en-US" dirty="0"/>
-              <a:t>End Date </a:t>
+              <a:t>Filter </a:t>
             </a:r>
           </a:p>
         </p:txBody>
       </p:sp>
-      <p:sp>
-        <p:nvSpPr>
-          <p:cNvPr id="60" name="Rectangle: Rounded Corners 55">
-            <a:extLst>
-              <a:ext uri="{FF2B5EF4-FFF2-40B4-BE49-F238E27FC236}">
-                <a16:creationId xmlns:a16="http://schemas.microsoft.com/office/drawing/2014/main" id="{1A549288-70C2-FA4A-B20B-0E47D8136C14}"/>
-              </a:ext>
-            </a:extLst>
-          </p:cNvPr>
-          <p:cNvSpPr/>
-          <p:nvPr/>
-        </p:nvSpPr>
-        <p:spPr>
-          <a:xfrm>
-            <a:off x="5633629" y="4469772"/>
-            <a:ext cx="3068078" cy="422168"/>
-          </a:xfrm>
-          <a:prstGeom prst="roundRect">
-            <a:avLst/>
-          </a:prstGeom>
-          <a:solidFill>
-            <a:schemeClr val="bg1"/>
-          </a:solidFill>
-          <a:ln>
-            <a:solidFill>
-              <a:schemeClr val="bg2">
-                <a:lumMod val="50000"/>
-              </a:schemeClr>
-            </a:solidFill>
-          </a:ln>
-        </p:spPr>
-        <p:style>
-          <a:lnRef idx="2">
-            <a:schemeClr val="accent1">
-              <a:shade val="50000"/>
-            </a:schemeClr>
-          </a:lnRef>
-          <a:fillRef idx="1">
-            <a:schemeClr val="accent1"/>
-          </a:fillRef>
-          <a:effectRef idx="0">
-            <a:schemeClr val="accent1"/>
-          </a:effectRef>
-          <a:fontRef idx="minor">
-            <a:schemeClr val="lt1"/>
-          </a:fontRef>
-        </p:style>
-        <p:txBody>
-          <a:bodyPr rtlCol="0" anchor="ctr"/>
-          <a:lstStyle/>
-          <a:p>
-            <a:endParaRPr lang="en-IN" sz="1646" dirty="0">
-              <a:solidFill>
-                <a:schemeClr val="bg2">
-                  <a:lumMod val="50000"/>
-                </a:schemeClr>
-              </a:solidFill>
-            </a:endParaRPr>
-          </a:p>
-        </p:txBody>
-      </p:sp>
+      <p:pic>
+        <p:nvPicPr>
+          <p:cNvPr id="7" name="Picture 6"/>
+          <p:cNvPicPr>
+            <a:picLocks noChangeAspect="1"/>
+          </p:cNvPicPr>
+          <p:nvPr/>
+        </p:nvPicPr>
+        <p:blipFill>
+          <a:blip r:embed="rId13"/>
+          <a:stretch>
+            <a:fillRect/>
+          </a:stretch>
+        </p:blipFill>
+        <p:spPr>
+          <a:xfrm>
+            <a:off x="3253808" y="3341709"/>
+            <a:ext cx="8706761" cy="2809852"/>
+          </a:xfrm>
+          <a:prstGeom prst="rect">
+            <a:avLst/>
+          </a:prstGeom>
+        </p:spPr>
+      </p:pic>
+      <p:pic>
+        <p:nvPicPr>
+          <p:cNvPr id="8" name="Picture 7"/>
+          <p:cNvPicPr>
+            <a:picLocks noChangeAspect="1"/>
+          </p:cNvPicPr>
+          <p:nvPr/>
+        </p:nvPicPr>
+        <p:blipFill rotWithShape="1">
+          <a:blip r:embed="rId14"/>
+          <a:srcRect r="9276" b="-318"/>
+          <a:stretch/>
+        </p:blipFill>
+        <p:spPr>
+          <a:xfrm>
+            <a:off x="2945581" y="4012502"/>
+            <a:ext cx="336879" cy="2173261"/>
+          </a:xfrm>
+          <a:prstGeom prst="rect">
+            <a:avLst/>
+          </a:prstGeom>
+        </p:spPr>
+      </p:pic>
+      <p:pic>
+        <p:nvPicPr>
+          <p:cNvPr id="53" name="Picture 52">
+            <a:extLst>
+              <a:ext uri="{FF2B5EF4-FFF2-40B4-BE49-F238E27FC236}">
+                <a16:creationId xmlns:a16="http://schemas.microsoft.com/office/drawing/2014/main" id="{D61881A4-B9B7-EA4D-A8C2-F7D2F176BD1B}"/>
+              </a:ext>
+            </a:extLst>
+          </p:cNvPr>
+          <p:cNvPicPr>
+            <a:picLocks noChangeAspect="1"/>
+          </p:cNvPicPr>
+          <p:nvPr/>
+        </p:nvPicPr>
+        <p:blipFill rotWithShape="1">
+          <a:blip r:embed="rId13"/>
+          <a:srcRect l="11986" r="79135" b="83150"/>
+          <a:stretch/>
+        </p:blipFill>
+        <p:spPr>
+          <a:xfrm>
+            <a:off x="2945581" y="3344584"/>
+            <a:ext cx="342738" cy="667918"/>
+          </a:xfrm>
+          <a:prstGeom prst="rect">
+            <a:avLst/>
+          </a:prstGeom>
+        </p:spPr>
+      </p:pic>
+      <p:pic>
+        <p:nvPicPr>
+          <p:cNvPr id="3" name="Picture 2">
+            <a:extLst>
+              <a:ext uri="{FF2B5EF4-FFF2-40B4-BE49-F238E27FC236}">
+                <a16:creationId xmlns:a16="http://schemas.microsoft.com/office/drawing/2014/main" id="{70479DC5-6CE0-734B-B5A7-135785E432A2}"/>
+              </a:ext>
+            </a:extLst>
+          </p:cNvPr>
+          <p:cNvPicPr>
+            <a:picLocks noChangeAspect="1"/>
+          </p:cNvPicPr>
+          <p:nvPr/>
+        </p:nvPicPr>
+        <p:blipFill>
+          <a:blip r:embed="rId15"/>
+          <a:stretch>
+            <a:fillRect/>
+          </a:stretch>
+        </p:blipFill>
+        <p:spPr>
+          <a:xfrm>
+            <a:off x="3282460" y="1915226"/>
+            <a:ext cx="1570631" cy="566040"/>
+          </a:xfrm>
+          <a:prstGeom prst="rect">
+            <a:avLst/>
+          </a:prstGeom>
+        </p:spPr>
+      </p:pic>
     </p:spTree>
     <p:extLst>
       <p:ext uri="{BB962C8B-B14F-4D97-AF65-F5344CB8AC3E}">
-        <p14:creationId xmlns:p14="http://schemas.microsoft.com/office/powerpoint/2010/main" val="3232596059"/>
+        <p14:creationId xmlns:p14="http://schemas.microsoft.com/office/powerpoint/2010/main" val="653267114"/>
       </p:ext>
     </p:extLst>
   </p:cSld>
@@ -14189,7 +13665,7 @@
 </p:sld>
 </file>
 
-<file path=ppt/slides/slide3.xml><?xml version="1.0" encoding="utf-8"?>
+<file path=ppt/slides/slide4.xml><?xml version="1.0" encoding="utf-8"?>
 <p:sld xmlns:a="http://schemas.openxmlformats.org/drawingml/2006/main" xmlns:r="http://schemas.openxmlformats.org/officeDocument/2006/relationships" xmlns:p="http://schemas.openxmlformats.org/presentationml/2006/main">
   <p:cSld>
     <p:spTree>
@@ -15544,157 +15020,9 @@
           </a:prstGeom>
         </p:spPr>
       </p:pic>
-      <p:pic>
-        <p:nvPicPr>
-          <p:cNvPr id="38" name="Picture 37">
-            <a:extLst>
-              <a:ext uri="{FF2B5EF4-FFF2-40B4-BE49-F238E27FC236}">
-                <a16:creationId xmlns:a16="http://schemas.microsoft.com/office/drawing/2014/main" id="{C84DA818-07F7-3C49-8665-28FBED243475}"/>
-              </a:ext>
-            </a:extLst>
-          </p:cNvPr>
-          <p:cNvPicPr>
-            <a:picLocks noChangeAspect="1"/>
-          </p:cNvPicPr>
-          <p:nvPr/>
-        </p:nvPicPr>
-        <p:blipFill>
-          <a:blip r:embed="rId7" cstate="hqprint">
-            <a:lum bright="70000" contrast="-70000"/>
-            <a:extLst>
-              <a:ext uri="{28A0092B-C50C-407E-A947-70E740481C1C}">
-                <a14:useLocalDpi xmlns:a14="http://schemas.microsoft.com/office/drawing/2010/main" val="0"/>
-              </a:ext>
-            </a:extLst>
-          </a:blip>
-          <a:stretch>
-            <a:fillRect/>
-          </a:stretch>
-        </p:blipFill>
-        <p:spPr>
-          <a:xfrm>
-            <a:off x="155418" y="5245759"/>
-            <a:ext cx="351932" cy="342369"/>
-          </a:xfrm>
-          <a:prstGeom prst="rect">
-            <a:avLst/>
-          </a:prstGeom>
-        </p:spPr>
-      </p:pic>
-      <p:sp>
-        <p:nvSpPr>
-          <p:cNvPr id="39" name="TextBox 38">
-            <a:extLst>
-              <a:ext uri="{FF2B5EF4-FFF2-40B4-BE49-F238E27FC236}">
-                <a16:creationId xmlns:a16="http://schemas.microsoft.com/office/drawing/2014/main" id="{2DF43A07-FAF5-B646-88CD-2F283F8D3FE4}"/>
-              </a:ext>
-            </a:extLst>
-          </p:cNvPr>
-          <p:cNvSpPr txBox="1"/>
-          <p:nvPr/>
-        </p:nvSpPr>
-        <p:spPr>
-          <a:xfrm>
-            <a:off x="556190" y="5294064"/>
-            <a:ext cx="1809736" cy="289310"/>
-          </a:xfrm>
-          <a:prstGeom prst="rect">
-            <a:avLst/>
-          </a:prstGeom>
-          <a:noFill/>
-        </p:spPr>
-        <p:txBody>
-          <a:bodyPr wrap="square" rtlCol="0">
-            <a:spAutoFit/>
-          </a:bodyPr>
-          <a:lstStyle/>
-          <a:p>
-            <a:r>
-              <a:rPr lang="en-IN" sz="1280" dirty="0">
-                <a:solidFill>
-                  <a:schemeClr val="bg1"/>
-                </a:solidFill>
-              </a:rPr>
-              <a:t>Latest Updates</a:t>
-            </a:r>
-          </a:p>
-        </p:txBody>
-      </p:sp>
-      <p:pic>
-        <p:nvPicPr>
-          <p:cNvPr id="40" name="Picture 39">
-            <a:extLst>
-              <a:ext uri="{FF2B5EF4-FFF2-40B4-BE49-F238E27FC236}">
-                <a16:creationId xmlns:a16="http://schemas.microsoft.com/office/drawing/2014/main" id="{25AD6FF2-6DC2-9342-A298-C73A156A7691}"/>
-              </a:ext>
-            </a:extLst>
-          </p:cNvPr>
-          <p:cNvPicPr>
-            <a:picLocks noChangeAspect="1"/>
-          </p:cNvPicPr>
-          <p:nvPr/>
-        </p:nvPicPr>
-        <p:blipFill>
-          <a:blip r:embed="rId11"/>
-          <a:stretch>
-            <a:fillRect/>
-          </a:stretch>
-        </p:blipFill>
-        <p:spPr>
-          <a:xfrm>
-            <a:off x="7692566" y="7755222"/>
-            <a:ext cx="10136484" cy="5597102"/>
-          </a:xfrm>
-          <a:prstGeom prst="rect">
-            <a:avLst/>
-          </a:prstGeom>
-        </p:spPr>
-      </p:pic>
-      <p:sp>
-        <p:nvSpPr>
-          <p:cNvPr id="2" name="TextBox 1">
-            <a:extLst>
-              <a:ext uri="{FF2B5EF4-FFF2-40B4-BE49-F238E27FC236}">
-                <a16:creationId xmlns:a16="http://schemas.microsoft.com/office/drawing/2014/main" id="{F6E8D36F-A7DB-3D47-A208-36DFC3AE9AAB}"/>
-              </a:ext>
-            </a:extLst>
-          </p:cNvPr>
-          <p:cNvSpPr txBox="1"/>
-          <p:nvPr/>
-        </p:nvSpPr>
-        <p:spPr>
-          <a:xfrm>
-            <a:off x="5379586" y="1321413"/>
-            <a:ext cx="3087127" cy="369332"/>
-          </a:xfrm>
-          <a:prstGeom prst="rect">
-            <a:avLst/>
-          </a:prstGeom>
-          <a:noFill/>
-        </p:spPr>
-        <p:txBody>
-          <a:bodyPr wrap="none" rtlCol="0">
-            <a:spAutoFit/>
-          </a:bodyPr>
-          <a:lstStyle/>
-          <a:p>
-            <a:r>
-              <a:rPr lang="en-IN" b="1" dirty="0">
-                <a:solidFill>
-                  <a:schemeClr val="bg2">
-                    <a:lumMod val="50000"/>
-                  </a:schemeClr>
-                </a:solidFill>
-              </a:rPr>
-              <a:t>Employee Selection for Course</a:t>
-            </a:r>
-            <a:endParaRPr lang="en-US" dirty="0"/>
-          </a:p>
-        </p:txBody>
-      </p:sp>
-      <p:sp>
-        <p:nvSpPr>
-          <p:cNvPr id="43" name="Rectangle 42">
+      <p:sp>
+        <p:nvSpPr>
+          <p:cNvPr id="38" name="Rectangle 37">
             <a:extLst>
               <a:ext uri="{FF2B5EF4-FFF2-40B4-BE49-F238E27FC236}">
                 <a16:creationId xmlns:a16="http://schemas.microsoft.com/office/drawing/2014/main" id="{30028716-C2BF-5A46-ADDC-B7D95A809ECA}"/>
@@ -15706,8 +15034,8 @@
         </p:nvSpPr>
         <p:spPr>
           <a:xfrm>
-            <a:off x="2603263" y="955863"/>
-            <a:ext cx="10013122" cy="6228832"/>
+            <a:off x="2638709" y="1043011"/>
+            <a:ext cx="9833410" cy="5825124"/>
           </a:xfrm>
           <a:prstGeom prst="rect">
             <a:avLst/>
@@ -15742,19 +15070,58 @@
           <a:lstStyle/>
           <a:p>
             <a:pPr algn="ctr"/>
+            <a:endParaRPr lang="en-IN" sz="1646" dirty="0"/>
+          </a:p>
+        </p:txBody>
+      </p:sp>
+      <p:sp>
+        <p:nvSpPr>
+          <p:cNvPr id="39" name="TextBox 38">
+            <a:extLst>
+              <a:ext uri="{FF2B5EF4-FFF2-40B4-BE49-F238E27FC236}">
+                <a16:creationId xmlns:a16="http://schemas.microsoft.com/office/drawing/2014/main" id="{BC70D7A2-3E35-CA4B-AE30-78E358032325}"/>
+              </a:ext>
+            </a:extLst>
+          </p:cNvPr>
+          <p:cNvSpPr txBox="1"/>
+          <p:nvPr/>
+        </p:nvSpPr>
+        <p:spPr>
+          <a:xfrm>
+            <a:off x="2975207" y="1322878"/>
+            <a:ext cx="8014191" cy="430887"/>
+          </a:xfrm>
+          <a:prstGeom prst="rect">
+            <a:avLst/>
+          </a:prstGeom>
+          <a:noFill/>
+        </p:spPr>
+        <p:txBody>
+          <a:bodyPr wrap="square" rtlCol="0">
+            <a:spAutoFit/>
+          </a:bodyPr>
+          <a:lstStyle/>
+          <a:p>
+            <a:pPr algn="ctr"/>
             <a:r>
-              <a:rPr lang="en-IN" sz="1646" dirty="0"/>
-              <a:t>E`</a:t>
+              <a:rPr lang="en-IN" sz="2200" b="1" dirty="0">
+                <a:solidFill>
+                  <a:schemeClr val="bg2">
+                    <a:lumMod val="50000"/>
+                  </a:schemeClr>
+                </a:solidFill>
+              </a:rPr>
+              <a:t>Course Work Progress for Trainee</a:t>
             </a:r>
           </a:p>
         </p:txBody>
       </p:sp>
       <p:sp>
         <p:nvSpPr>
-          <p:cNvPr id="44" name="Rectangle: Rounded Corners 55">
-            <a:extLst>
-              <a:ext uri="{FF2B5EF4-FFF2-40B4-BE49-F238E27FC236}">
-                <a16:creationId xmlns:a16="http://schemas.microsoft.com/office/drawing/2014/main" id="{1A549288-70C2-FA4A-B20B-0E47D8136C14}"/>
+          <p:cNvPr id="40" name="Rectangle 39">
+            <a:extLst>
+              <a:ext uri="{FF2B5EF4-FFF2-40B4-BE49-F238E27FC236}">
+                <a16:creationId xmlns:a16="http://schemas.microsoft.com/office/drawing/2014/main" id="{5CCF21A6-3573-F543-95AF-2A9029C46D51}"/>
               </a:ext>
             </a:extLst>
           </p:cNvPr>
@@ -15763,21 +15130,17 @@
         </p:nvSpPr>
         <p:spPr>
           <a:xfrm>
-            <a:off x="6357748" y="1979238"/>
-            <a:ext cx="1130804" cy="430662"/>
-          </a:xfrm>
-          <a:prstGeom prst="roundRect">
+            <a:off x="2772597" y="2010507"/>
+            <a:ext cx="7752595" cy="694077"/>
+          </a:xfrm>
+          <a:prstGeom prst="rect">
             <a:avLst/>
           </a:prstGeom>
           <a:solidFill>
             <a:schemeClr val="bg1"/>
           </a:solidFill>
           <a:ln>
-            <a:solidFill>
-              <a:schemeClr val="bg2">
-                <a:lumMod val="50000"/>
-              </a:schemeClr>
-            </a:solidFill>
+            <a:noFill/>
           </a:ln>
         </p:spPr>
         <p:style>
@@ -15800,117 +15163,39 @@
           <a:bodyPr rtlCol="0" anchor="ctr"/>
           <a:lstStyle/>
           <a:p>
-            <a:endParaRPr lang="en-IN" sz="1646" dirty="0">
-              <a:solidFill>
-                <a:schemeClr val="bg2">
-                  <a:lumMod val="50000"/>
-                </a:schemeClr>
-              </a:solidFill>
-            </a:endParaRPr>
-          </a:p>
-        </p:txBody>
-      </p:sp>
-      <p:sp>
-        <p:nvSpPr>
-          <p:cNvPr id="45" name="TextBox 44">
-            <a:extLst>
-              <a:ext uri="{FF2B5EF4-FFF2-40B4-BE49-F238E27FC236}">
-                <a16:creationId xmlns:a16="http://schemas.microsoft.com/office/drawing/2014/main" id="{550105AF-B118-154C-AF9F-5CD4F3909DD9}"/>
-              </a:ext>
-            </a:extLst>
-          </p:cNvPr>
-          <p:cNvSpPr txBox="1"/>
-          <p:nvPr/>
-        </p:nvSpPr>
-        <p:spPr>
-          <a:xfrm>
-            <a:off x="4793050" y="2009903"/>
-            <a:ext cx="1448720" cy="369332"/>
-          </a:xfrm>
-          <a:prstGeom prst="rect">
-            <a:avLst/>
-          </a:prstGeom>
-          <a:noFill/>
-        </p:spPr>
-        <p:txBody>
-          <a:bodyPr wrap="square" rtlCol="0">
-            <a:spAutoFit/>
-          </a:bodyPr>
-          <a:lstStyle/>
-          <a:p>
             <a:pPr algn="ctr"/>
             <a:r>
-              <a:rPr lang="en-US" dirty="0"/>
-              <a:t>Start Date</a:t>
+              <a:rPr lang="en-IN" sz="1646" dirty="0"/>
+              <a:t>E</a:t>
             </a:r>
           </a:p>
         </p:txBody>
       </p:sp>
       <p:sp>
         <p:nvSpPr>
-          <p:cNvPr id="46" name="TextBox 45">
-            <a:extLst>
-              <a:ext uri="{FF2B5EF4-FFF2-40B4-BE49-F238E27FC236}">
-                <a16:creationId xmlns:a16="http://schemas.microsoft.com/office/drawing/2014/main" id="{21A65F48-94AD-7449-B09D-FDB97C9B906F}"/>
-              </a:ext>
-            </a:extLst>
-          </p:cNvPr>
-          <p:cNvSpPr txBox="1"/>
-          <p:nvPr/>
-        </p:nvSpPr>
-        <p:spPr>
-          <a:xfrm>
-            <a:off x="7589365" y="2009903"/>
-            <a:ext cx="1303766" cy="369332"/>
+          <p:cNvPr id="41" name="Rectangle 40">
+            <a:extLst>
+              <a:ext uri="{FF2B5EF4-FFF2-40B4-BE49-F238E27FC236}">
+                <a16:creationId xmlns:a16="http://schemas.microsoft.com/office/drawing/2014/main" id="{5CCF21A6-3573-F543-95AF-2A9029C46D51}"/>
+              </a:ext>
+            </a:extLst>
+          </p:cNvPr>
+          <p:cNvSpPr/>
+          <p:nvPr/>
+        </p:nvSpPr>
+        <p:spPr>
+          <a:xfrm>
+            <a:off x="2772688" y="1936992"/>
+            <a:ext cx="7855838" cy="694077"/>
           </a:xfrm>
           <a:prstGeom prst="rect">
-            <a:avLst/>
-          </a:prstGeom>
-          <a:noFill/>
-        </p:spPr>
-        <p:txBody>
-          <a:bodyPr wrap="square" rtlCol="0">
-            <a:spAutoFit/>
-          </a:bodyPr>
-          <a:lstStyle/>
-          <a:p>
-            <a:pPr algn="ctr"/>
-            <a:r>
-              <a:rPr lang="en-US" dirty="0"/>
-              <a:t>End Date </a:t>
-            </a:r>
-          </a:p>
-        </p:txBody>
-      </p:sp>
-      <p:sp>
-        <p:nvSpPr>
-          <p:cNvPr id="48" name="Rectangle: Rounded Corners 55">
-            <a:extLst>
-              <a:ext uri="{FF2B5EF4-FFF2-40B4-BE49-F238E27FC236}">
-                <a16:creationId xmlns:a16="http://schemas.microsoft.com/office/drawing/2014/main" id="{1A549288-70C2-FA4A-B20B-0E47D8136C14}"/>
-              </a:ext>
-            </a:extLst>
-          </p:cNvPr>
-          <p:cNvSpPr/>
-          <p:nvPr/>
-        </p:nvSpPr>
-        <p:spPr>
-          <a:xfrm>
-            <a:off x="8905050" y="2003633"/>
-            <a:ext cx="1130804" cy="430662"/>
-          </a:xfrm>
-          <a:prstGeom prst="roundRect">
             <a:avLst/>
           </a:prstGeom>
           <a:solidFill>
             <a:schemeClr val="bg1"/>
           </a:solidFill>
           <a:ln>
-            <a:solidFill>
-              <a:schemeClr val="bg2">
-                <a:lumMod val="50000"/>
-              </a:schemeClr>
-            </a:solidFill>
+            <a:noFill/>
           </a:ln>
         </p:spPr>
         <p:style>
@@ -15933,22 +15218,20 @@
           <a:bodyPr rtlCol="0" anchor="ctr"/>
           <a:lstStyle/>
           <a:p>
-            <a:endParaRPr lang="en-IN" sz="1646" dirty="0">
-              <a:solidFill>
-                <a:schemeClr val="bg2">
-                  <a:lumMod val="50000"/>
-                </a:schemeClr>
-              </a:solidFill>
-            </a:endParaRPr>
-          </a:p>
-        </p:txBody>
-      </p:sp>
-      <p:sp>
-        <p:nvSpPr>
-          <p:cNvPr id="49" name="Rectangle: Rounded Corners 65">
-            <a:extLst>
-              <a:ext uri="{FF2B5EF4-FFF2-40B4-BE49-F238E27FC236}">
-                <a16:creationId xmlns:a16="http://schemas.microsoft.com/office/drawing/2014/main" id="{05EAECDE-3B6D-E24E-8243-B8611089B202}"/>
+            <a:pPr algn="ctr"/>
+            <a:r>
+              <a:rPr lang="en-IN" sz="1646" dirty="0"/>
+              <a:t>E</a:t>
+            </a:r>
+          </a:p>
+        </p:txBody>
+      </p:sp>
+      <p:sp>
+        <p:nvSpPr>
+          <p:cNvPr id="43" name="Rectangle: Rounded Corners 55">
+            <a:extLst>
+              <a:ext uri="{FF2B5EF4-FFF2-40B4-BE49-F238E27FC236}">
+                <a16:creationId xmlns:a16="http://schemas.microsoft.com/office/drawing/2014/main" id="{1A549288-70C2-FA4A-B20B-0E47D8136C14}"/>
               </a:ext>
             </a:extLst>
           </p:cNvPr>
@@ -15957,20 +15240,19 @@
         </p:nvSpPr>
         <p:spPr>
           <a:xfrm>
-            <a:off x="6075616" y="6406408"/>
-            <a:ext cx="1813374" cy="443272"/>
+            <a:off x="5173940" y="2078491"/>
+            <a:ext cx="3068078" cy="422168"/>
           </a:xfrm>
           <a:prstGeom prst="roundRect">
             <a:avLst/>
           </a:prstGeom>
           <a:solidFill>
-            <a:srgbClr val="00B0F0"/>
+            <a:schemeClr val="bg1"/>
           </a:solidFill>
           <a:ln>
             <a:solidFill>
-              <a:schemeClr val="accent1">
-                <a:lumMod val="60000"/>
-                <a:lumOff val="40000"/>
+              <a:schemeClr val="bg2">
+                <a:lumMod val="50000"/>
               </a:schemeClr>
             </a:solidFill>
           </a:ln>
@@ -15995,6 +15277,412 @@
           <a:bodyPr rtlCol="0" anchor="ctr"/>
           <a:lstStyle/>
           <a:p>
+            <a:r>
+              <a:rPr lang="en-IN" sz="1646" dirty="0">
+                <a:solidFill>
+                  <a:schemeClr val="bg2">
+                    <a:lumMod val="50000"/>
+                  </a:schemeClr>
+                </a:solidFill>
+              </a:rPr>
+              <a:t>FAC00012</a:t>
+            </a:r>
+          </a:p>
+        </p:txBody>
+      </p:sp>
+      <p:sp>
+        <p:nvSpPr>
+          <p:cNvPr id="44" name="Rectangle: Rounded Corners 65">
+            <a:extLst>
+              <a:ext uri="{FF2B5EF4-FFF2-40B4-BE49-F238E27FC236}">
+                <a16:creationId xmlns:a16="http://schemas.microsoft.com/office/drawing/2014/main" id="{05EAECDE-3B6D-E24E-8243-B8611089B202}"/>
+              </a:ext>
+            </a:extLst>
+          </p:cNvPr>
+          <p:cNvSpPr/>
+          <p:nvPr/>
+        </p:nvSpPr>
+        <p:spPr>
+          <a:xfrm>
+            <a:off x="8657900" y="2048849"/>
+            <a:ext cx="1813374" cy="443272"/>
+          </a:xfrm>
+          <a:prstGeom prst="roundRect">
+            <a:avLst/>
+          </a:prstGeom>
+          <a:solidFill>
+            <a:srgbClr val="00B0F0"/>
+          </a:solidFill>
+          <a:ln>
+            <a:solidFill>
+              <a:schemeClr val="accent1">
+                <a:lumMod val="60000"/>
+                <a:lumOff val="40000"/>
+              </a:schemeClr>
+            </a:solidFill>
+          </a:ln>
+        </p:spPr>
+        <p:style>
+          <a:lnRef idx="2">
+            <a:schemeClr val="accent1">
+              <a:shade val="50000"/>
+            </a:schemeClr>
+          </a:lnRef>
+          <a:fillRef idx="1">
+            <a:schemeClr val="accent1"/>
+          </a:fillRef>
+          <a:effectRef idx="0">
+            <a:schemeClr val="accent1"/>
+          </a:effectRef>
+          <a:fontRef idx="minor">
+            <a:schemeClr val="lt1"/>
+          </a:fontRef>
+        </p:style>
+        <p:txBody>
+          <a:bodyPr rtlCol="0" anchor="ctr"/>
+          <a:lstStyle/>
+          <a:p>
+            <a:pPr algn="ctr"/>
+            <a:r>
+              <a:rPr lang="en-IN" sz="1646" dirty="0"/>
+              <a:t>Enter</a:t>
+            </a:r>
+          </a:p>
+        </p:txBody>
+      </p:sp>
+      <p:sp>
+        <p:nvSpPr>
+          <p:cNvPr id="45" name="TextBox 44">
+            <a:extLst>
+              <a:ext uri="{FF2B5EF4-FFF2-40B4-BE49-F238E27FC236}">
+                <a16:creationId xmlns:a16="http://schemas.microsoft.com/office/drawing/2014/main" id="{550105AF-B118-154C-AF9F-5CD4F3909DD9}"/>
+              </a:ext>
+            </a:extLst>
+          </p:cNvPr>
+          <p:cNvSpPr txBox="1"/>
+          <p:nvPr/>
+        </p:nvSpPr>
+        <p:spPr>
+          <a:xfrm>
+            <a:off x="3520168" y="2104909"/>
+            <a:ext cx="1362040" cy="369332"/>
+          </a:xfrm>
+          <a:prstGeom prst="rect">
+            <a:avLst/>
+          </a:prstGeom>
+          <a:noFill/>
+        </p:spPr>
+        <p:txBody>
+          <a:bodyPr wrap="none" rtlCol="0">
+            <a:spAutoFit/>
+          </a:bodyPr>
+          <a:lstStyle/>
+          <a:p>
+            <a:r>
+              <a:rPr lang="en-US" dirty="0"/>
+              <a:t>Employee ID</a:t>
+            </a:r>
+          </a:p>
+        </p:txBody>
+      </p:sp>
+      <p:sp>
+        <p:nvSpPr>
+          <p:cNvPr id="46" name="Rectangle 45">
+            <a:extLst>
+              <a:ext uri="{FF2B5EF4-FFF2-40B4-BE49-F238E27FC236}">
+                <a16:creationId xmlns:a16="http://schemas.microsoft.com/office/drawing/2014/main" id="{5CCF21A6-3573-F543-95AF-2A9029C46D51}"/>
+              </a:ext>
+            </a:extLst>
+          </p:cNvPr>
+          <p:cNvSpPr/>
+          <p:nvPr/>
+        </p:nvSpPr>
+        <p:spPr>
+          <a:xfrm>
+            <a:off x="2793599" y="2885672"/>
+            <a:ext cx="4107978" cy="694077"/>
+          </a:xfrm>
+          <a:prstGeom prst="rect">
+            <a:avLst/>
+          </a:prstGeom>
+          <a:solidFill>
+            <a:schemeClr val="bg1"/>
+          </a:solidFill>
+          <a:ln>
+            <a:noFill/>
+          </a:ln>
+        </p:spPr>
+        <p:style>
+          <a:lnRef idx="2">
+            <a:schemeClr val="accent1">
+              <a:shade val="50000"/>
+            </a:schemeClr>
+          </a:lnRef>
+          <a:fillRef idx="1">
+            <a:schemeClr val="accent1"/>
+          </a:fillRef>
+          <a:effectRef idx="0">
+            <a:schemeClr val="accent1"/>
+          </a:effectRef>
+          <a:fontRef idx="minor">
+            <a:schemeClr val="lt1"/>
+          </a:fontRef>
+        </p:style>
+        <p:txBody>
+          <a:bodyPr rtlCol="0" anchor="ctr"/>
+          <a:lstStyle/>
+          <a:p>
+            <a:pPr algn="ctr"/>
+            <a:r>
+              <a:rPr lang="en-IN" sz="1646" dirty="0"/>
+              <a:t>E</a:t>
+            </a:r>
+          </a:p>
+        </p:txBody>
+      </p:sp>
+      <p:sp>
+        <p:nvSpPr>
+          <p:cNvPr id="49" name="TextBox 48">
+            <a:extLst>
+              <a:ext uri="{FF2B5EF4-FFF2-40B4-BE49-F238E27FC236}">
+                <a16:creationId xmlns:a16="http://schemas.microsoft.com/office/drawing/2014/main" id="{550105AF-B118-154C-AF9F-5CD4F3909DD9}"/>
+              </a:ext>
+            </a:extLst>
+          </p:cNvPr>
+          <p:cNvSpPr txBox="1"/>
+          <p:nvPr/>
+        </p:nvSpPr>
+        <p:spPr>
+          <a:xfrm>
+            <a:off x="3549622" y="3054413"/>
+            <a:ext cx="1086388" cy="369332"/>
+          </a:xfrm>
+          <a:prstGeom prst="rect">
+            <a:avLst/>
+          </a:prstGeom>
+          <a:noFill/>
+        </p:spPr>
+        <p:txBody>
+          <a:bodyPr wrap="none" rtlCol="0">
+            <a:spAutoFit/>
+          </a:bodyPr>
+          <a:lstStyle/>
+          <a:p>
+            <a:pPr algn="ctr"/>
+            <a:r>
+              <a:rPr lang="en-US" dirty="0"/>
+              <a:t>Course ID</a:t>
+            </a:r>
+          </a:p>
+        </p:txBody>
+      </p:sp>
+      <p:sp>
+        <p:nvSpPr>
+          <p:cNvPr id="50" name="Rectangle 49">
+            <a:extLst>
+              <a:ext uri="{FF2B5EF4-FFF2-40B4-BE49-F238E27FC236}">
+                <a16:creationId xmlns:a16="http://schemas.microsoft.com/office/drawing/2014/main" id="{5CCF21A6-3573-F543-95AF-2A9029C46D51}"/>
+              </a:ext>
+            </a:extLst>
+          </p:cNvPr>
+          <p:cNvSpPr/>
+          <p:nvPr/>
+        </p:nvSpPr>
+        <p:spPr>
+          <a:xfrm>
+            <a:off x="2745608" y="3795091"/>
+            <a:ext cx="5683497" cy="694077"/>
+          </a:xfrm>
+          <a:prstGeom prst="rect">
+            <a:avLst/>
+          </a:prstGeom>
+          <a:solidFill>
+            <a:schemeClr val="bg1"/>
+          </a:solidFill>
+          <a:ln>
+            <a:noFill/>
+          </a:ln>
+        </p:spPr>
+        <p:style>
+          <a:lnRef idx="2">
+            <a:schemeClr val="accent1">
+              <a:shade val="50000"/>
+            </a:schemeClr>
+          </a:lnRef>
+          <a:fillRef idx="1">
+            <a:schemeClr val="accent1"/>
+          </a:fillRef>
+          <a:effectRef idx="0">
+            <a:schemeClr val="accent1"/>
+          </a:effectRef>
+          <a:fontRef idx="minor">
+            <a:schemeClr val="lt1"/>
+          </a:fontRef>
+        </p:style>
+        <p:txBody>
+          <a:bodyPr rtlCol="0" anchor="ctr"/>
+          <a:lstStyle/>
+          <a:p>
+            <a:pPr algn="ctr"/>
+            <a:r>
+              <a:rPr lang="en-IN" sz="1646" dirty="0"/>
+              <a:t>E</a:t>
+            </a:r>
+          </a:p>
+        </p:txBody>
+      </p:sp>
+      <p:sp>
+        <p:nvSpPr>
+          <p:cNvPr id="51" name="Rectangle: Rounded Corners 55">
+            <a:extLst>
+              <a:ext uri="{FF2B5EF4-FFF2-40B4-BE49-F238E27FC236}">
+                <a16:creationId xmlns:a16="http://schemas.microsoft.com/office/drawing/2014/main" id="{1A549288-70C2-FA4A-B20B-0E47D8136C14}"/>
+              </a:ext>
+            </a:extLst>
+          </p:cNvPr>
+          <p:cNvSpPr/>
+          <p:nvPr/>
+        </p:nvSpPr>
+        <p:spPr>
+          <a:xfrm>
+            <a:off x="5146861" y="3936590"/>
+            <a:ext cx="3068078" cy="422168"/>
+          </a:xfrm>
+          <a:prstGeom prst="roundRect">
+            <a:avLst/>
+          </a:prstGeom>
+          <a:solidFill>
+            <a:schemeClr val="bg1"/>
+          </a:solidFill>
+          <a:ln>
+            <a:solidFill>
+              <a:schemeClr val="bg2">
+                <a:lumMod val="50000"/>
+              </a:schemeClr>
+            </a:solidFill>
+          </a:ln>
+        </p:spPr>
+        <p:style>
+          <a:lnRef idx="2">
+            <a:schemeClr val="accent1">
+              <a:shade val="50000"/>
+            </a:schemeClr>
+          </a:lnRef>
+          <a:fillRef idx="1">
+            <a:schemeClr val="accent1"/>
+          </a:fillRef>
+          <a:effectRef idx="0">
+            <a:schemeClr val="accent1"/>
+          </a:effectRef>
+          <a:fontRef idx="minor">
+            <a:schemeClr val="lt1"/>
+          </a:fontRef>
+        </p:style>
+        <p:txBody>
+          <a:bodyPr rtlCol="0" anchor="ctr"/>
+          <a:lstStyle/>
+          <a:p>
+            <a:r>
+              <a:rPr lang="en-IN" sz="1646" dirty="0">
+                <a:solidFill>
+                  <a:schemeClr val="bg2">
+                    <a:lumMod val="50000"/>
+                  </a:schemeClr>
+                </a:solidFill>
+              </a:rPr>
+              <a:t>28/02/19</a:t>
+            </a:r>
+          </a:p>
+        </p:txBody>
+      </p:sp>
+      <p:sp>
+        <p:nvSpPr>
+          <p:cNvPr id="53" name="TextBox 52">
+            <a:extLst>
+              <a:ext uri="{FF2B5EF4-FFF2-40B4-BE49-F238E27FC236}">
+                <a16:creationId xmlns:a16="http://schemas.microsoft.com/office/drawing/2014/main" id="{550105AF-B118-154C-AF9F-5CD4F3909DD9}"/>
+              </a:ext>
+            </a:extLst>
+          </p:cNvPr>
+          <p:cNvSpPr txBox="1"/>
+          <p:nvPr/>
+        </p:nvSpPr>
+        <p:spPr>
+          <a:xfrm>
+            <a:off x="3584646" y="3990400"/>
+            <a:ext cx="1179105" cy="369332"/>
+          </a:xfrm>
+          <a:prstGeom prst="rect">
+            <a:avLst/>
+          </a:prstGeom>
+          <a:noFill/>
+        </p:spPr>
+        <p:txBody>
+          <a:bodyPr wrap="none" rtlCol="0">
+            <a:spAutoFit/>
+          </a:bodyPr>
+          <a:lstStyle/>
+          <a:p>
+            <a:pPr algn="ctr"/>
+            <a:r>
+              <a:rPr lang="en-US" dirty="0"/>
+              <a:t>Start Date </a:t>
+            </a:r>
+          </a:p>
+        </p:txBody>
+      </p:sp>
+      <p:sp>
+        <p:nvSpPr>
+          <p:cNvPr id="58" name="Rectangle: Rounded Corners 65">
+            <a:extLst>
+              <a:ext uri="{FF2B5EF4-FFF2-40B4-BE49-F238E27FC236}">
+                <a16:creationId xmlns:a16="http://schemas.microsoft.com/office/drawing/2014/main" id="{05EAECDE-3B6D-E24E-8243-B8611089B202}"/>
+              </a:ext>
+            </a:extLst>
+          </p:cNvPr>
+          <p:cNvSpPr/>
+          <p:nvPr/>
+        </p:nvSpPr>
+        <p:spPr>
+          <a:xfrm>
+            <a:off x="5047795" y="6188565"/>
+            <a:ext cx="1813374" cy="443272"/>
+          </a:xfrm>
+          <a:prstGeom prst="roundRect">
+            <a:avLst/>
+          </a:prstGeom>
+          <a:solidFill>
+            <a:srgbClr val="00B0F0"/>
+          </a:solidFill>
+          <a:ln>
+            <a:solidFill>
+              <a:schemeClr val="accent1">
+                <a:lumMod val="60000"/>
+                <a:lumOff val="40000"/>
+              </a:schemeClr>
+            </a:solidFill>
+          </a:ln>
+        </p:spPr>
+        <p:style>
+          <a:lnRef idx="2">
+            <a:schemeClr val="accent1">
+              <a:shade val="50000"/>
+            </a:schemeClr>
+          </a:lnRef>
+          <a:fillRef idx="1">
+            <a:schemeClr val="accent1"/>
+          </a:fillRef>
+          <a:effectRef idx="0">
+            <a:schemeClr val="accent1"/>
+          </a:effectRef>
+          <a:fontRef idx="minor">
+            <a:schemeClr val="lt1"/>
+          </a:fontRef>
+        </p:style>
+        <p:txBody>
+          <a:bodyPr rtlCol="0" anchor="ctr"/>
+          <a:lstStyle/>
+          <a:p>
             <a:pPr algn="ctr"/>
             <a:r>
               <a:rPr lang="en-IN" sz="1646" dirty="0"/>
@@ -16003,24 +15691,192 @@
           </a:p>
         </p:txBody>
       </p:sp>
+      <p:sp>
+        <p:nvSpPr>
+          <p:cNvPr id="54" name="Rectangle 53">
+            <a:extLst>
+              <a:ext uri="{FF2B5EF4-FFF2-40B4-BE49-F238E27FC236}">
+                <a16:creationId xmlns:a16="http://schemas.microsoft.com/office/drawing/2014/main" id="{5CCF21A6-3573-F543-95AF-2A9029C46D51}"/>
+              </a:ext>
+            </a:extLst>
+          </p:cNvPr>
+          <p:cNvSpPr/>
+          <p:nvPr/>
+        </p:nvSpPr>
+        <p:spPr>
+          <a:xfrm>
+            <a:off x="2745608" y="4774224"/>
+            <a:ext cx="5683497" cy="694077"/>
+          </a:xfrm>
+          <a:prstGeom prst="rect">
+            <a:avLst/>
+          </a:prstGeom>
+          <a:solidFill>
+            <a:schemeClr val="bg1"/>
+          </a:solidFill>
+          <a:ln>
+            <a:noFill/>
+          </a:ln>
+        </p:spPr>
+        <p:style>
+          <a:lnRef idx="2">
+            <a:schemeClr val="accent1">
+              <a:shade val="50000"/>
+            </a:schemeClr>
+          </a:lnRef>
+          <a:fillRef idx="1">
+            <a:schemeClr val="accent1"/>
+          </a:fillRef>
+          <a:effectRef idx="0">
+            <a:schemeClr val="accent1"/>
+          </a:effectRef>
+          <a:fontRef idx="minor">
+            <a:schemeClr val="lt1"/>
+          </a:fontRef>
+        </p:style>
+        <p:txBody>
+          <a:bodyPr rtlCol="0" anchor="ctr"/>
+          <a:lstStyle/>
+          <a:p>
+            <a:pPr algn="ctr"/>
+            <a:r>
+              <a:rPr lang="en-IN" sz="1646" dirty="0"/>
+              <a:t>E</a:t>
+            </a:r>
+          </a:p>
+        </p:txBody>
+      </p:sp>
+      <p:sp>
+        <p:nvSpPr>
+          <p:cNvPr id="55" name="Rectangle: Rounded Corners 55">
+            <a:extLst>
+              <a:ext uri="{FF2B5EF4-FFF2-40B4-BE49-F238E27FC236}">
+                <a16:creationId xmlns:a16="http://schemas.microsoft.com/office/drawing/2014/main" id="{1A549288-70C2-FA4A-B20B-0E47D8136C14}"/>
+              </a:ext>
+            </a:extLst>
+          </p:cNvPr>
+          <p:cNvSpPr/>
+          <p:nvPr/>
+        </p:nvSpPr>
+        <p:spPr>
+          <a:xfrm>
+            <a:off x="5146861" y="4915723"/>
+            <a:ext cx="3068078" cy="422168"/>
+          </a:xfrm>
+          <a:prstGeom prst="roundRect">
+            <a:avLst/>
+          </a:prstGeom>
+          <a:solidFill>
+            <a:schemeClr val="bg1"/>
+          </a:solidFill>
+          <a:ln>
+            <a:solidFill>
+              <a:schemeClr val="bg2">
+                <a:lumMod val="50000"/>
+              </a:schemeClr>
+            </a:solidFill>
+          </a:ln>
+        </p:spPr>
+        <p:style>
+          <a:lnRef idx="2">
+            <a:schemeClr val="accent1">
+              <a:shade val="50000"/>
+            </a:schemeClr>
+          </a:lnRef>
+          <a:fillRef idx="1">
+            <a:schemeClr val="accent1"/>
+          </a:fillRef>
+          <a:effectRef idx="0">
+            <a:schemeClr val="accent1"/>
+          </a:effectRef>
+          <a:fontRef idx="minor">
+            <a:schemeClr val="lt1"/>
+          </a:fontRef>
+        </p:style>
+        <p:txBody>
+          <a:bodyPr rtlCol="0" anchor="ctr"/>
+          <a:lstStyle/>
+          <a:p>
+            <a:r>
+              <a:rPr lang="en-IN" sz="1646" dirty="0">
+                <a:solidFill>
+                  <a:schemeClr val="bg2">
+                    <a:lumMod val="50000"/>
+                  </a:schemeClr>
+                </a:solidFill>
+              </a:rPr>
+              <a:t>10/03/19</a:t>
+            </a:r>
+          </a:p>
+        </p:txBody>
+      </p:sp>
+      <p:sp>
+        <p:nvSpPr>
+          <p:cNvPr id="57" name="TextBox 56">
+            <a:extLst>
+              <a:ext uri="{FF2B5EF4-FFF2-40B4-BE49-F238E27FC236}">
+                <a16:creationId xmlns:a16="http://schemas.microsoft.com/office/drawing/2014/main" id="{550105AF-B118-154C-AF9F-5CD4F3909DD9}"/>
+              </a:ext>
+            </a:extLst>
+          </p:cNvPr>
+          <p:cNvSpPr txBox="1"/>
+          <p:nvPr/>
+        </p:nvSpPr>
+        <p:spPr>
+          <a:xfrm>
+            <a:off x="3576515" y="4951405"/>
+            <a:ext cx="1087349" cy="369332"/>
+          </a:xfrm>
+          <a:prstGeom prst="rect">
+            <a:avLst/>
+          </a:prstGeom>
+          <a:noFill/>
+        </p:spPr>
+        <p:txBody>
+          <a:bodyPr wrap="none" rtlCol="0">
+            <a:spAutoFit/>
+          </a:bodyPr>
+          <a:lstStyle/>
+          <a:p>
+            <a:pPr algn="ctr"/>
+            <a:r>
+              <a:rPr lang="en-US" dirty="0"/>
+              <a:t>End Date </a:t>
+            </a:r>
+          </a:p>
+        </p:txBody>
+      </p:sp>
       <p:pic>
         <p:nvPicPr>
-          <p:cNvPr id="5" name="Picture 4"/>
+          <p:cNvPr id="59" name="Picture 58">
+            <a:extLst>
+              <a:ext uri="{FF2B5EF4-FFF2-40B4-BE49-F238E27FC236}">
+                <a16:creationId xmlns:a16="http://schemas.microsoft.com/office/drawing/2014/main" id="{C84DA818-07F7-3C49-8665-28FBED243475}"/>
+              </a:ext>
+            </a:extLst>
+          </p:cNvPr>
           <p:cNvPicPr>
             <a:picLocks noChangeAspect="1"/>
           </p:cNvPicPr>
           <p:nvPr/>
         </p:nvPicPr>
         <p:blipFill>
-          <a:blip r:embed="rId12"/>
+          <a:blip r:embed="rId7" cstate="hqprint">
+            <a:lum bright="70000" contrast="-70000"/>
+            <a:extLst>
+              <a:ext uri="{28A0092B-C50C-407E-A947-70E740481C1C}">
+                <a14:useLocalDpi xmlns:a14="http://schemas.microsoft.com/office/drawing/2010/main" val="0"/>
+              </a:ext>
+            </a:extLst>
+          </a:blip>
           <a:stretch>
             <a:fillRect/>
           </a:stretch>
         </p:blipFill>
         <p:spPr>
           <a:xfrm>
-            <a:off x="8719601" y="2606000"/>
-            <a:ext cx="3240968" cy="466725"/>
+            <a:off x="155418" y="5245759"/>
+            <a:ext cx="351932" cy="342369"/>
           </a:xfrm>
           <a:prstGeom prst="rect">
             <a:avLst/>
@@ -16029,10 +15885,10 @@
       </p:pic>
       <p:sp>
         <p:nvSpPr>
-          <p:cNvPr id="52" name="TextBox 51">
-            <a:extLst>
-              <a:ext uri="{FF2B5EF4-FFF2-40B4-BE49-F238E27FC236}">
-                <a16:creationId xmlns:a16="http://schemas.microsoft.com/office/drawing/2014/main" id="{550105AF-B118-154C-AF9F-5CD4F3909DD9}"/>
+          <p:cNvPr id="60" name="TextBox 59">
+            <a:extLst>
+              <a:ext uri="{FF2B5EF4-FFF2-40B4-BE49-F238E27FC236}">
+                <a16:creationId xmlns:a16="http://schemas.microsoft.com/office/drawing/2014/main" id="{2DF43A07-FAF5-B646-88CD-2F283F8D3FE4}"/>
               </a:ext>
             </a:extLst>
           </p:cNvPr>
@@ -16041,8 +15897,8 @@
         </p:nvSpPr>
         <p:spPr>
           <a:xfrm>
-            <a:off x="7607188" y="2632201"/>
-            <a:ext cx="1448720" cy="369332"/>
+            <a:off x="556190" y="5294064"/>
+            <a:ext cx="1809736" cy="289310"/>
           </a:xfrm>
           <a:prstGeom prst="rect">
             <a:avLst/>
@@ -16055,114 +15911,98 @@
           </a:bodyPr>
           <a:lstStyle/>
           <a:p>
+            <a:r>
+              <a:rPr lang="en-IN" sz="1280" dirty="0">
+                <a:solidFill>
+                  <a:schemeClr val="bg1"/>
+                </a:solidFill>
+              </a:rPr>
+              <a:t>Latest Updates</a:t>
+            </a:r>
+          </a:p>
+        </p:txBody>
+      </p:sp>
+      <p:sp>
+        <p:nvSpPr>
+          <p:cNvPr id="4" name="Rectangle 3">
+            <a:extLst>
+              <a:ext uri="{FF2B5EF4-FFF2-40B4-BE49-F238E27FC236}">
+                <a16:creationId xmlns:a16="http://schemas.microsoft.com/office/drawing/2014/main" id="{0ADBAF9C-93A1-A14D-BE46-8EF0C223DDC7}"/>
+              </a:ext>
+            </a:extLst>
+          </p:cNvPr>
+          <p:cNvSpPr/>
+          <p:nvPr/>
+        </p:nvSpPr>
+        <p:spPr>
+          <a:xfrm>
+            <a:off x="9123826" y="2922914"/>
+            <a:ext cx="2888749" cy="2529444"/>
+          </a:xfrm>
+          <a:prstGeom prst="rect">
+            <a:avLst/>
+          </a:prstGeom>
+          <a:solidFill>
+            <a:srgbClr val="0090AF"/>
+          </a:solidFill>
+        </p:spPr>
+        <p:style>
+          <a:lnRef idx="3">
+            <a:schemeClr val="lt1"/>
+          </a:lnRef>
+          <a:fillRef idx="1">
+            <a:schemeClr val="accent1"/>
+          </a:fillRef>
+          <a:effectRef idx="1">
+            <a:schemeClr val="accent1"/>
+          </a:effectRef>
+          <a:fontRef idx="minor">
+            <a:schemeClr val="lt1"/>
+          </a:fontRef>
+        </p:style>
+        <p:txBody>
+          <a:bodyPr rtlCol="0" anchor="ctr"/>
+          <a:lstStyle/>
+          <a:p>
             <a:pPr algn="ctr"/>
             <a:r>
-              <a:rPr lang="en-US" dirty="0"/>
-              <a:t>Filter </a:t>
+              <a:rPr lang="en-US" sz="4400" dirty="0"/>
+              <a:t>35%</a:t>
+            </a:r>
+          </a:p>
+          <a:p>
+            <a:pPr algn="ctr"/>
+            <a:r>
+              <a:rPr lang="en-US" sz="1600" dirty="0"/>
+              <a:t>//can be a pie chart here</a:t>
             </a:r>
           </a:p>
         </p:txBody>
       </p:sp>
       <p:pic>
         <p:nvPicPr>
-          <p:cNvPr id="7" name="Picture 6"/>
+          <p:cNvPr id="2" name="Picture 1">
+            <a:extLst>
+              <a:ext uri="{FF2B5EF4-FFF2-40B4-BE49-F238E27FC236}">
+                <a16:creationId xmlns:a16="http://schemas.microsoft.com/office/drawing/2014/main" id="{E57197FE-0A00-EE4A-ACB2-C45D7249D977}"/>
+              </a:ext>
+            </a:extLst>
+          </p:cNvPr>
           <p:cNvPicPr>
             <a:picLocks noChangeAspect="1"/>
           </p:cNvPicPr>
           <p:nvPr/>
         </p:nvPicPr>
         <p:blipFill>
-          <a:blip r:embed="rId13"/>
+          <a:blip r:embed="rId11"/>
           <a:stretch>
             <a:fillRect/>
           </a:stretch>
         </p:blipFill>
         <p:spPr>
           <a:xfrm>
-            <a:off x="3253808" y="3341709"/>
-            <a:ext cx="8706761" cy="2809852"/>
-          </a:xfrm>
-          <a:prstGeom prst="rect">
-            <a:avLst/>
-          </a:prstGeom>
-        </p:spPr>
-      </p:pic>
-      <p:pic>
-        <p:nvPicPr>
-          <p:cNvPr id="8" name="Picture 7"/>
-          <p:cNvPicPr>
-            <a:picLocks noChangeAspect="1"/>
-          </p:cNvPicPr>
-          <p:nvPr/>
-        </p:nvPicPr>
-        <p:blipFill rotWithShape="1">
-          <a:blip r:embed="rId14"/>
-          <a:srcRect r="9276" b="-318"/>
-          <a:stretch/>
-        </p:blipFill>
-        <p:spPr>
-          <a:xfrm>
-            <a:off x="2945581" y="4012502"/>
-            <a:ext cx="336879" cy="2173261"/>
-          </a:xfrm>
-          <a:prstGeom prst="rect">
-            <a:avLst/>
-          </a:prstGeom>
-        </p:spPr>
-      </p:pic>
-      <p:pic>
-        <p:nvPicPr>
-          <p:cNvPr id="53" name="Picture 52">
-            <a:extLst>
-              <a:ext uri="{FF2B5EF4-FFF2-40B4-BE49-F238E27FC236}">
-                <a16:creationId xmlns:a16="http://schemas.microsoft.com/office/drawing/2014/main" id="{D61881A4-B9B7-EA4D-A8C2-F7D2F176BD1B}"/>
-              </a:ext>
-            </a:extLst>
-          </p:cNvPr>
-          <p:cNvPicPr>
-            <a:picLocks noChangeAspect="1"/>
-          </p:cNvPicPr>
-          <p:nvPr/>
-        </p:nvPicPr>
-        <p:blipFill rotWithShape="1">
-          <a:blip r:embed="rId13"/>
-          <a:srcRect l="11986" r="79135" b="83150"/>
-          <a:stretch/>
-        </p:blipFill>
-        <p:spPr>
-          <a:xfrm>
-            <a:off x="2945581" y="3344584"/>
-            <a:ext cx="342738" cy="667918"/>
-          </a:xfrm>
-          <a:prstGeom prst="rect">
-            <a:avLst/>
-          </a:prstGeom>
-        </p:spPr>
-      </p:pic>
-      <p:pic>
-        <p:nvPicPr>
-          <p:cNvPr id="3" name="Picture 2">
-            <a:extLst>
-              <a:ext uri="{FF2B5EF4-FFF2-40B4-BE49-F238E27FC236}">
-                <a16:creationId xmlns:a16="http://schemas.microsoft.com/office/drawing/2014/main" id="{70479DC5-6CE0-734B-B5A7-135785E432A2}"/>
-              </a:ext>
-            </a:extLst>
-          </p:cNvPr>
-          <p:cNvPicPr>
-            <a:picLocks noChangeAspect="1"/>
-          </p:cNvPicPr>
-          <p:nvPr/>
-        </p:nvPicPr>
-        <p:blipFill>
-          <a:blip r:embed="rId15"/>
-          <a:stretch>
-            <a:fillRect/>
-          </a:stretch>
-        </p:blipFill>
-        <p:spPr>
-          <a:xfrm>
-            <a:off x="3282460" y="1915226"/>
-            <a:ext cx="1570631" cy="566040"/>
+            <a:off x="5146861" y="2970636"/>
+            <a:ext cx="1466059" cy="539399"/>
           </a:xfrm>
           <a:prstGeom prst="rect">
             <a:avLst/>
@@ -16172,7 +16012,7 @@
     </p:spTree>
     <p:extLst>
       <p:ext uri="{BB962C8B-B14F-4D97-AF65-F5344CB8AC3E}">
-        <p14:creationId xmlns:p14="http://schemas.microsoft.com/office/powerpoint/2010/main" val="653267114"/>
+        <p14:creationId xmlns:p14="http://schemas.microsoft.com/office/powerpoint/2010/main" val="2787310599"/>
       </p:ext>
     </p:extLst>
   </p:cSld>
@@ -16182,7 +16022,7 @@
 </p:sld>
 </file>
 
-<file path=ppt/slides/slide4.xml><?xml version="1.0" encoding="utf-8"?>
+<file path=ppt/slides/slide5.xml><?xml version="1.0" encoding="utf-8"?>
 <p:sld xmlns:a="http://schemas.openxmlformats.org/drawingml/2006/main" xmlns:r="http://schemas.openxmlformats.org/officeDocument/2006/relationships" xmlns:p="http://schemas.openxmlformats.org/presentationml/2006/main">
   <p:cSld>
     <p:spTree>
@@ -17152,6 +16992,58 @@
           </a:prstGeom>
         </p:spPr>
       </p:pic>
+      <p:sp>
+        <p:nvSpPr>
+          <p:cNvPr id="99" name="Rectangle: Rounded Corners 98">
+            <a:extLst>
+              <a:ext uri="{FF2B5EF4-FFF2-40B4-BE49-F238E27FC236}">
+                <a16:creationId xmlns:a16="http://schemas.microsoft.com/office/drawing/2014/main" id="{FC936D07-BE0A-4611-A717-2186121A5A63}"/>
+              </a:ext>
+            </a:extLst>
+          </p:cNvPr>
+          <p:cNvSpPr/>
+          <p:nvPr/>
+        </p:nvSpPr>
+        <p:spPr>
+          <a:xfrm>
+            <a:off x="10083406" y="1084276"/>
+            <a:ext cx="1995801" cy="294369"/>
+          </a:xfrm>
+          <a:prstGeom prst="roundRect">
+            <a:avLst/>
+          </a:prstGeom>
+          <a:ln>
+            <a:noFill/>
+          </a:ln>
+        </p:spPr>
+        <p:style>
+          <a:lnRef idx="2">
+            <a:schemeClr val="accent1">
+              <a:shade val="50000"/>
+            </a:schemeClr>
+          </a:lnRef>
+          <a:fillRef idx="1">
+            <a:schemeClr val="accent1"/>
+          </a:fillRef>
+          <a:effectRef idx="0">
+            <a:schemeClr val="accent1"/>
+          </a:effectRef>
+          <a:fontRef idx="minor">
+            <a:schemeClr val="lt1"/>
+          </a:fontRef>
+        </p:style>
+        <p:txBody>
+          <a:bodyPr rtlCol="0" anchor="ctr"/>
+          <a:lstStyle/>
+          <a:p>
+            <a:pPr algn="ctr"/>
+            <a:r>
+              <a:rPr lang="en-IN" sz="1400" dirty="0"/>
+              <a:t>Generate New Batch</a:t>
+            </a:r>
+          </a:p>
+        </p:txBody>
+      </p:sp>
       <p:grpSp>
         <p:nvGrpSpPr>
           <p:cNvPr id="100" name="Group 99">
@@ -17472,47 +17364,12 @@
           </a:prstGeom>
         </p:spPr>
       </p:pic>
-      <p:sp>
-        <p:nvSpPr>
-          <p:cNvPr id="9" name="TextBox 8">
-            <a:extLst>
-              <a:ext uri="{FF2B5EF4-FFF2-40B4-BE49-F238E27FC236}">
-                <a16:creationId xmlns:a16="http://schemas.microsoft.com/office/drawing/2014/main" id="{407C93CD-D9BB-EE45-8A09-54D77C880CB0}"/>
-              </a:ext>
-            </a:extLst>
-          </p:cNvPr>
-          <p:cNvSpPr txBox="1"/>
-          <p:nvPr/>
-        </p:nvSpPr>
-        <p:spPr>
-          <a:xfrm>
-            <a:off x="11511684" y="323173"/>
-            <a:ext cx="1029449" cy="261610"/>
-          </a:xfrm>
-          <a:prstGeom prst="rect">
-            <a:avLst/>
-          </a:prstGeom>
-          <a:noFill/>
-        </p:spPr>
-        <p:txBody>
-          <a:bodyPr wrap="none" rtlCol="0">
-            <a:spAutoFit/>
-          </a:bodyPr>
-          <a:lstStyle/>
-          <a:p>
-            <a:r>
-              <a:rPr lang="en-US" sz="1100" dirty="0"/>
-              <a:t>Hi, JRC Murthy</a:t>
-            </a:r>
-          </a:p>
-        </p:txBody>
-      </p:sp>
       <p:pic>
         <p:nvPicPr>
-          <p:cNvPr id="11" name="Picture 10">
-            <a:extLst>
-              <a:ext uri="{FF2B5EF4-FFF2-40B4-BE49-F238E27FC236}">
-                <a16:creationId xmlns:a16="http://schemas.microsoft.com/office/drawing/2014/main" id="{E00F7052-7686-5D40-9CB2-CC45C8A94727}"/>
+          <p:cNvPr id="111" name="Picture 110">
+            <a:extLst>
+              <a:ext uri="{FF2B5EF4-FFF2-40B4-BE49-F238E27FC236}">
+                <a16:creationId xmlns:a16="http://schemas.microsoft.com/office/drawing/2014/main" id="{5DC92A87-7B3E-F145-B851-242A10DFF1A6}"/>
               </a:ext>
             </a:extLst>
           </p:cNvPr>
@@ -17529,8 +17386,8 @@
         </p:blipFill>
         <p:spPr>
           <a:xfrm>
-            <a:off x="180257" y="198363"/>
-            <a:ext cx="1474367" cy="618075"/>
+            <a:off x="2397829" y="1003864"/>
+            <a:ext cx="10699116" cy="5923724"/>
           </a:xfrm>
           <a:prstGeom prst="rect">
             <a:avLst/>
@@ -17539,64 +17396,10 @@
       </p:pic>
       <p:sp>
         <p:nvSpPr>
-          <p:cNvPr id="38" name="Rectangle 37">
-            <a:extLst>
-              <a:ext uri="{FF2B5EF4-FFF2-40B4-BE49-F238E27FC236}">
-                <a16:creationId xmlns:a16="http://schemas.microsoft.com/office/drawing/2014/main" id="{30028716-C2BF-5A46-ADDC-B7D95A809ECA}"/>
-              </a:ext>
-            </a:extLst>
-          </p:cNvPr>
-          <p:cNvSpPr/>
-          <p:nvPr/>
-        </p:nvSpPr>
-        <p:spPr>
-          <a:xfrm>
-            <a:off x="2638709" y="1043011"/>
-            <a:ext cx="9833410" cy="5825124"/>
-          </a:xfrm>
-          <a:prstGeom prst="rect">
-            <a:avLst/>
-          </a:prstGeom>
-          <a:solidFill>
-            <a:schemeClr val="bg2">
-              <a:alpha val="15000"/>
-            </a:schemeClr>
-          </a:solidFill>
-          <a:ln>
-            <a:noFill/>
-          </a:ln>
-        </p:spPr>
-        <p:style>
-          <a:lnRef idx="2">
-            <a:schemeClr val="accent1">
-              <a:shade val="50000"/>
-            </a:schemeClr>
-          </a:lnRef>
-          <a:fillRef idx="1">
-            <a:schemeClr val="accent1"/>
-          </a:fillRef>
-          <a:effectRef idx="0">
-            <a:schemeClr val="accent1"/>
-          </a:effectRef>
-          <a:fontRef idx="minor">
-            <a:schemeClr val="lt1"/>
-          </a:fontRef>
-        </p:style>
-        <p:txBody>
-          <a:bodyPr rtlCol="0" anchor="ctr"/>
-          <a:lstStyle/>
-          <a:p>
-            <a:pPr algn="ctr"/>
-            <a:endParaRPr lang="en-IN" sz="1646" dirty="0"/>
-          </a:p>
-        </p:txBody>
-      </p:sp>
-      <p:sp>
-        <p:nvSpPr>
-          <p:cNvPr id="39" name="TextBox 38">
-            <a:extLst>
-              <a:ext uri="{FF2B5EF4-FFF2-40B4-BE49-F238E27FC236}">
-                <a16:creationId xmlns:a16="http://schemas.microsoft.com/office/drawing/2014/main" id="{BC70D7A2-3E35-CA4B-AE30-78E358032325}"/>
+          <p:cNvPr id="9" name="TextBox 8">
+            <a:extLst>
+              <a:ext uri="{FF2B5EF4-FFF2-40B4-BE49-F238E27FC236}">
+                <a16:creationId xmlns:a16="http://schemas.microsoft.com/office/drawing/2014/main" id="{407C93CD-D9BB-EE45-8A09-54D77C880CB0}"/>
               </a:ext>
             </a:extLst>
           </p:cNvPr>
@@ -17605,284 +17408,8 @@
         </p:nvSpPr>
         <p:spPr>
           <a:xfrm>
-            <a:off x="2975207" y="1322878"/>
-            <a:ext cx="8014191" cy="430887"/>
-          </a:xfrm>
-          <a:prstGeom prst="rect">
-            <a:avLst/>
-          </a:prstGeom>
-          <a:noFill/>
-        </p:spPr>
-        <p:txBody>
-          <a:bodyPr wrap="square" rtlCol="0">
-            <a:spAutoFit/>
-          </a:bodyPr>
-          <a:lstStyle/>
-          <a:p>
-            <a:pPr algn="ctr"/>
-            <a:r>
-              <a:rPr lang="en-IN" sz="2200" b="1" dirty="0">
-                <a:solidFill>
-                  <a:schemeClr val="bg2">
-                    <a:lumMod val="50000"/>
-                  </a:schemeClr>
-                </a:solidFill>
-              </a:rPr>
-              <a:t>Course Work Progress for Trainee</a:t>
-            </a:r>
-          </a:p>
-        </p:txBody>
-      </p:sp>
-      <p:sp>
-        <p:nvSpPr>
-          <p:cNvPr id="40" name="Rectangle 39">
-            <a:extLst>
-              <a:ext uri="{FF2B5EF4-FFF2-40B4-BE49-F238E27FC236}">
-                <a16:creationId xmlns:a16="http://schemas.microsoft.com/office/drawing/2014/main" id="{5CCF21A6-3573-F543-95AF-2A9029C46D51}"/>
-              </a:ext>
-            </a:extLst>
-          </p:cNvPr>
-          <p:cNvSpPr/>
-          <p:nvPr/>
-        </p:nvSpPr>
-        <p:spPr>
-          <a:xfrm>
-            <a:off x="2772597" y="2010507"/>
-            <a:ext cx="7752595" cy="694077"/>
-          </a:xfrm>
-          <a:prstGeom prst="rect">
-            <a:avLst/>
-          </a:prstGeom>
-          <a:solidFill>
-            <a:schemeClr val="bg1"/>
-          </a:solidFill>
-          <a:ln>
-            <a:noFill/>
-          </a:ln>
-        </p:spPr>
-        <p:style>
-          <a:lnRef idx="2">
-            <a:schemeClr val="accent1">
-              <a:shade val="50000"/>
-            </a:schemeClr>
-          </a:lnRef>
-          <a:fillRef idx="1">
-            <a:schemeClr val="accent1"/>
-          </a:fillRef>
-          <a:effectRef idx="0">
-            <a:schemeClr val="accent1"/>
-          </a:effectRef>
-          <a:fontRef idx="minor">
-            <a:schemeClr val="lt1"/>
-          </a:fontRef>
-        </p:style>
-        <p:txBody>
-          <a:bodyPr rtlCol="0" anchor="ctr"/>
-          <a:lstStyle/>
-          <a:p>
-            <a:pPr algn="ctr"/>
-            <a:r>
-              <a:rPr lang="en-IN" sz="1646" dirty="0"/>
-              <a:t>E</a:t>
-            </a:r>
-          </a:p>
-        </p:txBody>
-      </p:sp>
-      <p:sp>
-        <p:nvSpPr>
-          <p:cNvPr id="41" name="Rectangle 40">
-            <a:extLst>
-              <a:ext uri="{FF2B5EF4-FFF2-40B4-BE49-F238E27FC236}">
-                <a16:creationId xmlns:a16="http://schemas.microsoft.com/office/drawing/2014/main" id="{5CCF21A6-3573-F543-95AF-2A9029C46D51}"/>
-              </a:ext>
-            </a:extLst>
-          </p:cNvPr>
-          <p:cNvSpPr/>
-          <p:nvPr/>
-        </p:nvSpPr>
-        <p:spPr>
-          <a:xfrm>
-            <a:off x="2772688" y="1936992"/>
-            <a:ext cx="7855838" cy="694077"/>
-          </a:xfrm>
-          <a:prstGeom prst="rect">
-            <a:avLst/>
-          </a:prstGeom>
-          <a:solidFill>
-            <a:schemeClr val="bg1"/>
-          </a:solidFill>
-          <a:ln>
-            <a:noFill/>
-          </a:ln>
-        </p:spPr>
-        <p:style>
-          <a:lnRef idx="2">
-            <a:schemeClr val="accent1">
-              <a:shade val="50000"/>
-            </a:schemeClr>
-          </a:lnRef>
-          <a:fillRef idx="1">
-            <a:schemeClr val="accent1"/>
-          </a:fillRef>
-          <a:effectRef idx="0">
-            <a:schemeClr val="accent1"/>
-          </a:effectRef>
-          <a:fontRef idx="minor">
-            <a:schemeClr val="lt1"/>
-          </a:fontRef>
-        </p:style>
-        <p:txBody>
-          <a:bodyPr rtlCol="0" anchor="ctr"/>
-          <a:lstStyle/>
-          <a:p>
-            <a:pPr algn="ctr"/>
-            <a:r>
-              <a:rPr lang="en-IN" sz="1646" dirty="0"/>
-              <a:t>E</a:t>
-            </a:r>
-          </a:p>
-        </p:txBody>
-      </p:sp>
-      <p:sp>
-        <p:nvSpPr>
-          <p:cNvPr id="43" name="Rectangle: Rounded Corners 55">
-            <a:extLst>
-              <a:ext uri="{FF2B5EF4-FFF2-40B4-BE49-F238E27FC236}">
-                <a16:creationId xmlns:a16="http://schemas.microsoft.com/office/drawing/2014/main" id="{1A549288-70C2-FA4A-B20B-0E47D8136C14}"/>
-              </a:ext>
-            </a:extLst>
-          </p:cNvPr>
-          <p:cNvSpPr/>
-          <p:nvPr/>
-        </p:nvSpPr>
-        <p:spPr>
-          <a:xfrm>
-            <a:off x="5173940" y="2078491"/>
-            <a:ext cx="3068078" cy="422168"/>
-          </a:xfrm>
-          <a:prstGeom prst="roundRect">
-            <a:avLst/>
-          </a:prstGeom>
-          <a:solidFill>
-            <a:schemeClr val="bg1"/>
-          </a:solidFill>
-          <a:ln>
-            <a:solidFill>
-              <a:schemeClr val="bg2">
-                <a:lumMod val="50000"/>
-              </a:schemeClr>
-            </a:solidFill>
-          </a:ln>
-        </p:spPr>
-        <p:style>
-          <a:lnRef idx="2">
-            <a:schemeClr val="accent1">
-              <a:shade val="50000"/>
-            </a:schemeClr>
-          </a:lnRef>
-          <a:fillRef idx="1">
-            <a:schemeClr val="accent1"/>
-          </a:fillRef>
-          <a:effectRef idx="0">
-            <a:schemeClr val="accent1"/>
-          </a:effectRef>
-          <a:fontRef idx="minor">
-            <a:schemeClr val="lt1"/>
-          </a:fontRef>
-        </p:style>
-        <p:txBody>
-          <a:bodyPr rtlCol="0" anchor="ctr"/>
-          <a:lstStyle/>
-          <a:p>
-            <a:r>
-              <a:rPr lang="en-IN" sz="1646" dirty="0">
-                <a:solidFill>
-                  <a:schemeClr val="bg2">
-                    <a:lumMod val="50000"/>
-                  </a:schemeClr>
-                </a:solidFill>
-              </a:rPr>
-              <a:t>FAC00012</a:t>
-            </a:r>
-          </a:p>
-        </p:txBody>
-      </p:sp>
-      <p:sp>
-        <p:nvSpPr>
-          <p:cNvPr id="44" name="Rectangle: Rounded Corners 65">
-            <a:extLst>
-              <a:ext uri="{FF2B5EF4-FFF2-40B4-BE49-F238E27FC236}">
-                <a16:creationId xmlns:a16="http://schemas.microsoft.com/office/drawing/2014/main" id="{05EAECDE-3B6D-E24E-8243-B8611089B202}"/>
-              </a:ext>
-            </a:extLst>
-          </p:cNvPr>
-          <p:cNvSpPr/>
-          <p:nvPr/>
-        </p:nvSpPr>
-        <p:spPr>
-          <a:xfrm>
-            <a:off x="8657900" y="2048849"/>
-            <a:ext cx="1813374" cy="443272"/>
-          </a:xfrm>
-          <a:prstGeom prst="roundRect">
-            <a:avLst/>
-          </a:prstGeom>
-          <a:solidFill>
-            <a:srgbClr val="00B0F0"/>
-          </a:solidFill>
-          <a:ln>
-            <a:solidFill>
-              <a:schemeClr val="accent1">
-                <a:lumMod val="60000"/>
-                <a:lumOff val="40000"/>
-              </a:schemeClr>
-            </a:solidFill>
-          </a:ln>
-        </p:spPr>
-        <p:style>
-          <a:lnRef idx="2">
-            <a:schemeClr val="accent1">
-              <a:shade val="50000"/>
-            </a:schemeClr>
-          </a:lnRef>
-          <a:fillRef idx="1">
-            <a:schemeClr val="accent1"/>
-          </a:fillRef>
-          <a:effectRef idx="0">
-            <a:schemeClr val="accent1"/>
-          </a:effectRef>
-          <a:fontRef idx="minor">
-            <a:schemeClr val="lt1"/>
-          </a:fontRef>
-        </p:style>
-        <p:txBody>
-          <a:bodyPr rtlCol="0" anchor="ctr"/>
-          <a:lstStyle/>
-          <a:p>
-            <a:pPr algn="ctr"/>
-            <a:r>
-              <a:rPr lang="en-IN" sz="1646" dirty="0"/>
-              <a:t>Enter</a:t>
-            </a:r>
-          </a:p>
-        </p:txBody>
-      </p:sp>
-      <p:sp>
-        <p:nvSpPr>
-          <p:cNvPr id="45" name="TextBox 44">
-            <a:extLst>
-              <a:ext uri="{FF2B5EF4-FFF2-40B4-BE49-F238E27FC236}">
-                <a16:creationId xmlns:a16="http://schemas.microsoft.com/office/drawing/2014/main" id="{550105AF-B118-154C-AF9F-5CD4F3909DD9}"/>
-              </a:ext>
-            </a:extLst>
-          </p:cNvPr>
-          <p:cNvSpPr txBox="1"/>
-          <p:nvPr/>
-        </p:nvSpPr>
-        <p:spPr>
-          <a:xfrm>
-            <a:off x="3520168" y="2104909"/>
-            <a:ext cx="1362040" cy="369332"/>
+            <a:off x="11511684" y="323173"/>
+            <a:ext cx="1029449" cy="261610"/>
           </a:xfrm>
           <a:prstGeom prst="rect">
             <a:avLst/>
@@ -17896,720 +17423,15 @@
           <a:lstStyle/>
           <a:p>
             <a:r>
-              <a:rPr lang="en-US" dirty="0"/>
-              <a:t>Employee ID</a:t>
-            </a:r>
-          </a:p>
-        </p:txBody>
-      </p:sp>
-      <p:sp>
-        <p:nvSpPr>
-          <p:cNvPr id="46" name="Rectangle 45">
-            <a:extLst>
-              <a:ext uri="{FF2B5EF4-FFF2-40B4-BE49-F238E27FC236}">
-                <a16:creationId xmlns:a16="http://schemas.microsoft.com/office/drawing/2014/main" id="{5CCF21A6-3573-F543-95AF-2A9029C46D51}"/>
-              </a:ext>
-            </a:extLst>
-          </p:cNvPr>
-          <p:cNvSpPr/>
-          <p:nvPr/>
-        </p:nvSpPr>
-        <p:spPr>
-          <a:xfrm>
-            <a:off x="2793599" y="2885672"/>
-            <a:ext cx="7705942" cy="694077"/>
-          </a:xfrm>
-          <a:prstGeom prst="rect">
-            <a:avLst/>
-          </a:prstGeom>
-          <a:solidFill>
-            <a:schemeClr val="bg1"/>
-          </a:solidFill>
-          <a:ln>
-            <a:noFill/>
-          </a:ln>
-        </p:spPr>
-        <p:style>
-          <a:lnRef idx="2">
-            <a:schemeClr val="accent1">
-              <a:shade val="50000"/>
-            </a:schemeClr>
-          </a:lnRef>
-          <a:fillRef idx="1">
-            <a:schemeClr val="accent1"/>
-          </a:fillRef>
-          <a:effectRef idx="0">
-            <a:schemeClr val="accent1"/>
-          </a:effectRef>
-          <a:fontRef idx="minor">
-            <a:schemeClr val="lt1"/>
-          </a:fontRef>
-        </p:style>
-        <p:txBody>
-          <a:bodyPr rtlCol="0" anchor="ctr"/>
-          <a:lstStyle/>
-          <a:p>
-            <a:pPr algn="ctr"/>
-            <a:r>
-              <a:rPr lang="en-IN" sz="1646" dirty="0"/>
-              <a:t>E</a:t>
-            </a:r>
-          </a:p>
-        </p:txBody>
-      </p:sp>
-      <p:sp>
-        <p:nvSpPr>
-          <p:cNvPr id="47" name="Rectangle: Rounded Corners 55">
-            <a:extLst>
-              <a:ext uri="{FF2B5EF4-FFF2-40B4-BE49-F238E27FC236}">
-                <a16:creationId xmlns:a16="http://schemas.microsoft.com/office/drawing/2014/main" id="{1A549288-70C2-FA4A-B20B-0E47D8136C14}"/>
-              </a:ext>
-            </a:extLst>
-          </p:cNvPr>
-          <p:cNvSpPr/>
-          <p:nvPr/>
-        </p:nvSpPr>
-        <p:spPr>
-          <a:xfrm>
-            <a:off x="5194851" y="3027171"/>
-            <a:ext cx="3068078" cy="422168"/>
-          </a:xfrm>
-          <a:prstGeom prst="roundRect">
-            <a:avLst/>
-          </a:prstGeom>
-          <a:solidFill>
-            <a:schemeClr val="bg1"/>
-          </a:solidFill>
-          <a:ln>
-            <a:solidFill>
-              <a:schemeClr val="bg2">
-                <a:lumMod val="50000"/>
-              </a:schemeClr>
-            </a:solidFill>
-          </a:ln>
-        </p:spPr>
-        <p:style>
-          <a:lnRef idx="2">
-            <a:schemeClr val="accent1">
-              <a:shade val="50000"/>
-            </a:schemeClr>
-          </a:lnRef>
-          <a:fillRef idx="1">
-            <a:schemeClr val="accent1"/>
-          </a:fillRef>
-          <a:effectRef idx="0">
-            <a:schemeClr val="accent1"/>
-          </a:effectRef>
-          <a:fontRef idx="minor">
-            <a:schemeClr val="lt1"/>
-          </a:fontRef>
-        </p:style>
-        <p:txBody>
-          <a:bodyPr rtlCol="0" anchor="ctr"/>
-          <a:lstStyle/>
-          <a:p>
-            <a:r>
-              <a:rPr lang="en-IN" sz="1646" dirty="0">
-                <a:solidFill>
-                  <a:schemeClr val="bg2">
-                    <a:lumMod val="50000"/>
-                  </a:schemeClr>
-                </a:solidFill>
-              </a:rPr>
-              <a:t>Dropdown</a:t>
-            </a:r>
-          </a:p>
-        </p:txBody>
-      </p:sp>
-      <p:sp>
-        <p:nvSpPr>
-          <p:cNvPr id="48" name="Rectangle: Rounded Corners 65">
-            <a:extLst>
-              <a:ext uri="{FF2B5EF4-FFF2-40B4-BE49-F238E27FC236}">
-                <a16:creationId xmlns:a16="http://schemas.microsoft.com/office/drawing/2014/main" id="{05EAECDE-3B6D-E24E-8243-B8611089B202}"/>
-              </a:ext>
-            </a:extLst>
-          </p:cNvPr>
-          <p:cNvSpPr/>
-          <p:nvPr/>
-        </p:nvSpPr>
-        <p:spPr>
-          <a:xfrm>
-            <a:off x="8678811" y="2997529"/>
-            <a:ext cx="1813374" cy="443272"/>
-          </a:xfrm>
-          <a:prstGeom prst="roundRect">
-            <a:avLst/>
-          </a:prstGeom>
-          <a:solidFill>
-            <a:srgbClr val="00B0F0"/>
-          </a:solidFill>
-          <a:ln>
-            <a:solidFill>
-              <a:schemeClr val="accent1">
-                <a:lumMod val="60000"/>
-                <a:lumOff val="40000"/>
-              </a:schemeClr>
-            </a:solidFill>
-          </a:ln>
-        </p:spPr>
-        <p:style>
-          <a:lnRef idx="2">
-            <a:schemeClr val="accent1">
-              <a:shade val="50000"/>
-            </a:schemeClr>
-          </a:lnRef>
-          <a:fillRef idx="1">
-            <a:schemeClr val="accent1"/>
-          </a:fillRef>
-          <a:effectRef idx="0">
-            <a:schemeClr val="accent1"/>
-          </a:effectRef>
-          <a:fontRef idx="minor">
-            <a:schemeClr val="lt1"/>
-          </a:fontRef>
-        </p:style>
-        <p:txBody>
-          <a:bodyPr rtlCol="0" anchor="ctr"/>
-          <a:lstStyle/>
-          <a:p>
-            <a:pPr algn="ctr"/>
-            <a:r>
-              <a:rPr lang="en-IN" sz="1646" dirty="0"/>
-              <a:t>Ener</a:t>
-            </a:r>
-          </a:p>
-        </p:txBody>
-      </p:sp>
-      <p:sp>
-        <p:nvSpPr>
-          <p:cNvPr id="49" name="TextBox 48">
-            <a:extLst>
-              <a:ext uri="{FF2B5EF4-FFF2-40B4-BE49-F238E27FC236}">
-                <a16:creationId xmlns:a16="http://schemas.microsoft.com/office/drawing/2014/main" id="{550105AF-B118-154C-AF9F-5CD4F3909DD9}"/>
-              </a:ext>
-            </a:extLst>
-          </p:cNvPr>
-          <p:cNvSpPr txBox="1"/>
-          <p:nvPr/>
-        </p:nvSpPr>
-        <p:spPr>
-          <a:xfrm>
-            <a:off x="3549622" y="3054413"/>
-            <a:ext cx="1086388" cy="369332"/>
-          </a:xfrm>
-          <a:prstGeom prst="rect">
-            <a:avLst/>
-          </a:prstGeom>
-          <a:noFill/>
-        </p:spPr>
-        <p:txBody>
-          <a:bodyPr wrap="none" rtlCol="0">
-            <a:spAutoFit/>
-          </a:bodyPr>
-          <a:lstStyle/>
-          <a:p>
-            <a:pPr algn="ctr"/>
-            <a:r>
-              <a:rPr lang="en-US" dirty="0"/>
-              <a:t>Course ID</a:t>
-            </a:r>
-          </a:p>
-        </p:txBody>
-      </p:sp>
-      <p:sp>
-        <p:nvSpPr>
-          <p:cNvPr id="50" name="Rectangle 49">
-            <a:extLst>
-              <a:ext uri="{FF2B5EF4-FFF2-40B4-BE49-F238E27FC236}">
-                <a16:creationId xmlns:a16="http://schemas.microsoft.com/office/drawing/2014/main" id="{5CCF21A6-3573-F543-95AF-2A9029C46D51}"/>
-              </a:ext>
-            </a:extLst>
-          </p:cNvPr>
-          <p:cNvSpPr/>
-          <p:nvPr/>
-        </p:nvSpPr>
-        <p:spPr>
-          <a:xfrm>
-            <a:off x="2745608" y="3795091"/>
-            <a:ext cx="7855929" cy="694077"/>
-          </a:xfrm>
-          <a:prstGeom prst="rect">
-            <a:avLst/>
-          </a:prstGeom>
-          <a:solidFill>
-            <a:schemeClr val="bg1"/>
-          </a:solidFill>
-          <a:ln>
-            <a:noFill/>
-          </a:ln>
-        </p:spPr>
-        <p:style>
-          <a:lnRef idx="2">
-            <a:schemeClr val="accent1">
-              <a:shade val="50000"/>
-            </a:schemeClr>
-          </a:lnRef>
-          <a:fillRef idx="1">
-            <a:schemeClr val="accent1"/>
-          </a:fillRef>
-          <a:effectRef idx="0">
-            <a:schemeClr val="accent1"/>
-          </a:effectRef>
-          <a:fontRef idx="minor">
-            <a:schemeClr val="lt1"/>
-          </a:fontRef>
-        </p:style>
-        <p:txBody>
-          <a:bodyPr rtlCol="0" anchor="ctr"/>
-          <a:lstStyle/>
-          <a:p>
-            <a:pPr algn="ctr"/>
-            <a:r>
-              <a:rPr lang="en-IN" sz="1646" dirty="0"/>
-              <a:t>E</a:t>
-            </a:r>
-          </a:p>
-        </p:txBody>
-      </p:sp>
-      <p:sp>
-        <p:nvSpPr>
-          <p:cNvPr id="51" name="Rectangle: Rounded Corners 55">
-            <a:extLst>
-              <a:ext uri="{FF2B5EF4-FFF2-40B4-BE49-F238E27FC236}">
-                <a16:creationId xmlns:a16="http://schemas.microsoft.com/office/drawing/2014/main" id="{1A549288-70C2-FA4A-B20B-0E47D8136C14}"/>
-              </a:ext>
-            </a:extLst>
-          </p:cNvPr>
-          <p:cNvSpPr/>
-          <p:nvPr/>
-        </p:nvSpPr>
-        <p:spPr>
-          <a:xfrm>
-            <a:off x="5146861" y="3936590"/>
-            <a:ext cx="3068078" cy="422168"/>
-          </a:xfrm>
-          <a:prstGeom prst="roundRect">
-            <a:avLst/>
-          </a:prstGeom>
-          <a:solidFill>
-            <a:schemeClr val="bg1"/>
-          </a:solidFill>
-          <a:ln>
-            <a:solidFill>
-              <a:schemeClr val="bg2">
-                <a:lumMod val="50000"/>
-              </a:schemeClr>
-            </a:solidFill>
-          </a:ln>
-        </p:spPr>
-        <p:style>
-          <a:lnRef idx="2">
-            <a:schemeClr val="accent1">
-              <a:shade val="50000"/>
-            </a:schemeClr>
-          </a:lnRef>
-          <a:fillRef idx="1">
-            <a:schemeClr val="accent1"/>
-          </a:fillRef>
-          <a:effectRef idx="0">
-            <a:schemeClr val="accent1"/>
-          </a:effectRef>
-          <a:fontRef idx="minor">
-            <a:schemeClr val="lt1"/>
-          </a:fontRef>
-        </p:style>
-        <p:txBody>
-          <a:bodyPr rtlCol="0" anchor="ctr"/>
-          <a:lstStyle/>
-          <a:p>
-            <a:r>
-              <a:rPr lang="en-IN" sz="1646" dirty="0">
-                <a:solidFill>
-                  <a:schemeClr val="bg2">
-                    <a:lumMod val="50000"/>
-                  </a:schemeClr>
-                </a:solidFill>
-              </a:rPr>
-              <a:t>//populate automatically</a:t>
-            </a:r>
-          </a:p>
-        </p:txBody>
-      </p:sp>
-      <p:sp>
-        <p:nvSpPr>
-          <p:cNvPr id="52" name="Rectangle: Rounded Corners 65">
-            <a:extLst>
-              <a:ext uri="{FF2B5EF4-FFF2-40B4-BE49-F238E27FC236}">
-                <a16:creationId xmlns:a16="http://schemas.microsoft.com/office/drawing/2014/main" id="{05EAECDE-3B6D-E24E-8243-B8611089B202}"/>
-              </a:ext>
-            </a:extLst>
-          </p:cNvPr>
-          <p:cNvSpPr/>
-          <p:nvPr/>
-        </p:nvSpPr>
-        <p:spPr>
-          <a:xfrm>
-            <a:off x="8630821" y="3906948"/>
-            <a:ext cx="1813374" cy="443272"/>
-          </a:xfrm>
-          <a:prstGeom prst="roundRect">
-            <a:avLst/>
-          </a:prstGeom>
-          <a:solidFill>
-            <a:srgbClr val="00B0F0"/>
-          </a:solidFill>
-          <a:ln>
-            <a:solidFill>
-              <a:schemeClr val="accent1">
-                <a:lumMod val="60000"/>
-                <a:lumOff val="40000"/>
-              </a:schemeClr>
-            </a:solidFill>
-          </a:ln>
-        </p:spPr>
-        <p:style>
-          <a:lnRef idx="2">
-            <a:schemeClr val="accent1">
-              <a:shade val="50000"/>
-            </a:schemeClr>
-          </a:lnRef>
-          <a:fillRef idx="1">
-            <a:schemeClr val="accent1"/>
-          </a:fillRef>
-          <a:effectRef idx="0">
-            <a:schemeClr val="accent1"/>
-          </a:effectRef>
-          <a:fontRef idx="minor">
-            <a:schemeClr val="lt1"/>
-          </a:fontRef>
-        </p:style>
-        <p:txBody>
-          <a:bodyPr rtlCol="0" anchor="ctr"/>
-          <a:lstStyle/>
-          <a:p>
-            <a:pPr algn="ctr"/>
-            <a:r>
-              <a:rPr lang="en-IN" sz="1646" dirty="0"/>
-              <a:t>Enter</a:t>
-            </a:r>
-          </a:p>
-        </p:txBody>
-      </p:sp>
-      <p:sp>
-        <p:nvSpPr>
-          <p:cNvPr id="53" name="TextBox 52">
-            <a:extLst>
-              <a:ext uri="{FF2B5EF4-FFF2-40B4-BE49-F238E27FC236}">
-                <a16:creationId xmlns:a16="http://schemas.microsoft.com/office/drawing/2014/main" id="{550105AF-B118-154C-AF9F-5CD4F3909DD9}"/>
-              </a:ext>
-            </a:extLst>
-          </p:cNvPr>
-          <p:cNvSpPr txBox="1"/>
-          <p:nvPr/>
-        </p:nvSpPr>
-        <p:spPr>
-          <a:xfrm>
-            <a:off x="3584646" y="3990400"/>
-            <a:ext cx="1179105" cy="369332"/>
-          </a:xfrm>
-          <a:prstGeom prst="rect">
-            <a:avLst/>
-          </a:prstGeom>
-          <a:noFill/>
-        </p:spPr>
-        <p:txBody>
-          <a:bodyPr wrap="none" rtlCol="0">
-            <a:spAutoFit/>
-          </a:bodyPr>
-          <a:lstStyle/>
-          <a:p>
-            <a:pPr algn="ctr"/>
-            <a:r>
-              <a:rPr lang="en-US" dirty="0"/>
-              <a:t>Start Date </a:t>
-            </a:r>
-          </a:p>
-        </p:txBody>
-      </p:sp>
-      <p:sp>
-        <p:nvSpPr>
-          <p:cNvPr id="58" name="Rectangle: Rounded Corners 65">
-            <a:extLst>
-              <a:ext uri="{FF2B5EF4-FFF2-40B4-BE49-F238E27FC236}">
-                <a16:creationId xmlns:a16="http://schemas.microsoft.com/office/drawing/2014/main" id="{05EAECDE-3B6D-E24E-8243-B8611089B202}"/>
-              </a:ext>
-            </a:extLst>
-          </p:cNvPr>
-          <p:cNvSpPr/>
-          <p:nvPr/>
-        </p:nvSpPr>
-        <p:spPr>
-          <a:xfrm>
-            <a:off x="5047795" y="6188565"/>
-            <a:ext cx="1813374" cy="443272"/>
-          </a:xfrm>
-          <a:prstGeom prst="roundRect">
-            <a:avLst/>
-          </a:prstGeom>
-          <a:solidFill>
-            <a:srgbClr val="00B0F0"/>
-          </a:solidFill>
-          <a:ln>
-            <a:solidFill>
-              <a:schemeClr val="accent1">
-                <a:lumMod val="60000"/>
-                <a:lumOff val="40000"/>
-              </a:schemeClr>
-            </a:solidFill>
-          </a:ln>
-        </p:spPr>
-        <p:style>
-          <a:lnRef idx="2">
-            <a:schemeClr val="accent1">
-              <a:shade val="50000"/>
-            </a:schemeClr>
-          </a:lnRef>
-          <a:fillRef idx="1">
-            <a:schemeClr val="accent1"/>
-          </a:fillRef>
-          <a:effectRef idx="0">
-            <a:schemeClr val="accent1"/>
-          </a:effectRef>
-          <a:fontRef idx="minor">
-            <a:schemeClr val="lt1"/>
-          </a:fontRef>
-        </p:style>
-        <p:txBody>
-          <a:bodyPr rtlCol="0" anchor="ctr"/>
-          <a:lstStyle/>
-          <a:p>
-            <a:pPr algn="ctr"/>
-            <a:r>
-              <a:rPr lang="en-IN" sz="1646" dirty="0"/>
-              <a:t>Submit</a:t>
-            </a:r>
-          </a:p>
-        </p:txBody>
-      </p:sp>
-      <p:sp>
-        <p:nvSpPr>
-          <p:cNvPr id="54" name="Rectangle 53">
-            <a:extLst>
-              <a:ext uri="{FF2B5EF4-FFF2-40B4-BE49-F238E27FC236}">
-                <a16:creationId xmlns:a16="http://schemas.microsoft.com/office/drawing/2014/main" id="{5CCF21A6-3573-F543-95AF-2A9029C46D51}"/>
-              </a:ext>
-            </a:extLst>
-          </p:cNvPr>
-          <p:cNvSpPr/>
-          <p:nvPr/>
-        </p:nvSpPr>
-        <p:spPr>
-          <a:xfrm>
-            <a:off x="2745608" y="4774224"/>
-            <a:ext cx="7801921" cy="694077"/>
-          </a:xfrm>
-          <a:prstGeom prst="rect">
-            <a:avLst/>
-          </a:prstGeom>
-          <a:solidFill>
-            <a:schemeClr val="bg1"/>
-          </a:solidFill>
-          <a:ln>
-            <a:noFill/>
-          </a:ln>
-        </p:spPr>
-        <p:style>
-          <a:lnRef idx="2">
-            <a:schemeClr val="accent1">
-              <a:shade val="50000"/>
-            </a:schemeClr>
-          </a:lnRef>
-          <a:fillRef idx="1">
-            <a:schemeClr val="accent1"/>
-          </a:fillRef>
-          <a:effectRef idx="0">
-            <a:schemeClr val="accent1"/>
-          </a:effectRef>
-          <a:fontRef idx="minor">
-            <a:schemeClr val="lt1"/>
-          </a:fontRef>
-        </p:style>
-        <p:txBody>
-          <a:bodyPr rtlCol="0" anchor="ctr"/>
-          <a:lstStyle/>
-          <a:p>
-            <a:pPr algn="ctr"/>
-            <a:r>
-              <a:rPr lang="en-IN" sz="1646" dirty="0"/>
-              <a:t>E</a:t>
-            </a:r>
-          </a:p>
-        </p:txBody>
-      </p:sp>
-      <p:sp>
-        <p:nvSpPr>
-          <p:cNvPr id="55" name="Rectangle: Rounded Corners 55">
-            <a:extLst>
-              <a:ext uri="{FF2B5EF4-FFF2-40B4-BE49-F238E27FC236}">
-                <a16:creationId xmlns:a16="http://schemas.microsoft.com/office/drawing/2014/main" id="{1A549288-70C2-FA4A-B20B-0E47D8136C14}"/>
-              </a:ext>
-            </a:extLst>
-          </p:cNvPr>
-          <p:cNvSpPr/>
-          <p:nvPr/>
-        </p:nvSpPr>
-        <p:spPr>
-          <a:xfrm>
-            <a:off x="5146861" y="4915723"/>
-            <a:ext cx="3068078" cy="422168"/>
-          </a:xfrm>
-          <a:prstGeom prst="roundRect">
-            <a:avLst/>
-          </a:prstGeom>
-          <a:solidFill>
-            <a:schemeClr val="bg1"/>
-          </a:solidFill>
-          <a:ln>
-            <a:solidFill>
-              <a:schemeClr val="bg2">
-                <a:lumMod val="50000"/>
-              </a:schemeClr>
-            </a:solidFill>
-          </a:ln>
-        </p:spPr>
-        <p:style>
-          <a:lnRef idx="2">
-            <a:schemeClr val="accent1">
-              <a:shade val="50000"/>
-            </a:schemeClr>
-          </a:lnRef>
-          <a:fillRef idx="1">
-            <a:schemeClr val="accent1"/>
-          </a:fillRef>
-          <a:effectRef idx="0">
-            <a:schemeClr val="accent1"/>
-          </a:effectRef>
-          <a:fontRef idx="minor">
-            <a:schemeClr val="lt1"/>
-          </a:fontRef>
-        </p:style>
-        <p:txBody>
-          <a:bodyPr rtlCol="0" anchor="ctr"/>
-          <a:lstStyle/>
-          <a:p>
-            <a:r>
-              <a:rPr lang="en-IN" sz="1646" dirty="0">
-                <a:solidFill>
-                  <a:schemeClr val="bg2">
-                    <a:lumMod val="50000"/>
-                  </a:schemeClr>
-                </a:solidFill>
-              </a:rPr>
-              <a:t>//populate automatically</a:t>
-            </a:r>
-          </a:p>
-        </p:txBody>
-      </p:sp>
-      <p:sp>
-        <p:nvSpPr>
-          <p:cNvPr id="56" name="Rectangle: Rounded Corners 65">
-            <a:extLst>
-              <a:ext uri="{FF2B5EF4-FFF2-40B4-BE49-F238E27FC236}">
-                <a16:creationId xmlns:a16="http://schemas.microsoft.com/office/drawing/2014/main" id="{05EAECDE-3B6D-E24E-8243-B8611089B202}"/>
-              </a:ext>
-            </a:extLst>
-          </p:cNvPr>
-          <p:cNvSpPr/>
-          <p:nvPr/>
-        </p:nvSpPr>
-        <p:spPr>
-          <a:xfrm>
-            <a:off x="8630821" y="4886081"/>
-            <a:ext cx="1813374" cy="443272"/>
-          </a:xfrm>
-          <a:prstGeom prst="roundRect">
-            <a:avLst/>
-          </a:prstGeom>
-          <a:solidFill>
-            <a:srgbClr val="00B0F0"/>
-          </a:solidFill>
-          <a:ln>
-            <a:solidFill>
-              <a:schemeClr val="accent1">
-                <a:lumMod val="60000"/>
-                <a:lumOff val="40000"/>
-              </a:schemeClr>
-            </a:solidFill>
-          </a:ln>
-        </p:spPr>
-        <p:style>
-          <a:lnRef idx="2">
-            <a:schemeClr val="accent1">
-              <a:shade val="50000"/>
-            </a:schemeClr>
-          </a:lnRef>
-          <a:fillRef idx="1">
-            <a:schemeClr val="accent1"/>
-          </a:fillRef>
-          <a:effectRef idx="0">
-            <a:schemeClr val="accent1"/>
-          </a:effectRef>
-          <a:fontRef idx="minor">
-            <a:schemeClr val="lt1"/>
-          </a:fontRef>
-        </p:style>
-        <p:txBody>
-          <a:bodyPr rtlCol="0" anchor="ctr"/>
-          <a:lstStyle/>
-          <a:p>
-            <a:pPr algn="ctr"/>
-            <a:r>
-              <a:rPr lang="en-IN" sz="1646" dirty="0"/>
-              <a:t>Enter</a:t>
-            </a:r>
-          </a:p>
-        </p:txBody>
-      </p:sp>
-      <p:sp>
-        <p:nvSpPr>
-          <p:cNvPr id="57" name="TextBox 56">
-            <a:extLst>
-              <a:ext uri="{FF2B5EF4-FFF2-40B4-BE49-F238E27FC236}">
-                <a16:creationId xmlns:a16="http://schemas.microsoft.com/office/drawing/2014/main" id="{550105AF-B118-154C-AF9F-5CD4F3909DD9}"/>
-              </a:ext>
-            </a:extLst>
-          </p:cNvPr>
-          <p:cNvSpPr txBox="1"/>
-          <p:nvPr/>
-        </p:nvSpPr>
-        <p:spPr>
-          <a:xfrm>
-            <a:off x="3576515" y="4951405"/>
-            <a:ext cx="1087349" cy="369332"/>
-          </a:xfrm>
-          <a:prstGeom prst="rect">
-            <a:avLst/>
-          </a:prstGeom>
-          <a:noFill/>
-        </p:spPr>
-        <p:txBody>
-          <a:bodyPr wrap="none" rtlCol="0">
-            <a:spAutoFit/>
-          </a:bodyPr>
-          <a:lstStyle/>
-          <a:p>
-            <a:pPr algn="ctr"/>
-            <a:r>
-              <a:rPr lang="en-US" dirty="0"/>
-              <a:t>End Date </a:t>
+              <a:rPr lang="en-US" sz="1100" dirty="0"/>
+              <a:t>Hi, JRC Murthy</a:t>
             </a:r>
           </a:p>
         </p:txBody>
       </p:sp>
       <p:pic>
         <p:nvPicPr>
-          <p:cNvPr id="59" name="Picture 58">
+          <p:cNvPr id="40" name="Picture 39">
             <a:extLst>
               <a:ext uri="{FF2B5EF4-FFF2-40B4-BE49-F238E27FC236}">
                 <a16:creationId xmlns:a16="http://schemas.microsoft.com/office/drawing/2014/main" id="{C84DA818-07F7-3C49-8665-28FBED243475}"/>
@@ -18646,7 +17468,7 @@
       </p:pic>
       <p:sp>
         <p:nvSpPr>
-          <p:cNvPr id="60" name="TextBox 59">
+          <p:cNvPr id="41" name="TextBox 40">
             <a:extLst>
               <a:ext uri="{FF2B5EF4-FFF2-40B4-BE49-F238E27FC236}">
                 <a16:creationId xmlns:a16="http://schemas.microsoft.com/office/drawing/2014/main" id="{2DF43A07-FAF5-B646-88CD-2F283F8D3FE4}"/>
@@ -18683,57 +17505,10 @@
           </a:p>
         </p:txBody>
       </p:sp>
-      <p:sp>
-        <p:nvSpPr>
-          <p:cNvPr id="4" name="Rectangle 3">
-            <a:extLst>
-              <a:ext uri="{FF2B5EF4-FFF2-40B4-BE49-F238E27FC236}">
-                <a16:creationId xmlns:a16="http://schemas.microsoft.com/office/drawing/2014/main" id="{0ADBAF9C-93A1-A14D-BE46-8EF0C223DDC7}"/>
-              </a:ext>
-            </a:extLst>
-          </p:cNvPr>
-          <p:cNvSpPr/>
-          <p:nvPr/>
-        </p:nvSpPr>
-        <p:spPr>
-          <a:xfrm>
-            <a:off x="11134251" y="2937252"/>
-            <a:ext cx="1171183" cy="1212144"/>
-          </a:xfrm>
-          <a:prstGeom prst="rect">
-            <a:avLst/>
-          </a:prstGeom>
-        </p:spPr>
-        <p:style>
-          <a:lnRef idx="3">
-            <a:schemeClr val="lt1"/>
-          </a:lnRef>
-          <a:fillRef idx="1">
-            <a:schemeClr val="accent1"/>
-          </a:fillRef>
-          <a:effectRef idx="1">
-            <a:schemeClr val="accent1"/>
-          </a:effectRef>
-          <a:fontRef idx="minor">
-            <a:schemeClr val="lt1"/>
-          </a:fontRef>
-        </p:style>
-        <p:txBody>
-          <a:bodyPr rtlCol="0" anchor="ctr"/>
-          <a:lstStyle/>
-          <a:p>
-            <a:pPr algn="ctr"/>
-            <a:r>
-              <a:rPr lang="en-US" sz="2400" dirty="0"/>
-              <a:t>25%</a:t>
-            </a:r>
-          </a:p>
-        </p:txBody>
-      </p:sp>
     </p:spTree>
     <p:extLst>
       <p:ext uri="{BB962C8B-B14F-4D97-AF65-F5344CB8AC3E}">
-        <p14:creationId xmlns:p14="http://schemas.microsoft.com/office/powerpoint/2010/main" val="2787310599"/>
+        <p14:creationId xmlns:p14="http://schemas.microsoft.com/office/powerpoint/2010/main" val="987205845"/>
       </p:ext>
     </p:extLst>
   </p:cSld>
@@ -18743,7 +17518,7 @@
 </p:sld>
 </file>
 
-<file path=ppt/slides/slide5.xml><?xml version="1.0" encoding="utf-8"?>
+<file path=ppt/slides/slide6.xml><?xml version="1.0" encoding="utf-8"?>
 <p:sld xmlns:a="http://schemas.openxmlformats.org/drawingml/2006/main" xmlns:r="http://schemas.openxmlformats.org/officeDocument/2006/relationships" xmlns:p="http://schemas.openxmlformats.org/presentationml/2006/main">
   <p:cSld>
     <p:spTree>
@@ -19316,7 +18091,7 @@
         </p:nvSpPr>
         <p:spPr>
           <a:xfrm>
-            <a:off x="-2839" y="1026094"/>
+            <a:off x="21723" y="1056428"/>
             <a:ext cx="2383085" cy="5901493"/>
           </a:xfrm>
           <a:prstGeom prst="rect">
@@ -20025,7 +18800,7 @@
         </p:blipFill>
         <p:spPr>
           <a:xfrm>
-            <a:off x="5626133" y="117882"/>
+            <a:off x="5937385" y="48569"/>
             <a:ext cx="2089834" cy="743863"/>
           </a:xfrm>
           <a:prstGeom prst="rect">
@@ -20098,9 +18873,51 @@
           </a:prstGeom>
         </p:spPr>
       </p:pic>
+      <p:sp>
+        <p:nvSpPr>
+          <p:cNvPr id="39" name="TextBox 38">
+            <a:extLst>
+              <a:ext uri="{FF2B5EF4-FFF2-40B4-BE49-F238E27FC236}">
+                <a16:creationId xmlns:a16="http://schemas.microsoft.com/office/drawing/2014/main" id="{BC70D7A2-3E35-CA4B-AE30-78E358032325}"/>
+              </a:ext>
+            </a:extLst>
+          </p:cNvPr>
+          <p:cNvSpPr txBox="1"/>
+          <p:nvPr/>
+        </p:nvSpPr>
+        <p:spPr>
+          <a:xfrm>
+            <a:off x="2975207" y="961509"/>
+            <a:ext cx="8014191" cy="430887"/>
+          </a:xfrm>
+          <a:prstGeom prst="rect">
+            <a:avLst/>
+          </a:prstGeom>
+          <a:noFill/>
+        </p:spPr>
+        <p:txBody>
+          <a:bodyPr wrap="square" rtlCol="0">
+            <a:spAutoFit/>
+          </a:bodyPr>
+          <a:lstStyle/>
+          <a:p>
+            <a:pPr algn="ctr"/>
+            <a:r>
+              <a:rPr lang="en-IN" sz="2200" dirty="0">
+                <a:solidFill>
+                  <a:schemeClr val="bg2">
+                    <a:lumMod val="50000"/>
+                  </a:schemeClr>
+                </a:solidFill>
+              </a:rPr>
+              <a:t>Latest Updates</a:t>
+            </a:r>
+          </a:p>
+        </p:txBody>
+      </p:sp>
       <p:pic>
         <p:nvPicPr>
-          <p:cNvPr id="38" name="Picture 37">
+          <p:cNvPr id="44" name="Picture 43">
             <a:extLst>
               <a:ext uri="{FF2B5EF4-FFF2-40B4-BE49-F238E27FC236}">
                 <a16:creationId xmlns:a16="http://schemas.microsoft.com/office/drawing/2014/main" id="{C84DA818-07F7-3C49-8665-28FBED243475}"/>
@@ -20137,7 +18954,7 @@
       </p:pic>
       <p:sp>
         <p:nvSpPr>
-          <p:cNvPr id="39" name="TextBox 38">
+          <p:cNvPr id="45" name="TextBox 44">
             <a:extLst>
               <a:ext uri="{FF2B5EF4-FFF2-40B4-BE49-F238E27FC236}">
                 <a16:creationId xmlns:a16="http://schemas.microsoft.com/office/drawing/2014/main" id="{2DF43A07-FAF5-B646-88CD-2F283F8D3FE4}"/>
@@ -20174,10 +18991,214 @@
           </a:p>
         </p:txBody>
       </p:sp>
+      <p:pic>
+        <p:nvPicPr>
+          <p:cNvPr id="3" name="Picture 2"/>
+          <p:cNvPicPr>
+            <a:picLocks noChangeAspect="1"/>
+          </p:cNvPicPr>
+          <p:nvPr/>
+        </p:nvPicPr>
+        <p:blipFill>
+          <a:blip r:embed="rId11"/>
+          <a:stretch>
+            <a:fillRect/>
+          </a:stretch>
+        </p:blipFill>
+        <p:spPr>
+          <a:xfrm>
+            <a:off x="2500152" y="1385629"/>
+            <a:ext cx="10409908" cy="4438291"/>
+          </a:xfrm>
+          <a:prstGeom prst="rect">
+            <a:avLst/>
+          </a:prstGeom>
+        </p:spPr>
+      </p:pic>
+      <p:sp>
+        <p:nvSpPr>
+          <p:cNvPr id="50" name="Rectangle: Rounded Corners 65">
+            <a:extLst>
+              <a:ext uri="{FF2B5EF4-FFF2-40B4-BE49-F238E27FC236}">
+                <a16:creationId xmlns:a16="http://schemas.microsoft.com/office/drawing/2014/main" id="{05EAECDE-3B6D-E24E-8243-B8611089B202}"/>
+              </a:ext>
+            </a:extLst>
+          </p:cNvPr>
+          <p:cNvSpPr/>
+          <p:nvPr/>
+        </p:nvSpPr>
+        <p:spPr>
+          <a:xfrm>
+            <a:off x="9036688" y="6184444"/>
+            <a:ext cx="2117809" cy="425769"/>
+          </a:xfrm>
+          <a:prstGeom prst="roundRect">
+            <a:avLst/>
+          </a:prstGeom>
+          <a:solidFill>
+            <a:srgbClr val="00B0F0"/>
+          </a:solidFill>
+          <a:ln>
+            <a:solidFill>
+              <a:schemeClr val="accent1">
+                <a:lumMod val="60000"/>
+                <a:lumOff val="40000"/>
+              </a:schemeClr>
+            </a:solidFill>
+          </a:ln>
+        </p:spPr>
+        <p:style>
+          <a:lnRef idx="2">
+            <a:schemeClr val="accent1">
+              <a:shade val="50000"/>
+            </a:schemeClr>
+          </a:lnRef>
+          <a:fillRef idx="1">
+            <a:schemeClr val="accent1"/>
+          </a:fillRef>
+          <a:effectRef idx="0">
+            <a:schemeClr val="accent1"/>
+          </a:effectRef>
+          <a:fontRef idx="minor">
+            <a:schemeClr val="lt1"/>
+          </a:fontRef>
+        </p:style>
+        <p:txBody>
+          <a:bodyPr rtlCol="0" anchor="ctr"/>
+          <a:lstStyle/>
+          <a:p>
+            <a:pPr algn="ctr"/>
+            <a:r>
+              <a:rPr lang="en-IN" sz="1646" dirty="0"/>
+              <a:t>Documentation</a:t>
+            </a:r>
+          </a:p>
+        </p:txBody>
+      </p:sp>
+      <p:sp>
+        <p:nvSpPr>
+          <p:cNvPr id="52" name="Rectangle: Rounded Corners 65">
+            <a:extLst>
+              <a:ext uri="{FF2B5EF4-FFF2-40B4-BE49-F238E27FC236}">
+                <a16:creationId xmlns:a16="http://schemas.microsoft.com/office/drawing/2014/main" id="{05EAECDE-3B6D-E24E-8243-B8611089B202}"/>
+              </a:ext>
+            </a:extLst>
+          </p:cNvPr>
+          <p:cNvSpPr/>
+          <p:nvPr/>
+        </p:nvSpPr>
+        <p:spPr>
+          <a:xfrm>
+            <a:off x="4031729" y="6165954"/>
+            <a:ext cx="2103150" cy="404368"/>
+          </a:xfrm>
+          <a:prstGeom prst="roundRect">
+            <a:avLst/>
+          </a:prstGeom>
+          <a:solidFill>
+            <a:srgbClr val="00B0F0"/>
+          </a:solidFill>
+          <a:ln>
+            <a:solidFill>
+              <a:schemeClr val="accent1">
+                <a:lumMod val="60000"/>
+                <a:lumOff val="40000"/>
+              </a:schemeClr>
+            </a:solidFill>
+          </a:ln>
+        </p:spPr>
+        <p:style>
+          <a:lnRef idx="2">
+            <a:schemeClr val="accent1">
+              <a:shade val="50000"/>
+            </a:schemeClr>
+          </a:lnRef>
+          <a:fillRef idx="1">
+            <a:schemeClr val="accent1"/>
+          </a:fillRef>
+          <a:effectRef idx="0">
+            <a:schemeClr val="accent1"/>
+          </a:effectRef>
+          <a:fontRef idx="minor">
+            <a:schemeClr val="lt1"/>
+          </a:fontRef>
+        </p:style>
+        <p:txBody>
+          <a:bodyPr rtlCol="0" anchor="ctr"/>
+          <a:lstStyle/>
+          <a:p>
+            <a:pPr algn="ctr"/>
+            <a:r>
+              <a:rPr lang="en-IN" sz="1646" dirty="0"/>
+              <a:t>Latest Video Lectures</a:t>
+            </a:r>
+          </a:p>
+        </p:txBody>
+      </p:sp>
+      <p:sp>
+        <p:nvSpPr>
+          <p:cNvPr id="46" name="Rectangle: Rounded Corners 65">
+            <a:extLst>
+              <a:ext uri="{FF2B5EF4-FFF2-40B4-BE49-F238E27FC236}">
+                <a16:creationId xmlns:a16="http://schemas.microsoft.com/office/drawing/2014/main" id="{9EBD2B64-F4F3-5C41-B66E-9D2A200DA7DA}"/>
+              </a:ext>
+            </a:extLst>
+          </p:cNvPr>
+          <p:cNvSpPr/>
+          <p:nvPr/>
+        </p:nvSpPr>
+        <p:spPr>
+          <a:xfrm>
+            <a:off x="6526879" y="6184444"/>
+            <a:ext cx="2117809" cy="408266"/>
+          </a:xfrm>
+          <a:prstGeom prst="roundRect">
+            <a:avLst/>
+          </a:prstGeom>
+          <a:solidFill>
+            <a:srgbClr val="00B0F0"/>
+          </a:solidFill>
+          <a:ln>
+            <a:solidFill>
+              <a:schemeClr val="accent1">
+                <a:lumMod val="60000"/>
+                <a:lumOff val="40000"/>
+              </a:schemeClr>
+            </a:solidFill>
+          </a:ln>
+        </p:spPr>
+        <p:style>
+          <a:lnRef idx="2">
+            <a:schemeClr val="accent1">
+              <a:shade val="50000"/>
+            </a:schemeClr>
+          </a:lnRef>
+          <a:fillRef idx="1">
+            <a:schemeClr val="accent1"/>
+          </a:fillRef>
+          <a:effectRef idx="0">
+            <a:schemeClr val="accent1"/>
+          </a:effectRef>
+          <a:fontRef idx="minor">
+            <a:schemeClr val="lt1"/>
+          </a:fontRef>
+        </p:style>
+        <p:txBody>
+          <a:bodyPr rtlCol="0" anchor="ctr"/>
+          <a:lstStyle/>
+          <a:p>
+            <a:pPr algn="ctr"/>
+            <a:r>
+              <a:rPr lang="en-IN" sz="1646" dirty="0"/>
+              <a:t>Latest News</a:t>
+            </a:r>
+          </a:p>
+        </p:txBody>
+      </p:sp>
     </p:spTree>
     <p:extLst>
       <p:ext uri="{BB962C8B-B14F-4D97-AF65-F5344CB8AC3E}">
-        <p14:creationId xmlns:p14="http://schemas.microsoft.com/office/powerpoint/2010/main" val="3070678385"/>
+        <p14:creationId xmlns:p14="http://schemas.microsoft.com/office/powerpoint/2010/main" val="92813288"/>
       </p:ext>
     </p:extLst>
   </p:cSld>
@@ -20187,7 +19208,7 @@
 </p:sld>
 </file>
 
-<file path=ppt/slides/slide6.xml><?xml version="1.0" encoding="utf-8"?>
+<file path=ppt/slides/slide7.xml><?xml version="1.0" encoding="utf-8"?>
 <p:sld xmlns:a="http://schemas.openxmlformats.org/drawingml/2006/main" xmlns:r="http://schemas.openxmlformats.org/officeDocument/2006/relationships" xmlns:p="http://schemas.openxmlformats.org/presentationml/2006/main">
   <p:cSld>
     <p:spTree>
@@ -20204,6 +19225,68 @@
           <a:chExt cx="0" cy="0"/>
         </a:xfrm>
       </p:grpSpPr>
+      <p:sp>
+        <p:nvSpPr>
+          <p:cNvPr id="46" name="Rectangle 45">
+            <a:extLst>
+              <a:ext uri="{FF2B5EF4-FFF2-40B4-BE49-F238E27FC236}">
+                <a16:creationId xmlns:a16="http://schemas.microsoft.com/office/drawing/2014/main" id="{FAA97AB4-F0D3-4C89-92BC-3B6B7236B6BA}"/>
+              </a:ext>
+            </a:extLst>
+          </p:cNvPr>
+          <p:cNvSpPr/>
+          <p:nvPr/>
+        </p:nvSpPr>
+        <p:spPr>
+          <a:xfrm>
+            <a:off x="3065051" y="1421442"/>
+            <a:ext cx="9280109" cy="4687528"/>
+          </a:xfrm>
+          <a:prstGeom prst="rect">
+            <a:avLst/>
+          </a:prstGeom>
+          <a:solidFill>
+            <a:srgbClr val="0090AF"/>
+          </a:solidFill>
+          <a:ln>
+            <a:solidFill>
+              <a:srgbClr val="0090AF"/>
+            </a:solidFill>
+          </a:ln>
+        </p:spPr>
+        <p:style>
+          <a:lnRef idx="2">
+            <a:schemeClr val="accent1">
+              <a:shade val="50000"/>
+            </a:schemeClr>
+          </a:lnRef>
+          <a:fillRef idx="1">
+            <a:schemeClr val="accent1"/>
+          </a:fillRef>
+          <a:effectRef idx="0">
+            <a:schemeClr val="accent1"/>
+          </a:effectRef>
+          <a:fontRef idx="minor">
+            <a:schemeClr val="lt1"/>
+          </a:fontRef>
+        </p:style>
+        <p:txBody>
+          <a:bodyPr rot="0" spcFirstLastPara="0" vertOverflow="overflow" horzOverflow="overflow" vert="horz" wrap="square" lIns="83617" tIns="41809" rIns="83617" bIns="41809" numCol="1" spcCol="0" rtlCol="0" fromWordArt="0" anchor="ctr" anchorCtr="0" forceAA="0" compatLnSpc="1">
+            <a:prstTxWarp prst="textNoShape">
+              <a:avLst/>
+            </a:prstTxWarp>
+            <a:noAutofit/>
+          </a:bodyPr>
+          <a:lstStyle/>
+          <a:p>
+            <a:endParaRPr lang="en-IN" dirty="0">
+              <a:solidFill>
+                <a:schemeClr val="bg1"/>
+              </a:solidFill>
+            </a:endParaRPr>
+          </a:p>
+        </p:txBody>
+      </p:sp>
       <p:sp>
         <p:nvSpPr>
           <p:cNvPr id="118" name="Rectangle 117">
@@ -20760,7 +19843,7 @@
         </p:nvSpPr>
         <p:spPr>
           <a:xfrm>
-            <a:off x="-2839" y="1026094"/>
+            <a:off x="5098" y="1056428"/>
             <a:ext cx="2383085" cy="5901493"/>
           </a:xfrm>
           <a:prstGeom prst="rect">
@@ -21157,58 +20240,6 @@
           </a:prstGeom>
         </p:spPr>
       </p:pic>
-      <p:sp>
-        <p:nvSpPr>
-          <p:cNvPr id="99" name="Rectangle: Rounded Corners 98">
-            <a:extLst>
-              <a:ext uri="{FF2B5EF4-FFF2-40B4-BE49-F238E27FC236}">
-                <a16:creationId xmlns:a16="http://schemas.microsoft.com/office/drawing/2014/main" id="{FC936D07-BE0A-4611-A717-2186121A5A63}"/>
-              </a:ext>
-            </a:extLst>
-          </p:cNvPr>
-          <p:cNvSpPr/>
-          <p:nvPr/>
-        </p:nvSpPr>
-        <p:spPr>
-          <a:xfrm>
-            <a:off x="10083406" y="1084276"/>
-            <a:ext cx="1995801" cy="294369"/>
-          </a:xfrm>
-          <a:prstGeom prst="roundRect">
-            <a:avLst/>
-          </a:prstGeom>
-          <a:ln>
-            <a:noFill/>
-          </a:ln>
-        </p:spPr>
-        <p:style>
-          <a:lnRef idx="2">
-            <a:schemeClr val="accent1">
-              <a:shade val="50000"/>
-            </a:schemeClr>
-          </a:lnRef>
-          <a:fillRef idx="1">
-            <a:schemeClr val="accent1"/>
-          </a:fillRef>
-          <a:effectRef idx="0">
-            <a:schemeClr val="accent1"/>
-          </a:effectRef>
-          <a:fontRef idx="minor">
-            <a:schemeClr val="lt1"/>
-          </a:fontRef>
-        </p:style>
-        <p:txBody>
-          <a:bodyPr rtlCol="0" anchor="ctr"/>
-          <a:lstStyle/>
-          <a:p>
-            <a:pPr algn="ctr"/>
-            <a:r>
-              <a:rPr lang="en-IN" sz="1400" dirty="0"/>
-              <a:t>Generate New Batch</a:t>
-            </a:r>
-          </a:p>
-        </p:txBody>
-      </p:sp>
       <p:grpSp>
         <p:nvGrpSpPr>
           <p:cNvPr id="100" name="Group 99">
@@ -21521,7 +20552,7 @@
         </p:blipFill>
         <p:spPr>
           <a:xfrm>
-            <a:off x="5626133" y="117882"/>
+            <a:off x="5937385" y="48569"/>
             <a:ext cx="2089834" cy="743863"/>
           </a:xfrm>
           <a:prstGeom prst="rect">
@@ -21529,12 +20560,47 @@
           </a:prstGeom>
         </p:spPr>
       </p:pic>
+      <p:sp>
+        <p:nvSpPr>
+          <p:cNvPr id="9" name="TextBox 8">
+            <a:extLst>
+              <a:ext uri="{FF2B5EF4-FFF2-40B4-BE49-F238E27FC236}">
+                <a16:creationId xmlns:a16="http://schemas.microsoft.com/office/drawing/2014/main" id="{407C93CD-D9BB-EE45-8A09-54D77C880CB0}"/>
+              </a:ext>
+            </a:extLst>
+          </p:cNvPr>
+          <p:cNvSpPr txBox="1"/>
+          <p:nvPr/>
+        </p:nvSpPr>
+        <p:spPr>
+          <a:xfrm>
+            <a:off x="11511684" y="323173"/>
+            <a:ext cx="1029449" cy="261610"/>
+          </a:xfrm>
+          <a:prstGeom prst="rect">
+            <a:avLst/>
+          </a:prstGeom>
+          <a:noFill/>
+        </p:spPr>
+        <p:txBody>
+          <a:bodyPr wrap="none" rtlCol="0">
+            <a:spAutoFit/>
+          </a:bodyPr>
+          <a:lstStyle/>
+          <a:p>
+            <a:r>
+              <a:rPr lang="en-US" sz="1100" dirty="0"/>
+              <a:t>Hi, JRC Murthy</a:t>
+            </a:r>
+          </a:p>
+        </p:txBody>
+      </p:sp>
       <p:pic>
         <p:nvPicPr>
-          <p:cNvPr id="111" name="Picture 110">
-            <a:extLst>
-              <a:ext uri="{FF2B5EF4-FFF2-40B4-BE49-F238E27FC236}">
-                <a16:creationId xmlns:a16="http://schemas.microsoft.com/office/drawing/2014/main" id="{5DC92A87-7B3E-F145-B851-242A10DFF1A6}"/>
+          <p:cNvPr id="11" name="Picture 10">
+            <a:extLst>
+              <a:ext uri="{FF2B5EF4-FFF2-40B4-BE49-F238E27FC236}">
+                <a16:creationId xmlns:a16="http://schemas.microsoft.com/office/drawing/2014/main" id="{E00F7052-7686-5D40-9CB2-CC45C8A94727}"/>
               </a:ext>
             </a:extLst>
           </p:cNvPr>
@@ -21551,8 +20617,8 @@
         </p:blipFill>
         <p:spPr>
           <a:xfrm>
-            <a:off x="2397829" y="1003864"/>
-            <a:ext cx="10699116" cy="5923724"/>
+            <a:off x="180257" y="198363"/>
+            <a:ext cx="1474367" cy="618075"/>
           </a:xfrm>
           <a:prstGeom prst="rect">
             <a:avLst/>
@@ -21561,10 +20627,10 @@
       </p:pic>
       <p:sp>
         <p:nvSpPr>
-          <p:cNvPr id="9" name="TextBox 8">
-            <a:extLst>
-              <a:ext uri="{FF2B5EF4-FFF2-40B4-BE49-F238E27FC236}">
-                <a16:creationId xmlns:a16="http://schemas.microsoft.com/office/drawing/2014/main" id="{407C93CD-D9BB-EE45-8A09-54D77C880CB0}"/>
+          <p:cNvPr id="39" name="TextBox 38">
+            <a:extLst>
+              <a:ext uri="{FF2B5EF4-FFF2-40B4-BE49-F238E27FC236}">
+                <a16:creationId xmlns:a16="http://schemas.microsoft.com/office/drawing/2014/main" id="{BC70D7A2-3E35-CA4B-AE30-78E358032325}"/>
               </a:ext>
             </a:extLst>
           </p:cNvPr>
@@ -21573,8 +20639,8 @@
         </p:nvSpPr>
         <p:spPr>
           <a:xfrm>
-            <a:off x="11511684" y="323173"/>
-            <a:ext cx="1029449" cy="261610"/>
+            <a:off x="2975207" y="961509"/>
+            <a:ext cx="8014191" cy="430887"/>
           </a:xfrm>
           <a:prstGeom prst="rect">
             <a:avLst/>
@@ -21582,21 +20648,28 @@
           <a:noFill/>
         </p:spPr>
         <p:txBody>
-          <a:bodyPr wrap="none" rtlCol="0">
+          <a:bodyPr wrap="square" rtlCol="0">
             <a:spAutoFit/>
           </a:bodyPr>
           <a:lstStyle/>
           <a:p>
+            <a:pPr algn="ctr"/>
             <a:r>
-              <a:rPr lang="en-US" sz="1100" dirty="0"/>
-              <a:t>Hi, JRC Murthy</a:t>
+              <a:rPr lang="en-IN" sz="2200" dirty="0">
+                <a:solidFill>
+                  <a:schemeClr val="bg2">
+                    <a:lumMod val="50000"/>
+                  </a:schemeClr>
+                </a:solidFill>
+              </a:rPr>
+              <a:t>Latest Video Lectures : HARDCODE</a:t>
             </a:r>
           </a:p>
         </p:txBody>
       </p:sp>
       <p:pic>
         <p:nvPicPr>
-          <p:cNvPr id="40" name="Picture 39">
+          <p:cNvPr id="44" name="Picture 43">
             <a:extLst>
               <a:ext uri="{FF2B5EF4-FFF2-40B4-BE49-F238E27FC236}">
                 <a16:creationId xmlns:a16="http://schemas.microsoft.com/office/drawing/2014/main" id="{C84DA818-07F7-3C49-8665-28FBED243475}"/>
@@ -21633,7 +20706,7 @@
       </p:pic>
       <p:sp>
         <p:nvSpPr>
-          <p:cNvPr id="41" name="TextBox 40">
+          <p:cNvPr id="45" name="TextBox 44">
             <a:extLst>
               <a:ext uri="{FF2B5EF4-FFF2-40B4-BE49-F238E27FC236}">
                 <a16:creationId xmlns:a16="http://schemas.microsoft.com/office/drawing/2014/main" id="{2DF43A07-FAF5-B646-88CD-2F283F8D3FE4}"/>
@@ -21670,10 +20743,214 @@
           </a:p>
         </p:txBody>
       </p:sp>
+      <p:pic>
+        <p:nvPicPr>
+          <p:cNvPr id="4" name="Picture 3"/>
+          <p:cNvPicPr>
+            <a:picLocks noChangeAspect="1"/>
+          </p:cNvPicPr>
+          <p:nvPr/>
+        </p:nvPicPr>
+        <p:blipFill>
+          <a:blip r:embed="rId11"/>
+          <a:stretch>
+            <a:fillRect/>
+          </a:stretch>
+        </p:blipFill>
+        <p:spPr>
+          <a:xfrm>
+            <a:off x="3665817" y="1814571"/>
+            <a:ext cx="8090819" cy="4010025"/>
+          </a:xfrm>
+          <a:prstGeom prst="rect">
+            <a:avLst/>
+          </a:prstGeom>
+        </p:spPr>
+      </p:pic>
+      <p:sp>
+        <p:nvSpPr>
+          <p:cNvPr id="54" name="Rectangle: Rounded Corners 65">
+            <a:extLst>
+              <a:ext uri="{FF2B5EF4-FFF2-40B4-BE49-F238E27FC236}">
+                <a16:creationId xmlns:a16="http://schemas.microsoft.com/office/drawing/2014/main" id="{FAEA9BFF-A71D-9048-A341-CA9C061D7D43}"/>
+              </a:ext>
+            </a:extLst>
+          </p:cNvPr>
+          <p:cNvSpPr/>
+          <p:nvPr/>
+        </p:nvSpPr>
+        <p:spPr>
+          <a:xfrm>
+            <a:off x="9036688" y="6425365"/>
+            <a:ext cx="2117809" cy="425769"/>
+          </a:xfrm>
+          <a:prstGeom prst="roundRect">
+            <a:avLst/>
+          </a:prstGeom>
+          <a:solidFill>
+            <a:srgbClr val="00B0F0"/>
+          </a:solidFill>
+          <a:ln>
+            <a:solidFill>
+              <a:schemeClr val="accent1">
+                <a:lumMod val="60000"/>
+                <a:lumOff val="40000"/>
+              </a:schemeClr>
+            </a:solidFill>
+          </a:ln>
+        </p:spPr>
+        <p:style>
+          <a:lnRef idx="2">
+            <a:schemeClr val="accent1">
+              <a:shade val="50000"/>
+            </a:schemeClr>
+          </a:lnRef>
+          <a:fillRef idx="1">
+            <a:schemeClr val="accent1"/>
+          </a:fillRef>
+          <a:effectRef idx="0">
+            <a:schemeClr val="accent1"/>
+          </a:effectRef>
+          <a:fontRef idx="minor">
+            <a:schemeClr val="lt1"/>
+          </a:fontRef>
+        </p:style>
+        <p:txBody>
+          <a:bodyPr rtlCol="0" anchor="ctr"/>
+          <a:lstStyle/>
+          <a:p>
+            <a:pPr algn="ctr"/>
+            <a:r>
+              <a:rPr lang="en-IN" sz="1646" dirty="0"/>
+              <a:t>Documentation</a:t>
+            </a:r>
+          </a:p>
+        </p:txBody>
+      </p:sp>
+      <p:sp>
+        <p:nvSpPr>
+          <p:cNvPr id="55" name="Rectangle: Rounded Corners 65">
+            <a:extLst>
+              <a:ext uri="{FF2B5EF4-FFF2-40B4-BE49-F238E27FC236}">
+                <a16:creationId xmlns:a16="http://schemas.microsoft.com/office/drawing/2014/main" id="{C99E1ABA-0208-6F4A-BE3D-FF372FC74EA2}"/>
+              </a:ext>
+            </a:extLst>
+          </p:cNvPr>
+          <p:cNvSpPr/>
+          <p:nvPr/>
+        </p:nvSpPr>
+        <p:spPr>
+          <a:xfrm>
+            <a:off x="4031729" y="6406875"/>
+            <a:ext cx="2103150" cy="404368"/>
+          </a:xfrm>
+          <a:prstGeom prst="roundRect">
+            <a:avLst/>
+          </a:prstGeom>
+          <a:solidFill>
+            <a:srgbClr val="00B0F0"/>
+          </a:solidFill>
+          <a:ln>
+            <a:solidFill>
+              <a:schemeClr val="accent1">
+                <a:lumMod val="60000"/>
+                <a:lumOff val="40000"/>
+              </a:schemeClr>
+            </a:solidFill>
+          </a:ln>
+        </p:spPr>
+        <p:style>
+          <a:lnRef idx="2">
+            <a:schemeClr val="accent1">
+              <a:shade val="50000"/>
+            </a:schemeClr>
+          </a:lnRef>
+          <a:fillRef idx="1">
+            <a:schemeClr val="accent1"/>
+          </a:fillRef>
+          <a:effectRef idx="0">
+            <a:schemeClr val="accent1"/>
+          </a:effectRef>
+          <a:fontRef idx="minor">
+            <a:schemeClr val="lt1"/>
+          </a:fontRef>
+        </p:style>
+        <p:txBody>
+          <a:bodyPr rtlCol="0" anchor="ctr"/>
+          <a:lstStyle/>
+          <a:p>
+            <a:pPr algn="ctr"/>
+            <a:r>
+              <a:rPr lang="en-IN" sz="1646" dirty="0"/>
+              <a:t>Latest Video Lectures</a:t>
+            </a:r>
+          </a:p>
+        </p:txBody>
+      </p:sp>
+      <p:sp>
+        <p:nvSpPr>
+          <p:cNvPr id="56" name="Rectangle: Rounded Corners 65">
+            <a:extLst>
+              <a:ext uri="{FF2B5EF4-FFF2-40B4-BE49-F238E27FC236}">
+                <a16:creationId xmlns:a16="http://schemas.microsoft.com/office/drawing/2014/main" id="{ECAAA134-E4C3-BD4D-93D4-F68371FD1869}"/>
+              </a:ext>
+            </a:extLst>
+          </p:cNvPr>
+          <p:cNvSpPr/>
+          <p:nvPr/>
+        </p:nvSpPr>
+        <p:spPr>
+          <a:xfrm>
+            <a:off x="6526879" y="6425365"/>
+            <a:ext cx="2117809" cy="408266"/>
+          </a:xfrm>
+          <a:prstGeom prst="roundRect">
+            <a:avLst/>
+          </a:prstGeom>
+          <a:solidFill>
+            <a:srgbClr val="00B0F0"/>
+          </a:solidFill>
+          <a:ln>
+            <a:solidFill>
+              <a:schemeClr val="accent1">
+                <a:lumMod val="60000"/>
+                <a:lumOff val="40000"/>
+              </a:schemeClr>
+            </a:solidFill>
+          </a:ln>
+        </p:spPr>
+        <p:style>
+          <a:lnRef idx="2">
+            <a:schemeClr val="accent1">
+              <a:shade val="50000"/>
+            </a:schemeClr>
+          </a:lnRef>
+          <a:fillRef idx="1">
+            <a:schemeClr val="accent1"/>
+          </a:fillRef>
+          <a:effectRef idx="0">
+            <a:schemeClr val="accent1"/>
+          </a:effectRef>
+          <a:fontRef idx="minor">
+            <a:schemeClr val="lt1"/>
+          </a:fontRef>
+        </p:style>
+        <p:txBody>
+          <a:bodyPr rtlCol="0" anchor="ctr"/>
+          <a:lstStyle/>
+          <a:p>
+            <a:pPr algn="ctr"/>
+            <a:r>
+              <a:rPr lang="en-IN" sz="1646" dirty="0"/>
+              <a:t>Latest News</a:t>
+            </a:r>
+          </a:p>
+        </p:txBody>
+      </p:sp>
     </p:spTree>
     <p:extLst>
       <p:ext uri="{BB962C8B-B14F-4D97-AF65-F5344CB8AC3E}">
-        <p14:creationId xmlns:p14="http://schemas.microsoft.com/office/powerpoint/2010/main" val="987205845"/>
+        <p14:creationId xmlns:p14="http://schemas.microsoft.com/office/powerpoint/2010/main" val="2583773871"/>
       </p:ext>
     </p:extLst>
   </p:cSld>
@@ -21683,7 +20960,7 @@
 </p:sld>
 </file>
 
-<file path=ppt/slides/slide7.xml><?xml version="1.0" encoding="utf-8"?>
+<file path=ppt/slides/slide8.xml><?xml version="1.0" encoding="utf-8"?>
 <p:sld xmlns:a="http://schemas.openxmlformats.org/drawingml/2006/main" xmlns:r="http://schemas.openxmlformats.org/officeDocument/2006/relationships" xmlns:p="http://schemas.openxmlformats.org/presentationml/2006/main">
   <p:cSld>
     <p:spTree>
@@ -21700,6 +20977,64 @@
           <a:chExt cx="0" cy="0"/>
         </a:xfrm>
       </p:grpSpPr>
+      <p:sp>
+        <p:nvSpPr>
+          <p:cNvPr id="46" name="Rectangle 45">
+            <a:extLst>
+              <a:ext uri="{FF2B5EF4-FFF2-40B4-BE49-F238E27FC236}">
+                <a16:creationId xmlns:a16="http://schemas.microsoft.com/office/drawing/2014/main" id="{FAA97AB4-F0D3-4C89-92BC-3B6B7236B6BA}"/>
+              </a:ext>
+            </a:extLst>
+          </p:cNvPr>
+          <p:cNvSpPr/>
+          <p:nvPr/>
+        </p:nvSpPr>
+        <p:spPr>
+          <a:xfrm>
+            <a:off x="2892117" y="1457412"/>
+            <a:ext cx="9649016" cy="4125962"/>
+          </a:xfrm>
+          <a:prstGeom prst="rect">
+            <a:avLst/>
+          </a:prstGeom>
+          <a:solidFill>
+            <a:srgbClr val="0090AF"/>
+          </a:solidFill>
+          <a:ln>
+            <a:solidFill>
+              <a:srgbClr val="0090AF"/>
+            </a:solidFill>
+          </a:ln>
+        </p:spPr>
+        <p:style>
+          <a:lnRef idx="2">
+            <a:schemeClr val="accent1">
+              <a:shade val="50000"/>
+            </a:schemeClr>
+          </a:lnRef>
+          <a:fillRef idx="1">
+            <a:schemeClr val="accent1"/>
+          </a:fillRef>
+          <a:effectRef idx="0">
+            <a:schemeClr val="accent1"/>
+          </a:effectRef>
+          <a:fontRef idx="minor">
+            <a:schemeClr val="lt1"/>
+          </a:fontRef>
+        </p:style>
+        <p:txBody>
+          <a:bodyPr rot="0" spcFirstLastPara="0" vertOverflow="overflow" horzOverflow="overflow" vert="horz" wrap="square" lIns="83617" tIns="41809" rIns="83617" bIns="41809" numCol="1" spcCol="0" rtlCol="0" fromWordArt="0" anchor="ctr" anchorCtr="0" forceAA="0" compatLnSpc="1">
+            <a:prstTxWarp prst="textNoShape">
+              <a:avLst/>
+            </a:prstTxWarp>
+            <a:noAutofit/>
+          </a:bodyPr>
+          <a:lstStyle/>
+          <a:p>
+            <a:endParaRPr lang="en-US" sz="1400" dirty="0"/>
+          </a:p>
+        </p:txBody>
+      </p:sp>
       <p:sp>
         <p:nvSpPr>
           <p:cNvPr id="118" name="Rectangle 117">
@@ -22256,7 +21591,7 @@
         </p:nvSpPr>
         <p:spPr>
           <a:xfrm>
-            <a:off x="21723" y="1056428"/>
+            <a:off x="21723" y="1039803"/>
             <a:ext cx="2383085" cy="5901493"/>
           </a:xfrm>
           <a:prstGeom prst="rect">
@@ -23075,7 +22410,7 @@
                   </a:schemeClr>
                 </a:solidFill>
               </a:rPr>
-              <a:t>Latest Updates</a:t>
+              <a:t>Latest Documentation</a:t>
             </a:r>
           </a:p>
         </p:txBody>
@@ -23156,36 +22491,152 @@
           </a:p>
         </p:txBody>
       </p:sp>
+      <p:sp>
+        <p:nvSpPr>
+          <p:cNvPr id="2" name="TextBox 1"/>
+          <p:cNvSpPr txBox="1"/>
+          <p:nvPr/>
+        </p:nvSpPr>
+        <p:spPr>
+          <a:xfrm>
+            <a:off x="2975207" y="1643837"/>
+            <a:ext cx="6723530" cy="4524315"/>
+          </a:xfrm>
+          <a:prstGeom prst="rect">
+            <a:avLst/>
+          </a:prstGeom>
+          <a:noFill/>
+        </p:spPr>
+        <p:txBody>
+          <a:bodyPr wrap="square" rtlCol="0">
+            <a:spAutoFit/>
+          </a:bodyPr>
+          <a:lstStyle/>
+          <a:p>
+            <a:r>
+              <a:rPr lang="en-US" sz="1600" b="1" dirty="0">
+                <a:solidFill>
+                  <a:schemeClr val="bg1"/>
+                </a:solidFill>
+              </a:rPr>
+              <a:t>5 Technologies Now Changing Manufacturing</a:t>
+            </a:r>
+          </a:p>
+          <a:p>
+            <a:r>
+              <a:rPr lang="en-US" sz="1600" b="1" dirty="0">
+                <a:solidFill>
+                  <a:schemeClr val="bg1"/>
+                </a:solidFill>
+              </a:rPr>
+              <a:t>These technologies are having a disruptive impact on the factories of the future</a:t>
+            </a:r>
+          </a:p>
+          <a:p>
+            <a:r>
+              <a:rPr lang="en-US" sz="1600" dirty="0">
+                <a:solidFill>
+                  <a:schemeClr val="bg1"/>
+                </a:solidFill>
+              </a:rPr>
+              <a:t>As new technologies start to pervade all areas of our lives, we are beginning to see their application in the manufacturing industry. The German government coined the term ‘Industry 4.0’ which refers to this revolution of manufacturing through technology. While there is certainly some debate around the use of this term – the integration of production methods with the latest developments in computers certainly has the potential to make manufacturing autonomous, cheaper and more efficient. There are lots of ways this could be done, so what can we expect to see in the factory of the future?</a:t>
+            </a:r>
+          </a:p>
+          <a:p>
+            <a:r>
+              <a:rPr lang="en-US" sz="1600" b="1" dirty="0">
+                <a:solidFill>
+                  <a:schemeClr val="bg1"/>
+                </a:solidFill>
+              </a:rPr>
+              <a:t>1) Ultrafast 3D printing</a:t>
+            </a:r>
+            <a:endParaRPr lang="en-US" sz="1600" dirty="0">
+              <a:solidFill>
+                <a:schemeClr val="bg1"/>
+              </a:solidFill>
+            </a:endParaRPr>
+          </a:p>
+          <a:p>
+            <a:r>
+              <a:rPr lang="en-US" sz="1600" dirty="0">
+                <a:solidFill>
+                  <a:schemeClr val="bg1"/>
+                </a:solidFill>
+              </a:rPr>
+              <a:t>Up until now, 3D printing has had limited applications in the manufacture of plastics. Making plastic layer by layer is a time consuming and expensive process compared to traditional techniques like injection </a:t>
+            </a:r>
+            <a:r>
+              <a:rPr lang="en-US" sz="1600" dirty="0" err="1">
+                <a:solidFill>
+                  <a:schemeClr val="bg1"/>
+                </a:solidFill>
+              </a:rPr>
+              <a:t>moulding</a:t>
+            </a:r>
+            <a:r>
+              <a:rPr lang="en-US" sz="1600" dirty="0">
+                <a:solidFill>
+                  <a:schemeClr val="bg1"/>
+                </a:solidFill>
+              </a:rPr>
+              <a:t>. However, Neil Hopkinson of the University of Sheffield has been working on a 3D printing technique which will make it economically viable to mass print plastic objects on a huge scale. </a:t>
+            </a:r>
+            <a:endParaRPr lang="en-IN" sz="1600" dirty="0">
+              <a:solidFill>
+                <a:schemeClr val="bg1"/>
+              </a:solidFill>
+            </a:endParaRPr>
+          </a:p>
+        </p:txBody>
+      </p:sp>
       <p:pic>
         <p:nvPicPr>
-          <p:cNvPr id="3" name="Picture 2"/>
+          <p:cNvPr id="1028" name="Picture 4" descr="Image result for 3d printing"/>
           <p:cNvPicPr>
-            <a:picLocks noChangeAspect="1"/>
+            <a:picLocks noChangeAspect="1" noChangeArrowheads="1"/>
           </p:cNvPicPr>
           <p:nvPr/>
         </p:nvPicPr>
         <p:blipFill>
-          <a:blip r:embed="rId11"/>
+          <a:blip r:embed="rId11" cstate="hqprint">
+            <a:extLst>
+              <a:ext uri="{28A0092B-C50C-407E-A947-70E740481C1C}">
+                <a14:useLocalDpi xmlns:a14="http://schemas.microsoft.com/office/drawing/2010/main" val="0"/>
+              </a:ext>
+            </a:extLst>
+          </a:blip>
+          <a:srcRect/>
           <a:stretch>
             <a:fillRect/>
           </a:stretch>
         </p:blipFill>
-        <p:spPr>
-          <a:xfrm>
-            <a:off x="2500152" y="1385629"/>
-            <a:ext cx="10409908" cy="4438291"/>
+        <p:spPr bwMode="auto">
+          <a:xfrm>
+            <a:off x="9698737" y="3011971"/>
+            <a:ext cx="2690413" cy="1875913"/>
           </a:xfrm>
           <a:prstGeom prst="rect">
             <a:avLst/>
           </a:prstGeom>
+          <a:noFill/>
+          <a:extLst>
+            <a:ext uri="{909E8E84-426E-40DD-AFC4-6F175D3DCCD1}">
+              <a14:hiddenFill xmlns:a14="http://schemas.microsoft.com/office/drawing/2010/main">
+                <a:solidFill>
+                  <a:srgbClr val="FFFFFF"/>
+                </a:solidFill>
+              </a14:hiddenFill>
+            </a:ext>
+          </a:extLst>
         </p:spPr>
       </p:pic>
       <p:sp>
         <p:nvSpPr>
-          <p:cNvPr id="50" name="Rectangle: Rounded Corners 65">
-            <a:extLst>
-              <a:ext uri="{FF2B5EF4-FFF2-40B4-BE49-F238E27FC236}">
-                <a16:creationId xmlns:a16="http://schemas.microsoft.com/office/drawing/2014/main" id="{05EAECDE-3B6D-E24E-8243-B8611089B202}"/>
+          <p:cNvPr id="47" name="Rectangle: Rounded Corners 65">
+            <a:extLst>
+              <a:ext uri="{FF2B5EF4-FFF2-40B4-BE49-F238E27FC236}">
+                <a16:creationId xmlns:a16="http://schemas.microsoft.com/office/drawing/2014/main" id="{AEEF35AC-A77C-EA4D-9F33-B73848EADA0A}"/>
               </a:ext>
             </a:extLst>
           </p:cNvPr>
@@ -23194,14 +22645,14 @@
         </p:nvSpPr>
         <p:spPr>
           <a:xfrm>
-            <a:off x="8766189" y="6217023"/>
-            <a:ext cx="1813374" cy="443272"/>
+            <a:off x="2985365" y="5734619"/>
+            <a:ext cx="6006235" cy="794710"/>
           </a:xfrm>
           <a:prstGeom prst="roundRect">
             <a:avLst/>
           </a:prstGeom>
           <a:solidFill>
-            <a:srgbClr val="00B0F0"/>
+            <a:schemeClr val="bg1"/>
           </a:solidFill>
           <a:ln>
             <a:solidFill>
@@ -23234,18 +22685,25 @@
           <a:p>
             <a:pPr algn="ctr"/>
             <a:r>
-              <a:rPr lang="en-IN" sz="1646" dirty="0"/>
-              <a:t>Documentation</a:t>
+              <a:rPr lang="en-IN" sz="1646" dirty="0">
+                <a:solidFill>
+                  <a:schemeClr val="accent1">
+                    <a:lumMod val="60000"/>
+                    <a:lumOff val="40000"/>
+                  </a:schemeClr>
+                </a:solidFill>
+              </a:rPr>
+              <a:t>Enter Data Here</a:t>
             </a:r>
           </a:p>
         </p:txBody>
       </p:sp>
       <p:sp>
         <p:nvSpPr>
-          <p:cNvPr id="52" name="Rectangle: Rounded Corners 65">
-            <a:extLst>
-              <a:ext uri="{FF2B5EF4-FFF2-40B4-BE49-F238E27FC236}">
-                <a16:creationId xmlns:a16="http://schemas.microsoft.com/office/drawing/2014/main" id="{05EAECDE-3B6D-E24E-8243-B8611089B202}"/>
+          <p:cNvPr id="48" name="Rectangle: Rounded Corners 65">
+            <a:extLst>
+              <a:ext uri="{FF2B5EF4-FFF2-40B4-BE49-F238E27FC236}">
+                <a16:creationId xmlns:a16="http://schemas.microsoft.com/office/drawing/2014/main" id="{BA17905F-BDB6-624B-B260-E1CAC961F37F}"/>
               </a:ext>
             </a:extLst>
           </p:cNvPr>
@@ -23254,8 +22712,8 @@
         </p:nvSpPr>
         <p:spPr>
           <a:xfrm>
-            <a:off x="3414260" y="6213034"/>
-            <a:ext cx="2103150" cy="443272"/>
+            <a:off x="9176023" y="5794584"/>
+            <a:ext cx="1978473" cy="426227"/>
           </a:xfrm>
           <a:prstGeom prst="roundRect">
             <a:avLst/>
@@ -23295,17 +22753,17 @@
             <a:pPr algn="ctr"/>
             <a:r>
               <a:rPr lang="en-IN" sz="1646" dirty="0"/>
-              <a:t>Latest Video Lectures</a:t>
+              <a:t>Submit</a:t>
             </a:r>
           </a:p>
         </p:txBody>
       </p:sp>
       <p:sp>
         <p:nvSpPr>
-          <p:cNvPr id="46" name="Rectangle: Rounded Corners 65">
-            <a:extLst>
-              <a:ext uri="{FF2B5EF4-FFF2-40B4-BE49-F238E27FC236}">
-                <a16:creationId xmlns:a16="http://schemas.microsoft.com/office/drawing/2014/main" id="{9EBD2B64-F4F3-5C41-B66E-9D2A200DA7DA}"/>
+          <p:cNvPr id="49" name="Rectangle: Rounded Corners 65">
+            <a:extLst>
+              <a:ext uri="{FF2B5EF4-FFF2-40B4-BE49-F238E27FC236}">
+                <a16:creationId xmlns:a16="http://schemas.microsoft.com/office/drawing/2014/main" id="{6188FD5D-1DFF-C04B-97C8-1E8AA05A019E}"/>
               </a:ext>
             </a:extLst>
           </p:cNvPr>
@@ -23313,9 +22771,9 @@
           <p:nvPr/>
         </p:nvSpPr>
         <p:spPr>
-          <a:xfrm>
-            <a:off x="5924069" y="6213034"/>
-            <a:ext cx="2103150" cy="443272"/>
+          <a:xfrm rot="5400000">
+            <a:off x="10622240" y="3376305"/>
+            <a:ext cx="4125962" cy="288176"/>
           </a:xfrm>
           <a:prstGeom prst="roundRect">
             <a:avLst/>
@@ -23355,6 +22813,186 @@
             <a:pPr algn="ctr"/>
             <a:r>
               <a:rPr lang="en-IN" sz="1646" dirty="0"/>
+              <a:t>Slider</a:t>
+            </a:r>
+          </a:p>
+        </p:txBody>
+      </p:sp>
+      <p:sp>
+        <p:nvSpPr>
+          <p:cNvPr id="56" name="Rectangle: Rounded Corners 65">
+            <a:extLst>
+              <a:ext uri="{FF2B5EF4-FFF2-40B4-BE49-F238E27FC236}">
+                <a16:creationId xmlns:a16="http://schemas.microsoft.com/office/drawing/2014/main" id="{7B4D125D-3AC0-014B-AB27-D078E9CE3428}"/>
+              </a:ext>
+            </a:extLst>
+          </p:cNvPr>
+          <p:cNvSpPr/>
+          <p:nvPr/>
+        </p:nvSpPr>
+        <p:spPr>
+          <a:xfrm>
+            <a:off x="8709019" y="6767056"/>
+            <a:ext cx="2117809" cy="425769"/>
+          </a:xfrm>
+          <a:prstGeom prst="roundRect">
+            <a:avLst/>
+          </a:prstGeom>
+          <a:solidFill>
+            <a:srgbClr val="00B0F0"/>
+          </a:solidFill>
+          <a:ln>
+            <a:solidFill>
+              <a:schemeClr val="accent1">
+                <a:lumMod val="60000"/>
+                <a:lumOff val="40000"/>
+              </a:schemeClr>
+            </a:solidFill>
+          </a:ln>
+        </p:spPr>
+        <p:style>
+          <a:lnRef idx="2">
+            <a:schemeClr val="accent1">
+              <a:shade val="50000"/>
+            </a:schemeClr>
+          </a:lnRef>
+          <a:fillRef idx="1">
+            <a:schemeClr val="accent1"/>
+          </a:fillRef>
+          <a:effectRef idx="0">
+            <a:schemeClr val="accent1"/>
+          </a:effectRef>
+          <a:fontRef idx="minor">
+            <a:schemeClr val="lt1"/>
+          </a:fontRef>
+        </p:style>
+        <p:txBody>
+          <a:bodyPr rtlCol="0" anchor="ctr"/>
+          <a:lstStyle/>
+          <a:p>
+            <a:pPr algn="ctr"/>
+            <a:r>
+              <a:rPr lang="en-IN" sz="1646" dirty="0"/>
+              <a:t>Documentation</a:t>
+            </a:r>
+          </a:p>
+        </p:txBody>
+      </p:sp>
+      <p:sp>
+        <p:nvSpPr>
+          <p:cNvPr id="57" name="Rectangle: Rounded Corners 65">
+            <a:extLst>
+              <a:ext uri="{FF2B5EF4-FFF2-40B4-BE49-F238E27FC236}">
+                <a16:creationId xmlns:a16="http://schemas.microsoft.com/office/drawing/2014/main" id="{17644E10-E34A-8E44-BD35-8B6D8D1FEDF6}"/>
+              </a:ext>
+            </a:extLst>
+          </p:cNvPr>
+          <p:cNvSpPr/>
+          <p:nvPr/>
+        </p:nvSpPr>
+        <p:spPr>
+          <a:xfrm>
+            <a:off x="3704060" y="6748566"/>
+            <a:ext cx="2103150" cy="404368"/>
+          </a:xfrm>
+          <a:prstGeom prst="roundRect">
+            <a:avLst/>
+          </a:prstGeom>
+          <a:solidFill>
+            <a:srgbClr val="00B0F0"/>
+          </a:solidFill>
+          <a:ln>
+            <a:solidFill>
+              <a:schemeClr val="accent1">
+                <a:lumMod val="60000"/>
+                <a:lumOff val="40000"/>
+              </a:schemeClr>
+            </a:solidFill>
+          </a:ln>
+        </p:spPr>
+        <p:style>
+          <a:lnRef idx="2">
+            <a:schemeClr val="accent1">
+              <a:shade val="50000"/>
+            </a:schemeClr>
+          </a:lnRef>
+          <a:fillRef idx="1">
+            <a:schemeClr val="accent1"/>
+          </a:fillRef>
+          <a:effectRef idx="0">
+            <a:schemeClr val="accent1"/>
+          </a:effectRef>
+          <a:fontRef idx="minor">
+            <a:schemeClr val="lt1"/>
+          </a:fontRef>
+        </p:style>
+        <p:txBody>
+          <a:bodyPr rtlCol="0" anchor="ctr"/>
+          <a:lstStyle/>
+          <a:p>
+            <a:pPr algn="ctr"/>
+            <a:r>
+              <a:rPr lang="en-IN" sz="1646" dirty="0"/>
+              <a:t>Latest Video Lectures</a:t>
+            </a:r>
+          </a:p>
+        </p:txBody>
+      </p:sp>
+      <p:sp>
+        <p:nvSpPr>
+          <p:cNvPr id="58" name="Rectangle: Rounded Corners 65">
+            <a:extLst>
+              <a:ext uri="{FF2B5EF4-FFF2-40B4-BE49-F238E27FC236}">
+                <a16:creationId xmlns:a16="http://schemas.microsoft.com/office/drawing/2014/main" id="{11BF04B4-6F6D-ED45-9DC6-15B1E9A5F4A4}"/>
+              </a:ext>
+            </a:extLst>
+          </p:cNvPr>
+          <p:cNvSpPr/>
+          <p:nvPr/>
+        </p:nvSpPr>
+        <p:spPr>
+          <a:xfrm>
+            <a:off x="6199210" y="6767056"/>
+            <a:ext cx="2117809" cy="408266"/>
+          </a:xfrm>
+          <a:prstGeom prst="roundRect">
+            <a:avLst/>
+          </a:prstGeom>
+          <a:solidFill>
+            <a:srgbClr val="00B0F0"/>
+          </a:solidFill>
+          <a:ln>
+            <a:solidFill>
+              <a:schemeClr val="accent1">
+                <a:lumMod val="60000"/>
+                <a:lumOff val="40000"/>
+              </a:schemeClr>
+            </a:solidFill>
+          </a:ln>
+        </p:spPr>
+        <p:style>
+          <a:lnRef idx="2">
+            <a:schemeClr val="accent1">
+              <a:shade val="50000"/>
+            </a:schemeClr>
+          </a:lnRef>
+          <a:fillRef idx="1">
+            <a:schemeClr val="accent1"/>
+          </a:fillRef>
+          <a:effectRef idx="0">
+            <a:schemeClr val="accent1"/>
+          </a:effectRef>
+          <a:fontRef idx="minor">
+            <a:schemeClr val="lt1"/>
+          </a:fontRef>
+        </p:style>
+        <p:txBody>
+          <a:bodyPr rtlCol="0" anchor="ctr"/>
+          <a:lstStyle/>
+          <a:p>
+            <a:pPr algn="ctr"/>
+            <a:r>
+              <a:rPr lang="en-IN" sz="1646" dirty="0"/>
               <a:t>Latest News</a:t>
             </a:r>
           </a:p>
@@ -23363,7 +23001,7 @@
     </p:spTree>
     <p:extLst>
       <p:ext uri="{BB962C8B-B14F-4D97-AF65-F5344CB8AC3E}">
-        <p14:creationId xmlns:p14="http://schemas.microsoft.com/office/powerpoint/2010/main" val="92813288"/>
+        <p14:creationId xmlns:p14="http://schemas.microsoft.com/office/powerpoint/2010/main" val="3392063544"/>
       </p:ext>
     </p:extLst>
   </p:cSld>
@@ -23373,7 +23011,7 @@
 </p:sld>
 </file>
 
-<file path=ppt/slides/slide8.xml><?xml version="1.0" encoding="utf-8"?>
+<file path=ppt/slides/slide9.xml><?xml version="1.0" encoding="utf-8"?>
 <p:sld xmlns:a="http://schemas.openxmlformats.org/drawingml/2006/main" xmlns:r="http://schemas.openxmlformats.org/officeDocument/2006/relationships" xmlns:p="http://schemas.openxmlformats.org/presentationml/2006/main">
   <p:cSld>
     <p:spTree>
@@ -23390,68 +23028,6 @@
           <a:chExt cx="0" cy="0"/>
         </a:xfrm>
       </p:grpSpPr>
-      <p:sp>
-        <p:nvSpPr>
-          <p:cNvPr id="46" name="Rectangle 45">
-            <a:extLst>
-              <a:ext uri="{FF2B5EF4-FFF2-40B4-BE49-F238E27FC236}">
-                <a16:creationId xmlns:a16="http://schemas.microsoft.com/office/drawing/2014/main" id="{FAA97AB4-F0D3-4C89-92BC-3B6B7236B6BA}"/>
-              </a:ext>
-            </a:extLst>
-          </p:cNvPr>
-          <p:cNvSpPr/>
-          <p:nvPr/>
-        </p:nvSpPr>
-        <p:spPr>
-          <a:xfrm>
-            <a:off x="3065051" y="1421442"/>
-            <a:ext cx="9280109" cy="4687528"/>
-          </a:xfrm>
-          <a:prstGeom prst="rect">
-            <a:avLst/>
-          </a:prstGeom>
-          <a:solidFill>
-            <a:srgbClr val="0090AF"/>
-          </a:solidFill>
-          <a:ln>
-            <a:solidFill>
-              <a:srgbClr val="0090AF"/>
-            </a:solidFill>
-          </a:ln>
-        </p:spPr>
-        <p:style>
-          <a:lnRef idx="2">
-            <a:schemeClr val="accent1">
-              <a:shade val="50000"/>
-            </a:schemeClr>
-          </a:lnRef>
-          <a:fillRef idx="1">
-            <a:schemeClr val="accent1"/>
-          </a:fillRef>
-          <a:effectRef idx="0">
-            <a:schemeClr val="accent1"/>
-          </a:effectRef>
-          <a:fontRef idx="minor">
-            <a:schemeClr val="lt1"/>
-          </a:fontRef>
-        </p:style>
-        <p:txBody>
-          <a:bodyPr rot="0" spcFirstLastPara="0" vertOverflow="overflow" horzOverflow="overflow" vert="horz" wrap="square" lIns="83617" tIns="41809" rIns="83617" bIns="41809" numCol="1" spcCol="0" rtlCol="0" fromWordArt="0" anchor="ctr" anchorCtr="0" forceAA="0" compatLnSpc="1">
-            <a:prstTxWarp prst="textNoShape">
-              <a:avLst/>
-            </a:prstTxWarp>
-            <a:noAutofit/>
-          </a:bodyPr>
-          <a:lstStyle/>
-          <a:p>
-            <a:endParaRPr lang="en-IN" dirty="0">
-              <a:solidFill>
-                <a:schemeClr val="bg1"/>
-              </a:solidFill>
-            </a:endParaRPr>
-          </a:p>
-        </p:txBody>
-      </p:sp>
       <p:sp>
         <p:nvSpPr>
           <p:cNvPr id="118" name="Rectangle 117">
@@ -24008,7 +23584,7 @@
         </p:nvSpPr>
         <p:spPr>
           <a:xfrm>
-            <a:off x="5098" y="1056428"/>
+            <a:off x="-2839" y="1026094"/>
             <a:ext cx="2383085" cy="5901493"/>
           </a:xfrm>
           <a:prstGeom prst="rect">
@@ -24717,7 +24293,7 @@
         </p:blipFill>
         <p:spPr>
           <a:xfrm>
-            <a:off x="5937385" y="48569"/>
+            <a:off x="5626133" y="117882"/>
             <a:ext cx="2089834" cy="743863"/>
           </a:xfrm>
           <a:prstGeom prst="rect">
@@ -24792,152 +24368,31 @@
       </p:pic>
       <p:sp>
         <p:nvSpPr>
-          <p:cNvPr id="39" name="TextBox 38">
-            <a:extLst>
-              <a:ext uri="{FF2B5EF4-FFF2-40B4-BE49-F238E27FC236}">
-                <a16:creationId xmlns:a16="http://schemas.microsoft.com/office/drawing/2014/main" id="{BC70D7A2-3E35-CA4B-AE30-78E358032325}"/>
-              </a:ext>
-            </a:extLst>
-          </p:cNvPr>
-          <p:cNvSpPr txBox="1"/>
-          <p:nvPr/>
-        </p:nvSpPr>
-        <p:spPr>
-          <a:xfrm>
-            <a:off x="2975207" y="961509"/>
-            <a:ext cx="8014191" cy="430887"/>
+          <p:cNvPr id="38" name="Rectangle 37">
+            <a:extLst>
+              <a:ext uri="{FF2B5EF4-FFF2-40B4-BE49-F238E27FC236}">
+                <a16:creationId xmlns:a16="http://schemas.microsoft.com/office/drawing/2014/main" id="{30028716-C2BF-5A46-ADDC-B7D95A809ECA}"/>
+              </a:ext>
+            </a:extLst>
+          </p:cNvPr>
+          <p:cNvSpPr/>
+          <p:nvPr/>
+        </p:nvSpPr>
+        <p:spPr>
+          <a:xfrm>
+            <a:off x="2759074" y="1071416"/>
+            <a:ext cx="9833410" cy="5825124"/>
           </a:xfrm>
           <a:prstGeom prst="rect">
             <a:avLst/>
           </a:prstGeom>
-          <a:noFill/>
-        </p:spPr>
-        <p:txBody>
-          <a:bodyPr wrap="square" rtlCol="0">
-            <a:spAutoFit/>
-          </a:bodyPr>
-          <a:lstStyle/>
-          <a:p>
-            <a:pPr algn="ctr"/>
-            <a:r>
-              <a:rPr lang="en-IN" sz="2200" dirty="0">
-                <a:solidFill>
-                  <a:schemeClr val="bg2">
-                    <a:lumMod val="50000"/>
-                  </a:schemeClr>
-                </a:solidFill>
-              </a:rPr>
-              <a:t>Latest Video Lectures : HARDCODE</a:t>
-            </a:r>
-          </a:p>
-        </p:txBody>
-      </p:sp>
-      <p:pic>
-        <p:nvPicPr>
-          <p:cNvPr id="44" name="Picture 43">
-            <a:extLst>
-              <a:ext uri="{FF2B5EF4-FFF2-40B4-BE49-F238E27FC236}">
-                <a16:creationId xmlns:a16="http://schemas.microsoft.com/office/drawing/2014/main" id="{C84DA818-07F7-3C49-8665-28FBED243475}"/>
-              </a:ext>
-            </a:extLst>
-          </p:cNvPr>
-          <p:cNvPicPr>
-            <a:picLocks noChangeAspect="1"/>
-          </p:cNvPicPr>
-          <p:nvPr/>
-        </p:nvPicPr>
-        <p:blipFill>
-          <a:blip r:embed="rId7" cstate="hqprint">
-            <a:lum bright="70000" contrast="-70000"/>
-            <a:extLst>
-              <a:ext uri="{28A0092B-C50C-407E-A947-70E740481C1C}">
-                <a14:useLocalDpi xmlns:a14="http://schemas.microsoft.com/office/drawing/2010/main" val="0"/>
-              </a:ext>
-            </a:extLst>
-          </a:blip>
-          <a:stretch>
-            <a:fillRect/>
-          </a:stretch>
-        </p:blipFill>
-        <p:spPr>
-          <a:xfrm>
-            <a:off x="155418" y="5245759"/>
-            <a:ext cx="351932" cy="342369"/>
-          </a:xfrm>
-          <a:prstGeom prst="rect">
-            <a:avLst/>
-          </a:prstGeom>
-        </p:spPr>
-      </p:pic>
-      <p:sp>
-        <p:nvSpPr>
-          <p:cNvPr id="45" name="TextBox 44">
-            <a:extLst>
-              <a:ext uri="{FF2B5EF4-FFF2-40B4-BE49-F238E27FC236}">
-                <a16:creationId xmlns:a16="http://schemas.microsoft.com/office/drawing/2014/main" id="{2DF43A07-FAF5-B646-88CD-2F283F8D3FE4}"/>
-              </a:ext>
-            </a:extLst>
-          </p:cNvPr>
-          <p:cNvSpPr txBox="1"/>
-          <p:nvPr/>
-        </p:nvSpPr>
-        <p:spPr>
-          <a:xfrm>
-            <a:off x="556190" y="5294064"/>
-            <a:ext cx="1809736" cy="289310"/>
-          </a:xfrm>
-          <a:prstGeom prst="rect">
-            <a:avLst/>
-          </a:prstGeom>
-          <a:noFill/>
-        </p:spPr>
-        <p:txBody>
-          <a:bodyPr wrap="square" rtlCol="0">
-            <a:spAutoFit/>
-          </a:bodyPr>
-          <a:lstStyle/>
-          <a:p>
-            <a:r>
-              <a:rPr lang="en-IN" sz="1280" dirty="0">
-                <a:solidFill>
-                  <a:schemeClr val="bg1"/>
-                </a:solidFill>
-              </a:rPr>
-              <a:t>Latest Updates</a:t>
-            </a:r>
-          </a:p>
-        </p:txBody>
-      </p:sp>
-      <p:sp>
-        <p:nvSpPr>
-          <p:cNvPr id="50" name="Rectangle: Rounded Corners 65">
-            <a:extLst>
-              <a:ext uri="{FF2B5EF4-FFF2-40B4-BE49-F238E27FC236}">
-                <a16:creationId xmlns:a16="http://schemas.microsoft.com/office/drawing/2014/main" id="{05EAECDE-3B6D-E24E-8243-B8611089B202}"/>
-              </a:ext>
-            </a:extLst>
-          </p:cNvPr>
-          <p:cNvSpPr/>
-          <p:nvPr/>
-        </p:nvSpPr>
-        <p:spPr>
-          <a:xfrm>
-            <a:off x="9147473" y="6448387"/>
-            <a:ext cx="1813374" cy="443272"/>
-          </a:xfrm>
-          <a:prstGeom prst="roundRect">
-            <a:avLst/>
-          </a:prstGeom>
           <a:solidFill>
-            <a:srgbClr val="00B0F0"/>
+            <a:schemeClr val="bg2">
+              <a:alpha val="15000"/>
+            </a:schemeClr>
           </a:solidFill>
           <a:ln>
-            <a:solidFill>
-              <a:schemeClr val="accent1">
-                <a:lumMod val="60000"/>
-                <a:lumOff val="40000"/>
-              </a:schemeClr>
-            </a:solidFill>
+            <a:noFill/>
           </a:ln>
         </p:spPr>
         <p:style>
@@ -24960,20 +24415,62 @@
           <a:bodyPr rtlCol="0" anchor="ctr"/>
           <a:lstStyle/>
           <a:p>
+            <a:pPr marL="285750" indent="-285750" algn="ctr">
+              <a:buFont typeface="Arial" panose="020B0604020202020204" pitchFamily="34" charset="0"/>
+              <a:buChar char="•"/>
+            </a:pPr>
+            <a:endParaRPr lang="en-IN" sz="1646" dirty="0"/>
+          </a:p>
+        </p:txBody>
+      </p:sp>
+      <p:sp>
+        <p:nvSpPr>
+          <p:cNvPr id="39" name="TextBox 38">
+            <a:extLst>
+              <a:ext uri="{FF2B5EF4-FFF2-40B4-BE49-F238E27FC236}">
+                <a16:creationId xmlns:a16="http://schemas.microsoft.com/office/drawing/2014/main" id="{BC70D7A2-3E35-CA4B-AE30-78E358032325}"/>
+              </a:ext>
+            </a:extLst>
+          </p:cNvPr>
+          <p:cNvSpPr txBox="1"/>
+          <p:nvPr/>
+        </p:nvSpPr>
+        <p:spPr>
+          <a:xfrm>
+            <a:off x="2975207" y="1322878"/>
+            <a:ext cx="8014191" cy="430887"/>
+          </a:xfrm>
+          <a:prstGeom prst="rect">
+            <a:avLst/>
+          </a:prstGeom>
+          <a:noFill/>
+        </p:spPr>
+        <p:txBody>
+          <a:bodyPr wrap="square" rtlCol="0">
+            <a:spAutoFit/>
+          </a:bodyPr>
+          <a:lstStyle/>
+          <a:p>
             <a:pPr algn="ctr"/>
             <a:r>
-              <a:rPr lang="en-IN" sz="1646" dirty="0"/>
-              <a:t>Documentation</a:t>
+              <a:rPr lang="en-IN" sz="2200" b="1" dirty="0">
+                <a:solidFill>
+                  <a:schemeClr val="bg2">
+                    <a:lumMod val="50000"/>
+                  </a:schemeClr>
+                </a:solidFill>
+              </a:rPr>
+              <a:t>Alert Trainee</a:t>
             </a:r>
           </a:p>
         </p:txBody>
       </p:sp>
       <p:sp>
         <p:nvSpPr>
-          <p:cNvPr id="52" name="Rectangle: Rounded Corners 65">
-            <a:extLst>
-              <a:ext uri="{FF2B5EF4-FFF2-40B4-BE49-F238E27FC236}">
-                <a16:creationId xmlns:a16="http://schemas.microsoft.com/office/drawing/2014/main" id="{05EAECDE-3B6D-E24E-8243-B8611089B202}"/>
+          <p:cNvPr id="40" name="Rectangle 39">
+            <a:extLst>
+              <a:ext uri="{FF2B5EF4-FFF2-40B4-BE49-F238E27FC236}">
+                <a16:creationId xmlns:a16="http://schemas.microsoft.com/office/drawing/2014/main" id="{5CCF21A6-3573-F543-95AF-2A9029C46D51}"/>
               </a:ext>
             </a:extLst>
           </p:cNvPr>
@@ -24982,22 +24479,17 @@
         </p:nvSpPr>
         <p:spPr>
           <a:xfrm>
-            <a:off x="3438710" y="6464213"/>
-            <a:ext cx="2103150" cy="443272"/>
-          </a:xfrm>
-          <a:prstGeom prst="roundRect">
+            <a:off x="2921199" y="2069138"/>
+            <a:ext cx="8835437" cy="694077"/>
+          </a:xfrm>
+          <a:prstGeom prst="rect">
             <a:avLst/>
           </a:prstGeom>
           <a:solidFill>
-            <a:srgbClr val="00B0F0"/>
+            <a:schemeClr val="bg1"/>
           </a:solidFill>
           <a:ln>
-            <a:solidFill>
-              <a:schemeClr val="accent1">
-                <a:lumMod val="60000"/>
-                <a:lumOff val="40000"/>
-              </a:schemeClr>
-            </a:solidFill>
+            <a:noFill/>
           </a:ln>
         </p:spPr>
         <p:style>
@@ -25023,92 +24515,36 @@
             <a:pPr algn="ctr"/>
             <a:r>
               <a:rPr lang="en-IN" sz="1646" dirty="0"/>
-              <a:t>Latest News</a:t>
+              <a:t>E</a:t>
             </a:r>
           </a:p>
         </p:txBody>
       </p:sp>
-      <p:pic>
-        <p:nvPicPr>
-          <p:cNvPr id="4" name="Picture 3"/>
-          <p:cNvPicPr>
-            <a:picLocks noChangeAspect="1"/>
-          </p:cNvPicPr>
-          <p:nvPr/>
-        </p:nvPicPr>
-        <p:blipFill>
-          <a:blip r:embed="rId11"/>
-          <a:stretch>
-            <a:fillRect/>
-          </a:stretch>
-        </p:blipFill>
-        <p:spPr>
-          <a:xfrm>
-            <a:off x="3665817" y="1814571"/>
-            <a:ext cx="8090819" cy="4010025"/>
+      <p:sp>
+        <p:nvSpPr>
+          <p:cNvPr id="41" name="Rectangle 40">
+            <a:extLst>
+              <a:ext uri="{FF2B5EF4-FFF2-40B4-BE49-F238E27FC236}">
+                <a16:creationId xmlns:a16="http://schemas.microsoft.com/office/drawing/2014/main" id="{5CCF21A6-3573-F543-95AF-2A9029C46D51}"/>
+              </a:ext>
+            </a:extLst>
+          </p:cNvPr>
+          <p:cNvSpPr/>
+          <p:nvPr/>
+        </p:nvSpPr>
+        <p:spPr>
+          <a:xfrm>
+            <a:off x="2921289" y="1995623"/>
+            <a:ext cx="8835437" cy="694077"/>
           </a:xfrm>
           <a:prstGeom prst="rect">
             <a:avLst/>
           </a:prstGeom>
-        </p:spPr>
-      </p:pic>
-    </p:spTree>
-    <p:extLst>
-      <p:ext uri="{BB962C8B-B14F-4D97-AF65-F5344CB8AC3E}">
-        <p14:creationId xmlns:p14="http://schemas.microsoft.com/office/powerpoint/2010/main" val="2583773871"/>
-      </p:ext>
-    </p:extLst>
-  </p:cSld>
-  <p:clrMapOvr>
-    <a:masterClrMapping/>
-  </p:clrMapOvr>
-</p:sld>
-</file>
-
-<file path=ppt/slides/slide9.xml><?xml version="1.0" encoding="utf-8"?>
-<p:sld xmlns:a="http://schemas.openxmlformats.org/drawingml/2006/main" xmlns:r="http://schemas.openxmlformats.org/officeDocument/2006/relationships" xmlns:p="http://schemas.openxmlformats.org/presentationml/2006/main">
-  <p:cSld>
-    <p:spTree>
-      <p:nvGrpSpPr>
-        <p:cNvPr id="1" name=""/>
-        <p:cNvGrpSpPr/>
-        <p:nvPr/>
-      </p:nvGrpSpPr>
-      <p:grpSpPr>
-        <a:xfrm>
-          <a:off x="0" y="0"/>
-          <a:ext cx="0" cy="0"/>
-          <a:chOff x="0" y="0"/>
-          <a:chExt cx="0" cy="0"/>
-        </a:xfrm>
-      </p:grpSpPr>
-      <p:sp>
-        <p:nvSpPr>
-          <p:cNvPr id="46" name="Rectangle 45">
-            <a:extLst>
-              <a:ext uri="{FF2B5EF4-FFF2-40B4-BE49-F238E27FC236}">
-                <a16:creationId xmlns:a16="http://schemas.microsoft.com/office/drawing/2014/main" id="{FAA97AB4-F0D3-4C89-92BC-3B6B7236B6BA}"/>
-              </a:ext>
-            </a:extLst>
-          </p:cNvPr>
-          <p:cNvSpPr/>
-          <p:nvPr/>
-        </p:nvSpPr>
-        <p:spPr>
-          <a:xfrm>
-            <a:off x="2892117" y="1457412"/>
-            <a:ext cx="9649016" cy="4125962"/>
-          </a:xfrm>
-          <a:prstGeom prst="rect">
-            <a:avLst/>
-          </a:prstGeom>
           <a:solidFill>
-            <a:srgbClr val="0090AF"/>
+            <a:schemeClr val="bg1"/>
           </a:solidFill>
           <a:ln>
-            <a:solidFill>
-              <a:srgbClr val="0090AF"/>
-            </a:solidFill>
+            <a:noFill/>
           </a:ln>
         </p:spPr>
         <p:style>
@@ -25128,24 +24564,23 @@
           </a:fontRef>
         </p:style>
         <p:txBody>
-          <a:bodyPr rot="0" spcFirstLastPara="0" vertOverflow="overflow" horzOverflow="overflow" vert="horz" wrap="square" lIns="83617" tIns="41809" rIns="83617" bIns="41809" numCol="1" spcCol="0" rtlCol="0" fromWordArt="0" anchor="ctr" anchorCtr="0" forceAA="0" compatLnSpc="1">
-            <a:prstTxWarp prst="textNoShape">
-              <a:avLst/>
-            </a:prstTxWarp>
-            <a:noAutofit/>
-          </a:bodyPr>
-          <a:lstStyle/>
-          <a:p>
-            <a:endParaRPr lang="en-US" sz="1400" dirty="0"/>
-          </a:p>
-        </p:txBody>
-      </p:sp>
-      <p:sp>
-        <p:nvSpPr>
-          <p:cNvPr id="118" name="Rectangle 117">
-            <a:extLst>
-              <a:ext uri="{FF2B5EF4-FFF2-40B4-BE49-F238E27FC236}">
-                <a16:creationId xmlns:a16="http://schemas.microsoft.com/office/drawing/2014/main" id="{475830A1-614D-43BE-8051-411479A714E7}"/>
+          <a:bodyPr rtlCol="0" anchor="ctr"/>
+          <a:lstStyle/>
+          <a:p>
+            <a:pPr algn="ctr"/>
+            <a:r>
+              <a:rPr lang="en-IN" sz="1646" dirty="0"/>
+              <a:t>E</a:t>
+            </a:r>
+          </a:p>
+        </p:txBody>
+      </p:sp>
+      <p:sp>
+        <p:nvSpPr>
+          <p:cNvPr id="43" name="Rectangle: Rounded Corners 55">
+            <a:extLst>
+              <a:ext uri="{FF2B5EF4-FFF2-40B4-BE49-F238E27FC236}">
+                <a16:creationId xmlns:a16="http://schemas.microsoft.com/office/drawing/2014/main" id="{1A549288-70C2-FA4A-B20B-0E47D8136C14}"/>
               </a:ext>
             </a:extLst>
           </p:cNvPr>
@@ -25154,15 +24589,21 @@
         </p:nvSpPr>
         <p:spPr>
           <a:xfrm>
-            <a:off x="977143" y="6871248"/>
-            <a:ext cx="11148938" cy="1358352"/>
-          </a:xfrm>
-          <a:prstGeom prst="rect">
-            <a:avLst/>
-          </a:prstGeom>
-          <a:noFill/>
+            <a:off x="5322542" y="2137122"/>
+            <a:ext cx="3068078" cy="422168"/>
+          </a:xfrm>
+          <a:prstGeom prst="roundRect">
+            <a:avLst/>
+          </a:prstGeom>
+          <a:solidFill>
+            <a:schemeClr val="bg1"/>
+          </a:solidFill>
           <a:ln>
-            <a:noFill/>
+            <a:solidFill>
+              <a:schemeClr val="bg2">
+                <a:lumMod val="50000"/>
+              </a:schemeClr>
+            </a:solidFill>
           </a:ln>
         </p:spPr>
         <p:style>
@@ -25185,17 +24626,22 @@
           <a:bodyPr rtlCol="0" anchor="ctr"/>
           <a:lstStyle/>
           <a:p>
-            <a:pPr algn="ctr"/>
-            <a:endParaRPr lang="en-IN" sz="1646"/>
-          </a:p>
-        </p:txBody>
-      </p:sp>
-      <p:sp>
-        <p:nvSpPr>
-          <p:cNvPr id="93" name="Rectangle 92">
-            <a:extLst>
-              <a:ext uri="{FF2B5EF4-FFF2-40B4-BE49-F238E27FC236}">
-                <a16:creationId xmlns:a16="http://schemas.microsoft.com/office/drawing/2014/main" id="{F2A110AF-E5DF-4A7D-BBBC-E680AE23A6C0}"/>
+            <a:endParaRPr lang="en-IN" sz="1646" dirty="0">
+              <a:solidFill>
+                <a:schemeClr val="bg2">
+                  <a:lumMod val="50000"/>
+                </a:schemeClr>
+              </a:solidFill>
+            </a:endParaRPr>
+          </a:p>
+        </p:txBody>
+      </p:sp>
+      <p:sp>
+        <p:nvSpPr>
+          <p:cNvPr id="44" name="Rectangle: Rounded Corners 65">
+            <a:extLst>
+              <a:ext uri="{FF2B5EF4-FFF2-40B4-BE49-F238E27FC236}">
+                <a16:creationId xmlns:a16="http://schemas.microsoft.com/office/drawing/2014/main" id="{05EAECDE-3B6D-E24E-8243-B8611089B202}"/>
               </a:ext>
             </a:extLst>
           </p:cNvPr>
@@ -25204,15 +24650,22 @@
         </p:nvSpPr>
         <p:spPr>
           <a:xfrm>
-            <a:off x="5559" y="6871248"/>
-            <a:ext cx="11148938" cy="1358352"/>
-          </a:xfrm>
-          <a:prstGeom prst="rect">
-            <a:avLst/>
-          </a:prstGeom>
-          <a:noFill/>
+            <a:off x="8806502" y="2107480"/>
+            <a:ext cx="1813374" cy="443272"/>
+          </a:xfrm>
+          <a:prstGeom prst="roundRect">
+            <a:avLst/>
+          </a:prstGeom>
+          <a:solidFill>
+            <a:srgbClr val="00B0F0"/>
+          </a:solidFill>
           <a:ln>
-            <a:noFill/>
+            <a:solidFill>
+              <a:schemeClr val="accent1">
+                <a:lumMod val="60000"/>
+                <a:lumOff val="40000"/>
+              </a:schemeClr>
+            </a:solidFill>
           </a:ln>
         </p:spPr>
         <p:style>
@@ -25236,16 +24689,54 @@
           <a:lstStyle/>
           <a:p>
             <a:pPr algn="ctr"/>
-            <a:endParaRPr lang="en-IN" sz="1646"/>
-          </a:p>
-        </p:txBody>
-      </p:sp>
-      <p:sp>
-        <p:nvSpPr>
-          <p:cNvPr id="42" name="Rectangle 41">
-            <a:extLst>
-              <a:ext uri="{FF2B5EF4-FFF2-40B4-BE49-F238E27FC236}">
-                <a16:creationId xmlns:a16="http://schemas.microsoft.com/office/drawing/2014/main" id="{B39E7345-FBFA-421C-ADAB-3D1B8CBA40CE}"/>
+            <a:r>
+              <a:rPr lang="en-IN" sz="1646" dirty="0"/>
+              <a:t>Enter</a:t>
+            </a:r>
+          </a:p>
+        </p:txBody>
+      </p:sp>
+      <p:sp>
+        <p:nvSpPr>
+          <p:cNvPr id="45" name="TextBox 44">
+            <a:extLst>
+              <a:ext uri="{FF2B5EF4-FFF2-40B4-BE49-F238E27FC236}">
+                <a16:creationId xmlns:a16="http://schemas.microsoft.com/office/drawing/2014/main" id="{550105AF-B118-154C-AF9F-5CD4F3909DD9}"/>
+              </a:ext>
+            </a:extLst>
+          </p:cNvPr>
+          <p:cNvSpPr txBox="1"/>
+          <p:nvPr/>
+        </p:nvSpPr>
+        <p:spPr>
+          <a:xfrm>
+            <a:off x="3668770" y="2163540"/>
+            <a:ext cx="1362040" cy="369332"/>
+          </a:xfrm>
+          <a:prstGeom prst="rect">
+            <a:avLst/>
+          </a:prstGeom>
+          <a:noFill/>
+        </p:spPr>
+        <p:txBody>
+          <a:bodyPr wrap="none" rtlCol="0">
+            <a:spAutoFit/>
+          </a:bodyPr>
+          <a:lstStyle/>
+          <a:p>
+            <a:r>
+              <a:rPr lang="en-US" dirty="0"/>
+              <a:t>Employee ID</a:t>
+            </a:r>
+          </a:p>
+        </p:txBody>
+      </p:sp>
+      <p:sp>
+        <p:nvSpPr>
+          <p:cNvPr id="46" name="Rectangle 45">
+            <a:extLst>
+              <a:ext uri="{FF2B5EF4-FFF2-40B4-BE49-F238E27FC236}">
+                <a16:creationId xmlns:a16="http://schemas.microsoft.com/office/drawing/2014/main" id="{5CCF21A6-3573-F543-95AF-2A9029C46D51}"/>
               </a:ext>
             </a:extLst>
           </p:cNvPr>
@@ -25254,13 +24745,15 @@
         </p:nvSpPr>
         <p:spPr>
           <a:xfrm>
-            <a:off x="977143" y="6884834"/>
-            <a:ext cx="11148938" cy="1358352"/>
+            <a:off x="2967852" y="3113704"/>
+            <a:ext cx="8835437" cy="694077"/>
           </a:xfrm>
           <a:prstGeom prst="rect">
             <a:avLst/>
           </a:prstGeom>
-          <a:noFill/>
+          <a:solidFill>
+            <a:schemeClr val="bg1"/>
+          </a:solidFill>
           <a:ln>
             <a:noFill/>
           </a:ln>
@@ -25286,16 +24779,19 @@
           <a:lstStyle/>
           <a:p>
             <a:pPr algn="ctr"/>
-            <a:endParaRPr lang="en-IN" sz="1646"/>
-          </a:p>
-        </p:txBody>
-      </p:sp>
-      <p:sp>
-        <p:nvSpPr>
-          <p:cNvPr id="66" name="Rectangle 65">
-            <a:extLst>
-              <a:ext uri="{FF2B5EF4-FFF2-40B4-BE49-F238E27FC236}">
-                <a16:creationId xmlns:a16="http://schemas.microsoft.com/office/drawing/2014/main" id="{A90CE170-5DB9-411A-A9A9-212A16666656}"/>
+            <a:r>
+              <a:rPr lang="en-IN" sz="1646" dirty="0"/>
+              <a:t>E</a:t>
+            </a:r>
+          </a:p>
+        </p:txBody>
+      </p:sp>
+      <p:sp>
+        <p:nvSpPr>
+          <p:cNvPr id="47" name="Rectangle: Rounded Corners 55">
+            <a:extLst>
+              <a:ext uri="{FF2B5EF4-FFF2-40B4-BE49-F238E27FC236}">
+                <a16:creationId xmlns:a16="http://schemas.microsoft.com/office/drawing/2014/main" id="{1A549288-70C2-FA4A-B20B-0E47D8136C14}"/>
               </a:ext>
             </a:extLst>
           </p:cNvPr>
@@ -25304,15 +24800,21 @@
         </p:nvSpPr>
         <p:spPr>
           <a:xfrm>
-            <a:off x="5559" y="6884834"/>
-            <a:ext cx="11148938" cy="1358352"/>
-          </a:xfrm>
-          <a:prstGeom prst="rect">
-            <a:avLst/>
-          </a:prstGeom>
-          <a:noFill/>
+            <a:off x="5369105" y="3255203"/>
+            <a:ext cx="3068078" cy="422168"/>
+          </a:xfrm>
+          <a:prstGeom prst="roundRect">
+            <a:avLst/>
+          </a:prstGeom>
+          <a:solidFill>
+            <a:schemeClr val="bg1"/>
+          </a:solidFill>
           <a:ln>
-            <a:noFill/>
+            <a:solidFill>
+              <a:schemeClr val="bg2">
+                <a:lumMod val="50000"/>
+              </a:schemeClr>
+            </a:solidFill>
           </a:ln>
         </p:spPr>
         <p:style>
@@ -25335,359 +24837,22 @@
           <a:bodyPr rtlCol="0" anchor="ctr"/>
           <a:lstStyle/>
           <a:p>
-            <a:pPr algn="ctr"/>
-            <a:endParaRPr lang="en-IN" sz="1646"/>
-          </a:p>
-        </p:txBody>
-      </p:sp>
-      <p:grpSp>
-        <p:nvGrpSpPr>
-          <p:cNvPr id="139" name="Group 138">
-            <a:extLst>
-              <a:ext uri="{FF2B5EF4-FFF2-40B4-BE49-F238E27FC236}">
-                <a16:creationId xmlns:a16="http://schemas.microsoft.com/office/drawing/2014/main" id="{E5D8F1E3-0AE0-4931-8031-DD3C78CBF71A}"/>
-              </a:ext>
-            </a:extLst>
-          </p:cNvPr>
-          <p:cNvGrpSpPr/>
-          <p:nvPr/>
-        </p:nvGrpSpPr>
-        <p:grpSpPr>
-          <a:xfrm>
-            <a:off x="-6280" y="7540200"/>
-            <a:ext cx="13103225" cy="692513"/>
-            <a:chOff x="-1" y="7537087"/>
-            <a:chExt cx="13103225" cy="692513"/>
-          </a:xfrm>
-        </p:grpSpPr>
-        <p:sp>
-          <p:nvSpPr>
-            <p:cNvPr id="140" name="Rectangle 139">
-              <a:extLst>
-                <a:ext uri="{FF2B5EF4-FFF2-40B4-BE49-F238E27FC236}">
-                  <a16:creationId xmlns:a16="http://schemas.microsoft.com/office/drawing/2014/main" id="{3405647C-C000-4AD6-B083-A738B2389ED4}"/>
-                </a:ext>
-              </a:extLst>
-            </p:cNvPr>
-            <p:cNvSpPr/>
-            <p:nvPr/>
-          </p:nvSpPr>
-          <p:spPr>
-            <a:xfrm>
-              <a:off x="-1" y="7537087"/>
-              <a:ext cx="13103225" cy="692513"/>
-            </a:xfrm>
-            <a:prstGeom prst="rect">
-              <a:avLst/>
-            </a:prstGeom>
-            <a:solidFill>
-              <a:srgbClr val="0090AF"/>
-            </a:solidFill>
-            <a:ln>
-              <a:noFill/>
-            </a:ln>
-          </p:spPr>
-          <p:style>
-            <a:lnRef idx="2">
-              <a:schemeClr val="accent1">
-                <a:shade val="50000"/>
-              </a:schemeClr>
-            </a:lnRef>
-            <a:fillRef idx="1">
-              <a:schemeClr val="accent1"/>
-            </a:fillRef>
-            <a:effectRef idx="0">
-              <a:schemeClr val="accent1"/>
-            </a:effectRef>
-            <a:fontRef idx="minor">
-              <a:schemeClr val="lt1"/>
-            </a:fontRef>
-          </p:style>
-          <p:txBody>
-            <a:bodyPr rtlCol="0" anchor="ctr"/>
-            <a:lstStyle/>
-            <a:p>
-              <a:pPr algn="ctr"/>
-              <a:endParaRPr lang="en-IN" dirty="0"/>
-            </a:p>
-          </p:txBody>
-        </p:sp>
-        <p:sp>
-          <p:nvSpPr>
-            <p:cNvPr id="141" name="TextBox 140">
-              <a:extLst>
-                <a:ext uri="{FF2B5EF4-FFF2-40B4-BE49-F238E27FC236}">
-                  <a16:creationId xmlns:a16="http://schemas.microsoft.com/office/drawing/2014/main" id="{1CE25B53-CD0E-43D9-87C4-37D6C8C5164B}"/>
-                </a:ext>
-              </a:extLst>
-            </p:cNvPr>
-            <p:cNvSpPr txBox="1"/>
-            <p:nvPr/>
-          </p:nvSpPr>
-          <p:spPr>
-            <a:xfrm>
-              <a:off x="3672096" y="7593983"/>
-              <a:ext cx="6632973" cy="276999"/>
-            </a:xfrm>
-            <a:prstGeom prst="rect">
-              <a:avLst/>
-            </a:prstGeom>
-            <a:noFill/>
-          </p:spPr>
-          <p:txBody>
-            <a:bodyPr wrap="square" rtlCol="0">
-              <a:spAutoFit/>
-            </a:bodyPr>
-            <a:lstStyle/>
-            <a:p>
-              <a:pPr algn="ctr"/>
-              <a:r>
-                <a:rPr lang="en-IN" sz="1200" dirty="0">
-                  <a:solidFill>
-                    <a:srgbClr val="FDFCFC"/>
-                  </a:solidFill>
-                </a:rPr>
-                <a:t>About Us   |  Terms of Use |  GMP Standards  | Privacy Policy</a:t>
-              </a:r>
-            </a:p>
-          </p:txBody>
-        </p:sp>
-        <p:grpSp>
-          <p:nvGrpSpPr>
-            <p:cNvPr id="142" name="Group 141">
-              <a:extLst>
-                <a:ext uri="{FF2B5EF4-FFF2-40B4-BE49-F238E27FC236}">
-                  <a16:creationId xmlns:a16="http://schemas.microsoft.com/office/drawing/2014/main" id="{2E1A8060-A7CC-4EEA-BD82-FCF246297467}"/>
-                </a:ext>
-              </a:extLst>
-            </p:cNvPr>
-            <p:cNvGrpSpPr/>
-            <p:nvPr/>
-          </p:nvGrpSpPr>
-          <p:grpSpPr>
-            <a:xfrm>
-              <a:off x="4687676" y="7845424"/>
-              <a:ext cx="6047419" cy="276999"/>
-              <a:chOff x="4658165" y="7894225"/>
-              <a:chExt cx="6022716" cy="261353"/>
-            </a:xfrm>
-          </p:grpSpPr>
-          <p:sp>
-            <p:nvSpPr>
-              <p:cNvPr id="143" name="TextBox 142">
-                <a:extLst>
-                  <a:ext uri="{FF2B5EF4-FFF2-40B4-BE49-F238E27FC236}">
-                    <a16:creationId xmlns:a16="http://schemas.microsoft.com/office/drawing/2014/main" id="{67BB71C7-024A-4F7F-8D80-9C7D64E15BCA}"/>
-                  </a:ext>
-                </a:extLst>
-              </p:cNvPr>
-              <p:cNvSpPr txBox="1"/>
-              <p:nvPr/>
-            </p:nvSpPr>
-            <p:spPr>
-              <a:xfrm>
-                <a:off x="4658165" y="7894225"/>
-                <a:ext cx="6022716" cy="261353"/>
-              </a:xfrm>
-              <a:prstGeom prst="rect">
-                <a:avLst/>
-              </a:prstGeom>
-              <a:noFill/>
-            </p:spPr>
-            <p:txBody>
-              <a:bodyPr wrap="square" rtlCol="0">
-                <a:spAutoFit/>
-              </a:bodyPr>
-              <a:lstStyle/>
-              <a:p>
-                <a:r>
-                  <a:rPr lang="en-IN" sz="1200" dirty="0">
-                    <a:solidFill>
-                      <a:srgbClr val="FDFCFC"/>
-                    </a:solidFill>
-                  </a:rPr>
-                  <a:t>Copyright     2019 </a:t>
-                </a:r>
-                <a:r>
-                  <a:rPr lang="en-IN" sz="1200" dirty="0" err="1">
-                    <a:solidFill>
-                      <a:schemeClr val="bg1"/>
-                    </a:solidFill>
-                  </a:rPr>
-                  <a:t>Shantha</a:t>
-                </a:r>
-                <a:r>
-                  <a:rPr lang="en-IN" sz="1200" dirty="0">
-                    <a:solidFill>
-                      <a:schemeClr val="bg1"/>
-                    </a:solidFill>
-                  </a:rPr>
-                  <a:t> </a:t>
-                </a:r>
-                <a:r>
-                  <a:rPr lang="en-IN" sz="1200" dirty="0" err="1">
-                    <a:solidFill>
-                      <a:schemeClr val="bg1"/>
-                    </a:solidFill>
-                  </a:rPr>
-                  <a:t>Biotechnics</a:t>
-                </a:r>
-                <a:r>
-                  <a:rPr lang="en-IN" sz="1200" dirty="0">
-                    <a:solidFill>
-                      <a:schemeClr val="bg1"/>
-                    </a:solidFill>
-                  </a:rPr>
-                  <a:t> Private Limited </a:t>
-                </a:r>
-                <a:r>
-                  <a:rPr lang="en-IN" sz="1200" dirty="0">
-                    <a:solidFill>
-                      <a:srgbClr val="FDFCFC"/>
-                    </a:solidFill>
-                  </a:rPr>
-                  <a:t>– All Rights Reserved</a:t>
-                </a:r>
-              </a:p>
-            </p:txBody>
-          </p:sp>
-          <p:pic>
-            <p:nvPicPr>
-              <p:cNvPr id="144" name="Picture 143">
-                <a:extLst>
-                  <a:ext uri="{FF2B5EF4-FFF2-40B4-BE49-F238E27FC236}">
-                    <a16:creationId xmlns:a16="http://schemas.microsoft.com/office/drawing/2014/main" id="{6C6CFDD1-51CD-49BE-A226-CE0E41550BE3}"/>
-                  </a:ext>
-                </a:extLst>
-              </p:cNvPr>
-              <p:cNvPicPr>
-                <a:picLocks noChangeAspect="1"/>
-              </p:cNvPicPr>
-              <p:nvPr/>
-            </p:nvPicPr>
-            <p:blipFill>
-              <a:blip r:embed="rId3" cstate="hqprint">
-                <a:biLevel thresh="25000"/>
-                <a:extLst>
-                  <a:ext uri="{28A0092B-C50C-407E-A947-70E740481C1C}">
-                    <a14:useLocalDpi xmlns:a14="http://schemas.microsoft.com/office/drawing/2010/main" val="0"/>
-                  </a:ext>
-                </a:extLst>
-              </a:blip>
-              <a:stretch>
-                <a:fillRect/>
-              </a:stretch>
-            </p:blipFill>
-            <p:spPr>
-              <a:xfrm>
-                <a:off x="5369353" y="7979061"/>
-                <a:ext cx="121410" cy="114495"/>
-              </a:xfrm>
-              <a:prstGeom prst="rect">
-                <a:avLst/>
-              </a:prstGeom>
-            </p:spPr>
-          </p:pic>
-        </p:grpSp>
-      </p:grpSp>
-      <p:grpSp>
-        <p:nvGrpSpPr>
-          <p:cNvPr id="145" name="Group 144">
-            <a:extLst>
-              <a:ext uri="{FF2B5EF4-FFF2-40B4-BE49-F238E27FC236}">
-                <a16:creationId xmlns:a16="http://schemas.microsoft.com/office/drawing/2014/main" id="{15CB3084-30E1-4979-9B45-A5906CB7B5EA}"/>
-              </a:ext>
-            </a:extLst>
-          </p:cNvPr>
-          <p:cNvGrpSpPr/>
-          <p:nvPr/>
-        </p:nvGrpSpPr>
-        <p:grpSpPr>
-          <a:xfrm>
-            <a:off x="11563496" y="599227"/>
-            <a:ext cx="1052889" cy="261162"/>
-            <a:chOff x="11312032" y="490976"/>
-            <a:chExt cx="1052889" cy="261162"/>
-          </a:xfrm>
-        </p:grpSpPr>
-        <p:sp>
-          <p:nvSpPr>
-            <p:cNvPr id="146" name="TextBox 145">
-              <a:extLst>
-                <a:ext uri="{FF2B5EF4-FFF2-40B4-BE49-F238E27FC236}">
-                  <a16:creationId xmlns:a16="http://schemas.microsoft.com/office/drawing/2014/main" id="{8322DBB5-BEB1-42E4-87C8-6111526710AD}"/>
-                </a:ext>
-              </a:extLst>
-            </p:cNvPr>
-            <p:cNvSpPr txBox="1"/>
-            <p:nvPr/>
-          </p:nvSpPr>
-          <p:spPr>
-            <a:xfrm>
-              <a:off x="11505172" y="490976"/>
-              <a:ext cx="859749" cy="261162"/>
-            </a:xfrm>
-            <a:prstGeom prst="rect">
-              <a:avLst/>
-            </a:prstGeom>
-            <a:noFill/>
-          </p:spPr>
-          <p:txBody>
-            <a:bodyPr wrap="square" rtlCol="0">
-              <a:spAutoFit/>
-            </a:bodyPr>
-            <a:lstStyle/>
-            <a:p>
-              <a:r>
-                <a:rPr lang="en-IN" sz="1097" dirty="0"/>
-                <a:t>Logout</a:t>
-              </a:r>
-            </a:p>
-          </p:txBody>
-        </p:sp>
-        <p:pic>
-          <p:nvPicPr>
-            <p:cNvPr id="147" name="Picture 146">
-              <a:extLst>
-                <a:ext uri="{FF2B5EF4-FFF2-40B4-BE49-F238E27FC236}">
-                  <a16:creationId xmlns:a16="http://schemas.microsoft.com/office/drawing/2014/main" id="{72C3AAC1-DF5E-4ECD-81E5-E3B074FCAB4C}"/>
-                </a:ext>
-              </a:extLst>
-            </p:cNvPr>
-            <p:cNvPicPr>
-              <a:picLocks noChangeAspect="1"/>
-            </p:cNvPicPr>
-            <p:nvPr/>
-          </p:nvPicPr>
-          <p:blipFill>
-            <a:blip r:embed="rId4" cstate="hqprint">
-              <a:extLst>
-                <a:ext uri="{28A0092B-C50C-407E-A947-70E740481C1C}">
-                  <a14:useLocalDpi xmlns:a14="http://schemas.microsoft.com/office/drawing/2010/main" val="0"/>
-                </a:ext>
-              </a:extLst>
-            </a:blip>
-            <a:stretch>
-              <a:fillRect/>
-            </a:stretch>
-          </p:blipFill>
-          <p:spPr>
-            <a:xfrm>
-              <a:off x="11312032" y="518584"/>
-              <a:ext cx="193140" cy="193140"/>
-            </a:xfrm>
-            <a:prstGeom prst="rect">
-              <a:avLst/>
-            </a:prstGeom>
-          </p:spPr>
-        </p:pic>
-      </p:grpSp>
-      <p:sp>
-        <p:nvSpPr>
-          <p:cNvPr id="68" name="Rectangle 67">
-            <a:extLst>
-              <a:ext uri="{FF2B5EF4-FFF2-40B4-BE49-F238E27FC236}">
-                <a16:creationId xmlns:a16="http://schemas.microsoft.com/office/drawing/2014/main" id="{FAA97AB4-F0D3-4C89-92BC-3B6B7236B6BA}"/>
+            <a:endParaRPr lang="en-IN" sz="1646" dirty="0">
+              <a:solidFill>
+                <a:schemeClr val="bg2">
+                  <a:lumMod val="50000"/>
+                </a:schemeClr>
+              </a:solidFill>
+            </a:endParaRPr>
+          </a:p>
+        </p:txBody>
+      </p:sp>
+      <p:sp>
+        <p:nvSpPr>
+          <p:cNvPr id="48" name="Rectangle: Rounded Corners 65">
+            <a:extLst>
+              <a:ext uri="{FF2B5EF4-FFF2-40B4-BE49-F238E27FC236}">
+                <a16:creationId xmlns:a16="http://schemas.microsoft.com/office/drawing/2014/main" id="{05EAECDE-3B6D-E24E-8243-B8611089B202}"/>
               </a:ext>
             </a:extLst>
           </p:cNvPr>
@@ -25696,18 +24861,21 @@
         </p:nvSpPr>
         <p:spPr>
           <a:xfrm>
-            <a:off x="21723" y="1039803"/>
-            <a:ext cx="2383085" cy="5901493"/>
-          </a:xfrm>
-          <a:prstGeom prst="rect">
+            <a:off x="8853065" y="3225561"/>
+            <a:ext cx="1813374" cy="443272"/>
+          </a:xfrm>
+          <a:prstGeom prst="roundRect">
             <a:avLst/>
           </a:prstGeom>
           <a:solidFill>
-            <a:srgbClr val="0090AF"/>
+            <a:srgbClr val="00B0F0"/>
           </a:solidFill>
           <a:ln>
             <a:solidFill>
-              <a:srgbClr val="0090AF"/>
+              <a:schemeClr val="accent1">
+                <a:lumMod val="60000"/>
+                <a:lumOff val="40000"/>
+              </a:schemeClr>
             </a:solidFill>
           </a:ln>
         </p:spPr>
@@ -25728,125 +24896,23 @@
           </a:fontRef>
         </p:style>
         <p:txBody>
-          <a:bodyPr rot="0" spcFirstLastPara="0" vertOverflow="overflow" horzOverflow="overflow" vert="horz" wrap="square" lIns="83617" tIns="41809" rIns="83617" bIns="41809" numCol="1" spcCol="0" rtlCol="0" fromWordArt="0" anchor="ctr" anchorCtr="0" forceAA="0" compatLnSpc="1">
-            <a:prstTxWarp prst="textNoShape">
-              <a:avLst/>
-            </a:prstTxWarp>
-            <a:noAutofit/>
-          </a:bodyPr>
-          <a:lstStyle/>
-          <a:p>
-            <a:endParaRPr lang="en-IN" dirty="0">
-              <a:solidFill>
-                <a:schemeClr val="bg1"/>
-              </a:solidFill>
-            </a:endParaRPr>
-          </a:p>
-        </p:txBody>
-      </p:sp>
-      <p:grpSp>
-        <p:nvGrpSpPr>
-          <p:cNvPr id="70" name="Group 69">
-            <a:extLst>
-              <a:ext uri="{FF2B5EF4-FFF2-40B4-BE49-F238E27FC236}">
-                <a16:creationId xmlns:a16="http://schemas.microsoft.com/office/drawing/2014/main" id="{807DC02E-3B40-4320-BCD5-905B28E54EE0}"/>
-              </a:ext>
-            </a:extLst>
-          </p:cNvPr>
-          <p:cNvGrpSpPr/>
-          <p:nvPr/>
-        </p:nvGrpSpPr>
-        <p:grpSpPr>
-          <a:xfrm>
-            <a:off x="99332" y="2984396"/>
-            <a:ext cx="2152334" cy="358614"/>
-            <a:chOff x="212185" y="3399571"/>
-            <a:chExt cx="2353700" cy="392165"/>
-          </a:xfrm>
-        </p:grpSpPr>
-        <p:pic>
-          <p:nvPicPr>
-            <p:cNvPr id="71" name="Picture 70">
-              <a:extLst>
-                <a:ext uri="{FF2B5EF4-FFF2-40B4-BE49-F238E27FC236}">
-                  <a16:creationId xmlns:a16="http://schemas.microsoft.com/office/drawing/2014/main" id="{3C3FC6FF-9CE6-488A-8118-76B313394FC9}"/>
-                </a:ext>
-              </a:extLst>
-            </p:cNvPr>
-            <p:cNvPicPr>
-              <a:picLocks noChangeAspect="1"/>
-            </p:cNvPicPr>
-            <p:nvPr/>
-          </p:nvPicPr>
-          <p:blipFill>
-            <a:blip r:embed="rId5" cstate="hqprint">
-              <a:lum bright="70000" contrast="-70000"/>
-              <a:extLst>
-                <a:ext uri="{28A0092B-C50C-407E-A947-70E740481C1C}">
-                  <a14:useLocalDpi xmlns:a14="http://schemas.microsoft.com/office/drawing/2010/main" val="0"/>
-                </a:ext>
-              </a:extLst>
-            </a:blip>
-            <a:stretch>
-              <a:fillRect/>
-            </a:stretch>
-          </p:blipFill>
-          <p:spPr>
-            <a:xfrm>
-              <a:off x="212185" y="3418129"/>
-              <a:ext cx="373607" cy="373607"/>
-            </a:xfrm>
-            <a:prstGeom prst="rect">
-              <a:avLst/>
-            </a:prstGeom>
-          </p:spPr>
-        </p:pic>
-        <p:sp>
-          <p:nvSpPr>
-            <p:cNvPr id="76" name="TextBox 75">
-              <a:extLst>
-                <a:ext uri="{FF2B5EF4-FFF2-40B4-BE49-F238E27FC236}">
-                  <a16:creationId xmlns:a16="http://schemas.microsoft.com/office/drawing/2014/main" id="{3FC155FE-6E4B-4409-8923-0DEF668C94EF}"/>
-                </a:ext>
-              </a:extLst>
-            </p:cNvPr>
-            <p:cNvSpPr txBox="1"/>
-            <p:nvPr/>
-          </p:nvSpPr>
-          <p:spPr>
-            <a:xfrm>
-              <a:off x="640609" y="3399571"/>
-              <a:ext cx="1925276" cy="316377"/>
-            </a:xfrm>
-            <a:prstGeom prst="rect">
-              <a:avLst/>
-            </a:prstGeom>
-            <a:noFill/>
-          </p:spPr>
-          <p:txBody>
-            <a:bodyPr wrap="square" rtlCol="0">
-              <a:spAutoFit/>
-            </a:bodyPr>
-            <a:lstStyle/>
-            <a:p>
-              <a:r>
-                <a:rPr lang="en-IN" sz="1280" dirty="0">
-                  <a:solidFill>
-                    <a:schemeClr val="bg1"/>
-                  </a:solidFill>
-                </a:rPr>
-                <a:t>Employee Add/Delete</a:t>
-              </a:r>
-            </a:p>
-          </p:txBody>
-        </p:sp>
-      </p:grpSp>
-      <p:sp>
-        <p:nvSpPr>
-          <p:cNvPr id="77" name="TextBox 76">
-            <a:extLst>
-              <a:ext uri="{FF2B5EF4-FFF2-40B4-BE49-F238E27FC236}">
-                <a16:creationId xmlns:a16="http://schemas.microsoft.com/office/drawing/2014/main" id="{78051629-F80A-4541-9616-C0448771BBB4}"/>
+          <a:bodyPr rtlCol="0" anchor="ctr"/>
+          <a:lstStyle/>
+          <a:p>
+            <a:pPr algn="ctr"/>
+            <a:r>
+              <a:rPr lang="en-IN" sz="1646" dirty="0"/>
+              <a:t>Enter</a:t>
+            </a:r>
+          </a:p>
+        </p:txBody>
+      </p:sp>
+      <p:sp>
+        <p:nvSpPr>
+          <p:cNvPr id="49" name="TextBox 48">
+            <a:extLst>
+              <a:ext uri="{FF2B5EF4-FFF2-40B4-BE49-F238E27FC236}">
+                <a16:creationId xmlns:a16="http://schemas.microsoft.com/office/drawing/2014/main" id="{550105AF-B118-154C-AF9F-5CD4F3909DD9}"/>
               </a:ext>
             </a:extLst>
           </p:cNvPr>
@@ -25855,580 +24921,8 @@
         </p:nvSpPr>
         <p:spPr>
           <a:xfrm>
-            <a:off x="568269" y="1449069"/>
-            <a:ext cx="1619697" cy="289310"/>
-          </a:xfrm>
-          <a:prstGeom prst="rect">
-            <a:avLst/>
-          </a:prstGeom>
-          <a:noFill/>
-        </p:spPr>
-        <p:txBody>
-          <a:bodyPr wrap="square" rtlCol="0">
-            <a:spAutoFit/>
-          </a:bodyPr>
-          <a:lstStyle/>
-          <a:p>
-            <a:r>
-              <a:rPr lang="en-IN" sz="1280" dirty="0">
-                <a:solidFill>
-                  <a:schemeClr val="bg1"/>
-                </a:solidFill>
-              </a:rPr>
-              <a:t>Database Upload</a:t>
-            </a:r>
-            <a:endParaRPr lang="en-IN" sz="1646" dirty="0">
-              <a:solidFill>
-                <a:schemeClr val="bg1"/>
-              </a:solidFill>
-            </a:endParaRPr>
-          </a:p>
-        </p:txBody>
-      </p:sp>
-      <p:pic>
-        <p:nvPicPr>
-          <p:cNvPr id="86" name="Picture 85">
-            <a:extLst>
-              <a:ext uri="{FF2B5EF4-FFF2-40B4-BE49-F238E27FC236}">
-                <a16:creationId xmlns:a16="http://schemas.microsoft.com/office/drawing/2014/main" id="{057AB3CF-5BCC-4B1E-AF03-F50A8727899B}"/>
-              </a:ext>
-            </a:extLst>
-          </p:cNvPr>
-          <p:cNvPicPr>
-            <a:picLocks noChangeAspect="1"/>
-          </p:cNvPicPr>
-          <p:nvPr/>
-        </p:nvPicPr>
-        <p:blipFill>
-          <a:blip r:embed="rId6" cstate="hqprint">
-            <a:extLst>
-              <a:ext uri="{28A0092B-C50C-407E-A947-70E740481C1C}">
-                <a14:useLocalDpi xmlns:a14="http://schemas.microsoft.com/office/drawing/2010/main" val="0"/>
-              </a:ext>
-            </a:extLst>
-          </a:blip>
-          <a:stretch>
-            <a:fillRect/>
-          </a:stretch>
-        </p:blipFill>
-        <p:spPr>
-          <a:xfrm>
-            <a:off x="198537" y="1425431"/>
-            <a:ext cx="308813" cy="308813"/>
-          </a:xfrm>
-          <a:prstGeom prst="rect">
-            <a:avLst/>
-          </a:prstGeom>
-        </p:spPr>
-      </p:pic>
-      <p:sp>
-        <p:nvSpPr>
-          <p:cNvPr id="91" name="TextBox 90">
-            <a:extLst>
-              <a:ext uri="{FF2B5EF4-FFF2-40B4-BE49-F238E27FC236}">
-                <a16:creationId xmlns:a16="http://schemas.microsoft.com/office/drawing/2014/main" id="{8C0CFBC6-387F-4333-9E71-4F1465F5FA75}"/>
-              </a:ext>
-            </a:extLst>
-          </p:cNvPr>
-          <p:cNvSpPr txBox="1"/>
-          <p:nvPr/>
-        </p:nvSpPr>
-        <p:spPr>
-          <a:xfrm>
-            <a:off x="505341" y="2481266"/>
-            <a:ext cx="1760561" cy="289310"/>
-          </a:xfrm>
-          <a:prstGeom prst="rect">
-            <a:avLst/>
-          </a:prstGeom>
-          <a:noFill/>
-        </p:spPr>
-        <p:txBody>
-          <a:bodyPr wrap="square" rtlCol="0">
-            <a:spAutoFit/>
-          </a:bodyPr>
-          <a:lstStyle/>
-          <a:p>
-            <a:r>
-              <a:rPr lang="en-IN" sz="1280" dirty="0">
-                <a:solidFill>
-                  <a:schemeClr val="bg1"/>
-                </a:solidFill>
-              </a:rPr>
-              <a:t>Search Employee</a:t>
-            </a:r>
-          </a:p>
-        </p:txBody>
-      </p:sp>
-      <p:grpSp>
-        <p:nvGrpSpPr>
-          <p:cNvPr id="94" name="Group 93">
-            <a:extLst>
-              <a:ext uri="{FF2B5EF4-FFF2-40B4-BE49-F238E27FC236}">
-                <a16:creationId xmlns:a16="http://schemas.microsoft.com/office/drawing/2014/main" id="{9DCDCAA2-38A1-4848-999F-64609579A759}"/>
-              </a:ext>
-            </a:extLst>
-          </p:cNvPr>
-          <p:cNvGrpSpPr/>
-          <p:nvPr/>
-        </p:nvGrpSpPr>
-        <p:grpSpPr>
-          <a:xfrm>
-            <a:off x="147367" y="1961303"/>
-            <a:ext cx="2189543" cy="342369"/>
-            <a:chOff x="198537" y="2990591"/>
-            <a:chExt cx="2130046" cy="342369"/>
-          </a:xfrm>
-        </p:grpSpPr>
-        <p:pic>
-          <p:nvPicPr>
-            <p:cNvPr id="96" name="Picture 95">
-              <a:extLst>
-                <a:ext uri="{FF2B5EF4-FFF2-40B4-BE49-F238E27FC236}">
-                  <a16:creationId xmlns:a16="http://schemas.microsoft.com/office/drawing/2014/main" id="{885607E1-042D-43BE-8C14-9ACC5650F379}"/>
-                </a:ext>
-              </a:extLst>
-            </p:cNvPr>
-            <p:cNvPicPr>
-              <a:picLocks noChangeAspect="1"/>
-            </p:cNvPicPr>
-            <p:nvPr/>
-          </p:nvPicPr>
-          <p:blipFill>
-            <a:blip r:embed="rId7" cstate="hqprint">
-              <a:lum bright="70000" contrast="-70000"/>
-              <a:extLst>
-                <a:ext uri="{28A0092B-C50C-407E-A947-70E740481C1C}">
-                  <a14:useLocalDpi xmlns:a14="http://schemas.microsoft.com/office/drawing/2010/main" val="0"/>
-                </a:ext>
-              </a:extLst>
-            </a:blip>
-            <a:stretch>
-              <a:fillRect/>
-            </a:stretch>
-          </p:blipFill>
-          <p:spPr>
-            <a:xfrm>
-              <a:off x="198537" y="2990591"/>
-              <a:ext cx="342369" cy="342369"/>
-            </a:xfrm>
-            <a:prstGeom prst="rect">
-              <a:avLst/>
-            </a:prstGeom>
-          </p:spPr>
-        </p:pic>
-        <p:sp>
-          <p:nvSpPr>
-            <p:cNvPr id="97" name="TextBox 96">
-              <a:extLst>
-                <a:ext uri="{FF2B5EF4-FFF2-40B4-BE49-F238E27FC236}">
-                  <a16:creationId xmlns:a16="http://schemas.microsoft.com/office/drawing/2014/main" id="{15BA5183-F9A8-4677-996C-5B5A21B27C71}"/>
-                </a:ext>
-              </a:extLst>
-            </p:cNvPr>
-            <p:cNvSpPr txBox="1"/>
-            <p:nvPr/>
-          </p:nvSpPr>
-          <p:spPr>
-            <a:xfrm>
-              <a:off x="568022" y="3013183"/>
-              <a:ext cx="1760561" cy="289310"/>
-            </a:xfrm>
-            <a:prstGeom prst="rect">
-              <a:avLst/>
-            </a:prstGeom>
-            <a:noFill/>
-          </p:spPr>
-          <p:txBody>
-            <a:bodyPr wrap="square" rtlCol="0">
-              <a:spAutoFit/>
-            </a:bodyPr>
-            <a:lstStyle/>
-            <a:p>
-              <a:r>
-                <a:rPr lang="en-IN" sz="1280" dirty="0">
-                  <a:solidFill>
-                    <a:schemeClr val="bg1"/>
-                  </a:solidFill>
-                </a:rPr>
-                <a:t>Employee Attendance</a:t>
-              </a:r>
-            </a:p>
-          </p:txBody>
-        </p:sp>
-      </p:grpSp>
-      <p:pic>
-        <p:nvPicPr>
-          <p:cNvPr id="98" name="Picture 97">
-            <a:extLst>
-              <a:ext uri="{FF2B5EF4-FFF2-40B4-BE49-F238E27FC236}">
-                <a16:creationId xmlns:a16="http://schemas.microsoft.com/office/drawing/2014/main" id="{EB097EFA-1BBA-4CF6-B4FC-64859D0CDD7A}"/>
-              </a:ext>
-            </a:extLst>
-          </p:cNvPr>
-          <p:cNvPicPr>
-            <a:picLocks noChangeAspect="1"/>
-          </p:cNvPicPr>
-          <p:nvPr/>
-        </p:nvPicPr>
-        <p:blipFill>
-          <a:blip r:embed="rId8">
-            <a:extLst>
-              <a:ext uri="{28A0092B-C50C-407E-A947-70E740481C1C}">
-                <a14:useLocalDpi xmlns:a14="http://schemas.microsoft.com/office/drawing/2010/main" val="0"/>
-              </a:ext>
-            </a:extLst>
-          </a:blip>
-          <a:stretch>
-            <a:fillRect/>
-          </a:stretch>
-        </p:blipFill>
-        <p:spPr>
-          <a:xfrm>
-            <a:off x="151973" y="2465044"/>
-            <a:ext cx="325148" cy="325148"/>
-          </a:xfrm>
-          <a:prstGeom prst="rect">
-            <a:avLst/>
-          </a:prstGeom>
-        </p:spPr>
-      </p:pic>
-      <p:grpSp>
-        <p:nvGrpSpPr>
-          <p:cNvPr id="100" name="Group 99">
-            <a:extLst>
-              <a:ext uri="{FF2B5EF4-FFF2-40B4-BE49-F238E27FC236}">
-                <a16:creationId xmlns:a16="http://schemas.microsoft.com/office/drawing/2014/main" id="{4DCCF6E5-D0E8-F748-ACDF-14F5A64285AB}"/>
-              </a:ext>
-            </a:extLst>
-          </p:cNvPr>
-          <p:cNvGrpSpPr/>
-          <p:nvPr/>
-        </p:nvGrpSpPr>
-        <p:grpSpPr>
-          <a:xfrm>
-            <a:off x="162654" y="3602366"/>
-            <a:ext cx="2215352" cy="362112"/>
-            <a:chOff x="189900" y="2970848"/>
-            <a:chExt cx="2155155" cy="362112"/>
-          </a:xfrm>
-        </p:grpSpPr>
-        <p:pic>
-          <p:nvPicPr>
-            <p:cNvPr id="101" name="Picture 100">
-              <a:extLst>
-                <a:ext uri="{FF2B5EF4-FFF2-40B4-BE49-F238E27FC236}">
-                  <a16:creationId xmlns:a16="http://schemas.microsoft.com/office/drawing/2014/main" id="{9B981996-01CB-134A-95A4-8B6D92A30EE8}"/>
-                </a:ext>
-              </a:extLst>
-            </p:cNvPr>
-            <p:cNvPicPr>
-              <a:picLocks noChangeAspect="1"/>
-            </p:cNvPicPr>
-            <p:nvPr/>
-          </p:nvPicPr>
-          <p:blipFill>
-            <a:blip r:embed="rId7" cstate="hqprint">
-              <a:lum bright="70000" contrast="-70000"/>
-              <a:extLst>
-                <a:ext uri="{28A0092B-C50C-407E-A947-70E740481C1C}">
-                  <a14:useLocalDpi xmlns:a14="http://schemas.microsoft.com/office/drawing/2010/main" val="0"/>
-                </a:ext>
-              </a:extLst>
-            </a:blip>
-            <a:stretch>
-              <a:fillRect/>
-            </a:stretch>
-          </p:blipFill>
-          <p:spPr>
-            <a:xfrm>
-              <a:off x="189900" y="2990591"/>
-              <a:ext cx="342369" cy="342369"/>
-            </a:xfrm>
-            <a:prstGeom prst="rect">
-              <a:avLst/>
-            </a:prstGeom>
-          </p:spPr>
-        </p:pic>
-        <p:sp>
-          <p:nvSpPr>
-            <p:cNvPr id="102" name="TextBox 101">
-              <a:extLst>
-                <a:ext uri="{FF2B5EF4-FFF2-40B4-BE49-F238E27FC236}">
-                  <a16:creationId xmlns:a16="http://schemas.microsoft.com/office/drawing/2014/main" id="{0F50A36E-9B66-304E-8212-37431D589C12}"/>
-                </a:ext>
-              </a:extLst>
-            </p:cNvPr>
-            <p:cNvSpPr txBox="1"/>
-            <p:nvPr/>
-          </p:nvSpPr>
-          <p:spPr>
-            <a:xfrm>
-              <a:off x="584494" y="2970848"/>
-              <a:ext cx="1760561" cy="289310"/>
-            </a:xfrm>
-            <a:prstGeom prst="rect">
-              <a:avLst/>
-            </a:prstGeom>
-            <a:noFill/>
-          </p:spPr>
-          <p:txBody>
-            <a:bodyPr wrap="square" rtlCol="0">
-              <a:spAutoFit/>
-            </a:bodyPr>
-            <a:lstStyle/>
-            <a:p>
-              <a:r>
-                <a:rPr lang="en-IN" sz="1280" dirty="0">
-                  <a:solidFill>
-                    <a:schemeClr val="bg1"/>
-                  </a:solidFill>
-                </a:rPr>
-                <a:t>Test Results</a:t>
-              </a:r>
-            </a:p>
-          </p:txBody>
-        </p:sp>
-      </p:grpSp>
-      <p:grpSp>
-        <p:nvGrpSpPr>
-          <p:cNvPr id="103" name="Group 102">
-            <a:extLst>
-              <a:ext uri="{FF2B5EF4-FFF2-40B4-BE49-F238E27FC236}">
-                <a16:creationId xmlns:a16="http://schemas.microsoft.com/office/drawing/2014/main" id="{78327D12-7372-334F-852D-F92AA2DCB582}"/>
-              </a:ext>
-            </a:extLst>
-          </p:cNvPr>
-          <p:cNvGrpSpPr/>
-          <p:nvPr/>
-        </p:nvGrpSpPr>
-        <p:grpSpPr>
-          <a:xfrm>
-            <a:off x="170397" y="4154750"/>
-            <a:ext cx="2179912" cy="342369"/>
-            <a:chOff x="207174" y="2990591"/>
-            <a:chExt cx="2120678" cy="342369"/>
-          </a:xfrm>
-        </p:grpSpPr>
-        <p:pic>
-          <p:nvPicPr>
-            <p:cNvPr id="104" name="Picture 103">
-              <a:extLst>
-                <a:ext uri="{FF2B5EF4-FFF2-40B4-BE49-F238E27FC236}">
-                  <a16:creationId xmlns:a16="http://schemas.microsoft.com/office/drawing/2014/main" id="{E46FBEDC-6F09-B04E-9889-24DD14E983AB}"/>
-                </a:ext>
-              </a:extLst>
-            </p:cNvPr>
-            <p:cNvPicPr>
-              <a:picLocks noChangeAspect="1"/>
-            </p:cNvPicPr>
-            <p:nvPr/>
-          </p:nvPicPr>
-          <p:blipFill>
-            <a:blip r:embed="rId7" cstate="hqprint">
-              <a:lum bright="70000" contrast="-70000"/>
-              <a:extLst>
-                <a:ext uri="{28A0092B-C50C-407E-A947-70E740481C1C}">
-                  <a14:useLocalDpi xmlns:a14="http://schemas.microsoft.com/office/drawing/2010/main" val="0"/>
-                </a:ext>
-              </a:extLst>
-            </a:blip>
-            <a:stretch>
-              <a:fillRect/>
-            </a:stretch>
-          </p:blipFill>
-          <p:spPr>
-            <a:xfrm>
-              <a:off x="207174" y="2990591"/>
-              <a:ext cx="342369" cy="342369"/>
-            </a:xfrm>
-            <a:prstGeom prst="rect">
-              <a:avLst/>
-            </a:prstGeom>
-          </p:spPr>
-        </p:pic>
-        <p:sp>
-          <p:nvSpPr>
-            <p:cNvPr id="105" name="TextBox 104">
-              <a:extLst>
-                <a:ext uri="{FF2B5EF4-FFF2-40B4-BE49-F238E27FC236}">
-                  <a16:creationId xmlns:a16="http://schemas.microsoft.com/office/drawing/2014/main" id="{D81A6CEA-CB03-9A4B-A706-6741CABBCFC9}"/>
-                </a:ext>
-              </a:extLst>
-            </p:cNvPr>
-            <p:cNvSpPr txBox="1"/>
-            <p:nvPr/>
-          </p:nvSpPr>
-          <p:spPr>
-            <a:xfrm>
-              <a:off x="567291" y="2990591"/>
-              <a:ext cx="1760561" cy="289310"/>
-            </a:xfrm>
-            <a:prstGeom prst="rect">
-              <a:avLst/>
-            </a:prstGeom>
-            <a:noFill/>
-          </p:spPr>
-          <p:txBody>
-            <a:bodyPr wrap="square" rtlCol="0">
-              <a:spAutoFit/>
-            </a:bodyPr>
-            <a:lstStyle/>
-            <a:p>
-              <a:r>
-                <a:rPr lang="en-IN" sz="1280" dirty="0">
-                  <a:solidFill>
-                    <a:schemeClr val="bg1"/>
-                  </a:solidFill>
-                </a:rPr>
-                <a:t>Report Generation</a:t>
-              </a:r>
-            </a:p>
-          </p:txBody>
-        </p:sp>
-      </p:grpSp>
-      <p:grpSp>
-        <p:nvGrpSpPr>
-          <p:cNvPr id="106" name="Group 105">
-            <a:extLst>
-              <a:ext uri="{FF2B5EF4-FFF2-40B4-BE49-F238E27FC236}">
-                <a16:creationId xmlns:a16="http://schemas.microsoft.com/office/drawing/2014/main" id="{CE285C1C-A047-E446-AB8A-1914FD6BD0BC}"/>
-              </a:ext>
-            </a:extLst>
-          </p:cNvPr>
-          <p:cNvGrpSpPr/>
-          <p:nvPr/>
-        </p:nvGrpSpPr>
-        <p:grpSpPr>
-          <a:xfrm>
-            <a:off x="163025" y="4638698"/>
-            <a:ext cx="2214980" cy="350446"/>
-            <a:chOff x="163989" y="2982514"/>
-            <a:chExt cx="2154794" cy="350446"/>
-          </a:xfrm>
-        </p:grpSpPr>
-        <p:pic>
-          <p:nvPicPr>
-            <p:cNvPr id="107" name="Picture 106">
-              <a:extLst>
-                <a:ext uri="{FF2B5EF4-FFF2-40B4-BE49-F238E27FC236}">
-                  <a16:creationId xmlns:a16="http://schemas.microsoft.com/office/drawing/2014/main" id="{C84DA818-07F7-3C49-8665-28FBED243475}"/>
-                </a:ext>
-              </a:extLst>
-            </p:cNvPr>
-            <p:cNvPicPr>
-              <a:picLocks noChangeAspect="1"/>
-            </p:cNvPicPr>
-            <p:nvPr/>
-          </p:nvPicPr>
-          <p:blipFill>
-            <a:blip r:embed="rId7" cstate="hqprint">
-              <a:lum bright="70000" contrast="-70000"/>
-              <a:extLst>
-                <a:ext uri="{28A0092B-C50C-407E-A947-70E740481C1C}">
-                  <a14:useLocalDpi xmlns:a14="http://schemas.microsoft.com/office/drawing/2010/main" val="0"/>
-                </a:ext>
-              </a:extLst>
-            </a:blip>
-            <a:stretch>
-              <a:fillRect/>
-            </a:stretch>
-          </p:blipFill>
-          <p:spPr>
-            <a:xfrm>
-              <a:off x="163989" y="2990591"/>
-              <a:ext cx="342369" cy="342369"/>
-            </a:xfrm>
-            <a:prstGeom prst="rect">
-              <a:avLst/>
-            </a:prstGeom>
-          </p:spPr>
-        </p:pic>
-        <p:sp>
-          <p:nvSpPr>
-            <p:cNvPr id="108" name="TextBox 107">
-              <a:extLst>
-                <a:ext uri="{FF2B5EF4-FFF2-40B4-BE49-F238E27FC236}">
-                  <a16:creationId xmlns:a16="http://schemas.microsoft.com/office/drawing/2014/main" id="{2DF43A07-FAF5-B646-88CD-2F283F8D3FE4}"/>
-                </a:ext>
-              </a:extLst>
-            </p:cNvPr>
-            <p:cNvSpPr txBox="1"/>
-            <p:nvPr/>
-          </p:nvSpPr>
-          <p:spPr>
-            <a:xfrm>
-              <a:off x="558222" y="2982514"/>
-              <a:ext cx="1760561" cy="289310"/>
-            </a:xfrm>
-            <a:prstGeom prst="rect">
-              <a:avLst/>
-            </a:prstGeom>
-            <a:noFill/>
-          </p:spPr>
-          <p:txBody>
-            <a:bodyPr wrap="square" rtlCol="0">
-              <a:spAutoFit/>
-            </a:bodyPr>
-            <a:lstStyle/>
-            <a:p>
-              <a:r>
-                <a:rPr lang="en-IN" sz="1280" dirty="0">
-                  <a:solidFill>
-                    <a:schemeClr val="bg1"/>
-                  </a:solidFill>
-                </a:rPr>
-                <a:t>FAQ’s</a:t>
-              </a:r>
-            </a:p>
-          </p:txBody>
-        </p:sp>
-      </p:grpSp>
-      <p:pic>
-        <p:nvPicPr>
-          <p:cNvPr id="6" name="Picture 5">
-            <a:extLst>
-              <a:ext uri="{FF2B5EF4-FFF2-40B4-BE49-F238E27FC236}">
-                <a16:creationId xmlns:a16="http://schemas.microsoft.com/office/drawing/2014/main" id="{D9BA67F9-1BA2-824C-B1E4-69AA0CFCCAC7}"/>
-              </a:ext>
-            </a:extLst>
-          </p:cNvPr>
-          <p:cNvPicPr>
-            <a:picLocks noChangeAspect="1"/>
-          </p:cNvPicPr>
-          <p:nvPr/>
-        </p:nvPicPr>
-        <p:blipFill rotWithShape="1">
-          <a:blip r:embed="rId9"/>
-          <a:srcRect t="12385" r="1559" b="17536"/>
-          <a:stretch/>
-        </p:blipFill>
-        <p:spPr>
-          <a:xfrm>
-            <a:off x="5937385" y="48569"/>
-            <a:ext cx="2089834" cy="743863"/>
-          </a:xfrm>
-          <a:prstGeom prst="rect">
-            <a:avLst/>
-          </a:prstGeom>
-        </p:spPr>
-      </p:pic>
-      <p:sp>
-        <p:nvSpPr>
-          <p:cNvPr id="9" name="TextBox 8">
-            <a:extLst>
-              <a:ext uri="{FF2B5EF4-FFF2-40B4-BE49-F238E27FC236}">
-                <a16:creationId xmlns:a16="http://schemas.microsoft.com/office/drawing/2014/main" id="{407C93CD-D9BB-EE45-8A09-54D77C880CB0}"/>
-              </a:ext>
-            </a:extLst>
-          </p:cNvPr>
-          <p:cNvSpPr txBox="1"/>
-          <p:nvPr/>
-        </p:nvSpPr>
-        <p:spPr>
-          <a:xfrm>
-            <a:off x="11511684" y="323173"/>
-            <a:ext cx="1029449" cy="261610"/>
+            <a:off x="3723875" y="3282445"/>
+            <a:ext cx="1086388" cy="369332"/>
           </a:xfrm>
           <a:prstGeom prst="rect">
             <a:avLst/>
@@ -26441,191 +24935,39 @@
           </a:bodyPr>
           <a:lstStyle/>
           <a:p>
-            <a:r>
-              <a:rPr lang="en-US" sz="1100" dirty="0"/>
-              <a:t>Hi, JRC Murthy</a:t>
-            </a:r>
-          </a:p>
-        </p:txBody>
-      </p:sp>
-      <p:pic>
-        <p:nvPicPr>
-          <p:cNvPr id="11" name="Picture 10">
-            <a:extLst>
-              <a:ext uri="{FF2B5EF4-FFF2-40B4-BE49-F238E27FC236}">
-                <a16:creationId xmlns:a16="http://schemas.microsoft.com/office/drawing/2014/main" id="{E00F7052-7686-5D40-9CB2-CC45C8A94727}"/>
-              </a:ext>
-            </a:extLst>
-          </p:cNvPr>
-          <p:cNvPicPr>
-            <a:picLocks noChangeAspect="1"/>
-          </p:cNvPicPr>
-          <p:nvPr/>
-        </p:nvPicPr>
-        <p:blipFill>
-          <a:blip r:embed="rId10"/>
-          <a:stretch>
-            <a:fillRect/>
-          </a:stretch>
-        </p:blipFill>
-        <p:spPr>
-          <a:xfrm>
-            <a:off x="180257" y="198363"/>
-            <a:ext cx="1474367" cy="618075"/>
-          </a:xfrm>
-          <a:prstGeom prst="rect">
-            <a:avLst/>
-          </a:prstGeom>
-        </p:spPr>
-      </p:pic>
-      <p:sp>
-        <p:nvSpPr>
-          <p:cNvPr id="39" name="TextBox 38">
-            <a:extLst>
-              <a:ext uri="{FF2B5EF4-FFF2-40B4-BE49-F238E27FC236}">
-                <a16:creationId xmlns:a16="http://schemas.microsoft.com/office/drawing/2014/main" id="{BC70D7A2-3E35-CA4B-AE30-78E358032325}"/>
-              </a:ext>
-            </a:extLst>
-          </p:cNvPr>
-          <p:cNvSpPr txBox="1"/>
-          <p:nvPr/>
-        </p:nvSpPr>
-        <p:spPr>
-          <a:xfrm>
-            <a:off x="2975207" y="961509"/>
-            <a:ext cx="8014191" cy="430887"/>
-          </a:xfrm>
-          <a:prstGeom prst="rect">
-            <a:avLst/>
-          </a:prstGeom>
-          <a:noFill/>
-        </p:spPr>
-        <p:txBody>
-          <a:bodyPr wrap="square" rtlCol="0">
-            <a:spAutoFit/>
-          </a:bodyPr>
-          <a:lstStyle/>
-          <a:p>
             <a:pPr algn="ctr"/>
             <a:r>
-              <a:rPr lang="en-IN" sz="2200" dirty="0">
-                <a:solidFill>
-                  <a:schemeClr val="bg2">
-                    <a:lumMod val="50000"/>
-                  </a:schemeClr>
-                </a:solidFill>
-              </a:rPr>
-              <a:t>Latest Documentation</a:t>
+              <a:rPr lang="en-US" dirty="0"/>
+              <a:t>Course ID</a:t>
             </a:r>
           </a:p>
         </p:txBody>
       </p:sp>
-      <p:pic>
-        <p:nvPicPr>
-          <p:cNvPr id="44" name="Picture 43">
-            <a:extLst>
-              <a:ext uri="{FF2B5EF4-FFF2-40B4-BE49-F238E27FC236}">
-                <a16:creationId xmlns:a16="http://schemas.microsoft.com/office/drawing/2014/main" id="{C84DA818-07F7-3C49-8665-28FBED243475}"/>
-              </a:ext>
-            </a:extLst>
-          </p:cNvPr>
-          <p:cNvPicPr>
-            <a:picLocks noChangeAspect="1"/>
-          </p:cNvPicPr>
-          <p:nvPr/>
-        </p:nvPicPr>
-        <p:blipFill>
-          <a:blip r:embed="rId7" cstate="hqprint">
-            <a:lum bright="70000" contrast="-70000"/>
-            <a:extLst>
-              <a:ext uri="{28A0092B-C50C-407E-A947-70E740481C1C}">
-                <a14:useLocalDpi xmlns:a14="http://schemas.microsoft.com/office/drawing/2010/main" val="0"/>
-              </a:ext>
-            </a:extLst>
-          </a:blip>
-          <a:stretch>
-            <a:fillRect/>
-          </a:stretch>
-        </p:blipFill>
-        <p:spPr>
-          <a:xfrm>
-            <a:off x="155418" y="5245759"/>
-            <a:ext cx="351932" cy="342369"/>
+      <p:sp>
+        <p:nvSpPr>
+          <p:cNvPr id="50" name="Rectangle 49">
+            <a:extLst>
+              <a:ext uri="{FF2B5EF4-FFF2-40B4-BE49-F238E27FC236}">
+                <a16:creationId xmlns:a16="http://schemas.microsoft.com/office/drawing/2014/main" id="{5CCF21A6-3573-F543-95AF-2A9029C46D51}"/>
+              </a:ext>
+            </a:extLst>
+          </p:cNvPr>
+          <p:cNvSpPr/>
+          <p:nvPr/>
+        </p:nvSpPr>
+        <p:spPr>
+          <a:xfrm>
+            <a:off x="2921199" y="4281446"/>
+            <a:ext cx="8835437" cy="694077"/>
           </a:xfrm>
           <a:prstGeom prst="rect">
             <a:avLst/>
           </a:prstGeom>
-        </p:spPr>
-      </p:pic>
-      <p:sp>
-        <p:nvSpPr>
-          <p:cNvPr id="45" name="TextBox 44">
-            <a:extLst>
-              <a:ext uri="{FF2B5EF4-FFF2-40B4-BE49-F238E27FC236}">
-                <a16:creationId xmlns:a16="http://schemas.microsoft.com/office/drawing/2014/main" id="{2DF43A07-FAF5-B646-88CD-2F283F8D3FE4}"/>
-              </a:ext>
-            </a:extLst>
-          </p:cNvPr>
-          <p:cNvSpPr txBox="1"/>
-          <p:nvPr/>
-        </p:nvSpPr>
-        <p:spPr>
-          <a:xfrm>
-            <a:off x="556190" y="5294064"/>
-            <a:ext cx="1809736" cy="289310"/>
-          </a:xfrm>
-          <a:prstGeom prst="rect">
-            <a:avLst/>
-          </a:prstGeom>
-          <a:noFill/>
-        </p:spPr>
-        <p:txBody>
-          <a:bodyPr wrap="square" rtlCol="0">
-            <a:spAutoFit/>
-          </a:bodyPr>
-          <a:lstStyle/>
-          <a:p>
-            <a:r>
-              <a:rPr lang="en-IN" sz="1280" dirty="0">
-                <a:solidFill>
-                  <a:schemeClr val="bg1"/>
-                </a:solidFill>
-              </a:rPr>
-              <a:t>Latest Updates</a:t>
-            </a:r>
-          </a:p>
-        </p:txBody>
-      </p:sp>
-      <p:sp>
-        <p:nvSpPr>
-          <p:cNvPr id="50" name="Rectangle: Rounded Corners 65">
-            <a:extLst>
-              <a:ext uri="{FF2B5EF4-FFF2-40B4-BE49-F238E27FC236}">
-                <a16:creationId xmlns:a16="http://schemas.microsoft.com/office/drawing/2014/main" id="{05EAECDE-3B6D-E24E-8243-B8611089B202}"/>
-              </a:ext>
-            </a:extLst>
-          </p:cNvPr>
-          <p:cNvSpPr/>
-          <p:nvPr/>
-        </p:nvSpPr>
-        <p:spPr>
-          <a:xfrm>
-            <a:off x="9176024" y="6718356"/>
-            <a:ext cx="1813374" cy="443272"/>
-          </a:xfrm>
-          <a:prstGeom prst="roundRect">
-            <a:avLst/>
-          </a:prstGeom>
           <a:solidFill>
-            <a:srgbClr val="00B0F0"/>
+            <a:schemeClr val="bg1"/>
           </a:solidFill>
           <a:ln>
-            <a:solidFill>
-              <a:schemeClr val="accent1">
-                <a:lumMod val="60000"/>
-                <a:lumOff val="40000"/>
-              </a:schemeClr>
-            </a:solidFill>
+            <a:noFill/>
           </a:ln>
         </p:spPr>
         <p:style>
@@ -26651,17 +24993,17 @@
             <a:pPr algn="ctr"/>
             <a:r>
               <a:rPr lang="en-IN" sz="1646" dirty="0"/>
-              <a:t>Latest Video Lectures</a:t>
+              <a:t>E</a:t>
             </a:r>
           </a:p>
         </p:txBody>
       </p:sp>
       <p:sp>
         <p:nvSpPr>
-          <p:cNvPr id="52" name="Rectangle: Rounded Corners 65">
-            <a:extLst>
-              <a:ext uri="{FF2B5EF4-FFF2-40B4-BE49-F238E27FC236}">
-                <a16:creationId xmlns:a16="http://schemas.microsoft.com/office/drawing/2014/main" id="{05EAECDE-3B6D-E24E-8243-B8611089B202}"/>
+          <p:cNvPr id="51" name="Rectangle: Rounded Corners 55">
+            <a:extLst>
+              <a:ext uri="{FF2B5EF4-FFF2-40B4-BE49-F238E27FC236}">
+                <a16:creationId xmlns:a16="http://schemas.microsoft.com/office/drawing/2014/main" id="{1A549288-70C2-FA4A-B20B-0E47D8136C14}"/>
               </a:ext>
             </a:extLst>
           </p:cNvPr>
@@ -26670,20 +25012,19 @@
         </p:nvSpPr>
         <p:spPr>
           <a:xfrm>
-            <a:off x="3414260" y="6718356"/>
-            <a:ext cx="2103150" cy="443272"/>
+            <a:off x="5322452" y="4422945"/>
+            <a:ext cx="3068078" cy="422168"/>
           </a:xfrm>
           <a:prstGeom prst="roundRect">
             <a:avLst/>
           </a:prstGeom>
           <a:solidFill>
-            <a:srgbClr val="00B0F0"/>
+            <a:schemeClr val="bg1"/>
           </a:solidFill>
           <a:ln>
             <a:solidFill>
-              <a:schemeClr val="accent1">
-                <a:lumMod val="60000"/>
-                <a:lumOff val="40000"/>
+              <a:schemeClr val="bg2">
+                <a:lumMod val="50000"/>
               </a:schemeClr>
             </a:solidFill>
           </a:ln>
@@ -26708,160 +25049,22 @@
           <a:bodyPr rtlCol="0" anchor="ctr"/>
           <a:lstStyle/>
           <a:p>
-            <a:pPr algn="ctr"/>
-            <a:r>
-              <a:rPr lang="en-IN" sz="1646" dirty="0"/>
-              <a:t>Latest News</a:t>
-            </a:r>
-          </a:p>
-        </p:txBody>
-      </p:sp>
-      <p:sp>
-        <p:nvSpPr>
-          <p:cNvPr id="2" name="TextBox 1"/>
-          <p:cNvSpPr txBox="1"/>
-          <p:nvPr/>
-        </p:nvSpPr>
-        <p:spPr>
-          <a:xfrm>
-            <a:off x="2975207" y="1643837"/>
-            <a:ext cx="6723530" cy="4524315"/>
-          </a:xfrm>
-          <a:prstGeom prst="rect">
-            <a:avLst/>
-          </a:prstGeom>
-          <a:noFill/>
-        </p:spPr>
-        <p:txBody>
-          <a:bodyPr wrap="square" rtlCol="0">
-            <a:spAutoFit/>
-          </a:bodyPr>
-          <a:lstStyle/>
-          <a:p>
-            <a:r>
-              <a:rPr lang="en-US" sz="1600" b="1" dirty="0">
-                <a:solidFill>
-                  <a:schemeClr val="bg1"/>
-                </a:solidFill>
-              </a:rPr>
-              <a:t>5 Technologies Now Changing Manufacturing</a:t>
-            </a:r>
-          </a:p>
-          <a:p>
-            <a:r>
-              <a:rPr lang="en-US" sz="1600" b="1" dirty="0">
-                <a:solidFill>
-                  <a:schemeClr val="bg1"/>
-                </a:solidFill>
-              </a:rPr>
-              <a:t>These technologies are having a disruptive impact on the factories of the future</a:t>
-            </a:r>
-          </a:p>
-          <a:p>
-            <a:r>
-              <a:rPr lang="en-US" sz="1600" dirty="0">
-                <a:solidFill>
-                  <a:schemeClr val="bg1"/>
-                </a:solidFill>
-              </a:rPr>
-              <a:t>As new technologies start to pervade all areas of our lives, we are beginning to see their application in the manufacturing industry. The German government coined the term ‘Industry 4.0’ which refers to this revolution of manufacturing through technology. While there is certainly some debate around the use of this term – the integration of production methods with the latest developments in computers certainly has the potential to make manufacturing autonomous, cheaper and more efficient. There are lots of ways this could be done, so what can we expect to see in the factory of the future?</a:t>
-            </a:r>
-          </a:p>
-          <a:p>
-            <a:r>
-              <a:rPr lang="en-US" sz="1600" b="1" dirty="0">
-                <a:solidFill>
-                  <a:schemeClr val="bg1"/>
-                </a:solidFill>
-              </a:rPr>
-              <a:t>1) Ultrafast 3D printing</a:t>
-            </a:r>
-            <a:endParaRPr lang="en-US" sz="1600" dirty="0">
+            <a:endParaRPr lang="en-IN" sz="1646" dirty="0">
               <a:solidFill>
-                <a:schemeClr val="bg1"/>
+                <a:schemeClr val="bg2">
+                  <a:lumMod val="50000"/>
+                </a:schemeClr>
               </a:solidFill>
             </a:endParaRPr>
           </a:p>
-          <a:p>
-            <a:r>
-              <a:rPr lang="en-US" sz="1600" dirty="0">
-                <a:solidFill>
-                  <a:schemeClr val="bg1"/>
-                </a:solidFill>
-              </a:rPr>
-              <a:t>Up until now, 3D printing has had limited applications in the manufacture of plastics. Making plastic layer by layer is a time consuming and expensive process compared to traditional techniques like injection </a:t>
-            </a:r>
-            <a:r>
-              <a:rPr lang="en-US" sz="1600" dirty="0" err="1">
-                <a:solidFill>
-                  <a:schemeClr val="bg1"/>
-                </a:solidFill>
-              </a:rPr>
-              <a:t>moulding</a:t>
-            </a:r>
-            <a:r>
-              <a:rPr lang="en-US" sz="1600" dirty="0">
-                <a:solidFill>
-                  <a:schemeClr val="bg1"/>
-                </a:solidFill>
-              </a:rPr>
-              <a:t>. However, Neil Hopkinson of the University of Sheffield has been working on a 3D printing technique which will make it economically viable to mass print plastic objects on a huge scale. </a:t>
-            </a:r>
-            <a:endParaRPr lang="en-IN" sz="1600" dirty="0">
-              <a:solidFill>
-                <a:schemeClr val="bg1"/>
-              </a:solidFill>
-            </a:endParaRPr>
-          </a:p>
-        </p:txBody>
-      </p:sp>
-      <p:pic>
-        <p:nvPicPr>
-          <p:cNvPr id="1028" name="Picture 4" descr="Image result for 3d printing"/>
-          <p:cNvPicPr>
-            <a:picLocks noChangeAspect="1" noChangeArrowheads="1"/>
-          </p:cNvPicPr>
-          <p:nvPr/>
-        </p:nvPicPr>
-        <p:blipFill>
-          <a:blip r:embed="rId11" cstate="hqprint">
-            <a:extLst>
-              <a:ext uri="{28A0092B-C50C-407E-A947-70E740481C1C}">
-                <a14:useLocalDpi xmlns:a14="http://schemas.microsoft.com/office/drawing/2010/main" val="0"/>
-              </a:ext>
-            </a:extLst>
-          </a:blip>
-          <a:srcRect/>
-          <a:stretch>
-            <a:fillRect/>
-          </a:stretch>
-        </p:blipFill>
-        <p:spPr bwMode="auto">
-          <a:xfrm>
-            <a:off x="9698737" y="3011971"/>
-            <a:ext cx="2690413" cy="1875913"/>
-          </a:xfrm>
-          <a:prstGeom prst="rect">
-            <a:avLst/>
-          </a:prstGeom>
-          <a:noFill/>
-          <a:extLst>
-            <a:ext uri="{909E8E84-426E-40DD-AFC4-6F175D3DCCD1}">
-              <a14:hiddenFill xmlns:a14="http://schemas.microsoft.com/office/drawing/2010/main">
-                <a:solidFill>
-                  <a:srgbClr val="FFFFFF"/>
-                </a:solidFill>
-              </a14:hiddenFill>
-            </a:ext>
-          </a:extLst>
-        </p:spPr>
-      </p:pic>
-      <p:sp>
-        <p:nvSpPr>
-          <p:cNvPr id="47" name="Rectangle: Rounded Corners 65">
-            <a:extLst>
-              <a:ext uri="{FF2B5EF4-FFF2-40B4-BE49-F238E27FC236}">
-                <a16:creationId xmlns:a16="http://schemas.microsoft.com/office/drawing/2014/main" id="{AEEF35AC-A77C-EA4D-9F33-B73848EADA0A}"/>
+        </p:txBody>
+      </p:sp>
+      <p:sp>
+        <p:nvSpPr>
+          <p:cNvPr id="52" name="Rectangle: Rounded Corners 65">
+            <a:extLst>
+              <a:ext uri="{FF2B5EF4-FFF2-40B4-BE49-F238E27FC236}">
+                <a16:creationId xmlns:a16="http://schemas.microsoft.com/office/drawing/2014/main" id="{05EAECDE-3B6D-E24E-8243-B8611089B202}"/>
               </a:ext>
             </a:extLst>
           </p:cNvPr>
@@ -26870,8 +25073,8 @@
         </p:nvSpPr>
         <p:spPr>
           <a:xfrm>
-            <a:off x="2985365" y="5734619"/>
-            <a:ext cx="6006235" cy="794710"/>
+            <a:off x="8806412" y="4393303"/>
+            <a:ext cx="1813374" cy="443272"/>
           </a:xfrm>
           <a:prstGeom prst="roundRect">
             <a:avLst/>
@@ -26910,19 +25113,54 @@
           <a:p>
             <a:pPr algn="ctr"/>
             <a:r>
-              <a:rPr lang="en-IN" sz="1646" dirty="0" err="1"/>
-              <a:t>TextBox</a:t>
+              <a:rPr lang="en-IN" sz="1646" dirty="0"/>
+              <a:t>Enter</a:t>
             </a:r>
-            <a:endParaRPr lang="en-IN" sz="1646" dirty="0"/>
-          </a:p>
-        </p:txBody>
-      </p:sp>
-      <p:sp>
-        <p:nvSpPr>
-          <p:cNvPr id="48" name="Rectangle: Rounded Corners 65">
-            <a:extLst>
-              <a:ext uri="{FF2B5EF4-FFF2-40B4-BE49-F238E27FC236}">
-                <a16:creationId xmlns:a16="http://schemas.microsoft.com/office/drawing/2014/main" id="{BA17905F-BDB6-624B-B260-E1CAC961F37F}"/>
+          </a:p>
+        </p:txBody>
+      </p:sp>
+      <p:sp>
+        <p:nvSpPr>
+          <p:cNvPr id="53" name="TextBox 52">
+            <a:extLst>
+              <a:ext uri="{FF2B5EF4-FFF2-40B4-BE49-F238E27FC236}">
+                <a16:creationId xmlns:a16="http://schemas.microsoft.com/office/drawing/2014/main" id="{550105AF-B118-154C-AF9F-5CD4F3909DD9}"/>
+              </a:ext>
+            </a:extLst>
+          </p:cNvPr>
+          <p:cNvSpPr txBox="1"/>
+          <p:nvPr/>
+        </p:nvSpPr>
+        <p:spPr>
+          <a:xfrm>
+            <a:off x="3798350" y="4467243"/>
+            <a:ext cx="937437" cy="369332"/>
+          </a:xfrm>
+          <a:prstGeom prst="rect">
+            <a:avLst/>
+          </a:prstGeom>
+          <a:noFill/>
+        </p:spPr>
+        <p:txBody>
+          <a:bodyPr wrap="none" rtlCol="0">
+            <a:spAutoFit/>
+          </a:bodyPr>
+          <a:lstStyle/>
+          <a:p>
+            <a:pPr algn="ctr"/>
+            <a:r>
+              <a:rPr lang="en-US" dirty="0"/>
+              <a:t>Test No.</a:t>
+            </a:r>
+          </a:p>
+        </p:txBody>
+      </p:sp>
+      <p:sp>
+        <p:nvSpPr>
+          <p:cNvPr id="58" name="Rectangle: Rounded Corners 65">
+            <a:extLst>
+              <a:ext uri="{FF2B5EF4-FFF2-40B4-BE49-F238E27FC236}">
+                <a16:creationId xmlns:a16="http://schemas.microsoft.com/office/drawing/2014/main" id="{05EAECDE-3B6D-E24E-8243-B8611089B202}"/>
               </a:ext>
             </a:extLst>
           </p:cNvPr>
@@ -26931,8 +25169,8 @@
         </p:nvSpPr>
         <p:spPr>
           <a:xfrm>
-            <a:off x="9176023" y="5794584"/>
-            <a:ext cx="1978473" cy="426227"/>
+            <a:off x="5996457" y="6741147"/>
+            <a:ext cx="1813374" cy="443272"/>
           </a:xfrm>
           <a:prstGeom prst="roundRect">
             <a:avLst/>
@@ -26972,17 +25210,117 @@
             <a:pPr algn="ctr"/>
             <a:r>
               <a:rPr lang="en-IN" sz="1646" dirty="0"/>
-              <a:t>Submit</a:t>
+              <a:t>Send SMS</a:t>
             </a:r>
           </a:p>
         </p:txBody>
       </p:sp>
-      <p:sp>
-        <p:nvSpPr>
-          <p:cNvPr id="49" name="Rectangle: Rounded Corners 65">
-            <a:extLst>
-              <a:ext uri="{FF2B5EF4-FFF2-40B4-BE49-F238E27FC236}">
-                <a16:creationId xmlns:a16="http://schemas.microsoft.com/office/drawing/2014/main" id="{6188FD5D-1DFF-C04B-97C8-1E8AA05A019E}"/>
+      <p:pic>
+        <p:nvPicPr>
+          <p:cNvPr id="3" name="Picture 2"/>
+          <p:cNvPicPr>
+            <a:picLocks noChangeAspect="1"/>
+          </p:cNvPicPr>
+          <p:nvPr/>
+        </p:nvPicPr>
+        <p:blipFill>
+          <a:blip r:embed="rId11"/>
+          <a:stretch>
+            <a:fillRect/>
+          </a:stretch>
+        </p:blipFill>
+        <p:spPr>
+          <a:xfrm>
+            <a:off x="4732150" y="5197676"/>
+            <a:ext cx="4341988" cy="1314450"/>
+          </a:xfrm>
+          <a:prstGeom prst="rect">
+            <a:avLst/>
+          </a:prstGeom>
+        </p:spPr>
+      </p:pic>
+      <p:pic>
+        <p:nvPicPr>
+          <p:cNvPr id="56" name="Picture 55">
+            <a:extLst>
+              <a:ext uri="{FF2B5EF4-FFF2-40B4-BE49-F238E27FC236}">
+                <a16:creationId xmlns:a16="http://schemas.microsoft.com/office/drawing/2014/main" id="{C84DA818-07F7-3C49-8665-28FBED243475}"/>
+              </a:ext>
+            </a:extLst>
+          </p:cNvPr>
+          <p:cNvPicPr>
+            <a:picLocks noChangeAspect="1"/>
+          </p:cNvPicPr>
+          <p:nvPr/>
+        </p:nvPicPr>
+        <p:blipFill>
+          <a:blip r:embed="rId7" cstate="hqprint">
+            <a:lum bright="70000" contrast="-70000"/>
+            <a:extLst>
+              <a:ext uri="{28A0092B-C50C-407E-A947-70E740481C1C}">
+                <a14:useLocalDpi xmlns:a14="http://schemas.microsoft.com/office/drawing/2010/main" val="0"/>
+              </a:ext>
+            </a:extLst>
+          </a:blip>
+          <a:stretch>
+            <a:fillRect/>
+          </a:stretch>
+        </p:blipFill>
+        <p:spPr>
+          <a:xfrm>
+            <a:off x="155418" y="5245759"/>
+            <a:ext cx="351932" cy="342369"/>
+          </a:xfrm>
+          <a:prstGeom prst="rect">
+            <a:avLst/>
+          </a:prstGeom>
+        </p:spPr>
+      </p:pic>
+      <p:sp>
+        <p:nvSpPr>
+          <p:cNvPr id="57" name="TextBox 56">
+            <a:extLst>
+              <a:ext uri="{FF2B5EF4-FFF2-40B4-BE49-F238E27FC236}">
+                <a16:creationId xmlns:a16="http://schemas.microsoft.com/office/drawing/2014/main" id="{2DF43A07-FAF5-B646-88CD-2F283F8D3FE4}"/>
+              </a:ext>
+            </a:extLst>
+          </p:cNvPr>
+          <p:cNvSpPr txBox="1"/>
+          <p:nvPr/>
+        </p:nvSpPr>
+        <p:spPr>
+          <a:xfrm>
+            <a:off x="556190" y="5294064"/>
+            <a:ext cx="1809736" cy="289310"/>
+          </a:xfrm>
+          <a:prstGeom prst="rect">
+            <a:avLst/>
+          </a:prstGeom>
+          <a:noFill/>
+        </p:spPr>
+        <p:txBody>
+          <a:bodyPr wrap="square" rtlCol="0">
+            <a:spAutoFit/>
+          </a:bodyPr>
+          <a:lstStyle/>
+          <a:p>
+            <a:r>
+              <a:rPr lang="en-IN" sz="1280" dirty="0">
+                <a:solidFill>
+                  <a:schemeClr val="bg1"/>
+                </a:solidFill>
+              </a:rPr>
+              <a:t>Latest Updates</a:t>
+            </a:r>
+          </a:p>
+        </p:txBody>
+      </p:sp>
+      <p:sp>
+        <p:nvSpPr>
+          <p:cNvPr id="59" name="Rectangle: Rounded Corners 65">
+            <a:extLst>
+              <a:ext uri="{FF2B5EF4-FFF2-40B4-BE49-F238E27FC236}">
+                <a16:creationId xmlns:a16="http://schemas.microsoft.com/office/drawing/2014/main" id="{50DF11FB-4625-5A49-B5F9-1B52C1001EDA}"/>
               </a:ext>
             </a:extLst>
           </p:cNvPr>
@@ -26990,9 +25328,9 @@
           <p:nvPr/>
         </p:nvSpPr>
         <p:spPr>
-          <a:xfrm rot="5400000">
-            <a:off x="10622240" y="3376305"/>
-            <a:ext cx="4125962" cy="288176"/>
+          <a:xfrm>
+            <a:off x="8188659" y="6695126"/>
+            <a:ext cx="1813374" cy="443272"/>
           </a:xfrm>
           <a:prstGeom prst="roundRect">
             <a:avLst/>
@@ -27032,67 +25370,7 @@
             <a:pPr algn="ctr"/>
             <a:r>
               <a:rPr lang="en-IN" sz="1646" dirty="0"/>
-              <a:t>Slider</a:t>
-            </a:r>
-          </a:p>
-        </p:txBody>
-      </p:sp>
-      <p:sp>
-        <p:nvSpPr>
-          <p:cNvPr id="51" name="Rectangle: Rounded Corners 65">
-            <a:extLst>
-              <a:ext uri="{FF2B5EF4-FFF2-40B4-BE49-F238E27FC236}">
-                <a16:creationId xmlns:a16="http://schemas.microsoft.com/office/drawing/2014/main" id="{929EC5F5-6802-0E42-AA04-BBFC98FE40CA}"/>
-              </a:ext>
-            </a:extLst>
-          </p:cNvPr>
-          <p:cNvSpPr/>
-          <p:nvPr/>
-        </p:nvSpPr>
-        <p:spPr>
-          <a:xfrm>
-            <a:off x="6682206" y="6718356"/>
-            <a:ext cx="1813374" cy="443272"/>
-          </a:xfrm>
-          <a:prstGeom prst="roundRect">
-            <a:avLst/>
-          </a:prstGeom>
-          <a:solidFill>
-            <a:srgbClr val="00B0F0"/>
-          </a:solidFill>
-          <a:ln>
-            <a:solidFill>
-              <a:schemeClr val="accent1">
-                <a:lumMod val="60000"/>
-                <a:lumOff val="40000"/>
-              </a:schemeClr>
-            </a:solidFill>
-          </a:ln>
-        </p:spPr>
-        <p:style>
-          <a:lnRef idx="2">
-            <a:schemeClr val="accent1">
-              <a:shade val="50000"/>
-            </a:schemeClr>
-          </a:lnRef>
-          <a:fillRef idx="1">
-            <a:schemeClr val="accent1"/>
-          </a:fillRef>
-          <a:effectRef idx="0">
-            <a:schemeClr val="accent1"/>
-          </a:effectRef>
-          <a:fontRef idx="minor">
-            <a:schemeClr val="lt1"/>
-          </a:fontRef>
-        </p:style>
-        <p:txBody>
-          <a:bodyPr rtlCol="0" anchor="ctr"/>
-          <a:lstStyle/>
-          <a:p>
-            <a:pPr algn="ctr"/>
-            <a:r>
-              <a:rPr lang="en-IN" sz="1646" dirty="0"/>
-              <a:t>Documentation</a:t>
+              <a:t>Send SMS</a:t>
             </a:r>
           </a:p>
         </p:txBody>
@@ -27100,7 +25378,7 @@
     </p:spTree>
     <p:extLst>
       <p:ext uri="{BB962C8B-B14F-4D97-AF65-F5344CB8AC3E}">
-        <p14:creationId xmlns:p14="http://schemas.microsoft.com/office/powerpoint/2010/main" val="3392063544"/>
+        <p14:creationId xmlns:p14="http://schemas.microsoft.com/office/powerpoint/2010/main" val="876097151"/>
       </p:ext>
     </p:extLst>
   </p:cSld>

--- a/Documentation/Screen Designs/Shanta Sanofi Screen Designs.pptx
+++ b/Documentation/Screen Designs/Shanta Sanofi Screen Designs.pptx
@@ -208,7 +208,7 @@
           <a:p>
             <a:fld id="{736940B7-5369-499F-A655-F2C040499C10}" type="datetimeFigureOut">
               <a:rPr lang="en-IN" smtClean="0"/>
-              <a:t>19/02/19</a:t>
+              <a:t>20/02/19</a:t>
             </a:fld>
             <a:endParaRPr lang="en-IN"/>
           </a:p>
@@ -1531,7 +1531,7 @@
           <a:p>
             <a:fld id="{0344983A-0EFF-4FA5-823C-58DD31D92387}" type="datetimeFigureOut">
               <a:rPr lang="en-IN" smtClean="0"/>
-              <a:t>19/02/19</a:t>
+              <a:t>20/02/19</a:t>
             </a:fld>
             <a:endParaRPr lang="en-IN"/>
           </a:p>
@@ -1701,7 +1701,7 @@
           <a:p>
             <a:fld id="{0344983A-0EFF-4FA5-823C-58DD31D92387}" type="datetimeFigureOut">
               <a:rPr lang="en-IN" smtClean="0"/>
-              <a:t>19/02/19</a:t>
+              <a:t>20/02/19</a:t>
             </a:fld>
             <a:endParaRPr lang="en-IN"/>
           </a:p>
@@ -1881,7 +1881,7 @@
           <a:p>
             <a:fld id="{0344983A-0EFF-4FA5-823C-58DD31D92387}" type="datetimeFigureOut">
               <a:rPr lang="en-IN" smtClean="0"/>
-              <a:t>19/02/19</a:t>
+              <a:t>20/02/19</a:t>
             </a:fld>
             <a:endParaRPr lang="en-IN"/>
           </a:p>
@@ -2051,7 +2051,7 @@
           <a:p>
             <a:fld id="{0344983A-0EFF-4FA5-823C-58DD31D92387}" type="datetimeFigureOut">
               <a:rPr lang="en-IN" smtClean="0"/>
-              <a:t>19/02/19</a:t>
+              <a:t>20/02/19</a:t>
             </a:fld>
             <a:endParaRPr lang="en-IN"/>
           </a:p>
@@ -2297,7 +2297,7 @@
           <a:p>
             <a:fld id="{0344983A-0EFF-4FA5-823C-58DD31D92387}" type="datetimeFigureOut">
               <a:rPr lang="en-IN" smtClean="0"/>
-              <a:t>19/02/19</a:t>
+              <a:t>20/02/19</a:t>
             </a:fld>
             <a:endParaRPr lang="en-IN"/>
           </a:p>
@@ -2529,7 +2529,7 @@
           <a:p>
             <a:fld id="{0344983A-0EFF-4FA5-823C-58DD31D92387}" type="datetimeFigureOut">
               <a:rPr lang="en-IN" smtClean="0"/>
-              <a:t>19/02/19</a:t>
+              <a:t>20/02/19</a:t>
             </a:fld>
             <a:endParaRPr lang="en-IN"/>
           </a:p>
@@ -2896,7 +2896,7 @@
           <a:p>
             <a:fld id="{0344983A-0EFF-4FA5-823C-58DD31D92387}" type="datetimeFigureOut">
               <a:rPr lang="en-IN" smtClean="0"/>
-              <a:t>19/02/19</a:t>
+              <a:t>20/02/19</a:t>
             </a:fld>
             <a:endParaRPr lang="en-IN"/>
           </a:p>
@@ -3014,7 +3014,7 @@
           <a:p>
             <a:fld id="{0344983A-0EFF-4FA5-823C-58DD31D92387}" type="datetimeFigureOut">
               <a:rPr lang="en-IN" smtClean="0"/>
-              <a:t>19/02/19</a:t>
+              <a:t>20/02/19</a:t>
             </a:fld>
             <a:endParaRPr lang="en-IN"/>
           </a:p>
@@ -3109,7 +3109,7 @@
           <a:p>
             <a:fld id="{0344983A-0EFF-4FA5-823C-58DD31D92387}" type="datetimeFigureOut">
               <a:rPr lang="en-IN" smtClean="0"/>
-              <a:t>19/02/19</a:t>
+              <a:t>20/02/19</a:t>
             </a:fld>
             <a:endParaRPr lang="en-IN"/>
           </a:p>
@@ -3386,7 +3386,7 @@
           <a:p>
             <a:fld id="{0344983A-0EFF-4FA5-823C-58DD31D92387}" type="datetimeFigureOut">
               <a:rPr lang="en-IN" smtClean="0"/>
-              <a:t>19/02/19</a:t>
+              <a:t>20/02/19</a:t>
             </a:fld>
             <a:endParaRPr lang="en-IN"/>
           </a:p>
@@ -3643,7 +3643,7 @@
           <a:p>
             <a:fld id="{0344983A-0EFF-4FA5-823C-58DD31D92387}" type="datetimeFigureOut">
               <a:rPr lang="en-IN" smtClean="0"/>
-              <a:t>19/02/19</a:t>
+              <a:t>20/02/19</a:t>
             </a:fld>
             <a:endParaRPr lang="en-IN"/>
           </a:p>
@@ -3856,7 +3856,7 @@
           <a:p>
             <a:fld id="{0344983A-0EFF-4FA5-823C-58DD31D92387}" type="datetimeFigureOut">
               <a:rPr lang="en-IN" smtClean="0"/>
-              <a:t>19/02/19</a:t>
+              <a:t>20/02/19</a:t>
             </a:fld>
             <a:endParaRPr lang="en-IN"/>
           </a:p>
@@ -11343,8 +11343,8 @@
         </p:nvSpPr>
         <p:spPr>
           <a:xfrm>
-            <a:off x="4025321" y="3406590"/>
-            <a:ext cx="1294522" cy="369332"/>
+            <a:off x="3496909" y="3406590"/>
+            <a:ext cx="2351349" cy="369332"/>
           </a:xfrm>
           <a:prstGeom prst="rect">
             <a:avLst/>
@@ -11360,7 +11360,7 @@
             <a:pPr algn="ctr"/>
             <a:r>
               <a:rPr lang="en-US" dirty="0"/>
-              <a:t>Start Date *</a:t>
+              <a:t>Course Addition Date *</a:t>
             </a:r>
           </a:p>
         </p:txBody>
@@ -11515,7 +11515,7 @@
         </p:nvSpPr>
         <p:spPr>
           <a:xfrm>
-            <a:off x="9192225" y="4459220"/>
+            <a:off x="9212545" y="4459220"/>
             <a:ext cx="1813374" cy="443272"/>
           </a:xfrm>
           <a:prstGeom prst="roundRect">
@@ -11555,10 +11555,9 @@
           <a:p>
             <a:pPr algn="ctr"/>
             <a:r>
-              <a:rPr lang="en-IN" sz="1646" dirty="0" err="1"/>
-              <a:t>nter</a:t>
+              <a:rPr lang="en-IN" sz="1646" dirty="0"/>
+              <a:t>Enter</a:t>
             </a:r>
-            <a:endParaRPr lang="en-IN" sz="1646" dirty="0"/>
           </a:p>
         </p:txBody>
       </p:sp>
@@ -11576,8 +11575,8 @@
         </p:nvSpPr>
         <p:spPr>
           <a:xfrm>
-            <a:off x="4128907" y="4533160"/>
-            <a:ext cx="1087349" cy="369332"/>
+            <a:off x="4111596" y="4533160"/>
+            <a:ext cx="1121974" cy="369332"/>
           </a:xfrm>
           <a:prstGeom prst="rect">
             <a:avLst/>
@@ -11593,7 +11592,7 @@
             <a:pPr algn="ctr"/>
             <a:r>
               <a:rPr lang="en-US" dirty="0"/>
-              <a:t>End Date </a:t>
+              <a:t>Duration*</a:t>
             </a:r>
           </a:p>
         </p:txBody>
@@ -13103,36 +13102,6 @@
           </a:p>
         </p:txBody>
       </p:sp>
-      <p:pic>
-        <p:nvPicPr>
-          <p:cNvPr id="40" name="Picture 39">
-            <a:extLst>
-              <a:ext uri="{FF2B5EF4-FFF2-40B4-BE49-F238E27FC236}">
-                <a16:creationId xmlns:a16="http://schemas.microsoft.com/office/drawing/2014/main" id="{25AD6FF2-6DC2-9342-A298-C73A156A7691}"/>
-              </a:ext>
-            </a:extLst>
-          </p:cNvPr>
-          <p:cNvPicPr>
-            <a:picLocks noChangeAspect="1"/>
-          </p:cNvPicPr>
-          <p:nvPr/>
-        </p:nvPicPr>
-        <p:blipFill>
-          <a:blip r:embed="rId11"/>
-          <a:stretch>
-            <a:fillRect/>
-          </a:stretch>
-        </p:blipFill>
-        <p:spPr>
-          <a:xfrm>
-            <a:off x="7692566" y="7755222"/>
-            <a:ext cx="10136484" cy="5597102"/>
-          </a:xfrm>
-          <a:prstGeom prst="rect">
-            <a:avLst/>
-          </a:prstGeom>
-        </p:spPr>
-      </p:pic>
       <p:sp>
         <p:nvSpPr>
           <p:cNvPr id="2" name="TextBox 1">
@@ -13247,7 +13216,7 @@
         <p:spPr>
           <a:xfrm>
             <a:off x="6357748" y="1979238"/>
-            <a:ext cx="1130804" cy="430662"/>
+            <a:ext cx="1394612" cy="430662"/>
           </a:xfrm>
           <a:prstGeom prst="roundRect">
             <a:avLst/>
@@ -13283,13 +13252,16 @@
           <a:bodyPr rtlCol="0" anchor="ctr"/>
           <a:lstStyle/>
           <a:p>
-            <a:endParaRPr lang="en-IN" sz="1646" dirty="0">
-              <a:solidFill>
-                <a:schemeClr val="bg2">
-                  <a:lumMod val="50000"/>
-                </a:schemeClr>
-              </a:solidFill>
-            </a:endParaRPr>
+            <a:r>
+              <a:rPr lang="en-IN" sz="1646" dirty="0">
+                <a:solidFill>
+                  <a:schemeClr val="bg2">
+                    <a:lumMod val="50000"/>
+                  </a:schemeClr>
+                </a:solidFill>
+              </a:rPr>
+              <a:t>today</a:t>
+            </a:r>
           </a:p>
         </p:txBody>
       </p:sp>
@@ -13331,46 +13303,10 @@
       </p:sp>
       <p:sp>
         <p:nvSpPr>
-          <p:cNvPr id="46" name="TextBox 45">
-            <a:extLst>
-              <a:ext uri="{FF2B5EF4-FFF2-40B4-BE49-F238E27FC236}">
-                <a16:creationId xmlns:a16="http://schemas.microsoft.com/office/drawing/2014/main" id="{21A65F48-94AD-7449-B09D-FDB97C9B906F}"/>
-              </a:ext>
-            </a:extLst>
-          </p:cNvPr>
-          <p:cNvSpPr txBox="1"/>
-          <p:nvPr/>
-        </p:nvSpPr>
-        <p:spPr>
-          <a:xfrm>
-            <a:off x="7589365" y="2009903"/>
-            <a:ext cx="1303766" cy="369332"/>
-          </a:xfrm>
-          <a:prstGeom prst="rect">
-            <a:avLst/>
-          </a:prstGeom>
-          <a:noFill/>
-        </p:spPr>
-        <p:txBody>
-          <a:bodyPr wrap="square" rtlCol="0">
-            <a:spAutoFit/>
-          </a:bodyPr>
-          <a:lstStyle/>
-          <a:p>
-            <a:pPr algn="ctr"/>
-            <a:r>
-              <a:rPr lang="en-US" dirty="0"/>
-              <a:t>End Date </a:t>
-            </a:r>
-          </a:p>
-        </p:txBody>
-      </p:sp>
-      <p:sp>
-        <p:nvSpPr>
-          <p:cNvPr id="48" name="Rectangle: Rounded Corners 55">
-            <a:extLst>
-              <a:ext uri="{FF2B5EF4-FFF2-40B4-BE49-F238E27FC236}">
-                <a16:creationId xmlns:a16="http://schemas.microsoft.com/office/drawing/2014/main" id="{1A549288-70C2-FA4A-B20B-0E47D8136C14}"/>
+          <p:cNvPr id="49" name="Rectangle: Rounded Corners 65">
+            <a:extLst>
+              <a:ext uri="{FF2B5EF4-FFF2-40B4-BE49-F238E27FC236}">
+                <a16:creationId xmlns:a16="http://schemas.microsoft.com/office/drawing/2014/main" id="{05EAECDE-3B6D-E24E-8243-B8611089B202}"/>
               </a:ext>
             </a:extLst>
           </p:cNvPr>
@@ -13379,19 +13315,20 @@
         </p:nvSpPr>
         <p:spPr>
           <a:xfrm>
-            <a:off x="8905050" y="2003633"/>
-            <a:ext cx="1130804" cy="430662"/>
+            <a:off x="6075616" y="6406408"/>
+            <a:ext cx="1813374" cy="443272"/>
           </a:xfrm>
           <a:prstGeom prst="roundRect">
             <a:avLst/>
           </a:prstGeom>
           <a:solidFill>
-            <a:schemeClr val="bg1"/>
+            <a:srgbClr val="00B0F0"/>
           </a:solidFill>
           <a:ln>
             <a:solidFill>
-              <a:schemeClr val="bg2">
-                <a:lumMod val="50000"/>
+              <a:schemeClr val="accent1">
+                <a:lumMod val="60000"/>
+                <a:lumOff val="40000"/>
               </a:schemeClr>
             </a:solidFill>
           </a:ln>
@@ -13416,22 +13353,221 @@
           <a:bodyPr rtlCol="0" anchor="ctr"/>
           <a:lstStyle/>
           <a:p>
-            <a:endParaRPr lang="en-IN" sz="1646" dirty="0">
-              <a:solidFill>
-                <a:schemeClr val="bg2">
-                  <a:lumMod val="50000"/>
-                </a:schemeClr>
-              </a:solidFill>
-            </a:endParaRPr>
-          </a:p>
-        </p:txBody>
-      </p:sp>
-      <p:sp>
-        <p:nvSpPr>
-          <p:cNvPr id="49" name="Rectangle: Rounded Corners 65">
-            <a:extLst>
-              <a:ext uri="{FF2B5EF4-FFF2-40B4-BE49-F238E27FC236}">
-                <a16:creationId xmlns:a16="http://schemas.microsoft.com/office/drawing/2014/main" id="{05EAECDE-3B6D-E24E-8243-B8611089B202}"/>
+            <a:pPr algn="ctr"/>
+            <a:r>
+              <a:rPr lang="en-IN" sz="1646" dirty="0"/>
+              <a:t>Submit</a:t>
+            </a:r>
+          </a:p>
+        </p:txBody>
+      </p:sp>
+      <p:pic>
+        <p:nvPicPr>
+          <p:cNvPr id="5" name="Picture 4"/>
+          <p:cNvPicPr>
+            <a:picLocks noChangeAspect="1"/>
+          </p:cNvPicPr>
+          <p:nvPr/>
+        </p:nvPicPr>
+        <p:blipFill>
+          <a:blip r:embed="rId11"/>
+          <a:stretch>
+            <a:fillRect/>
+          </a:stretch>
+        </p:blipFill>
+        <p:spPr>
+          <a:xfrm>
+            <a:off x="8729072" y="2644343"/>
+            <a:ext cx="3240968" cy="466725"/>
+          </a:xfrm>
+          <a:prstGeom prst="rect">
+            <a:avLst/>
+          </a:prstGeom>
+        </p:spPr>
+      </p:pic>
+      <p:sp>
+        <p:nvSpPr>
+          <p:cNvPr id="52" name="TextBox 51">
+            <a:extLst>
+              <a:ext uri="{FF2B5EF4-FFF2-40B4-BE49-F238E27FC236}">
+                <a16:creationId xmlns:a16="http://schemas.microsoft.com/office/drawing/2014/main" id="{550105AF-B118-154C-AF9F-5CD4F3909DD9}"/>
+              </a:ext>
+            </a:extLst>
+          </p:cNvPr>
+          <p:cNvSpPr txBox="1"/>
+          <p:nvPr/>
+        </p:nvSpPr>
+        <p:spPr>
+          <a:xfrm>
+            <a:off x="7496591" y="2691138"/>
+            <a:ext cx="1448720" cy="369332"/>
+          </a:xfrm>
+          <a:prstGeom prst="rect">
+            <a:avLst/>
+          </a:prstGeom>
+          <a:noFill/>
+        </p:spPr>
+        <p:txBody>
+          <a:bodyPr wrap="square" rtlCol="0">
+            <a:spAutoFit/>
+          </a:bodyPr>
+          <a:lstStyle/>
+          <a:p>
+            <a:pPr algn="ctr"/>
+            <a:r>
+              <a:rPr lang="en-US" dirty="0"/>
+              <a:t>Filter </a:t>
+            </a:r>
+          </a:p>
+        </p:txBody>
+      </p:sp>
+      <p:pic>
+        <p:nvPicPr>
+          <p:cNvPr id="7" name="Picture 6"/>
+          <p:cNvPicPr>
+            <a:picLocks noChangeAspect="1"/>
+          </p:cNvPicPr>
+          <p:nvPr/>
+        </p:nvPicPr>
+        <p:blipFill>
+          <a:blip r:embed="rId12"/>
+          <a:stretch>
+            <a:fillRect/>
+          </a:stretch>
+        </p:blipFill>
+        <p:spPr>
+          <a:xfrm>
+            <a:off x="3257340" y="3182601"/>
+            <a:ext cx="8706761" cy="2809852"/>
+          </a:xfrm>
+          <a:prstGeom prst="rect">
+            <a:avLst/>
+          </a:prstGeom>
+        </p:spPr>
+      </p:pic>
+      <p:pic>
+        <p:nvPicPr>
+          <p:cNvPr id="8" name="Picture 7"/>
+          <p:cNvPicPr>
+            <a:picLocks noChangeAspect="1"/>
+          </p:cNvPicPr>
+          <p:nvPr/>
+        </p:nvPicPr>
+        <p:blipFill rotWithShape="1">
+          <a:blip r:embed="rId13"/>
+          <a:srcRect r="9276" b="-318"/>
+          <a:stretch/>
+        </p:blipFill>
+        <p:spPr>
+          <a:xfrm>
+            <a:off x="2949113" y="3853394"/>
+            <a:ext cx="336879" cy="2173261"/>
+          </a:xfrm>
+          <a:prstGeom prst="rect">
+            <a:avLst/>
+          </a:prstGeom>
+        </p:spPr>
+      </p:pic>
+      <p:pic>
+        <p:nvPicPr>
+          <p:cNvPr id="53" name="Picture 52">
+            <a:extLst>
+              <a:ext uri="{FF2B5EF4-FFF2-40B4-BE49-F238E27FC236}">
+                <a16:creationId xmlns:a16="http://schemas.microsoft.com/office/drawing/2014/main" id="{D61881A4-B9B7-EA4D-A8C2-F7D2F176BD1B}"/>
+              </a:ext>
+            </a:extLst>
+          </p:cNvPr>
+          <p:cNvPicPr>
+            <a:picLocks noChangeAspect="1"/>
+          </p:cNvPicPr>
+          <p:nvPr/>
+        </p:nvPicPr>
+        <p:blipFill rotWithShape="1">
+          <a:blip r:embed="rId12"/>
+          <a:srcRect l="11986" r="79135" b="83150"/>
+          <a:stretch/>
+        </p:blipFill>
+        <p:spPr>
+          <a:xfrm>
+            <a:off x="2949113" y="3185476"/>
+            <a:ext cx="342738" cy="667918"/>
+          </a:xfrm>
+          <a:prstGeom prst="rect">
+            <a:avLst/>
+          </a:prstGeom>
+        </p:spPr>
+      </p:pic>
+      <p:pic>
+        <p:nvPicPr>
+          <p:cNvPr id="3" name="Picture 2">
+            <a:extLst>
+              <a:ext uri="{FF2B5EF4-FFF2-40B4-BE49-F238E27FC236}">
+                <a16:creationId xmlns:a16="http://schemas.microsoft.com/office/drawing/2014/main" id="{70479DC5-6CE0-734B-B5A7-135785E432A2}"/>
+              </a:ext>
+            </a:extLst>
+          </p:cNvPr>
+          <p:cNvPicPr>
+            <a:picLocks noChangeAspect="1"/>
+          </p:cNvPicPr>
+          <p:nvPr/>
+        </p:nvPicPr>
+        <p:blipFill>
+          <a:blip r:embed="rId14"/>
+          <a:stretch>
+            <a:fillRect/>
+          </a:stretch>
+        </p:blipFill>
+        <p:spPr>
+          <a:xfrm>
+            <a:off x="3137578" y="1915226"/>
+            <a:ext cx="1570631" cy="566040"/>
+          </a:xfrm>
+          <a:prstGeom prst="rect">
+            <a:avLst/>
+          </a:prstGeom>
+        </p:spPr>
+      </p:pic>
+      <p:sp>
+        <p:nvSpPr>
+          <p:cNvPr id="4" name="TextBox 3">
+            <a:extLst>
+              <a:ext uri="{FF2B5EF4-FFF2-40B4-BE49-F238E27FC236}">
+                <a16:creationId xmlns:a16="http://schemas.microsoft.com/office/drawing/2014/main" id="{31B0AC37-3F7A-574E-B86E-E42341BD8CDE}"/>
+              </a:ext>
+            </a:extLst>
+          </p:cNvPr>
+          <p:cNvSpPr txBox="1"/>
+          <p:nvPr/>
+        </p:nvSpPr>
+        <p:spPr>
+          <a:xfrm>
+            <a:off x="2891548" y="2706755"/>
+            <a:ext cx="1789849" cy="369332"/>
+          </a:xfrm>
+          <a:prstGeom prst="rect">
+            <a:avLst/>
+          </a:prstGeom>
+          <a:noFill/>
+        </p:spPr>
+        <p:txBody>
+          <a:bodyPr wrap="none" rtlCol="0">
+            <a:spAutoFit/>
+          </a:bodyPr>
+          <a:lstStyle/>
+          <a:p>
+            <a:r>
+              <a:rPr lang="en-US" dirty="0"/>
+              <a:t>Search Employee</a:t>
+            </a:r>
+          </a:p>
+        </p:txBody>
+      </p:sp>
+      <p:sp>
+        <p:nvSpPr>
+          <p:cNvPr id="55" name="Rectangle: Rounded Corners 55">
+            <a:extLst>
+              <a:ext uri="{FF2B5EF4-FFF2-40B4-BE49-F238E27FC236}">
+                <a16:creationId xmlns:a16="http://schemas.microsoft.com/office/drawing/2014/main" id="{418249F8-5E10-B842-80DF-833D2C21E785}"/>
               </a:ext>
             </a:extLst>
           </p:cNvPr>
@@ -13440,20 +13576,19 @@
         </p:nvSpPr>
         <p:spPr>
           <a:xfrm>
-            <a:off x="6075616" y="6406408"/>
-            <a:ext cx="1813374" cy="443272"/>
+            <a:off x="4714801" y="2650108"/>
+            <a:ext cx="1394612" cy="430662"/>
           </a:xfrm>
           <a:prstGeom prst="roundRect">
             <a:avLst/>
           </a:prstGeom>
           <a:solidFill>
-            <a:srgbClr val="00B0F0"/>
+            <a:schemeClr val="bg1"/>
           </a:solidFill>
           <a:ln>
             <a:solidFill>
-              <a:schemeClr val="accent1">
-                <a:lumMod val="60000"/>
-                <a:lumOff val="40000"/>
+              <a:schemeClr val="bg2">
+                <a:lumMod val="50000"/>
               </a:schemeClr>
             </a:solidFill>
           </a:ln>
@@ -13478,180 +13613,54 @@
           <a:bodyPr rtlCol="0" anchor="ctr"/>
           <a:lstStyle/>
           <a:p>
-            <a:pPr algn="ctr"/>
             <a:r>
-              <a:rPr lang="en-IN" sz="1646" dirty="0"/>
-              <a:t>Submit</a:t>
+              <a:rPr lang="en-IN" sz="1646" dirty="0">
+                <a:solidFill>
+                  <a:schemeClr val="bg2">
+                    <a:lumMod val="50000"/>
+                  </a:schemeClr>
+                </a:solidFill>
+              </a:rPr>
+              <a:t>Employee ID</a:t>
             </a:r>
           </a:p>
         </p:txBody>
       </p:sp>
-      <p:pic>
-        <p:nvPicPr>
-          <p:cNvPr id="5" name="Picture 4"/>
-          <p:cNvPicPr>
-            <a:picLocks noChangeAspect="1"/>
-          </p:cNvPicPr>
-          <p:nvPr/>
-        </p:nvPicPr>
-        <p:blipFill>
-          <a:blip r:embed="rId12"/>
-          <a:stretch>
-            <a:fillRect/>
-          </a:stretch>
-        </p:blipFill>
-        <p:spPr>
-          <a:xfrm>
-            <a:off x="8719601" y="2606000"/>
-            <a:ext cx="3240968" cy="466725"/>
+      <p:sp>
+        <p:nvSpPr>
+          <p:cNvPr id="10" name="TextBox 9">
+            <a:extLst>
+              <a:ext uri="{FF2B5EF4-FFF2-40B4-BE49-F238E27FC236}">
+                <a16:creationId xmlns:a16="http://schemas.microsoft.com/office/drawing/2014/main" id="{106AE7E5-B177-AD45-BE83-1EBAE8DBF6FA}"/>
+              </a:ext>
+            </a:extLst>
+          </p:cNvPr>
+          <p:cNvSpPr txBox="1"/>
+          <p:nvPr/>
+        </p:nvSpPr>
+        <p:spPr>
+          <a:xfrm>
+            <a:off x="3497928" y="6097648"/>
+            <a:ext cx="830677" cy="369332"/>
           </a:xfrm>
           <a:prstGeom prst="rect">
             <a:avLst/>
           </a:prstGeom>
-        </p:spPr>
-      </p:pic>
-      <p:sp>
-        <p:nvSpPr>
-          <p:cNvPr id="52" name="TextBox 51">
-            <a:extLst>
-              <a:ext uri="{FF2B5EF4-FFF2-40B4-BE49-F238E27FC236}">
-                <a16:creationId xmlns:a16="http://schemas.microsoft.com/office/drawing/2014/main" id="{550105AF-B118-154C-AF9F-5CD4F3909DD9}"/>
-              </a:ext>
-            </a:extLst>
-          </p:cNvPr>
-          <p:cNvSpPr txBox="1"/>
-          <p:nvPr/>
-        </p:nvSpPr>
-        <p:spPr>
-          <a:xfrm>
-            <a:off x="7607188" y="2632201"/>
-            <a:ext cx="1448720" cy="369332"/>
-          </a:xfrm>
-          <a:prstGeom prst="rect">
-            <a:avLst/>
-          </a:prstGeom>
           <a:noFill/>
         </p:spPr>
         <p:txBody>
-          <a:bodyPr wrap="square" rtlCol="0">
+          <a:bodyPr wrap="none" rtlCol="0">
             <a:spAutoFit/>
           </a:bodyPr>
           <a:lstStyle/>
           <a:p>
-            <a:pPr algn="ctr"/>
             <a:r>
               <a:rPr lang="en-US" dirty="0"/>
-              <a:t>Filter </a:t>
+              <a:t>Add all</a:t>
             </a:r>
           </a:p>
         </p:txBody>
       </p:sp>
-      <p:pic>
-        <p:nvPicPr>
-          <p:cNvPr id="7" name="Picture 6"/>
-          <p:cNvPicPr>
-            <a:picLocks noChangeAspect="1"/>
-          </p:cNvPicPr>
-          <p:nvPr/>
-        </p:nvPicPr>
-        <p:blipFill>
-          <a:blip r:embed="rId13"/>
-          <a:stretch>
-            <a:fillRect/>
-          </a:stretch>
-        </p:blipFill>
-        <p:spPr>
-          <a:xfrm>
-            <a:off x="3253808" y="3341709"/>
-            <a:ext cx="8706761" cy="2809852"/>
-          </a:xfrm>
-          <a:prstGeom prst="rect">
-            <a:avLst/>
-          </a:prstGeom>
-        </p:spPr>
-      </p:pic>
-      <p:pic>
-        <p:nvPicPr>
-          <p:cNvPr id="8" name="Picture 7"/>
-          <p:cNvPicPr>
-            <a:picLocks noChangeAspect="1"/>
-          </p:cNvPicPr>
-          <p:nvPr/>
-        </p:nvPicPr>
-        <p:blipFill rotWithShape="1">
-          <a:blip r:embed="rId14"/>
-          <a:srcRect r="9276" b="-318"/>
-          <a:stretch/>
-        </p:blipFill>
-        <p:spPr>
-          <a:xfrm>
-            <a:off x="2945581" y="4012502"/>
-            <a:ext cx="336879" cy="2173261"/>
-          </a:xfrm>
-          <a:prstGeom prst="rect">
-            <a:avLst/>
-          </a:prstGeom>
-        </p:spPr>
-      </p:pic>
-      <p:pic>
-        <p:nvPicPr>
-          <p:cNvPr id="53" name="Picture 52">
-            <a:extLst>
-              <a:ext uri="{FF2B5EF4-FFF2-40B4-BE49-F238E27FC236}">
-                <a16:creationId xmlns:a16="http://schemas.microsoft.com/office/drawing/2014/main" id="{D61881A4-B9B7-EA4D-A8C2-F7D2F176BD1B}"/>
-              </a:ext>
-            </a:extLst>
-          </p:cNvPr>
-          <p:cNvPicPr>
-            <a:picLocks noChangeAspect="1"/>
-          </p:cNvPicPr>
-          <p:nvPr/>
-        </p:nvPicPr>
-        <p:blipFill rotWithShape="1">
-          <a:blip r:embed="rId13"/>
-          <a:srcRect l="11986" r="79135" b="83150"/>
-          <a:stretch/>
-        </p:blipFill>
-        <p:spPr>
-          <a:xfrm>
-            <a:off x="2945581" y="3344584"/>
-            <a:ext cx="342738" cy="667918"/>
-          </a:xfrm>
-          <a:prstGeom prst="rect">
-            <a:avLst/>
-          </a:prstGeom>
-        </p:spPr>
-      </p:pic>
-      <p:pic>
-        <p:nvPicPr>
-          <p:cNvPr id="3" name="Picture 2">
-            <a:extLst>
-              <a:ext uri="{FF2B5EF4-FFF2-40B4-BE49-F238E27FC236}">
-                <a16:creationId xmlns:a16="http://schemas.microsoft.com/office/drawing/2014/main" id="{70479DC5-6CE0-734B-B5A7-135785E432A2}"/>
-              </a:ext>
-            </a:extLst>
-          </p:cNvPr>
-          <p:cNvPicPr>
-            <a:picLocks noChangeAspect="1"/>
-          </p:cNvPicPr>
-          <p:nvPr/>
-        </p:nvPicPr>
-        <p:blipFill>
-          <a:blip r:embed="rId15"/>
-          <a:stretch>
-            <a:fillRect/>
-          </a:stretch>
-        </p:blipFill>
-        <p:spPr>
-          <a:xfrm>
-            <a:off x="3282460" y="1915226"/>
-            <a:ext cx="1570631" cy="566040"/>
-          </a:xfrm>
-          <a:prstGeom prst="rect">
-            <a:avLst/>
-          </a:prstGeom>
-        </p:spPr>
-      </p:pic>
     </p:spTree>
     <p:extLst>
       <p:ext uri="{BB962C8B-B14F-4D97-AF65-F5344CB8AC3E}">
@@ -15583,14 +15592,14 @@
           <a:lstStyle/>
           <a:p>
             <a:r>
-              <a:rPr lang="en-IN" sz="1646" dirty="0">
+              <a:rPr lang="en-IN" sz="1646" u="sng" dirty="0">
                 <a:solidFill>
                   <a:schemeClr val="bg2">
                     <a:lumMod val="50000"/>
                   </a:schemeClr>
                 </a:solidFill>
               </a:rPr>
-              <a:t>28/02/19</a:t>
+              <a:t>28/02/19 </a:t>
             </a:r>
           </a:p>
         </p:txBody>
@@ -15798,7 +15807,7 @@
           <a:lstStyle/>
           <a:p>
             <a:r>
-              <a:rPr lang="en-IN" sz="1646" dirty="0">
+              <a:rPr lang="en-IN" sz="1646" u="sng" dirty="0">
                 <a:solidFill>
                   <a:schemeClr val="bg2">
                     <a:lumMod val="50000"/>
@@ -16009,6 +16018,141 @@
           </a:prstGeom>
         </p:spPr>
       </p:pic>
+      <p:sp>
+        <p:nvSpPr>
+          <p:cNvPr id="3" name="TextBox 2">
+            <a:extLst>
+              <a:ext uri="{FF2B5EF4-FFF2-40B4-BE49-F238E27FC236}">
+                <a16:creationId xmlns:a16="http://schemas.microsoft.com/office/drawing/2014/main" id="{55699F39-74BD-0649-ACB4-3E8108DCB446}"/>
+              </a:ext>
+            </a:extLst>
+          </p:cNvPr>
+          <p:cNvSpPr txBox="1"/>
+          <p:nvPr/>
+        </p:nvSpPr>
+        <p:spPr>
+          <a:xfrm>
+            <a:off x="5146861" y="7099408"/>
+            <a:ext cx="2005677" cy="369332"/>
+          </a:xfrm>
+          <a:prstGeom prst="rect">
+            <a:avLst/>
+          </a:prstGeom>
+          <a:noFill/>
+        </p:spPr>
+        <p:txBody>
+          <a:bodyPr wrap="none" rtlCol="0">
+            <a:spAutoFit/>
+          </a:bodyPr>
+          <a:lstStyle/>
+          <a:p>
+            <a:r>
+              <a:rPr lang="en-US" dirty="0"/>
+              <a:t>//Common Module</a:t>
+            </a:r>
+          </a:p>
+        </p:txBody>
+      </p:sp>
+      <p:sp>
+        <p:nvSpPr>
+          <p:cNvPr id="61" name="TextBox 60">
+            <a:extLst>
+              <a:ext uri="{FF2B5EF4-FFF2-40B4-BE49-F238E27FC236}">
+                <a16:creationId xmlns:a16="http://schemas.microsoft.com/office/drawing/2014/main" id="{9595503B-F8E6-C54C-98D4-D2293C88D7DA}"/>
+              </a:ext>
+            </a:extLst>
+          </p:cNvPr>
+          <p:cNvSpPr txBox="1"/>
+          <p:nvPr/>
+        </p:nvSpPr>
+        <p:spPr>
+          <a:xfrm>
+            <a:off x="3422830" y="5636775"/>
+            <a:ext cx="1328697" cy="369332"/>
+          </a:xfrm>
+          <a:prstGeom prst="rect">
+            <a:avLst/>
+          </a:prstGeom>
+          <a:noFill/>
+        </p:spPr>
+        <p:txBody>
+          <a:bodyPr wrap="none" rtlCol="0">
+            <a:spAutoFit/>
+          </a:bodyPr>
+          <a:lstStyle/>
+          <a:p>
+            <a:pPr algn="ctr"/>
+            <a:r>
+              <a:rPr lang="en-US" dirty="0"/>
+              <a:t>Department</a:t>
+            </a:r>
+          </a:p>
+        </p:txBody>
+      </p:sp>
+      <p:sp>
+        <p:nvSpPr>
+          <p:cNvPr id="63" name="Rectangle: Rounded Corners 55">
+            <a:extLst>
+              <a:ext uri="{FF2B5EF4-FFF2-40B4-BE49-F238E27FC236}">
+                <a16:creationId xmlns:a16="http://schemas.microsoft.com/office/drawing/2014/main" id="{AB2E9D28-C0EC-9E4C-8F0E-013A5C6D717D}"/>
+              </a:ext>
+            </a:extLst>
+          </p:cNvPr>
+          <p:cNvSpPr/>
+          <p:nvPr/>
+        </p:nvSpPr>
+        <p:spPr>
+          <a:xfrm>
+            <a:off x="5114855" y="5621976"/>
+            <a:ext cx="3068078" cy="422168"/>
+          </a:xfrm>
+          <a:prstGeom prst="roundRect">
+            <a:avLst/>
+          </a:prstGeom>
+          <a:solidFill>
+            <a:schemeClr val="bg1"/>
+          </a:solidFill>
+          <a:ln>
+            <a:solidFill>
+              <a:schemeClr val="bg2">
+                <a:lumMod val="50000"/>
+              </a:schemeClr>
+            </a:solidFill>
+          </a:ln>
+        </p:spPr>
+        <p:style>
+          <a:lnRef idx="2">
+            <a:schemeClr val="accent1">
+              <a:shade val="50000"/>
+            </a:schemeClr>
+          </a:lnRef>
+          <a:fillRef idx="1">
+            <a:schemeClr val="accent1"/>
+          </a:fillRef>
+          <a:effectRef idx="0">
+            <a:schemeClr val="accent1"/>
+          </a:effectRef>
+          <a:fontRef idx="minor">
+            <a:schemeClr val="lt1"/>
+          </a:fontRef>
+        </p:style>
+        <p:txBody>
+          <a:bodyPr rtlCol="0" anchor="ctr"/>
+          <a:lstStyle/>
+          <a:p>
+            <a:r>
+              <a:rPr lang="en-IN" sz="1646" u="sng" dirty="0">
+                <a:solidFill>
+                  <a:schemeClr val="bg2">
+                    <a:lumMod val="50000"/>
+                  </a:schemeClr>
+                </a:solidFill>
+              </a:rPr>
+              <a:t>MANUFACTURING</a:t>
+            </a:r>
+          </a:p>
+        </p:txBody>
+      </p:sp>
     </p:spTree>
     <p:extLst>
       <p:ext uri="{BB962C8B-B14F-4D97-AF65-F5344CB8AC3E}">
@@ -25169,7 +25313,7 @@
         </p:nvSpPr>
         <p:spPr>
           <a:xfrm>
-            <a:off x="5996457" y="6741147"/>
+            <a:off x="4267068" y="5826682"/>
             <a:ext cx="1813374" cy="443272"/>
           </a:xfrm>
           <a:prstGeom prst="roundRect">
@@ -25210,35 +25354,11 @@
             <a:pPr algn="ctr"/>
             <a:r>
               <a:rPr lang="en-IN" sz="1646" dirty="0"/>
-              <a:t>Send SMS</a:t>
+              <a:t>Send  Email</a:t>
             </a:r>
           </a:p>
         </p:txBody>
       </p:sp>
-      <p:pic>
-        <p:nvPicPr>
-          <p:cNvPr id="3" name="Picture 2"/>
-          <p:cNvPicPr>
-            <a:picLocks noChangeAspect="1"/>
-          </p:cNvPicPr>
-          <p:nvPr/>
-        </p:nvPicPr>
-        <p:blipFill>
-          <a:blip r:embed="rId11"/>
-          <a:stretch>
-            <a:fillRect/>
-          </a:stretch>
-        </p:blipFill>
-        <p:spPr>
-          <a:xfrm>
-            <a:off x="4732150" y="5197676"/>
-            <a:ext cx="4341988" cy="1314450"/>
-          </a:xfrm>
-          <a:prstGeom prst="rect">
-            <a:avLst/>
-          </a:prstGeom>
-        </p:spPr>
-      </p:pic>
       <p:pic>
         <p:nvPicPr>
           <p:cNvPr id="56" name="Picture 55">
@@ -25329,7 +25449,7 @@
         </p:nvSpPr>
         <p:spPr>
           <a:xfrm>
-            <a:off x="8188659" y="6695126"/>
+            <a:off x="7162792" y="5843535"/>
             <a:ext cx="1813374" cy="443272"/>
           </a:xfrm>
           <a:prstGeom prst="roundRect">

--- a/Documentation/Screen Designs/Shanta Sanofi Screen Designs.pptx
+++ b/Documentation/Screen Designs/Shanta Sanofi Screen Designs.pptx
@@ -5,7 +5,7 @@
     <p:sldMasterId id="2147483672" r:id="rId1"/>
   </p:sldMasterIdLst>
   <p:notesMasterIdLst>
-    <p:notesMasterId r:id="rId22"/>
+    <p:notesMasterId r:id="rId21"/>
   </p:notesMasterIdLst>
   <p:sldIdLst>
     <p:sldId id="283" r:id="rId2"/>
@@ -26,8 +26,7 @@
     <p:sldId id="310" r:id="rId17"/>
     <p:sldId id="314" r:id="rId18"/>
     <p:sldId id="315" r:id="rId19"/>
-    <p:sldId id="312" r:id="rId20"/>
-    <p:sldId id="297" r:id="rId21"/>
+    <p:sldId id="297" r:id="rId20"/>
   </p:sldIdLst>
   <p:sldSz cx="13103225" cy="8229600"/>
   <p:notesSz cx="6858000" cy="9144000"/>
@@ -216,7 +215,7 @@
           <a:p>
             <a:fld id="{736940B7-5369-499F-A655-F2C040499C10}" type="datetimeFigureOut">
               <a:rPr lang="en-IN" smtClean="0"/>
-              <a:t>20/02/19</a:t>
+              <a:t>21/02/19</a:t>
             </a:fld>
             <a:endParaRPr lang="en-IN"/>
           </a:p>
@@ -1918,203 +1917,6 @@
 </p:notes>
 </file>
 
-<file path=ppt/notesSlides/notesSlide18.xml><?xml version="1.0" encoding="utf-8"?>
-<p:notes xmlns:a="http://schemas.openxmlformats.org/drawingml/2006/main" xmlns:r="http://schemas.openxmlformats.org/officeDocument/2006/relationships" xmlns:p="http://schemas.openxmlformats.org/presentationml/2006/main">
-  <p:cSld>
-    <p:spTree>
-      <p:nvGrpSpPr>
-        <p:cNvPr id="1" name=""/>
-        <p:cNvGrpSpPr/>
-        <p:nvPr/>
-      </p:nvGrpSpPr>
-      <p:grpSpPr>
-        <a:xfrm>
-          <a:off x="0" y="0"/>
-          <a:ext cx="0" cy="0"/>
-          <a:chOff x="0" y="0"/>
-          <a:chExt cx="0" cy="0"/>
-        </a:xfrm>
-      </p:grpSpPr>
-      <p:sp>
-        <p:nvSpPr>
-          <p:cNvPr id="2" name="Slide Image Placeholder 1"/>
-          <p:cNvSpPr>
-            <a:spLocks noGrp="1" noRot="1" noChangeAspect="1"/>
-          </p:cNvSpPr>
-          <p:nvPr>
-            <p:ph type="sldImg"/>
-          </p:nvPr>
-        </p:nvSpPr>
-        <p:spPr/>
-      </p:sp>
-      <p:sp>
-        <p:nvSpPr>
-          <p:cNvPr id="3" name="Notes Placeholder 2"/>
-          <p:cNvSpPr>
-            <a:spLocks noGrp="1"/>
-          </p:cNvSpPr>
-          <p:nvPr>
-            <p:ph type="body" idx="1"/>
-          </p:nvPr>
-        </p:nvSpPr>
-        <p:spPr/>
-        <p:txBody>
-          <a:bodyPr/>
-          <a:lstStyle/>
-          <a:p>
-            <a:pPr marL="0" marR="0" lvl="0" indent="0" algn="l" defTabSz="914400" rtl="0" eaLnBrk="1" fontAlgn="auto" latinLnBrk="0" hangingPunct="1">
-              <a:lnSpc>
-                <a:spcPct val="100000"/>
-              </a:lnSpc>
-              <a:spcBef>
-                <a:spcPts val="0"/>
-              </a:spcBef>
-              <a:spcAft>
-                <a:spcPts val="0"/>
-              </a:spcAft>
-              <a:buClrTx/>
-              <a:buSzTx/>
-              <a:buFontTx/>
-              <a:buNone/>
-              <a:tabLst/>
-              <a:defRPr/>
-            </a:pPr>
-            <a:r>
-              <a:rPr lang="en-US" dirty="0"/>
-              <a:t>&lt;span class="</a:t>
-            </a:r>
-            <a:r>
-              <a:rPr lang="en-US" dirty="0" err="1"/>
-              <a:t>glyphicon</a:t>
-            </a:r>
-            <a:r>
-              <a:rPr lang="en-US" dirty="0"/>
-              <a:t> </a:t>
-            </a:r>
-            <a:r>
-              <a:rPr lang="en-US" dirty="0" err="1"/>
-              <a:t>glyphicon</a:t>
-            </a:r>
-            <a:r>
-              <a:rPr lang="en-US" dirty="0"/>
-              <a:t>-user"&gt;&lt;/span&gt;</a:t>
-            </a:r>
-          </a:p>
-          <a:p>
-            <a:pPr marL="0" marR="0" lvl="0" indent="0" algn="l" defTabSz="914400" rtl="0" eaLnBrk="1" fontAlgn="auto" latinLnBrk="0" hangingPunct="1">
-              <a:lnSpc>
-                <a:spcPct val="100000"/>
-              </a:lnSpc>
-              <a:spcBef>
-                <a:spcPts val="0"/>
-              </a:spcBef>
-              <a:spcAft>
-                <a:spcPts val="0"/>
-              </a:spcAft>
-              <a:buClrTx/>
-              <a:buSzTx/>
-              <a:buFontTx/>
-              <a:buNone/>
-              <a:tabLst/>
-              <a:defRPr/>
-            </a:pPr>
-            <a:r>
-              <a:rPr lang="en-US" dirty="0"/>
-              <a:t>&lt;</a:t>
-            </a:r>
-            <a:r>
-              <a:rPr lang="en-US" dirty="0" err="1"/>
-              <a:t>i</a:t>
-            </a:r>
-            <a:r>
-              <a:rPr lang="en-US" dirty="0"/>
-              <a:t> class='</a:t>
-            </a:r>
-            <a:r>
-              <a:rPr lang="en-US" dirty="0" err="1"/>
-              <a:t>fas</a:t>
-            </a:r>
-            <a:r>
-              <a:rPr lang="en-US" dirty="0"/>
-              <a:t> fa-chalkboard-teacher'&gt;&lt;/</a:t>
-            </a:r>
-            <a:r>
-              <a:rPr lang="en-US" dirty="0" err="1"/>
-              <a:t>i</a:t>
-            </a:r>
-            <a:r>
-              <a:rPr lang="en-US" dirty="0"/>
-              <a:t>&gt;</a:t>
-            </a:r>
-          </a:p>
-          <a:p>
-            <a:r>
-              <a:rPr lang="en-US" dirty="0"/>
-              <a:t>&lt;</a:t>
-            </a:r>
-            <a:r>
-              <a:rPr lang="en-US" dirty="0" err="1"/>
-              <a:t>i</a:t>
-            </a:r>
-            <a:r>
-              <a:rPr lang="en-US" dirty="0"/>
-              <a:t> class='</a:t>
-            </a:r>
-            <a:r>
-              <a:rPr lang="en-US" dirty="0" err="1"/>
-              <a:t>fas</a:t>
-            </a:r>
-            <a:r>
-              <a:rPr lang="en-US" dirty="0"/>
-              <a:t> fa-book-open'&gt;&lt;/</a:t>
-            </a:r>
-            <a:r>
-              <a:rPr lang="en-US" dirty="0" err="1"/>
-              <a:t>i</a:t>
-            </a:r>
-            <a:r>
-              <a:rPr lang="en-US" dirty="0"/>
-              <a:t>&gt;</a:t>
-            </a:r>
-          </a:p>
-        </p:txBody>
-      </p:sp>
-      <p:sp>
-        <p:nvSpPr>
-          <p:cNvPr id="4" name="Slide Number Placeholder 3"/>
-          <p:cNvSpPr>
-            <a:spLocks noGrp="1"/>
-          </p:cNvSpPr>
-          <p:nvPr>
-            <p:ph type="sldNum" sz="quarter" idx="5"/>
-          </p:nvPr>
-        </p:nvSpPr>
-        <p:spPr/>
-        <p:txBody>
-          <a:bodyPr/>
-          <a:lstStyle/>
-          <a:p>
-            <a:fld id="{7DD41ED4-1231-4BDD-A166-105321184164}" type="slidenum">
-              <a:rPr lang="en-IN" smtClean="0"/>
-              <a:t>19</a:t>
-            </a:fld>
-            <a:endParaRPr lang="en-IN"/>
-          </a:p>
-        </p:txBody>
-      </p:sp>
-    </p:spTree>
-    <p:extLst>
-      <p:ext uri="{BB962C8B-B14F-4D97-AF65-F5344CB8AC3E}">
-        <p14:creationId xmlns:p14="http://schemas.microsoft.com/office/powerpoint/2010/main" val="2448611316"/>
-      </p:ext>
-    </p:extLst>
-  </p:cSld>
-  <p:clrMapOvr>
-    <a:masterClrMapping/>
-  </p:clrMapOvr>
-</p:notes>
-</file>
-
 <file path=ppt/notesSlides/notesSlide2.xml><?xml version="1.0" encoding="utf-8"?>
 <p:notes xmlns:a="http://schemas.openxmlformats.org/drawingml/2006/main" xmlns:r="http://schemas.openxmlformats.org/officeDocument/2006/relationships" xmlns:p="http://schemas.openxmlformats.org/presentationml/2006/main">
   <p:cSld>
@@ -2918,7 +2720,7 @@
           <a:p>
             <a:fld id="{0344983A-0EFF-4FA5-823C-58DD31D92387}" type="datetimeFigureOut">
               <a:rPr lang="en-IN" smtClean="0"/>
-              <a:t>20/02/19</a:t>
+              <a:t>21/02/19</a:t>
             </a:fld>
             <a:endParaRPr lang="en-IN"/>
           </a:p>
@@ -3088,7 +2890,7 @@
           <a:p>
             <a:fld id="{0344983A-0EFF-4FA5-823C-58DD31D92387}" type="datetimeFigureOut">
               <a:rPr lang="en-IN" smtClean="0"/>
-              <a:t>20/02/19</a:t>
+              <a:t>21/02/19</a:t>
             </a:fld>
             <a:endParaRPr lang="en-IN"/>
           </a:p>
@@ -3268,7 +3070,7 @@
           <a:p>
             <a:fld id="{0344983A-0EFF-4FA5-823C-58DD31D92387}" type="datetimeFigureOut">
               <a:rPr lang="en-IN" smtClean="0"/>
-              <a:t>20/02/19</a:t>
+              <a:t>21/02/19</a:t>
             </a:fld>
             <a:endParaRPr lang="en-IN"/>
           </a:p>
@@ -3438,7 +3240,7 @@
           <a:p>
             <a:fld id="{0344983A-0EFF-4FA5-823C-58DD31D92387}" type="datetimeFigureOut">
               <a:rPr lang="en-IN" smtClean="0"/>
-              <a:t>20/02/19</a:t>
+              <a:t>21/02/19</a:t>
             </a:fld>
             <a:endParaRPr lang="en-IN"/>
           </a:p>
@@ -3684,7 +3486,7 @@
           <a:p>
             <a:fld id="{0344983A-0EFF-4FA5-823C-58DD31D92387}" type="datetimeFigureOut">
               <a:rPr lang="en-IN" smtClean="0"/>
-              <a:t>20/02/19</a:t>
+              <a:t>21/02/19</a:t>
             </a:fld>
             <a:endParaRPr lang="en-IN"/>
           </a:p>
@@ -3916,7 +3718,7 @@
           <a:p>
             <a:fld id="{0344983A-0EFF-4FA5-823C-58DD31D92387}" type="datetimeFigureOut">
               <a:rPr lang="en-IN" smtClean="0"/>
-              <a:t>20/02/19</a:t>
+              <a:t>21/02/19</a:t>
             </a:fld>
             <a:endParaRPr lang="en-IN"/>
           </a:p>
@@ -4283,7 +4085,7 @@
           <a:p>
             <a:fld id="{0344983A-0EFF-4FA5-823C-58DD31D92387}" type="datetimeFigureOut">
               <a:rPr lang="en-IN" smtClean="0"/>
-              <a:t>20/02/19</a:t>
+              <a:t>21/02/19</a:t>
             </a:fld>
             <a:endParaRPr lang="en-IN"/>
           </a:p>
@@ -4401,7 +4203,7 @@
           <a:p>
             <a:fld id="{0344983A-0EFF-4FA5-823C-58DD31D92387}" type="datetimeFigureOut">
               <a:rPr lang="en-IN" smtClean="0"/>
-              <a:t>20/02/19</a:t>
+              <a:t>21/02/19</a:t>
             </a:fld>
             <a:endParaRPr lang="en-IN"/>
           </a:p>
@@ -4496,7 +4298,7 @@
           <a:p>
             <a:fld id="{0344983A-0EFF-4FA5-823C-58DD31D92387}" type="datetimeFigureOut">
               <a:rPr lang="en-IN" smtClean="0"/>
-              <a:t>20/02/19</a:t>
+              <a:t>21/02/19</a:t>
             </a:fld>
             <a:endParaRPr lang="en-IN"/>
           </a:p>
@@ -4773,7 +4575,7 @@
           <a:p>
             <a:fld id="{0344983A-0EFF-4FA5-823C-58DD31D92387}" type="datetimeFigureOut">
               <a:rPr lang="en-IN" smtClean="0"/>
-              <a:t>20/02/19</a:t>
+              <a:t>21/02/19</a:t>
             </a:fld>
             <a:endParaRPr lang="en-IN"/>
           </a:p>
@@ -5030,7 +4832,7 @@
           <a:p>
             <a:fld id="{0344983A-0EFF-4FA5-823C-58DD31D92387}" type="datetimeFigureOut">
               <a:rPr lang="en-IN" smtClean="0"/>
-              <a:t>20/02/19</a:t>
+              <a:t>21/02/19</a:t>
             </a:fld>
             <a:endParaRPr lang="en-IN"/>
           </a:p>
@@ -5243,7 +5045,7 @@
           <a:p>
             <a:fld id="{0344983A-0EFF-4FA5-823C-58DD31D92387}" type="datetimeFigureOut">
               <a:rPr lang="en-IN" smtClean="0"/>
-              <a:t>20/02/19</a:t>
+              <a:t>21/02/19</a:t>
             </a:fld>
             <a:endParaRPr lang="en-IN"/>
           </a:p>
@@ -11694,41 +11496,6 @@
           </a:p>
         </p:txBody>
       </p:sp>
-      <p:sp>
-        <p:nvSpPr>
-          <p:cNvPr id="3" name="TextBox 2">
-            <a:extLst>
-              <a:ext uri="{FF2B5EF4-FFF2-40B4-BE49-F238E27FC236}">
-                <a16:creationId xmlns:a16="http://schemas.microsoft.com/office/drawing/2014/main" id="{E16B9F33-A6D4-C741-A487-7DB54526F04C}"/>
-              </a:ext>
-            </a:extLst>
-          </p:cNvPr>
-          <p:cNvSpPr txBox="1"/>
-          <p:nvPr/>
-        </p:nvSpPr>
-        <p:spPr>
-          <a:xfrm>
-            <a:off x="6658838" y="3579339"/>
-            <a:ext cx="1031949" cy="369332"/>
-          </a:xfrm>
-          <a:prstGeom prst="rect">
-            <a:avLst/>
-          </a:prstGeom>
-          <a:noFill/>
-        </p:spPr>
-        <p:txBody>
-          <a:bodyPr wrap="none" rtlCol="0">
-            <a:spAutoFit/>
-          </a:bodyPr>
-          <a:lstStyle/>
-          <a:p>
-            <a:r>
-              <a:rPr lang="en-US" dirty="0"/>
-              <a:t>template</a:t>
-            </a:r>
-          </a:p>
-        </p:txBody>
-      </p:sp>
     </p:spTree>
     <p:extLst>
       <p:ext uri="{BB962C8B-B14F-4D97-AF65-F5344CB8AC3E}">
@@ -17563,7 +17330,7 @@
         </p:nvSpPr>
         <p:spPr>
           <a:xfrm>
-            <a:off x="6554737" y="4223067"/>
+            <a:off x="7685518" y="4564144"/>
             <a:ext cx="1807973" cy="413536"/>
           </a:xfrm>
           <a:prstGeom prst="roundRect">
@@ -17623,7 +17390,7 @@
         </p:nvSpPr>
         <p:spPr>
           <a:xfrm>
-            <a:off x="6052233" y="4783440"/>
+            <a:off x="7266788" y="5066306"/>
             <a:ext cx="3599439" cy="323165"/>
           </a:xfrm>
           <a:prstGeom prst="rect">
@@ -17678,8 +17445,8 @@
         </p:nvSpPr>
         <p:spPr>
           <a:xfrm>
-            <a:off x="6970524" y="1702184"/>
-            <a:ext cx="2103787" cy="369436"/>
+            <a:off x="4748374" y="4556251"/>
+            <a:ext cx="2089331" cy="357177"/>
           </a:xfrm>
           <a:prstGeom prst="roundRect">
             <a:avLst/>
@@ -17737,7 +17504,7 @@
         </p:nvSpPr>
         <p:spPr>
           <a:xfrm>
-            <a:off x="5330401" y="1723770"/>
+            <a:off x="2917568" y="4583657"/>
             <a:ext cx="1436970" cy="353943"/>
           </a:xfrm>
           <a:prstGeom prst="rect">
@@ -17754,6 +17521,105 @@
             <a:r>
               <a:rPr lang="en-US" sz="1700" dirty="0"/>
               <a:t>Employee ID</a:t>
+            </a:r>
+          </a:p>
+        </p:txBody>
+      </p:sp>
+      <p:sp>
+        <p:nvSpPr>
+          <p:cNvPr id="58" name="Rectangle: Rounded Corners 65">
+            <a:extLst>
+              <a:ext uri="{FF2B5EF4-FFF2-40B4-BE49-F238E27FC236}">
+                <a16:creationId xmlns:a16="http://schemas.microsoft.com/office/drawing/2014/main" id="{3088799B-0E59-7C4D-8A24-DCA04C0F260B}"/>
+              </a:ext>
+            </a:extLst>
+          </p:cNvPr>
+          <p:cNvSpPr/>
+          <p:nvPr/>
+        </p:nvSpPr>
+        <p:spPr>
+          <a:xfrm>
+            <a:off x="7685517" y="2866737"/>
+            <a:ext cx="1807973" cy="413536"/>
+          </a:xfrm>
+          <a:prstGeom prst="roundRect">
+            <a:avLst/>
+          </a:prstGeom>
+          <a:solidFill>
+            <a:srgbClr val="00A8AA"/>
+          </a:solidFill>
+          <a:ln>
+            <a:solidFill>
+              <a:schemeClr val="accent1">
+                <a:lumMod val="60000"/>
+                <a:lumOff val="40000"/>
+              </a:schemeClr>
+            </a:solidFill>
+          </a:ln>
+        </p:spPr>
+        <p:style>
+          <a:lnRef idx="2">
+            <a:schemeClr val="accent1">
+              <a:shade val="50000"/>
+            </a:schemeClr>
+          </a:lnRef>
+          <a:fillRef idx="1">
+            <a:schemeClr val="accent1"/>
+          </a:fillRef>
+          <a:effectRef idx="0">
+            <a:schemeClr val="accent1"/>
+          </a:effectRef>
+          <a:fontRef idx="minor">
+            <a:schemeClr val="lt1"/>
+          </a:fontRef>
+        </p:style>
+        <p:txBody>
+          <a:bodyPr rtlCol="0" anchor="ctr"/>
+          <a:lstStyle/>
+          <a:p>
+            <a:pPr algn="ctr"/>
+            <a:r>
+              <a:rPr lang="en-IN" sz="1646" dirty="0"/>
+              <a:t>Get ID</a:t>
+            </a:r>
+          </a:p>
+        </p:txBody>
+      </p:sp>
+      <p:sp>
+        <p:nvSpPr>
+          <p:cNvPr id="63" name="TextBox 62">
+            <a:extLst>
+              <a:ext uri="{FF2B5EF4-FFF2-40B4-BE49-F238E27FC236}">
+                <a16:creationId xmlns:a16="http://schemas.microsoft.com/office/drawing/2014/main" id="{01068D51-DA85-EB46-A2D4-2C8ABCA9776B}"/>
+              </a:ext>
+            </a:extLst>
+          </p:cNvPr>
+          <p:cNvSpPr txBox="1"/>
+          <p:nvPr/>
+        </p:nvSpPr>
+        <p:spPr>
+          <a:xfrm>
+            <a:off x="7847761" y="3321741"/>
+            <a:ext cx="3599439" cy="323165"/>
+          </a:xfrm>
+          <a:prstGeom prst="rect">
+            <a:avLst/>
+          </a:prstGeom>
+          <a:noFill/>
+        </p:spPr>
+        <p:txBody>
+          <a:bodyPr wrap="square" rtlCol="0">
+            <a:spAutoFit/>
+          </a:bodyPr>
+          <a:lstStyle/>
+          <a:p>
+            <a:r>
+              <a:rPr lang="en-US" sz="1500" dirty="0">
+                <a:solidFill>
+                  <a:srgbClr val="007600"/>
+                </a:solidFill>
+              </a:rPr>
+              <a:t>ID :  MANF7263</a:t>
             </a:r>
           </a:p>
         </p:txBody>
@@ -21542,622 +21408,164 @@
       </p:grpSpPr>
       <p:sp>
         <p:nvSpPr>
-          <p:cNvPr id="118" name="Rectangle 117">
-            <a:extLst>
-              <a:ext uri="{FF2B5EF4-FFF2-40B4-BE49-F238E27FC236}">
-                <a16:creationId xmlns:a16="http://schemas.microsoft.com/office/drawing/2014/main" id="{475830A1-614D-43BE-8051-411479A714E7}"/>
-              </a:ext>
-            </a:extLst>
-          </p:cNvPr>
-          <p:cNvSpPr/>
-          <p:nvPr/>
-        </p:nvSpPr>
-        <p:spPr>
-          <a:xfrm>
-            <a:off x="977143" y="6871248"/>
-            <a:ext cx="11148938" cy="1358352"/>
-          </a:xfrm>
-          <a:prstGeom prst="rect">
-            <a:avLst/>
-          </a:prstGeom>
-          <a:noFill/>
-          <a:ln>
-            <a:noFill/>
-          </a:ln>
-        </p:spPr>
-        <p:style>
-          <a:lnRef idx="2">
-            <a:schemeClr val="accent1">
-              <a:shade val="50000"/>
-            </a:schemeClr>
-          </a:lnRef>
-          <a:fillRef idx="1">
-            <a:schemeClr val="accent1"/>
-          </a:fillRef>
-          <a:effectRef idx="0">
-            <a:schemeClr val="accent1"/>
-          </a:effectRef>
-          <a:fontRef idx="minor">
-            <a:schemeClr val="lt1"/>
-          </a:fontRef>
-        </p:style>
-        <p:txBody>
-          <a:bodyPr rtlCol="0" anchor="ctr"/>
-          <a:lstStyle/>
-          <a:p>
-            <a:pPr algn="ctr"/>
-            <a:endParaRPr lang="en-IN" sz="1646"/>
-          </a:p>
-        </p:txBody>
-      </p:sp>
-      <p:sp>
-        <p:nvSpPr>
-          <p:cNvPr id="93" name="Rectangle 92">
-            <a:extLst>
-              <a:ext uri="{FF2B5EF4-FFF2-40B4-BE49-F238E27FC236}">
-                <a16:creationId xmlns:a16="http://schemas.microsoft.com/office/drawing/2014/main" id="{F2A110AF-E5DF-4A7D-BBBC-E680AE23A6C0}"/>
-              </a:ext>
-            </a:extLst>
-          </p:cNvPr>
-          <p:cNvSpPr/>
-          <p:nvPr/>
-        </p:nvSpPr>
-        <p:spPr>
-          <a:xfrm>
-            <a:off x="5559" y="6871248"/>
-            <a:ext cx="11148938" cy="1358352"/>
-          </a:xfrm>
-          <a:prstGeom prst="rect">
-            <a:avLst/>
-          </a:prstGeom>
-          <a:noFill/>
-          <a:ln>
-            <a:noFill/>
-          </a:ln>
-        </p:spPr>
-        <p:style>
-          <a:lnRef idx="2">
-            <a:schemeClr val="accent1">
-              <a:shade val="50000"/>
-            </a:schemeClr>
-          </a:lnRef>
-          <a:fillRef idx="1">
-            <a:schemeClr val="accent1"/>
-          </a:fillRef>
-          <a:effectRef idx="0">
-            <a:schemeClr val="accent1"/>
-          </a:effectRef>
-          <a:fontRef idx="minor">
-            <a:schemeClr val="lt1"/>
-          </a:fontRef>
-        </p:style>
-        <p:txBody>
-          <a:bodyPr rtlCol="0" anchor="ctr"/>
-          <a:lstStyle/>
-          <a:p>
-            <a:pPr algn="ctr"/>
-            <a:endParaRPr lang="en-IN" sz="1646"/>
-          </a:p>
-        </p:txBody>
-      </p:sp>
-      <p:sp>
-        <p:nvSpPr>
-          <p:cNvPr id="42" name="Rectangle 41">
-            <a:extLst>
-              <a:ext uri="{FF2B5EF4-FFF2-40B4-BE49-F238E27FC236}">
-                <a16:creationId xmlns:a16="http://schemas.microsoft.com/office/drawing/2014/main" id="{B39E7345-FBFA-421C-ADAB-3D1B8CBA40CE}"/>
-              </a:ext>
-            </a:extLst>
-          </p:cNvPr>
-          <p:cNvSpPr/>
-          <p:nvPr/>
-        </p:nvSpPr>
-        <p:spPr>
-          <a:xfrm>
-            <a:off x="977143" y="6884834"/>
-            <a:ext cx="11148938" cy="1358352"/>
-          </a:xfrm>
-          <a:prstGeom prst="rect">
-            <a:avLst/>
-          </a:prstGeom>
-          <a:noFill/>
-          <a:ln>
-            <a:noFill/>
-          </a:ln>
-        </p:spPr>
-        <p:style>
-          <a:lnRef idx="2">
-            <a:schemeClr val="accent1">
-              <a:shade val="50000"/>
-            </a:schemeClr>
-          </a:lnRef>
-          <a:fillRef idx="1">
-            <a:schemeClr val="accent1"/>
-          </a:fillRef>
-          <a:effectRef idx="0">
-            <a:schemeClr val="accent1"/>
-          </a:effectRef>
-          <a:fontRef idx="minor">
-            <a:schemeClr val="lt1"/>
-          </a:fontRef>
-        </p:style>
-        <p:txBody>
-          <a:bodyPr rtlCol="0" anchor="ctr"/>
-          <a:lstStyle/>
-          <a:p>
-            <a:pPr algn="ctr"/>
-            <a:endParaRPr lang="en-IN" sz="1646"/>
-          </a:p>
-        </p:txBody>
-      </p:sp>
-      <p:sp>
-        <p:nvSpPr>
-          <p:cNvPr id="66" name="Rectangle 65">
-            <a:extLst>
-              <a:ext uri="{FF2B5EF4-FFF2-40B4-BE49-F238E27FC236}">
-                <a16:creationId xmlns:a16="http://schemas.microsoft.com/office/drawing/2014/main" id="{A90CE170-5DB9-411A-A9A9-212A16666656}"/>
-              </a:ext>
-            </a:extLst>
-          </p:cNvPr>
-          <p:cNvSpPr/>
-          <p:nvPr/>
-        </p:nvSpPr>
-        <p:spPr>
-          <a:xfrm>
-            <a:off x="5559" y="6884834"/>
-            <a:ext cx="11148938" cy="1358352"/>
-          </a:xfrm>
-          <a:prstGeom prst="rect">
-            <a:avLst/>
-          </a:prstGeom>
-          <a:noFill/>
-          <a:ln>
-            <a:noFill/>
-          </a:ln>
-        </p:spPr>
-        <p:style>
-          <a:lnRef idx="2">
-            <a:schemeClr val="accent1">
-              <a:shade val="50000"/>
-            </a:schemeClr>
-          </a:lnRef>
-          <a:fillRef idx="1">
-            <a:schemeClr val="accent1"/>
-          </a:fillRef>
-          <a:effectRef idx="0">
-            <a:schemeClr val="accent1"/>
-          </a:effectRef>
-          <a:fontRef idx="minor">
-            <a:schemeClr val="lt1"/>
-          </a:fontRef>
-        </p:style>
-        <p:txBody>
-          <a:bodyPr rtlCol="0" anchor="ctr"/>
-          <a:lstStyle/>
-          <a:p>
-            <a:pPr algn="ctr"/>
-            <a:endParaRPr lang="en-IN" sz="1646"/>
-          </a:p>
-        </p:txBody>
-      </p:sp>
-      <p:grpSp>
-        <p:nvGrpSpPr>
-          <p:cNvPr id="139" name="Group 138">
-            <a:extLst>
-              <a:ext uri="{FF2B5EF4-FFF2-40B4-BE49-F238E27FC236}">
-                <a16:creationId xmlns:a16="http://schemas.microsoft.com/office/drawing/2014/main" id="{E5D8F1E3-0AE0-4931-8031-DD3C78CBF71A}"/>
-              </a:ext>
-            </a:extLst>
-          </p:cNvPr>
-          <p:cNvGrpSpPr/>
-          <p:nvPr/>
-        </p:nvGrpSpPr>
-        <p:grpSpPr>
-          <a:xfrm>
-            <a:off x="-6280" y="7540200"/>
-            <a:ext cx="13103225" cy="692513"/>
-            <a:chOff x="-1" y="7537087"/>
-            <a:chExt cx="13103225" cy="692513"/>
-          </a:xfrm>
-          <a:solidFill>
-            <a:srgbClr val="00A8AA"/>
-          </a:solidFill>
-        </p:grpSpPr>
-        <p:sp>
-          <p:nvSpPr>
-            <p:cNvPr id="140" name="Rectangle 139">
-              <a:extLst>
-                <a:ext uri="{FF2B5EF4-FFF2-40B4-BE49-F238E27FC236}">
-                  <a16:creationId xmlns:a16="http://schemas.microsoft.com/office/drawing/2014/main" id="{3405647C-C000-4AD6-B083-A738B2389ED4}"/>
-                </a:ext>
-              </a:extLst>
-            </p:cNvPr>
-            <p:cNvSpPr/>
-            <p:nvPr/>
-          </p:nvSpPr>
-          <p:spPr>
-            <a:xfrm>
-              <a:off x="-1" y="7537087"/>
-              <a:ext cx="13103225" cy="692513"/>
-            </a:xfrm>
-            <a:prstGeom prst="rect">
-              <a:avLst/>
-            </a:prstGeom>
-            <a:grpFill/>
-            <a:ln>
-              <a:solidFill>
-                <a:srgbClr val="11D8DA"/>
-              </a:solidFill>
-            </a:ln>
-          </p:spPr>
-          <p:style>
-            <a:lnRef idx="2">
-              <a:schemeClr val="accent1">
-                <a:shade val="50000"/>
-              </a:schemeClr>
-            </a:lnRef>
-            <a:fillRef idx="1">
-              <a:schemeClr val="accent1"/>
-            </a:fillRef>
-            <a:effectRef idx="0">
-              <a:schemeClr val="accent1"/>
-            </a:effectRef>
-            <a:fontRef idx="minor">
-              <a:schemeClr val="lt1"/>
-            </a:fontRef>
-          </p:style>
-          <p:txBody>
-            <a:bodyPr rtlCol="0" anchor="ctr"/>
-            <a:lstStyle/>
-            <a:p>
-              <a:pPr algn="ctr"/>
-              <a:endParaRPr lang="en-IN" dirty="0"/>
-            </a:p>
-          </p:txBody>
-        </p:sp>
-        <p:sp>
-          <p:nvSpPr>
-            <p:cNvPr id="141" name="TextBox 140">
-              <a:extLst>
-                <a:ext uri="{FF2B5EF4-FFF2-40B4-BE49-F238E27FC236}">
-                  <a16:creationId xmlns:a16="http://schemas.microsoft.com/office/drawing/2014/main" id="{1CE25B53-CD0E-43D9-87C4-37D6C8C5164B}"/>
-                </a:ext>
-              </a:extLst>
-            </p:cNvPr>
-            <p:cNvSpPr txBox="1"/>
-            <p:nvPr/>
-          </p:nvSpPr>
-          <p:spPr>
-            <a:xfrm>
-              <a:off x="3672096" y="7593983"/>
-              <a:ext cx="6632973" cy="276999"/>
-            </a:xfrm>
-            <a:prstGeom prst="rect">
-              <a:avLst/>
-            </a:prstGeom>
-            <a:grpFill/>
-            <a:ln>
-              <a:noFill/>
-            </a:ln>
-          </p:spPr>
-          <p:txBody>
-            <a:bodyPr wrap="square" rtlCol="0">
-              <a:spAutoFit/>
-            </a:bodyPr>
-            <a:lstStyle/>
-            <a:p>
-              <a:pPr algn="ctr"/>
-              <a:r>
-                <a:rPr lang="en-IN" sz="1200" dirty="0">
-                  <a:solidFill>
-                    <a:schemeClr val="bg1"/>
-                  </a:solidFill>
-                </a:rPr>
-                <a:t>About Us   |  Terms of Use |  GMP Standards  | Privacy Policy</a:t>
-              </a:r>
-            </a:p>
-          </p:txBody>
-        </p:sp>
-        <p:grpSp>
-          <p:nvGrpSpPr>
-            <p:cNvPr id="142" name="Group 141">
-              <a:extLst>
-                <a:ext uri="{FF2B5EF4-FFF2-40B4-BE49-F238E27FC236}">
-                  <a16:creationId xmlns:a16="http://schemas.microsoft.com/office/drawing/2014/main" id="{2E1A8060-A7CC-4EEA-BD82-FCF246297467}"/>
-                </a:ext>
-              </a:extLst>
-            </p:cNvPr>
-            <p:cNvGrpSpPr/>
-            <p:nvPr/>
-          </p:nvGrpSpPr>
-          <p:grpSpPr>
-            <a:xfrm>
-              <a:off x="4687676" y="7845424"/>
-              <a:ext cx="6047419" cy="276999"/>
-              <a:chOff x="4658165" y="7894225"/>
-              <a:chExt cx="6022716" cy="261353"/>
-            </a:xfrm>
-            <a:grpFill/>
-          </p:grpSpPr>
-          <p:sp>
-            <p:nvSpPr>
-              <p:cNvPr id="143" name="TextBox 142">
-                <a:extLst>
-                  <a:ext uri="{FF2B5EF4-FFF2-40B4-BE49-F238E27FC236}">
-                    <a16:creationId xmlns:a16="http://schemas.microsoft.com/office/drawing/2014/main" id="{67BB71C7-024A-4F7F-8D80-9C7D64E15BCA}"/>
-                  </a:ext>
-                </a:extLst>
-              </p:cNvPr>
-              <p:cNvSpPr txBox="1"/>
-              <p:nvPr/>
-            </p:nvSpPr>
-            <p:spPr>
-              <a:xfrm>
-                <a:off x="4658165" y="7894225"/>
-                <a:ext cx="6022716" cy="261353"/>
-              </a:xfrm>
-              <a:prstGeom prst="rect">
-                <a:avLst/>
-              </a:prstGeom>
-              <a:grpFill/>
-              <a:ln>
-                <a:noFill/>
-              </a:ln>
-            </p:spPr>
-            <p:txBody>
-              <a:bodyPr wrap="square" rtlCol="0">
-                <a:spAutoFit/>
-              </a:bodyPr>
-              <a:lstStyle/>
-              <a:p>
-                <a:r>
-                  <a:rPr lang="en-IN" sz="1200" dirty="0">
-                    <a:solidFill>
-                      <a:schemeClr val="bg1"/>
-                    </a:solidFill>
-                  </a:rPr>
-                  <a:t>Copyright     2019 </a:t>
-                </a:r>
-                <a:r>
-                  <a:rPr lang="en-IN" sz="1200" dirty="0" err="1">
-                    <a:solidFill>
-                      <a:schemeClr val="bg1"/>
-                    </a:solidFill>
-                  </a:rPr>
-                  <a:t>Shantha</a:t>
-                </a:r>
-                <a:r>
-                  <a:rPr lang="en-IN" sz="1200" dirty="0">
-                    <a:solidFill>
-                      <a:schemeClr val="bg1"/>
-                    </a:solidFill>
-                  </a:rPr>
-                  <a:t> </a:t>
-                </a:r>
-                <a:r>
-                  <a:rPr lang="en-IN" sz="1200" dirty="0" err="1">
-                    <a:solidFill>
-                      <a:schemeClr val="bg1"/>
-                    </a:solidFill>
-                  </a:rPr>
-                  <a:t>Biotechnics</a:t>
-                </a:r>
-                <a:r>
-                  <a:rPr lang="en-IN" sz="1200" dirty="0">
-                    <a:solidFill>
-                      <a:schemeClr val="bg1"/>
-                    </a:solidFill>
-                  </a:rPr>
-                  <a:t> Private Limited – All Rights Reserved</a:t>
-                </a:r>
-              </a:p>
-            </p:txBody>
-          </p:sp>
-          <p:pic>
-            <p:nvPicPr>
-              <p:cNvPr id="144" name="Picture 143">
-                <a:extLst>
-                  <a:ext uri="{FF2B5EF4-FFF2-40B4-BE49-F238E27FC236}">
-                    <a16:creationId xmlns:a16="http://schemas.microsoft.com/office/drawing/2014/main" id="{6C6CFDD1-51CD-49BE-A226-CE0E41550BE3}"/>
-                  </a:ext>
-                </a:extLst>
-              </p:cNvPr>
-              <p:cNvPicPr>
-                <a:picLocks noChangeAspect="1"/>
-              </p:cNvPicPr>
-              <p:nvPr/>
-            </p:nvPicPr>
-            <p:blipFill>
-              <a:blip r:embed="rId3" cstate="hqprint">
-                <a:biLevel thresh="25000"/>
-                <a:extLst>
-                  <a:ext uri="{28A0092B-C50C-407E-A947-70E740481C1C}">
-                    <a14:useLocalDpi xmlns:a14="http://schemas.microsoft.com/office/drawing/2010/main" val="0"/>
-                  </a:ext>
-                </a:extLst>
-              </a:blip>
-              <a:stretch>
-                <a:fillRect/>
-              </a:stretch>
-            </p:blipFill>
-            <p:spPr>
-              <a:xfrm>
-                <a:off x="5369353" y="7979061"/>
-                <a:ext cx="121410" cy="114495"/>
-              </a:xfrm>
-              <a:prstGeom prst="rect">
-                <a:avLst/>
-              </a:prstGeom>
-              <a:grpFill/>
-              <a:ln>
-                <a:solidFill>
-                  <a:srgbClr val="11D8DA"/>
-                </a:solidFill>
-              </a:ln>
-            </p:spPr>
-          </p:pic>
-        </p:grpSp>
-      </p:grpSp>
-      <p:grpSp>
-        <p:nvGrpSpPr>
-          <p:cNvPr id="145" name="Group 144">
-            <a:extLst>
-              <a:ext uri="{FF2B5EF4-FFF2-40B4-BE49-F238E27FC236}">
-                <a16:creationId xmlns:a16="http://schemas.microsoft.com/office/drawing/2014/main" id="{15CB3084-30E1-4979-9B45-A5906CB7B5EA}"/>
-              </a:ext>
-            </a:extLst>
-          </p:cNvPr>
-          <p:cNvGrpSpPr/>
-          <p:nvPr/>
-        </p:nvGrpSpPr>
-        <p:grpSpPr>
-          <a:xfrm>
-            <a:off x="11563496" y="599227"/>
-            <a:ext cx="1052889" cy="261162"/>
-            <a:chOff x="11312032" y="490976"/>
-            <a:chExt cx="1052889" cy="261162"/>
-          </a:xfrm>
-        </p:grpSpPr>
-        <p:sp>
-          <p:nvSpPr>
-            <p:cNvPr id="146" name="TextBox 145">
-              <a:extLst>
-                <a:ext uri="{FF2B5EF4-FFF2-40B4-BE49-F238E27FC236}">
-                  <a16:creationId xmlns:a16="http://schemas.microsoft.com/office/drawing/2014/main" id="{8322DBB5-BEB1-42E4-87C8-6111526710AD}"/>
-                </a:ext>
-              </a:extLst>
-            </p:cNvPr>
-            <p:cNvSpPr txBox="1"/>
-            <p:nvPr/>
-          </p:nvSpPr>
-          <p:spPr>
-            <a:xfrm>
-              <a:off x="11505172" y="490976"/>
-              <a:ext cx="859749" cy="261162"/>
-            </a:xfrm>
-            <a:prstGeom prst="rect">
-              <a:avLst/>
-            </a:prstGeom>
-            <a:noFill/>
-          </p:spPr>
-          <p:txBody>
-            <a:bodyPr wrap="square" rtlCol="0">
-              <a:spAutoFit/>
-            </a:bodyPr>
-            <a:lstStyle/>
-            <a:p>
-              <a:r>
-                <a:rPr lang="en-IN" sz="1097" dirty="0"/>
-                <a:t>Logout</a:t>
-              </a:r>
-            </a:p>
-          </p:txBody>
-        </p:sp>
-        <p:pic>
-          <p:nvPicPr>
-            <p:cNvPr id="147" name="Picture 146">
-              <a:extLst>
-                <a:ext uri="{FF2B5EF4-FFF2-40B4-BE49-F238E27FC236}">
-                  <a16:creationId xmlns:a16="http://schemas.microsoft.com/office/drawing/2014/main" id="{72C3AAC1-DF5E-4ECD-81E5-E3B074FCAB4C}"/>
-                </a:ext>
-              </a:extLst>
-            </p:cNvPr>
-            <p:cNvPicPr>
-              <a:picLocks noChangeAspect="1"/>
-            </p:cNvPicPr>
-            <p:nvPr/>
-          </p:nvPicPr>
-          <p:blipFill>
-            <a:blip r:embed="rId4" cstate="hqprint">
-              <a:extLst>
-                <a:ext uri="{28A0092B-C50C-407E-A947-70E740481C1C}">
-                  <a14:useLocalDpi xmlns:a14="http://schemas.microsoft.com/office/drawing/2010/main" val="0"/>
-                </a:ext>
-              </a:extLst>
-            </a:blip>
-            <a:stretch>
-              <a:fillRect/>
-            </a:stretch>
-          </p:blipFill>
-          <p:spPr>
-            <a:xfrm>
-              <a:off x="11312032" y="518584"/>
-              <a:ext cx="193140" cy="193140"/>
-            </a:xfrm>
-            <a:prstGeom prst="rect">
-              <a:avLst/>
-            </a:prstGeom>
-          </p:spPr>
-        </p:pic>
-      </p:grpSp>
-      <p:sp>
-        <p:nvSpPr>
-          <p:cNvPr id="68" name="Rectangle 67">
-            <a:extLst>
-              <a:ext uri="{FF2B5EF4-FFF2-40B4-BE49-F238E27FC236}">
-                <a16:creationId xmlns:a16="http://schemas.microsoft.com/office/drawing/2014/main" id="{FAA97AB4-F0D3-4C89-92BC-3B6B7236B6BA}"/>
-              </a:ext>
-            </a:extLst>
-          </p:cNvPr>
-          <p:cNvSpPr/>
-          <p:nvPr/>
-        </p:nvSpPr>
-        <p:spPr>
-          <a:xfrm>
-            <a:off x="-2839" y="1026094"/>
-            <a:ext cx="2383085" cy="5901493"/>
-          </a:xfrm>
-          <a:prstGeom prst="rect">
-            <a:avLst/>
-          </a:prstGeom>
-          <a:solidFill>
-            <a:srgbClr val="00A8AA"/>
-          </a:solidFill>
-          <a:ln>
-            <a:solidFill>
-              <a:srgbClr val="11D8DA"/>
-            </a:solidFill>
-          </a:ln>
-        </p:spPr>
-        <p:style>
-          <a:lnRef idx="2">
-            <a:schemeClr val="accent1">
-              <a:shade val="50000"/>
-            </a:schemeClr>
-          </a:lnRef>
-          <a:fillRef idx="1">
-            <a:schemeClr val="accent1"/>
-          </a:fillRef>
-          <a:effectRef idx="0">
-            <a:schemeClr val="accent1"/>
-          </a:effectRef>
-          <a:fontRef idx="minor">
-            <a:schemeClr val="lt1"/>
-          </a:fontRef>
-        </p:style>
-        <p:txBody>
-          <a:bodyPr rot="0" spcFirstLastPara="0" vertOverflow="overflow" horzOverflow="overflow" vert="horz" wrap="square" lIns="83617" tIns="41809" rIns="83617" bIns="41809" numCol="1" spcCol="0" rtlCol="0" fromWordArt="0" anchor="ctr" anchorCtr="0" forceAA="0" compatLnSpc="1">
-            <a:prstTxWarp prst="textNoShape">
-              <a:avLst/>
-            </a:prstTxWarp>
-            <a:noAutofit/>
+          <p:cNvPr id="2" name="Title 1">
+            <a:extLst>
+              <a:ext uri="{FF2B5EF4-FFF2-40B4-BE49-F238E27FC236}">
+                <a16:creationId xmlns:a16="http://schemas.microsoft.com/office/drawing/2014/main" id="{4432D4D3-C579-6240-989A-CEDB497F222C}"/>
+              </a:ext>
+            </a:extLst>
+          </p:cNvPr>
+          <p:cNvSpPr>
+            <a:spLocks noGrp="1"/>
+          </p:cNvSpPr>
+          <p:nvPr>
+            <p:ph type="title"/>
+          </p:nvPr>
+        </p:nvSpPr>
+        <p:spPr/>
+        <p:txBody>
+          <a:bodyPr/>
+          <a:lstStyle/>
+          <a:p>
+            <a:endParaRPr lang="en-US"/>
+          </a:p>
+        </p:txBody>
+      </p:sp>
+      <p:sp>
+        <p:nvSpPr>
+          <p:cNvPr id="3" name="Content Placeholder 2">
+            <a:extLst>
+              <a:ext uri="{FF2B5EF4-FFF2-40B4-BE49-F238E27FC236}">
+                <a16:creationId xmlns:a16="http://schemas.microsoft.com/office/drawing/2014/main" id="{E02A1946-B590-FC4E-8F12-EF0895919C97}"/>
+              </a:ext>
+            </a:extLst>
+          </p:cNvPr>
+          <p:cNvSpPr>
+            <a:spLocks noGrp="1"/>
+          </p:cNvSpPr>
+          <p:nvPr>
+            <p:ph idx="1"/>
+          </p:nvPr>
+        </p:nvSpPr>
+        <p:spPr/>
+        <p:txBody>
+          <a:bodyPr>
+            <a:normAutofit fontScale="85000" lnSpcReduction="20000"/>
           </a:bodyPr>
           <a:lstStyle/>
           <a:p>
-            <a:endParaRPr lang="en-IN" dirty="0">
-              <a:solidFill>
-                <a:schemeClr val="bg1"/>
-              </a:solidFill>
-            </a:endParaRPr>
-          </a:p>
-        </p:txBody>
-      </p:sp>
-      <p:sp>
-        <p:nvSpPr>
-          <p:cNvPr id="77" name="TextBox 76">
-            <a:extLst>
-              <a:ext uri="{FF2B5EF4-FFF2-40B4-BE49-F238E27FC236}">
-                <a16:creationId xmlns:a16="http://schemas.microsoft.com/office/drawing/2014/main" id="{78051629-F80A-4541-9616-C0448771BBB4}"/>
+            <a:r>
+              <a:rPr lang="en-US" dirty="0" err="1"/>
+              <a:t>Shivay</a:t>
+            </a:r>
+            <a:r>
+              <a:rPr lang="en-US" dirty="0"/>
+              <a:t>:</a:t>
+            </a:r>
+          </a:p>
+          <a:p>
+            <a:r>
+              <a:rPr lang="en-US" dirty="0"/>
+              <a:t>Addition of Course ::</a:t>
+            </a:r>
+          </a:p>
+          <a:p>
+            <a:r>
+              <a:rPr lang="en-US" dirty="0"/>
+              <a:t>Add multiple employees</a:t>
+            </a:r>
+          </a:p>
+          <a:p>
+            <a:r>
+              <a:rPr lang="en-US" dirty="0"/>
+              <a:t>Start Date, End Date :: Update Module 2</a:t>
+            </a:r>
+          </a:p>
+          <a:p>
+            <a:r>
+              <a:rPr lang="en-US" dirty="0"/>
+              <a:t>Module 1</a:t>
+            </a:r>
+          </a:p>
+          <a:p>
+            <a:r>
+              <a:rPr lang="en-US" dirty="0"/>
+              <a:t>Dashboard : 2</a:t>
+            </a:r>
+            <a:r>
+              <a:rPr lang="en-US" baseline="30000" dirty="0"/>
+              <a:t>nd</a:t>
+            </a:r>
+            <a:r>
+              <a:rPr lang="en-US" dirty="0"/>
+              <a:t> &amp; 3</a:t>
+            </a:r>
+            <a:r>
+              <a:rPr lang="en-US" baseline="30000" dirty="0"/>
+              <a:t>rd</a:t>
+            </a:r>
+            <a:r>
+              <a:rPr lang="en-US" dirty="0"/>
+              <a:t> </a:t>
+            </a:r>
+            <a:r>
+              <a:rPr lang="en-US" dirty="0" err="1"/>
+              <a:t>infoG</a:t>
+            </a:r>
+            <a:endParaRPr lang="en-US" dirty="0"/>
+          </a:p>
+          <a:p>
+            <a:r>
+              <a:rPr lang="en-US" dirty="0"/>
+              <a:t>Cleaning</a:t>
+            </a:r>
+          </a:p>
+          <a:p>
+            <a:endParaRPr lang="en-US" dirty="0"/>
+          </a:p>
+          <a:p>
+            <a:r>
+              <a:rPr lang="en-US" dirty="0"/>
+              <a:t>Sarthak : module 4</a:t>
+            </a:r>
+          </a:p>
+          <a:p>
+            <a:r>
+              <a:rPr lang="en-US" dirty="0"/>
+              <a:t>Dashboard : 4 fields + 1 </a:t>
+            </a:r>
+            <a:r>
+              <a:rPr lang="en-US" dirty="0" err="1"/>
+              <a:t>infoG</a:t>
+            </a:r>
+            <a:endParaRPr lang="en-US" dirty="0"/>
+          </a:p>
+          <a:p>
+            <a:r>
+              <a:rPr lang="en-US" dirty="0"/>
+              <a:t>Template ICONS.</a:t>
+            </a:r>
+          </a:p>
+          <a:p>
+            <a:r>
+              <a:rPr lang="en-US" dirty="0"/>
+              <a:t>Admin Actor</a:t>
+            </a:r>
+          </a:p>
+          <a:p>
+            <a:endParaRPr lang="en-US" dirty="0"/>
+          </a:p>
+          <a:p>
+            <a:endParaRPr lang="en-US" dirty="0"/>
+          </a:p>
+        </p:txBody>
+      </p:sp>
+      <p:sp>
+        <p:nvSpPr>
+          <p:cNvPr id="4" name="TextBox 3">
+            <a:extLst>
+              <a:ext uri="{FF2B5EF4-FFF2-40B4-BE49-F238E27FC236}">
+                <a16:creationId xmlns:a16="http://schemas.microsoft.com/office/drawing/2014/main" id="{7530ED90-0DF6-7E40-ADC5-DD08B3983ED4}"/>
               </a:ext>
             </a:extLst>
           </p:cNvPr>
@@ -22166,154 +21574,8 @@
         </p:nvSpPr>
         <p:spPr>
           <a:xfrm>
-            <a:off x="532073" y="1520509"/>
-            <a:ext cx="1619697" cy="276999"/>
-          </a:xfrm>
-          <a:prstGeom prst="rect">
-            <a:avLst/>
-          </a:prstGeom>
-          <a:noFill/>
-        </p:spPr>
-        <p:txBody>
-          <a:bodyPr wrap="square" rtlCol="0">
-            <a:spAutoFit/>
-          </a:bodyPr>
-          <a:lstStyle/>
-          <a:p>
-            <a:r>
-              <a:rPr lang="en-IN" sz="1200" dirty="0">
-                <a:solidFill>
-                  <a:schemeClr val="bg1"/>
-                </a:solidFill>
-              </a:rPr>
-              <a:t>Employee</a:t>
-            </a:r>
-          </a:p>
-        </p:txBody>
-      </p:sp>
-      <p:sp>
-        <p:nvSpPr>
-          <p:cNvPr id="91" name="TextBox 90">
-            <a:extLst>
-              <a:ext uri="{FF2B5EF4-FFF2-40B4-BE49-F238E27FC236}">
-                <a16:creationId xmlns:a16="http://schemas.microsoft.com/office/drawing/2014/main" id="{8C0CFBC6-387F-4333-9E71-4F1465F5FA75}"/>
-              </a:ext>
-            </a:extLst>
-          </p:cNvPr>
-          <p:cNvSpPr txBox="1"/>
-          <p:nvPr/>
-        </p:nvSpPr>
-        <p:spPr>
-          <a:xfrm>
-            <a:off x="505341" y="2581282"/>
-            <a:ext cx="1760561" cy="276999"/>
-          </a:xfrm>
-          <a:prstGeom prst="rect">
-            <a:avLst/>
-          </a:prstGeom>
-          <a:noFill/>
-        </p:spPr>
-        <p:txBody>
-          <a:bodyPr wrap="square" rtlCol="0">
-            <a:spAutoFit/>
-          </a:bodyPr>
-          <a:lstStyle/>
-          <a:p>
-            <a:r>
-              <a:rPr lang="en-IN" sz="1200" dirty="0">
-                <a:solidFill>
-                  <a:schemeClr val="bg1"/>
-                </a:solidFill>
-              </a:rPr>
-              <a:t>Course Management</a:t>
-            </a:r>
-          </a:p>
-        </p:txBody>
-      </p:sp>
-      <p:sp>
-        <p:nvSpPr>
-          <p:cNvPr id="97" name="TextBox 96">
-            <a:extLst>
-              <a:ext uri="{FF2B5EF4-FFF2-40B4-BE49-F238E27FC236}">
-                <a16:creationId xmlns:a16="http://schemas.microsoft.com/office/drawing/2014/main" id="{15BA5183-F9A8-4677-996C-5B5A21B27C71}"/>
-              </a:ext>
-            </a:extLst>
-          </p:cNvPr>
-          <p:cNvSpPr txBox="1"/>
-          <p:nvPr/>
-        </p:nvSpPr>
-        <p:spPr>
-          <a:xfrm>
-            <a:off x="527173" y="2055335"/>
-            <a:ext cx="1809737" cy="276999"/>
-          </a:xfrm>
-          <a:prstGeom prst="rect">
-            <a:avLst/>
-          </a:prstGeom>
-          <a:noFill/>
-        </p:spPr>
-        <p:txBody>
-          <a:bodyPr wrap="square" rtlCol="0">
-            <a:spAutoFit/>
-          </a:bodyPr>
-          <a:lstStyle/>
-          <a:p>
-            <a:r>
-              <a:rPr lang="en-IN" sz="1200" dirty="0">
-                <a:solidFill>
-                  <a:schemeClr val="bg1"/>
-                </a:solidFill>
-              </a:rPr>
-              <a:t>Trainer Account</a:t>
-            </a:r>
-          </a:p>
-        </p:txBody>
-      </p:sp>
-      <p:pic>
-        <p:nvPicPr>
-          <p:cNvPr id="6" name="Picture 5">
-            <a:extLst>
-              <a:ext uri="{FF2B5EF4-FFF2-40B4-BE49-F238E27FC236}">
-                <a16:creationId xmlns:a16="http://schemas.microsoft.com/office/drawing/2014/main" id="{D9BA67F9-1BA2-824C-B1E4-69AA0CFCCAC7}"/>
-              </a:ext>
-            </a:extLst>
-          </p:cNvPr>
-          <p:cNvPicPr>
-            <a:picLocks noChangeAspect="1"/>
-          </p:cNvPicPr>
-          <p:nvPr/>
-        </p:nvPicPr>
-        <p:blipFill rotWithShape="1">
-          <a:blip r:embed="rId5"/>
-          <a:srcRect t="12385" r="1559" b="17536"/>
-          <a:stretch/>
-        </p:blipFill>
-        <p:spPr>
-          <a:xfrm>
-            <a:off x="5626133" y="117882"/>
-            <a:ext cx="2089834" cy="743863"/>
-          </a:xfrm>
-          <a:prstGeom prst="rect">
-            <a:avLst/>
-          </a:prstGeom>
-        </p:spPr>
-      </p:pic>
-      <p:sp>
-        <p:nvSpPr>
-          <p:cNvPr id="9" name="TextBox 8">
-            <a:extLst>
-              <a:ext uri="{FF2B5EF4-FFF2-40B4-BE49-F238E27FC236}">
-                <a16:creationId xmlns:a16="http://schemas.microsoft.com/office/drawing/2014/main" id="{407C93CD-D9BB-EE45-8A09-54D77C880CB0}"/>
-              </a:ext>
-            </a:extLst>
-          </p:cNvPr>
-          <p:cNvSpPr txBox="1"/>
-          <p:nvPr/>
-        </p:nvSpPr>
-        <p:spPr>
-          <a:xfrm>
-            <a:off x="11511684" y="323173"/>
-            <a:ext cx="1029449" cy="261610"/>
+            <a:off x="8243455" y="5381031"/>
+            <a:ext cx="2399311" cy="2031325"/>
           </a:xfrm>
           <a:prstGeom prst="rect">
             <a:avLst/>
@@ -22327,271 +21589,49 @@
           <a:lstStyle/>
           <a:p>
             <a:r>
-              <a:rPr lang="en-US" sz="1100" dirty="0"/>
-              <a:t>Hi, JRC Murthy</a:t>
-            </a:r>
-          </a:p>
-        </p:txBody>
-      </p:sp>
-      <p:pic>
-        <p:nvPicPr>
-          <p:cNvPr id="11" name="Picture 10">
-            <a:extLst>
-              <a:ext uri="{FF2B5EF4-FFF2-40B4-BE49-F238E27FC236}">
-                <a16:creationId xmlns:a16="http://schemas.microsoft.com/office/drawing/2014/main" id="{E00F7052-7686-5D40-9CB2-CC45C8A94727}"/>
-              </a:ext>
-            </a:extLst>
-          </p:cNvPr>
-          <p:cNvPicPr>
-            <a:picLocks noChangeAspect="1"/>
-          </p:cNvPicPr>
-          <p:nvPr/>
-        </p:nvPicPr>
-        <p:blipFill>
-          <a:blip r:embed="rId6"/>
-          <a:stretch>
-            <a:fillRect/>
-          </a:stretch>
-        </p:blipFill>
-        <p:spPr>
-          <a:xfrm>
-            <a:off x="180257" y="198363"/>
-            <a:ext cx="1474367" cy="618075"/>
-          </a:xfrm>
-          <a:prstGeom prst="rect">
-            <a:avLst/>
-          </a:prstGeom>
-        </p:spPr>
-      </p:pic>
-      <p:pic>
-        <p:nvPicPr>
-          <p:cNvPr id="2" name="Picture 1">
-            <a:extLst>
-              <a:ext uri="{FF2B5EF4-FFF2-40B4-BE49-F238E27FC236}">
-                <a16:creationId xmlns:a16="http://schemas.microsoft.com/office/drawing/2014/main" id="{7C67A34E-BF67-B44B-8032-9F86367795EA}"/>
-              </a:ext>
-            </a:extLst>
-          </p:cNvPr>
-          <p:cNvPicPr>
-            <a:picLocks noChangeAspect="1"/>
-          </p:cNvPicPr>
-          <p:nvPr/>
-        </p:nvPicPr>
-        <p:blipFill>
-          <a:blip r:embed="rId7"/>
-          <a:stretch>
-            <a:fillRect/>
-          </a:stretch>
-        </p:blipFill>
-        <p:spPr>
-          <a:xfrm>
-            <a:off x="161349" y="1502040"/>
-            <a:ext cx="329754" cy="324068"/>
-          </a:xfrm>
-          <a:prstGeom prst="rect">
-            <a:avLst/>
-          </a:prstGeom>
-        </p:spPr>
-      </p:pic>
-      <p:pic>
-        <p:nvPicPr>
-          <p:cNvPr id="4" name="Picture 3">
-            <a:extLst>
-              <a:ext uri="{FF2B5EF4-FFF2-40B4-BE49-F238E27FC236}">
-                <a16:creationId xmlns:a16="http://schemas.microsoft.com/office/drawing/2014/main" id="{2FD43581-57E4-B644-A895-4B4C195120F0}"/>
-              </a:ext>
-            </a:extLst>
-          </p:cNvPr>
-          <p:cNvPicPr>
-            <a:picLocks noChangeAspect="1"/>
-          </p:cNvPicPr>
-          <p:nvPr/>
-        </p:nvPicPr>
-        <p:blipFill>
-          <a:blip r:embed="rId8"/>
-          <a:stretch>
-            <a:fillRect/>
-          </a:stretch>
-        </p:blipFill>
-        <p:spPr>
-          <a:xfrm>
-            <a:off x="147326" y="2588148"/>
-            <a:ext cx="339997" cy="297497"/>
-          </a:xfrm>
-          <a:prstGeom prst="rect">
-            <a:avLst/>
-          </a:prstGeom>
-        </p:spPr>
-      </p:pic>
-      <p:pic>
-        <p:nvPicPr>
-          <p:cNvPr id="5" name="Picture 4">
-            <a:extLst>
-              <a:ext uri="{FF2B5EF4-FFF2-40B4-BE49-F238E27FC236}">
-                <a16:creationId xmlns:a16="http://schemas.microsoft.com/office/drawing/2014/main" id="{5FD4EDA9-56C7-3A44-93C8-99D52C0E2BF1}"/>
-              </a:ext>
-            </a:extLst>
-          </p:cNvPr>
-          <p:cNvPicPr>
-            <a:picLocks noChangeAspect="1"/>
-          </p:cNvPicPr>
-          <p:nvPr/>
-        </p:nvPicPr>
-        <p:blipFill>
-          <a:blip r:embed="rId9"/>
-          <a:stretch>
-            <a:fillRect/>
-          </a:stretch>
-        </p:blipFill>
-        <p:spPr>
-          <a:xfrm>
-            <a:off x="147326" y="2042514"/>
-            <a:ext cx="329795" cy="329795"/>
-          </a:xfrm>
-          <a:prstGeom prst="rect">
-            <a:avLst/>
-          </a:prstGeom>
-        </p:spPr>
-      </p:pic>
-      <p:sp>
-        <p:nvSpPr>
-          <p:cNvPr id="7" name="TextBox 6">
-            <a:extLst>
-              <a:ext uri="{FF2B5EF4-FFF2-40B4-BE49-F238E27FC236}">
-                <a16:creationId xmlns:a16="http://schemas.microsoft.com/office/drawing/2014/main" id="{C87A9CEA-74F1-7B4F-A1EE-761449122DAD}"/>
-              </a:ext>
-            </a:extLst>
-          </p:cNvPr>
-          <p:cNvSpPr txBox="1"/>
-          <p:nvPr/>
-        </p:nvSpPr>
-        <p:spPr>
-          <a:xfrm>
-            <a:off x="505341" y="1158272"/>
-            <a:ext cx="1378583" cy="276999"/>
-          </a:xfrm>
-          <a:prstGeom prst="rect">
-            <a:avLst/>
-          </a:prstGeom>
-          <a:noFill/>
-        </p:spPr>
-        <p:txBody>
-          <a:bodyPr wrap="none" rtlCol="0">
-            <a:spAutoFit/>
-          </a:bodyPr>
-          <a:lstStyle/>
-          <a:p>
-            <a:r>
-              <a:rPr lang="en-US" sz="1200" dirty="0">
-                <a:solidFill>
-                  <a:schemeClr val="bg1"/>
-                </a:solidFill>
-              </a:rPr>
-              <a:t>Management Tools</a:t>
-            </a:r>
-          </a:p>
-        </p:txBody>
-      </p:sp>
-      <p:sp>
-        <p:nvSpPr>
-          <p:cNvPr id="26" name="Rectangle 25">
-            <a:extLst>
-              <a:ext uri="{FF2B5EF4-FFF2-40B4-BE49-F238E27FC236}">
-                <a16:creationId xmlns:a16="http://schemas.microsoft.com/office/drawing/2014/main" id="{46B2DAEF-9D27-4E49-9722-DBB42B762526}"/>
-              </a:ext>
-            </a:extLst>
-          </p:cNvPr>
-          <p:cNvSpPr/>
-          <p:nvPr/>
-        </p:nvSpPr>
-        <p:spPr>
-          <a:xfrm>
-            <a:off x="2774082" y="1059710"/>
-            <a:ext cx="9833410" cy="5825124"/>
-          </a:xfrm>
-          <a:prstGeom prst="rect">
-            <a:avLst/>
-          </a:prstGeom>
-          <a:solidFill>
-            <a:schemeClr val="bg2">
-              <a:alpha val="15000"/>
-            </a:schemeClr>
-          </a:solidFill>
-          <a:ln>
-            <a:noFill/>
-          </a:ln>
-        </p:spPr>
-        <p:style>
-          <a:lnRef idx="2">
-            <a:schemeClr val="accent1">
-              <a:shade val="50000"/>
-            </a:schemeClr>
-          </a:lnRef>
-          <a:fillRef idx="1">
-            <a:schemeClr val="accent1"/>
-          </a:fillRef>
-          <a:effectRef idx="0">
-            <a:schemeClr val="accent1"/>
-          </a:effectRef>
-          <a:fontRef idx="minor">
-            <a:schemeClr val="lt1"/>
-          </a:fontRef>
-        </p:style>
-        <p:txBody>
-          <a:bodyPr rtlCol="0" anchor="ctr"/>
-          <a:lstStyle/>
-          <a:p>
-            <a:pPr algn="ctr"/>
-            <a:endParaRPr lang="en-IN" sz="1646" dirty="0"/>
-          </a:p>
-        </p:txBody>
-      </p:sp>
-      <p:sp>
-        <p:nvSpPr>
-          <p:cNvPr id="28" name="TextBox 27">
-            <a:extLst>
-              <a:ext uri="{FF2B5EF4-FFF2-40B4-BE49-F238E27FC236}">
-                <a16:creationId xmlns:a16="http://schemas.microsoft.com/office/drawing/2014/main" id="{958879A5-4563-A841-A4E4-1BABF936B9A1}"/>
-              </a:ext>
-            </a:extLst>
-          </p:cNvPr>
-          <p:cNvSpPr txBox="1"/>
-          <p:nvPr/>
-        </p:nvSpPr>
-        <p:spPr>
-          <a:xfrm>
-            <a:off x="5456456" y="3144819"/>
-            <a:ext cx="4349173" cy="400110"/>
-          </a:xfrm>
-          <a:prstGeom prst="rect">
-            <a:avLst/>
-          </a:prstGeom>
-          <a:noFill/>
-        </p:spPr>
-        <p:txBody>
-          <a:bodyPr wrap="square" rtlCol="0">
-            <a:spAutoFit/>
-          </a:bodyPr>
-          <a:lstStyle/>
-          <a:p>
-            <a:pPr algn="ctr"/>
-            <a:r>
-              <a:rPr lang="en-IN" sz="2000" b="1" dirty="0">
-                <a:solidFill>
-                  <a:schemeClr val="bg2">
-                    <a:lumMod val="50000"/>
-                  </a:schemeClr>
-                </a:solidFill>
-              </a:rPr>
-              <a:t>Employee Search Module</a:t>
-            </a:r>
+              <a:rPr lang="en-US" dirty="0"/>
+              <a:t>Admin ACTOR</a:t>
+            </a:r>
+          </a:p>
+          <a:p>
+            <a:r>
+              <a:rPr lang="en-US" dirty="0"/>
+              <a:t>Add Trainer Account</a:t>
+            </a:r>
+          </a:p>
+          <a:p>
+            <a:r>
+              <a:rPr lang="en-US" dirty="0"/>
+              <a:t>Delete Trainer Account</a:t>
+            </a:r>
+          </a:p>
+          <a:p>
+            <a:r>
+              <a:rPr lang="en-US" dirty="0"/>
+              <a:t>Add/ remove employee</a:t>
+            </a:r>
+          </a:p>
+          <a:p>
+            <a:r>
+              <a:rPr lang="en-US" dirty="0"/>
+              <a:t>Add employee Details</a:t>
+            </a:r>
+          </a:p>
+          <a:p>
+            <a:r>
+              <a:rPr lang="en-US" dirty="0"/>
+              <a:t>Database Upload</a:t>
+            </a:r>
+          </a:p>
+          <a:p>
+            <a:endParaRPr lang="en-US" dirty="0"/>
           </a:p>
         </p:txBody>
       </p:sp>
     </p:spTree>
     <p:extLst>
       <p:ext uri="{BB962C8B-B14F-4D97-AF65-F5344CB8AC3E}">
-        <p14:creationId xmlns:p14="http://schemas.microsoft.com/office/powerpoint/2010/main" val="1763463932"/>
+        <p14:creationId xmlns:p14="http://schemas.microsoft.com/office/powerpoint/2010/main" val="738580338"/>
       </p:ext>
     </p:extLst>
   </p:cSld>
@@ -24793,258 +23833,6 @@
     <p:extLst>
       <p:ext uri="{BB962C8B-B14F-4D97-AF65-F5344CB8AC3E}">
         <p14:creationId xmlns:p14="http://schemas.microsoft.com/office/powerpoint/2010/main" val="3232596059"/>
-      </p:ext>
-    </p:extLst>
-  </p:cSld>
-  <p:clrMapOvr>
-    <a:masterClrMapping/>
-  </p:clrMapOvr>
-</p:sld>
-</file>
-
-<file path=ppt/slides/slide20.xml><?xml version="1.0" encoding="utf-8"?>
-<p:sld xmlns:a="http://schemas.openxmlformats.org/drawingml/2006/main" xmlns:r="http://schemas.openxmlformats.org/officeDocument/2006/relationships" xmlns:p="http://schemas.openxmlformats.org/presentationml/2006/main">
-  <p:cSld>
-    <p:spTree>
-      <p:nvGrpSpPr>
-        <p:cNvPr id="1" name=""/>
-        <p:cNvGrpSpPr/>
-        <p:nvPr/>
-      </p:nvGrpSpPr>
-      <p:grpSpPr>
-        <a:xfrm>
-          <a:off x="0" y="0"/>
-          <a:ext cx="0" cy="0"/>
-          <a:chOff x="0" y="0"/>
-          <a:chExt cx="0" cy="0"/>
-        </a:xfrm>
-      </p:grpSpPr>
-      <p:sp>
-        <p:nvSpPr>
-          <p:cNvPr id="2" name="Title 1">
-            <a:extLst>
-              <a:ext uri="{FF2B5EF4-FFF2-40B4-BE49-F238E27FC236}">
-                <a16:creationId xmlns:a16="http://schemas.microsoft.com/office/drawing/2014/main" id="{4432D4D3-C579-6240-989A-CEDB497F222C}"/>
-              </a:ext>
-            </a:extLst>
-          </p:cNvPr>
-          <p:cNvSpPr>
-            <a:spLocks noGrp="1"/>
-          </p:cNvSpPr>
-          <p:nvPr>
-            <p:ph type="title"/>
-          </p:nvPr>
-        </p:nvSpPr>
-        <p:spPr/>
-        <p:txBody>
-          <a:bodyPr/>
-          <a:lstStyle/>
-          <a:p>
-            <a:endParaRPr lang="en-US"/>
-          </a:p>
-        </p:txBody>
-      </p:sp>
-      <p:sp>
-        <p:nvSpPr>
-          <p:cNvPr id="3" name="Content Placeholder 2">
-            <a:extLst>
-              <a:ext uri="{FF2B5EF4-FFF2-40B4-BE49-F238E27FC236}">
-                <a16:creationId xmlns:a16="http://schemas.microsoft.com/office/drawing/2014/main" id="{E02A1946-B590-FC4E-8F12-EF0895919C97}"/>
-              </a:ext>
-            </a:extLst>
-          </p:cNvPr>
-          <p:cNvSpPr>
-            <a:spLocks noGrp="1"/>
-          </p:cNvSpPr>
-          <p:nvPr>
-            <p:ph idx="1"/>
-          </p:nvPr>
-        </p:nvSpPr>
-        <p:spPr/>
-        <p:txBody>
-          <a:bodyPr>
-            <a:normAutofit fontScale="85000" lnSpcReduction="20000"/>
-          </a:bodyPr>
-          <a:lstStyle/>
-          <a:p>
-            <a:r>
-              <a:rPr lang="en-US" dirty="0" err="1"/>
-              <a:t>Shivay</a:t>
-            </a:r>
-            <a:r>
-              <a:rPr lang="en-US" dirty="0"/>
-              <a:t>:</a:t>
-            </a:r>
-          </a:p>
-          <a:p>
-            <a:r>
-              <a:rPr lang="en-US" dirty="0"/>
-              <a:t>Addition of Course ::</a:t>
-            </a:r>
-          </a:p>
-          <a:p>
-            <a:r>
-              <a:rPr lang="en-US" dirty="0"/>
-              <a:t>Add multiple employees</a:t>
-            </a:r>
-          </a:p>
-          <a:p>
-            <a:r>
-              <a:rPr lang="en-US" dirty="0"/>
-              <a:t>Start Date, End Date :: Update Module 2</a:t>
-            </a:r>
-          </a:p>
-          <a:p>
-            <a:r>
-              <a:rPr lang="en-US" dirty="0"/>
-              <a:t>Module 1</a:t>
-            </a:r>
-          </a:p>
-          <a:p>
-            <a:r>
-              <a:rPr lang="en-US" dirty="0"/>
-              <a:t>Dashboard : 2</a:t>
-            </a:r>
-            <a:r>
-              <a:rPr lang="en-US" baseline="30000" dirty="0"/>
-              <a:t>nd</a:t>
-            </a:r>
-            <a:r>
-              <a:rPr lang="en-US" dirty="0"/>
-              <a:t> &amp; 3</a:t>
-            </a:r>
-            <a:r>
-              <a:rPr lang="en-US" baseline="30000" dirty="0"/>
-              <a:t>rd</a:t>
-            </a:r>
-            <a:r>
-              <a:rPr lang="en-US" dirty="0"/>
-              <a:t> </a:t>
-            </a:r>
-            <a:r>
-              <a:rPr lang="en-US" dirty="0" err="1"/>
-              <a:t>infoG</a:t>
-            </a:r>
-            <a:endParaRPr lang="en-US" dirty="0"/>
-          </a:p>
-          <a:p>
-            <a:r>
-              <a:rPr lang="en-US" dirty="0"/>
-              <a:t>Cleaning</a:t>
-            </a:r>
-          </a:p>
-          <a:p>
-            <a:endParaRPr lang="en-US" dirty="0"/>
-          </a:p>
-          <a:p>
-            <a:r>
-              <a:rPr lang="en-US" dirty="0"/>
-              <a:t>Sarthak : module 4</a:t>
-            </a:r>
-          </a:p>
-          <a:p>
-            <a:r>
-              <a:rPr lang="en-US" dirty="0"/>
-              <a:t>Dashboard : 4 fields + 1 </a:t>
-            </a:r>
-            <a:r>
-              <a:rPr lang="en-US" dirty="0" err="1"/>
-              <a:t>infoG</a:t>
-            </a:r>
-            <a:endParaRPr lang="en-US" dirty="0"/>
-          </a:p>
-          <a:p>
-            <a:r>
-              <a:rPr lang="en-US" dirty="0"/>
-              <a:t>Template ICONS.</a:t>
-            </a:r>
-          </a:p>
-          <a:p>
-            <a:r>
-              <a:rPr lang="en-US" dirty="0"/>
-              <a:t>Admin Actor</a:t>
-            </a:r>
-          </a:p>
-          <a:p>
-            <a:endParaRPr lang="en-US" dirty="0"/>
-          </a:p>
-          <a:p>
-            <a:endParaRPr lang="en-US" dirty="0"/>
-          </a:p>
-        </p:txBody>
-      </p:sp>
-      <p:sp>
-        <p:nvSpPr>
-          <p:cNvPr id="4" name="TextBox 3">
-            <a:extLst>
-              <a:ext uri="{FF2B5EF4-FFF2-40B4-BE49-F238E27FC236}">
-                <a16:creationId xmlns:a16="http://schemas.microsoft.com/office/drawing/2014/main" id="{7530ED90-0DF6-7E40-ADC5-DD08B3983ED4}"/>
-              </a:ext>
-            </a:extLst>
-          </p:cNvPr>
-          <p:cNvSpPr txBox="1"/>
-          <p:nvPr/>
-        </p:nvSpPr>
-        <p:spPr>
-          <a:xfrm>
-            <a:off x="8243455" y="5381031"/>
-            <a:ext cx="2399311" cy="2031325"/>
-          </a:xfrm>
-          <a:prstGeom prst="rect">
-            <a:avLst/>
-          </a:prstGeom>
-          <a:noFill/>
-        </p:spPr>
-        <p:txBody>
-          <a:bodyPr wrap="none" rtlCol="0">
-            <a:spAutoFit/>
-          </a:bodyPr>
-          <a:lstStyle/>
-          <a:p>
-            <a:r>
-              <a:rPr lang="en-US" dirty="0"/>
-              <a:t>Admin ACTOR</a:t>
-            </a:r>
-          </a:p>
-          <a:p>
-            <a:r>
-              <a:rPr lang="en-US" dirty="0"/>
-              <a:t>Add Trainer Account</a:t>
-            </a:r>
-          </a:p>
-          <a:p>
-            <a:r>
-              <a:rPr lang="en-US" dirty="0"/>
-              <a:t>Delete Trainer Account</a:t>
-            </a:r>
-          </a:p>
-          <a:p>
-            <a:r>
-              <a:rPr lang="en-US" dirty="0"/>
-              <a:t>Add/ remove employee</a:t>
-            </a:r>
-          </a:p>
-          <a:p>
-            <a:r>
-              <a:rPr lang="en-US" dirty="0"/>
-              <a:t>Add employee Details</a:t>
-            </a:r>
-          </a:p>
-          <a:p>
-            <a:r>
-              <a:rPr lang="en-US" dirty="0"/>
-              <a:t>Database Upload</a:t>
-            </a:r>
-          </a:p>
-          <a:p>
-            <a:endParaRPr lang="en-US" dirty="0"/>
-          </a:p>
-        </p:txBody>
-      </p:sp>
-    </p:spTree>
-    <p:extLst>
-      <p:ext uri="{BB962C8B-B14F-4D97-AF65-F5344CB8AC3E}">
-        <p14:creationId xmlns:p14="http://schemas.microsoft.com/office/powerpoint/2010/main" val="738580338"/>
       </p:ext>
     </p:extLst>
   </p:cSld>

--- a/Documentation/Screen Designs/Shanta Sanofi Screen Designs.pptx
+++ b/Documentation/Screen Designs/Shanta Sanofi Screen Designs.pptx
@@ -14126,14 +14126,11 @@
             <a:avLst/>
           </a:prstGeom>
           <a:solidFill>
-            <a:srgbClr val="00B0F0"/>
+            <a:srgbClr val="00A8AA"/>
           </a:solidFill>
           <a:ln>
             <a:solidFill>
-              <a:schemeClr val="accent1">
-                <a:lumMod val="60000"/>
-                <a:lumOff val="40000"/>
-              </a:schemeClr>
+              <a:srgbClr val="00A8AA"/>
             </a:solidFill>
           </a:ln>
         </p:spPr>
@@ -16306,14 +16303,11 @@
             <a:avLst/>
           </a:prstGeom>
           <a:solidFill>
-            <a:srgbClr val="00B0F0"/>
+            <a:srgbClr val="00A8AA"/>
           </a:solidFill>
           <a:ln>
             <a:solidFill>
-              <a:schemeClr val="accent1">
-                <a:lumMod val="60000"/>
-                <a:lumOff val="40000"/>
-              </a:schemeClr>
+              <a:srgbClr val="00A8AA"/>
             </a:solidFill>
           </a:ln>
         </p:spPr>
@@ -18310,10 +18304,7 @@
           </a:solidFill>
           <a:ln>
             <a:solidFill>
-              <a:schemeClr val="accent1">
-                <a:lumMod val="60000"/>
-                <a:lumOff val="40000"/>
-              </a:schemeClr>
+              <a:srgbClr val="00A8AA"/>
             </a:solidFill>
           </a:ln>
         </p:spPr>
@@ -19648,14 +19639,11 @@
             <a:avLst/>
           </a:prstGeom>
           <a:solidFill>
-            <a:srgbClr val="00B0F0"/>
+            <a:srgbClr val="00A8AA"/>
           </a:solidFill>
           <a:ln>
             <a:solidFill>
-              <a:schemeClr val="accent1">
-                <a:lumMod val="60000"/>
-                <a:lumOff val="40000"/>
-              </a:schemeClr>
+              <a:srgbClr val="00A8AA"/>
             </a:solidFill>
           </a:ln>
         </p:spPr>
@@ -21793,14 +21781,11 @@
             <a:avLst/>
           </a:prstGeom>
           <a:solidFill>
-            <a:srgbClr val="00B0F0"/>
+            <a:srgbClr val="00A8AA"/>
           </a:solidFill>
           <a:ln>
             <a:solidFill>
-              <a:schemeClr val="accent1">
-                <a:lumMod val="60000"/>
-                <a:lumOff val="40000"/>
-              </a:schemeClr>
+              <a:srgbClr val="00A8AA"/>
             </a:solidFill>
           </a:ln>
         </p:spPr>

--- a/Documentation/Screen Designs/Shanta Sanofi Screen Designs.pptx
+++ b/Documentation/Screen Designs/Shanta Sanofi Screen Designs.pptx
@@ -215,7 +215,7 @@
           <a:p>
             <a:fld id="{736940B7-5369-499F-A655-F2C040499C10}" type="datetimeFigureOut">
               <a:rPr lang="en-IN" smtClean="0"/>
-              <a:t>21/02/19</a:t>
+              <a:t>27-02-2019</a:t>
             </a:fld>
             <a:endParaRPr lang="en-IN"/>
           </a:p>
@@ -2861,7 +2861,7 @@
           <a:p>
             <a:fld id="{0344983A-0EFF-4FA5-823C-58DD31D92387}" type="datetimeFigureOut">
               <a:rPr lang="en-IN" smtClean="0"/>
-              <a:t>21/02/19</a:t>
+              <a:t>27-02-2019</a:t>
             </a:fld>
             <a:endParaRPr lang="en-IN"/>
           </a:p>
@@ -3031,7 +3031,7 @@
           <a:p>
             <a:fld id="{0344983A-0EFF-4FA5-823C-58DD31D92387}" type="datetimeFigureOut">
               <a:rPr lang="en-IN" smtClean="0"/>
-              <a:t>21/02/19</a:t>
+              <a:t>27-02-2019</a:t>
             </a:fld>
             <a:endParaRPr lang="en-IN"/>
           </a:p>
@@ -3211,7 +3211,7 @@
           <a:p>
             <a:fld id="{0344983A-0EFF-4FA5-823C-58DD31D92387}" type="datetimeFigureOut">
               <a:rPr lang="en-IN" smtClean="0"/>
-              <a:t>21/02/19</a:t>
+              <a:t>27-02-2019</a:t>
             </a:fld>
             <a:endParaRPr lang="en-IN"/>
           </a:p>
@@ -3381,7 +3381,7 @@
           <a:p>
             <a:fld id="{0344983A-0EFF-4FA5-823C-58DD31D92387}" type="datetimeFigureOut">
               <a:rPr lang="en-IN" smtClean="0"/>
-              <a:t>21/02/19</a:t>
+              <a:t>27-02-2019</a:t>
             </a:fld>
             <a:endParaRPr lang="en-IN"/>
           </a:p>
@@ -3627,7 +3627,7 @@
           <a:p>
             <a:fld id="{0344983A-0EFF-4FA5-823C-58DD31D92387}" type="datetimeFigureOut">
               <a:rPr lang="en-IN" smtClean="0"/>
-              <a:t>21/02/19</a:t>
+              <a:t>27-02-2019</a:t>
             </a:fld>
             <a:endParaRPr lang="en-IN"/>
           </a:p>
@@ -3859,7 +3859,7 @@
           <a:p>
             <a:fld id="{0344983A-0EFF-4FA5-823C-58DD31D92387}" type="datetimeFigureOut">
               <a:rPr lang="en-IN" smtClean="0"/>
-              <a:t>21/02/19</a:t>
+              <a:t>27-02-2019</a:t>
             </a:fld>
             <a:endParaRPr lang="en-IN"/>
           </a:p>
@@ -4226,7 +4226,7 @@
           <a:p>
             <a:fld id="{0344983A-0EFF-4FA5-823C-58DD31D92387}" type="datetimeFigureOut">
               <a:rPr lang="en-IN" smtClean="0"/>
-              <a:t>21/02/19</a:t>
+              <a:t>27-02-2019</a:t>
             </a:fld>
             <a:endParaRPr lang="en-IN"/>
           </a:p>
@@ -4344,7 +4344,7 @@
           <a:p>
             <a:fld id="{0344983A-0EFF-4FA5-823C-58DD31D92387}" type="datetimeFigureOut">
               <a:rPr lang="en-IN" smtClean="0"/>
-              <a:t>21/02/19</a:t>
+              <a:t>27-02-2019</a:t>
             </a:fld>
             <a:endParaRPr lang="en-IN"/>
           </a:p>
@@ -4439,7 +4439,7 @@
           <a:p>
             <a:fld id="{0344983A-0EFF-4FA5-823C-58DD31D92387}" type="datetimeFigureOut">
               <a:rPr lang="en-IN" smtClean="0"/>
-              <a:t>21/02/19</a:t>
+              <a:t>27-02-2019</a:t>
             </a:fld>
             <a:endParaRPr lang="en-IN"/>
           </a:p>
@@ -4716,7 +4716,7 @@
           <a:p>
             <a:fld id="{0344983A-0EFF-4FA5-823C-58DD31D92387}" type="datetimeFigureOut">
               <a:rPr lang="en-IN" smtClean="0"/>
-              <a:t>21/02/19</a:t>
+              <a:t>27-02-2019</a:t>
             </a:fld>
             <a:endParaRPr lang="en-IN"/>
           </a:p>
@@ -4973,7 +4973,7 @@
           <a:p>
             <a:fld id="{0344983A-0EFF-4FA5-823C-58DD31D92387}" type="datetimeFigureOut">
               <a:rPr lang="en-IN" smtClean="0"/>
-              <a:t>21/02/19</a:t>
+              <a:t>27-02-2019</a:t>
             </a:fld>
             <a:endParaRPr lang="en-IN"/>
           </a:p>
@@ -5186,7 +5186,7 @@
           <a:p>
             <a:fld id="{0344983A-0EFF-4FA5-823C-58DD31D92387}" type="datetimeFigureOut">
               <a:rPr lang="en-IN" smtClean="0"/>
-              <a:t>21/02/19</a:t>
+              <a:t>27-02-2019</a:t>
             </a:fld>
             <a:endParaRPr lang="en-IN"/>
           </a:p>
@@ -23243,10 +23243,46 @@
       </p:sp>
       <p:sp>
         <p:nvSpPr>
-          <p:cNvPr id="48" name="Rectangle: Rounded Corners 65">
-            <a:extLst>
-              <a:ext uri="{FF2B5EF4-FFF2-40B4-BE49-F238E27FC236}">
-                <a16:creationId xmlns:a16="http://schemas.microsoft.com/office/drawing/2014/main" id="{05EAECDE-3B6D-E24E-8243-B8611089B202}"/>
+          <p:cNvPr id="49" name="TextBox 48">
+            <a:extLst>
+              <a:ext uri="{FF2B5EF4-FFF2-40B4-BE49-F238E27FC236}">
+                <a16:creationId xmlns:a16="http://schemas.microsoft.com/office/drawing/2014/main" id="{550105AF-B118-154C-AF9F-5CD4F3909DD9}"/>
+              </a:ext>
+            </a:extLst>
+          </p:cNvPr>
+          <p:cNvSpPr txBox="1"/>
+          <p:nvPr/>
+        </p:nvSpPr>
+        <p:spPr>
+          <a:xfrm>
+            <a:off x="3988960" y="2212280"/>
+            <a:ext cx="1201804" cy="369332"/>
+          </a:xfrm>
+          <a:prstGeom prst="rect">
+            <a:avLst/>
+          </a:prstGeom>
+          <a:noFill/>
+        </p:spPr>
+        <p:txBody>
+          <a:bodyPr wrap="none" rtlCol="0">
+            <a:spAutoFit/>
+          </a:bodyPr>
+          <a:lstStyle/>
+          <a:p>
+            <a:pPr algn="ctr"/>
+            <a:r>
+              <a:rPr lang="en-US" dirty="0"/>
+              <a:t>Course ID*</a:t>
+            </a:r>
+          </a:p>
+        </p:txBody>
+      </p:sp>
+      <p:sp>
+        <p:nvSpPr>
+          <p:cNvPr id="50" name="Rectangle 49">
+            <a:extLst>
+              <a:ext uri="{FF2B5EF4-FFF2-40B4-BE49-F238E27FC236}">
+                <a16:creationId xmlns:a16="http://schemas.microsoft.com/office/drawing/2014/main" id="{5CCF21A6-3573-F543-95AF-2A9029C46D51}"/>
               </a:ext>
             </a:extLst>
           </p:cNvPr>
@@ -23255,22 +23291,17 @@
         </p:nvSpPr>
         <p:spPr>
           <a:xfrm>
-            <a:off x="9175857" y="2155396"/>
-            <a:ext cx="1813374" cy="443272"/>
-          </a:xfrm>
-          <a:prstGeom prst="roundRect">
+            <a:off x="3243991" y="3211281"/>
+            <a:ext cx="8835437" cy="694077"/>
+          </a:xfrm>
+          <a:prstGeom prst="rect">
             <a:avLst/>
           </a:prstGeom>
           <a:solidFill>
-            <a:srgbClr val="00B0F0"/>
+            <a:schemeClr val="bg1"/>
           </a:solidFill>
           <a:ln>
-            <a:solidFill>
-              <a:schemeClr val="accent1">
-                <a:lumMod val="60000"/>
-                <a:lumOff val="40000"/>
-              </a:schemeClr>
-            </a:solidFill>
+            <a:noFill/>
           </a:ln>
         </p:spPr>
         <p:style>
@@ -23296,53 +23327,17 @@
             <a:pPr algn="ctr"/>
             <a:r>
               <a:rPr lang="en-IN" sz="1646" dirty="0"/>
-              <a:t>Enter</a:t>
-            </a:r>
-          </a:p>
-        </p:txBody>
-      </p:sp>
-      <p:sp>
-        <p:nvSpPr>
-          <p:cNvPr id="49" name="TextBox 48">
-            <a:extLst>
-              <a:ext uri="{FF2B5EF4-FFF2-40B4-BE49-F238E27FC236}">
-                <a16:creationId xmlns:a16="http://schemas.microsoft.com/office/drawing/2014/main" id="{550105AF-B118-154C-AF9F-5CD4F3909DD9}"/>
-              </a:ext>
-            </a:extLst>
-          </p:cNvPr>
-          <p:cNvSpPr txBox="1"/>
-          <p:nvPr/>
-        </p:nvSpPr>
-        <p:spPr>
-          <a:xfrm>
-            <a:off x="3988960" y="2212280"/>
-            <a:ext cx="1201804" cy="369332"/>
-          </a:xfrm>
-          <a:prstGeom prst="rect">
-            <a:avLst/>
-          </a:prstGeom>
-          <a:noFill/>
-        </p:spPr>
-        <p:txBody>
-          <a:bodyPr wrap="none" rtlCol="0">
-            <a:spAutoFit/>
-          </a:bodyPr>
-          <a:lstStyle/>
-          <a:p>
-            <a:pPr algn="ctr"/>
-            <a:r>
-              <a:rPr lang="en-US" dirty="0"/>
-              <a:t>Course ID*</a:t>
-            </a:r>
-          </a:p>
-        </p:txBody>
-      </p:sp>
-      <p:sp>
-        <p:nvSpPr>
-          <p:cNvPr id="50" name="Rectangle 49">
-            <a:extLst>
-              <a:ext uri="{FF2B5EF4-FFF2-40B4-BE49-F238E27FC236}">
-                <a16:creationId xmlns:a16="http://schemas.microsoft.com/office/drawing/2014/main" id="{5CCF21A6-3573-F543-95AF-2A9029C46D51}"/>
+              <a:t>E</a:t>
+            </a:r>
+          </a:p>
+        </p:txBody>
+      </p:sp>
+      <p:sp>
+        <p:nvSpPr>
+          <p:cNvPr id="51" name="Rectangle: Rounded Corners 55">
+            <a:extLst>
+              <a:ext uri="{FF2B5EF4-FFF2-40B4-BE49-F238E27FC236}">
+                <a16:creationId xmlns:a16="http://schemas.microsoft.com/office/drawing/2014/main" id="{1A549288-70C2-FA4A-B20B-0E47D8136C14}"/>
               </a:ext>
             </a:extLst>
           </p:cNvPr>
@@ -23351,17 +23346,21 @@
         </p:nvSpPr>
         <p:spPr>
           <a:xfrm>
-            <a:off x="3243991" y="3211281"/>
-            <a:ext cx="8835437" cy="694077"/>
-          </a:xfrm>
-          <a:prstGeom prst="rect">
+            <a:off x="5718294" y="3389122"/>
+            <a:ext cx="3068078" cy="422168"/>
+          </a:xfrm>
+          <a:prstGeom prst="roundRect">
             <a:avLst/>
           </a:prstGeom>
           <a:solidFill>
             <a:schemeClr val="bg1"/>
           </a:solidFill>
           <a:ln>
-            <a:noFill/>
+            <a:solidFill>
+              <a:schemeClr val="bg2">
+                <a:lumMod val="50000"/>
+              </a:schemeClr>
+            </a:solidFill>
           </a:ln>
         </p:spPr>
         <p:style>
@@ -23384,20 +23383,58 @@
           <a:bodyPr rtlCol="0" anchor="ctr"/>
           <a:lstStyle/>
           <a:p>
+            <a:endParaRPr lang="en-IN" sz="1646" dirty="0">
+              <a:solidFill>
+                <a:schemeClr val="bg2">
+                  <a:lumMod val="50000"/>
+                </a:schemeClr>
+              </a:solidFill>
+            </a:endParaRPr>
+          </a:p>
+        </p:txBody>
+      </p:sp>
+      <p:sp>
+        <p:nvSpPr>
+          <p:cNvPr id="53" name="TextBox 52">
+            <a:extLst>
+              <a:ext uri="{FF2B5EF4-FFF2-40B4-BE49-F238E27FC236}">
+                <a16:creationId xmlns:a16="http://schemas.microsoft.com/office/drawing/2014/main" id="{550105AF-B118-154C-AF9F-5CD4F3909DD9}"/>
+              </a:ext>
+            </a:extLst>
+          </p:cNvPr>
+          <p:cNvSpPr txBox="1"/>
+          <p:nvPr/>
+        </p:nvSpPr>
+        <p:spPr>
+          <a:xfrm>
+            <a:off x="3496909" y="3406590"/>
+            <a:ext cx="2351349" cy="369332"/>
+          </a:xfrm>
+          <a:prstGeom prst="rect">
+            <a:avLst/>
+          </a:prstGeom>
+          <a:noFill/>
+        </p:spPr>
+        <p:txBody>
+          <a:bodyPr wrap="none" rtlCol="0">
+            <a:spAutoFit/>
+          </a:bodyPr>
+          <a:lstStyle/>
+          <a:p>
             <a:pPr algn="ctr"/>
             <a:r>
-              <a:rPr lang="en-IN" sz="1646" dirty="0"/>
-              <a:t>E</a:t>
-            </a:r>
-          </a:p>
-        </p:txBody>
-      </p:sp>
-      <p:sp>
-        <p:nvSpPr>
-          <p:cNvPr id="51" name="Rectangle: Rounded Corners 55">
-            <a:extLst>
-              <a:ext uri="{FF2B5EF4-FFF2-40B4-BE49-F238E27FC236}">
-                <a16:creationId xmlns:a16="http://schemas.microsoft.com/office/drawing/2014/main" id="{1A549288-70C2-FA4A-B20B-0E47D8136C14}"/>
+              <a:rPr lang="en-US" dirty="0"/>
+              <a:t>Course Addition Date *</a:t>
+            </a:r>
+          </a:p>
+        </p:txBody>
+      </p:sp>
+      <p:sp>
+        <p:nvSpPr>
+          <p:cNvPr id="58" name="Rectangle: Rounded Corners 65">
+            <a:extLst>
+              <a:ext uri="{FF2B5EF4-FFF2-40B4-BE49-F238E27FC236}">
+                <a16:creationId xmlns:a16="http://schemas.microsoft.com/office/drawing/2014/main" id="{05EAECDE-3B6D-E24E-8243-B8611089B202}"/>
               </a:ext>
             </a:extLst>
           </p:cNvPr>
@@ -23406,19 +23443,20 @@
         </p:nvSpPr>
         <p:spPr>
           <a:xfrm>
-            <a:off x="5718294" y="3389122"/>
-            <a:ext cx="3068078" cy="422168"/>
+            <a:off x="6398408" y="5273916"/>
+            <a:ext cx="1813374" cy="443272"/>
           </a:xfrm>
           <a:prstGeom prst="roundRect">
             <a:avLst/>
           </a:prstGeom>
           <a:solidFill>
-            <a:schemeClr val="bg1"/>
+            <a:srgbClr val="00B0F0"/>
           </a:solidFill>
           <a:ln>
             <a:solidFill>
-              <a:schemeClr val="bg2">
-                <a:lumMod val="50000"/>
+              <a:schemeClr val="accent1">
+                <a:lumMod val="60000"/>
+                <a:lumOff val="40000"/>
               </a:schemeClr>
             </a:solidFill>
           </a:ln>
@@ -23443,228 +23481,10 @@
           <a:bodyPr rtlCol="0" anchor="ctr"/>
           <a:lstStyle/>
           <a:p>
-            <a:endParaRPr lang="en-IN" sz="1646" dirty="0">
-              <a:solidFill>
-                <a:schemeClr val="bg2">
-                  <a:lumMod val="50000"/>
-                </a:schemeClr>
-              </a:solidFill>
-            </a:endParaRPr>
-          </a:p>
-        </p:txBody>
-      </p:sp>
-      <p:sp>
-        <p:nvSpPr>
-          <p:cNvPr id="52" name="Rectangle: Rounded Corners 65">
-            <a:extLst>
-              <a:ext uri="{FF2B5EF4-FFF2-40B4-BE49-F238E27FC236}">
-                <a16:creationId xmlns:a16="http://schemas.microsoft.com/office/drawing/2014/main" id="{05EAECDE-3B6D-E24E-8243-B8611089B202}"/>
-              </a:ext>
-            </a:extLst>
-          </p:cNvPr>
-          <p:cNvSpPr/>
-          <p:nvPr/>
-        </p:nvSpPr>
-        <p:spPr>
-          <a:xfrm>
-            <a:off x="9192225" y="3339741"/>
-            <a:ext cx="1813374" cy="443272"/>
-          </a:xfrm>
-          <a:prstGeom prst="roundRect">
-            <a:avLst/>
-          </a:prstGeom>
-          <a:solidFill>
-            <a:srgbClr val="00B0F0"/>
-          </a:solidFill>
-          <a:ln>
-            <a:solidFill>
-              <a:schemeClr val="accent1">
-                <a:lumMod val="60000"/>
-                <a:lumOff val="40000"/>
-              </a:schemeClr>
-            </a:solidFill>
-          </a:ln>
-        </p:spPr>
-        <p:style>
-          <a:lnRef idx="2">
-            <a:schemeClr val="accent1">
-              <a:shade val="50000"/>
-            </a:schemeClr>
-          </a:lnRef>
-          <a:fillRef idx="1">
-            <a:schemeClr val="accent1"/>
-          </a:fillRef>
-          <a:effectRef idx="0">
-            <a:schemeClr val="accent1"/>
-          </a:effectRef>
-          <a:fontRef idx="minor">
-            <a:schemeClr val="lt1"/>
-          </a:fontRef>
-        </p:style>
-        <p:txBody>
-          <a:bodyPr rtlCol="0" anchor="ctr"/>
-          <a:lstStyle/>
-          <a:p>
-            <a:pPr algn="ctr"/>
-            <a:r>
-              <a:rPr lang="en-IN" sz="1646" dirty="0"/>
-              <a:t>Enter</a:t>
-            </a:r>
-          </a:p>
-        </p:txBody>
-      </p:sp>
-      <p:sp>
-        <p:nvSpPr>
-          <p:cNvPr id="53" name="TextBox 52">
-            <a:extLst>
-              <a:ext uri="{FF2B5EF4-FFF2-40B4-BE49-F238E27FC236}">
-                <a16:creationId xmlns:a16="http://schemas.microsoft.com/office/drawing/2014/main" id="{550105AF-B118-154C-AF9F-5CD4F3909DD9}"/>
-              </a:ext>
-            </a:extLst>
-          </p:cNvPr>
-          <p:cNvSpPr txBox="1"/>
-          <p:nvPr/>
-        </p:nvSpPr>
-        <p:spPr>
-          <a:xfrm>
-            <a:off x="3496909" y="3406590"/>
-            <a:ext cx="2351349" cy="369332"/>
-          </a:xfrm>
-          <a:prstGeom prst="rect">
-            <a:avLst/>
-          </a:prstGeom>
-          <a:noFill/>
-        </p:spPr>
-        <p:txBody>
-          <a:bodyPr wrap="none" rtlCol="0">
-            <a:spAutoFit/>
-          </a:bodyPr>
-          <a:lstStyle/>
-          <a:p>
-            <a:pPr algn="ctr"/>
-            <a:r>
-              <a:rPr lang="en-US" dirty="0"/>
-              <a:t>Course Addition Date *</a:t>
-            </a:r>
-          </a:p>
-        </p:txBody>
-      </p:sp>
-      <p:sp>
-        <p:nvSpPr>
-          <p:cNvPr id="58" name="Rectangle: Rounded Corners 65">
-            <a:extLst>
-              <a:ext uri="{FF2B5EF4-FFF2-40B4-BE49-F238E27FC236}">
-                <a16:creationId xmlns:a16="http://schemas.microsoft.com/office/drawing/2014/main" id="{05EAECDE-3B6D-E24E-8243-B8611089B202}"/>
-              </a:ext>
-            </a:extLst>
-          </p:cNvPr>
-          <p:cNvSpPr/>
-          <p:nvPr/>
-        </p:nvSpPr>
-        <p:spPr>
-          <a:xfrm>
-            <a:off x="6398408" y="5273916"/>
-            <a:ext cx="1813374" cy="443272"/>
-          </a:xfrm>
-          <a:prstGeom prst="roundRect">
-            <a:avLst/>
-          </a:prstGeom>
-          <a:solidFill>
-            <a:srgbClr val="00B0F0"/>
-          </a:solidFill>
-          <a:ln>
-            <a:solidFill>
-              <a:schemeClr val="accent1">
-                <a:lumMod val="60000"/>
-                <a:lumOff val="40000"/>
-              </a:schemeClr>
-            </a:solidFill>
-          </a:ln>
-        </p:spPr>
-        <p:style>
-          <a:lnRef idx="2">
-            <a:schemeClr val="accent1">
-              <a:shade val="50000"/>
-            </a:schemeClr>
-          </a:lnRef>
-          <a:fillRef idx="1">
-            <a:schemeClr val="accent1"/>
-          </a:fillRef>
-          <a:effectRef idx="0">
-            <a:schemeClr val="accent1"/>
-          </a:effectRef>
-          <a:fontRef idx="minor">
-            <a:schemeClr val="lt1"/>
-          </a:fontRef>
-        </p:style>
-        <p:txBody>
-          <a:bodyPr rtlCol="0" anchor="ctr"/>
-          <a:lstStyle/>
-          <a:p>
             <a:pPr algn="ctr"/>
             <a:r>
               <a:rPr lang="en-IN" sz="1646" dirty="0"/>
               <a:t>Submit</a:t>
-            </a:r>
-          </a:p>
-        </p:txBody>
-      </p:sp>
-      <p:sp>
-        <p:nvSpPr>
-          <p:cNvPr id="57" name="Rectangle: Rounded Corners 65">
-            <a:extLst>
-              <a:ext uri="{FF2B5EF4-FFF2-40B4-BE49-F238E27FC236}">
-                <a16:creationId xmlns:a16="http://schemas.microsoft.com/office/drawing/2014/main" id="{E2E76E90-693E-CA49-A433-FA00E8B4B9D4}"/>
-              </a:ext>
-            </a:extLst>
-          </p:cNvPr>
-          <p:cNvSpPr/>
-          <p:nvPr/>
-        </p:nvSpPr>
-        <p:spPr>
-          <a:xfrm>
-            <a:off x="9212545" y="4459220"/>
-            <a:ext cx="1813374" cy="443272"/>
-          </a:xfrm>
-          <a:prstGeom prst="roundRect">
-            <a:avLst/>
-          </a:prstGeom>
-          <a:solidFill>
-            <a:srgbClr val="00B0F0"/>
-          </a:solidFill>
-          <a:ln>
-            <a:solidFill>
-              <a:schemeClr val="accent1">
-                <a:lumMod val="60000"/>
-                <a:lumOff val="40000"/>
-              </a:schemeClr>
-            </a:solidFill>
-          </a:ln>
-        </p:spPr>
-        <p:style>
-          <a:lnRef idx="2">
-            <a:schemeClr val="accent1">
-              <a:shade val="50000"/>
-            </a:schemeClr>
-          </a:lnRef>
-          <a:fillRef idx="1">
-            <a:schemeClr val="accent1"/>
-          </a:fillRef>
-          <a:effectRef idx="0">
-            <a:schemeClr val="accent1"/>
-          </a:effectRef>
-          <a:fontRef idx="minor">
-            <a:schemeClr val="lt1"/>
-          </a:fontRef>
-        </p:style>
-        <p:txBody>
-          <a:bodyPr rtlCol="0" anchor="ctr"/>
-          <a:lstStyle/>
-          <a:p>
-            <a:pPr algn="ctr"/>
-            <a:r>
-              <a:rPr lang="en-IN" sz="1646" dirty="0"/>
-              <a:t>Enter</a:t>
             </a:r>
           </a:p>
         </p:txBody>
@@ -24521,6 +24341,13 @@
   <p:clrMapOvr>
     <a:masterClrMapping/>
   </p:clrMapOvr>
+  <p:timing>
+    <p:tnLst>
+      <p:par>
+        <p:cTn id="1" dur="indefinite" restart="never" nodeType="tmRoot"/>
+      </p:par>
+    </p:tnLst>
+  </p:timing>
 </p:sld>
 </file>
 
@@ -25468,30 +25295,6 @@
       </p:sp>
       <p:pic>
         <p:nvPicPr>
-          <p:cNvPr id="7" name="Picture 6"/>
-          <p:cNvPicPr>
-            <a:picLocks noChangeAspect="1"/>
-          </p:cNvPicPr>
-          <p:nvPr/>
-        </p:nvPicPr>
-        <p:blipFill>
-          <a:blip r:embed="rId7"/>
-          <a:stretch>
-            <a:fillRect/>
-          </a:stretch>
-        </p:blipFill>
-        <p:spPr>
-          <a:xfrm>
-            <a:off x="3257340" y="3182601"/>
-            <a:ext cx="8706761" cy="2809852"/>
-          </a:xfrm>
-          <a:prstGeom prst="rect">
-            <a:avLst/>
-          </a:prstGeom>
-        </p:spPr>
-      </p:pic>
-      <p:pic>
-        <p:nvPicPr>
           <p:cNvPr id="8" name="Picture 7"/>
           <p:cNvPicPr>
             <a:picLocks noChangeAspect="1"/>
@@ -25499,7 +25302,7 @@
           <p:nvPr/>
         </p:nvPicPr>
         <p:blipFill rotWithShape="1">
-          <a:blip r:embed="rId8"/>
+          <a:blip r:embed="rId7"/>
           <a:srcRect r="9276" b="-318"/>
           <a:stretch/>
         </p:blipFill>
@@ -25528,7 +25331,7 @@
           <p:nvPr/>
         </p:nvPicPr>
         <p:blipFill rotWithShape="1">
-          <a:blip r:embed="rId7"/>
+          <a:blip r:embed="rId8"/>
           <a:srcRect l="11986" r="79135" b="83150"/>
           <a:stretch/>
         </p:blipFill>
@@ -26451,6 +26254,30 @@
           </a:prstGeom>
         </p:spPr>
       </p:pic>
+      <p:pic>
+        <p:nvPicPr>
+          <p:cNvPr id="11" name="Picture 10"/>
+          <p:cNvPicPr>
+            <a:picLocks noChangeAspect="1"/>
+          </p:cNvPicPr>
+          <p:nvPr/>
+        </p:nvPicPr>
+        <p:blipFill>
+          <a:blip r:embed="rId18"/>
+          <a:stretch>
+            <a:fillRect/>
+          </a:stretch>
+        </p:blipFill>
+        <p:spPr>
+          <a:xfrm>
+            <a:off x="3740733" y="3301576"/>
+            <a:ext cx="8385348" cy="2544631"/>
+          </a:xfrm>
+          <a:prstGeom prst="rect">
+            <a:avLst/>
+          </a:prstGeom>
+        </p:spPr>
+      </p:pic>
     </p:spTree>
     <p:extLst>
       <p:ext uri="{BB962C8B-B14F-4D97-AF65-F5344CB8AC3E}">
@@ -26461,6 +26288,13 @@
   <p:clrMapOvr>
     <a:masterClrMapping/>
   </p:clrMapOvr>
+  <p:timing>
+    <p:tnLst>
+      <p:par>
+        <p:cTn id="1" dur="indefinite" restart="never" nodeType="tmRoot"/>
+      </p:par>
+    </p:tnLst>
+  </p:timing>
 </p:sld>
 </file>
 
@@ -27108,9 +26942,7 @@
             <a:avLst/>
           </a:prstGeom>
           <a:solidFill>
-            <a:schemeClr val="bg2">
-              <a:alpha val="15000"/>
-            </a:schemeClr>
+            <a:srgbClr val="FBFBFB"/>
           </a:solidFill>
           <a:ln>
             <a:noFill/>
@@ -27909,63 +27741,6 @@
             <a:r>
               <a:rPr lang="en-US" dirty="0"/>
               <a:t>End Date </a:t>
-            </a:r>
-          </a:p>
-        </p:txBody>
-      </p:sp>
-      <p:sp>
-        <p:nvSpPr>
-          <p:cNvPr id="4" name="Rectangle 3">
-            <a:extLst>
-              <a:ext uri="{FF2B5EF4-FFF2-40B4-BE49-F238E27FC236}">
-                <a16:creationId xmlns:a16="http://schemas.microsoft.com/office/drawing/2014/main" id="{0ADBAF9C-93A1-A14D-BE46-8EF0C223DDC7}"/>
-              </a:ext>
-            </a:extLst>
-          </p:cNvPr>
-          <p:cNvSpPr/>
-          <p:nvPr/>
-        </p:nvSpPr>
-        <p:spPr>
-          <a:xfrm>
-            <a:off x="9123826" y="2922914"/>
-            <a:ext cx="2888749" cy="2529444"/>
-          </a:xfrm>
-          <a:prstGeom prst="rect">
-            <a:avLst/>
-          </a:prstGeom>
-          <a:solidFill>
-            <a:srgbClr val="0090AF"/>
-          </a:solidFill>
-        </p:spPr>
-        <p:style>
-          <a:lnRef idx="3">
-            <a:schemeClr val="lt1"/>
-          </a:lnRef>
-          <a:fillRef idx="1">
-            <a:schemeClr val="accent1"/>
-          </a:fillRef>
-          <a:effectRef idx="1">
-            <a:schemeClr val="accent1"/>
-          </a:effectRef>
-          <a:fontRef idx="minor">
-            <a:schemeClr val="lt1"/>
-          </a:fontRef>
-        </p:style>
-        <p:txBody>
-          <a:bodyPr rtlCol="0" anchor="ctr"/>
-          <a:lstStyle/>
-          <a:p>
-            <a:pPr algn="ctr"/>
-            <a:r>
-              <a:rPr lang="en-US" sz="4400" dirty="0"/>
-              <a:t>35%</a:t>
-            </a:r>
-          </a:p>
-          <a:p>
-            <a:pPr algn="ctr"/>
-            <a:r>
-              <a:rPr lang="en-US" sz="1600" dirty="0"/>
-              <a:t>//can be a pie chart here</a:t>
             </a:r>
           </a:p>
         </p:txBody>
@@ -28880,6 +28655,30 @@
           </a:prstGeom>
         </p:spPr>
       </p:pic>
+      <p:pic>
+        <p:nvPicPr>
+          <p:cNvPr id="5" name="Picture 4"/>
+          <p:cNvPicPr>
+            <a:picLocks noChangeAspect="1"/>
+          </p:cNvPicPr>
+          <p:nvPr/>
+        </p:nvPicPr>
+        <p:blipFill>
+          <a:blip r:embed="rId15"/>
+          <a:stretch>
+            <a:fillRect/>
+          </a:stretch>
+        </p:blipFill>
+        <p:spPr>
+          <a:xfrm>
+            <a:off x="8668435" y="3284796"/>
+            <a:ext cx="3579820" cy="2275285"/>
+          </a:xfrm>
+          <a:prstGeom prst="rect">
+            <a:avLst/>
+          </a:prstGeom>
+        </p:spPr>
+      </p:pic>
     </p:spTree>
     <p:extLst>
       <p:ext uri="{BB962C8B-B14F-4D97-AF65-F5344CB8AC3E}">
@@ -28890,6 +28689,13 @@
   <p:clrMapOvr>
     <a:masterClrMapping/>
   </p:clrMapOvr>
+  <p:timing>
+    <p:tnLst>
+      <p:par>
+        <p:cTn id="1" dur="indefinite" restart="never" nodeType="tmRoot"/>
+      </p:par>
+    </p:tnLst>
+  </p:timing>
 </p:sld>
 </file>
 
@@ -36555,10 +36361,45 @@
       </p:sp>
       <p:sp>
         <p:nvSpPr>
-          <p:cNvPr id="44" name="Rectangle: Rounded Corners 65">
-            <a:extLst>
-              <a:ext uri="{FF2B5EF4-FFF2-40B4-BE49-F238E27FC236}">
-                <a16:creationId xmlns:a16="http://schemas.microsoft.com/office/drawing/2014/main" id="{05EAECDE-3B6D-E24E-8243-B8611089B202}"/>
+          <p:cNvPr id="45" name="TextBox 44">
+            <a:extLst>
+              <a:ext uri="{FF2B5EF4-FFF2-40B4-BE49-F238E27FC236}">
+                <a16:creationId xmlns:a16="http://schemas.microsoft.com/office/drawing/2014/main" id="{550105AF-B118-154C-AF9F-5CD4F3909DD9}"/>
+              </a:ext>
+            </a:extLst>
+          </p:cNvPr>
+          <p:cNvSpPr txBox="1"/>
+          <p:nvPr/>
+        </p:nvSpPr>
+        <p:spPr>
+          <a:xfrm>
+            <a:off x="3668770" y="2163540"/>
+            <a:ext cx="1362040" cy="369332"/>
+          </a:xfrm>
+          <a:prstGeom prst="rect">
+            <a:avLst/>
+          </a:prstGeom>
+          <a:noFill/>
+        </p:spPr>
+        <p:txBody>
+          <a:bodyPr wrap="none" rtlCol="0">
+            <a:spAutoFit/>
+          </a:bodyPr>
+          <a:lstStyle/>
+          <a:p>
+            <a:r>
+              <a:rPr lang="en-US" dirty="0"/>
+              <a:t>Employee ID</a:t>
+            </a:r>
+          </a:p>
+        </p:txBody>
+      </p:sp>
+      <p:sp>
+        <p:nvSpPr>
+          <p:cNvPr id="46" name="Rectangle 45">
+            <a:extLst>
+              <a:ext uri="{FF2B5EF4-FFF2-40B4-BE49-F238E27FC236}">
+                <a16:creationId xmlns:a16="http://schemas.microsoft.com/office/drawing/2014/main" id="{5CCF21A6-3573-F543-95AF-2A9029C46D51}"/>
               </a:ext>
             </a:extLst>
           </p:cNvPr>
@@ -36567,22 +36408,17 @@
         </p:nvSpPr>
         <p:spPr>
           <a:xfrm>
-            <a:off x="8806502" y="2107480"/>
-            <a:ext cx="1813374" cy="443272"/>
-          </a:xfrm>
-          <a:prstGeom prst="roundRect">
+            <a:off x="2967852" y="3113704"/>
+            <a:ext cx="8835437" cy="694077"/>
+          </a:xfrm>
+          <a:prstGeom prst="rect">
             <a:avLst/>
           </a:prstGeom>
           <a:solidFill>
-            <a:srgbClr val="00B0F0"/>
+            <a:schemeClr val="bg1"/>
           </a:solidFill>
           <a:ln>
-            <a:solidFill>
-              <a:schemeClr val="accent1">
-                <a:lumMod val="60000"/>
-                <a:lumOff val="40000"/>
-              </a:schemeClr>
-            </a:solidFill>
+            <a:noFill/>
           </a:ln>
         </p:spPr>
         <p:style>
@@ -36608,52 +36444,17 @@
             <a:pPr algn="ctr"/>
             <a:r>
               <a:rPr lang="en-IN" sz="1646" dirty="0"/>
-              <a:t>Enter</a:t>
-            </a:r>
-          </a:p>
-        </p:txBody>
-      </p:sp>
-      <p:sp>
-        <p:nvSpPr>
-          <p:cNvPr id="45" name="TextBox 44">
-            <a:extLst>
-              <a:ext uri="{FF2B5EF4-FFF2-40B4-BE49-F238E27FC236}">
-                <a16:creationId xmlns:a16="http://schemas.microsoft.com/office/drawing/2014/main" id="{550105AF-B118-154C-AF9F-5CD4F3909DD9}"/>
-              </a:ext>
-            </a:extLst>
-          </p:cNvPr>
-          <p:cNvSpPr txBox="1"/>
-          <p:nvPr/>
-        </p:nvSpPr>
-        <p:spPr>
-          <a:xfrm>
-            <a:off x="3668770" y="2163540"/>
-            <a:ext cx="1362040" cy="369332"/>
-          </a:xfrm>
-          <a:prstGeom prst="rect">
-            <a:avLst/>
-          </a:prstGeom>
-          <a:noFill/>
-        </p:spPr>
-        <p:txBody>
-          <a:bodyPr wrap="none" rtlCol="0">
-            <a:spAutoFit/>
-          </a:bodyPr>
-          <a:lstStyle/>
-          <a:p>
-            <a:r>
-              <a:rPr lang="en-US" dirty="0"/>
-              <a:t>Employee ID</a:t>
-            </a:r>
-          </a:p>
-        </p:txBody>
-      </p:sp>
-      <p:sp>
-        <p:nvSpPr>
-          <p:cNvPr id="46" name="Rectangle 45">
-            <a:extLst>
-              <a:ext uri="{FF2B5EF4-FFF2-40B4-BE49-F238E27FC236}">
-                <a16:creationId xmlns:a16="http://schemas.microsoft.com/office/drawing/2014/main" id="{5CCF21A6-3573-F543-95AF-2A9029C46D51}"/>
+              <a:t>E</a:t>
+            </a:r>
+          </a:p>
+        </p:txBody>
+      </p:sp>
+      <p:sp>
+        <p:nvSpPr>
+          <p:cNvPr id="47" name="Rectangle: Rounded Corners 55">
+            <a:extLst>
+              <a:ext uri="{FF2B5EF4-FFF2-40B4-BE49-F238E27FC236}">
+                <a16:creationId xmlns:a16="http://schemas.microsoft.com/office/drawing/2014/main" id="{1A549288-70C2-FA4A-B20B-0E47D8136C14}"/>
               </a:ext>
             </a:extLst>
           </p:cNvPr>
@@ -36662,17 +36463,21 @@
         </p:nvSpPr>
         <p:spPr>
           <a:xfrm>
-            <a:off x="2967852" y="3113704"/>
-            <a:ext cx="8835437" cy="694077"/>
-          </a:xfrm>
-          <a:prstGeom prst="rect">
+            <a:off x="5369105" y="3255203"/>
+            <a:ext cx="3068078" cy="422168"/>
+          </a:xfrm>
+          <a:prstGeom prst="roundRect">
             <a:avLst/>
           </a:prstGeom>
           <a:solidFill>
             <a:schemeClr val="bg1"/>
           </a:solidFill>
           <a:ln>
-            <a:noFill/>
+            <a:solidFill>
+              <a:schemeClr val="bg2">
+                <a:lumMod val="50000"/>
+              </a:schemeClr>
+            </a:solidFill>
           </a:ln>
         </p:spPr>
         <p:style>
@@ -36695,20 +36500,58 @@
           <a:bodyPr rtlCol="0" anchor="ctr"/>
           <a:lstStyle/>
           <a:p>
+            <a:endParaRPr lang="en-IN" sz="1646" dirty="0">
+              <a:solidFill>
+                <a:schemeClr val="bg2">
+                  <a:lumMod val="50000"/>
+                </a:schemeClr>
+              </a:solidFill>
+            </a:endParaRPr>
+          </a:p>
+        </p:txBody>
+      </p:sp>
+      <p:sp>
+        <p:nvSpPr>
+          <p:cNvPr id="49" name="TextBox 48">
+            <a:extLst>
+              <a:ext uri="{FF2B5EF4-FFF2-40B4-BE49-F238E27FC236}">
+                <a16:creationId xmlns:a16="http://schemas.microsoft.com/office/drawing/2014/main" id="{550105AF-B118-154C-AF9F-5CD4F3909DD9}"/>
+              </a:ext>
+            </a:extLst>
+          </p:cNvPr>
+          <p:cNvSpPr txBox="1"/>
+          <p:nvPr/>
+        </p:nvSpPr>
+        <p:spPr>
+          <a:xfrm>
+            <a:off x="3723875" y="3282445"/>
+            <a:ext cx="1086388" cy="369332"/>
+          </a:xfrm>
+          <a:prstGeom prst="rect">
+            <a:avLst/>
+          </a:prstGeom>
+          <a:noFill/>
+        </p:spPr>
+        <p:txBody>
+          <a:bodyPr wrap="none" rtlCol="0">
+            <a:spAutoFit/>
+          </a:bodyPr>
+          <a:lstStyle/>
+          <a:p>
             <a:pPr algn="ctr"/>
             <a:r>
-              <a:rPr lang="en-IN" sz="1646" dirty="0"/>
-              <a:t>E</a:t>
-            </a:r>
-          </a:p>
-        </p:txBody>
-      </p:sp>
-      <p:sp>
-        <p:nvSpPr>
-          <p:cNvPr id="47" name="Rectangle: Rounded Corners 55">
-            <a:extLst>
-              <a:ext uri="{FF2B5EF4-FFF2-40B4-BE49-F238E27FC236}">
-                <a16:creationId xmlns:a16="http://schemas.microsoft.com/office/drawing/2014/main" id="{1A549288-70C2-FA4A-B20B-0E47D8136C14}"/>
+              <a:rPr lang="en-US" dirty="0"/>
+              <a:t>Course ID</a:t>
+            </a:r>
+          </a:p>
+        </p:txBody>
+      </p:sp>
+      <p:sp>
+        <p:nvSpPr>
+          <p:cNvPr id="50" name="Rectangle 49">
+            <a:extLst>
+              <a:ext uri="{FF2B5EF4-FFF2-40B4-BE49-F238E27FC236}">
+                <a16:creationId xmlns:a16="http://schemas.microsoft.com/office/drawing/2014/main" id="{5CCF21A6-3573-F543-95AF-2A9029C46D51}"/>
               </a:ext>
             </a:extLst>
           </p:cNvPr>
@@ -36717,21 +36560,17 @@
         </p:nvSpPr>
         <p:spPr>
           <a:xfrm>
-            <a:off x="5369105" y="3255203"/>
-            <a:ext cx="3068078" cy="422168"/>
-          </a:xfrm>
-          <a:prstGeom prst="roundRect">
+            <a:off x="2921199" y="4281446"/>
+            <a:ext cx="8835437" cy="694077"/>
+          </a:xfrm>
+          <a:prstGeom prst="rect">
             <a:avLst/>
           </a:prstGeom>
           <a:solidFill>
             <a:schemeClr val="bg1"/>
           </a:solidFill>
           <a:ln>
-            <a:solidFill>
-              <a:schemeClr val="bg2">
-                <a:lumMod val="50000"/>
-              </a:schemeClr>
-            </a:solidFill>
+            <a:noFill/>
           </a:ln>
         </p:spPr>
         <p:style>
@@ -36754,22 +36593,20 @@
           <a:bodyPr rtlCol="0" anchor="ctr"/>
           <a:lstStyle/>
           <a:p>
-            <a:endParaRPr lang="en-IN" sz="1646" dirty="0">
-              <a:solidFill>
-                <a:schemeClr val="bg2">
-                  <a:lumMod val="50000"/>
-                </a:schemeClr>
-              </a:solidFill>
-            </a:endParaRPr>
-          </a:p>
-        </p:txBody>
-      </p:sp>
-      <p:sp>
-        <p:nvSpPr>
-          <p:cNvPr id="48" name="Rectangle: Rounded Corners 65">
-            <a:extLst>
-              <a:ext uri="{FF2B5EF4-FFF2-40B4-BE49-F238E27FC236}">
-                <a16:creationId xmlns:a16="http://schemas.microsoft.com/office/drawing/2014/main" id="{05EAECDE-3B6D-E24E-8243-B8611089B202}"/>
+            <a:pPr algn="ctr"/>
+            <a:r>
+              <a:rPr lang="en-IN" sz="1646" dirty="0"/>
+              <a:t>E</a:t>
+            </a:r>
+          </a:p>
+        </p:txBody>
+      </p:sp>
+      <p:sp>
+        <p:nvSpPr>
+          <p:cNvPr id="51" name="Rectangle: Rounded Corners 55">
+            <a:extLst>
+              <a:ext uri="{FF2B5EF4-FFF2-40B4-BE49-F238E27FC236}">
+                <a16:creationId xmlns:a16="http://schemas.microsoft.com/office/drawing/2014/main" id="{1A549288-70C2-FA4A-B20B-0E47D8136C14}"/>
               </a:ext>
             </a:extLst>
           </p:cNvPr>
@@ -36778,20 +36615,19 @@
         </p:nvSpPr>
         <p:spPr>
           <a:xfrm>
-            <a:off x="8853065" y="3225561"/>
-            <a:ext cx="1813374" cy="443272"/>
+            <a:off x="5322452" y="4422945"/>
+            <a:ext cx="3068078" cy="422168"/>
           </a:xfrm>
           <a:prstGeom prst="roundRect">
             <a:avLst/>
           </a:prstGeom>
           <a:solidFill>
-            <a:srgbClr val="00B0F0"/>
+            <a:schemeClr val="bg1"/>
           </a:solidFill>
           <a:ln>
             <a:solidFill>
-              <a:schemeClr val="accent1">
-                <a:lumMod val="60000"/>
-                <a:lumOff val="40000"/>
+              <a:schemeClr val="bg2">
+                <a:lumMod val="50000"/>
               </a:schemeClr>
             </a:solidFill>
           </a:ln>
@@ -36816,156 +36652,6 @@
           <a:bodyPr rtlCol="0" anchor="ctr"/>
           <a:lstStyle/>
           <a:p>
-            <a:pPr algn="ctr"/>
-            <a:r>
-              <a:rPr lang="en-IN" sz="1646" dirty="0"/>
-              <a:t>Enter</a:t>
-            </a:r>
-          </a:p>
-        </p:txBody>
-      </p:sp>
-      <p:sp>
-        <p:nvSpPr>
-          <p:cNvPr id="49" name="TextBox 48">
-            <a:extLst>
-              <a:ext uri="{FF2B5EF4-FFF2-40B4-BE49-F238E27FC236}">
-                <a16:creationId xmlns:a16="http://schemas.microsoft.com/office/drawing/2014/main" id="{550105AF-B118-154C-AF9F-5CD4F3909DD9}"/>
-              </a:ext>
-            </a:extLst>
-          </p:cNvPr>
-          <p:cNvSpPr txBox="1"/>
-          <p:nvPr/>
-        </p:nvSpPr>
-        <p:spPr>
-          <a:xfrm>
-            <a:off x="3723875" y="3282445"/>
-            <a:ext cx="1086388" cy="369332"/>
-          </a:xfrm>
-          <a:prstGeom prst="rect">
-            <a:avLst/>
-          </a:prstGeom>
-          <a:noFill/>
-        </p:spPr>
-        <p:txBody>
-          <a:bodyPr wrap="none" rtlCol="0">
-            <a:spAutoFit/>
-          </a:bodyPr>
-          <a:lstStyle/>
-          <a:p>
-            <a:pPr algn="ctr"/>
-            <a:r>
-              <a:rPr lang="en-US" dirty="0"/>
-              <a:t>Course ID</a:t>
-            </a:r>
-          </a:p>
-        </p:txBody>
-      </p:sp>
-      <p:sp>
-        <p:nvSpPr>
-          <p:cNvPr id="50" name="Rectangle 49">
-            <a:extLst>
-              <a:ext uri="{FF2B5EF4-FFF2-40B4-BE49-F238E27FC236}">
-                <a16:creationId xmlns:a16="http://schemas.microsoft.com/office/drawing/2014/main" id="{5CCF21A6-3573-F543-95AF-2A9029C46D51}"/>
-              </a:ext>
-            </a:extLst>
-          </p:cNvPr>
-          <p:cNvSpPr/>
-          <p:nvPr/>
-        </p:nvSpPr>
-        <p:spPr>
-          <a:xfrm>
-            <a:off x="2921199" y="4281446"/>
-            <a:ext cx="8835437" cy="694077"/>
-          </a:xfrm>
-          <a:prstGeom prst="rect">
-            <a:avLst/>
-          </a:prstGeom>
-          <a:solidFill>
-            <a:schemeClr val="bg1"/>
-          </a:solidFill>
-          <a:ln>
-            <a:noFill/>
-          </a:ln>
-        </p:spPr>
-        <p:style>
-          <a:lnRef idx="2">
-            <a:schemeClr val="accent1">
-              <a:shade val="50000"/>
-            </a:schemeClr>
-          </a:lnRef>
-          <a:fillRef idx="1">
-            <a:schemeClr val="accent1"/>
-          </a:fillRef>
-          <a:effectRef idx="0">
-            <a:schemeClr val="accent1"/>
-          </a:effectRef>
-          <a:fontRef idx="minor">
-            <a:schemeClr val="lt1"/>
-          </a:fontRef>
-        </p:style>
-        <p:txBody>
-          <a:bodyPr rtlCol="0" anchor="ctr"/>
-          <a:lstStyle/>
-          <a:p>
-            <a:pPr algn="ctr"/>
-            <a:r>
-              <a:rPr lang="en-IN" sz="1646" dirty="0"/>
-              <a:t>E</a:t>
-            </a:r>
-          </a:p>
-        </p:txBody>
-      </p:sp>
-      <p:sp>
-        <p:nvSpPr>
-          <p:cNvPr id="51" name="Rectangle: Rounded Corners 55">
-            <a:extLst>
-              <a:ext uri="{FF2B5EF4-FFF2-40B4-BE49-F238E27FC236}">
-                <a16:creationId xmlns:a16="http://schemas.microsoft.com/office/drawing/2014/main" id="{1A549288-70C2-FA4A-B20B-0E47D8136C14}"/>
-              </a:ext>
-            </a:extLst>
-          </p:cNvPr>
-          <p:cNvSpPr/>
-          <p:nvPr/>
-        </p:nvSpPr>
-        <p:spPr>
-          <a:xfrm>
-            <a:off x="5322452" y="4422945"/>
-            <a:ext cx="3068078" cy="422168"/>
-          </a:xfrm>
-          <a:prstGeom prst="roundRect">
-            <a:avLst/>
-          </a:prstGeom>
-          <a:solidFill>
-            <a:schemeClr val="bg1"/>
-          </a:solidFill>
-          <a:ln>
-            <a:solidFill>
-              <a:schemeClr val="bg2">
-                <a:lumMod val="50000"/>
-              </a:schemeClr>
-            </a:solidFill>
-          </a:ln>
-        </p:spPr>
-        <p:style>
-          <a:lnRef idx="2">
-            <a:schemeClr val="accent1">
-              <a:shade val="50000"/>
-            </a:schemeClr>
-          </a:lnRef>
-          <a:fillRef idx="1">
-            <a:schemeClr val="accent1"/>
-          </a:fillRef>
-          <a:effectRef idx="0">
-            <a:schemeClr val="accent1"/>
-          </a:effectRef>
-          <a:fontRef idx="minor">
-            <a:schemeClr val="lt1"/>
-          </a:fontRef>
-        </p:style>
-        <p:txBody>
-          <a:bodyPr rtlCol="0" anchor="ctr"/>
-          <a:lstStyle/>
-          <a:p>
             <a:endParaRPr lang="en-IN" sz="1646" dirty="0">
               <a:solidFill>
                 <a:schemeClr val="bg2">
@@ -36973,66 +36659,6 @@
                 </a:schemeClr>
               </a:solidFill>
             </a:endParaRPr>
-          </a:p>
-        </p:txBody>
-      </p:sp>
-      <p:sp>
-        <p:nvSpPr>
-          <p:cNvPr id="52" name="Rectangle: Rounded Corners 65">
-            <a:extLst>
-              <a:ext uri="{FF2B5EF4-FFF2-40B4-BE49-F238E27FC236}">
-                <a16:creationId xmlns:a16="http://schemas.microsoft.com/office/drawing/2014/main" id="{05EAECDE-3B6D-E24E-8243-B8611089B202}"/>
-              </a:ext>
-            </a:extLst>
-          </p:cNvPr>
-          <p:cNvSpPr/>
-          <p:nvPr/>
-        </p:nvSpPr>
-        <p:spPr>
-          <a:xfrm>
-            <a:off x="8806412" y="4393303"/>
-            <a:ext cx="1813374" cy="443272"/>
-          </a:xfrm>
-          <a:prstGeom prst="roundRect">
-            <a:avLst/>
-          </a:prstGeom>
-          <a:solidFill>
-            <a:srgbClr val="00B0F0"/>
-          </a:solidFill>
-          <a:ln>
-            <a:solidFill>
-              <a:schemeClr val="accent1">
-                <a:lumMod val="60000"/>
-                <a:lumOff val="40000"/>
-              </a:schemeClr>
-            </a:solidFill>
-          </a:ln>
-        </p:spPr>
-        <p:style>
-          <a:lnRef idx="2">
-            <a:schemeClr val="accent1">
-              <a:shade val="50000"/>
-            </a:schemeClr>
-          </a:lnRef>
-          <a:fillRef idx="1">
-            <a:schemeClr val="accent1"/>
-          </a:fillRef>
-          <a:effectRef idx="0">
-            <a:schemeClr val="accent1"/>
-          </a:effectRef>
-          <a:fontRef idx="minor">
-            <a:schemeClr val="lt1"/>
-          </a:fontRef>
-        </p:style>
-        <p:txBody>
-          <a:bodyPr rtlCol="0" anchor="ctr"/>
-          <a:lstStyle/>
-          <a:p>
-            <a:pPr algn="ctr"/>
-            <a:r>
-              <a:rPr lang="en-IN" sz="1646" dirty="0"/>
-              <a:t>Enter</a:t>
-            </a:r>
           </a:p>
         </p:txBody>
       </p:sp>

--- a/Documentation/Screen Designs/Shanta Sanofi Screen Designs.pptx
+++ b/Documentation/Screen Designs/Shanta Sanofi Screen Designs.pptx
@@ -5,25 +5,26 @@
     <p:sldMasterId id="2147483672" r:id="rId1"/>
   </p:sldMasterIdLst>
   <p:notesMasterIdLst>
-    <p:notesMasterId r:id="rId18"/>
+    <p:notesMasterId r:id="rId19"/>
   </p:notesMasterIdLst>
   <p:sldIdLst>
     <p:sldId id="283" r:id="rId2"/>
     <p:sldId id="316" r:id="rId3"/>
     <p:sldId id="299" r:id="rId4"/>
     <p:sldId id="296" r:id="rId5"/>
-    <p:sldId id="284" r:id="rId6"/>
-    <p:sldId id="291" r:id="rId7"/>
-    <p:sldId id="292" r:id="rId8"/>
-    <p:sldId id="293" r:id="rId9"/>
-    <p:sldId id="294" r:id="rId10"/>
-    <p:sldId id="290" r:id="rId11"/>
-    <p:sldId id="313" r:id="rId12"/>
-    <p:sldId id="308" r:id="rId13"/>
-    <p:sldId id="309" r:id="rId14"/>
-    <p:sldId id="310" r:id="rId15"/>
-    <p:sldId id="314" r:id="rId16"/>
-    <p:sldId id="315" r:id="rId17"/>
+    <p:sldId id="317" r:id="rId6"/>
+    <p:sldId id="284" r:id="rId7"/>
+    <p:sldId id="291" r:id="rId8"/>
+    <p:sldId id="292" r:id="rId9"/>
+    <p:sldId id="293" r:id="rId10"/>
+    <p:sldId id="294" r:id="rId11"/>
+    <p:sldId id="290" r:id="rId12"/>
+    <p:sldId id="313" r:id="rId13"/>
+    <p:sldId id="308" r:id="rId14"/>
+    <p:sldId id="309" r:id="rId15"/>
+    <p:sldId id="310" r:id="rId16"/>
+    <p:sldId id="314" r:id="rId17"/>
+    <p:sldId id="315" r:id="rId18"/>
   </p:sldIdLst>
   <p:sldSz cx="13103225" cy="8229600"/>
   <p:notesSz cx="6858000" cy="9144000"/>
@@ -782,7 +783,7 @@
     </p:spTree>
     <p:extLst>
       <p:ext uri="{BB962C8B-B14F-4D97-AF65-F5344CB8AC3E}">
-        <p14:creationId xmlns:p14="http://schemas.microsoft.com/office/powerpoint/2010/main" val="1396601265"/>
+        <p14:creationId xmlns:p14="http://schemas.microsoft.com/office/powerpoint/2010/main" val="3378848030"/>
       </p:ext>
     </p:extLst>
   </p:cSld>
@@ -836,120 +837,7 @@
           <a:bodyPr/>
           <a:lstStyle/>
           <a:p>
-            <a:pPr marL="0" marR="0" lvl="0" indent="0" algn="l" defTabSz="914400" rtl="0" eaLnBrk="1" fontAlgn="auto" latinLnBrk="0" hangingPunct="1">
-              <a:lnSpc>
-                <a:spcPct val="100000"/>
-              </a:lnSpc>
-              <a:spcBef>
-                <a:spcPts val="0"/>
-              </a:spcBef>
-              <a:spcAft>
-                <a:spcPts val="0"/>
-              </a:spcAft>
-              <a:buClrTx/>
-              <a:buSzTx/>
-              <a:buFontTx/>
-              <a:buNone/>
-              <a:tabLst/>
-              <a:defRPr/>
-            </a:pPr>
-            <a:r>
-              <a:rPr lang="en-US" dirty="0"/>
-              <a:t>&lt;span class="</a:t>
-            </a:r>
-            <a:r>
-              <a:rPr lang="en-US" dirty="0" err="1"/>
-              <a:t>glyphicon</a:t>
-            </a:r>
-            <a:r>
-              <a:rPr lang="en-US" dirty="0"/>
-              <a:t> </a:t>
-            </a:r>
-            <a:r>
-              <a:rPr lang="en-US" dirty="0" err="1"/>
-              <a:t>glyphicon</a:t>
-            </a:r>
-            <a:r>
-              <a:rPr lang="en-US" dirty="0"/>
-              <a:t>-user"&gt;&lt;/span&gt;</a:t>
-            </a:r>
-          </a:p>
-          <a:p>
-            <a:pPr marL="0" marR="0" lvl="0" indent="0" algn="l" defTabSz="914400" rtl="0" eaLnBrk="1" fontAlgn="auto" latinLnBrk="0" hangingPunct="1">
-              <a:lnSpc>
-                <a:spcPct val="100000"/>
-              </a:lnSpc>
-              <a:spcBef>
-                <a:spcPts val="0"/>
-              </a:spcBef>
-              <a:spcAft>
-                <a:spcPts val="0"/>
-              </a:spcAft>
-              <a:buClrTx/>
-              <a:buSzTx/>
-              <a:buFontTx/>
-              <a:buNone/>
-              <a:tabLst/>
-              <a:defRPr/>
-            </a:pPr>
-            <a:r>
-              <a:rPr lang="en-US" dirty="0"/>
-              <a:t>&lt;</a:t>
-            </a:r>
-            <a:r>
-              <a:rPr lang="en-US" dirty="0" err="1"/>
-              <a:t>i</a:t>
-            </a:r>
-            <a:r>
-              <a:rPr lang="en-US" dirty="0"/>
-              <a:t> class='</a:t>
-            </a:r>
-            <a:r>
-              <a:rPr lang="en-US" dirty="0" err="1"/>
-              <a:t>fas</a:t>
-            </a:r>
-            <a:r>
-              <a:rPr lang="en-US" dirty="0"/>
-              <a:t> fa-chalkboard-teacher'&gt;&lt;/</a:t>
-            </a:r>
-            <a:r>
-              <a:rPr lang="en-US" dirty="0" err="1"/>
-              <a:t>i</a:t>
-            </a:r>
-            <a:r>
-              <a:rPr lang="en-US" dirty="0"/>
-              <a:t>&gt;</a:t>
-            </a:r>
-          </a:p>
-          <a:p>
-            <a:r>
-              <a:rPr lang="en-US" dirty="0"/>
-              <a:t>&lt;</a:t>
-            </a:r>
-            <a:r>
-              <a:rPr lang="en-US" dirty="0" err="1"/>
-              <a:t>i</a:t>
-            </a:r>
-            <a:r>
-              <a:rPr lang="en-US" dirty="0"/>
-              <a:t> class='</a:t>
-            </a:r>
-            <a:r>
-              <a:rPr lang="en-US" dirty="0" err="1"/>
-              <a:t>fas</a:t>
-            </a:r>
-            <a:r>
-              <a:rPr lang="en-US" dirty="0"/>
-              <a:t> fa-book-open'&gt;&lt;/</a:t>
-            </a:r>
-            <a:r>
-              <a:rPr lang="en-US" dirty="0" err="1"/>
-              <a:t>i</a:t>
-            </a:r>
-            <a:r>
-              <a:rPr lang="en-US" dirty="0"/>
-              <a:t>&gt;</a:t>
-            </a:r>
+            <a:endParaRPr lang="en-US" dirty="0"/>
           </a:p>
         </p:txBody>
       </p:sp>
@@ -979,7 +867,7 @@
     </p:spTree>
     <p:extLst>
       <p:ext uri="{BB962C8B-B14F-4D97-AF65-F5344CB8AC3E}">
-        <p14:creationId xmlns:p14="http://schemas.microsoft.com/office/powerpoint/2010/main" val="2620215894"/>
+        <p14:creationId xmlns:p14="http://schemas.microsoft.com/office/powerpoint/2010/main" val="1396601265"/>
       </p:ext>
     </p:extLst>
   </p:cSld>
@@ -1176,7 +1064,7 @@
     </p:spTree>
     <p:extLst>
       <p:ext uri="{BB962C8B-B14F-4D97-AF65-F5344CB8AC3E}">
-        <p14:creationId xmlns:p14="http://schemas.microsoft.com/office/powerpoint/2010/main" val="3905663761"/>
+        <p14:creationId xmlns:p14="http://schemas.microsoft.com/office/powerpoint/2010/main" val="2620215894"/>
       </p:ext>
     </p:extLst>
   </p:cSld>
@@ -1373,7 +1261,7 @@
     </p:spTree>
     <p:extLst>
       <p:ext uri="{BB962C8B-B14F-4D97-AF65-F5344CB8AC3E}">
-        <p14:creationId xmlns:p14="http://schemas.microsoft.com/office/powerpoint/2010/main" val="1603218953"/>
+        <p14:creationId xmlns:p14="http://schemas.microsoft.com/office/powerpoint/2010/main" val="3905663761"/>
       </p:ext>
     </p:extLst>
   </p:cSld>
@@ -1570,7 +1458,7 @@
     </p:spTree>
     <p:extLst>
       <p:ext uri="{BB962C8B-B14F-4D97-AF65-F5344CB8AC3E}">
-        <p14:creationId xmlns:p14="http://schemas.microsoft.com/office/powerpoint/2010/main" val="1837259511"/>
+        <p14:creationId xmlns:p14="http://schemas.microsoft.com/office/powerpoint/2010/main" val="1603218953"/>
       </p:ext>
     </p:extLst>
   </p:cSld>
@@ -1767,7 +1655,7 @@
     </p:spTree>
     <p:extLst>
       <p:ext uri="{BB962C8B-B14F-4D97-AF65-F5344CB8AC3E}">
-        <p14:creationId xmlns:p14="http://schemas.microsoft.com/office/powerpoint/2010/main" val="3992183061"/>
+        <p14:creationId xmlns:p14="http://schemas.microsoft.com/office/powerpoint/2010/main" val="1837259511"/>
       </p:ext>
     </p:extLst>
   </p:cSld>
@@ -1956,6 +1844,203 @@
             <a:fld id="{7DD41ED4-1231-4BDD-A166-105321184164}" type="slidenum">
               <a:rPr lang="en-IN" smtClean="0"/>
               <a:t>16</a:t>
+            </a:fld>
+            <a:endParaRPr lang="en-IN"/>
+          </a:p>
+        </p:txBody>
+      </p:sp>
+    </p:spTree>
+    <p:extLst>
+      <p:ext uri="{BB962C8B-B14F-4D97-AF65-F5344CB8AC3E}">
+        <p14:creationId xmlns:p14="http://schemas.microsoft.com/office/powerpoint/2010/main" val="3992183061"/>
+      </p:ext>
+    </p:extLst>
+  </p:cSld>
+  <p:clrMapOvr>
+    <a:masterClrMapping/>
+  </p:clrMapOvr>
+</p:notes>
+</file>
+
+<file path=ppt/notesSlides/notesSlide17.xml><?xml version="1.0" encoding="utf-8"?>
+<p:notes xmlns:a="http://schemas.openxmlformats.org/drawingml/2006/main" xmlns:r="http://schemas.openxmlformats.org/officeDocument/2006/relationships" xmlns:p="http://schemas.openxmlformats.org/presentationml/2006/main">
+  <p:cSld>
+    <p:spTree>
+      <p:nvGrpSpPr>
+        <p:cNvPr id="1" name=""/>
+        <p:cNvGrpSpPr/>
+        <p:nvPr/>
+      </p:nvGrpSpPr>
+      <p:grpSpPr>
+        <a:xfrm>
+          <a:off x="0" y="0"/>
+          <a:ext cx="0" cy="0"/>
+          <a:chOff x="0" y="0"/>
+          <a:chExt cx="0" cy="0"/>
+        </a:xfrm>
+      </p:grpSpPr>
+      <p:sp>
+        <p:nvSpPr>
+          <p:cNvPr id="2" name="Slide Image Placeholder 1"/>
+          <p:cNvSpPr>
+            <a:spLocks noGrp="1" noRot="1" noChangeAspect="1"/>
+          </p:cNvSpPr>
+          <p:nvPr>
+            <p:ph type="sldImg"/>
+          </p:nvPr>
+        </p:nvSpPr>
+        <p:spPr/>
+      </p:sp>
+      <p:sp>
+        <p:nvSpPr>
+          <p:cNvPr id="3" name="Notes Placeholder 2"/>
+          <p:cNvSpPr>
+            <a:spLocks noGrp="1"/>
+          </p:cNvSpPr>
+          <p:nvPr>
+            <p:ph type="body" idx="1"/>
+          </p:nvPr>
+        </p:nvSpPr>
+        <p:spPr/>
+        <p:txBody>
+          <a:bodyPr/>
+          <a:lstStyle/>
+          <a:p>
+            <a:pPr marL="0" marR="0" lvl="0" indent="0" algn="l" defTabSz="914400" rtl="0" eaLnBrk="1" fontAlgn="auto" latinLnBrk="0" hangingPunct="1">
+              <a:lnSpc>
+                <a:spcPct val="100000"/>
+              </a:lnSpc>
+              <a:spcBef>
+                <a:spcPts val="0"/>
+              </a:spcBef>
+              <a:spcAft>
+                <a:spcPts val="0"/>
+              </a:spcAft>
+              <a:buClrTx/>
+              <a:buSzTx/>
+              <a:buFontTx/>
+              <a:buNone/>
+              <a:tabLst/>
+              <a:defRPr/>
+            </a:pPr>
+            <a:r>
+              <a:rPr lang="en-US" dirty="0"/>
+              <a:t>&lt;span class="</a:t>
+            </a:r>
+            <a:r>
+              <a:rPr lang="en-US" dirty="0" err="1"/>
+              <a:t>glyphicon</a:t>
+            </a:r>
+            <a:r>
+              <a:rPr lang="en-US" dirty="0"/>
+              <a:t> </a:t>
+            </a:r>
+            <a:r>
+              <a:rPr lang="en-US" dirty="0" err="1"/>
+              <a:t>glyphicon</a:t>
+            </a:r>
+            <a:r>
+              <a:rPr lang="en-US" dirty="0"/>
+              <a:t>-user"&gt;&lt;/span&gt;</a:t>
+            </a:r>
+          </a:p>
+          <a:p>
+            <a:pPr marL="0" marR="0" lvl="0" indent="0" algn="l" defTabSz="914400" rtl="0" eaLnBrk="1" fontAlgn="auto" latinLnBrk="0" hangingPunct="1">
+              <a:lnSpc>
+                <a:spcPct val="100000"/>
+              </a:lnSpc>
+              <a:spcBef>
+                <a:spcPts val="0"/>
+              </a:spcBef>
+              <a:spcAft>
+                <a:spcPts val="0"/>
+              </a:spcAft>
+              <a:buClrTx/>
+              <a:buSzTx/>
+              <a:buFontTx/>
+              <a:buNone/>
+              <a:tabLst/>
+              <a:defRPr/>
+            </a:pPr>
+            <a:r>
+              <a:rPr lang="en-US" dirty="0"/>
+              <a:t>&lt;</a:t>
+            </a:r>
+            <a:r>
+              <a:rPr lang="en-US" dirty="0" err="1"/>
+              <a:t>i</a:t>
+            </a:r>
+            <a:r>
+              <a:rPr lang="en-US" dirty="0"/>
+              <a:t> class='</a:t>
+            </a:r>
+            <a:r>
+              <a:rPr lang="en-US" dirty="0" err="1"/>
+              <a:t>fas</a:t>
+            </a:r>
+            <a:r>
+              <a:rPr lang="en-US" dirty="0"/>
+              <a:t> fa-chalkboard-teacher'&gt;&lt;/</a:t>
+            </a:r>
+            <a:r>
+              <a:rPr lang="en-US" dirty="0" err="1"/>
+              <a:t>i</a:t>
+            </a:r>
+            <a:r>
+              <a:rPr lang="en-US" dirty="0"/>
+              <a:t>&gt;</a:t>
+            </a:r>
+          </a:p>
+          <a:p>
+            <a:r>
+              <a:rPr lang="en-US" dirty="0"/>
+              <a:t>&lt;</a:t>
+            </a:r>
+            <a:r>
+              <a:rPr lang="en-US" dirty="0" err="1"/>
+              <a:t>i</a:t>
+            </a:r>
+            <a:r>
+              <a:rPr lang="en-US" dirty="0"/>
+              <a:t> class='</a:t>
+            </a:r>
+            <a:r>
+              <a:rPr lang="en-US" dirty="0" err="1"/>
+              <a:t>fas</a:t>
+            </a:r>
+            <a:r>
+              <a:rPr lang="en-US" dirty="0"/>
+              <a:t> fa-book-open'&gt;&lt;/</a:t>
+            </a:r>
+            <a:r>
+              <a:rPr lang="en-US" dirty="0" err="1"/>
+              <a:t>i</a:t>
+            </a:r>
+            <a:r>
+              <a:rPr lang="en-US" dirty="0"/>
+              <a:t>&gt;</a:t>
+            </a:r>
+          </a:p>
+        </p:txBody>
+      </p:sp>
+      <p:sp>
+        <p:nvSpPr>
+          <p:cNvPr id="4" name="Slide Number Placeholder 3"/>
+          <p:cNvSpPr>
+            <a:spLocks noGrp="1"/>
+          </p:cNvSpPr>
+          <p:nvPr>
+            <p:ph type="sldNum" sz="quarter" idx="5"/>
+          </p:nvPr>
+        </p:nvSpPr>
+        <p:spPr/>
+        <p:txBody>
+          <a:bodyPr/>
+          <a:lstStyle/>
+          <a:p>
+            <a:fld id="{7DD41ED4-1231-4BDD-A166-105321184164}" type="slidenum">
+              <a:rPr lang="en-IN" smtClean="0"/>
+              <a:t>17</a:t>
             </a:fld>
             <a:endParaRPr lang="en-IN"/>
           </a:p>
@@ -2300,7 +2385,7 @@
     </p:spTree>
     <p:extLst>
       <p:ext uri="{BB962C8B-B14F-4D97-AF65-F5344CB8AC3E}">
-        <p14:creationId xmlns:p14="http://schemas.microsoft.com/office/powerpoint/2010/main" val="3265022020"/>
+        <p14:creationId xmlns:p14="http://schemas.microsoft.com/office/powerpoint/2010/main" val="1019588574"/>
       </p:ext>
     </p:extLst>
   </p:cSld>
@@ -2384,7 +2469,7 @@
     </p:spTree>
     <p:extLst>
       <p:ext uri="{BB962C8B-B14F-4D97-AF65-F5344CB8AC3E}">
-        <p14:creationId xmlns:p14="http://schemas.microsoft.com/office/powerpoint/2010/main" val="3327299249"/>
+        <p14:creationId xmlns:p14="http://schemas.microsoft.com/office/powerpoint/2010/main" val="3265022020"/>
       </p:ext>
     </p:extLst>
   </p:cSld>
@@ -2468,7 +2553,7 @@
     </p:spTree>
     <p:extLst>
       <p:ext uri="{BB962C8B-B14F-4D97-AF65-F5344CB8AC3E}">
-        <p14:creationId xmlns:p14="http://schemas.microsoft.com/office/powerpoint/2010/main" val="2681794354"/>
+        <p14:creationId xmlns:p14="http://schemas.microsoft.com/office/powerpoint/2010/main" val="3327299249"/>
       </p:ext>
     </p:extLst>
   </p:cSld>
@@ -2552,7 +2637,7 @@
     </p:spTree>
     <p:extLst>
       <p:ext uri="{BB962C8B-B14F-4D97-AF65-F5344CB8AC3E}">
-        <p14:creationId xmlns:p14="http://schemas.microsoft.com/office/powerpoint/2010/main" val="2167689040"/>
+        <p14:creationId xmlns:p14="http://schemas.microsoft.com/office/powerpoint/2010/main" val="2681794354"/>
       </p:ext>
     </p:extLst>
   </p:cSld>
@@ -2636,7 +2721,7 @@
     </p:spTree>
     <p:extLst>
       <p:ext uri="{BB962C8B-B14F-4D97-AF65-F5344CB8AC3E}">
-        <p14:creationId xmlns:p14="http://schemas.microsoft.com/office/powerpoint/2010/main" val="3378848030"/>
+        <p14:creationId xmlns:p14="http://schemas.microsoft.com/office/powerpoint/2010/main" val="2167689040"/>
       </p:ext>
     </p:extLst>
   </p:cSld>
@@ -7804,6 +7889,2278 @@
           </p:spPr>
         </p:pic>
       </p:grpSp>
+      <p:pic>
+        <p:nvPicPr>
+          <p:cNvPr id="6" name="Picture 5">
+            <a:extLst>
+              <a:ext uri="{FF2B5EF4-FFF2-40B4-BE49-F238E27FC236}">
+                <a16:creationId xmlns:a16="http://schemas.microsoft.com/office/drawing/2014/main" id="{D9BA67F9-1BA2-824C-B1E4-69AA0CFCCAC7}"/>
+              </a:ext>
+            </a:extLst>
+          </p:cNvPr>
+          <p:cNvPicPr>
+            <a:picLocks noChangeAspect="1"/>
+          </p:cNvPicPr>
+          <p:nvPr/>
+        </p:nvPicPr>
+        <p:blipFill rotWithShape="1">
+          <a:blip r:embed="rId5"/>
+          <a:srcRect t="12385" r="1559" b="17536"/>
+          <a:stretch/>
+        </p:blipFill>
+        <p:spPr>
+          <a:xfrm>
+            <a:off x="5626133" y="117882"/>
+            <a:ext cx="2089834" cy="743863"/>
+          </a:xfrm>
+          <a:prstGeom prst="rect">
+            <a:avLst/>
+          </a:prstGeom>
+        </p:spPr>
+      </p:pic>
+      <p:sp>
+        <p:nvSpPr>
+          <p:cNvPr id="9" name="TextBox 8">
+            <a:extLst>
+              <a:ext uri="{FF2B5EF4-FFF2-40B4-BE49-F238E27FC236}">
+                <a16:creationId xmlns:a16="http://schemas.microsoft.com/office/drawing/2014/main" id="{407C93CD-D9BB-EE45-8A09-54D77C880CB0}"/>
+              </a:ext>
+            </a:extLst>
+          </p:cNvPr>
+          <p:cNvSpPr txBox="1"/>
+          <p:nvPr/>
+        </p:nvSpPr>
+        <p:spPr>
+          <a:xfrm>
+            <a:off x="11511684" y="323173"/>
+            <a:ext cx="1029449" cy="261610"/>
+          </a:xfrm>
+          <a:prstGeom prst="rect">
+            <a:avLst/>
+          </a:prstGeom>
+          <a:noFill/>
+        </p:spPr>
+        <p:txBody>
+          <a:bodyPr wrap="none" rtlCol="0">
+            <a:spAutoFit/>
+          </a:bodyPr>
+          <a:lstStyle/>
+          <a:p>
+            <a:r>
+              <a:rPr lang="en-US" sz="1100" dirty="0"/>
+              <a:t>Hi, JRC Murthy</a:t>
+            </a:r>
+          </a:p>
+        </p:txBody>
+      </p:sp>
+      <p:sp>
+        <p:nvSpPr>
+          <p:cNvPr id="38" name="Rectangle 37">
+            <a:extLst>
+              <a:ext uri="{FF2B5EF4-FFF2-40B4-BE49-F238E27FC236}">
+                <a16:creationId xmlns:a16="http://schemas.microsoft.com/office/drawing/2014/main" id="{30028716-C2BF-5A46-ADDC-B7D95A809ECA}"/>
+              </a:ext>
+            </a:extLst>
+          </p:cNvPr>
+          <p:cNvSpPr/>
+          <p:nvPr/>
+        </p:nvSpPr>
+        <p:spPr>
+          <a:xfrm>
+            <a:off x="2759074" y="1071416"/>
+            <a:ext cx="9833410" cy="5825124"/>
+          </a:xfrm>
+          <a:prstGeom prst="rect">
+            <a:avLst/>
+          </a:prstGeom>
+          <a:solidFill>
+            <a:schemeClr val="bg2">
+              <a:alpha val="15000"/>
+            </a:schemeClr>
+          </a:solidFill>
+          <a:ln>
+            <a:noFill/>
+          </a:ln>
+        </p:spPr>
+        <p:style>
+          <a:lnRef idx="2">
+            <a:schemeClr val="accent1">
+              <a:shade val="50000"/>
+            </a:schemeClr>
+          </a:lnRef>
+          <a:fillRef idx="1">
+            <a:schemeClr val="accent1"/>
+          </a:fillRef>
+          <a:effectRef idx="0">
+            <a:schemeClr val="accent1"/>
+          </a:effectRef>
+          <a:fontRef idx="minor">
+            <a:schemeClr val="lt1"/>
+          </a:fontRef>
+        </p:style>
+        <p:txBody>
+          <a:bodyPr rtlCol="0" anchor="ctr"/>
+          <a:lstStyle/>
+          <a:p>
+            <a:pPr marL="285750" indent="-285750" algn="ctr">
+              <a:buFont typeface="Arial" panose="020B0604020202020204" pitchFamily="34" charset="0"/>
+              <a:buChar char="•"/>
+            </a:pPr>
+            <a:endParaRPr lang="en-IN" sz="1646" dirty="0"/>
+          </a:p>
+        </p:txBody>
+      </p:sp>
+      <p:sp>
+        <p:nvSpPr>
+          <p:cNvPr id="39" name="TextBox 38">
+            <a:extLst>
+              <a:ext uri="{FF2B5EF4-FFF2-40B4-BE49-F238E27FC236}">
+                <a16:creationId xmlns:a16="http://schemas.microsoft.com/office/drawing/2014/main" id="{BC70D7A2-3E35-CA4B-AE30-78E358032325}"/>
+              </a:ext>
+            </a:extLst>
+          </p:cNvPr>
+          <p:cNvSpPr txBox="1"/>
+          <p:nvPr/>
+        </p:nvSpPr>
+        <p:spPr>
+          <a:xfrm>
+            <a:off x="2975207" y="1322878"/>
+            <a:ext cx="8014191" cy="430887"/>
+          </a:xfrm>
+          <a:prstGeom prst="rect">
+            <a:avLst/>
+          </a:prstGeom>
+          <a:noFill/>
+        </p:spPr>
+        <p:txBody>
+          <a:bodyPr wrap="square" rtlCol="0">
+            <a:spAutoFit/>
+          </a:bodyPr>
+          <a:lstStyle/>
+          <a:p>
+            <a:pPr algn="ctr"/>
+            <a:r>
+              <a:rPr lang="en-IN" sz="2200" b="1" dirty="0">
+                <a:solidFill>
+                  <a:schemeClr val="bg2">
+                    <a:lumMod val="50000"/>
+                  </a:schemeClr>
+                </a:solidFill>
+              </a:rPr>
+              <a:t>Alert Trainee</a:t>
+            </a:r>
+          </a:p>
+        </p:txBody>
+      </p:sp>
+      <p:sp>
+        <p:nvSpPr>
+          <p:cNvPr id="40" name="Rectangle 39">
+            <a:extLst>
+              <a:ext uri="{FF2B5EF4-FFF2-40B4-BE49-F238E27FC236}">
+                <a16:creationId xmlns:a16="http://schemas.microsoft.com/office/drawing/2014/main" id="{5CCF21A6-3573-F543-95AF-2A9029C46D51}"/>
+              </a:ext>
+            </a:extLst>
+          </p:cNvPr>
+          <p:cNvSpPr/>
+          <p:nvPr/>
+        </p:nvSpPr>
+        <p:spPr>
+          <a:xfrm>
+            <a:off x="2921199" y="2069138"/>
+            <a:ext cx="8835437" cy="694077"/>
+          </a:xfrm>
+          <a:prstGeom prst="rect">
+            <a:avLst/>
+          </a:prstGeom>
+          <a:solidFill>
+            <a:schemeClr val="bg1"/>
+          </a:solidFill>
+          <a:ln>
+            <a:noFill/>
+          </a:ln>
+        </p:spPr>
+        <p:style>
+          <a:lnRef idx="2">
+            <a:schemeClr val="accent1">
+              <a:shade val="50000"/>
+            </a:schemeClr>
+          </a:lnRef>
+          <a:fillRef idx="1">
+            <a:schemeClr val="accent1"/>
+          </a:fillRef>
+          <a:effectRef idx="0">
+            <a:schemeClr val="accent1"/>
+          </a:effectRef>
+          <a:fontRef idx="minor">
+            <a:schemeClr val="lt1"/>
+          </a:fontRef>
+        </p:style>
+        <p:txBody>
+          <a:bodyPr rtlCol="0" anchor="ctr"/>
+          <a:lstStyle/>
+          <a:p>
+            <a:pPr algn="ctr"/>
+            <a:r>
+              <a:rPr lang="en-IN" sz="1646" dirty="0"/>
+              <a:t>E</a:t>
+            </a:r>
+          </a:p>
+        </p:txBody>
+      </p:sp>
+      <p:sp>
+        <p:nvSpPr>
+          <p:cNvPr id="41" name="Rectangle 40">
+            <a:extLst>
+              <a:ext uri="{FF2B5EF4-FFF2-40B4-BE49-F238E27FC236}">
+                <a16:creationId xmlns:a16="http://schemas.microsoft.com/office/drawing/2014/main" id="{5CCF21A6-3573-F543-95AF-2A9029C46D51}"/>
+              </a:ext>
+            </a:extLst>
+          </p:cNvPr>
+          <p:cNvSpPr/>
+          <p:nvPr/>
+        </p:nvSpPr>
+        <p:spPr>
+          <a:xfrm>
+            <a:off x="2921289" y="1995623"/>
+            <a:ext cx="8835437" cy="694077"/>
+          </a:xfrm>
+          <a:prstGeom prst="rect">
+            <a:avLst/>
+          </a:prstGeom>
+          <a:solidFill>
+            <a:schemeClr val="bg1"/>
+          </a:solidFill>
+          <a:ln>
+            <a:noFill/>
+          </a:ln>
+        </p:spPr>
+        <p:style>
+          <a:lnRef idx="2">
+            <a:schemeClr val="accent1">
+              <a:shade val="50000"/>
+            </a:schemeClr>
+          </a:lnRef>
+          <a:fillRef idx="1">
+            <a:schemeClr val="accent1"/>
+          </a:fillRef>
+          <a:effectRef idx="0">
+            <a:schemeClr val="accent1"/>
+          </a:effectRef>
+          <a:fontRef idx="minor">
+            <a:schemeClr val="lt1"/>
+          </a:fontRef>
+        </p:style>
+        <p:txBody>
+          <a:bodyPr rtlCol="0" anchor="ctr"/>
+          <a:lstStyle/>
+          <a:p>
+            <a:pPr algn="ctr"/>
+            <a:r>
+              <a:rPr lang="en-IN" sz="1646" dirty="0"/>
+              <a:t>E</a:t>
+            </a:r>
+          </a:p>
+        </p:txBody>
+      </p:sp>
+      <p:sp>
+        <p:nvSpPr>
+          <p:cNvPr id="43" name="Rectangle: Rounded Corners 55">
+            <a:extLst>
+              <a:ext uri="{FF2B5EF4-FFF2-40B4-BE49-F238E27FC236}">
+                <a16:creationId xmlns:a16="http://schemas.microsoft.com/office/drawing/2014/main" id="{1A549288-70C2-FA4A-B20B-0E47D8136C14}"/>
+              </a:ext>
+            </a:extLst>
+          </p:cNvPr>
+          <p:cNvSpPr/>
+          <p:nvPr/>
+        </p:nvSpPr>
+        <p:spPr>
+          <a:xfrm>
+            <a:off x="5322542" y="2137122"/>
+            <a:ext cx="3068078" cy="422168"/>
+          </a:xfrm>
+          <a:prstGeom prst="roundRect">
+            <a:avLst/>
+          </a:prstGeom>
+          <a:solidFill>
+            <a:schemeClr val="bg1"/>
+          </a:solidFill>
+          <a:ln>
+            <a:solidFill>
+              <a:schemeClr val="bg2">
+                <a:lumMod val="50000"/>
+              </a:schemeClr>
+            </a:solidFill>
+          </a:ln>
+        </p:spPr>
+        <p:style>
+          <a:lnRef idx="2">
+            <a:schemeClr val="accent1">
+              <a:shade val="50000"/>
+            </a:schemeClr>
+          </a:lnRef>
+          <a:fillRef idx="1">
+            <a:schemeClr val="accent1"/>
+          </a:fillRef>
+          <a:effectRef idx="0">
+            <a:schemeClr val="accent1"/>
+          </a:effectRef>
+          <a:fontRef idx="minor">
+            <a:schemeClr val="lt1"/>
+          </a:fontRef>
+        </p:style>
+        <p:txBody>
+          <a:bodyPr rtlCol="0" anchor="ctr"/>
+          <a:lstStyle/>
+          <a:p>
+            <a:endParaRPr lang="en-IN" sz="1646" dirty="0">
+              <a:solidFill>
+                <a:schemeClr val="bg2">
+                  <a:lumMod val="50000"/>
+                </a:schemeClr>
+              </a:solidFill>
+            </a:endParaRPr>
+          </a:p>
+        </p:txBody>
+      </p:sp>
+      <p:sp>
+        <p:nvSpPr>
+          <p:cNvPr id="45" name="TextBox 44">
+            <a:extLst>
+              <a:ext uri="{FF2B5EF4-FFF2-40B4-BE49-F238E27FC236}">
+                <a16:creationId xmlns:a16="http://schemas.microsoft.com/office/drawing/2014/main" id="{550105AF-B118-154C-AF9F-5CD4F3909DD9}"/>
+              </a:ext>
+            </a:extLst>
+          </p:cNvPr>
+          <p:cNvSpPr txBox="1"/>
+          <p:nvPr/>
+        </p:nvSpPr>
+        <p:spPr>
+          <a:xfrm>
+            <a:off x="3668770" y="2163540"/>
+            <a:ext cx="1362040" cy="369332"/>
+          </a:xfrm>
+          <a:prstGeom prst="rect">
+            <a:avLst/>
+          </a:prstGeom>
+          <a:noFill/>
+        </p:spPr>
+        <p:txBody>
+          <a:bodyPr wrap="none" rtlCol="0">
+            <a:spAutoFit/>
+          </a:bodyPr>
+          <a:lstStyle/>
+          <a:p>
+            <a:r>
+              <a:rPr lang="en-US" dirty="0"/>
+              <a:t>Employee ID</a:t>
+            </a:r>
+          </a:p>
+        </p:txBody>
+      </p:sp>
+      <p:sp>
+        <p:nvSpPr>
+          <p:cNvPr id="46" name="Rectangle 45">
+            <a:extLst>
+              <a:ext uri="{FF2B5EF4-FFF2-40B4-BE49-F238E27FC236}">
+                <a16:creationId xmlns:a16="http://schemas.microsoft.com/office/drawing/2014/main" id="{5CCF21A6-3573-F543-95AF-2A9029C46D51}"/>
+              </a:ext>
+            </a:extLst>
+          </p:cNvPr>
+          <p:cNvSpPr/>
+          <p:nvPr/>
+        </p:nvSpPr>
+        <p:spPr>
+          <a:xfrm>
+            <a:off x="2967852" y="3113704"/>
+            <a:ext cx="8835437" cy="694077"/>
+          </a:xfrm>
+          <a:prstGeom prst="rect">
+            <a:avLst/>
+          </a:prstGeom>
+          <a:solidFill>
+            <a:schemeClr val="bg1"/>
+          </a:solidFill>
+          <a:ln>
+            <a:noFill/>
+          </a:ln>
+        </p:spPr>
+        <p:style>
+          <a:lnRef idx="2">
+            <a:schemeClr val="accent1">
+              <a:shade val="50000"/>
+            </a:schemeClr>
+          </a:lnRef>
+          <a:fillRef idx="1">
+            <a:schemeClr val="accent1"/>
+          </a:fillRef>
+          <a:effectRef idx="0">
+            <a:schemeClr val="accent1"/>
+          </a:effectRef>
+          <a:fontRef idx="minor">
+            <a:schemeClr val="lt1"/>
+          </a:fontRef>
+        </p:style>
+        <p:txBody>
+          <a:bodyPr rtlCol="0" anchor="ctr"/>
+          <a:lstStyle/>
+          <a:p>
+            <a:pPr algn="ctr"/>
+            <a:r>
+              <a:rPr lang="en-IN" sz="1646" dirty="0"/>
+              <a:t>E</a:t>
+            </a:r>
+          </a:p>
+        </p:txBody>
+      </p:sp>
+      <p:sp>
+        <p:nvSpPr>
+          <p:cNvPr id="47" name="Rectangle: Rounded Corners 55">
+            <a:extLst>
+              <a:ext uri="{FF2B5EF4-FFF2-40B4-BE49-F238E27FC236}">
+                <a16:creationId xmlns:a16="http://schemas.microsoft.com/office/drawing/2014/main" id="{1A549288-70C2-FA4A-B20B-0E47D8136C14}"/>
+              </a:ext>
+            </a:extLst>
+          </p:cNvPr>
+          <p:cNvSpPr/>
+          <p:nvPr/>
+        </p:nvSpPr>
+        <p:spPr>
+          <a:xfrm>
+            <a:off x="5369105" y="3255203"/>
+            <a:ext cx="3068078" cy="422168"/>
+          </a:xfrm>
+          <a:prstGeom prst="roundRect">
+            <a:avLst/>
+          </a:prstGeom>
+          <a:solidFill>
+            <a:schemeClr val="bg1"/>
+          </a:solidFill>
+          <a:ln>
+            <a:solidFill>
+              <a:schemeClr val="bg2">
+                <a:lumMod val="50000"/>
+              </a:schemeClr>
+            </a:solidFill>
+          </a:ln>
+        </p:spPr>
+        <p:style>
+          <a:lnRef idx="2">
+            <a:schemeClr val="accent1">
+              <a:shade val="50000"/>
+            </a:schemeClr>
+          </a:lnRef>
+          <a:fillRef idx="1">
+            <a:schemeClr val="accent1"/>
+          </a:fillRef>
+          <a:effectRef idx="0">
+            <a:schemeClr val="accent1"/>
+          </a:effectRef>
+          <a:fontRef idx="minor">
+            <a:schemeClr val="lt1"/>
+          </a:fontRef>
+        </p:style>
+        <p:txBody>
+          <a:bodyPr rtlCol="0" anchor="ctr"/>
+          <a:lstStyle/>
+          <a:p>
+            <a:endParaRPr lang="en-IN" sz="1646" dirty="0">
+              <a:solidFill>
+                <a:schemeClr val="bg2">
+                  <a:lumMod val="50000"/>
+                </a:schemeClr>
+              </a:solidFill>
+            </a:endParaRPr>
+          </a:p>
+        </p:txBody>
+      </p:sp>
+      <p:sp>
+        <p:nvSpPr>
+          <p:cNvPr id="49" name="TextBox 48">
+            <a:extLst>
+              <a:ext uri="{FF2B5EF4-FFF2-40B4-BE49-F238E27FC236}">
+                <a16:creationId xmlns:a16="http://schemas.microsoft.com/office/drawing/2014/main" id="{550105AF-B118-154C-AF9F-5CD4F3909DD9}"/>
+              </a:ext>
+            </a:extLst>
+          </p:cNvPr>
+          <p:cNvSpPr txBox="1"/>
+          <p:nvPr/>
+        </p:nvSpPr>
+        <p:spPr>
+          <a:xfrm>
+            <a:off x="3723875" y="3282445"/>
+            <a:ext cx="1086388" cy="369332"/>
+          </a:xfrm>
+          <a:prstGeom prst="rect">
+            <a:avLst/>
+          </a:prstGeom>
+          <a:noFill/>
+        </p:spPr>
+        <p:txBody>
+          <a:bodyPr wrap="none" rtlCol="0">
+            <a:spAutoFit/>
+          </a:bodyPr>
+          <a:lstStyle/>
+          <a:p>
+            <a:pPr algn="ctr"/>
+            <a:r>
+              <a:rPr lang="en-US" dirty="0"/>
+              <a:t>Course ID</a:t>
+            </a:r>
+          </a:p>
+        </p:txBody>
+      </p:sp>
+      <p:sp>
+        <p:nvSpPr>
+          <p:cNvPr id="50" name="Rectangle 49">
+            <a:extLst>
+              <a:ext uri="{FF2B5EF4-FFF2-40B4-BE49-F238E27FC236}">
+                <a16:creationId xmlns:a16="http://schemas.microsoft.com/office/drawing/2014/main" id="{5CCF21A6-3573-F543-95AF-2A9029C46D51}"/>
+              </a:ext>
+            </a:extLst>
+          </p:cNvPr>
+          <p:cNvSpPr/>
+          <p:nvPr/>
+        </p:nvSpPr>
+        <p:spPr>
+          <a:xfrm>
+            <a:off x="2921199" y="4281446"/>
+            <a:ext cx="8835437" cy="694077"/>
+          </a:xfrm>
+          <a:prstGeom prst="rect">
+            <a:avLst/>
+          </a:prstGeom>
+          <a:solidFill>
+            <a:schemeClr val="bg1"/>
+          </a:solidFill>
+          <a:ln>
+            <a:noFill/>
+          </a:ln>
+        </p:spPr>
+        <p:style>
+          <a:lnRef idx="2">
+            <a:schemeClr val="accent1">
+              <a:shade val="50000"/>
+            </a:schemeClr>
+          </a:lnRef>
+          <a:fillRef idx="1">
+            <a:schemeClr val="accent1"/>
+          </a:fillRef>
+          <a:effectRef idx="0">
+            <a:schemeClr val="accent1"/>
+          </a:effectRef>
+          <a:fontRef idx="minor">
+            <a:schemeClr val="lt1"/>
+          </a:fontRef>
+        </p:style>
+        <p:txBody>
+          <a:bodyPr rtlCol="0" anchor="ctr"/>
+          <a:lstStyle/>
+          <a:p>
+            <a:pPr algn="ctr"/>
+            <a:r>
+              <a:rPr lang="en-IN" sz="1646" dirty="0"/>
+              <a:t>E</a:t>
+            </a:r>
+          </a:p>
+        </p:txBody>
+      </p:sp>
+      <p:sp>
+        <p:nvSpPr>
+          <p:cNvPr id="51" name="Rectangle: Rounded Corners 55">
+            <a:extLst>
+              <a:ext uri="{FF2B5EF4-FFF2-40B4-BE49-F238E27FC236}">
+                <a16:creationId xmlns:a16="http://schemas.microsoft.com/office/drawing/2014/main" id="{1A549288-70C2-FA4A-B20B-0E47D8136C14}"/>
+              </a:ext>
+            </a:extLst>
+          </p:cNvPr>
+          <p:cNvSpPr/>
+          <p:nvPr/>
+        </p:nvSpPr>
+        <p:spPr>
+          <a:xfrm>
+            <a:off x="5322452" y="4422945"/>
+            <a:ext cx="3068078" cy="422168"/>
+          </a:xfrm>
+          <a:prstGeom prst="roundRect">
+            <a:avLst/>
+          </a:prstGeom>
+          <a:solidFill>
+            <a:schemeClr val="bg1"/>
+          </a:solidFill>
+          <a:ln>
+            <a:solidFill>
+              <a:schemeClr val="bg2">
+                <a:lumMod val="50000"/>
+              </a:schemeClr>
+            </a:solidFill>
+          </a:ln>
+        </p:spPr>
+        <p:style>
+          <a:lnRef idx="2">
+            <a:schemeClr val="accent1">
+              <a:shade val="50000"/>
+            </a:schemeClr>
+          </a:lnRef>
+          <a:fillRef idx="1">
+            <a:schemeClr val="accent1"/>
+          </a:fillRef>
+          <a:effectRef idx="0">
+            <a:schemeClr val="accent1"/>
+          </a:effectRef>
+          <a:fontRef idx="minor">
+            <a:schemeClr val="lt1"/>
+          </a:fontRef>
+        </p:style>
+        <p:txBody>
+          <a:bodyPr rtlCol="0" anchor="ctr"/>
+          <a:lstStyle/>
+          <a:p>
+            <a:endParaRPr lang="en-IN" sz="1646" dirty="0">
+              <a:solidFill>
+                <a:schemeClr val="bg2">
+                  <a:lumMod val="50000"/>
+                </a:schemeClr>
+              </a:solidFill>
+            </a:endParaRPr>
+          </a:p>
+        </p:txBody>
+      </p:sp>
+      <p:sp>
+        <p:nvSpPr>
+          <p:cNvPr id="53" name="TextBox 52">
+            <a:extLst>
+              <a:ext uri="{FF2B5EF4-FFF2-40B4-BE49-F238E27FC236}">
+                <a16:creationId xmlns:a16="http://schemas.microsoft.com/office/drawing/2014/main" id="{550105AF-B118-154C-AF9F-5CD4F3909DD9}"/>
+              </a:ext>
+            </a:extLst>
+          </p:cNvPr>
+          <p:cNvSpPr txBox="1"/>
+          <p:nvPr/>
+        </p:nvSpPr>
+        <p:spPr>
+          <a:xfrm>
+            <a:off x="3798350" y="4467243"/>
+            <a:ext cx="937437" cy="369332"/>
+          </a:xfrm>
+          <a:prstGeom prst="rect">
+            <a:avLst/>
+          </a:prstGeom>
+          <a:noFill/>
+        </p:spPr>
+        <p:txBody>
+          <a:bodyPr wrap="none" rtlCol="0">
+            <a:spAutoFit/>
+          </a:bodyPr>
+          <a:lstStyle/>
+          <a:p>
+            <a:pPr algn="ctr"/>
+            <a:r>
+              <a:rPr lang="en-US" dirty="0"/>
+              <a:t>Test No.</a:t>
+            </a:r>
+          </a:p>
+        </p:txBody>
+      </p:sp>
+      <p:sp>
+        <p:nvSpPr>
+          <p:cNvPr id="58" name="Rectangle: Rounded Corners 65">
+            <a:extLst>
+              <a:ext uri="{FF2B5EF4-FFF2-40B4-BE49-F238E27FC236}">
+                <a16:creationId xmlns:a16="http://schemas.microsoft.com/office/drawing/2014/main" id="{05EAECDE-3B6D-E24E-8243-B8611089B202}"/>
+              </a:ext>
+            </a:extLst>
+          </p:cNvPr>
+          <p:cNvSpPr/>
+          <p:nvPr/>
+        </p:nvSpPr>
+        <p:spPr>
+          <a:xfrm>
+            <a:off x="4267068" y="5826682"/>
+            <a:ext cx="1813374" cy="443272"/>
+          </a:xfrm>
+          <a:prstGeom prst="roundRect">
+            <a:avLst/>
+          </a:prstGeom>
+          <a:solidFill>
+            <a:srgbClr val="00B0F0"/>
+          </a:solidFill>
+          <a:ln>
+            <a:solidFill>
+              <a:schemeClr val="accent1">
+                <a:lumMod val="60000"/>
+                <a:lumOff val="40000"/>
+              </a:schemeClr>
+            </a:solidFill>
+          </a:ln>
+        </p:spPr>
+        <p:style>
+          <a:lnRef idx="2">
+            <a:schemeClr val="accent1">
+              <a:shade val="50000"/>
+            </a:schemeClr>
+          </a:lnRef>
+          <a:fillRef idx="1">
+            <a:schemeClr val="accent1"/>
+          </a:fillRef>
+          <a:effectRef idx="0">
+            <a:schemeClr val="accent1"/>
+          </a:effectRef>
+          <a:fontRef idx="minor">
+            <a:schemeClr val="lt1"/>
+          </a:fontRef>
+        </p:style>
+        <p:txBody>
+          <a:bodyPr rtlCol="0" anchor="ctr"/>
+          <a:lstStyle/>
+          <a:p>
+            <a:pPr algn="ctr"/>
+            <a:r>
+              <a:rPr lang="en-IN" sz="1646" dirty="0"/>
+              <a:t>Send  Email</a:t>
+            </a:r>
+          </a:p>
+        </p:txBody>
+      </p:sp>
+      <p:sp>
+        <p:nvSpPr>
+          <p:cNvPr id="59" name="Rectangle: Rounded Corners 65">
+            <a:extLst>
+              <a:ext uri="{FF2B5EF4-FFF2-40B4-BE49-F238E27FC236}">
+                <a16:creationId xmlns:a16="http://schemas.microsoft.com/office/drawing/2014/main" id="{50DF11FB-4625-5A49-B5F9-1B52C1001EDA}"/>
+              </a:ext>
+            </a:extLst>
+          </p:cNvPr>
+          <p:cNvSpPr/>
+          <p:nvPr/>
+        </p:nvSpPr>
+        <p:spPr>
+          <a:xfrm>
+            <a:off x="7162792" y="5843535"/>
+            <a:ext cx="1813374" cy="443272"/>
+          </a:xfrm>
+          <a:prstGeom prst="roundRect">
+            <a:avLst/>
+          </a:prstGeom>
+          <a:solidFill>
+            <a:srgbClr val="00B0F0"/>
+          </a:solidFill>
+          <a:ln>
+            <a:solidFill>
+              <a:schemeClr val="accent1">
+                <a:lumMod val="60000"/>
+                <a:lumOff val="40000"/>
+              </a:schemeClr>
+            </a:solidFill>
+          </a:ln>
+        </p:spPr>
+        <p:style>
+          <a:lnRef idx="2">
+            <a:schemeClr val="accent1">
+              <a:shade val="50000"/>
+            </a:schemeClr>
+          </a:lnRef>
+          <a:fillRef idx="1">
+            <a:schemeClr val="accent1"/>
+          </a:fillRef>
+          <a:effectRef idx="0">
+            <a:schemeClr val="accent1"/>
+          </a:effectRef>
+          <a:fontRef idx="minor">
+            <a:schemeClr val="lt1"/>
+          </a:fontRef>
+        </p:style>
+        <p:txBody>
+          <a:bodyPr rtlCol="0" anchor="ctr"/>
+          <a:lstStyle/>
+          <a:p>
+            <a:pPr algn="ctr"/>
+            <a:r>
+              <a:rPr lang="en-IN" sz="1646" dirty="0"/>
+              <a:t>Send SMS</a:t>
+            </a:r>
+          </a:p>
+        </p:txBody>
+      </p:sp>
+      <p:sp>
+        <p:nvSpPr>
+          <p:cNvPr id="88" name="Rectangle 87">
+            <a:extLst>
+              <a:ext uri="{FF2B5EF4-FFF2-40B4-BE49-F238E27FC236}">
+                <a16:creationId xmlns:a16="http://schemas.microsoft.com/office/drawing/2014/main" id="{4D60762C-D354-5F44-8355-F3DDAAAF3AE5}"/>
+              </a:ext>
+            </a:extLst>
+          </p:cNvPr>
+          <p:cNvSpPr/>
+          <p:nvPr/>
+        </p:nvSpPr>
+        <p:spPr>
+          <a:xfrm>
+            <a:off x="-2839" y="1026094"/>
+            <a:ext cx="2383085" cy="5901493"/>
+          </a:xfrm>
+          <a:prstGeom prst="rect">
+            <a:avLst/>
+          </a:prstGeom>
+          <a:solidFill>
+            <a:srgbClr val="0090AF"/>
+          </a:solidFill>
+          <a:ln>
+            <a:solidFill>
+              <a:srgbClr val="0090AF"/>
+            </a:solidFill>
+          </a:ln>
+        </p:spPr>
+        <p:style>
+          <a:lnRef idx="2">
+            <a:schemeClr val="accent1">
+              <a:shade val="50000"/>
+            </a:schemeClr>
+          </a:lnRef>
+          <a:fillRef idx="1">
+            <a:schemeClr val="accent1"/>
+          </a:fillRef>
+          <a:effectRef idx="0">
+            <a:schemeClr val="accent1"/>
+          </a:effectRef>
+          <a:fontRef idx="minor">
+            <a:schemeClr val="lt1"/>
+          </a:fontRef>
+        </p:style>
+        <p:txBody>
+          <a:bodyPr rot="0" spcFirstLastPara="0" vertOverflow="overflow" horzOverflow="overflow" vert="horz" wrap="square" lIns="83617" tIns="41809" rIns="83617" bIns="41809" numCol="1" spcCol="0" rtlCol="0" fromWordArt="0" anchor="ctr" anchorCtr="0" forceAA="0" compatLnSpc="1">
+            <a:prstTxWarp prst="textNoShape">
+              <a:avLst/>
+            </a:prstTxWarp>
+            <a:noAutofit/>
+          </a:bodyPr>
+          <a:lstStyle/>
+          <a:p>
+            <a:endParaRPr lang="en-IN" dirty="0">
+              <a:solidFill>
+                <a:schemeClr val="bg1"/>
+              </a:solidFill>
+            </a:endParaRPr>
+          </a:p>
+        </p:txBody>
+      </p:sp>
+      <p:grpSp>
+        <p:nvGrpSpPr>
+          <p:cNvPr id="89" name="Group 88">
+            <a:extLst>
+              <a:ext uri="{FF2B5EF4-FFF2-40B4-BE49-F238E27FC236}">
+                <a16:creationId xmlns:a16="http://schemas.microsoft.com/office/drawing/2014/main" id="{955789C4-C64B-434D-A2DA-A4750B2AD568}"/>
+              </a:ext>
+            </a:extLst>
+          </p:cNvPr>
+          <p:cNvGrpSpPr/>
+          <p:nvPr/>
+        </p:nvGrpSpPr>
+        <p:grpSpPr>
+          <a:xfrm>
+            <a:off x="111459" y="2993388"/>
+            <a:ext cx="2152334" cy="358614"/>
+            <a:chOff x="212185" y="3399571"/>
+            <a:chExt cx="2353700" cy="392165"/>
+          </a:xfrm>
+        </p:grpSpPr>
+        <p:pic>
+          <p:nvPicPr>
+            <p:cNvPr id="90" name="Picture 89">
+              <a:extLst>
+                <a:ext uri="{FF2B5EF4-FFF2-40B4-BE49-F238E27FC236}">
+                  <a16:creationId xmlns:a16="http://schemas.microsoft.com/office/drawing/2014/main" id="{11745B24-7792-454D-A0F2-32240B65485E}"/>
+                </a:ext>
+              </a:extLst>
+            </p:cNvPr>
+            <p:cNvPicPr>
+              <a:picLocks noChangeAspect="1"/>
+            </p:cNvPicPr>
+            <p:nvPr/>
+          </p:nvPicPr>
+          <p:blipFill>
+            <a:blip r:embed="rId6" cstate="hqprint">
+              <a:lum bright="70000" contrast="-70000"/>
+              <a:extLst>
+                <a:ext uri="{28A0092B-C50C-407E-A947-70E740481C1C}">
+                  <a14:useLocalDpi xmlns:a14="http://schemas.microsoft.com/office/drawing/2010/main" val="0"/>
+                </a:ext>
+              </a:extLst>
+            </a:blip>
+            <a:stretch>
+              <a:fillRect/>
+            </a:stretch>
+          </p:blipFill>
+          <p:spPr>
+            <a:xfrm>
+              <a:off x="212185" y="3418129"/>
+              <a:ext cx="373607" cy="373607"/>
+            </a:xfrm>
+            <a:prstGeom prst="rect">
+              <a:avLst/>
+            </a:prstGeom>
+          </p:spPr>
+        </p:pic>
+        <p:sp>
+          <p:nvSpPr>
+            <p:cNvPr id="92" name="TextBox 91">
+              <a:extLst>
+                <a:ext uri="{FF2B5EF4-FFF2-40B4-BE49-F238E27FC236}">
+                  <a16:creationId xmlns:a16="http://schemas.microsoft.com/office/drawing/2014/main" id="{6A15E23B-1A90-0247-807F-73B9A0400BEB}"/>
+                </a:ext>
+              </a:extLst>
+            </p:cNvPr>
+            <p:cNvSpPr txBox="1"/>
+            <p:nvPr/>
+          </p:nvSpPr>
+          <p:spPr>
+            <a:xfrm>
+              <a:off x="640609" y="3399571"/>
+              <a:ext cx="1925276" cy="316377"/>
+            </a:xfrm>
+            <a:prstGeom prst="rect">
+              <a:avLst/>
+            </a:prstGeom>
+            <a:noFill/>
+          </p:spPr>
+          <p:txBody>
+            <a:bodyPr wrap="square" rtlCol="0">
+              <a:spAutoFit/>
+            </a:bodyPr>
+            <a:lstStyle/>
+            <a:p>
+              <a:r>
+                <a:rPr lang="en-IN" sz="1280" dirty="0">
+                  <a:solidFill>
+                    <a:schemeClr val="bg1"/>
+                  </a:solidFill>
+                </a:rPr>
+                <a:t>Employee Add/Delete</a:t>
+              </a:r>
+            </a:p>
+          </p:txBody>
+        </p:sp>
+      </p:grpSp>
+      <p:sp>
+        <p:nvSpPr>
+          <p:cNvPr id="95" name="TextBox 94">
+            <a:extLst>
+              <a:ext uri="{FF2B5EF4-FFF2-40B4-BE49-F238E27FC236}">
+                <a16:creationId xmlns:a16="http://schemas.microsoft.com/office/drawing/2014/main" id="{5B5BA7DE-19C4-CF42-8D54-DEB759896537}"/>
+              </a:ext>
+            </a:extLst>
+          </p:cNvPr>
+          <p:cNvSpPr txBox="1"/>
+          <p:nvPr/>
+        </p:nvSpPr>
+        <p:spPr>
+          <a:xfrm>
+            <a:off x="551336" y="1498660"/>
+            <a:ext cx="1619697" cy="289310"/>
+          </a:xfrm>
+          <a:prstGeom prst="rect">
+            <a:avLst/>
+          </a:prstGeom>
+          <a:noFill/>
+        </p:spPr>
+        <p:txBody>
+          <a:bodyPr wrap="square" rtlCol="0">
+            <a:spAutoFit/>
+          </a:bodyPr>
+          <a:lstStyle/>
+          <a:p>
+            <a:r>
+              <a:rPr lang="en-IN" sz="1280" dirty="0">
+                <a:solidFill>
+                  <a:schemeClr val="bg1"/>
+                </a:solidFill>
+              </a:rPr>
+              <a:t>Database Upload</a:t>
+            </a:r>
+            <a:endParaRPr lang="en-IN" sz="1646" dirty="0">
+              <a:solidFill>
+                <a:schemeClr val="bg1"/>
+              </a:solidFill>
+            </a:endParaRPr>
+          </a:p>
+        </p:txBody>
+      </p:sp>
+      <p:pic>
+        <p:nvPicPr>
+          <p:cNvPr id="99" name="Picture 98">
+            <a:extLst>
+              <a:ext uri="{FF2B5EF4-FFF2-40B4-BE49-F238E27FC236}">
+                <a16:creationId xmlns:a16="http://schemas.microsoft.com/office/drawing/2014/main" id="{8D6A1E44-3D17-CB43-B146-11EDC0E853C1}"/>
+              </a:ext>
+            </a:extLst>
+          </p:cNvPr>
+          <p:cNvPicPr>
+            <a:picLocks noChangeAspect="1"/>
+          </p:cNvPicPr>
+          <p:nvPr/>
+        </p:nvPicPr>
+        <p:blipFill>
+          <a:blip r:embed="rId7" cstate="hqprint">
+            <a:extLst>
+              <a:ext uri="{28A0092B-C50C-407E-A947-70E740481C1C}">
+                <a14:useLocalDpi xmlns:a14="http://schemas.microsoft.com/office/drawing/2010/main" val="0"/>
+              </a:ext>
+            </a:extLst>
+          </a:blip>
+          <a:stretch>
+            <a:fillRect/>
+          </a:stretch>
+        </p:blipFill>
+        <p:spPr>
+          <a:xfrm>
+            <a:off x="180257" y="1495470"/>
+            <a:ext cx="308813" cy="308813"/>
+          </a:xfrm>
+          <a:prstGeom prst="rect">
+            <a:avLst/>
+          </a:prstGeom>
+        </p:spPr>
+      </p:pic>
+      <p:sp>
+        <p:nvSpPr>
+          <p:cNvPr id="109" name="TextBox 108">
+            <a:extLst>
+              <a:ext uri="{FF2B5EF4-FFF2-40B4-BE49-F238E27FC236}">
+                <a16:creationId xmlns:a16="http://schemas.microsoft.com/office/drawing/2014/main" id="{ABAF75BA-7218-DA41-A48D-9B814CDBF4E4}"/>
+              </a:ext>
+            </a:extLst>
+          </p:cNvPr>
+          <p:cNvSpPr txBox="1"/>
+          <p:nvPr/>
+        </p:nvSpPr>
+        <p:spPr>
+          <a:xfrm>
+            <a:off x="505341" y="2481266"/>
+            <a:ext cx="1760561" cy="289310"/>
+          </a:xfrm>
+          <a:prstGeom prst="rect">
+            <a:avLst/>
+          </a:prstGeom>
+          <a:noFill/>
+        </p:spPr>
+        <p:txBody>
+          <a:bodyPr wrap="square" rtlCol="0">
+            <a:spAutoFit/>
+          </a:bodyPr>
+          <a:lstStyle/>
+          <a:p>
+            <a:r>
+              <a:rPr lang="en-IN" sz="1280" dirty="0">
+                <a:solidFill>
+                  <a:schemeClr val="bg1"/>
+                </a:solidFill>
+              </a:rPr>
+              <a:t>Search Employee</a:t>
+            </a:r>
+          </a:p>
+        </p:txBody>
+      </p:sp>
+      <p:grpSp>
+        <p:nvGrpSpPr>
+          <p:cNvPr id="110" name="Group 109">
+            <a:extLst>
+              <a:ext uri="{FF2B5EF4-FFF2-40B4-BE49-F238E27FC236}">
+                <a16:creationId xmlns:a16="http://schemas.microsoft.com/office/drawing/2014/main" id="{746A5953-DAF6-7548-8DFD-8DE63ED0B34B}"/>
+              </a:ext>
+            </a:extLst>
+          </p:cNvPr>
+          <p:cNvGrpSpPr/>
+          <p:nvPr/>
+        </p:nvGrpSpPr>
+        <p:grpSpPr>
+          <a:xfrm>
+            <a:off x="147367" y="1961303"/>
+            <a:ext cx="2189543" cy="342369"/>
+            <a:chOff x="198537" y="2990591"/>
+            <a:chExt cx="2130046" cy="342369"/>
+          </a:xfrm>
+        </p:grpSpPr>
+        <p:pic>
+          <p:nvPicPr>
+            <p:cNvPr id="111" name="Picture 110">
+              <a:extLst>
+                <a:ext uri="{FF2B5EF4-FFF2-40B4-BE49-F238E27FC236}">
+                  <a16:creationId xmlns:a16="http://schemas.microsoft.com/office/drawing/2014/main" id="{4440EB09-60FA-6D47-9ACB-FFDE7AD94EF0}"/>
+                </a:ext>
+              </a:extLst>
+            </p:cNvPr>
+            <p:cNvPicPr>
+              <a:picLocks noChangeAspect="1"/>
+            </p:cNvPicPr>
+            <p:nvPr/>
+          </p:nvPicPr>
+          <p:blipFill>
+            <a:blip r:embed="rId8" cstate="hqprint">
+              <a:lum bright="70000" contrast="-70000"/>
+              <a:extLst>
+                <a:ext uri="{28A0092B-C50C-407E-A947-70E740481C1C}">
+                  <a14:useLocalDpi xmlns:a14="http://schemas.microsoft.com/office/drawing/2010/main" val="0"/>
+                </a:ext>
+              </a:extLst>
+            </a:blip>
+            <a:stretch>
+              <a:fillRect/>
+            </a:stretch>
+          </p:blipFill>
+          <p:spPr>
+            <a:xfrm>
+              <a:off x="198537" y="2990591"/>
+              <a:ext cx="342369" cy="342369"/>
+            </a:xfrm>
+            <a:prstGeom prst="rect">
+              <a:avLst/>
+            </a:prstGeom>
+          </p:spPr>
+        </p:pic>
+        <p:sp>
+          <p:nvSpPr>
+            <p:cNvPr id="112" name="TextBox 111">
+              <a:extLst>
+                <a:ext uri="{FF2B5EF4-FFF2-40B4-BE49-F238E27FC236}">
+                  <a16:creationId xmlns:a16="http://schemas.microsoft.com/office/drawing/2014/main" id="{519A71CF-07A5-B242-9481-51C5F3293BC3}"/>
+                </a:ext>
+              </a:extLst>
+            </p:cNvPr>
+            <p:cNvSpPr txBox="1"/>
+            <p:nvPr/>
+          </p:nvSpPr>
+          <p:spPr>
+            <a:xfrm>
+              <a:off x="568022" y="3013183"/>
+              <a:ext cx="1760561" cy="289310"/>
+            </a:xfrm>
+            <a:prstGeom prst="rect">
+              <a:avLst/>
+            </a:prstGeom>
+            <a:noFill/>
+          </p:spPr>
+          <p:txBody>
+            <a:bodyPr wrap="square" rtlCol="0">
+              <a:spAutoFit/>
+            </a:bodyPr>
+            <a:lstStyle/>
+            <a:p>
+              <a:r>
+                <a:rPr lang="en-IN" sz="1280" dirty="0">
+                  <a:solidFill>
+                    <a:schemeClr val="bg1"/>
+                  </a:solidFill>
+                </a:rPr>
+                <a:t>Employee Attendance</a:t>
+              </a:r>
+            </a:p>
+          </p:txBody>
+        </p:sp>
+      </p:grpSp>
+      <p:pic>
+        <p:nvPicPr>
+          <p:cNvPr id="113" name="Picture 112">
+            <a:extLst>
+              <a:ext uri="{FF2B5EF4-FFF2-40B4-BE49-F238E27FC236}">
+                <a16:creationId xmlns:a16="http://schemas.microsoft.com/office/drawing/2014/main" id="{D62AF4C7-6940-774D-A0D2-1ECF33E655AD}"/>
+              </a:ext>
+            </a:extLst>
+          </p:cNvPr>
+          <p:cNvPicPr>
+            <a:picLocks noChangeAspect="1"/>
+          </p:cNvPicPr>
+          <p:nvPr/>
+        </p:nvPicPr>
+        <p:blipFill>
+          <a:blip r:embed="rId9">
+            <a:extLst>
+              <a:ext uri="{28A0092B-C50C-407E-A947-70E740481C1C}">
+                <a14:useLocalDpi xmlns:a14="http://schemas.microsoft.com/office/drawing/2010/main" val="0"/>
+              </a:ext>
+            </a:extLst>
+          </a:blip>
+          <a:stretch>
+            <a:fillRect/>
+          </a:stretch>
+        </p:blipFill>
+        <p:spPr>
+          <a:xfrm>
+            <a:off x="178281" y="2482543"/>
+            <a:ext cx="325148" cy="325148"/>
+          </a:xfrm>
+          <a:prstGeom prst="rect">
+            <a:avLst/>
+          </a:prstGeom>
+        </p:spPr>
+      </p:pic>
+      <p:sp>
+        <p:nvSpPr>
+          <p:cNvPr id="114" name="TextBox 113">
+            <a:extLst>
+              <a:ext uri="{FF2B5EF4-FFF2-40B4-BE49-F238E27FC236}">
+                <a16:creationId xmlns:a16="http://schemas.microsoft.com/office/drawing/2014/main" id="{C25134DA-5134-D541-94E8-4A4CC7B2832C}"/>
+              </a:ext>
+            </a:extLst>
+          </p:cNvPr>
+          <p:cNvSpPr txBox="1"/>
+          <p:nvPr/>
+        </p:nvSpPr>
+        <p:spPr>
+          <a:xfrm>
+            <a:off x="536142" y="3488633"/>
+            <a:ext cx="1809736" cy="289310"/>
+          </a:xfrm>
+          <a:prstGeom prst="rect">
+            <a:avLst/>
+          </a:prstGeom>
+          <a:noFill/>
+        </p:spPr>
+        <p:txBody>
+          <a:bodyPr wrap="square" rtlCol="0">
+            <a:spAutoFit/>
+          </a:bodyPr>
+          <a:lstStyle/>
+          <a:p>
+            <a:r>
+              <a:rPr lang="en-IN" sz="1280" dirty="0">
+                <a:solidFill>
+                  <a:schemeClr val="bg1"/>
+                </a:solidFill>
+              </a:rPr>
+              <a:t>Test Results</a:t>
+            </a:r>
+          </a:p>
+        </p:txBody>
+      </p:sp>
+      <p:grpSp>
+        <p:nvGrpSpPr>
+          <p:cNvPr id="115" name="Group 114">
+            <a:extLst>
+              <a:ext uri="{FF2B5EF4-FFF2-40B4-BE49-F238E27FC236}">
+                <a16:creationId xmlns:a16="http://schemas.microsoft.com/office/drawing/2014/main" id="{44481DC4-3E48-B74C-8ECB-84A26ED82026}"/>
+              </a:ext>
+            </a:extLst>
+          </p:cNvPr>
+          <p:cNvGrpSpPr/>
+          <p:nvPr/>
+        </p:nvGrpSpPr>
+        <p:grpSpPr>
+          <a:xfrm>
+            <a:off x="133864" y="4025598"/>
+            <a:ext cx="2215537" cy="354244"/>
+            <a:chOff x="172518" y="2990591"/>
+            <a:chExt cx="2155334" cy="354244"/>
+          </a:xfrm>
+        </p:grpSpPr>
+        <p:pic>
+          <p:nvPicPr>
+            <p:cNvPr id="116" name="Picture 115">
+              <a:extLst>
+                <a:ext uri="{FF2B5EF4-FFF2-40B4-BE49-F238E27FC236}">
+                  <a16:creationId xmlns:a16="http://schemas.microsoft.com/office/drawing/2014/main" id="{7417568D-EB07-5942-8C2D-9D0108D8966C}"/>
+                </a:ext>
+              </a:extLst>
+            </p:cNvPr>
+            <p:cNvPicPr>
+              <a:picLocks noChangeAspect="1"/>
+            </p:cNvPicPr>
+            <p:nvPr/>
+          </p:nvPicPr>
+          <p:blipFill>
+            <a:blip r:embed="rId8" cstate="hqprint">
+              <a:lum bright="70000" contrast="-70000"/>
+              <a:extLst>
+                <a:ext uri="{28A0092B-C50C-407E-A947-70E740481C1C}">
+                  <a14:useLocalDpi xmlns:a14="http://schemas.microsoft.com/office/drawing/2010/main" val="0"/>
+                </a:ext>
+              </a:extLst>
+            </a:blip>
+            <a:stretch>
+              <a:fillRect/>
+            </a:stretch>
+          </p:blipFill>
+          <p:spPr>
+            <a:xfrm>
+              <a:off x="172518" y="3002466"/>
+              <a:ext cx="342369" cy="342369"/>
+            </a:xfrm>
+            <a:prstGeom prst="rect">
+              <a:avLst/>
+            </a:prstGeom>
+          </p:spPr>
+        </p:pic>
+        <p:sp>
+          <p:nvSpPr>
+            <p:cNvPr id="117" name="TextBox 116">
+              <a:extLst>
+                <a:ext uri="{FF2B5EF4-FFF2-40B4-BE49-F238E27FC236}">
+                  <a16:creationId xmlns:a16="http://schemas.microsoft.com/office/drawing/2014/main" id="{DFFE334A-7CAB-E644-B06C-15F56F9D48C8}"/>
+                </a:ext>
+              </a:extLst>
+            </p:cNvPr>
+            <p:cNvSpPr txBox="1"/>
+            <p:nvPr/>
+          </p:nvSpPr>
+          <p:spPr>
+            <a:xfrm>
+              <a:off x="567291" y="2990591"/>
+              <a:ext cx="1760561" cy="289310"/>
+            </a:xfrm>
+            <a:prstGeom prst="rect">
+              <a:avLst/>
+            </a:prstGeom>
+            <a:noFill/>
+          </p:spPr>
+          <p:txBody>
+            <a:bodyPr wrap="square" rtlCol="0">
+              <a:spAutoFit/>
+            </a:bodyPr>
+            <a:lstStyle/>
+            <a:p>
+              <a:r>
+                <a:rPr lang="en-IN" sz="1280" dirty="0">
+                  <a:solidFill>
+                    <a:schemeClr val="bg1"/>
+                  </a:solidFill>
+                </a:rPr>
+                <a:t>Report Generation</a:t>
+              </a:r>
+            </a:p>
+          </p:txBody>
+        </p:sp>
+      </p:grpSp>
+      <p:sp>
+        <p:nvSpPr>
+          <p:cNvPr id="119" name="TextBox 118">
+            <a:extLst>
+              <a:ext uri="{FF2B5EF4-FFF2-40B4-BE49-F238E27FC236}">
+                <a16:creationId xmlns:a16="http://schemas.microsoft.com/office/drawing/2014/main" id="{2B609247-67A8-4A4E-AE06-2484DE35671E}"/>
+              </a:ext>
+            </a:extLst>
+          </p:cNvPr>
+          <p:cNvSpPr txBox="1"/>
+          <p:nvPr/>
+        </p:nvSpPr>
+        <p:spPr>
+          <a:xfrm>
+            <a:off x="537286" y="4501766"/>
+            <a:ext cx="1809736" cy="289310"/>
+          </a:xfrm>
+          <a:prstGeom prst="rect">
+            <a:avLst/>
+          </a:prstGeom>
+          <a:noFill/>
+        </p:spPr>
+        <p:txBody>
+          <a:bodyPr wrap="square" rtlCol="0">
+            <a:spAutoFit/>
+          </a:bodyPr>
+          <a:lstStyle/>
+          <a:p>
+            <a:r>
+              <a:rPr lang="en-IN" sz="1280" dirty="0">
+                <a:solidFill>
+                  <a:schemeClr val="bg1"/>
+                </a:solidFill>
+              </a:rPr>
+              <a:t>FAQ’s</a:t>
+            </a:r>
+          </a:p>
+        </p:txBody>
+      </p:sp>
+      <p:sp>
+        <p:nvSpPr>
+          <p:cNvPr id="121" name="TextBox 120">
+            <a:extLst>
+              <a:ext uri="{FF2B5EF4-FFF2-40B4-BE49-F238E27FC236}">
+                <a16:creationId xmlns:a16="http://schemas.microsoft.com/office/drawing/2014/main" id="{C707048C-82CF-5643-AA85-694CC600D011}"/>
+              </a:ext>
+            </a:extLst>
+          </p:cNvPr>
+          <p:cNvSpPr txBox="1"/>
+          <p:nvPr/>
+        </p:nvSpPr>
+        <p:spPr>
+          <a:xfrm>
+            <a:off x="501187" y="5015553"/>
+            <a:ext cx="1809736" cy="289310"/>
+          </a:xfrm>
+          <a:prstGeom prst="rect">
+            <a:avLst/>
+          </a:prstGeom>
+          <a:noFill/>
+        </p:spPr>
+        <p:txBody>
+          <a:bodyPr wrap="square" rtlCol="0">
+            <a:spAutoFit/>
+          </a:bodyPr>
+          <a:lstStyle/>
+          <a:p>
+            <a:r>
+              <a:rPr lang="en-IN" sz="1280" dirty="0">
+                <a:solidFill>
+                  <a:schemeClr val="bg1"/>
+                </a:solidFill>
+              </a:rPr>
+              <a:t>Latest Updates</a:t>
+            </a:r>
+          </a:p>
+        </p:txBody>
+      </p:sp>
+      <p:pic>
+        <p:nvPicPr>
+          <p:cNvPr id="122" name="Picture 121">
+            <a:extLst>
+              <a:ext uri="{FF2B5EF4-FFF2-40B4-BE49-F238E27FC236}">
+                <a16:creationId xmlns:a16="http://schemas.microsoft.com/office/drawing/2014/main" id="{D79F9ED7-09CA-8044-B5C7-8E2EE1BC94D7}"/>
+              </a:ext>
+            </a:extLst>
+          </p:cNvPr>
+          <p:cNvPicPr>
+            <a:picLocks noChangeAspect="1"/>
+          </p:cNvPicPr>
+          <p:nvPr/>
+        </p:nvPicPr>
+        <p:blipFill>
+          <a:blip r:embed="rId10"/>
+          <a:stretch>
+            <a:fillRect/>
+          </a:stretch>
+        </p:blipFill>
+        <p:spPr>
+          <a:xfrm>
+            <a:off x="129350" y="5004404"/>
+            <a:ext cx="350735" cy="321943"/>
+          </a:xfrm>
+          <a:prstGeom prst="rect">
+            <a:avLst/>
+          </a:prstGeom>
+        </p:spPr>
+      </p:pic>
+      <p:pic>
+        <p:nvPicPr>
+          <p:cNvPr id="123" name="Picture 122">
+            <a:extLst>
+              <a:ext uri="{FF2B5EF4-FFF2-40B4-BE49-F238E27FC236}">
+                <a16:creationId xmlns:a16="http://schemas.microsoft.com/office/drawing/2014/main" id="{B6DFFAC8-1243-7243-B2A9-A221E2DC80C9}"/>
+              </a:ext>
+            </a:extLst>
+          </p:cNvPr>
+          <p:cNvPicPr>
+            <a:picLocks noChangeAspect="1"/>
+          </p:cNvPicPr>
+          <p:nvPr/>
+        </p:nvPicPr>
+        <p:blipFill>
+          <a:blip r:embed="rId11"/>
+          <a:stretch>
+            <a:fillRect/>
+          </a:stretch>
+        </p:blipFill>
+        <p:spPr>
+          <a:xfrm>
+            <a:off x="176299" y="4456783"/>
+            <a:ext cx="250963" cy="418271"/>
+          </a:xfrm>
+          <a:prstGeom prst="rect">
+            <a:avLst/>
+          </a:prstGeom>
+        </p:spPr>
+      </p:pic>
+      <p:pic>
+        <p:nvPicPr>
+          <p:cNvPr id="124" name="Picture 123">
+            <a:extLst>
+              <a:ext uri="{FF2B5EF4-FFF2-40B4-BE49-F238E27FC236}">
+                <a16:creationId xmlns:a16="http://schemas.microsoft.com/office/drawing/2014/main" id="{CD7D3BD4-21F8-6742-A18E-4AC5E23D5A82}"/>
+              </a:ext>
+            </a:extLst>
+          </p:cNvPr>
+          <p:cNvPicPr>
+            <a:picLocks noChangeAspect="1"/>
+          </p:cNvPicPr>
+          <p:nvPr/>
+        </p:nvPicPr>
+        <p:blipFill>
+          <a:blip r:embed="rId12"/>
+          <a:stretch>
+            <a:fillRect/>
+          </a:stretch>
+        </p:blipFill>
+        <p:spPr>
+          <a:xfrm>
+            <a:off x="126338" y="3524672"/>
+            <a:ext cx="385157" cy="318839"/>
+          </a:xfrm>
+          <a:prstGeom prst="rect">
+            <a:avLst/>
+          </a:prstGeom>
+        </p:spPr>
+      </p:pic>
+      <p:grpSp>
+        <p:nvGrpSpPr>
+          <p:cNvPr id="52" name="Group 51">
+            <a:extLst>
+              <a:ext uri="{FF2B5EF4-FFF2-40B4-BE49-F238E27FC236}">
+                <a16:creationId xmlns:a16="http://schemas.microsoft.com/office/drawing/2014/main" id="{253C8792-6347-E246-A3C1-DF9EF7FFAC86}"/>
+              </a:ext>
+            </a:extLst>
+          </p:cNvPr>
+          <p:cNvGrpSpPr/>
+          <p:nvPr/>
+        </p:nvGrpSpPr>
+        <p:grpSpPr>
+          <a:xfrm>
+            <a:off x="11563496" y="599227"/>
+            <a:ext cx="1052889" cy="261162"/>
+            <a:chOff x="11312032" y="490976"/>
+            <a:chExt cx="1052889" cy="261162"/>
+          </a:xfrm>
+        </p:grpSpPr>
+        <p:sp>
+          <p:nvSpPr>
+            <p:cNvPr id="54" name="TextBox 53">
+              <a:extLst>
+                <a:ext uri="{FF2B5EF4-FFF2-40B4-BE49-F238E27FC236}">
+                  <a16:creationId xmlns:a16="http://schemas.microsoft.com/office/drawing/2014/main" id="{CEE8CC40-673F-464C-9B1E-96C6F7EB750E}"/>
+                </a:ext>
+              </a:extLst>
+            </p:cNvPr>
+            <p:cNvSpPr txBox="1"/>
+            <p:nvPr/>
+          </p:nvSpPr>
+          <p:spPr>
+            <a:xfrm>
+              <a:off x="11505172" y="490976"/>
+              <a:ext cx="859749" cy="261162"/>
+            </a:xfrm>
+            <a:prstGeom prst="rect">
+              <a:avLst/>
+            </a:prstGeom>
+            <a:noFill/>
+          </p:spPr>
+          <p:txBody>
+            <a:bodyPr wrap="square" rtlCol="0">
+              <a:spAutoFit/>
+            </a:bodyPr>
+            <a:lstStyle/>
+            <a:p>
+              <a:r>
+                <a:rPr lang="en-IN" sz="1097" dirty="0"/>
+                <a:t>Logout</a:t>
+              </a:r>
+            </a:p>
+          </p:txBody>
+        </p:sp>
+        <p:pic>
+          <p:nvPicPr>
+            <p:cNvPr id="55" name="Picture 54">
+              <a:extLst>
+                <a:ext uri="{FF2B5EF4-FFF2-40B4-BE49-F238E27FC236}">
+                  <a16:creationId xmlns:a16="http://schemas.microsoft.com/office/drawing/2014/main" id="{2D46A5C5-5699-914E-8305-5A4961851FFB}"/>
+                </a:ext>
+              </a:extLst>
+            </p:cNvPr>
+            <p:cNvPicPr>
+              <a:picLocks noChangeAspect="1"/>
+            </p:cNvPicPr>
+            <p:nvPr/>
+          </p:nvPicPr>
+          <p:blipFill>
+            <a:blip r:embed="rId4" cstate="hqprint">
+              <a:extLst>
+                <a:ext uri="{28A0092B-C50C-407E-A947-70E740481C1C}">
+                  <a14:useLocalDpi xmlns:a14="http://schemas.microsoft.com/office/drawing/2010/main" val="0"/>
+                </a:ext>
+              </a:extLst>
+            </a:blip>
+            <a:stretch>
+              <a:fillRect/>
+            </a:stretch>
+          </p:blipFill>
+          <p:spPr>
+            <a:xfrm>
+              <a:off x="11312032" y="518584"/>
+              <a:ext cx="193140" cy="193140"/>
+            </a:xfrm>
+            <a:prstGeom prst="rect">
+              <a:avLst/>
+            </a:prstGeom>
+          </p:spPr>
+        </p:pic>
+      </p:grpSp>
+      <p:pic>
+        <p:nvPicPr>
+          <p:cNvPr id="56" name="Picture 55">
+            <a:extLst>
+              <a:ext uri="{FF2B5EF4-FFF2-40B4-BE49-F238E27FC236}">
+                <a16:creationId xmlns:a16="http://schemas.microsoft.com/office/drawing/2014/main" id="{C9AC57AB-61AA-F740-981D-A07667202D7A}"/>
+              </a:ext>
+            </a:extLst>
+          </p:cNvPr>
+          <p:cNvPicPr>
+            <a:picLocks noChangeAspect="1"/>
+          </p:cNvPicPr>
+          <p:nvPr/>
+        </p:nvPicPr>
+        <p:blipFill rotWithShape="1">
+          <a:blip r:embed="rId5"/>
+          <a:srcRect t="12385" r="1559" b="17536"/>
+          <a:stretch/>
+        </p:blipFill>
+        <p:spPr>
+          <a:xfrm>
+            <a:off x="5626133" y="117882"/>
+            <a:ext cx="2089834" cy="743863"/>
+          </a:xfrm>
+          <a:prstGeom prst="rect">
+            <a:avLst/>
+          </a:prstGeom>
+        </p:spPr>
+      </p:pic>
+      <p:sp>
+        <p:nvSpPr>
+          <p:cNvPr id="57" name="TextBox 56">
+            <a:extLst>
+              <a:ext uri="{FF2B5EF4-FFF2-40B4-BE49-F238E27FC236}">
+                <a16:creationId xmlns:a16="http://schemas.microsoft.com/office/drawing/2014/main" id="{B8E31D08-A236-4A42-B02A-7E72B322C1A5}"/>
+              </a:ext>
+            </a:extLst>
+          </p:cNvPr>
+          <p:cNvSpPr txBox="1"/>
+          <p:nvPr/>
+        </p:nvSpPr>
+        <p:spPr>
+          <a:xfrm>
+            <a:off x="11511684" y="323173"/>
+            <a:ext cx="1029449" cy="261610"/>
+          </a:xfrm>
+          <a:prstGeom prst="rect">
+            <a:avLst/>
+          </a:prstGeom>
+          <a:noFill/>
+        </p:spPr>
+        <p:txBody>
+          <a:bodyPr wrap="none" rtlCol="0">
+            <a:spAutoFit/>
+          </a:bodyPr>
+          <a:lstStyle/>
+          <a:p>
+            <a:r>
+              <a:rPr lang="en-US" sz="1100" dirty="0"/>
+              <a:t>Hi, JRC Murthy</a:t>
+            </a:r>
+          </a:p>
+        </p:txBody>
+      </p:sp>
+      <p:pic>
+        <p:nvPicPr>
+          <p:cNvPr id="60" name="Picture 59">
+            <a:extLst>
+              <a:ext uri="{FF2B5EF4-FFF2-40B4-BE49-F238E27FC236}">
+                <a16:creationId xmlns:a16="http://schemas.microsoft.com/office/drawing/2014/main" id="{5F66A48E-4E69-004C-A91A-9BD3AAB7B2C8}"/>
+              </a:ext>
+            </a:extLst>
+          </p:cNvPr>
+          <p:cNvPicPr>
+            <a:picLocks noChangeAspect="1"/>
+          </p:cNvPicPr>
+          <p:nvPr/>
+        </p:nvPicPr>
+        <p:blipFill>
+          <a:blip r:embed="rId13">
+            <a:extLst>
+              <a:ext uri="{28A0092B-C50C-407E-A947-70E740481C1C}">
+                <a14:useLocalDpi xmlns:a14="http://schemas.microsoft.com/office/drawing/2010/main" val="0"/>
+              </a:ext>
+            </a:extLst>
+          </a:blip>
+          <a:stretch>
+            <a:fillRect/>
+          </a:stretch>
+        </p:blipFill>
+        <p:spPr>
+          <a:xfrm>
+            <a:off x="133864" y="172041"/>
+            <a:ext cx="2492593" cy="726820"/>
+          </a:xfrm>
+          <a:prstGeom prst="rect">
+            <a:avLst/>
+          </a:prstGeom>
+        </p:spPr>
+      </p:pic>
+    </p:spTree>
+    <p:extLst>
+      <p:ext uri="{BB962C8B-B14F-4D97-AF65-F5344CB8AC3E}">
+        <p14:creationId xmlns:p14="http://schemas.microsoft.com/office/powerpoint/2010/main" val="876097151"/>
+      </p:ext>
+    </p:extLst>
+  </p:cSld>
+  <p:clrMapOvr>
+    <a:masterClrMapping/>
+  </p:clrMapOvr>
+</p:sld>
+</file>
+
+<file path=ppt/slides/slide11.xml><?xml version="1.0" encoding="utf-8"?>
+<p:sld xmlns:a="http://schemas.openxmlformats.org/drawingml/2006/main" xmlns:r="http://schemas.openxmlformats.org/officeDocument/2006/relationships" xmlns:p="http://schemas.openxmlformats.org/presentationml/2006/main">
+  <p:cSld>
+    <p:spTree>
+      <p:nvGrpSpPr>
+        <p:cNvPr id="1" name=""/>
+        <p:cNvGrpSpPr/>
+        <p:nvPr/>
+      </p:nvGrpSpPr>
+      <p:grpSpPr>
+        <a:xfrm>
+          <a:off x="0" y="0"/>
+          <a:ext cx="0" cy="0"/>
+          <a:chOff x="0" y="0"/>
+          <a:chExt cx="0" cy="0"/>
+        </a:xfrm>
+      </p:grpSpPr>
+      <p:sp>
+        <p:nvSpPr>
+          <p:cNvPr id="118" name="Rectangle 117">
+            <a:extLst>
+              <a:ext uri="{FF2B5EF4-FFF2-40B4-BE49-F238E27FC236}">
+                <a16:creationId xmlns:a16="http://schemas.microsoft.com/office/drawing/2014/main" id="{475830A1-614D-43BE-8051-411479A714E7}"/>
+              </a:ext>
+            </a:extLst>
+          </p:cNvPr>
+          <p:cNvSpPr/>
+          <p:nvPr/>
+        </p:nvSpPr>
+        <p:spPr>
+          <a:xfrm>
+            <a:off x="977143" y="6871248"/>
+            <a:ext cx="11148938" cy="1358352"/>
+          </a:xfrm>
+          <a:prstGeom prst="rect">
+            <a:avLst/>
+          </a:prstGeom>
+          <a:noFill/>
+          <a:ln>
+            <a:noFill/>
+          </a:ln>
+        </p:spPr>
+        <p:style>
+          <a:lnRef idx="2">
+            <a:schemeClr val="accent1">
+              <a:shade val="50000"/>
+            </a:schemeClr>
+          </a:lnRef>
+          <a:fillRef idx="1">
+            <a:schemeClr val="accent1"/>
+          </a:fillRef>
+          <a:effectRef idx="0">
+            <a:schemeClr val="accent1"/>
+          </a:effectRef>
+          <a:fontRef idx="minor">
+            <a:schemeClr val="lt1"/>
+          </a:fontRef>
+        </p:style>
+        <p:txBody>
+          <a:bodyPr rtlCol="0" anchor="ctr"/>
+          <a:lstStyle/>
+          <a:p>
+            <a:pPr algn="ctr"/>
+            <a:endParaRPr lang="en-IN" sz="1646"/>
+          </a:p>
+        </p:txBody>
+      </p:sp>
+      <p:sp>
+        <p:nvSpPr>
+          <p:cNvPr id="93" name="Rectangle 92">
+            <a:extLst>
+              <a:ext uri="{FF2B5EF4-FFF2-40B4-BE49-F238E27FC236}">
+                <a16:creationId xmlns:a16="http://schemas.microsoft.com/office/drawing/2014/main" id="{F2A110AF-E5DF-4A7D-BBBC-E680AE23A6C0}"/>
+              </a:ext>
+            </a:extLst>
+          </p:cNvPr>
+          <p:cNvSpPr/>
+          <p:nvPr/>
+        </p:nvSpPr>
+        <p:spPr>
+          <a:xfrm>
+            <a:off x="5559" y="6871248"/>
+            <a:ext cx="11148938" cy="1358352"/>
+          </a:xfrm>
+          <a:prstGeom prst="rect">
+            <a:avLst/>
+          </a:prstGeom>
+          <a:noFill/>
+          <a:ln>
+            <a:noFill/>
+          </a:ln>
+        </p:spPr>
+        <p:style>
+          <a:lnRef idx="2">
+            <a:schemeClr val="accent1">
+              <a:shade val="50000"/>
+            </a:schemeClr>
+          </a:lnRef>
+          <a:fillRef idx="1">
+            <a:schemeClr val="accent1"/>
+          </a:fillRef>
+          <a:effectRef idx="0">
+            <a:schemeClr val="accent1"/>
+          </a:effectRef>
+          <a:fontRef idx="minor">
+            <a:schemeClr val="lt1"/>
+          </a:fontRef>
+        </p:style>
+        <p:txBody>
+          <a:bodyPr rtlCol="0" anchor="ctr"/>
+          <a:lstStyle/>
+          <a:p>
+            <a:pPr algn="ctr"/>
+            <a:endParaRPr lang="en-IN" sz="1646"/>
+          </a:p>
+        </p:txBody>
+      </p:sp>
+      <p:sp>
+        <p:nvSpPr>
+          <p:cNvPr id="42" name="Rectangle 41">
+            <a:extLst>
+              <a:ext uri="{FF2B5EF4-FFF2-40B4-BE49-F238E27FC236}">
+                <a16:creationId xmlns:a16="http://schemas.microsoft.com/office/drawing/2014/main" id="{B39E7345-FBFA-421C-ADAB-3D1B8CBA40CE}"/>
+              </a:ext>
+            </a:extLst>
+          </p:cNvPr>
+          <p:cNvSpPr/>
+          <p:nvPr/>
+        </p:nvSpPr>
+        <p:spPr>
+          <a:xfrm>
+            <a:off x="977143" y="6884834"/>
+            <a:ext cx="11148938" cy="1358352"/>
+          </a:xfrm>
+          <a:prstGeom prst="rect">
+            <a:avLst/>
+          </a:prstGeom>
+          <a:noFill/>
+          <a:ln>
+            <a:noFill/>
+          </a:ln>
+        </p:spPr>
+        <p:style>
+          <a:lnRef idx="2">
+            <a:schemeClr val="accent1">
+              <a:shade val="50000"/>
+            </a:schemeClr>
+          </a:lnRef>
+          <a:fillRef idx="1">
+            <a:schemeClr val="accent1"/>
+          </a:fillRef>
+          <a:effectRef idx="0">
+            <a:schemeClr val="accent1"/>
+          </a:effectRef>
+          <a:fontRef idx="minor">
+            <a:schemeClr val="lt1"/>
+          </a:fontRef>
+        </p:style>
+        <p:txBody>
+          <a:bodyPr rtlCol="0" anchor="ctr"/>
+          <a:lstStyle/>
+          <a:p>
+            <a:pPr algn="ctr"/>
+            <a:endParaRPr lang="en-IN" sz="1646"/>
+          </a:p>
+        </p:txBody>
+      </p:sp>
+      <p:sp>
+        <p:nvSpPr>
+          <p:cNvPr id="66" name="Rectangle 65">
+            <a:extLst>
+              <a:ext uri="{FF2B5EF4-FFF2-40B4-BE49-F238E27FC236}">
+                <a16:creationId xmlns:a16="http://schemas.microsoft.com/office/drawing/2014/main" id="{A90CE170-5DB9-411A-A9A9-212A16666656}"/>
+              </a:ext>
+            </a:extLst>
+          </p:cNvPr>
+          <p:cNvSpPr/>
+          <p:nvPr/>
+        </p:nvSpPr>
+        <p:spPr>
+          <a:xfrm>
+            <a:off x="5559" y="6884834"/>
+            <a:ext cx="11148938" cy="1358352"/>
+          </a:xfrm>
+          <a:prstGeom prst="rect">
+            <a:avLst/>
+          </a:prstGeom>
+          <a:noFill/>
+          <a:ln>
+            <a:noFill/>
+          </a:ln>
+        </p:spPr>
+        <p:style>
+          <a:lnRef idx="2">
+            <a:schemeClr val="accent1">
+              <a:shade val="50000"/>
+            </a:schemeClr>
+          </a:lnRef>
+          <a:fillRef idx="1">
+            <a:schemeClr val="accent1"/>
+          </a:fillRef>
+          <a:effectRef idx="0">
+            <a:schemeClr val="accent1"/>
+          </a:effectRef>
+          <a:fontRef idx="minor">
+            <a:schemeClr val="lt1"/>
+          </a:fontRef>
+        </p:style>
+        <p:txBody>
+          <a:bodyPr rtlCol="0" anchor="ctr"/>
+          <a:lstStyle/>
+          <a:p>
+            <a:pPr algn="ctr"/>
+            <a:endParaRPr lang="en-IN" sz="1646"/>
+          </a:p>
+        </p:txBody>
+      </p:sp>
+      <p:grpSp>
+        <p:nvGrpSpPr>
+          <p:cNvPr id="139" name="Group 138">
+            <a:extLst>
+              <a:ext uri="{FF2B5EF4-FFF2-40B4-BE49-F238E27FC236}">
+                <a16:creationId xmlns:a16="http://schemas.microsoft.com/office/drawing/2014/main" id="{E5D8F1E3-0AE0-4931-8031-DD3C78CBF71A}"/>
+              </a:ext>
+            </a:extLst>
+          </p:cNvPr>
+          <p:cNvGrpSpPr/>
+          <p:nvPr/>
+        </p:nvGrpSpPr>
+        <p:grpSpPr>
+          <a:xfrm>
+            <a:off x="-6280" y="7540200"/>
+            <a:ext cx="13103225" cy="692513"/>
+            <a:chOff x="-1" y="7537087"/>
+            <a:chExt cx="13103225" cy="692513"/>
+          </a:xfrm>
+        </p:grpSpPr>
+        <p:sp>
+          <p:nvSpPr>
+            <p:cNvPr id="140" name="Rectangle 139">
+              <a:extLst>
+                <a:ext uri="{FF2B5EF4-FFF2-40B4-BE49-F238E27FC236}">
+                  <a16:creationId xmlns:a16="http://schemas.microsoft.com/office/drawing/2014/main" id="{3405647C-C000-4AD6-B083-A738B2389ED4}"/>
+                </a:ext>
+              </a:extLst>
+            </p:cNvPr>
+            <p:cNvSpPr/>
+            <p:nvPr/>
+          </p:nvSpPr>
+          <p:spPr>
+            <a:xfrm>
+              <a:off x="-1" y="7537087"/>
+              <a:ext cx="13103225" cy="692513"/>
+            </a:xfrm>
+            <a:prstGeom prst="rect">
+              <a:avLst/>
+            </a:prstGeom>
+            <a:solidFill>
+              <a:srgbClr val="0090AF"/>
+            </a:solidFill>
+            <a:ln>
+              <a:noFill/>
+            </a:ln>
+          </p:spPr>
+          <p:style>
+            <a:lnRef idx="2">
+              <a:schemeClr val="accent1">
+                <a:shade val="50000"/>
+              </a:schemeClr>
+            </a:lnRef>
+            <a:fillRef idx="1">
+              <a:schemeClr val="accent1"/>
+            </a:fillRef>
+            <a:effectRef idx="0">
+              <a:schemeClr val="accent1"/>
+            </a:effectRef>
+            <a:fontRef idx="minor">
+              <a:schemeClr val="lt1"/>
+            </a:fontRef>
+          </p:style>
+          <p:txBody>
+            <a:bodyPr rtlCol="0" anchor="ctr"/>
+            <a:lstStyle/>
+            <a:p>
+              <a:pPr algn="ctr"/>
+              <a:endParaRPr lang="en-IN" dirty="0"/>
+            </a:p>
+          </p:txBody>
+        </p:sp>
+        <p:sp>
+          <p:nvSpPr>
+            <p:cNvPr id="141" name="TextBox 140">
+              <a:extLst>
+                <a:ext uri="{FF2B5EF4-FFF2-40B4-BE49-F238E27FC236}">
+                  <a16:creationId xmlns:a16="http://schemas.microsoft.com/office/drawing/2014/main" id="{1CE25B53-CD0E-43D9-87C4-37D6C8C5164B}"/>
+                </a:ext>
+              </a:extLst>
+            </p:cNvPr>
+            <p:cNvSpPr txBox="1"/>
+            <p:nvPr/>
+          </p:nvSpPr>
+          <p:spPr>
+            <a:xfrm>
+              <a:off x="3672096" y="7593983"/>
+              <a:ext cx="6632973" cy="276999"/>
+            </a:xfrm>
+            <a:prstGeom prst="rect">
+              <a:avLst/>
+            </a:prstGeom>
+            <a:noFill/>
+          </p:spPr>
+          <p:txBody>
+            <a:bodyPr wrap="square" rtlCol="0">
+              <a:spAutoFit/>
+            </a:bodyPr>
+            <a:lstStyle/>
+            <a:p>
+              <a:pPr algn="ctr"/>
+              <a:r>
+                <a:rPr lang="en-IN" sz="1200" dirty="0">
+                  <a:solidFill>
+                    <a:srgbClr val="FDFCFC"/>
+                  </a:solidFill>
+                </a:rPr>
+                <a:t>About Us   |  Terms of Use |  GMP Standards  | Privacy Policy</a:t>
+              </a:r>
+            </a:p>
+          </p:txBody>
+        </p:sp>
+        <p:grpSp>
+          <p:nvGrpSpPr>
+            <p:cNvPr id="142" name="Group 141">
+              <a:extLst>
+                <a:ext uri="{FF2B5EF4-FFF2-40B4-BE49-F238E27FC236}">
+                  <a16:creationId xmlns:a16="http://schemas.microsoft.com/office/drawing/2014/main" id="{2E1A8060-A7CC-4EEA-BD82-FCF246297467}"/>
+                </a:ext>
+              </a:extLst>
+            </p:cNvPr>
+            <p:cNvGrpSpPr/>
+            <p:nvPr/>
+          </p:nvGrpSpPr>
+          <p:grpSpPr>
+            <a:xfrm>
+              <a:off x="4687676" y="7845424"/>
+              <a:ext cx="6047419" cy="276999"/>
+              <a:chOff x="4658165" y="7894225"/>
+              <a:chExt cx="6022716" cy="261353"/>
+            </a:xfrm>
+          </p:grpSpPr>
+          <p:sp>
+            <p:nvSpPr>
+              <p:cNvPr id="143" name="TextBox 142">
+                <a:extLst>
+                  <a:ext uri="{FF2B5EF4-FFF2-40B4-BE49-F238E27FC236}">
+                    <a16:creationId xmlns:a16="http://schemas.microsoft.com/office/drawing/2014/main" id="{67BB71C7-024A-4F7F-8D80-9C7D64E15BCA}"/>
+                  </a:ext>
+                </a:extLst>
+              </p:cNvPr>
+              <p:cNvSpPr txBox="1"/>
+              <p:nvPr/>
+            </p:nvSpPr>
+            <p:spPr>
+              <a:xfrm>
+                <a:off x="4658165" y="7894225"/>
+                <a:ext cx="6022716" cy="261353"/>
+              </a:xfrm>
+              <a:prstGeom prst="rect">
+                <a:avLst/>
+              </a:prstGeom>
+              <a:noFill/>
+            </p:spPr>
+            <p:txBody>
+              <a:bodyPr wrap="square" rtlCol="0">
+                <a:spAutoFit/>
+              </a:bodyPr>
+              <a:lstStyle/>
+              <a:p>
+                <a:r>
+                  <a:rPr lang="en-IN" sz="1200" dirty="0">
+                    <a:solidFill>
+                      <a:srgbClr val="FDFCFC"/>
+                    </a:solidFill>
+                  </a:rPr>
+                  <a:t>Copyright     2019 </a:t>
+                </a:r>
+                <a:r>
+                  <a:rPr lang="en-IN" sz="1200" dirty="0" err="1">
+                    <a:solidFill>
+                      <a:schemeClr val="bg1"/>
+                    </a:solidFill>
+                  </a:rPr>
+                  <a:t>Shantha</a:t>
+                </a:r>
+                <a:r>
+                  <a:rPr lang="en-IN" sz="1200" dirty="0">
+                    <a:solidFill>
+                      <a:schemeClr val="bg1"/>
+                    </a:solidFill>
+                  </a:rPr>
+                  <a:t> </a:t>
+                </a:r>
+                <a:r>
+                  <a:rPr lang="en-IN" sz="1200" dirty="0" err="1">
+                    <a:solidFill>
+                      <a:schemeClr val="bg1"/>
+                    </a:solidFill>
+                  </a:rPr>
+                  <a:t>Biotechnics</a:t>
+                </a:r>
+                <a:r>
+                  <a:rPr lang="en-IN" sz="1200" dirty="0">
+                    <a:solidFill>
+                      <a:schemeClr val="bg1"/>
+                    </a:solidFill>
+                  </a:rPr>
+                  <a:t> Private Limited </a:t>
+                </a:r>
+                <a:r>
+                  <a:rPr lang="en-IN" sz="1200" dirty="0">
+                    <a:solidFill>
+                      <a:srgbClr val="FDFCFC"/>
+                    </a:solidFill>
+                  </a:rPr>
+                  <a:t>– All Rights Reserved</a:t>
+                </a:r>
+              </a:p>
+            </p:txBody>
+          </p:sp>
+          <p:pic>
+            <p:nvPicPr>
+              <p:cNvPr id="144" name="Picture 143">
+                <a:extLst>
+                  <a:ext uri="{FF2B5EF4-FFF2-40B4-BE49-F238E27FC236}">
+                    <a16:creationId xmlns:a16="http://schemas.microsoft.com/office/drawing/2014/main" id="{6C6CFDD1-51CD-49BE-A226-CE0E41550BE3}"/>
+                  </a:ext>
+                </a:extLst>
+              </p:cNvPr>
+              <p:cNvPicPr>
+                <a:picLocks noChangeAspect="1"/>
+              </p:cNvPicPr>
+              <p:nvPr/>
+            </p:nvPicPr>
+            <p:blipFill>
+              <a:blip r:embed="rId3" cstate="hqprint">
+                <a:biLevel thresh="25000"/>
+                <a:extLst>
+                  <a:ext uri="{28A0092B-C50C-407E-A947-70E740481C1C}">
+                    <a14:useLocalDpi xmlns:a14="http://schemas.microsoft.com/office/drawing/2010/main" val="0"/>
+                  </a:ext>
+                </a:extLst>
+              </a:blip>
+              <a:stretch>
+                <a:fillRect/>
+              </a:stretch>
+            </p:blipFill>
+            <p:spPr>
+              <a:xfrm>
+                <a:off x="5369353" y="7979061"/>
+                <a:ext cx="121410" cy="114495"/>
+              </a:xfrm>
+              <a:prstGeom prst="rect">
+                <a:avLst/>
+              </a:prstGeom>
+            </p:spPr>
+          </p:pic>
+        </p:grpSp>
+      </p:grpSp>
+      <p:grpSp>
+        <p:nvGrpSpPr>
+          <p:cNvPr id="145" name="Group 144">
+            <a:extLst>
+              <a:ext uri="{FF2B5EF4-FFF2-40B4-BE49-F238E27FC236}">
+                <a16:creationId xmlns:a16="http://schemas.microsoft.com/office/drawing/2014/main" id="{15CB3084-30E1-4979-9B45-A5906CB7B5EA}"/>
+              </a:ext>
+            </a:extLst>
+          </p:cNvPr>
+          <p:cNvGrpSpPr/>
+          <p:nvPr/>
+        </p:nvGrpSpPr>
+        <p:grpSpPr>
+          <a:xfrm>
+            <a:off x="11563496" y="599227"/>
+            <a:ext cx="1052889" cy="261162"/>
+            <a:chOff x="11312032" y="490976"/>
+            <a:chExt cx="1052889" cy="261162"/>
+          </a:xfrm>
+        </p:grpSpPr>
+        <p:sp>
+          <p:nvSpPr>
+            <p:cNvPr id="146" name="TextBox 145">
+              <a:extLst>
+                <a:ext uri="{FF2B5EF4-FFF2-40B4-BE49-F238E27FC236}">
+                  <a16:creationId xmlns:a16="http://schemas.microsoft.com/office/drawing/2014/main" id="{8322DBB5-BEB1-42E4-87C8-6111526710AD}"/>
+                </a:ext>
+              </a:extLst>
+            </p:cNvPr>
+            <p:cNvSpPr txBox="1"/>
+            <p:nvPr/>
+          </p:nvSpPr>
+          <p:spPr>
+            <a:xfrm>
+              <a:off x="11505172" y="490976"/>
+              <a:ext cx="859749" cy="261162"/>
+            </a:xfrm>
+            <a:prstGeom prst="rect">
+              <a:avLst/>
+            </a:prstGeom>
+            <a:noFill/>
+          </p:spPr>
+          <p:txBody>
+            <a:bodyPr wrap="square" rtlCol="0">
+              <a:spAutoFit/>
+            </a:bodyPr>
+            <a:lstStyle/>
+            <a:p>
+              <a:r>
+                <a:rPr lang="en-IN" sz="1097" dirty="0"/>
+                <a:t>Logout</a:t>
+              </a:r>
+            </a:p>
+          </p:txBody>
+        </p:sp>
+        <p:pic>
+          <p:nvPicPr>
+            <p:cNvPr id="147" name="Picture 146">
+              <a:extLst>
+                <a:ext uri="{FF2B5EF4-FFF2-40B4-BE49-F238E27FC236}">
+                  <a16:creationId xmlns:a16="http://schemas.microsoft.com/office/drawing/2014/main" id="{72C3AAC1-DF5E-4ECD-81E5-E3B074FCAB4C}"/>
+                </a:ext>
+              </a:extLst>
+            </p:cNvPr>
+            <p:cNvPicPr>
+              <a:picLocks noChangeAspect="1"/>
+            </p:cNvPicPr>
+            <p:nvPr/>
+          </p:nvPicPr>
+          <p:blipFill>
+            <a:blip r:embed="rId4" cstate="hqprint">
+              <a:extLst>
+                <a:ext uri="{28A0092B-C50C-407E-A947-70E740481C1C}">
+                  <a14:useLocalDpi xmlns:a14="http://schemas.microsoft.com/office/drawing/2010/main" val="0"/>
+                </a:ext>
+              </a:extLst>
+            </a:blip>
+            <a:stretch>
+              <a:fillRect/>
+            </a:stretch>
+          </p:blipFill>
+          <p:spPr>
+            <a:xfrm>
+              <a:off x="11312032" y="518584"/>
+              <a:ext cx="193140" cy="193140"/>
+            </a:xfrm>
+            <a:prstGeom prst="rect">
+              <a:avLst/>
+            </a:prstGeom>
+          </p:spPr>
+        </p:pic>
+      </p:grpSp>
       <p:sp>
         <p:nvSpPr>
           <p:cNvPr id="68" name="Rectangle 67">
@@ -9566,7 +11923,7 @@
 </p:sld>
 </file>
 
-<file path=ppt/slides/slide11.xml><?xml version="1.0" encoding="utf-8"?>
+<file path=ppt/slides/slide12.xml><?xml version="1.0" encoding="utf-8"?>
 <p:sld xmlns:a="http://schemas.openxmlformats.org/drawingml/2006/main" xmlns:r="http://schemas.openxmlformats.org/officeDocument/2006/relationships" xmlns:p="http://schemas.openxmlformats.org/presentationml/2006/main">
   <p:cSld>
     <p:spTree>
@@ -10764,7 +13121,7 @@
 </p:sld>
 </file>
 
-<file path=ppt/slides/slide12.xml><?xml version="1.0" encoding="utf-8"?>
+<file path=ppt/slides/slide13.xml><?xml version="1.0" encoding="utf-8"?>
 <p:sld xmlns:a="http://schemas.openxmlformats.org/drawingml/2006/main" xmlns:r="http://schemas.openxmlformats.org/officeDocument/2006/relationships" xmlns:p="http://schemas.openxmlformats.org/presentationml/2006/main">
   <p:cSld>
     <p:spTree>
@@ -13104,7 +15461,7 @@
 </p:sld>
 </file>
 
-<file path=ppt/slides/slide13.xml><?xml version="1.0" encoding="utf-8"?>
+<file path=ppt/slides/slide14.xml><?xml version="1.0" encoding="utf-8"?>
 <p:sld xmlns:a="http://schemas.openxmlformats.org/drawingml/2006/main" xmlns:r="http://schemas.openxmlformats.org/officeDocument/2006/relationships" xmlns:p="http://schemas.openxmlformats.org/presentationml/2006/main">
   <p:cSld>
     <p:spTree>
@@ -15537,7 +17894,7 @@
 </p:sld>
 </file>
 
-<file path=ppt/slides/slide14.xml><?xml version="1.0" encoding="utf-8"?>
+<file path=ppt/slides/slide15.xml><?xml version="1.0" encoding="utf-8"?>
 <p:sld xmlns:a="http://schemas.openxmlformats.org/drawingml/2006/main" xmlns:r="http://schemas.openxmlformats.org/officeDocument/2006/relationships" xmlns:p="http://schemas.openxmlformats.org/presentationml/2006/main">
   <p:cSld>
     <p:spTree>
@@ -17369,7 +19726,7 @@
 </p:sld>
 </file>
 
-<file path=ppt/slides/slide15.xml><?xml version="1.0" encoding="utf-8"?>
+<file path=ppt/slides/slide16.xml><?xml version="1.0" encoding="utf-8"?>
 <p:sld xmlns:a="http://schemas.openxmlformats.org/drawingml/2006/main" xmlns:r="http://schemas.openxmlformats.org/officeDocument/2006/relationships" xmlns:p="http://schemas.openxmlformats.org/presentationml/2006/main">
   <p:cSld>
     <p:spTree>
@@ -19499,7 +21856,7 @@
 </p:sld>
 </file>
 
-<file path=ppt/slides/slide16.xml><?xml version="1.0" encoding="utf-8"?>
+<file path=ppt/slides/slide17.xml><?xml version="1.0" encoding="utf-8"?>
 <p:sld xmlns:a="http://schemas.openxmlformats.org/drawingml/2006/main" xmlns:r="http://schemas.openxmlformats.org/officeDocument/2006/relationships" xmlns:p="http://schemas.openxmlformats.org/presentationml/2006/main">
   <p:cSld>
     <p:spTree>
@@ -28490,6 +30847,1260 @@
           </p:pic>
         </p:grpSp>
       </p:grpSp>
+      <p:sp>
+        <p:nvSpPr>
+          <p:cNvPr id="38" name="Rectangle 37">
+            <a:extLst>
+              <a:ext uri="{FF2B5EF4-FFF2-40B4-BE49-F238E27FC236}">
+                <a16:creationId xmlns:a16="http://schemas.microsoft.com/office/drawing/2014/main" id="{30028716-C2BF-5A46-ADDC-B7D95A809ECA}"/>
+              </a:ext>
+            </a:extLst>
+          </p:cNvPr>
+          <p:cNvSpPr/>
+          <p:nvPr/>
+        </p:nvSpPr>
+        <p:spPr>
+          <a:xfrm>
+            <a:off x="2638708" y="1043010"/>
+            <a:ext cx="10141357" cy="6224849"/>
+          </a:xfrm>
+          <a:prstGeom prst="rect">
+            <a:avLst/>
+          </a:prstGeom>
+          <a:solidFill>
+            <a:srgbClr val="FBFBFB"/>
+          </a:solidFill>
+          <a:ln>
+            <a:noFill/>
+          </a:ln>
+        </p:spPr>
+        <p:style>
+          <a:lnRef idx="2">
+            <a:schemeClr val="accent1">
+              <a:shade val="50000"/>
+            </a:schemeClr>
+          </a:lnRef>
+          <a:fillRef idx="1">
+            <a:schemeClr val="accent1"/>
+          </a:fillRef>
+          <a:effectRef idx="0">
+            <a:schemeClr val="accent1"/>
+          </a:effectRef>
+          <a:fontRef idx="minor">
+            <a:schemeClr val="lt1"/>
+          </a:fontRef>
+        </p:style>
+        <p:txBody>
+          <a:bodyPr rtlCol="0" anchor="ctr"/>
+          <a:lstStyle/>
+          <a:p>
+            <a:pPr algn="ctr"/>
+            <a:endParaRPr lang="en-IN" sz="1646" dirty="0"/>
+          </a:p>
+        </p:txBody>
+      </p:sp>
+      <p:sp>
+        <p:nvSpPr>
+          <p:cNvPr id="39" name="TextBox 38">
+            <a:extLst>
+              <a:ext uri="{FF2B5EF4-FFF2-40B4-BE49-F238E27FC236}">
+                <a16:creationId xmlns:a16="http://schemas.microsoft.com/office/drawing/2014/main" id="{BC70D7A2-3E35-CA4B-AE30-78E358032325}"/>
+              </a:ext>
+            </a:extLst>
+          </p:cNvPr>
+          <p:cNvSpPr txBox="1"/>
+          <p:nvPr/>
+        </p:nvSpPr>
+        <p:spPr>
+          <a:xfrm>
+            <a:off x="2975207" y="1322878"/>
+            <a:ext cx="8014191" cy="430887"/>
+          </a:xfrm>
+          <a:prstGeom prst="rect">
+            <a:avLst/>
+          </a:prstGeom>
+          <a:noFill/>
+        </p:spPr>
+        <p:txBody>
+          <a:bodyPr wrap="square" rtlCol="0">
+            <a:spAutoFit/>
+          </a:bodyPr>
+          <a:lstStyle/>
+          <a:p>
+            <a:pPr algn="ctr"/>
+            <a:r>
+              <a:rPr lang="en-IN" sz="2200" b="1" dirty="0">
+                <a:solidFill>
+                  <a:schemeClr val="bg2">
+                    <a:lumMod val="50000"/>
+                  </a:schemeClr>
+                </a:solidFill>
+              </a:rPr>
+              <a:t>Course Work Progress for Trainee</a:t>
+            </a:r>
+          </a:p>
+        </p:txBody>
+      </p:sp>
+      <p:sp>
+        <p:nvSpPr>
+          <p:cNvPr id="40" name="Rectangle 39">
+            <a:extLst>
+              <a:ext uri="{FF2B5EF4-FFF2-40B4-BE49-F238E27FC236}">
+                <a16:creationId xmlns:a16="http://schemas.microsoft.com/office/drawing/2014/main" id="{5CCF21A6-3573-F543-95AF-2A9029C46D51}"/>
+              </a:ext>
+            </a:extLst>
+          </p:cNvPr>
+          <p:cNvSpPr/>
+          <p:nvPr/>
+        </p:nvSpPr>
+        <p:spPr>
+          <a:xfrm>
+            <a:off x="7566374" y="1908453"/>
+            <a:ext cx="5077303" cy="4883910"/>
+          </a:xfrm>
+          <a:prstGeom prst="rect">
+            <a:avLst/>
+          </a:prstGeom>
+          <a:solidFill>
+            <a:schemeClr val="bg1"/>
+          </a:solidFill>
+          <a:ln>
+            <a:noFill/>
+          </a:ln>
+        </p:spPr>
+        <p:style>
+          <a:lnRef idx="2">
+            <a:schemeClr val="accent1">
+              <a:shade val="50000"/>
+            </a:schemeClr>
+          </a:lnRef>
+          <a:fillRef idx="1">
+            <a:schemeClr val="accent1"/>
+          </a:fillRef>
+          <a:effectRef idx="0">
+            <a:schemeClr val="accent1"/>
+          </a:effectRef>
+          <a:fontRef idx="minor">
+            <a:schemeClr val="lt1"/>
+          </a:fontRef>
+        </p:style>
+        <p:txBody>
+          <a:bodyPr rtlCol="0" anchor="ctr"/>
+          <a:lstStyle/>
+          <a:p>
+            <a:pPr algn="ctr"/>
+            <a:r>
+              <a:rPr lang="en-IN" sz="1646" dirty="0"/>
+              <a:t>E</a:t>
+            </a:r>
+          </a:p>
+        </p:txBody>
+      </p:sp>
+      <p:sp>
+        <p:nvSpPr>
+          <p:cNvPr id="41" name="Rectangle 40">
+            <a:extLst>
+              <a:ext uri="{FF2B5EF4-FFF2-40B4-BE49-F238E27FC236}">
+                <a16:creationId xmlns:a16="http://schemas.microsoft.com/office/drawing/2014/main" id="{5CCF21A6-3573-F543-95AF-2A9029C46D51}"/>
+              </a:ext>
+            </a:extLst>
+          </p:cNvPr>
+          <p:cNvSpPr/>
+          <p:nvPr/>
+        </p:nvSpPr>
+        <p:spPr>
+          <a:xfrm>
+            <a:off x="2734637" y="1877578"/>
+            <a:ext cx="4646078" cy="4930921"/>
+          </a:xfrm>
+          <a:prstGeom prst="rect">
+            <a:avLst/>
+          </a:prstGeom>
+          <a:solidFill>
+            <a:schemeClr val="bg1"/>
+          </a:solidFill>
+          <a:ln>
+            <a:noFill/>
+          </a:ln>
+        </p:spPr>
+        <p:style>
+          <a:lnRef idx="2">
+            <a:schemeClr val="accent1">
+              <a:shade val="50000"/>
+            </a:schemeClr>
+          </a:lnRef>
+          <a:fillRef idx="1">
+            <a:schemeClr val="accent1"/>
+          </a:fillRef>
+          <a:effectRef idx="0">
+            <a:schemeClr val="accent1"/>
+          </a:effectRef>
+          <a:fontRef idx="minor">
+            <a:schemeClr val="lt1"/>
+          </a:fontRef>
+        </p:style>
+        <p:txBody>
+          <a:bodyPr rtlCol="0" anchor="ctr"/>
+          <a:lstStyle/>
+          <a:p>
+            <a:pPr algn="ctr"/>
+            <a:r>
+              <a:rPr lang="en-IN" sz="1646" dirty="0"/>
+              <a:t>E</a:t>
+            </a:r>
+          </a:p>
+        </p:txBody>
+      </p:sp>
+      <p:sp>
+        <p:nvSpPr>
+          <p:cNvPr id="43" name="Rectangle: Rounded Corners 55">
+            <a:extLst>
+              <a:ext uri="{FF2B5EF4-FFF2-40B4-BE49-F238E27FC236}">
+                <a16:creationId xmlns:a16="http://schemas.microsoft.com/office/drawing/2014/main" id="{1A549288-70C2-FA4A-B20B-0E47D8136C14}"/>
+              </a:ext>
+            </a:extLst>
+          </p:cNvPr>
+          <p:cNvSpPr/>
+          <p:nvPr/>
+        </p:nvSpPr>
+        <p:spPr>
+          <a:xfrm>
+            <a:off x="3147358" y="2442626"/>
+            <a:ext cx="3068078" cy="422168"/>
+          </a:xfrm>
+          <a:prstGeom prst="roundRect">
+            <a:avLst/>
+          </a:prstGeom>
+          <a:solidFill>
+            <a:schemeClr val="bg1"/>
+          </a:solidFill>
+          <a:ln>
+            <a:solidFill>
+              <a:schemeClr val="bg2">
+                <a:lumMod val="50000"/>
+              </a:schemeClr>
+            </a:solidFill>
+          </a:ln>
+        </p:spPr>
+        <p:style>
+          <a:lnRef idx="2">
+            <a:schemeClr val="accent1">
+              <a:shade val="50000"/>
+            </a:schemeClr>
+          </a:lnRef>
+          <a:fillRef idx="1">
+            <a:schemeClr val="accent1"/>
+          </a:fillRef>
+          <a:effectRef idx="0">
+            <a:schemeClr val="accent1"/>
+          </a:effectRef>
+          <a:fontRef idx="minor">
+            <a:schemeClr val="lt1"/>
+          </a:fontRef>
+        </p:style>
+        <p:txBody>
+          <a:bodyPr rtlCol="0" anchor="ctr"/>
+          <a:lstStyle/>
+          <a:p>
+            <a:r>
+              <a:rPr lang="en-IN" sz="1646" dirty="0">
+                <a:solidFill>
+                  <a:schemeClr val="bg2">
+                    <a:lumMod val="50000"/>
+                  </a:schemeClr>
+                </a:solidFill>
+              </a:rPr>
+              <a:t>FAC00012</a:t>
+            </a:r>
+          </a:p>
+        </p:txBody>
+      </p:sp>
+      <p:sp>
+        <p:nvSpPr>
+          <p:cNvPr id="45" name="TextBox 44">
+            <a:extLst>
+              <a:ext uri="{FF2B5EF4-FFF2-40B4-BE49-F238E27FC236}">
+                <a16:creationId xmlns:a16="http://schemas.microsoft.com/office/drawing/2014/main" id="{550105AF-B118-154C-AF9F-5CD4F3909DD9}"/>
+              </a:ext>
+            </a:extLst>
+          </p:cNvPr>
+          <p:cNvSpPr txBox="1"/>
+          <p:nvPr/>
+        </p:nvSpPr>
+        <p:spPr>
+          <a:xfrm>
+            <a:off x="3050376" y="2043490"/>
+            <a:ext cx="1362040" cy="369332"/>
+          </a:xfrm>
+          <a:prstGeom prst="rect">
+            <a:avLst/>
+          </a:prstGeom>
+          <a:noFill/>
+        </p:spPr>
+        <p:txBody>
+          <a:bodyPr wrap="none" rtlCol="0">
+            <a:spAutoFit/>
+          </a:bodyPr>
+          <a:lstStyle/>
+          <a:p>
+            <a:r>
+              <a:rPr lang="en-US" dirty="0"/>
+              <a:t>Employee ID</a:t>
+            </a:r>
+          </a:p>
+        </p:txBody>
+      </p:sp>
+      <p:sp>
+        <p:nvSpPr>
+          <p:cNvPr id="46" name="Rectangle 45">
+            <a:extLst>
+              <a:ext uri="{FF2B5EF4-FFF2-40B4-BE49-F238E27FC236}">
+                <a16:creationId xmlns:a16="http://schemas.microsoft.com/office/drawing/2014/main" id="{5CCF21A6-3573-F543-95AF-2A9029C46D51}"/>
+              </a:ext>
+            </a:extLst>
+          </p:cNvPr>
+          <p:cNvSpPr/>
+          <p:nvPr/>
+        </p:nvSpPr>
+        <p:spPr>
+          <a:xfrm>
+            <a:off x="1287524" y="8636568"/>
+            <a:ext cx="4107978" cy="694077"/>
+          </a:xfrm>
+          <a:prstGeom prst="rect">
+            <a:avLst/>
+          </a:prstGeom>
+          <a:solidFill>
+            <a:schemeClr val="bg1"/>
+          </a:solidFill>
+          <a:ln>
+            <a:noFill/>
+          </a:ln>
+        </p:spPr>
+        <p:style>
+          <a:lnRef idx="2">
+            <a:schemeClr val="accent1">
+              <a:shade val="50000"/>
+            </a:schemeClr>
+          </a:lnRef>
+          <a:fillRef idx="1">
+            <a:schemeClr val="accent1"/>
+          </a:fillRef>
+          <a:effectRef idx="0">
+            <a:schemeClr val="accent1"/>
+          </a:effectRef>
+          <a:fontRef idx="minor">
+            <a:schemeClr val="lt1"/>
+          </a:fontRef>
+        </p:style>
+        <p:txBody>
+          <a:bodyPr rtlCol="0" anchor="ctr"/>
+          <a:lstStyle/>
+          <a:p>
+            <a:pPr algn="ctr"/>
+            <a:r>
+              <a:rPr lang="en-IN" sz="1646" dirty="0"/>
+              <a:t>E</a:t>
+            </a:r>
+          </a:p>
+        </p:txBody>
+      </p:sp>
+      <p:sp>
+        <p:nvSpPr>
+          <p:cNvPr id="49" name="TextBox 48">
+            <a:extLst>
+              <a:ext uri="{FF2B5EF4-FFF2-40B4-BE49-F238E27FC236}">
+                <a16:creationId xmlns:a16="http://schemas.microsoft.com/office/drawing/2014/main" id="{550105AF-B118-154C-AF9F-5CD4F3909DD9}"/>
+              </a:ext>
+            </a:extLst>
+          </p:cNvPr>
+          <p:cNvSpPr txBox="1"/>
+          <p:nvPr/>
+        </p:nvSpPr>
+        <p:spPr>
+          <a:xfrm>
+            <a:off x="3071823" y="3078603"/>
+            <a:ext cx="1086388" cy="369332"/>
+          </a:xfrm>
+          <a:prstGeom prst="rect">
+            <a:avLst/>
+          </a:prstGeom>
+          <a:noFill/>
+        </p:spPr>
+        <p:txBody>
+          <a:bodyPr wrap="none" rtlCol="0">
+            <a:spAutoFit/>
+          </a:bodyPr>
+          <a:lstStyle/>
+          <a:p>
+            <a:pPr algn="ctr"/>
+            <a:r>
+              <a:rPr lang="en-US" dirty="0"/>
+              <a:t>Course ID</a:t>
+            </a:r>
+          </a:p>
+        </p:txBody>
+      </p:sp>
+      <p:sp>
+        <p:nvSpPr>
+          <p:cNvPr id="50" name="Rectangle 49">
+            <a:extLst>
+              <a:ext uri="{FF2B5EF4-FFF2-40B4-BE49-F238E27FC236}">
+                <a16:creationId xmlns:a16="http://schemas.microsoft.com/office/drawing/2014/main" id="{5CCF21A6-3573-F543-95AF-2A9029C46D51}"/>
+              </a:ext>
+            </a:extLst>
+          </p:cNvPr>
+          <p:cNvSpPr/>
+          <p:nvPr/>
+        </p:nvSpPr>
+        <p:spPr>
+          <a:xfrm flipH="1">
+            <a:off x="14922153" y="7661242"/>
+            <a:ext cx="3813581" cy="3338805"/>
+          </a:xfrm>
+          <a:prstGeom prst="rect">
+            <a:avLst/>
+          </a:prstGeom>
+          <a:solidFill>
+            <a:schemeClr val="bg1"/>
+          </a:solidFill>
+          <a:ln>
+            <a:noFill/>
+          </a:ln>
+        </p:spPr>
+        <p:style>
+          <a:lnRef idx="2">
+            <a:schemeClr val="accent1">
+              <a:shade val="50000"/>
+            </a:schemeClr>
+          </a:lnRef>
+          <a:fillRef idx="1">
+            <a:schemeClr val="accent1"/>
+          </a:fillRef>
+          <a:effectRef idx="0">
+            <a:schemeClr val="accent1"/>
+          </a:effectRef>
+          <a:fontRef idx="minor">
+            <a:schemeClr val="lt1"/>
+          </a:fontRef>
+        </p:style>
+        <p:txBody>
+          <a:bodyPr rtlCol="0" anchor="ctr"/>
+          <a:lstStyle/>
+          <a:p>
+            <a:pPr algn="ctr"/>
+            <a:r>
+              <a:rPr lang="en-IN" sz="1646" dirty="0"/>
+              <a:t>E</a:t>
+            </a:r>
+          </a:p>
+        </p:txBody>
+      </p:sp>
+      <p:sp>
+        <p:nvSpPr>
+          <p:cNvPr id="58" name="Rectangle: Rounded Corners 65">
+            <a:extLst>
+              <a:ext uri="{FF2B5EF4-FFF2-40B4-BE49-F238E27FC236}">
+                <a16:creationId xmlns:a16="http://schemas.microsoft.com/office/drawing/2014/main" id="{05EAECDE-3B6D-E24E-8243-B8611089B202}"/>
+              </a:ext>
+            </a:extLst>
+          </p:cNvPr>
+          <p:cNvSpPr/>
+          <p:nvPr/>
+        </p:nvSpPr>
+        <p:spPr>
+          <a:xfrm>
+            <a:off x="4058237" y="4314908"/>
+            <a:ext cx="1998878" cy="419621"/>
+          </a:xfrm>
+          <a:prstGeom prst="roundRect">
+            <a:avLst/>
+          </a:prstGeom>
+          <a:solidFill>
+            <a:srgbClr val="00B0F0"/>
+          </a:solidFill>
+          <a:ln>
+            <a:solidFill>
+              <a:schemeClr val="accent1">
+                <a:lumMod val="60000"/>
+                <a:lumOff val="40000"/>
+              </a:schemeClr>
+            </a:solidFill>
+          </a:ln>
+        </p:spPr>
+        <p:style>
+          <a:lnRef idx="2">
+            <a:schemeClr val="accent1">
+              <a:shade val="50000"/>
+            </a:schemeClr>
+          </a:lnRef>
+          <a:fillRef idx="1">
+            <a:schemeClr val="accent1"/>
+          </a:fillRef>
+          <a:effectRef idx="0">
+            <a:schemeClr val="accent1"/>
+          </a:effectRef>
+          <a:fontRef idx="minor">
+            <a:schemeClr val="lt1"/>
+          </a:fontRef>
+        </p:style>
+        <p:txBody>
+          <a:bodyPr rtlCol="0" anchor="ctr"/>
+          <a:lstStyle/>
+          <a:p>
+            <a:pPr algn="ctr"/>
+            <a:r>
+              <a:rPr lang="en-IN" sz="1646" dirty="0"/>
+              <a:t>Submit</a:t>
+            </a:r>
+          </a:p>
+        </p:txBody>
+      </p:sp>
+      <p:pic>
+        <p:nvPicPr>
+          <p:cNvPr id="2" name="Picture 1">
+            <a:extLst>
+              <a:ext uri="{FF2B5EF4-FFF2-40B4-BE49-F238E27FC236}">
+                <a16:creationId xmlns:a16="http://schemas.microsoft.com/office/drawing/2014/main" id="{E57197FE-0A00-EE4A-ACB2-C45D7249D977}"/>
+              </a:ext>
+            </a:extLst>
+          </p:cNvPr>
+          <p:cNvPicPr>
+            <a:picLocks noChangeAspect="1"/>
+          </p:cNvPicPr>
+          <p:nvPr/>
+        </p:nvPicPr>
+        <p:blipFill>
+          <a:blip r:embed="rId4"/>
+          <a:stretch>
+            <a:fillRect/>
+          </a:stretch>
+        </p:blipFill>
+        <p:spPr>
+          <a:xfrm>
+            <a:off x="3177619" y="3449912"/>
+            <a:ext cx="1466059" cy="565572"/>
+          </a:xfrm>
+          <a:prstGeom prst="rect">
+            <a:avLst/>
+          </a:prstGeom>
+        </p:spPr>
+      </p:pic>
+      <p:sp>
+        <p:nvSpPr>
+          <p:cNvPr id="92" name="Rectangle 91">
+            <a:extLst>
+              <a:ext uri="{FF2B5EF4-FFF2-40B4-BE49-F238E27FC236}">
+                <a16:creationId xmlns:a16="http://schemas.microsoft.com/office/drawing/2014/main" id="{DD560AA0-E195-594D-982C-96E4F9E330FC}"/>
+              </a:ext>
+            </a:extLst>
+          </p:cNvPr>
+          <p:cNvSpPr/>
+          <p:nvPr/>
+        </p:nvSpPr>
+        <p:spPr>
+          <a:xfrm>
+            <a:off x="-2839" y="1026094"/>
+            <a:ext cx="2383085" cy="5901493"/>
+          </a:xfrm>
+          <a:prstGeom prst="rect">
+            <a:avLst/>
+          </a:prstGeom>
+          <a:solidFill>
+            <a:srgbClr val="0090AF"/>
+          </a:solidFill>
+          <a:ln>
+            <a:solidFill>
+              <a:srgbClr val="0090AF"/>
+            </a:solidFill>
+          </a:ln>
+        </p:spPr>
+        <p:style>
+          <a:lnRef idx="2">
+            <a:schemeClr val="accent1">
+              <a:shade val="50000"/>
+            </a:schemeClr>
+          </a:lnRef>
+          <a:fillRef idx="1">
+            <a:schemeClr val="accent1"/>
+          </a:fillRef>
+          <a:effectRef idx="0">
+            <a:schemeClr val="accent1"/>
+          </a:effectRef>
+          <a:fontRef idx="minor">
+            <a:schemeClr val="lt1"/>
+          </a:fontRef>
+        </p:style>
+        <p:txBody>
+          <a:bodyPr rot="0" spcFirstLastPara="0" vertOverflow="overflow" horzOverflow="overflow" vert="horz" wrap="square" lIns="83617" tIns="41809" rIns="83617" bIns="41809" numCol="1" spcCol="0" rtlCol="0" fromWordArt="0" anchor="ctr" anchorCtr="0" forceAA="0" compatLnSpc="1">
+            <a:prstTxWarp prst="textNoShape">
+              <a:avLst/>
+            </a:prstTxWarp>
+            <a:noAutofit/>
+          </a:bodyPr>
+          <a:lstStyle/>
+          <a:p>
+            <a:endParaRPr lang="en-IN" dirty="0">
+              <a:solidFill>
+                <a:schemeClr val="bg1"/>
+              </a:solidFill>
+            </a:endParaRPr>
+          </a:p>
+        </p:txBody>
+      </p:sp>
+      <p:grpSp>
+        <p:nvGrpSpPr>
+          <p:cNvPr id="95" name="Group 94">
+            <a:extLst>
+              <a:ext uri="{FF2B5EF4-FFF2-40B4-BE49-F238E27FC236}">
+                <a16:creationId xmlns:a16="http://schemas.microsoft.com/office/drawing/2014/main" id="{AE353BE8-EFB7-CF45-8ACC-586B39DBBA62}"/>
+              </a:ext>
+            </a:extLst>
+          </p:cNvPr>
+          <p:cNvGrpSpPr/>
+          <p:nvPr/>
+        </p:nvGrpSpPr>
+        <p:grpSpPr>
+          <a:xfrm>
+            <a:off x="111459" y="2993388"/>
+            <a:ext cx="2152334" cy="358614"/>
+            <a:chOff x="212185" y="3399571"/>
+            <a:chExt cx="2353700" cy="392165"/>
+          </a:xfrm>
+        </p:grpSpPr>
+        <p:pic>
+          <p:nvPicPr>
+            <p:cNvPr id="99" name="Picture 98">
+              <a:extLst>
+                <a:ext uri="{FF2B5EF4-FFF2-40B4-BE49-F238E27FC236}">
+                  <a16:creationId xmlns:a16="http://schemas.microsoft.com/office/drawing/2014/main" id="{12C29CC4-848D-A54B-9010-03900359FCC8}"/>
+                </a:ext>
+              </a:extLst>
+            </p:cNvPr>
+            <p:cNvPicPr>
+              <a:picLocks noChangeAspect="1"/>
+            </p:cNvPicPr>
+            <p:nvPr/>
+          </p:nvPicPr>
+          <p:blipFill>
+            <a:blip r:embed="rId5" cstate="hqprint">
+              <a:lum bright="70000" contrast="-70000"/>
+              <a:extLst>
+                <a:ext uri="{28A0092B-C50C-407E-A947-70E740481C1C}">
+                  <a14:useLocalDpi xmlns:a14="http://schemas.microsoft.com/office/drawing/2010/main" val="0"/>
+                </a:ext>
+              </a:extLst>
+            </a:blip>
+            <a:stretch>
+              <a:fillRect/>
+            </a:stretch>
+          </p:blipFill>
+          <p:spPr>
+            <a:xfrm>
+              <a:off x="212185" y="3418129"/>
+              <a:ext cx="373607" cy="373607"/>
+            </a:xfrm>
+            <a:prstGeom prst="rect">
+              <a:avLst/>
+            </a:prstGeom>
+          </p:spPr>
+        </p:pic>
+        <p:sp>
+          <p:nvSpPr>
+            <p:cNvPr id="109" name="TextBox 108">
+              <a:extLst>
+                <a:ext uri="{FF2B5EF4-FFF2-40B4-BE49-F238E27FC236}">
+                  <a16:creationId xmlns:a16="http://schemas.microsoft.com/office/drawing/2014/main" id="{A5173297-3B79-864D-9A80-CCC86C48F8C8}"/>
+                </a:ext>
+              </a:extLst>
+            </p:cNvPr>
+            <p:cNvSpPr txBox="1"/>
+            <p:nvPr/>
+          </p:nvSpPr>
+          <p:spPr>
+            <a:xfrm>
+              <a:off x="640609" y="3399571"/>
+              <a:ext cx="1925276" cy="316377"/>
+            </a:xfrm>
+            <a:prstGeom prst="rect">
+              <a:avLst/>
+            </a:prstGeom>
+            <a:noFill/>
+          </p:spPr>
+          <p:txBody>
+            <a:bodyPr wrap="square" rtlCol="0">
+              <a:spAutoFit/>
+            </a:bodyPr>
+            <a:lstStyle/>
+            <a:p>
+              <a:r>
+                <a:rPr lang="en-IN" sz="1280" dirty="0">
+                  <a:solidFill>
+                    <a:schemeClr val="bg1"/>
+                  </a:solidFill>
+                </a:rPr>
+                <a:t>Employee Add/Delete</a:t>
+              </a:r>
+            </a:p>
+          </p:txBody>
+        </p:sp>
+      </p:grpSp>
+      <p:sp>
+        <p:nvSpPr>
+          <p:cNvPr id="110" name="TextBox 109">
+            <a:extLst>
+              <a:ext uri="{FF2B5EF4-FFF2-40B4-BE49-F238E27FC236}">
+                <a16:creationId xmlns:a16="http://schemas.microsoft.com/office/drawing/2014/main" id="{54147893-E113-A144-BA8A-501E7AE614F6}"/>
+              </a:ext>
+            </a:extLst>
+          </p:cNvPr>
+          <p:cNvSpPr txBox="1"/>
+          <p:nvPr/>
+        </p:nvSpPr>
+        <p:spPr>
+          <a:xfrm>
+            <a:off x="551336" y="1498660"/>
+            <a:ext cx="1619697" cy="289310"/>
+          </a:xfrm>
+          <a:prstGeom prst="rect">
+            <a:avLst/>
+          </a:prstGeom>
+          <a:noFill/>
+        </p:spPr>
+        <p:txBody>
+          <a:bodyPr wrap="square" rtlCol="0">
+            <a:spAutoFit/>
+          </a:bodyPr>
+          <a:lstStyle/>
+          <a:p>
+            <a:r>
+              <a:rPr lang="en-IN" sz="1280" dirty="0">
+                <a:solidFill>
+                  <a:schemeClr val="bg1"/>
+                </a:solidFill>
+              </a:rPr>
+              <a:t>Database Upload</a:t>
+            </a:r>
+            <a:endParaRPr lang="en-IN" sz="1646" dirty="0">
+              <a:solidFill>
+                <a:schemeClr val="bg1"/>
+              </a:solidFill>
+            </a:endParaRPr>
+          </a:p>
+        </p:txBody>
+      </p:sp>
+      <p:pic>
+        <p:nvPicPr>
+          <p:cNvPr id="111" name="Picture 110">
+            <a:extLst>
+              <a:ext uri="{FF2B5EF4-FFF2-40B4-BE49-F238E27FC236}">
+                <a16:creationId xmlns:a16="http://schemas.microsoft.com/office/drawing/2014/main" id="{008C3917-9506-A540-869C-6F6F2E01F6CC}"/>
+              </a:ext>
+            </a:extLst>
+          </p:cNvPr>
+          <p:cNvPicPr>
+            <a:picLocks noChangeAspect="1"/>
+          </p:cNvPicPr>
+          <p:nvPr/>
+        </p:nvPicPr>
+        <p:blipFill>
+          <a:blip r:embed="rId6" cstate="hqprint">
+            <a:extLst>
+              <a:ext uri="{28A0092B-C50C-407E-A947-70E740481C1C}">
+                <a14:useLocalDpi xmlns:a14="http://schemas.microsoft.com/office/drawing/2010/main" val="0"/>
+              </a:ext>
+            </a:extLst>
+          </a:blip>
+          <a:stretch>
+            <a:fillRect/>
+          </a:stretch>
+        </p:blipFill>
+        <p:spPr>
+          <a:xfrm>
+            <a:off x="180257" y="1495470"/>
+            <a:ext cx="308813" cy="308813"/>
+          </a:xfrm>
+          <a:prstGeom prst="rect">
+            <a:avLst/>
+          </a:prstGeom>
+        </p:spPr>
+      </p:pic>
+      <p:sp>
+        <p:nvSpPr>
+          <p:cNvPr id="112" name="TextBox 111">
+            <a:extLst>
+              <a:ext uri="{FF2B5EF4-FFF2-40B4-BE49-F238E27FC236}">
+                <a16:creationId xmlns:a16="http://schemas.microsoft.com/office/drawing/2014/main" id="{B04E6C4D-655A-E748-85D5-CFB0C985F386}"/>
+              </a:ext>
+            </a:extLst>
+          </p:cNvPr>
+          <p:cNvSpPr txBox="1"/>
+          <p:nvPr/>
+        </p:nvSpPr>
+        <p:spPr>
+          <a:xfrm>
+            <a:off x="505341" y="2481266"/>
+            <a:ext cx="1760561" cy="289310"/>
+          </a:xfrm>
+          <a:prstGeom prst="rect">
+            <a:avLst/>
+          </a:prstGeom>
+          <a:noFill/>
+        </p:spPr>
+        <p:txBody>
+          <a:bodyPr wrap="square" rtlCol="0">
+            <a:spAutoFit/>
+          </a:bodyPr>
+          <a:lstStyle/>
+          <a:p>
+            <a:r>
+              <a:rPr lang="en-IN" sz="1280" dirty="0">
+                <a:solidFill>
+                  <a:schemeClr val="bg1"/>
+                </a:solidFill>
+              </a:rPr>
+              <a:t>Search Employee</a:t>
+            </a:r>
+          </a:p>
+        </p:txBody>
+      </p:sp>
+      <p:grpSp>
+        <p:nvGrpSpPr>
+          <p:cNvPr id="113" name="Group 112">
+            <a:extLst>
+              <a:ext uri="{FF2B5EF4-FFF2-40B4-BE49-F238E27FC236}">
+                <a16:creationId xmlns:a16="http://schemas.microsoft.com/office/drawing/2014/main" id="{1A0DA233-2694-3D4A-8D8D-CAEEC04298DF}"/>
+              </a:ext>
+            </a:extLst>
+          </p:cNvPr>
+          <p:cNvGrpSpPr/>
+          <p:nvPr/>
+        </p:nvGrpSpPr>
+        <p:grpSpPr>
+          <a:xfrm>
+            <a:off x="147367" y="1961303"/>
+            <a:ext cx="2189543" cy="342369"/>
+            <a:chOff x="198537" y="2990591"/>
+            <a:chExt cx="2130046" cy="342369"/>
+          </a:xfrm>
+        </p:grpSpPr>
+        <p:pic>
+          <p:nvPicPr>
+            <p:cNvPr id="114" name="Picture 113">
+              <a:extLst>
+                <a:ext uri="{FF2B5EF4-FFF2-40B4-BE49-F238E27FC236}">
+                  <a16:creationId xmlns:a16="http://schemas.microsoft.com/office/drawing/2014/main" id="{DF093D20-E03A-F945-9876-6DD95DC843DF}"/>
+                </a:ext>
+              </a:extLst>
+            </p:cNvPr>
+            <p:cNvPicPr>
+              <a:picLocks noChangeAspect="1"/>
+            </p:cNvPicPr>
+            <p:nvPr/>
+          </p:nvPicPr>
+          <p:blipFill>
+            <a:blip r:embed="rId7" cstate="hqprint">
+              <a:lum bright="70000" contrast="-70000"/>
+              <a:extLst>
+                <a:ext uri="{28A0092B-C50C-407E-A947-70E740481C1C}">
+                  <a14:useLocalDpi xmlns:a14="http://schemas.microsoft.com/office/drawing/2010/main" val="0"/>
+                </a:ext>
+              </a:extLst>
+            </a:blip>
+            <a:stretch>
+              <a:fillRect/>
+            </a:stretch>
+          </p:blipFill>
+          <p:spPr>
+            <a:xfrm>
+              <a:off x="198537" y="2990591"/>
+              <a:ext cx="342369" cy="342369"/>
+            </a:xfrm>
+            <a:prstGeom prst="rect">
+              <a:avLst/>
+            </a:prstGeom>
+          </p:spPr>
+        </p:pic>
+        <p:sp>
+          <p:nvSpPr>
+            <p:cNvPr id="115" name="TextBox 114">
+              <a:extLst>
+                <a:ext uri="{FF2B5EF4-FFF2-40B4-BE49-F238E27FC236}">
+                  <a16:creationId xmlns:a16="http://schemas.microsoft.com/office/drawing/2014/main" id="{849285F3-5073-1C4D-A6B1-2950ED7EDA63}"/>
+                </a:ext>
+              </a:extLst>
+            </p:cNvPr>
+            <p:cNvSpPr txBox="1"/>
+            <p:nvPr/>
+          </p:nvSpPr>
+          <p:spPr>
+            <a:xfrm>
+              <a:off x="568022" y="3013183"/>
+              <a:ext cx="1760561" cy="289310"/>
+            </a:xfrm>
+            <a:prstGeom prst="rect">
+              <a:avLst/>
+            </a:prstGeom>
+            <a:noFill/>
+          </p:spPr>
+          <p:txBody>
+            <a:bodyPr wrap="square" rtlCol="0">
+              <a:spAutoFit/>
+            </a:bodyPr>
+            <a:lstStyle/>
+            <a:p>
+              <a:r>
+                <a:rPr lang="en-IN" sz="1280" dirty="0">
+                  <a:solidFill>
+                    <a:schemeClr val="bg1"/>
+                  </a:solidFill>
+                </a:rPr>
+                <a:t>Employee Attendance</a:t>
+              </a:r>
+            </a:p>
+          </p:txBody>
+        </p:sp>
+      </p:grpSp>
+      <p:pic>
+        <p:nvPicPr>
+          <p:cNvPr id="116" name="Picture 115">
+            <a:extLst>
+              <a:ext uri="{FF2B5EF4-FFF2-40B4-BE49-F238E27FC236}">
+                <a16:creationId xmlns:a16="http://schemas.microsoft.com/office/drawing/2014/main" id="{F72C6F95-20D1-6647-ADD7-FA8B0B52EB97}"/>
+              </a:ext>
+            </a:extLst>
+          </p:cNvPr>
+          <p:cNvPicPr>
+            <a:picLocks noChangeAspect="1"/>
+          </p:cNvPicPr>
+          <p:nvPr/>
+        </p:nvPicPr>
+        <p:blipFill>
+          <a:blip r:embed="rId8">
+            <a:extLst>
+              <a:ext uri="{28A0092B-C50C-407E-A947-70E740481C1C}">
+                <a14:useLocalDpi xmlns:a14="http://schemas.microsoft.com/office/drawing/2010/main" val="0"/>
+              </a:ext>
+            </a:extLst>
+          </a:blip>
+          <a:stretch>
+            <a:fillRect/>
+          </a:stretch>
+        </p:blipFill>
+        <p:spPr>
+          <a:xfrm>
+            <a:off x="178281" y="2482543"/>
+            <a:ext cx="325148" cy="325148"/>
+          </a:xfrm>
+          <a:prstGeom prst="rect">
+            <a:avLst/>
+          </a:prstGeom>
+        </p:spPr>
+      </p:pic>
+      <p:sp>
+        <p:nvSpPr>
+          <p:cNvPr id="117" name="TextBox 116">
+            <a:extLst>
+              <a:ext uri="{FF2B5EF4-FFF2-40B4-BE49-F238E27FC236}">
+                <a16:creationId xmlns:a16="http://schemas.microsoft.com/office/drawing/2014/main" id="{F51131E5-9B83-6043-881F-71CD1F0D1067}"/>
+              </a:ext>
+            </a:extLst>
+          </p:cNvPr>
+          <p:cNvSpPr txBox="1"/>
+          <p:nvPr/>
+        </p:nvSpPr>
+        <p:spPr>
+          <a:xfrm>
+            <a:off x="536142" y="3488633"/>
+            <a:ext cx="1809736" cy="289310"/>
+          </a:xfrm>
+          <a:prstGeom prst="rect">
+            <a:avLst/>
+          </a:prstGeom>
+          <a:noFill/>
+        </p:spPr>
+        <p:txBody>
+          <a:bodyPr wrap="square" rtlCol="0">
+            <a:spAutoFit/>
+          </a:bodyPr>
+          <a:lstStyle/>
+          <a:p>
+            <a:r>
+              <a:rPr lang="en-IN" sz="1280" dirty="0">
+                <a:solidFill>
+                  <a:schemeClr val="bg1"/>
+                </a:solidFill>
+              </a:rPr>
+              <a:t>Test Results</a:t>
+            </a:r>
+          </a:p>
+        </p:txBody>
+      </p:sp>
+      <p:grpSp>
+        <p:nvGrpSpPr>
+          <p:cNvPr id="119" name="Group 118">
+            <a:extLst>
+              <a:ext uri="{FF2B5EF4-FFF2-40B4-BE49-F238E27FC236}">
+                <a16:creationId xmlns:a16="http://schemas.microsoft.com/office/drawing/2014/main" id="{73C7C920-B5BC-6740-8804-5CC37B9E47BD}"/>
+              </a:ext>
+            </a:extLst>
+          </p:cNvPr>
+          <p:cNvGrpSpPr/>
+          <p:nvPr/>
+        </p:nvGrpSpPr>
+        <p:grpSpPr>
+          <a:xfrm>
+            <a:off x="133864" y="4025598"/>
+            <a:ext cx="2215537" cy="354244"/>
+            <a:chOff x="172518" y="2990591"/>
+            <a:chExt cx="2155334" cy="354244"/>
+          </a:xfrm>
+        </p:grpSpPr>
+        <p:pic>
+          <p:nvPicPr>
+            <p:cNvPr id="120" name="Picture 119">
+              <a:extLst>
+                <a:ext uri="{FF2B5EF4-FFF2-40B4-BE49-F238E27FC236}">
+                  <a16:creationId xmlns:a16="http://schemas.microsoft.com/office/drawing/2014/main" id="{C5B058C9-4174-9540-92D8-9072ABF6FF0D}"/>
+                </a:ext>
+              </a:extLst>
+            </p:cNvPr>
+            <p:cNvPicPr>
+              <a:picLocks noChangeAspect="1"/>
+            </p:cNvPicPr>
+            <p:nvPr/>
+          </p:nvPicPr>
+          <p:blipFill>
+            <a:blip r:embed="rId7" cstate="hqprint">
+              <a:lum bright="70000" contrast="-70000"/>
+              <a:extLst>
+                <a:ext uri="{28A0092B-C50C-407E-A947-70E740481C1C}">
+                  <a14:useLocalDpi xmlns:a14="http://schemas.microsoft.com/office/drawing/2010/main" val="0"/>
+                </a:ext>
+              </a:extLst>
+            </a:blip>
+            <a:stretch>
+              <a:fillRect/>
+            </a:stretch>
+          </p:blipFill>
+          <p:spPr>
+            <a:xfrm>
+              <a:off x="172518" y="3002466"/>
+              <a:ext cx="342369" cy="342369"/>
+            </a:xfrm>
+            <a:prstGeom prst="rect">
+              <a:avLst/>
+            </a:prstGeom>
+          </p:spPr>
+        </p:pic>
+        <p:sp>
+          <p:nvSpPr>
+            <p:cNvPr id="121" name="TextBox 120">
+              <a:extLst>
+                <a:ext uri="{FF2B5EF4-FFF2-40B4-BE49-F238E27FC236}">
+                  <a16:creationId xmlns:a16="http://schemas.microsoft.com/office/drawing/2014/main" id="{51AD8314-DF23-2F4D-AC95-5E78648F73C1}"/>
+                </a:ext>
+              </a:extLst>
+            </p:cNvPr>
+            <p:cNvSpPr txBox="1"/>
+            <p:nvPr/>
+          </p:nvSpPr>
+          <p:spPr>
+            <a:xfrm>
+              <a:off x="567291" y="2990591"/>
+              <a:ext cx="1760561" cy="289310"/>
+            </a:xfrm>
+            <a:prstGeom prst="rect">
+              <a:avLst/>
+            </a:prstGeom>
+            <a:noFill/>
+          </p:spPr>
+          <p:txBody>
+            <a:bodyPr wrap="square" rtlCol="0">
+              <a:spAutoFit/>
+            </a:bodyPr>
+            <a:lstStyle/>
+            <a:p>
+              <a:r>
+                <a:rPr lang="en-IN" sz="1280" dirty="0">
+                  <a:solidFill>
+                    <a:schemeClr val="bg1"/>
+                  </a:solidFill>
+                </a:rPr>
+                <a:t>Report Generation</a:t>
+              </a:r>
+            </a:p>
+          </p:txBody>
+        </p:sp>
+      </p:grpSp>
+      <p:sp>
+        <p:nvSpPr>
+          <p:cNvPr id="122" name="TextBox 121">
+            <a:extLst>
+              <a:ext uri="{FF2B5EF4-FFF2-40B4-BE49-F238E27FC236}">
+                <a16:creationId xmlns:a16="http://schemas.microsoft.com/office/drawing/2014/main" id="{B1DCDEA3-4939-4B4C-B97B-ED867BB266C6}"/>
+              </a:ext>
+            </a:extLst>
+          </p:cNvPr>
+          <p:cNvSpPr txBox="1"/>
+          <p:nvPr/>
+        </p:nvSpPr>
+        <p:spPr>
+          <a:xfrm>
+            <a:off x="537286" y="4501766"/>
+            <a:ext cx="1809736" cy="289310"/>
+          </a:xfrm>
+          <a:prstGeom prst="rect">
+            <a:avLst/>
+          </a:prstGeom>
+          <a:noFill/>
+        </p:spPr>
+        <p:txBody>
+          <a:bodyPr wrap="square" rtlCol="0">
+            <a:spAutoFit/>
+          </a:bodyPr>
+          <a:lstStyle/>
+          <a:p>
+            <a:r>
+              <a:rPr lang="en-IN" sz="1280" dirty="0">
+                <a:solidFill>
+                  <a:schemeClr val="bg1"/>
+                </a:solidFill>
+              </a:rPr>
+              <a:t>FAQ’s</a:t>
+            </a:r>
+          </a:p>
+        </p:txBody>
+      </p:sp>
+      <p:sp>
+        <p:nvSpPr>
+          <p:cNvPr id="124" name="TextBox 123">
+            <a:extLst>
+              <a:ext uri="{FF2B5EF4-FFF2-40B4-BE49-F238E27FC236}">
+                <a16:creationId xmlns:a16="http://schemas.microsoft.com/office/drawing/2014/main" id="{6F77536A-44F9-694A-A5F1-EFF1730BE7FB}"/>
+              </a:ext>
+            </a:extLst>
+          </p:cNvPr>
+          <p:cNvSpPr txBox="1"/>
+          <p:nvPr/>
+        </p:nvSpPr>
+        <p:spPr>
+          <a:xfrm>
+            <a:off x="498175" y="5121312"/>
+            <a:ext cx="1809736" cy="289310"/>
+          </a:xfrm>
+          <a:prstGeom prst="rect">
+            <a:avLst/>
+          </a:prstGeom>
+          <a:noFill/>
+        </p:spPr>
+        <p:txBody>
+          <a:bodyPr wrap="square" rtlCol="0">
+            <a:spAutoFit/>
+          </a:bodyPr>
+          <a:lstStyle/>
+          <a:p>
+            <a:r>
+              <a:rPr lang="en-IN" sz="1280" dirty="0">
+                <a:solidFill>
+                  <a:schemeClr val="bg1"/>
+                </a:solidFill>
+              </a:rPr>
+              <a:t>Latest Updates</a:t>
+            </a:r>
+          </a:p>
+        </p:txBody>
+      </p:sp>
+      <p:pic>
+        <p:nvPicPr>
+          <p:cNvPr id="125" name="Picture 124">
+            <a:extLst>
+              <a:ext uri="{FF2B5EF4-FFF2-40B4-BE49-F238E27FC236}">
+                <a16:creationId xmlns:a16="http://schemas.microsoft.com/office/drawing/2014/main" id="{4C0C2C45-6FA6-3743-A2C8-F5127CE02F5B}"/>
+              </a:ext>
+            </a:extLst>
+          </p:cNvPr>
+          <p:cNvPicPr>
+            <a:picLocks noChangeAspect="1"/>
+          </p:cNvPicPr>
+          <p:nvPr/>
+        </p:nvPicPr>
+        <p:blipFill>
+          <a:blip r:embed="rId9"/>
+          <a:stretch>
+            <a:fillRect/>
+          </a:stretch>
+        </p:blipFill>
+        <p:spPr>
+          <a:xfrm>
+            <a:off x="126338" y="5110163"/>
+            <a:ext cx="350735" cy="321943"/>
+          </a:xfrm>
+          <a:prstGeom prst="rect">
+            <a:avLst/>
+          </a:prstGeom>
+        </p:spPr>
+      </p:pic>
+      <p:pic>
+        <p:nvPicPr>
+          <p:cNvPr id="126" name="Picture 125">
+            <a:extLst>
+              <a:ext uri="{FF2B5EF4-FFF2-40B4-BE49-F238E27FC236}">
+                <a16:creationId xmlns:a16="http://schemas.microsoft.com/office/drawing/2014/main" id="{BC5A8F9B-06F7-D543-862E-7ABF6234C329}"/>
+              </a:ext>
+            </a:extLst>
+          </p:cNvPr>
+          <p:cNvPicPr>
+            <a:picLocks noChangeAspect="1"/>
+          </p:cNvPicPr>
+          <p:nvPr/>
+        </p:nvPicPr>
+        <p:blipFill>
+          <a:blip r:embed="rId10"/>
+          <a:stretch>
+            <a:fillRect/>
+          </a:stretch>
+        </p:blipFill>
+        <p:spPr>
+          <a:xfrm>
+            <a:off x="176299" y="4456783"/>
+            <a:ext cx="250963" cy="418271"/>
+          </a:xfrm>
+          <a:prstGeom prst="rect">
+            <a:avLst/>
+          </a:prstGeom>
+        </p:spPr>
+      </p:pic>
+      <p:pic>
+        <p:nvPicPr>
+          <p:cNvPr id="127" name="Picture 126">
+            <a:extLst>
+              <a:ext uri="{FF2B5EF4-FFF2-40B4-BE49-F238E27FC236}">
+                <a16:creationId xmlns:a16="http://schemas.microsoft.com/office/drawing/2014/main" id="{3B67373D-B14E-2640-A867-D95B6F85E328}"/>
+              </a:ext>
+            </a:extLst>
+          </p:cNvPr>
+          <p:cNvPicPr>
+            <a:picLocks noChangeAspect="1"/>
+          </p:cNvPicPr>
+          <p:nvPr/>
+        </p:nvPicPr>
+        <p:blipFill>
+          <a:blip r:embed="rId11"/>
+          <a:stretch>
+            <a:fillRect/>
+          </a:stretch>
+        </p:blipFill>
+        <p:spPr>
+          <a:xfrm>
+            <a:off x="126338" y="3524672"/>
+            <a:ext cx="385157" cy="318839"/>
+          </a:xfrm>
+          <a:prstGeom prst="rect">
+            <a:avLst/>
+          </a:prstGeom>
+        </p:spPr>
+      </p:pic>
       <p:grpSp>
         <p:nvGrpSpPr>
           <p:cNvPr id="145" name="Group 144">
@@ -28560,7 +32171,7 @@
             <p:nvPr/>
           </p:nvPicPr>
           <p:blipFill>
-            <a:blip r:embed="rId4" cstate="hqprint">
+            <a:blip r:embed="rId12" cstate="hqprint">
               <a:extLst>
                 <a:ext uri="{28A0092B-C50C-407E-A947-70E740481C1C}">
                   <a14:useLocalDpi xmlns:a14="http://schemas.microsoft.com/office/drawing/2010/main" val="0"/>
@@ -28582,12 +32193,76 @@
           </p:spPr>
         </p:pic>
       </p:grpSp>
-      <p:sp>
-        <p:nvSpPr>
-          <p:cNvPr id="99" name="Rectangle: Rounded Corners 98">
-            <a:extLst>
-              <a:ext uri="{FF2B5EF4-FFF2-40B4-BE49-F238E27FC236}">
-                <a16:creationId xmlns:a16="http://schemas.microsoft.com/office/drawing/2014/main" id="{FC936D07-BE0A-4611-A717-2186121A5A63}"/>
+      <p:pic>
+        <p:nvPicPr>
+          <p:cNvPr id="6" name="Picture 5">
+            <a:extLst>
+              <a:ext uri="{FF2B5EF4-FFF2-40B4-BE49-F238E27FC236}">
+                <a16:creationId xmlns:a16="http://schemas.microsoft.com/office/drawing/2014/main" id="{D9BA67F9-1BA2-824C-B1E4-69AA0CFCCAC7}"/>
+              </a:ext>
+            </a:extLst>
+          </p:cNvPr>
+          <p:cNvPicPr>
+            <a:picLocks noChangeAspect="1"/>
+          </p:cNvPicPr>
+          <p:nvPr/>
+        </p:nvPicPr>
+        <p:blipFill rotWithShape="1">
+          <a:blip r:embed="rId13"/>
+          <a:srcRect t="12385" r="1559" b="17536"/>
+          <a:stretch/>
+        </p:blipFill>
+        <p:spPr>
+          <a:xfrm>
+            <a:off x="5626133" y="117882"/>
+            <a:ext cx="2089834" cy="743863"/>
+          </a:xfrm>
+          <a:prstGeom prst="rect">
+            <a:avLst/>
+          </a:prstGeom>
+        </p:spPr>
+      </p:pic>
+      <p:sp>
+        <p:nvSpPr>
+          <p:cNvPr id="9" name="TextBox 8">
+            <a:extLst>
+              <a:ext uri="{FF2B5EF4-FFF2-40B4-BE49-F238E27FC236}">
+                <a16:creationId xmlns:a16="http://schemas.microsoft.com/office/drawing/2014/main" id="{407C93CD-D9BB-EE45-8A09-54D77C880CB0}"/>
+              </a:ext>
+            </a:extLst>
+          </p:cNvPr>
+          <p:cNvSpPr txBox="1"/>
+          <p:nvPr/>
+        </p:nvSpPr>
+        <p:spPr>
+          <a:xfrm>
+            <a:off x="11511684" y="323173"/>
+            <a:ext cx="1029449" cy="261610"/>
+          </a:xfrm>
+          <a:prstGeom prst="rect">
+            <a:avLst/>
+          </a:prstGeom>
+          <a:noFill/>
+        </p:spPr>
+        <p:txBody>
+          <a:bodyPr wrap="none" rtlCol="0">
+            <a:spAutoFit/>
+          </a:bodyPr>
+          <a:lstStyle/>
+          <a:p>
+            <a:r>
+              <a:rPr lang="en-US" sz="1100" dirty="0"/>
+              <a:t>Hi, JRC Murthy</a:t>
+            </a:r>
+          </a:p>
+        </p:txBody>
+      </p:sp>
+      <p:sp>
+        <p:nvSpPr>
+          <p:cNvPr id="51" name="Rectangle: Rounded Corners 55">
+            <a:extLst>
+              <a:ext uri="{FF2B5EF4-FFF2-40B4-BE49-F238E27FC236}">
+                <a16:creationId xmlns:a16="http://schemas.microsoft.com/office/drawing/2014/main" id="{1A549288-70C2-FA4A-B20B-0E47D8136C14}"/>
               </a:ext>
             </a:extLst>
           </p:cNvPr>
@@ -28596,14 +32271,21 @@
         </p:nvSpPr>
         <p:spPr>
           <a:xfrm>
-            <a:off x="10083406" y="1084276"/>
-            <a:ext cx="1995801" cy="294369"/>
+            <a:off x="13524409" y="6345213"/>
+            <a:ext cx="3370162" cy="425737"/>
           </a:xfrm>
           <a:prstGeom prst="roundRect">
             <a:avLst/>
           </a:prstGeom>
+          <a:solidFill>
+            <a:schemeClr val="bg1"/>
+          </a:solidFill>
           <a:ln>
-            <a:noFill/>
+            <a:solidFill>
+              <a:schemeClr val="bg2">
+                <a:lumMod val="50000"/>
+              </a:schemeClr>
+            </a:solidFill>
           </a:ln>
         </p:spPr>
         <p:style>
@@ -28626,79 +32308,25 @@
           <a:bodyPr rtlCol="0" anchor="ctr"/>
           <a:lstStyle/>
           <a:p>
-            <a:pPr algn="ctr"/>
-            <a:r>
-              <a:rPr lang="en-IN" sz="1400" dirty="0"/>
-              <a:t>Generate New Batch</a:t>
-            </a:r>
-          </a:p>
-        </p:txBody>
-      </p:sp>
-      <p:pic>
-        <p:nvPicPr>
-          <p:cNvPr id="6" name="Picture 5">
-            <a:extLst>
-              <a:ext uri="{FF2B5EF4-FFF2-40B4-BE49-F238E27FC236}">
-                <a16:creationId xmlns:a16="http://schemas.microsoft.com/office/drawing/2014/main" id="{D9BA67F9-1BA2-824C-B1E4-69AA0CFCCAC7}"/>
-              </a:ext>
-            </a:extLst>
-          </p:cNvPr>
-          <p:cNvPicPr>
-            <a:picLocks noChangeAspect="1"/>
-          </p:cNvPicPr>
-          <p:nvPr/>
-        </p:nvPicPr>
-        <p:blipFill rotWithShape="1">
-          <a:blip r:embed="rId5"/>
-          <a:srcRect t="12385" r="1559" b="17536"/>
-          <a:stretch/>
-        </p:blipFill>
-        <p:spPr>
-          <a:xfrm>
-            <a:off x="5626133" y="117882"/>
-            <a:ext cx="2089834" cy="743863"/>
-          </a:xfrm>
-          <a:prstGeom prst="rect">
-            <a:avLst/>
-          </a:prstGeom>
-        </p:spPr>
-      </p:pic>
-      <p:pic>
-        <p:nvPicPr>
-          <p:cNvPr id="111" name="Picture 110">
-            <a:extLst>
-              <a:ext uri="{FF2B5EF4-FFF2-40B4-BE49-F238E27FC236}">
-                <a16:creationId xmlns:a16="http://schemas.microsoft.com/office/drawing/2014/main" id="{5DC92A87-7B3E-F145-B851-242A10DFF1A6}"/>
-              </a:ext>
-            </a:extLst>
-          </p:cNvPr>
-          <p:cNvPicPr>
-            <a:picLocks noChangeAspect="1"/>
-          </p:cNvPicPr>
-          <p:nvPr/>
-        </p:nvPicPr>
-        <p:blipFill>
-          <a:blip r:embed="rId6"/>
-          <a:stretch>
-            <a:fillRect/>
-          </a:stretch>
-        </p:blipFill>
-        <p:spPr>
-          <a:xfrm>
-            <a:off x="2397829" y="1003864"/>
-            <a:ext cx="10699116" cy="5923724"/>
-          </a:xfrm>
-          <a:prstGeom prst="rect">
-            <a:avLst/>
-          </a:prstGeom>
-        </p:spPr>
-      </p:pic>
-      <p:sp>
-        <p:nvSpPr>
-          <p:cNvPr id="9" name="TextBox 8">
-            <a:extLst>
-              <a:ext uri="{FF2B5EF4-FFF2-40B4-BE49-F238E27FC236}">
-                <a16:creationId xmlns:a16="http://schemas.microsoft.com/office/drawing/2014/main" id="{407C93CD-D9BB-EE45-8A09-54D77C880CB0}"/>
+            <a:r>
+              <a:rPr lang="en-IN" sz="1646" dirty="0">
+                <a:solidFill>
+                  <a:schemeClr val="bg2">
+                    <a:lumMod val="50000"/>
+                  </a:schemeClr>
+                </a:solidFill>
+              </a:rPr>
+              <a:t>  28/02/19 	  -  	   10/03/19  </a:t>
+            </a:r>
+          </a:p>
+        </p:txBody>
+      </p:sp>
+      <p:sp>
+        <p:nvSpPr>
+          <p:cNvPr id="53" name="TextBox 52">
+            <a:extLst>
+              <a:ext uri="{FF2B5EF4-FFF2-40B4-BE49-F238E27FC236}">
+                <a16:creationId xmlns:a16="http://schemas.microsoft.com/office/drawing/2014/main" id="{550105AF-B118-154C-AF9F-5CD4F3909DD9}"/>
               </a:ext>
             </a:extLst>
           </p:cNvPr>
@@ -28707,8 +32335,8 @@
         </p:nvSpPr>
         <p:spPr>
           <a:xfrm>
-            <a:off x="11511684" y="323173"/>
-            <a:ext cx="1029449" cy="261610"/>
+            <a:off x="13303960" y="675723"/>
+            <a:ext cx="1179105" cy="369332"/>
           </a:xfrm>
           <a:prstGeom prst="rect">
             <a:avLst/>
@@ -28721,19 +32349,20 @@
           </a:bodyPr>
           <a:lstStyle/>
           <a:p>
-            <a:r>
-              <a:rPr lang="en-US" sz="1100" dirty="0"/>
-              <a:t>Hi, JRC Murthy</a:t>
-            </a:r>
-          </a:p>
-        </p:txBody>
-      </p:sp>
-      <p:sp>
-        <p:nvSpPr>
-          <p:cNvPr id="44" name="Rectangle 43">
-            <a:extLst>
-              <a:ext uri="{FF2B5EF4-FFF2-40B4-BE49-F238E27FC236}">
-                <a16:creationId xmlns:a16="http://schemas.microsoft.com/office/drawing/2014/main" id="{0944FC52-FD1B-9D47-B5AD-C212FFE83E7C}"/>
+            <a:pPr algn="ctr"/>
+            <a:r>
+              <a:rPr lang="en-US" dirty="0"/>
+              <a:t>Start Date </a:t>
+            </a:r>
+          </a:p>
+        </p:txBody>
+      </p:sp>
+      <p:sp>
+        <p:nvSpPr>
+          <p:cNvPr id="54" name="Rectangle 53">
+            <a:extLst>
+              <a:ext uri="{FF2B5EF4-FFF2-40B4-BE49-F238E27FC236}">
+                <a16:creationId xmlns:a16="http://schemas.microsoft.com/office/drawing/2014/main" id="{5CCF21A6-3573-F543-95AF-2A9029C46D51}"/>
               </a:ext>
             </a:extLst>
           </p:cNvPr>
@@ -28742,19 +32371,17 @@
         </p:nvSpPr>
         <p:spPr>
           <a:xfrm>
-            <a:off x="-2839" y="1026094"/>
-            <a:ext cx="2383085" cy="5901493"/>
+            <a:off x="4101259" y="9485147"/>
+            <a:ext cx="5683497" cy="694077"/>
           </a:xfrm>
           <a:prstGeom prst="rect">
             <a:avLst/>
           </a:prstGeom>
           <a:solidFill>
-            <a:srgbClr val="0090AF"/>
+            <a:schemeClr val="bg1"/>
           </a:solidFill>
           <a:ln>
-            <a:solidFill>
-              <a:srgbClr val="0090AF"/>
-            </a:solidFill>
+            <a:noFill/>
           </a:ln>
         </p:spPr>
         <p:style>
@@ -28774,125 +32401,87 @@
           </a:fontRef>
         </p:style>
         <p:txBody>
-          <a:bodyPr rot="0" spcFirstLastPara="0" vertOverflow="overflow" horzOverflow="overflow" vert="horz" wrap="square" lIns="83617" tIns="41809" rIns="83617" bIns="41809" numCol="1" spcCol="0" rtlCol="0" fromWordArt="0" anchor="ctr" anchorCtr="0" forceAA="0" compatLnSpc="1">
-            <a:prstTxWarp prst="textNoShape">
-              <a:avLst/>
-            </a:prstTxWarp>
-            <a:noAutofit/>
-          </a:bodyPr>
-          <a:lstStyle/>
-          <a:p>
-            <a:endParaRPr lang="en-IN" dirty="0">
-              <a:solidFill>
-                <a:schemeClr val="bg1"/>
-              </a:solidFill>
-            </a:endParaRPr>
-          </a:p>
-        </p:txBody>
-      </p:sp>
-      <p:grpSp>
-        <p:nvGrpSpPr>
-          <p:cNvPr id="45" name="Group 44">
-            <a:extLst>
-              <a:ext uri="{FF2B5EF4-FFF2-40B4-BE49-F238E27FC236}">
-                <a16:creationId xmlns:a16="http://schemas.microsoft.com/office/drawing/2014/main" id="{1C56C5A9-1575-DB4C-BD7C-D9CA86AA39D2}"/>
-              </a:ext>
-            </a:extLst>
-          </p:cNvPr>
-          <p:cNvGrpSpPr/>
-          <p:nvPr/>
-        </p:nvGrpSpPr>
-        <p:grpSpPr>
-          <a:xfrm>
-            <a:off x="111459" y="2993388"/>
-            <a:ext cx="2152334" cy="358614"/>
-            <a:chOff x="212185" y="3399571"/>
-            <a:chExt cx="2353700" cy="392165"/>
-          </a:xfrm>
-        </p:grpSpPr>
-        <p:pic>
-          <p:nvPicPr>
-            <p:cNvPr id="46" name="Picture 45">
-              <a:extLst>
-                <a:ext uri="{FF2B5EF4-FFF2-40B4-BE49-F238E27FC236}">
-                  <a16:creationId xmlns:a16="http://schemas.microsoft.com/office/drawing/2014/main" id="{AD43D36D-5886-6144-A765-E9703D060620}"/>
-                </a:ext>
-              </a:extLst>
-            </p:cNvPr>
-            <p:cNvPicPr>
-              <a:picLocks noChangeAspect="1"/>
-            </p:cNvPicPr>
-            <p:nvPr/>
-          </p:nvPicPr>
-          <p:blipFill>
-            <a:blip r:embed="rId7" cstate="hqprint">
-              <a:lum bright="70000" contrast="-70000"/>
-              <a:extLst>
-                <a:ext uri="{28A0092B-C50C-407E-A947-70E740481C1C}">
-                  <a14:useLocalDpi xmlns:a14="http://schemas.microsoft.com/office/drawing/2010/main" val="0"/>
-                </a:ext>
-              </a:extLst>
-            </a:blip>
-            <a:stretch>
-              <a:fillRect/>
-            </a:stretch>
-          </p:blipFill>
-          <p:spPr>
-            <a:xfrm>
-              <a:off x="212185" y="3418129"/>
-              <a:ext cx="373607" cy="373607"/>
-            </a:xfrm>
-            <a:prstGeom prst="rect">
-              <a:avLst/>
-            </a:prstGeom>
-          </p:spPr>
-        </p:pic>
-        <p:sp>
-          <p:nvSpPr>
-            <p:cNvPr id="47" name="TextBox 46">
-              <a:extLst>
-                <a:ext uri="{FF2B5EF4-FFF2-40B4-BE49-F238E27FC236}">
-                  <a16:creationId xmlns:a16="http://schemas.microsoft.com/office/drawing/2014/main" id="{27AA3473-749F-6845-99D7-CB0A5BB42124}"/>
-                </a:ext>
-              </a:extLst>
-            </p:cNvPr>
-            <p:cNvSpPr txBox="1"/>
-            <p:nvPr/>
-          </p:nvSpPr>
-          <p:spPr>
-            <a:xfrm>
-              <a:off x="640609" y="3399571"/>
-              <a:ext cx="1925276" cy="316377"/>
-            </a:xfrm>
-            <a:prstGeom prst="rect">
-              <a:avLst/>
-            </a:prstGeom>
-            <a:noFill/>
-          </p:spPr>
-          <p:txBody>
-            <a:bodyPr wrap="square" rtlCol="0">
-              <a:spAutoFit/>
-            </a:bodyPr>
-            <a:lstStyle/>
-            <a:p>
-              <a:r>
-                <a:rPr lang="en-IN" sz="1280" dirty="0">
-                  <a:solidFill>
-                    <a:schemeClr val="bg1"/>
-                  </a:solidFill>
-                </a:rPr>
-                <a:t>Employee Add/Delete</a:t>
-              </a:r>
-            </a:p>
-          </p:txBody>
-        </p:sp>
-      </p:grpSp>
-      <p:sp>
-        <p:nvSpPr>
-          <p:cNvPr id="48" name="TextBox 47">
-            <a:extLst>
-              <a:ext uri="{FF2B5EF4-FFF2-40B4-BE49-F238E27FC236}">
-                <a16:creationId xmlns:a16="http://schemas.microsoft.com/office/drawing/2014/main" id="{5222A335-EF13-6F4F-8A46-CFFE1DCF7A09}"/>
+          <a:bodyPr rtlCol="0" anchor="ctr"/>
+          <a:lstStyle/>
+          <a:p>
+            <a:pPr algn="ctr"/>
+            <a:r>
+              <a:rPr lang="en-IN" sz="1646" dirty="0"/>
+              <a:t>E</a:t>
+            </a:r>
+          </a:p>
+        </p:txBody>
+      </p:sp>
+      <p:sp>
+        <p:nvSpPr>
+          <p:cNvPr id="55" name="Rectangle: Rounded Corners 55">
+            <a:extLst>
+              <a:ext uri="{FF2B5EF4-FFF2-40B4-BE49-F238E27FC236}">
+                <a16:creationId xmlns:a16="http://schemas.microsoft.com/office/drawing/2014/main" id="{1A549288-70C2-FA4A-B20B-0E47D8136C14}"/>
+              </a:ext>
+            </a:extLst>
+          </p:cNvPr>
+          <p:cNvSpPr/>
+          <p:nvPr/>
+        </p:nvSpPr>
+        <p:spPr>
+          <a:xfrm>
+            <a:off x="14120685" y="4628638"/>
+            <a:ext cx="1032399" cy="422168"/>
+          </a:xfrm>
+          <a:prstGeom prst="roundRect">
+            <a:avLst/>
+          </a:prstGeom>
+          <a:solidFill>
+            <a:schemeClr val="bg1"/>
+          </a:solidFill>
+          <a:ln>
+            <a:solidFill>
+              <a:schemeClr val="bg2">
+                <a:lumMod val="50000"/>
+              </a:schemeClr>
+            </a:solidFill>
+          </a:ln>
+        </p:spPr>
+        <p:style>
+          <a:lnRef idx="2">
+            <a:schemeClr val="accent1">
+              <a:shade val="50000"/>
+            </a:schemeClr>
+          </a:lnRef>
+          <a:fillRef idx="1">
+            <a:schemeClr val="accent1"/>
+          </a:fillRef>
+          <a:effectRef idx="0">
+            <a:schemeClr val="accent1"/>
+          </a:effectRef>
+          <a:fontRef idx="minor">
+            <a:schemeClr val="lt1"/>
+          </a:fontRef>
+        </p:style>
+        <p:txBody>
+          <a:bodyPr rtlCol="0" anchor="ctr"/>
+          <a:lstStyle/>
+          <a:p>
+            <a:r>
+              <a:rPr lang="en-IN" sz="1646" dirty="0">
+                <a:solidFill>
+                  <a:schemeClr val="bg2">
+                    <a:lumMod val="50000"/>
+                  </a:schemeClr>
+                </a:solidFill>
+              </a:rPr>
+              <a:t>10/03/19</a:t>
+            </a:r>
+          </a:p>
+        </p:txBody>
+      </p:sp>
+      <p:sp>
+        <p:nvSpPr>
+          <p:cNvPr id="57" name="TextBox 56">
+            <a:extLst>
+              <a:ext uri="{FF2B5EF4-FFF2-40B4-BE49-F238E27FC236}">
+                <a16:creationId xmlns:a16="http://schemas.microsoft.com/office/drawing/2014/main" id="{550105AF-B118-154C-AF9F-5CD4F3909DD9}"/>
               </a:ext>
             </a:extLst>
           </p:cNvPr>
@@ -28901,8 +32490,8 @@
         </p:nvSpPr>
         <p:spPr>
           <a:xfrm>
-            <a:off x="551336" y="1498660"/>
-            <a:ext cx="1619697" cy="289310"/>
+            <a:off x="15209490" y="703211"/>
+            <a:ext cx="1087349" cy="369332"/>
           </a:xfrm>
           <a:prstGeom prst="rect">
             <a:avLst/>
@@ -28910,533 +32499,160 @@
           <a:noFill/>
         </p:spPr>
         <p:txBody>
-          <a:bodyPr wrap="square" rtlCol="0">
+          <a:bodyPr wrap="none" rtlCol="0">
             <a:spAutoFit/>
           </a:bodyPr>
           <a:lstStyle/>
           <a:p>
-            <a:r>
-              <a:rPr lang="en-IN" sz="1280" dirty="0">
+            <a:pPr algn="ctr"/>
+            <a:r>
+              <a:rPr lang="en-US" dirty="0"/>
+              <a:t>End Date </a:t>
+            </a:r>
+          </a:p>
+        </p:txBody>
+      </p:sp>
+      <p:sp>
+        <p:nvSpPr>
+          <p:cNvPr id="61" name="TextBox 60">
+            <a:extLst>
+              <a:ext uri="{FF2B5EF4-FFF2-40B4-BE49-F238E27FC236}">
+                <a16:creationId xmlns:a16="http://schemas.microsoft.com/office/drawing/2014/main" id="{9595503B-F8E6-C54C-98D4-D2293C88D7DA}"/>
+              </a:ext>
+            </a:extLst>
+          </p:cNvPr>
+          <p:cNvSpPr txBox="1"/>
+          <p:nvPr/>
+        </p:nvSpPr>
+        <p:spPr>
+          <a:xfrm>
+            <a:off x="15209490" y="2111934"/>
+            <a:ext cx="1328697" cy="369332"/>
+          </a:xfrm>
+          <a:prstGeom prst="rect">
+            <a:avLst/>
+          </a:prstGeom>
+          <a:noFill/>
+        </p:spPr>
+        <p:txBody>
+          <a:bodyPr wrap="none" rtlCol="0">
+            <a:spAutoFit/>
+          </a:bodyPr>
+          <a:lstStyle/>
+          <a:p>
+            <a:pPr algn="ctr"/>
+            <a:r>
+              <a:rPr lang="en-US" dirty="0"/>
+              <a:t>Department</a:t>
+            </a:r>
+          </a:p>
+        </p:txBody>
+      </p:sp>
+      <p:sp>
+        <p:nvSpPr>
+          <p:cNvPr id="63" name="Rectangle: Rounded Corners 55">
+            <a:extLst>
+              <a:ext uri="{FF2B5EF4-FFF2-40B4-BE49-F238E27FC236}">
+                <a16:creationId xmlns:a16="http://schemas.microsoft.com/office/drawing/2014/main" id="{AB2E9D28-C0EC-9E4C-8F0E-013A5C6D717D}"/>
+              </a:ext>
+            </a:extLst>
+          </p:cNvPr>
+          <p:cNvSpPr/>
+          <p:nvPr/>
+        </p:nvSpPr>
+        <p:spPr>
+          <a:xfrm>
+            <a:off x="14067343" y="5518930"/>
+            <a:ext cx="1794399" cy="422168"/>
+          </a:xfrm>
+          <a:prstGeom prst="roundRect">
+            <a:avLst/>
+          </a:prstGeom>
+          <a:solidFill>
+            <a:schemeClr val="bg1"/>
+          </a:solidFill>
+          <a:ln>
+            <a:solidFill>
+              <a:schemeClr val="bg2">
+                <a:lumMod val="50000"/>
+              </a:schemeClr>
+            </a:solidFill>
+          </a:ln>
+        </p:spPr>
+        <p:style>
+          <a:lnRef idx="2">
+            <a:schemeClr val="accent1">
+              <a:shade val="50000"/>
+            </a:schemeClr>
+          </a:lnRef>
+          <a:fillRef idx="1">
+            <a:schemeClr val="accent1"/>
+          </a:fillRef>
+          <a:effectRef idx="0">
+            <a:schemeClr val="accent1"/>
+          </a:effectRef>
+          <a:fontRef idx="minor">
+            <a:schemeClr val="lt1"/>
+          </a:fontRef>
+        </p:style>
+        <p:txBody>
+          <a:bodyPr rtlCol="0" anchor="ctr"/>
+          <a:lstStyle/>
+          <a:p>
+            <a:r>
+              <a:rPr lang="en-IN" sz="1646" dirty="0">
                 <a:solidFill>
-                  <a:schemeClr val="bg1"/>
+                  <a:schemeClr val="bg2">
+                    <a:lumMod val="50000"/>
+                  </a:schemeClr>
                 </a:solidFill>
               </a:rPr>
-              <a:t>Database Upload</a:t>
-            </a:r>
-            <a:endParaRPr lang="en-IN" sz="1646" dirty="0">
-              <a:solidFill>
-                <a:schemeClr val="bg1"/>
-              </a:solidFill>
-            </a:endParaRPr>
+              <a:t>MANUFACTURING</a:t>
+            </a:r>
           </a:p>
         </p:txBody>
       </p:sp>
       <p:pic>
         <p:nvPicPr>
-          <p:cNvPr id="49" name="Picture 48">
-            <a:extLst>
-              <a:ext uri="{FF2B5EF4-FFF2-40B4-BE49-F238E27FC236}">
-                <a16:creationId xmlns:a16="http://schemas.microsoft.com/office/drawing/2014/main" id="{0929A72E-EE1F-684A-9AF3-6876C2B79B4F}"/>
-              </a:ext>
-            </a:extLst>
-          </p:cNvPr>
+          <p:cNvPr id="4" name="Picture 3"/>
           <p:cNvPicPr>
             <a:picLocks noChangeAspect="1"/>
           </p:cNvPicPr>
           <p:nvPr/>
         </p:nvPicPr>
+        <p:blipFill rotWithShape="1">
+          <a:blip r:embed="rId14"/>
+          <a:srcRect l="4104" t="8446" r="4156" b="7242"/>
+          <a:stretch/>
+        </p:blipFill>
+        <p:spPr>
+          <a:xfrm>
+            <a:off x="7743367" y="2222778"/>
+            <a:ext cx="4662754" cy="2004925"/>
+          </a:xfrm>
+          <a:prstGeom prst="rect">
+            <a:avLst/>
+          </a:prstGeom>
+        </p:spPr>
+      </p:pic>
+      <p:pic>
+        <p:nvPicPr>
+          <p:cNvPr id="7" name="Picture 6"/>
+          <p:cNvPicPr>
+            <a:picLocks noChangeAspect="1"/>
+          </p:cNvPicPr>
+          <p:nvPr/>
+        </p:nvPicPr>
         <p:blipFill>
-          <a:blip r:embed="rId8" cstate="hqprint">
-            <a:extLst>
-              <a:ext uri="{28A0092B-C50C-407E-A947-70E740481C1C}">
-                <a14:useLocalDpi xmlns:a14="http://schemas.microsoft.com/office/drawing/2010/main" val="0"/>
-              </a:ext>
-            </a:extLst>
-          </a:blip>
+          <a:blip r:embed="rId15"/>
           <a:stretch>
             <a:fillRect/>
           </a:stretch>
         </p:blipFill>
         <p:spPr>
           <a:xfrm>
-            <a:off x="180257" y="1495470"/>
-            <a:ext cx="308813" cy="308813"/>
-          </a:xfrm>
-          <a:prstGeom prst="rect">
-            <a:avLst/>
-          </a:prstGeom>
-        </p:spPr>
-      </p:pic>
-      <p:sp>
-        <p:nvSpPr>
-          <p:cNvPr id="50" name="TextBox 49">
-            <a:extLst>
-              <a:ext uri="{FF2B5EF4-FFF2-40B4-BE49-F238E27FC236}">
-                <a16:creationId xmlns:a16="http://schemas.microsoft.com/office/drawing/2014/main" id="{70CC6587-52BE-F541-AD10-A5EE80CFFB1E}"/>
-              </a:ext>
-            </a:extLst>
-          </p:cNvPr>
-          <p:cNvSpPr txBox="1"/>
-          <p:nvPr/>
-        </p:nvSpPr>
-        <p:spPr>
-          <a:xfrm>
-            <a:off x="505341" y="2481266"/>
-            <a:ext cx="1760561" cy="289310"/>
-          </a:xfrm>
-          <a:prstGeom prst="rect">
-            <a:avLst/>
-          </a:prstGeom>
-          <a:noFill/>
-        </p:spPr>
-        <p:txBody>
-          <a:bodyPr wrap="square" rtlCol="0">
-            <a:spAutoFit/>
-          </a:bodyPr>
-          <a:lstStyle/>
-          <a:p>
-            <a:r>
-              <a:rPr lang="en-IN" sz="1280" dirty="0">
-                <a:solidFill>
-                  <a:schemeClr val="bg1"/>
-                </a:solidFill>
-              </a:rPr>
-              <a:t>Search Employee</a:t>
-            </a:r>
-          </a:p>
-        </p:txBody>
-      </p:sp>
-      <p:grpSp>
-        <p:nvGrpSpPr>
-          <p:cNvPr id="51" name="Group 50">
-            <a:extLst>
-              <a:ext uri="{FF2B5EF4-FFF2-40B4-BE49-F238E27FC236}">
-                <a16:creationId xmlns:a16="http://schemas.microsoft.com/office/drawing/2014/main" id="{7F9E8D83-A5C0-3E41-9614-BA6CD5151CDB}"/>
-              </a:ext>
-            </a:extLst>
-          </p:cNvPr>
-          <p:cNvGrpSpPr/>
-          <p:nvPr/>
-        </p:nvGrpSpPr>
-        <p:grpSpPr>
-          <a:xfrm>
-            <a:off x="147367" y="1961303"/>
-            <a:ext cx="2189543" cy="342369"/>
-            <a:chOff x="198537" y="2990591"/>
-            <a:chExt cx="2130046" cy="342369"/>
-          </a:xfrm>
-        </p:grpSpPr>
-        <p:pic>
-          <p:nvPicPr>
-            <p:cNvPr id="52" name="Picture 51">
-              <a:extLst>
-                <a:ext uri="{FF2B5EF4-FFF2-40B4-BE49-F238E27FC236}">
-                  <a16:creationId xmlns:a16="http://schemas.microsoft.com/office/drawing/2014/main" id="{78BA9E28-306B-CD48-9B62-24063A477E45}"/>
-                </a:ext>
-              </a:extLst>
-            </p:cNvPr>
-            <p:cNvPicPr>
-              <a:picLocks noChangeAspect="1"/>
-            </p:cNvPicPr>
-            <p:nvPr/>
-          </p:nvPicPr>
-          <p:blipFill>
-            <a:blip r:embed="rId9" cstate="hqprint">
-              <a:lum bright="70000" contrast="-70000"/>
-              <a:extLst>
-                <a:ext uri="{28A0092B-C50C-407E-A947-70E740481C1C}">
-                  <a14:useLocalDpi xmlns:a14="http://schemas.microsoft.com/office/drawing/2010/main" val="0"/>
-                </a:ext>
-              </a:extLst>
-            </a:blip>
-            <a:stretch>
-              <a:fillRect/>
-            </a:stretch>
-          </p:blipFill>
-          <p:spPr>
-            <a:xfrm>
-              <a:off x="198537" y="2990591"/>
-              <a:ext cx="342369" cy="342369"/>
-            </a:xfrm>
-            <a:prstGeom prst="rect">
-              <a:avLst/>
-            </a:prstGeom>
-          </p:spPr>
-        </p:pic>
-        <p:sp>
-          <p:nvSpPr>
-            <p:cNvPr id="53" name="TextBox 52">
-              <a:extLst>
-                <a:ext uri="{FF2B5EF4-FFF2-40B4-BE49-F238E27FC236}">
-                  <a16:creationId xmlns:a16="http://schemas.microsoft.com/office/drawing/2014/main" id="{7859B2FD-288B-6643-A40D-1FBDEBE5CB26}"/>
-                </a:ext>
-              </a:extLst>
-            </p:cNvPr>
-            <p:cNvSpPr txBox="1"/>
-            <p:nvPr/>
-          </p:nvSpPr>
-          <p:spPr>
-            <a:xfrm>
-              <a:off x="568022" y="3013183"/>
-              <a:ext cx="1760561" cy="289310"/>
-            </a:xfrm>
-            <a:prstGeom prst="rect">
-              <a:avLst/>
-            </a:prstGeom>
-            <a:noFill/>
-          </p:spPr>
-          <p:txBody>
-            <a:bodyPr wrap="square" rtlCol="0">
-              <a:spAutoFit/>
-            </a:bodyPr>
-            <a:lstStyle/>
-            <a:p>
-              <a:r>
-                <a:rPr lang="en-IN" sz="1280" dirty="0">
-                  <a:solidFill>
-                    <a:schemeClr val="bg1"/>
-                  </a:solidFill>
-                </a:rPr>
-                <a:t>Employee Attendance</a:t>
-              </a:r>
-            </a:p>
-          </p:txBody>
-        </p:sp>
-      </p:grpSp>
-      <p:pic>
-        <p:nvPicPr>
-          <p:cNvPr id="54" name="Picture 53">
-            <a:extLst>
-              <a:ext uri="{FF2B5EF4-FFF2-40B4-BE49-F238E27FC236}">
-                <a16:creationId xmlns:a16="http://schemas.microsoft.com/office/drawing/2014/main" id="{18248209-E5CF-144E-B652-AA570060165B}"/>
-              </a:ext>
-            </a:extLst>
-          </p:cNvPr>
-          <p:cNvPicPr>
-            <a:picLocks noChangeAspect="1"/>
-          </p:cNvPicPr>
-          <p:nvPr/>
-        </p:nvPicPr>
-        <p:blipFill>
-          <a:blip r:embed="rId10">
-            <a:extLst>
-              <a:ext uri="{28A0092B-C50C-407E-A947-70E740481C1C}">
-                <a14:useLocalDpi xmlns:a14="http://schemas.microsoft.com/office/drawing/2010/main" val="0"/>
-              </a:ext>
-            </a:extLst>
-          </a:blip>
-          <a:stretch>
-            <a:fillRect/>
-          </a:stretch>
-        </p:blipFill>
-        <p:spPr>
-          <a:xfrm>
-            <a:off x="178281" y="2482543"/>
-            <a:ext cx="325148" cy="325148"/>
-          </a:xfrm>
-          <a:prstGeom prst="rect">
-            <a:avLst/>
-          </a:prstGeom>
-        </p:spPr>
-      </p:pic>
-      <p:sp>
-        <p:nvSpPr>
-          <p:cNvPr id="55" name="TextBox 54">
-            <a:extLst>
-              <a:ext uri="{FF2B5EF4-FFF2-40B4-BE49-F238E27FC236}">
-                <a16:creationId xmlns:a16="http://schemas.microsoft.com/office/drawing/2014/main" id="{70D36D10-E2DA-E54C-A3F7-975A5CC0DB70}"/>
-              </a:ext>
-            </a:extLst>
-          </p:cNvPr>
-          <p:cNvSpPr txBox="1"/>
-          <p:nvPr/>
-        </p:nvSpPr>
-        <p:spPr>
-          <a:xfrm>
-            <a:off x="536142" y="3488633"/>
-            <a:ext cx="1809736" cy="289310"/>
-          </a:xfrm>
-          <a:prstGeom prst="rect">
-            <a:avLst/>
-          </a:prstGeom>
-          <a:noFill/>
-        </p:spPr>
-        <p:txBody>
-          <a:bodyPr wrap="square" rtlCol="0">
-            <a:spAutoFit/>
-          </a:bodyPr>
-          <a:lstStyle/>
-          <a:p>
-            <a:r>
-              <a:rPr lang="en-IN" sz="1280" dirty="0">
-                <a:solidFill>
-                  <a:schemeClr val="bg1"/>
-                </a:solidFill>
-              </a:rPr>
-              <a:t>Test Results</a:t>
-            </a:r>
-          </a:p>
-        </p:txBody>
-      </p:sp>
-      <p:grpSp>
-        <p:nvGrpSpPr>
-          <p:cNvPr id="56" name="Group 55">
-            <a:extLst>
-              <a:ext uri="{FF2B5EF4-FFF2-40B4-BE49-F238E27FC236}">
-                <a16:creationId xmlns:a16="http://schemas.microsoft.com/office/drawing/2014/main" id="{8DF89587-C10D-DB47-AFE3-3888E3E8F6E8}"/>
-              </a:ext>
-            </a:extLst>
-          </p:cNvPr>
-          <p:cNvGrpSpPr/>
-          <p:nvPr/>
-        </p:nvGrpSpPr>
-        <p:grpSpPr>
-          <a:xfrm>
-            <a:off x="133864" y="4025598"/>
-            <a:ext cx="2215537" cy="354244"/>
-            <a:chOff x="172518" y="2990591"/>
-            <a:chExt cx="2155334" cy="354244"/>
-          </a:xfrm>
-        </p:grpSpPr>
-        <p:pic>
-          <p:nvPicPr>
-            <p:cNvPr id="57" name="Picture 56">
-              <a:extLst>
-                <a:ext uri="{FF2B5EF4-FFF2-40B4-BE49-F238E27FC236}">
-                  <a16:creationId xmlns:a16="http://schemas.microsoft.com/office/drawing/2014/main" id="{E088F5B7-222A-B648-920A-5AC8C862D8C6}"/>
-                </a:ext>
-              </a:extLst>
-            </p:cNvPr>
-            <p:cNvPicPr>
-              <a:picLocks noChangeAspect="1"/>
-            </p:cNvPicPr>
-            <p:nvPr/>
-          </p:nvPicPr>
-          <p:blipFill>
-            <a:blip r:embed="rId9" cstate="hqprint">
-              <a:lum bright="70000" contrast="-70000"/>
-              <a:extLst>
-                <a:ext uri="{28A0092B-C50C-407E-A947-70E740481C1C}">
-                  <a14:useLocalDpi xmlns:a14="http://schemas.microsoft.com/office/drawing/2010/main" val="0"/>
-                </a:ext>
-              </a:extLst>
-            </a:blip>
-            <a:stretch>
-              <a:fillRect/>
-            </a:stretch>
-          </p:blipFill>
-          <p:spPr>
-            <a:xfrm>
-              <a:off x="172518" y="3002466"/>
-              <a:ext cx="342369" cy="342369"/>
-            </a:xfrm>
-            <a:prstGeom prst="rect">
-              <a:avLst/>
-            </a:prstGeom>
-          </p:spPr>
-        </p:pic>
-        <p:sp>
-          <p:nvSpPr>
-            <p:cNvPr id="58" name="TextBox 57">
-              <a:extLst>
-                <a:ext uri="{FF2B5EF4-FFF2-40B4-BE49-F238E27FC236}">
-                  <a16:creationId xmlns:a16="http://schemas.microsoft.com/office/drawing/2014/main" id="{9EE9ABE0-D4BA-8641-BA44-C7A26708EC0D}"/>
-                </a:ext>
-              </a:extLst>
-            </p:cNvPr>
-            <p:cNvSpPr txBox="1"/>
-            <p:nvPr/>
-          </p:nvSpPr>
-          <p:spPr>
-            <a:xfrm>
-              <a:off x="567291" y="2990591"/>
-              <a:ext cx="1760561" cy="289310"/>
-            </a:xfrm>
-            <a:prstGeom prst="rect">
-              <a:avLst/>
-            </a:prstGeom>
-            <a:noFill/>
-          </p:spPr>
-          <p:txBody>
-            <a:bodyPr wrap="square" rtlCol="0">
-              <a:spAutoFit/>
-            </a:bodyPr>
-            <a:lstStyle/>
-            <a:p>
-              <a:r>
-                <a:rPr lang="en-IN" sz="1280" dirty="0">
-                  <a:solidFill>
-                    <a:schemeClr val="bg1"/>
-                  </a:solidFill>
-                </a:rPr>
-                <a:t>Report Generation</a:t>
-              </a:r>
-            </a:p>
-          </p:txBody>
-        </p:sp>
-      </p:grpSp>
-      <p:sp>
-        <p:nvSpPr>
-          <p:cNvPr id="59" name="TextBox 58">
-            <a:extLst>
-              <a:ext uri="{FF2B5EF4-FFF2-40B4-BE49-F238E27FC236}">
-                <a16:creationId xmlns:a16="http://schemas.microsoft.com/office/drawing/2014/main" id="{B9D06C66-B806-1E42-95EC-842448C29C03}"/>
-              </a:ext>
-            </a:extLst>
-          </p:cNvPr>
-          <p:cNvSpPr txBox="1"/>
-          <p:nvPr/>
-        </p:nvSpPr>
-        <p:spPr>
-          <a:xfrm>
-            <a:off x="537286" y="4501766"/>
-            <a:ext cx="1809736" cy="289310"/>
-          </a:xfrm>
-          <a:prstGeom prst="rect">
-            <a:avLst/>
-          </a:prstGeom>
-          <a:noFill/>
-        </p:spPr>
-        <p:txBody>
-          <a:bodyPr wrap="square" rtlCol="0">
-            <a:spAutoFit/>
-          </a:bodyPr>
-          <a:lstStyle/>
-          <a:p>
-            <a:r>
-              <a:rPr lang="en-IN" sz="1280" dirty="0">
-                <a:solidFill>
-                  <a:schemeClr val="bg1"/>
-                </a:solidFill>
-              </a:rPr>
-              <a:t>FAQ’s</a:t>
-            </a:r>
-          </a:p>
-        </p:txBody>
-      </p:sp>
-      <p:sp>
-        <p:nvSpPr>
-          <p:cNvPr id="61" name="TextBox 60">
-            <a:extLst>
-              <a:ext uri="{FF2B5EF4-FFF2-40B4-BE49-F238E27FC236}">
-                <a16:creationId xmlns:a16="http://schemas.microsoft.com/office/drawing/2014/main" id="{6340D842-09AA-D34E-AE4D-E0FFCE1839D1}"/>
-              </a:ext>
-            </a:extLst>
-          </p:cNvPr>
-          <p:cNvSpPr txBox="1"/>
-          <p:nvPr/>
-        </p:nvSpPr>
-        <p:spPr>
-          <a:xfrm>
-            <a:off x="501187" y="5015553"/>
-            <a:ext cx="1809736" cy="289310"/>
-          </a:xfrm>
-          <a:prstGeom prst="rect">
-            <a:avLst/>
-          </a:prstGeom>
-          <a:noFill/>
-        </p:spPr>
-        <p:txBody>
-          <a:bodyPr wrap="square" rtlCol="0">
-            <a:spAutoFit/>
-          </a:bodyPr>
-          <a:lstStyle/>
-          <a:p>
-            <a:r>
-              <a:rPr lang="en-IN" sz="1280" dirty="0">
-                <a:solidFill>
-                  <a:schemeClr val="bg1"/>
-                </a:solidFill>
-              </a:rPr>
-              <a:t>Latest Updates</a:t>
-            </a:r>
-          </a:p>
-        </p:txBody>
-      </p:sp>
-      <p:pic>
-        <p:nvPicPr>
-          <p:cNvPr id="62" name="Picture 61">
-            <a:extLst>
-              <a:ext uri="{FF2B5EF4-FFF2-40B4-BE49-F238E27FC236}">
-                <a16:creationId xmlns:a16="http://schemas.microsoft.com/office/drawing/2014/main" id="{AD561B3B-429E-3D47-B7DB-80B5B25BF35C}"/>
-              </a:ext>
-            </a:extLst>
-          </p:cNvPr>
-          <p:cNvPicPr>
-            <a:picLocks noChangeAspect="1"/>
-          </p:cNvPicPr>
-          <p:nvPr/>
-        </p:nvPicPr>
-        <p:blipFill>
-          <a:blip r:embed="rId11"/>
-          <a:stretch>
-            <a:fillRect/>
-          </a:stretch>
-        </p:blipFill>
-        <p:spPr>
-          <a:xfrm>
-            <a:off x="129350" y="5004404"/>
-            <a:ext cx="350735" cy="321943"/>
-          </a:xfrm>
-          <a:prstGeom prst="rect">
-            <a:avLst/>
-          </a:prstGeom>
-        </p:spPr>
-      </p:pic>
-      <p:pic>
-        <p:nvPicPr>
-          <p:cNvPr id="63" name="Picture 62">
-            <a:extLst>
-              <a:ext uri="{FF2B5EF4-FFF2-40B4-BE49-F238E27FC236}">
-                <a16:creationId xmlns:a16="http://schemas.microsoft.com/office/drawing/2014/main" id="{107675D5-D1A0-D149-86F1-0CBFBA789C87}"/>
-              </a:ext>
-            </a:extLst>
-          </p:cNvPr>
-          <p:cNvPicPr>
-            <a:picLocks noChangeAspect="1"/>
-          </p:cNvPicPr>
-          <p:nvPr/>
-        </p:nvPicPr>
-        <p:blipFill>
-          <a:blip r:embed="rId12"/>
-          <a:stretch>
-            <a:fillRect/>
-          </a:stretch>
-        </p:blipFill>
-        <p:spPr>
-          <a:xfrm>
-            <a:off x="176299" y="4456783"/>
-            <a:ext cx="250963" cy="418271"/>
-          </a:xfrm>
-          <a:prstGeom prst="rect">
-            <a:avLst/>
-          </a:prstGeom>
-        </p:spPr>
-      </p:pic>
-      <p:pic>
-        <p:nvPicPr>
-          <p:cNvPr id="64" name="Picture 63">
-            <a:extLst>
-              <a:ext uri="{FF2B5EF4-FFF2-40B4-BE49-F238E27FC236}">
-                <a16:creationId xmlns:a16="http://schemas.microsoft.com/office/drawing/2014/main" id="{1D952DA3-E776-F64F-8902-BA38A695B16C}"/>
-              </a:ext>
-            </a:extLst>
-          </p:cNvPr>
-          <p:cNvPicPr>
-            <a:picLocks noChangeAspect="1"/>
-          </p:cNvPicPr>
-          <p:nvPr/>
-        </p:nvPicPr>
-        <p:blipFill>
-          <a:blip r:embed="rId13"/>
-          <a:stretch>
-            <a:fillRect/>
-          </a:stretch>
-        </p:blipFill>
-        <p:spPr>
-          <a:xfrm>
-            <a:off x="126338" y="3524672"/>
-            <a:ext cx="385157" cy="318839"/>
+            <a:off x="15650500" y="4467456"/>
+            <a:ext cx="173280" cy="253255"/>
           </a:xfrm>
           <a:prstGeom prst="rect">
             <a:avLst/>
@@ -29445,10 +32661,10 @@
       </p:pic>
       <p:grpSp>
         <p:nvGrpSpPr>
-          <p:cNvPr id="40" name="Group 39">
-            <a:extLst>
-              <a:ext uri="{FF2B5EF4-FFF2-40B4-BE49-F238E27FC236}">
-                <a16:creationId xmlns:a16="http://schemas.microsoft.com/office/drawing/2014/main" id="{04FABFC6-1B45-864F-9B92-96A54AF7DE2C}"/>
+          <p:cNvPr id="59" name="Group 58">
+            <a:extLst>
+              <a:ext uri="{FF2B5EF4-FFF2-40B4-BE49-F238E27FC236}">
+                <a16:creationId xmlns:a16="http://schemas.microsoft.com/office/drawing/2014/main" id="{16E11333-2967-4C47-B3A3-2EA2B8B5ADB6}"/>
               </a:ext>
             </a:extLst>
           </p:cNvPr>
@@ -29465,10 +32681,10 @@
         </p:grpSpPr>
         <p:sp>
           <p:nvSpPr>
-            <p:cNvPr id="41" name="TextBox 40">
+            <p:cNvPr id="60" name="TextBox 59">
               <a:extLst>
                 <a:ext uri="{FF2B5EF4-FFF2-40B4-BE49-F238E27FC236}">
-                  <a16:creationId xmlns:a16="http://schemas.microsoft.com/office/drawing/2014/main" id="{FD4B0AFA-14CE-F04E-BFE1-5BA5D363E07F}"/>
+                  <a16:creationId xmlns:a16="http://schemas.microsoft.com/office/drawing/2014/main" id="{6D354EC3-D34D-6940-9133-1CE1108F2F7D}"/>
                 </a:ext>
               </a:extLst>
             </p:cNvPr>
@@ -29500,10 +32716,10 @@
         </p:sp>
         <p:pic>
           <p:nvPicPr>
-            <p:cNvPr id="43" name="Picture 42">
+            <p:cNvPr id="62" name="Picture 61">
               <a:extLst>
                 <a:ext uri="{FF2B5EF4-FFF2-40B4-BE49-F238E27FC236}">
-                  <a16:creationId xmlns:a16="http://schemas.microsoft.com/office/drawing/2014/main" id="{D074B877-B784-E64F-8CB2-EEDDB98B15F3}"/>
+                  <a16:creationId xmlns:a16="http://schemas.microsoft.com/office/drawing/2014/main" id="{3721B9F3-136D-BE49-85CF-757ECFD5CA1D}"/>
                 </a:ext>
               </a:extLst>
             </p:cNvPr>
@@ -29513,7 +32729,7 @@
             <p:nvPr/>
           </p:nvPicPr>
           <p:blipFill>
-            <a:blip r:embed="rId4" cstate="hqprint">
+            <a:blip r:embed="rId12" cstate="hqprint">
               <a:extLst>
                 <a:ext uri="{28A0092B-C50C-407E-A947-70E740481C1C}">
                   <a14:useLocalDpi xmlns:a14="http://schemas.microsoft.com/office/drawing/2010/main" val="0"/>
@@ -29537,10 +32753,10 @@
       </p:grpSp>
       <p:pic>
         <p:nvPicPr>
-          <p:cNvPr id="65" name="Picture 64">
-            <a:extLst>
-              <a:ext uri="{FF2B5EF4-FFF2-40B4-BE49-F238E27FC236}">
-                <a16:creationId xmlns:a16="http://schemas.microsoft.com/office/drawing/2014/main" id="{4EA8F9EA-D3BB-F640-BCAE-ECEBB4BB6323}"/>
+          <p:cNvPr id="64" name="Picture 63">
+            <a:extLst>
+              <a:ext uri="{FF2B5EF4-FFF2-40B4-BE49-F238E27FC236}">
+                <a16:creationId xmlns:a16="http://schemas.microsoft.com/office/drawing/2014/main" id="{D4600426-9436-0D4C-B3C6-1F3809A06DAF}"/>
               </a:ext>
             </a:extLst>
           </p:cNvPr>
@@ -29550,7 +32766,7 @@
           <p:nvPr/>
         </p:nvPicPr>
         <p:blipFill rotWithShape="1">
-          <a:blip r:embed="rId5"/>
+          <a:blip r:embed="rId13"/>
           <a:srcRect t="12385" r="1559" b="17536"/>
           <a:stretch/>
         </p:blipFill>
@@ -29566,10 +32782,10 @@
       </p:pic>
       <p:sp>
         <p:nvSpPr>
-          <p:cNvPr id="67" name="TextBox 66">
-            <a:extLst>
-              <a:ext uri="{FF2B5EF4-FFF2-40B4-BE49-F238E27FC236}">
-                <a16:creationId xmlns:a16="http://schemas.microsoft.com/office/drawing/2014/main" id="{BD8E6D02-D7FD-D74D-BC29-D2712786C048}"/>
+          <p:cNvPr id="65" name="TextBox 64">
+            <a:extLst>
+              <a:ext uri="{FF2B5EF4-FFF2-40B4-BE49-F238E27FC236}">
+                <a16:creationId xmlns:a16="http://schemas.microsoft.com/office/drawing/2014/main" id="{EDDD452E-1A88-5647-B269-19199FE56B48}"/>
               </a:ext>
             </a:extLst>
           </p:cNvPr>
@@ -29601,10 +32817,10 @@
       </p:sp>
       <p:pic>
         <p:nvPicPr>
-          <p:cNvPr id="68" name="Picture 67">
-            <a:extLst>
-              <a:ext uri="{FF2B5EF4-FFF2-40B4-BE49-F238E27FC236}">
-                <a16:creationId xmlns:a16="http://schemas.microsoft.com/office/drawing/2014/main" id="{AFEBE054-A99A-8D45-AA0D-77F3FDC91848}"/>
+          <p:cNvPr id="67" name="Picture 66">
+            <a:extLst>
+              <a:ext uri="{FF2B5EF4-FFF2-40B4-BE49-F238E27FC236}">
+                <a16:creationId xmlns:a16="http://schemas.microsoft.com/office/drawing/2014/main" id="{3EA478FB-0ABE-A843-A1E0-B32B79A48106}"/>
               </a:ext>
             </a:extLst>
           </p:cNvPr>
@@ -29614,7 +32830,7 @@
           <p:nvPr/>
         </p:nvPicPr>
         <p:blipFill>
-          <a:blip r:embed="rId14">
+          <a:blip r:embed="rId16">
             <a:extLst>
               <a:ext uri="{28A0092B-C50C-407E-A947-70E740481C1C}">
                 <a14:useLocalDpi xmlns:a14="http://schemas.microsoft.com/office/drawing/2010/main" val="0"/>
@@ -29635,10 +32851,128 @@
           </a:prstGeom>
         </p:spPr>
       </p:pic>
+      <p:sp>
+        <p:nvSpPr>
+          <p:cNvPr id="3" name="TextBox 2">
+            <a:extLst>
+              <a:ext uri="{FF2B5EF4-FFF2-40B4-BE49-F238E27FC236}">
+                <a16:creationId xmlns:a16="http://schemas.microsoft.com/office/drawing/2014/main" id="{4F0D93FA-4D83-224F-9F5D-B348CB8BA1F9}"/>
+              </a:ext>
+            </a:extLst>
+          </p:cNvPr>
+          <p:cNvSpPr txBox="1"/>
+          <p:nvPr/>
+        </p:nvSpPr>
+        <p:spPr>
+          <a:xfrm>
+            <a:off x="14709345" y="679454"/>
+            <a:ext cx="255198" cy="369332"/>
+          </a:xfrm>
+          <a:prstGeom prst="rect">
+            <a:avLst/>
+          </a:prstGeom>
+          <a:noFill/>
+        </p:spPr>
+        <p:txBody>
+          <a:bodyPr wrap="none" rtlCol="0">
+            <a:spAutoFit/>
+          </a:bodyPr>
+          <a:lstStyle/>
+          <a:p>
+            <a:r>
+              <a:rPr lang="en-US" dirty="0"/>
+              <a:t>-</a:t>
+            </a:r>
+          </a:p>
+        </p:txBody>
+      </p:sp>
+      <p:sp>
+        <p:nvSpPr>
+          <p:cNvPr id="68" name="TextBox 67">
+            <a:extLst>
+              <a:ext uri="{FF2B5EF4-FFF2-40B4-BE49-F238E27FC236}">
+                <a16:creationId xmlns:a16="http://schemas.microsoft.com/office/drawing/2014/main" id="{1039B64E-B09B-604F-86F0-69084AB8B49B}"/>
+              </a:ext>
+            </a:extLst>
+          </p:cNvPr>
+          <p:cNvSpPr txBox="1"/>
+          <p:nvPr/>
+        </p:nvSpPr>
+        <p:spPr>
+          <a:xfrm>
+            <a:off x="8857728" y="4318298"/>
+            <a:ext cx="2494594" cy="369332"/>
+          </a:xfrm>
+          <a:prstGeom prst="rect">
+            <a:avLst/>
+          </a:prstGeom>
+          <a:noFill/>
+        </p:spPr>
+        <p:txBody>
+          <a:bodyPr wrap="none" rtlCol="0">
+            <a:spAutoFit/>
+          </a:bodyPr>
+          <a:lstStyle/>
+          <a:p>
+            <a:r>
+              <a:rPr lang="en-IN" dirty="0">
+                <a:solidFill>
+                  <a:schemeClr val="bg2">
+                    <a:lumMod val="50000"/>
+                  </a:schemeClr>
+                </a:solidFill>
+              </a:rPr>
+              <a:t> 28/02/19   -   10/03/19  </a:t>
+            </a:r>
+            <a:endParaRPr lang="en-US" dirty="0"/>
+          </a:p>
+        </p:txBody>
+      </p:sp>
+      <p:sp>
+        <p:nvSpPr>
+          <p:cNvPr id="69" name="TextBox 68">
+            <a:extLst>
+              <a:ext uri="{FF2B5EF4-FFF2-40B4-BE49-F238E27FC236}">
+                <a16:creationId xmlns:a16="http://schemas.microsoft.com/office/drawing/2014/main" id="{FF73426A-9436-454D-AD2E-6C2E4D1561EB}"/>
+              </a:ext>
+            </a:extLst>
+          </p:cNvPr>
+          <p:cNvSpPr txBox="1"/>
+          <p:nvPr/>
+        </p:nvSpPr>
+        <p:spPr>
+          <a:xfrm>
+            <a:off x="9125926" y="4754405"/>
+            <a:ext cx="1897635" cy="369332"/>
+          </a:xfrm>
+          <a:prstGeom prst="rect">
+            <a:avLst/>
+          </a:prstGeom>
+          <a:noFill/>
+        </p:spPr>
+        <p:txBody>
+          <a:bodyPr wrap="none" rtlCol="0">
+            <a:spAutoFit/>
+          </a:bodyPr>
+          <a:lstStyle/>
+          <a:p>
+            <a:r>
+              <a:rPr lang="en-IN" dirty="0">
+                <a:solidFill>
+                  <a:schemeClr val="bg2">
+                    <a:lumMod val="50000"/>
+                  </a:schemeClr>
+                </a:solidFill>
+              </a:rPr>
+              <a:t>MANUFACTURING</a:t>
+            </a:r>
+          </a:p>
+        </p:txBody>
+      </p:sp>
     </p:spTree>
     <p:extLst>
       <p:ext uri="{BB962C8B-B14F-4D97-AF65-F5344CB8AC3E}">
-        <p14:creationId xmlns:p14="http://schemas.microsoft.com/office/powerpoint/2010/main" val="987205845"/>
+        <p14:creationId xmlns:p14="http://schemas.microsoft.com/office/powerpoint/2010/main" val="209422328"/>
       </p:ext>
     </p:extLst>
   </p:cSld>
@@ -30207,142 +33541,12 @@
           </p:spPr>
         </p:pic>
       </p:grpSp>
-      <p:pic>
-        <p:nvPicPr>
-          <p:cNvPr id="6" name="Picture 5">
-            <a:extLst>
-              <a:ext uri="{FF2B5EF4-FFF2-40B4-BE49-F238E27FC236}">
-                <a16:creationId xmlns:a16="http://schemas.microsoft.com/office/drawing/2014/main" id="{D9BA67F9-1BA2-824C-B1E4-69AA0CFCCAC7}"/>
-              </a:ext>
-            </a:extLst>
-          </p:cNvPr>
-          <p:cNvPicPr>
-            <a:picLocks noChangeAspect="1"/>
-          </p:cNvPicPr>
-          <p:nvPr/>
-        </p:nvPicPr>
-        <p:blipFill rotWithShape="1">
-          <a:blip r:embed="rId5"/>
-          <a:srcRect t="12385" r="1559" b="17536"/>
-          <a:stretch/>
-        </p:blipFill>
-        <p:spPr>
-          <a:xfrm>
-            <a:off x="5627463" y="113941"/>
-            <a:ext cx="2089834" cy="743863"/>
-          </a:xfrm>
-          <a:prstGeom prst="rect">
-            <a:avLst/>
-          </a:prstGeom>
-        </p:spPr>
-      </p:pic>
-      <p:sp>
-        <p:nvSpPr>
-          <p:cNvPr id="9" name="TextBox 8">
-            <a:extLst>
-              <a:ext uri="{FF2B5EF4-FFF2-40B4-BE49-F238E27FC236}">
-                <a16:creationId xmlns:a16="http://schemas.microsoft.com/office/drawing/2014/main" id="{407C93CD-D9BB-EE45-8A09-54D77C880CB0}"/>
-              </a:ext>
-            </a:extLst>
-          </p:cNvPr>
-          <p:cNvSpPr txBox="1"/>
-          <p:nvPr/>
-        </p:nvSpPr>
-        <p:spPr>
-          <a:xfrm>
-            <a:off x="11511684" y="323173"/>
-            <a:ext cx="1029449" cy="261610"/>
-          </a:xfrm>
-          <a:prstGeom prst="rect">
-            <a:avLst/>
-          </a:prstGeom>
-          <a:noFill/>
-        </p:spPr>
-        <p:txBody>
-          <a:bodyPr wrap="none" rtlCol="0">
-            <a:spAutoFit/>
-          </a:bodyPr>
-          <a:lstStyle/>
-          <a:p>
-            <a:r>
-              <a:rPr lang="en-US" sz="1100" dirty="0"/>
-              <a:t>Hi, JRC Murthy</a:t>
-            </a:r>
-          </a:p>
-        </p:txBody>
-      </p:sp>
-      <p:sp>
-        <p:nvSpPr>
-          <p:cNvPr id="39" name="TextBox 38">
-            <a:extLst>
-              <a:ext uri="{FF2B5EF4-FFF2-40B4-BE49-F238E27FC236}">
-                <a16:creationId xmlns:a16="http://schemas.microsoft.com/office/drawing/2014/main" id="{BC70D7A2-3E35-CA4B-AE30-78E358032325}"/>
-              </a:ext>
-            </a:extLst>
-          </p:cNvPr>
-          <p:cNvSpPr txBox="1"/>
-          <p:nvPr/>
-        </p:nvSpPr>
-        <p:spPr>
-          <a:xfrm>
-            <a:off x="2975207" y="961509"/>
-            <a:ext cx="8014191" cy="430887"/>
-          </a:xfrm>
-          <a:prstGeom prst="rect">
-            <a:avLst/>
-          </a:prstGeom>
-          <a:noFill/>
-        </p:spPr>
-        <p:txBody>
-          <a:bodyPr wrap="square" rtlCol="0">
-            <a:spAutoFit/>
-          </a:bodyPr>
-          <a:lstStyle/>
-          <a:p>
-            <a:pPr algn="ctr"/>
-            <a:r>
-              <a:rPr lang="en-IN" sz="2200" dirty="0">
-                <a:solidFill>
-                  <a:schemeClr val="bg2">
-                    <a:lumMod val="50000"/>
-                  </a:schemeClr>
-                </a:solidFill>
-              </a:rPr>
-              <a:t>Latest Updates</a:t>
-            </a:r>
-          </a:p>
-        </p:txBody>
-      </p:sp>
-      <p:pic>
-        <p:nvPicPr>
-          <p:cNvPr id="3" name="Picture 2"/>
-          <p:cNvPicPr>
-            <a:picLocks noChangeAspect="1"/>
-          </p:cNvPicPr>
-          <p:nvPr/>
-        </p:nvPicPr>
-        <p:blipFill>
-          <a:blip r:embed="rId6"/>
-          <a:stretch>
-            <a:fillRect/>
-          </a:stretch>
-        </p:blipFill>
-        <p:spPr>
-          <a:xfrm>
-            <a:off x="2500152" y="1385629"/>
-            <a:ext cx="10409908" cy="4438291"/>
-          </a:xfrm>
-          <a:prstGeom prst="rect">
-            <a:avLst/>
-          </a:prstGeom>
-        </p:spPr>
-      </p:pic>
-      <p:sp>
-        <p:nvSpPr>
-          <p:cNvPr id="50" name="Rectangle: Rounded Corners 65">
-            <a:extLst>
-              <a:ext uri="{FF2B5EF4-FFF2-40B4-BE49-F238E27FC236}">
-                <a16:creationId xmlns:a16="http://schemas.microsoft.com/office/drawing/2014/main" id="{05EAECDE-3B6D-E24E-8243-B8611089B202}"/>
+      <p:sp>
+        <p:nvSpPr>
+          <p:cNvPr id="99" name="Rectangle: Rounded Corners 98">
+            <a:extLst>
+              <a:ext uri="{FF2B5EF4-FFF2-40B4-BE49-F238E27FC236}">
+                <a16:creationId xmlns:a16="http://schemas.microsoft.com/office/drawing/2014/main" id="{FC936D07-BE0A-4611-A717-2186121A5A63}"/>
               </a:ext>
             </a:extLst>
           </p:cNvPr>
@@ -30351,22 +33555,14 @@
         </p:nvSpPr>
         <p:spPr>
           <a:xfrm>
-            <a:off x="9036688" y="6184444"/>
-            <a:ext cx="2117809" cy="425769"/>
+            <a:off x="10083406" y="1084276"/>
+            <a:ext cx="1995801" cy="294369"/>
           </a:xfrm>
           <a:prstGeom prst="roundRect">
             <a:avLst/>
           </a:prstGeom>
-          <a:solidFill>
-            <a:srgbClr val="00B0F0"/>
-          </a:solidFill>
           <a:ln>
-            <a:solidFill>
-              <a:schemeClr val="accent1">
-                <a:lumMod val="60000"/>
-                <a:lumOff val="40000"/>
-              </a:schemeClr>
-            </a:solidFill>
+            <a:noFill/>
           </a:ln>
         </p:spPr>
         <p:style>
@@ -30391,18 +33587,112 @@
           <a:p>
             <a:pPr algn="ctr"/>
             <a:r>
-              <a:rPr lang="en-IN" sz="1646" dirty="0"/>
-              <a:t>Documentation</a:t>
-            </a:r>
-          </a:p>
-        </p:txBody>
-      </p:sp>
-      <p:sp>
-        <p:nvSpPr>
-          <p:cNvPr id="52" name="Rectangle: Rounded Corners 65">
-            <a:extLst>
-              <a:ext uri="{FF2B5EF4-FFF2-40B4-BE49-F238E27FC236}">
-                <a16:creationId xmlns:a16="http://schemas.microsoft.com/office/drawing/2014/main" id="{05EAECDE-3B6D-E24E-8243-B8611089B202}"/>
+              <a:rPr lang="en-IN" sz="1400" dirty="0"/>
+              <a:t>Generate New Batch</a:t>
+            </a:r>
+          </a:p>
+        </p:txBody>
+      </p:sp>
+      <p:pic>
+        <p:nvPicPr>
+          <p:cNvPr id="6" name="Picture 5">
+            <a:extLst>
+              <a:ext uri="{FF2B5EF4-FFF2-40B4-BE49-F238E27FC236}">
+                <a16:creationId xmlns:a16="http://schemas.microsoft.com/office/drawing/2014/main" id="{D9BA67F9-1BA2-824C-B1E4-69AA0CFCCAC7}"/>
+              </a:ext>
+            </a:extLst>
+          </p:cNvPr>
+          <p:cNvPicPr>
+            <a:picLocks noChangeAspect="1"/>
+          </p:cNvPicPr>
+          <p:nvPr/>
+        </p:nvPicPr>
+        <p:blipFill rotWithShape="1">
+          <a:blip r:embed="rId5"/>
+          <a:srcRect t="12385" r="1559" b="17536"/>
+          <a:stretch/>
+        </p:blipFill>
+        <p:spPr>
+          <a:xfrm>
+            <a:off x="5626133" y="117882"/>
+            <a:ext cx="2089834" cy="743863"/>
+          </a:xfrm>
+          <a:prstGeom prst="rect">
+            <a:avLst/>
+          </a:prstGeom>
+        </p:spPr>
+      </p:pic>
+      <p:pic>
+        <p:nvPicPr>
+          <p:cNvPr id="111" name="Picture 110">
+            <a:extLst>
+              <a:ext uri="{FF2B5EF4-FFF2-40B4-BE49-F238E27FC236}">
+                <a16:creationId xmlns:a16="http://schemas.microsoft.com/office/drawing/2014/main" id="{5DC92A87-7B3E-F145-B851-242A10DFF1A6}"/>
+              </a:ext>
+            </a:extLst>
+          </p:cNvPr>
+          <p:cNvPicPr>
+            <a:picLocks noChangeAspect="1"/>
+          </p:cNvPicPr>
+          <p:nvPr/>
+        </p:nvPicPr>
+        <p:blipFill>
+          <a:blip r:embed="rId6"/>
+          <a:stretch>
+            <a:fillRect/>
+          </a:stretch>
+        </p:blipFill>
+        <p:spPr>
+          <a:xfrm>
+            <a:off x="2397829" y="1003864"/>
+            <a:ext cx="10699116" cy="5923724"/>
+          </a:xfrm>
+          <a:prstGeom prst="rect">
+            <a:avLst/>
+          </a:prstGeom>
+        </p:spPr>
+      </p:pic>
+      <p:sp>
+        <p:nvSpPr>
+          <p:cNvPr id="9" name="TextBox 8">
+            <a:extLst>
+              <a:ext uri="{FF2B5EF4-FFF2-40B4-BE49-F238E27FC236}">
+                <a16:creationId xmlns:a16="http://schemas.microsoft.com/office/drawing/2014/main" id="{407C93CD-D9BB-EE45-8A09-54D77C880CB0}"/>
+              </a:ext>
+            </a:extLst>
+          </p:cNvPr>
+          <p:cNvSpPr txBox="1"/>
+          <p:nvPr/>
+        </p:nvSpPr>
+        <p:spPr>
+          <a:xfrm>
+            <a:off x="11511684" y="323173"/>
+            <a:ext cx="1029449" cy="261610"/>
+          </a:xfrm>
+          <a:prstGeom prst="rect">
+            <a:avLst/>
+          </a:prstGeom>
+          <a:noFill/>
+        </p:spPr>
+        <p:txBody>
+          <a:bodyPr wrap="none" rtlCol="0">
+            <a:spAutoFit/>
+          </a:bodyPr>
+          <a:lstStyle/>
+          <a:p>
+            <a:r>
+              <a:rPr lang="en-US" sz="1100" dirty="0"/>
+              <a:t>Hi, JRC Murthy</a:t>
+            </a:r>
+          </a:p>
+        </p:txBody>
+      </p:sp>
+      <p:sp>
+        <p:nvSpPr>
+          <p:cNvPr id="44" name="Rectangle 43">
+            <a:extLst>
+              <a:ext uri="{FF2B5EF4-FFF2-40B4-BE49-F238E27FC236}">
+                <a16:creationId xmlns:a16="http://schemas.microsoft.com/office/drawing/2014/main" id="{0944FC52-FD1B-9D47-B5AD-C212FFE83E7C}"/>
               </a:ext>
             </a:extLst>
           </p:cNvPr>
@@ -30411,21 +33701,18 @@
         </p:nvSpPr>
         <p:spPr>
           <a:xfrm>
-            <a:off x="4031729" y="6165954"/>
-            <a:ext cx="2103150" cy="404368"/>
-          </a:xfrm>
-          <a:prstGeom prst="roundRect">
+            <a:off x="-2839" y="1026094"/>
+            <a:ext cx="2383085" cy="5901493"/>
+          </a:xfrm>
+          <a:prstGeom prst="rect">
             <a:avLst/>
           </a:prstGeom>
           <a:solidFill>
-            <a:srgbClr val="00B0F0"/>
+            <a:srgbClr val="0090AF"/>
           </a:solidFill>
           <a:ln>
             <a:solidFill>
-              <a:schemeClr val="accent1">
-                <a:lumMod val="60000"/>
-                <a:lumOff val="40000"/>
-              </a:schemeClr>
+              <a:srgbClr val="0090AF"/>
             </a:solidFill>
           </a:ln>
         </p:spPr>
@@ -30446,123 +33733,6 @@
           </a:fontRef>
         </p:style>
         <p:txBody>
-          <a:bodyPr rtlCol="0" anchor="ctr"/>
-          <a:lstStyle/>
-          <a:p>
-            <a:pPr algn="ctr"/>
-            <a:r>
-              <a:rPr lang="en-IN" sz="1646" dirty="0"/>
-              <a:t>Latest Video Lectures</a:t>
-            </a:r>
-          </a:p>
-        </p:txBody>
-      </p:sp>
-      <p:sp>
-        <p:nvSpPr>
-          <p:cNvPr id="46" name="Rectangle: Rounded Corners 65">
-            <a:extLst>
-              <a:ext uri="{FF2B5EF4-FFF2-40B4-BE49-F238E27FC236}">
-                <a16:creationId xmlns:a16="http://schemas.microsoft.com/office/drawing/2014/main" id="{9EBD2B64-F4F3-5C41-B66E-9D2A200DA7DA}"/>
-              </a:ext>
-            </a:extLst>
-          </p:cNvPr>
-          <p:cNvSpPr/>
-          <p:nvPr/>
-        </p:nvSpPr>
-        <p:spPr>
-          <a:xfrm>
-            <a:off x="6526879" y="6184444"/>
-            <a:ext cx="2117809" cy="408266"/>
-          </a:xfrm>
-          <a:prstGeom prst="roundRect">
-            <a:avLst/>
-          </a:prstGeom>
-          <a:solidFill>
-            <a:srgbClr val="00B0F0"/>
-          </a:solidFill>
-          <a:ln>
-            <a:solidFill>
-              <a:schemeClr val="accent1">
-                <a:lumMod val="60000"/>
-                <a:lumOff val="40000"/>
-              </a:schemeClr>
-            </a:solidFill>
-          </a:ln>
-        </p:spPr>
-        <p:style>
-          <a:lnRef idx="2">
-            <a:schemeClr val="accent1">
-              <a:shade val="50000"/>
-            </a:schemeClr>
-          </a:lnRef>
-          <a:fillRef idx="1">
-            <a:schemeClr val="accent1"/>
-          </a:fillRef>
-          <a:effectRef idx="0">
-            <a:schemeClr val="accent1"/>
-          </a:effectRef>
-          <a:fontRef idx="minor">
-            <a:schemeClr val="lt1"/>
-          </a:fontRef>
-        </p:style>
-        <p:txBody>
-          <a:bodyPr rtlCol="0" anchor="ctr"/>
-          <a:lstStyle/>
-          <a:p>
-            <a:pPr algn="ctr"/>
-            <a:r>
-              <a:rPr lang="en-IN" sz="1646" dirty="0"/>
-              <a:t>Latest News</a:t>
-            </a:r>
-          </a:p>
-        </p:txBody>
-      </p:sp>
-      <p:sp>
-        <p:nvSpPr>
-          <p:cNvPr id="74" name="Rectangle 73">
-            <a:extLst>
-              <a:ext uri="{FF2B5EF4-FFF2-40B4-BE49-F238E27FC236}">
-                <a16:creationId xmlns:a16="http://schemas.microsoft.com/office/drawing/2014/main" id="{404DECD5-88FD-604A-9E34-A5D5F647BB38}"/>
-              </a:ext>
-            </a:extLst>
-          </p:cNvPr>
-          <p:cNvSpPr/>
-          <p:nvPr/>
-        </p:nvSpPr>
-        <p:spPr>
-          <a:xfrm>
-            <a:off x="-2839" y="1026094"/>
-            <a:ext cx="2383085" cy="5901493"/>
-          </a:xfrm>
-          <a:prstGeom prst="rect">
-            <a:avLst/>
-          </a:prstGeom>
-          <a:solidFill>
-            <a:srgbClr val="0090AF"/>
-          </a:solidFill>
-          <a:ln>
-            <a:solidFill>
-              <a:srgbClr val="0090AF"/>
-            </a:solidFill>
-          </a:ln>
-        </p:spPr>
-        <p:style>
-          <a:lnRef idx="2">
-            <a:schemeClr val="accent1">
-              <a:shade val="50000"/>
-            </a:schemeClr>
-          </a:lnRef>
-          <a:fillRef idx="1">
-            <a:schemeClr val="accent1"/>
-          </a:fillRef>
-          <a:effectRef idx="0">
-            <a:schemeClr val="accent1"/>
-          </a:effectRef>
-          <a:fontRef idx="minor">
-            <a:schemeClr val="lt1"/>
-          </a:fontRef>
-        </p:style>
-        <p:txBody>
           <a:bodyPr rot="0" spcFirstLastPara="0" vertOverflow="overflow" horzOverflow="overflow" vert="horz" wrap="square" lIns="83617" tIns="41809" rIns="83617" bIns="41809" numCol="1" spcCol="0" rtlCol="0" fromWordArt="0" anchor="ctr" anchorCtr="0" forceAA="0" compatLnSpc="1">
             <a:prstTxWarp prst="textNoShape">
               <a:avLst/>
@@ -30581,10 +33751,10 @@
       </p:sp>
       <p:grpSp>
         <p:nvGrpSpPr>
-          <p:cNvPr id="75" name="Group 74">
-            <a:extLst>
-              <a:ext uri="{FF2B5EF4-FFF2-40B4-BE49-F238E27FC236}">
-                <a16:creationId xmlns:a16="http://schemas.microsoft.com/office/drawing/2014/main" id="{54A6FCCE-A69C-AE4B-B6AF-4EA0F7265C13}"/>
+          <p:cNvPr id="45" name="Group 44">
+            <a:extLst>
+              <a:ext uri="{FF2B5EF4-FFF2-40B4-BE49-F238E27FC236}">
+                <a16:creationId xmlns:a16="http://schemas.microsoft.com/office/drawing/2014/main" id="{1C56C5A9-1575-DB4C-BD7C-D9CA86AA39D2}"/>
               </a:ext>
             </a:extLst>
           </p:cNvPr>
@@ -30601,10 +33771,10 @@
         </p:grpSpPr>
         <p:pic>
           <p:nvPicPr>
-            <p:cNvPr id="78" name="Picture 77">
+            <p:cNvPr id="46" name="Picture 45">
               <a:extLst>
                 <a:ext uri="{FF2B5EF4-FFF2-40B4-BE49-F238E27FC236}">
-                  <a16:creationId xmlns:a16="http://schemas.microsoft.com/office/drawing/2014/main" id="{311F66DE-FEFD-D640-970F-FE99516DB25A}"/>
+                  <a16:creationId xmlns:a16="http://schemas.microsoft.com/office/drawing/2014/main" id="{AD43D36D-5886-6144-A765-E9703D060620}"/>
                 </a:ext>
               </a:extLst>
             </p:cNvPr>
@@ -30638,10 +33808,10 @@
         </p:pic>
         <p:sp>
           <p:nvSpPr>
-            <p:cNvPr id="79" name="TextBox 78">
+            <p:cNvPr id="47" name="TextBox 46">
               <a:extLst>
                 <a:ext uri="{FF2B5EF4-FFF2-40B4-BE49-F238E27FC236}">
-                  <a16:creationId xmlns:a16="http://schemas.microsoft.com/office/drawing/2014/main" id="{322195FA-2ADD-BC40-AFAB-2D11970929BD}"/>
+                  <a16:creationId xmlns:a16="http://schemas.microsoft.com/office/drawing/2014/main" id="{27AA3473-749F-6845-99D7-CB0A5BB42124}"/>
                 </a:ext>
               </a:extLst>
             </p:cNvPr>
@@ -30678,10 +33848,10 @@
       </p:grpSp>
       <p:sp>
         <p:nvSpPr>
-          <p:cNvPr id="80" name="TextBox 79">
-            <a:extLst>
-              <a:ext uri="{FF2B5EF4-FFF2-40B4-BE49-F238E27FC236}">
-                <a16:creationId xmlns:a16="http://schemas.microsoft.com/office/drawing/2014/main" id="{A9B6FE7A-B0AE-0F48-913B-099528BD007C}"/>
+          <p:cNvPr id="48" name="TextBox 47">
+            <a:extLst>
+              <a:ext uri="{FF2B5EF4-FFF2-40B4-BE49-F238E27FC236}">
+                <a16:creationId xmlns:a16="http://schemas.microsoft.com/office/drawing/2014/main" id="{5222A335-EF13-6F4F-8A46-CFFE1DCF7A09}"/>
               </a:ext>
             </a:extLst>
           </p:cNvPr>
@@ -30722,10 +33892,10 @@
       </p:sp>
       <p:pic>
         <p:nvPicPr>
-          <p:cNvPr id="81" name="Picture 80">
-            <a:extLst>
-              <a:ext uri="{FF2B5EF4-FFF2-40B4-BE49-F238E27FC236}">
-                <a16:creationId xmlns:a16="http://schemas.microsoft.com/office/drawing/2014/main" id="{A3D2652B-EF19-0141-A190-E10517E4AC94}"/>
+          <p:cNvPr id="49" name="Picture 48">
+            <a:extLst>
+              <a:ext uri="{FF2B5EF4-FFF2-40B4-BE49-F238E27FC236}">
+                <a16:creationId xmlns:a16="http://schemas.microsoft.com/office/drawing/2014/main" id="{0929A72E-EE1F-684A-9AF3-6876C2B79B4F}"/>
               </a:ext>
             </a:extLst>
           </p:cNvPr>
@@ -30758,10 +33928,10 @@
       </p:pic>
       <p:sp>
         <p:nvSpPr>
-          <p:cNvPr id="82" name="TextBox 81">
-            <a:extLst>
-              <a:ext uri="{FF2B5EF4-FFF2-40B4-BE49-F238E27FC236}">
-                <a16:creationId xmlns:a16="http://schemas.microsoft.com/office/drawing/2014/main" id="{9B7F93EB-D6E6-CF4E-9CA2-AF09CC4EFED6}"/>
+          <p:cNvPr id="50" name="TextBox 49">
+            <a:extLst>
+              <a:ext uri="{FF2B5EF4-FFF2-40B4-BE49-F238E27FC236}">
+                <a16:creationId xmlns:a16="http://schemas.microsoft.com/office/drawing/2014/main" id="{70CC6587-52BE-F541-AD10-A5EE80CFFB1E}"/>
               </a:ext>
             </a:extLst>
           </p:cNvPr>
@@ -30797,10 +33967,10 @@
       </p:sp>
       <p:grpSp>
         <p:nvGrpSpPr>
-          <p:cNvPr id="83" name="Group 82">
-            <a:extLst>
-              <a:ext uri="{FF2B5EF4-FFF2-40B4-BE49-F238E27FC236}">
-                <a16:creationId xmlns:a16="http://schemas.microsoft.com/office/drawing/2014/main" id="{62FEDF6C-1EAF-AB49-A6EE-56C4EE159861}"/>
+          <p:cNvPr id="51" name="Group 50">
+            <a:extLst>
+              <a:ext uri="{FF2B5EF4-FFF2-40B4-BE49-F238E27FC236}">
+                <a16:creationId xmlns:a16="http://schemas.microsoft.com/office/drawing/2014/main" id="{7F9E8D83-A5C0-3E41-9614-BA6CD5151CDB}"/>
               </a:ext>
             </a:extLst>
           </p:cNvPr>
@@ -30817,10 +33987,10 @@
         </p:grpSpPr>
         <p:pic>
           <p:nvPicPr>
-            <p:cNvPr id="84" name="Picture 83">
+            <p:cNvPr id="52" name="Picture 51">
               <a:extLst>
                 <a:ext uri="{FF2B5EF4-FFF2-40B4-BE49-F238E27FC236}">
-                  <a16:creationId xmlns:a16="http://schemas.microsoft.com/office/drawing/2014/main" id="{7BBD9AC7-40FD-AA4E-87FC-5E6EEDFCFDF3}"/>
+                  <a16:creationId xmlns:a16="http://schemas.microsoft.com/office/drawing/2014/main" id="{78BA9E28-306B-CD48-9B62-24063A477E45}"/>
                 </a:ext>
               </a:extLst>
             </p:cNvPr>
@@ -30854,10 +34024,10 @@
         </p:pic>
         <p:sp>
           <p:nvSpPr>
-            <p:cNvPr id="85" name="TextBox 84">
+            <p:cNvPr id="53" name="TextBox 52">
               <a:extLst>
                 <a:ext uri="{FF2B5EF4-FFF2-40B4-BE49-F238E27FC236}">
-                  <a16:creationId xmlns:a16="http://schemas.microsoft.com/office/drawing/2014/main" id="{C856E602-A924-4943-B22C-0B522109DA20}"/>
+                  <a16:creationId xmlns:a16="http://schemas.microsoft.com/office/drawing/2014/main" id="{7859B2FD-288B-6643-A40D-1FBDEBE5CB26}"/>
                 </a:ext>
               </a:extLst>
             </p:cNvPr>
@@ -30894,10 +34064,10 @@
       </p:grpSp>
       <p:pic>
         <p:nvPicPr>
-          <p:cNvPr id="87" name="Picture 86">
-            <a:extLst>
-              <a:ext uri="{FF2B5EF4-FFF2-40B4-BE49-F238E27FC236}">
-                <a16:creationId xmlns:a16="http://schemas.microsoft.com/office/drawing/2014/main" id="{70A47DC4-3590-B34B-8F19-C5646C1B9A9D}"/>
+          <p:cNvPr id="54" name="Picture 53">
+            <a:extLst>
+              <a:ext uri="{FF2B5EF4-FFF2-40B4-BE49-F238E27FC236}">
+                <a16:creationId xmlns:a16="http://schemas.microsoft.com/office/drawing/2014/main" id="{18248209-E5CF-144E-B652-AA570060165B}"/>
               </a:ext>
             </a:extLst>
           </p:cNvPr>
@@ -30930,10 +34100,10 @@
       </p:pic>
       <p:sp>
         <p:nvSpPr>
-          <p:cNvPr id="88" name="TextBox 87">
-            <a:extLst>
-              <a:ext uri="{FF2B5EF4-FFF2-40B4-BE49-F238E27FC236}">
-                <a16:creationId xmlns:a16="http://schemas.microsoft.com/office/drawing/2014/main" id="{98769DAE-CBFD-4747-A0C9-BC9E7CF81524}"/>
+          <p:cNvPr id="55" name="TextBox 54">
+            <a:extLst>
+              <a:ext uri="{FF2B5EF4-FFF2-40B4-BE49-F238E27FC236}">
+                <a16:creationId xmlns:a16="http://schemas.microsoft.com/office/drawing/2014/main" id="{70D36D10-E2DA-E54C-A3F7-975A5CC0DB70}"/>
               </a:ext>
             </a:extLst>
           </p:cNvPr>
@@ -30969,10 +34139,10 @@
       </p:sp>
       <p:grpSp>
         <p:nvGrpSpPr>
-          <p:cNvPr id="89" name="Group 88">
-            <a:extLst>
-              <a:ext uri="{FF2B5EF4-FFF2-40B4-BE49-F238E27FC236}">
-                <a16:creationId xmlns:a16="http://schemas.microsoft.com/office/drawing/2014/main" id="{83B6EE30-EE73-B744-9AF7-5E36537179F3}"/>
+          <p:cNvPr id="56" name="Group 55">
+            <a:extLst>
+              <a:ext uri="{FF2B5EF4-FFF2-40B4-BE49-F238E27FC236}">
+                <a16:creationId xmlns:a16="http://schemas.microsoft.com/office/drawing/2014/main" id="{8DF89587-C10D-DB47-AFE3-3888E3E8F6E8}"/>
               </a:ext>
             </a:extLst>
           </p:cNvPr>
@@ -30989,10 +34159,10 @@
         </p:grpSpPr>
         <p:pic>
           <p:nvPicPr>
-            <p:cNvPr id="90" name="Picture 89">
+            <p:cNvPr id="57" name="Picture 56">
               <a:extLst>
                 <a:ext uri="{FF2B5EF4-FFF2-40B4-BE49-F238E27FC236}">
-                  <a16:creationId xmlns:a16="http://schemas.microsoft.com/office/drawing/2014/main" id="{14F3095F-402F-7841-8903-FFCC2F8453DE}"/>
+                  <a16:creationId xmlns:a16="http://schemas.microsoft.com/office/drawing/2014/main" id="{E088F5B7-222A-B648-920A-5AC8C862D8C6}"/>
                 </a:ext>
               </a:extLst>
             </p:cNvPr>
@@ -31026,10 +34196,10 @@
         </p:pic>
         <p:sp>
           <p:nvSpPr>
-            <p:cNvPr id="92" name="TextBox 91">
+            <p:cNvPr id="58" name="TextBox 57">
               <a:extLst>
                 <a:ext uri="{FF2B5EF4-FFF2-40B4-BE49-F238E27FC236}">
-                  <a16:creationId xmlns:a16="http://schemas.microsoft.com/office/drawing/2014/main" id="{7B5C0612-3EF8-8C48-861F-F070747423F5}"/>
+                  <a16:creationId xmlns:a16="http://schemas.microsoft.com/office/drawing/2014/main" id="{9EE9ABE0-D4BA-8641-BA44-C7A26708EC0D}"/>
                 </a:ext>
               </a:extLst>
             </p:cNvPr>
@@ -31066,10 +34236,10 @@
       </p:grpSp>
       <p:sp>
         <p:nvSpPr>
-          <p:cNvPr id="95" name="TextBox 94">
-            <a:extLst>
-              <a:ext uri="{FF2B5EF4-FFF2-40B4-BE49-F238E27FC236}">
-                <a16:creationId xmlns:a16="http://schemas.microsoft.com/office/drawing/2014/main" id="{6ADB3683-3425-B74B-BA31-87CE7CF63346}"/>
+          <p:cNvPr id="59" name="TextBox 58">
+            <a:extLst>
+              <a:ext uri="{FF2B5EF4-FFF2-40B4-BE49-F238E27FC236}">
+                <a16:creationId xmlns:a16="http://schemas.microsoft.com/office/drawing/2014/main" id="{B9D06C66-B806-1E42-95EC-842448C29C03}"/>
               </a:ext>
             </a:extLst>
           </p:cNvPr>
@@ -31105,10 +34275,10 @@
       </p:sp>
       <p:sp>
         <p:nvSpPr>
-          <p:cNvPr id="109" name="TextBox 108">
-            <a:extLst>
-              <a:ext uri="{FF2B5EF4-FFF2-40B4-BE49-F238E27FC236}">
-                <a16:creationId xmlns:a16="http://schemas.microsoft.com/office/drawing/2014/main" id="{DA102FC6-C03A-6544-BD29-B4AB24422F5F}"/>
+          <p:cNvPr id="61" name="TextBox 60">
+            <a:extLst>
+              <a:ext uri="{FF2B5EF4-FFF2-40B4-BE49-F238E27FC236}">
+                <a16:creationId xmlns:a16="http://schemas.microsoft.com/office/drawing/2014/main" id="{6340D842-09AA-D34E-AE4D-E0FFCE1839D1}"/>
               </a:ext>
             </a:extLst>
           </p:cNvPr>
@@ -31144,10 +34314,10 @@
       </p:sp>
       <p:pic>
         <p:nvPicPr>
-          <p:cNvPr id="110" name="Picture 109">
-            <a:extLst>
-              <a:ext uri="{FF2B5EF4-FFF2-40B4-BE49-F238E27FC236}">
-                <a16:creationId xmlns:a16="http://schemas.microsoft.com/office/drawing/2014/main" id="{5251ACB6-E51A-A54B-8716-AE8889734C96}"/>
+          <p:cNvPr id="62" name="Picture 61">
+            <a:extLst>
+              <a:ext uri="{FF2B5EF4-FFF2-40B4-BE49-F238E27FC236}">
+                <a16:creationId xmlns:a16="http://schemas.microsoft.com/office/drawing/2014/main" id="{AD561B3B-429E-3D47-B7DB-80B5B25BF35C}"/>
               </a:ext>
             </a:extLst>
           </p:cNvPr>
@@ -31174,10 +34344,10 @@
       </p:pic>
       <p:pic>
         <p:nvPicPr>
-          <p:cNvPr id="111" name="Picture 110">
-            <a:extLst>
-              <a:ext uri="{FF2B5EF4-FFF2-40B4-BE49-F238E27FC236}">
-                <a16:creationId xmlns:a16="http://schemas.microsoft.com/office/drawing/2014/main" id="{558DF117-57B3-304F-AF90-A69EDE0282AD}"/>
+          <p:cNvPr id="63" name="Picture 62">
+            <a:extLst>
+              <a:ext uri="{FF2B5EF4-FFF2-40B4-BE49-F238E27FC236}">
+                <a16:creationId xmlns:a16="http://schemas.microsoft.com/office/drawing/2014/main" id="{107675D5-D1A0-D149-86F1-0CBFBA789C87}"/>
               </a:ext>
             </a:extLst>
           </p:cNvPr>
@@ -31204,10 +34374,10 @@
       </p:pic>
       <p:pic>
         <p:nvPicPr>
-          <p:cNvPr id="112" name="Picture 111">
-            <a:extLst>
-              <a:ext uri="{FF2B5EF4-FFF2-40B4-BE49-F238E27FC236}">
-                <a16:creationId xmlns:a16="http://schemas.microsoft.com/office/drawing/2014/main" id="{4A2E62AD-A6CF-2343-8EF1-3F2081EE3930}"/>
+          <p:cNvPr id="64" name="Picture 63">
+            <a:extLst>
+              <a:ext uri="{FF2B5EF4-FFF2-40B4-BE49-F238E27FC236}">
+                <a16:creationId xmlns:a16="http://schemas.microsoft.com/office/drawing/2014/main" id="{1D952DA3-E776-F64F-8902-BA38A695B16C}"/>
               </a:ext>
             </a:extLst>
           </p:cNvPr>
@@ -31234,10 +34404,10 @@
       </p:pic>
       <p:grpSp>
         <p:nvGrpSpPr>
-          <p:cNvPr id="43" name="Group 42">
-            <a:extLst>
-              <a:ext uri="{FF2B5EF4-FFF2-40B4-BE49-F238E27FC236}">
-                <a16:creationId xmlns:a16="http://schemas.microsoft.com/office/drawing/2014/main" id="{66C49054-007B-004E-A1E5-81B94A489310}"/>
+          <p:cNvPr id="40" name="Group 39">
+            <a:extLst>
+              <a:ext uri="{FF2B5EF4-FFF2-40B4-BE49-F238E27FC236}">
+                <a16:creationId xmlns:a16="http://schemas.microsoft.com/office/drawing/2014/main" id="{04FABFC6-1B45-864F-9B92-96A54AF7DE2C}"/>
               </a:ext>
             </a:extLst>
           </p:cNvPr>
@@ -31254,10 +34424,10 @@
         </p:grpSpPr>
         <p:sp>
           <p:nvSpPr>
-            <p:cNvPr id="44" name="TextBox 43">
+            <p:cNvPr id="41" name="TextBox 40">
               <a:extLst>
                 <a:ext uri="{FF2B5EF4-FFF2-40B4-BE49-F238E27FC236}">
-                  <a16:creationId xmlns:a16="http://schemas.microsoft.com/office/drawing/2014/main" id="{48000932-1356-BA4D-9E5D-074F958FB756}"/>
+                  <a16:creationId xmlns:a16="http://schemas.microsoft.com/office/drawing/2014/main" id="{FD4B0AFA-14CE-F04E-BFE1-5BA5D363E07F}"/>
                 </a:ext>
               </a:extLst>
             </p:cNvPr>
@@ -31289,10 +34459,10 @@
         </p:sp>
         <p:pic>
           <p:nvPicPr>
-            <p:cNvPr id="45" name="Picture 44">
+            <p:cNvPr id="43" name="Picture 42">
               <a:extLst>
                 <a:ext uri="{FF2B5EF4-FFF2-40B4-BE49-F238E27FC236}">
-                  <a16:creationId xmlns:a16="http://schemas.microsoft.com/office/drawing/2014/main" id="{5139BE77-E8E4-8C4E-B05D-AA443E44203E}"/>
+                  <a16:creationId xmlns:a16="http://schemas.microsoft.com/office/drawing/2014/main" id="{D074B877-B784-E64F-8CB2-EEDDB98B15F3}"/>
                 </a:ext>
               </a:extLst>
             </p:cNvPr>
@@ -31326,10 +34496,10 @@
       </p:grpSp>
       <p:pic>
         <p:nvPicPr>
-          <p:cNvPr id="47" name="Picture 46">
-            <a:extLst>
-              <a:ext uri="{FF2B5EF4-FFF2-40B4-BE49-F238E27FC236}">
-                <a16:creationId xmlns:a16="http://schemas.microsoft.com/office/drawing/2014/main" id="{ADF00AC1-DF0A-364A-B2AA-21D59C5B1030}"/>
+          <p:cNvPr id="65" name="Picture 64">
+            <a:extLst>
+              <a:ext uri="{FF2B5EF4-FFF2-40B4-BE49-F238E27FC236}">
+                <a16:creationId xmlns:a16="http://schemas.microsoft.com/office/drawing/2014/main" id="{4EA8F9EA-D3BB-F640-BCAE-ECEBB4BB6323}"/>
               </a:ext>
             </a:extLst>
           </p:cNvPr>
@@ -31355,10 +34525,10 @@
       </p:pic>
       <p:sp>
         <p:nvSpPr>
-          <p:cNvPr id="48" name="TextBox 47">
-            <a:extLst>
-              <a:ext uri="{FF2B5EF4-FFF2-40B4-BE49-F238E27FC236}">
-                <a16:creationId xmlns:a16="http://schemas.microsoft.com/office/drawing/2014/main" id="{33D5A794-0D4F-A742-AE5C-7DD353CD39B7}"/>
+          <p:cNvPr id="67" name="TextBox 66">
+            <a:extLst>
+              <a:ext uri="{FF2B5EF4-FFF2-40B4-BE49-F238E27FC236}">
+                <a16:creationId xmlns:a16="http://schemas.microsoft.com/office/drawing/2014/main" id="{BD8E6D02-D7FD-D74D-BC29-D2712786C048}"/>
               </a:ext>
             </a:extLst>
           </p:cNvPr>
@@ -31390,10 +34560,10 @@
       </p:sp>
       <p:pic>
         <p:nvPicPr>
-          <p:cNvPr id="49" name="Picture 48">
-            <a:extLst>
-              <a:ext uri="{FF2B5EF4-FFF2-40B4-BE49-F238E27FC236}">
-                <a16:creationId xmlns:a16="http://schemas.microsoft.com/office/drawing/2014/main" id="{B6E76E86-4BD0-B746-8F78-BDA87859E0BD}"/>
+          <p:cNvPr id="68" name="Picture 67">
+            <a:extLst>
+              <a:ext uri="{FF2B5EF4-FFF2-40B4-BE49-F238E27FC236}">
+                <a16:creationId xmlns:a16="http://schemas.microsoft.com/office/drawing/2014/main" id="{AFEBE054-A99A-8D45-AA0D-77F3FDC91848}"/>
               </a:ext>
             </a:extLst>
           </p:cNvPr>
@@ -31427,7 +34597,7 @@
     </p:spTree>
     <p:extLst>
       <p:ext uri="{BB962C8B-B14F-4D97-AF65-F5344CB8AC3E}">
-        <p14:creationId xmlns:p14="http://schemas.microsoft.com/office/powerpoint/2010/main" val="92813288"/>
+        <p14:creationId xmlns:p14="http://schemas.microsoft.com/office/powerpoint/2010/main" val="987205845"/>
       </p:ext>
     </p:extLst>
   </p:cSld>
@@ -31454,68 +34624,6 @@
           <a:chExt cx="0" cy="0"/>
         </a:xfrm>
       </p:grpSpPr>
-      <p:sp>
-        <p:nvSpPr>
-          <p:cNvPr id="46" name="Rectangle 45">
-            <a:extLst>
-              <a:ext uri="{FF2B5EF4-FFF2-40B4-BE49-F238E27FC236}">
-                <a16:creationId xmlns:a16="http://schemas.microsoft.com/office/drawing/2014/main" id="{FAA97AB4-F0D3-4C89-92BC-3B6B7236B6BA}"/>
-              </a:ext>
-            </a:extLst>
-          </p:cNvPr>
-          <p:cNvSpPr/>
-          <p:nvPr/>
-        </p:nvSpPr>
-        <p:spPr>
-          <a:xfrm>
-            <a:off x="3065051" y="1421442"/>
-            <a:ext cx="9280109" cy="4687528"/>
-          </a:xfrm>
-          <a:prstGeom prst="rect">
-            <a:avLst/>
-          </a:prstGeom>
-          <a:solidFill>
-            <a:srgbClr val="0090AF"/>
-          </a:solidFill>
-          <a:ln>
-            <a:solidFill>
-              <a:srgbClr val="0090AF"/>
-            </a:solidFill>
-          </a:ln>
-        </p:spPr>
-        <p:style>
-          <a:lnRef idx="2">
-            <a:schemeClr val="accent1">
-              <a:shade val="50000"/>
-            </a:schemeClr>
-          </a:lnRef>
-          <a:fillRef idx="1">
-            <a:schemeClr val="accent1"/>
-          </a:fillRef>
-          <a:effectRef idx="0">
-            <a:schemeClr val="accent1"/>
-          </a:effectRef>
-          <a:fontRef idx="minor">
-            <a:schemeClr val="lt1"/>
-          </a:fontRef>
-        </p:style>
-        <p:txBody>
-          <a:bodyPr rot="0" spcFirstLastPara="0" vertOverflow="overflow" horzOverflow="overflow" vert="horz" wrap="square" lIns="83617" tIns="41809" rIns="83617" bIns="41809" numCol="1" spcCol="0" rtlCol="0" fromWordArt="0" anchor="ctr" anchorCtr="0" forceAA="0" compatLnSpc="1">
-            <a:prstTxWarp prst="textNoShape">
-              <a:avLst/>
-            </a:prstTxWarp>
-            <a:noAutofit/>
-          </a:bodyPr>
-          <a:lstStyle/>
-          <a:p>
-            <a:endParaRPr lang="en-IN" dirty="0">
-              <a:solidFill>
-                <a:schemeClr val="bg1"/>
-              </a:solidFill>
-            </a:endParaRPr>
-          </a:p>
-        </p:txBody>
-      </p:sp>
       <p:sp>
         <p:nvSpPr>
           <p:cNvPr id="118" name="Rectangle 117">
@@ -32079,7 +35187,7 @@
         </p:blipFill>
         <p:spPr>
           <a:xfrm>
-            <a:off x="5621504" y="115071"/>
+            <a:off x="5627463" y="113941"/>
             <a:ext cx="2089834" cy="743863"/>
           </a:xfrm>
           <a:prstGeom prst="rect">
@@ -32159,14 +35267,14 @@
                   </a:schemeClr>
                 </a:solidFill>
               </a:rPr>
-              <a:t>Latest Video Lectures : HARDCODE</a:t>
+              <a:t>Latest Updates</a:t>
             </a:r>
           </a:p>
         </p:txBody>
       </p:sp>
       <p:pic>
         <p:nvPicPr>
-          <p:cNvPr id="4" name="Picture 3"/>
+          <p:cNvPr id="3" name="Picture 2"/>
           <p:cNvPicPr>
             <a:picLocks noChangeAspect="1"/>
           </p:cNvPicPr>
@@ -32180,8 +35288,8 @@
         </p:blipFill>
         <p:spPr>
           <a:xfrm>
-            <a:off x="3665817" y="1814571"/>
-            <a:ext cx="8090819" cy="4010025"/>
+            <a:off x="2500152" y="1385629"/>
+            <a:ext cx="10409908" cy="4438291"/>
           </a:xfrm>
           <a:prstGeom prst="rect">
             <a:avLst/>
@@ -32190,10 +35298,10 @@
       </p:pic>
       <p:sp>
         <p:nvSpPr>
-          <p:cNvPr id="54" name="Rectangle: Rounded Corners 65">
-            <a:extLst>
-              <a:ext uri="{FF2B5EF4-FFF2-40B4-BE49-F238E27FC236}">
-                <a16:creationId xmlns:a16="http://schemas.microsoft.com/office/drawing/2014/main" id="{FAEA9BFF-A71D-9048-A341-CA9C061D7D43}"/>
+          <p:cNvPr id="50" name="Rectangle: Rounded Corners 65">
+            <a:extLst>
+              <a:ext uri="{FF2B5EF4-FFF2-40B4-BE49-F238E27FC236}">
+                <a16:creationId xmlns:a16="http://schemas.microsoft.com/office/drawing/2014/main" id="{05EAECDE-3B6D-E24E-8243-B8611089B202}"/>
               </a:ext>
             </a:extLst>
           </p:cNvPr>
@@ -32202,7 +35310,7 @@
         </p:nvSpPr>
         <p:spPr>
           <a:xfrm>
-            <a:off x="9036688" y="6425365"/>
+            <a:off x="9036688" y="6184444"/>
             <a:ext cx="2117809" cy="425769"/>
           </a:xfrm>
           <a:prstGeom prst="roundRect">
@@ -32250,10 +35358,10 @@
       </p:sp>
       <p:sp>
         <p:nvSpPr>
-          <p:cNvPr id="55" name="Rectangle: Rounded Corners 65">
-            <a:extLst>
-              <a:ext uri="{FF2B5EF4-FFF2-40B4-BE49-F238E27FC236}">
-                <a16:creationId xmlns:a16="http://schemas.microsoft.com/office/drawing/2014/main" id="{C99E1ABA-0208-6F4A-BE3D-FF372FC74EA2}"/>
+          <p:cNvPr id="52" name="Rectangle: Rounded Corners 65">
+            <a:extLst>
+              <a:ext uri="{FF2B5EF4-FFF2-40B4-BE49-F238E27FC236}">
+                <a16:creationId xmlns:a16="http://schemas.microsoft.com/office/drawing/2014/main" id="{05EAECDE-3B6D-E24E-8243-B8611089B202}"/>
               </a:ext>
             </a:extLst>
           </p:cNvPr>
@@ -32262,7 +35370,7 @@
         </p:nvSpPr>
         <p:spPr>
           <a:xfrm>
-            <a:off x="4031729" y="6406875"/>
+            <a:off x="4031729" y="6165954"/>
             <a:ext cx="2103150" cy="404368"/>
           </a:xfrm>
           <a:prstGeom prst="roundRect">
@@ -32310,10 +35418,10 @@
       </p:sp>
       <p:sp>
         <p:nvSpPr>
-          <p:cNvPr id="56" name="Rectangle: Rounded Corners 65">
-            <a:extLst>
-              <a:ext uri="{FF2B5EF4-FFF2-40B4-BE49-F238E27FC236}">
-                <a16:creationId xmlns:a16="http://schemas.microsoft.com/office/drawing/2014/main" id="{ECAAA134-E4C3-BD4D-93D4-F68371FD1869}"/>
+          <p:cNvPr id="46" name="Rectangle: Rounded Corners 65">
+            <a:extLst>
+              <a:ext uri="{FF2B5EF4-FFF2-40B4-BE49-F238E27FC236}">
+                <a16:creationId xmlns:a16="http://schemas.microsoft.com/office/drawing/2014/main" id="{9EBD2B64-F4F3-5C41-B66E-9D2A200DA7DA}"/>
               </a:ext>
             </a:extLst>
           </p:cNvPr>
@@ -32322,7 +35430,7 @@
         </p:nvSpPr>
         <p:spPr>
           <a:xfrm>
-            <a:off x="6526879" y="6425365"/>
+            <a:off x="6526879" y="6184444"/>
             <a:ext cx="2117809" cy="408266"/>
           </a:xfrm>
           <a:prstGeom prst="roundRect">
@@ -32370,10 +35478,10 @@
       </p:sp>
       <p:sp>
         <p:nvSpPr>
-          <p:cNvPr id="75" name="Rectangle 74">
-            <a:extLst>
-              <a:ext uri="{FF2B5EF4-FFF2-40B4-BE49-F238E27FC236}">
-                <a16:creationId xmlns:a16="http://schemas.microsoft.com/office/drawing/2014/main" id="{6E5FE87D-9FBC-D549-9189-9660198F4749}"/>
+          <p:cNvPr id="74" name="Rectangle 73">
+            <a:extLst>
+              <a:ext uri="{FF2B5EF4-FFF2-40B4-BE49-F238E27FC236}">
+                <a16:creationId xmlns:a16="http://schemas.microsoft.com/office/drawing/2014/main" id="{404DECD5-88FD-604A-9E34-A5D5F647BB38}"/>
               </a:ext>
             </a:extLst>
           </p:cNvPr>
@@ -32432,10 +35540,10 @@
       </p:sp>
       <p:grpSp>
         <p:nvGrpSpPr>
-          <p:cNvPr id="78" name="Group 77">
-            <a:extLst>
-              <a:ext uri="{FF2B5EF4-FFF2-40B4-BE49-F238E27FC236}">
-                <a16:creationId xmlns:a16="http://schemas.microsoft.com/office/drawing/2014/main" id="{2F79DFD8-7D50-C94C-A61D-A492A1D08B91}"/>
+          <p:cNvPr id="75" name="Group 74">
+            <a:extLst>
+              <a:ext uri="{FF2B5EF4-FFF2-40B4-BE49-F238E27FC236}">
+                <a16:creationId xmlns:a16="http://schemas.microsoft.com/office/drawing/2014/main" id="{54A6FCCE-A69C-AE4B-B6AF-4EA0F7265C13}"/>
               </a:ext>
             </a:extLst>
           </p:cNvPr>
@@ -32452,10 +35560,10 @@
         </p:grpSpPr>
         <p:pic>
           <p:nvPicPr>
-            <p:cNvPr id="79" name="Picture 78">
+            <p:cNvPr id="78" name="Picture 77">
               <a:extLst>
                 <a:ext uri="{FF2B5EF4-FFF2-40B4-BE49-F238E27FC236}">
-                  <a16:creationId xmlns:a16="http://schemas.microsoft.com/office/drawing/2014/main" id="{EEA7CB3E-A0FB-7540-89A1-55F4926536DD}"/>
+                  <a16:creationId xmlns:a16="http://schemas.microsoft.com/office/drawing/2014/main" id="{311F66DE-FEFD-D640-970F-FE99516DB25A}"/>
                 </a:ext>
               </a:extLst>
             </p:cNvPr>
@@ -32489,10 +35597,10 @@
         </p:pic>
         <p:sp>
           <p:nvSpPr>
-            <p:cNvPr id="80" name="TextBox 79">
+            <p:cNvPr id="79" name="TextBox 78">
               <a:extLst>
                 <a:ext uri="{FF2B5EF4-FFF2-40B4-BE49-F238E27FC236}">
-                  <a16:creationId xmlns:a16="http://schemas.microsoft.com/office/drawing/2014/main" id="{793A58C4-7F5A-FA4B-B8E4-4074C09BE98E}"/>
+                  <a16:creationId xmlns:a16="http://schemas.microsoft.com/office/drawing/2014/main" id="{322195FA-2ADD-BC40-AFAB-2D11970929BD}"/>
                 </a:ext>
               </a:extLst>
             </p:cNvPr>
@@ -32529,10 +35637,10 @@
       </p:grpSp>
       <p:sp>
         <p:nvSpPr>
-          <p:cNvPr id="81" name="TextBox 80">
-            <a:extLst>
-              <a:ext uri="{FF2B5EF4-FFF2-40B4-BE49-F238E27FC236}">
-                <a16:creationId xmlns:a16="http://schemas.microsoft.com/office/drawing/2014/main" id="{2794011C-7777-1A4D-993C-C823DF00A958}"/>
+          <p:cNvPr id="80" name="TextBox 79">
+            <a:extLst>
+              <a:ext uri="{FF2B5EF4-FFF2-40B4-BE49-F238E27FC236}">
+                <a16:creationId xmlns:a16="http://schemas.microsoft.com/office/drawing/2014/main" id="{A9B6FE7A-B0AE-0F48-913B-099528BD007C}"/>
               </a:ext>
             </a:extLst>
           </p:cNvPr>
@@ -32573,10 +35681,10 @@
       </p:sp>
       <p:pic>
         <p:nvPicPr>
-          <p:cNvPr id="82" name="Picture 81">
-            <a:extLst>
-              <a:ext uri="{FF2B5EF4-FFF2-40B4-BE49-F238E27FC236}">
-                <a16:creationId xmlns:a16="http://schemas.microsoft.com/office/drawing/2014/main" id="{B2E3B43F-396D-5F41-86DE-B9F28D4C8259}"/>
+          <p:cNvPr id="81" name="Picture 80">
+            <a:extLst>
+              <a:ext uri="{FF2B5EF4-FFF2-40B4-BE49-F238E27FC236}">
+                <a16:creationId xmlns:a16="http://schemas.microsoft.com/office/drawing/2014/main" id="{A3D2652B-EF19-0141-A190-E10517E4AC94}"/>
               </a:ext>
             </a:extLst>
           </p:cNvPr>
@@ -32609,10 +35717,10 @@
       </p:pic>
       <p:sp>
         <p:nvSpPr>
-          <p:cNvPr id="83" name="TextBox 82">
-            <a:extLst>
-              <a:ext uri="{FF2B5EF4-FFF2-40B4-BE49-F238E27FC236}">
-                <a16:creationId xmlns:a16="http://schemas.microsoft.com/office/drawing/2014/main" id="{E083B724-61EC-F14A-BE95-CBDF8DBBD573}"/>
+          <p:cNvPr id="82" name="TextBox 81">
+            <a:extLst>
+              <a:ext uri="{FF2B5EF4-FFF2-40B4-BE49-F238E27FC236}">
+                <a16:creationId xmlns:a16="http://schemas.microsoft.com/office/drawing/2014/main" id="{9B7F93EB-D6E6-CF4E-9CA2-AF09CC4EFED6}"/>
               </a:ext>
             </a:extLst>
           </p:cNvPr>
@@ -32648,10 +35756,10 @@
       </p:sp>
       <p:grpSp>
         <p:nvGrpSpPr>
-          <p:cNvPr id="84" name="Group 83">
-            <a:extLst>
-              <a:ext uri="{FF2B5EF4-FFF2-40B4-BE49-F238E27FC236}">
-                <a16:creationId xmlns:a16="http://schemas.microsoft.com/office/drawing/2014/main" id="{575E459D-E6FB-724F-90E1-25F7CBB10AE6}"/>
+          <p:cNvPr id="83" name="Group 82">
+            <a:extLst>
+              <a:ext uri="{FF2B5EF4-FFF2-40B4-BE49-F238E27FC236}">
+                <a16:creationId xmlns:a16="http://schemas.microsoft.com/office/drawing/2014/main" id="{62FEDF6C-1EAF-AB49-A6EE-56C4EE159861}"/>
               </a:ext>
             </a:extLst>
           </p:cNvPr>
@@ -32668,10 +35776,10 @@
         </p:grpSpPr>
         <p:pic>
           <p:nvPicPr>
-            <p:cNvPr id="85" name="Picture 84">
+            <p:cNvPr id="84" name="Picture 83">
               <a:extLst>
                 <a:ext uri="{FF2B5EF4-FFF2-40B4-BE49-F238E27FC236}">
-                  <a16:creationId xmlns:a16="http://schemas.microsoft.com/office/drawing/2014/main" id="{CCCA570B-7AA0-3348-9120-1DACEFF33032}"/>
+                  <a16:creationId xmlns:a16="http://schemas.microsoft.com/office/drawing/2014/main" id="{7BBD9AC7-40FD-AA4E-87FC-5E6EEDFCFDF3}"/>
                 </a:ext>
               </a:extLst>
             </p:cNvPr>
@@ -32705,10 +35813,10 @@
         </p:pic>
         <p:sp>
           <p:nvSpPr>
-            <p:cNvPr id="87" name="TextBox 86">
+            <p:cNvPr id="85" name="TextBox 84">
               <a:extLst>
                 <a:ext uri="{FF2B5EF4-FFF2-40B4-BE49-F238E27FC236}">
-                  <a16:creationId xmlns:a16="http://schemas.microsoft.com/office/drawing/2014/main" id="{90C3538B-DB9B-B44E-AA68-8E990332F1DA}"/>
+                  <a16:creationId xmlns:a16="http://schemas.microsoft.com/office/drawing/2014/main" id="{C856E602-A924-4943-B22C-0B522109DA20}"/>
                 </a:ext>
               </a:extLst>
             </p:cNvPr>
@@ -32745,10 +35853,10 @@
       </p:grpSp>
       <p:pic>
         <p:nvPicPr>
-          <p:cNvPr id="88" name="Picture 87">
-            <a:extLst>
-              <a:ext uri="{FF2B5EF4-FFF2-40B4-BE49-F238E27FC236}">
-                <a16:creationId xmlns:a16="http://schemas.microsoft.com/office/drawing/2014/main" id="{CC8271A8-7388-524F-908C-AF9548A83416}"/>
+          <p:cNvPr id="87" name="Picture 86">
+            <a:extLst>
+              <a:ext uri="{FF2B5EF4-FFF2-40B4-BE49-F238E27FC236}">
+                <a16:creationId xmlns:a16="http://schemas.microsoft.com/office/drawing/2014/main" id="{70A47DC4-3590-B34B-8F19-C5646C1B9A9D}"/>
               </a:ext>
             </a:extLst>
           </p:cNvPr>
@@ -32781,10 +35889,10 @@
       </p:pic>
       <p:sp>
         <p:nvSpPr>
-          <p:cNvPr id="89" name="TextBox 88">
-            <a:extLst>
-              <a:ext uri="{FF2B5EF4-FFF2-40B4-BE49-F238E27FC236}">
-                <a16:creationId xmlns:a16="http://schemas.microsoft.com/office/drawing/2014/main" id="{066C0085-1F96-BF42-83EE-70DD5A95A0F4}"/>
+          <p:cNvPr id="88" name="TextBox 87">
+            <a:extLst>
+              <a:ext uri="{FF2B5EF4-FFF2-40B4-BE49-F238E27FC236}">
+                <a16:creationId xmlns:a16="http://schemas.microsoft.com/office/drawing/2014/main" id="{98769DAE-CBFD-4747-A0C9-BC9E7CF81524}"/>
               </a:ext>
             </a:extLst>
           </p:cNvPr>
@@ -32820,10 +35928,10 @@
       </p:sp>
       <p:grpSp>
         <p:nvGrpSpPr>
-          <p:cNvPr id="90" name="Group 89">
-            <a:extLst>
-              <a:ext uri="{FF2B5EF4-FFF2-40B4-BE49-F238E27FC236}">
-                <a16:creationId xmlns:a16="http://schemas.microsoft.com/office/drawing/2014/main" id="{F30FA5F2-99AD-4E47-A3B9-E6D6221EB82B}"/>
+          <p:cNvPr id="89" name="Group 88">
+            <a:extLst>
+              <a:ext uri="{FF2B5EF4-FFF2-40B4-BE49-F238E27FC236}">
+                <a16:creationId xmlns:a16="http://schemas.microsoft.com/office/drawing/2014/main" id="{83B6EE30-EE73-B744-9AF7-5E36537179F3}"/>
               </a:ext>
             </a:extLst>
           </p:cNvPr>
@@ -32840,10 +35948,10 @@
         </p:grpSpPr>
         <p:pic>
           <p:nvPicPr>
-            <p:cNvPr id="92" name="Picture 91">
+            <p:cNvPr id="90" name="Picture 89">
               <a:extLst>
                 <a:ext uri="{FF2B5EF4-FFF2-40B4-BE49-F238E27FC236}">
-                  <a16:creationId xmlns:a16="http://schemas.microsoft.com/office/drawing/2014/main" id="{1711C06C-C45A-5747-A617-DAD10D6156F9}"/>
+                  <a16:creationId xmlns:a16="http://schemas.microsoft.com/office/drawing/2014/main" id="{14F3095F-402F-7841-8903-FFCC2F8453DE}"/>
                 </a:ext>
               </a:extLst>
             </p:cNvPr>
@@ -32877,10 +35985,10 @@
         </p:pic>
         <p:sp>
           <p:nvSpPr>
-            <p:cNvPr id="95" name="TextBox 94">
+            <p:cNvPr id="92" name="TextBox 91">
               <a:extLst>
                 <a:ext uri="{FF2B5EF4-FFF2-40B4-BE49-F238E27FC236}">
-                  <a16:creationId xmlns:a16="http://schemas.microsoft.com/office/drawing/2014/main" id="{C58EEAD1-2BE8-D144-AC9A-6C9F8B482F5C}"/>
+                  <a16:creationId xmlns:a16="http://schemas.microsoft.com/office/drawing/2014/main" id="{7B5C0612-3EF8-8C48-861F-F070747423F5}"/>
                 </a:ext>
               </a:extLst>
             </p:cNvPr>
@@ -32917,10 +36025,10 @@
       </p:grpSp>
       <p:sp>
         <p:nvSpPr>
-          <p:cNvPr id="99" name="TextBox 98">
-            <a:extLst>
-              <a:ext uri="{FF2B5EF4-FFF2-40B4-BE49-F238E27FC236}">
-                <a16:creationId xmlns:a16="http://schemas.microsoft.com/office/drawing/2014/main" id="{A26C90F6-D11C-BB4D-B509-1B0694EF1D9E}"/>
+          <p:cNvPr id="95" name="TextBox 94">
+            <a:extLst>
+              <a:ext uri="{FF2B5EF4-FFF2-40B4-BE49-F238E27FC236}">
+                <a16:creationId xmlns:a16="http://schemas.microsoft.com/office/drawing/2014/main" id="{6ADB3683-3425-B74B-BA31-87CE7CF63346}"/>
               </a:ext>
             </a:extLst>
           </p:cNvPr>
@@ -32956,10 +36064,10 @@
       </p:sp>
       <p:sp>
         <p:nvSpPr>
-          <p:cNvPr id="110" name="TextBox 109">
-            <a:extLst>
-              <a:ext uri="{FF2B5EF4-FFF2-40B4-BE49-F238E27FC236}">
-                <a16:creationId xmlns:a16="http://schemas.microsoft.com/office/drawing/2014/main" id="{E468EF7A-7D94-C642-9F4D-F7CF691F8C0F}"/>
+          <p:cNvPr id="109" name="TextBox 108">
+            <a:extLst>
+              <a:ext uri="{FF2B5EF4-FFF2-40B4-BE49-F238E27FC236}">
+                <a16:creationId xmlns:a16="http://schemas.microsoft.com/office/drawing/2014/main" id="{DA102FC6-C03A-6544-BD29-B4AB24422F5F}"/>
               </a:ext>
             </a:extLst>
           </p:cNvPr>
@@ -32995,10 +36103,10 @@
       </p:sp>
       <p:pic>
         <p:nvPicPr>
-          <p:cNvPr id="111" name="Picture 110">
-            <a:extLst>
-              <a:ext uri="{FF2B5EF4-FFF2-40B4-BE49-F238E27FC236}">
-                <a16:creationId xmlns:a16="http://schemas.microsoft.com/office/drawing/2014/main" id="{40DD474C-B068-F74A-A266-0542B0EBA5F5}"/>
+          <p:cNvPr id="110" name="Picture 109">
+            <a:extLst>
+              <a:ext uri="{FF2B5EF4-FFF2-40B4-BE49-F238E27FC236}">
+                <a16:creationId xmlns:a16="http://schemas.microsoft.com/office/drawing/2014/main" id="{5251ACB6-E51A-A54B-8716-AE8889734C96}"/>
               </a:ext>
             </a:extLst>
           </p:cNvPr>
@@ -33025,10 +36133,10 @@
       </p:pic>
       <p:pic>
         <p:nvPicPr>
-          <p:cNvPr id="112" name="Picture 111">
-            <a:extLst>
-              <a:ext uri="{FF2B5EF4-FFF2-40B4-BE49-F238E27FC236}">
-                <a16:creationId xmlns:a16="http://schemas.microsoft.com/office/drawing/2014/main" id="{22389CC7-3911-A544-8161-B5B318E7B7ED}"/>
+          <p:cNvPr id="111" name="Picture 110">
+            <a:extLst>
+              <a:ext uri="{FF2B5EF4-FFF2-40B4-BE49-F238E27FC236}">
+                <a16:creationId xmlns:a16="http://schemas.microsoft.com/office/drawing/2014/main" id="{558DF117-57B3-304F-AF90-A69EDE0282AD}"/>
               </a:ext>
             </a:extLst>
           </p:cNvPr>
@@ -33055,10 +36163,10 @@
       </p:pic>
       <p:pic>
         <p:nvPicPr>
-          <p:cNvPr id="113" name="Picture 112">
-            <a:extLst>
-              <a:ext uri="{FF2B5EF4-FFF2-40B4-BE49-F238E27FC236}">
-                <a16:creationId xmlns:a16="http://schemas.microsoft.com/office/drawing/2014/main" id="{2F4E9123-7611-6D42-B551-DF5445484306}"/>
+          <p:cNvPr id="112" name="Picture 111">
+            <a:extLst>
+              <a:ext uri="{FF2B5EF4-FFF2-40B4-BE49-F238E27FC236}">
+                <a16:creationId xmlns:a16="http://schemas.microsoft.com/office/drawing/2014/main" id="{4A2E62AD-A6CF-2343-8EF1-3F2081EE3930}"/>
               </a:ext>
             </a:extLst>
           </p:cNvPr>
@@ -33085,10 +36193,10 @@
       </p:pic>
       <p:grpSp>
         <p:nvGrpSpPr>
-          <p:cNvPr id="44" name="Group 43">
-            <a:extLst>
-              <a:ext uri="{FF2B5EF4-FFF2-40B4-BE49-F238E27FC236}">
-                <a16:creationId xmlns:a16="http://schemas.microsoft.com/office/drawing/2014/main" id="{151DB342-8769-D548-BEC1-096F14A0CAAB}"/>
+          <p:cNvPr id="43" name="Group 42">
+            <a:extLst>
+              <a:ext uri="{FF2B5EF4-FFF2-40B4-BE49-F238E27FC236}">
+                <a16:creationId xmlns:a16="http://schemas.microsoft.com/office/drawing/2014/main" id="{66C49054-007B-004E-A1E5-81B94A489310}"/>
               </a:ext>
             </a:extLst>
           </p:cNvPr>
@@ -33105,10 +36213,10 @@
         </p:grpSpPr>
         <p:sp>
           <p:nvSpPr>
-            <p:cNvPr id="45" name="TextBox 44">
+            <p:cNvPr id="44" name="TextBox 43">
               <a:extLst>
                 <a:ext uri="{FF2B5EF4-FFF2-40B4-BE49-F238E27FC236}">
-                  <a16:creationId xmlns:a16="http://schemas.microsoft.com/office/drawing/2014/main" id="{44EFE935-4424-824F-A456-37A2338F95E2}"/>
+                  <a16:creationId xmlns:a16="http://schemas.microsoft.com/office/drawing/2014/main" id="{48000932-1356-BA4D-9E5D-074F958FB756}"/>
                 </a:ext>
               </a:extLst>
             </p:cNvPr>
@@ -33140,10 +36248,10 @@
         </p:sp>
         <p:pic>
           <p:nvPicPr>
-            <p:cNvPr id="47" name="Picture 46">
+            <p:cNvPr id="45" name="Picture 44">
               <a:extLst>
                 <a:ext uri="{FF2B5EF4-FFF2-40B4-BE49-F238E27FC236}">
-                  <a16:creationId xmlns:a16="http://schemas.microsoft.com/office/drawing/2014/main" id="{931D1604-3968-3A49-AF3F-4E0DAA169051}"/>
+                  <a16:creationId xmlns:a16="http://schemas.microsoft.com/office/drawing/2014/main" id="{5139BE77-E8E4-8C4E-B05D-AA443E44203E}"/>
                 </a:ext>
               </a:extLst>
             </p:cNvPr>
@@ -33177,10 +36285,10 @@
       </p:grpSp>
       <p:pic>
         <p:nvPicPr>
-          <p:cNvPr id="48" name="Picture 47">
-            <a:extLst>
-              <a:ext uri="{FF2B5EF4-FFF2-40B4-BE49-F238E27FC236}">
-                <a16:creationId xmlns:a16="http://schemas.microsoft.com/office/drawing/2014/main" id="{65C3EF7D-48A0-A842-84F2-36BE97B98B76}"/>
+          <p:cNvPr id="47" name="Picture 46">
+            <a:extLst>
+              <a:ext uri="{FF2B5EF4-FFF2-40B4-BE49-F238E27FC236}">
+                <a16:creationId xmlns:a16="http://schemas.microsoft.com/office/drawing/2014/main" id="{ADF00AC1-DF0A-364A-B2AA-21D59C5B1030}"/>
               </a:ext>
             </a:extLst>
           </p:cNvPr>
@@ -33206,10 +36314,10 @@
       </p:pic>
       <p:sp>
         <p:nvSpPr>
-          <p:cNvPr id="49" name="TextBox 48">
-            <a:extLst>
-              <a:ext uri="{FF2B5EF4-FFF2-40B4-BE49-F238E27FC236}">
-                <a16:creationId xmlns:a16="http://schemas.microsoft.com/office/drawing/2014/main" id="{BDF6F108-EE14-BA44-BCB4-99A233039F95}"/>
+          <p:cNvPr id="48" name="TextBox 47">
+            <a:extLst>
+              <a:ext uri="{FF2B5EF4-FFF2-40B4-BE49-F238E27FC236}">
+                <a16:creationId xmlns:a16="http://schemas.microsoft.com/office/drawing/2014/main" id="{33D5A794-0D4F-A742-AE5C-7DD353CD39B7}"/>
               </a:ext>
             </a:extLst>
           </p:cNvPr>
@@ -33241,10 +36349,10 @@
       </p:sp>
       <p:pic>
         <p:nvPicPr>
-          <p:cNvPr id="50" name="Picture 49">
-            <a:extLst>
-              <a:ext uri="{FF2B5EF4-FFF2-40B4-BE49-F238E27FC236}">
-                <a16:creationId xmlns:a16="http://schemas.microsoft.com/office/drawing/2014/main" id="{84389117-64ED-4D43-A9C3-EE176B16CFC6}"/>
+          <p:cNvPr id="49" name="Picture 48">
+            <a:extLst>
+              <a:ext uri="{FF2B5EF4-FFF2-40B4-BE49-F238E27FC236}">
+                <a16:creationId xmlns:a16="http://schemas.microsoft.com/office/drawing/2014/main" id="{B6E76E86-4BD0-B746-8F78-BDA87859E0BD}"/>
               </a:ext>
             </a:extLst>
           </p:cNvPr>
@@ -33278,7 +36386,7 @@
     </p:spTree>
     <p:extLst>
       <p:ext uri="{BB962C8B-B14F-4D97-AF65-F5344CB8AC3E}">
-        <p14:creationId xmlns:p14="http://schemas.microsoft.com/office/powerpoint/2010/main" val="2583773871"/>
+        <p14:creationId xmlns:p14="http://schemas.microsoft.com/office/powerpoint/2010/main" val="92813288"/>
       </p:ext>
     </p:extLst>
   </p:cSld>
@@ -33319,8 +36427,8 @@
         </p:nvSpPr>
         <p:spPr>
           <a:xfrm>
-            <a:off x="2892117" y="1457412"/>
-            <a:ext cx="9649016" cy="4125962"/>
+            <a:off x="3065051" y="1421442"/>
+            <a:ext cx="9280109" cy="4687528"/>
           </a:xfrm>
           <a:prstGeom prst="rect">
             <a:avLst/>
@@ -33359,7 +36467,11 @@
           </a:bodyPr>
           <a:lstStyle/>
           <a:p>
-            <a:endParaRPr lang="en-US" sz="1400" dirty="0"/>
+            <a:endParaRPr lang="en-IN" dirty="0">
+              <a:solidFill>
+                <a:schemeClr val="bg1"/>
+              </a:solidFill>
+            </a:endParaRPr>
           </a:p>
         </p:txBody>
       </p:sp>
@@ -33926,7 +37038,7 @@
         </p:blipFill>
         <p:spPr>
           <a:xfrm>
-            <a:off x="5621502" y="115069"/>
+            <a:off x="5621504" y="115071"/>
             <a:ext cx="2089834" cy="743863"/>
           </a:xfrm>
           <a:prstGeom prst="rect">
@@ -34006,157 +37118,41 @@
                   </a:schemeClr>
                 </a:solidFill>
               </a:rPr>
-              <a:t>Latest Documentation</a:t>
-            </a:r>
-          </a:p>
-        </p:txBody>
-      </p:sp>
-      <p:sp>
-        <p:nvSpPr>
-          <p:cNvPr id="2" name="TextBox 1"/>
-          <p:cNvSpPr txBox="1"/>
-          <p:nvPr/>
-        </p:nvSpPr>
-        <p:spPr>
-          <a:xfrm>
-            <a:off x="2975207" y="1643837"/>
-            <a:ext cx="6723530" cy="4524315"/>
-          </a:xfrm>
-          <a:prstGeom prst="rect">
-            <a:avLst/>
-          </a:prstGeom>
-          <a:noFill/>
-        </p:spPr>
-        <p:txBody>
-          <a:bodyPr wrap="square" rtlCol="0">
-            <a:spAutoFit/>
-          </a:bodyPr>
-          <a:lstStyle/>
-          <a:p>
-            <a:r>
-              <a:rPr lang="en-US" sz="1600" b="1" dirty="0">
-                <a:solidFill>
-                  <a:schemeClr val="bg1"/>
-                </a:solidFill>
-              </a:rPr>
-              <a:t>5 Technologies Now Changing Manufacturing</a:t>
-            </a:r>
-          </a:p>
-          <a:p>
-            <a:r>
-              <a:rPr lang="en-US" sz="1600" b="1" dirty="0">
-                <a:solidFill>
-                  <a:schemeClr val="bg1"/>
-                </a:solidFill>
-              </a:rPr>
-              <a:t>These technologies are having a disruptive impact on the factories of the future</a:t>
-            </a:r>
-          </a:p>
-          <a:p>
-            <a:r>
-              <a:rPr lang="en-US" sz="1600" dirty="0">
-                <a:solidFill>
-                  <a:schemeClr val="bg1"/>
-                </a:solidFill>
-              </a:rPr>
-              <a:t>As new technologies start to pervade all areas of our lives, we are beginning to see their application in the manufacturing industry. The German government coined the term ‘Industry 4.0’ which refers to this revolution of manufacturing through technology. While there is certainly some debate around the use of this term – the integration of production methods with the latest developments in computers certainly has the potential to make manufacturing autonomous, cheaper and more efficient. There are lots of ways this could be done, so what can we expect to see in the factory of the future?</a:t>
-            </a:r>
-          </a:p>
-          <a:p>
-            <a:r>
-              <a:rPr lang="en-US" sz="1600" b="1" dirty="0">
-                <a:solidFill>
-                  <a:schemeClr val="bg1"/>
-                </a:solidFill>
-              </a:rPr>
-              <a:t>1) Ultrafast 3D printing</a:t>
-            </a:r>
-            <a:endParaRPr lang="en-US" sz="1600" dirty="0">
-              <a:solidFill>
-                <a:schemeClr val="bg1"/>
-              </a:solidFill>
-            </a:endParaRPr>
-          </a:p>
-          <a:p>
-            <a:r>
-              <a:rPr lang="en-US" sz="1600" dirty="0">
-                <a:solidFill>
-                  <a:schemeClr val="bg1"/>
-                </a:solidFill>
-              </a:rPr>
-              <a:t>Up until now, 3D printing has had limited applications in the manufacture of plastics. Making plastic layer by layer is a time consuming and expensive process compared to traditional techniques like injection </a:t>
-            </a:r>
-            <a:r>
-              <a:rPr lang="en-US" sz="1600" dirty="0" err="1">
-                <a:solidFill>
-                  <a:schemeClr val="bg1"/>
-                </a:solidFill>
-              </a:rPr>
-              <a:t>moulding</a:t>
-            </a:r>
-            <a:r>
-              <a:rPr lang="en-US" sz="1600" dirty="0">
-                <a:solidFill>
-                  <a:schemeClr val="bg1"/>
-                </a:solidFill>
-              </a:rPr>
-              <a:t>. However, Neil Hopkinson of the University of Sheffield has been working on a 3D printing technique which will make it economically viable to mass print plastic objects on a huge scale. </a:t>
-            </a:r>
-            <a:endParaRPr lang="en-IN" sz="1600" dirty="0">
-              <a:solidFill>
-                <a:schemeClr val="bg1"/>
-              </a:solidFill>
-            </a:endParaRPr>
+              <a:t>Latest Video Lectures : HARDCODE</a:t>
+            </a:r>
           </a:p>
         </p:txBody>
       </p:sp>
       <p:pic>
         <p:nvPicPr>
-          <p:cNvPr id="1028" name="Picture 4" descr="Image result for 3d printing"/>
+          <p:cNvPr id="4" name="Picture 3"/>
           <p:cNvPicPr>
-            <a:picLocks noChangeAspect="1" noChangeArrowheads="1"/>
+            <a:picLocks noChangeAspect="1"/>
           </p:cNvPicPr>
           <p:nvPr/>
         </p:nvPicPr>
         <p:blipFill>
-          <a:blip r:embed="rId6" cstate="hqprint">
-            <a:extLst>
-              <a:ext uri="{28A0092B-C50C-407E-A947-70E740481C1C}">
-                <a14:useLocalDpi xmlns:a14="http://schemas.microsoft.com/office/drawing/2010/main" val="0"/>
-              </a:ext>
-            </a:extLst>
-          </a:blip>
-          <a:srcRect/>
+          <a:blip r:embed="rId6"/>
           <a:stretch>
             <a:fillRect/>
           </a:stretch>
         </p:blipFill>
-        <p:spPr bwMode="auto">
-          <a:xfrm>
-            <a:off x="9698737" y="3011971"/>
-            <a:ext cx="2690413" cy="1875913"/>
-          </a:xfrm>
-          <a:prstGeom prst="rect">
-            <a:avLst/>
-          </a:prstGeom>
-          <a:noFill/>
-          <a:extLst>
-            <a:ext uri="{909E8E84-426E-40DD-AFC4-6F175D3DCCD1}">
-              <a14:hiddenFill xmlns:a14="http://schemas.microsoft.com/office/drawing/2010/main">
-                <a:solidFill>
-                  <a:srgbClr val="FFFFFF"/>
-                </a:solidFill>
-              </a14:hiddenFill>
-            </a:ext>
-          </a:extLst>
+        <p:spPr>
+          <a:xfrm>
+            <a:off x="3665817" y="1814571"/>
+            <a:ext cx="8090819" cy="4010025"/>
+          </a:xfrm>
+          <a:prstGeom prst="rect">
+            <a:avLst/>
+          </a:prstGeom>
         </p:spPr>
       </p:pic>
       <p:sp>
         <p:nvSpPr>
-          <p:cNvPr id="47" name="Rectangle: Rounded Corners 65">
-            <a:extLst>
-              <a:ext uri="{FF2B5EF4-FFF2-40B4-BE49-F238E27FC236}">
-                <a16:creationId xmlns:a16="http://schemas.microsoft.com/office/drawing/2014/main" id="{AEEF35AC-A77C-EA4D-9F33-B73848EADA0A}"/>
+          <p:cNvPr id="54" name="Rectangle: Rounded Corners 65">
+            <a:extLst>
+              <a:ext uri="{FF2B5EF4-FFF2-40B4-BE49-F238E27FC236}">
+                <a16:creationId xmlns:a16="http://schemas.microsoft.com/office/drawing/2014/main" id="{FAEA9BFF-A71D-9048-A341-CA9C061D7D43}"/>
               </a:ext>
             </a:extLst>
           </p:cNvPr>
@@ -34165,14 +37161,14 @@
         </p:nvSpPr>
         <p:spPr>
           <a:xfrm>
-            <a:off x="2985365" y="5734619"/>
-            <a:ext cx="6006235" cy="794710"/>
+            <a:off x="9036688" y="6425365"/>
+            <a:ext cx="2117809" cy="425769"/>
           </a:xfrm>
           <a:prstGeom prst="roundRect">
             <a:avLst/>
           </a:prstGeom>
           <a:solidFill>
-            <a:schemeClr val="bg1"/>
+            <a:srgbClr val="00B0F0"/>
           </a:solidFill>
           <a:ln>
             <a:solidFill>
@@ -34205,25 +37201,18 @@
           <a:p>
             <a:pPr algn="ctr"/>
             <a:r>
-              <a:rPr lang="en-IN" sz="1646" dirty="0">
-                <a:solidFill>
-                  <a:schemeClr val="accent1">
-                    <a:lumMod val="60000"/>
-                    <a:lumOff val="40000"/>
-                  </a:schemeClr>
-                </a:solidFill>
-              </a:rPr>
-              <a:t>Enter Data Here</a:t>
-            </a:r>
-          </a:p>
-        </p:txBody>
-      </p:sp>
-      <p:sp>
-        <p:nvSpPr>
-          <p:cNvPr id="48" name="Rectangle: Rounded Corners 65">
-            <a:extLst>
-              <a:ext uri="{FF2B5EF4-FFF2-40B4-BE49-F238E27FC236}">
-                <a16:creationId xmlns:a16="http://schemas.microsoft.com/office/drawing/2014/main" id="{BA17905F-BDB6-624B-B260-E1CAC961F37F}"/>
+              <a:rPr lang="en-IN" sz="1646" dirty="0"/>
+              <a:t>Documentation</a:t>
+            </a:r>
+          </a:p>
+        </p:txBody>
+      </p:sp>
+      <p:sp>
+        <p:nvSpPr>
+          <p:cNvPr id="55" name="Rectangle: Rounded Corners 65">
+            <a:extLst>
+              <a:ext uri="{FF2B5EF4-FFF2-40B4-BE49-F238E27FC236}">
+                <a16:creationId xmlns:a16="http://schemas.microsoft.com/office/drawing/2014/main" id="{C99E1ABA-0208-6F4A-BE3D-FF372FC74EA2}"/>
               </a:ext>
             </a:extLst>
           </p:cNvPr>
@@ -34232,8 +37221,8 @@
         </p:nvSpPr>
         <p:spPr>
           <a:xfrm>
-            <a:off x="9176023" y="5794584"/>
-            <a:ext cx="1978473" cy="426227"/>
+            <a:off x="4031729" y="6406875"/>
+            <a:ext cx="2103150" cy="404368"/>
           </a:xfrm>
           <a:prstGeom prst="roundRect">
             <a:avLst/>
@@ -34273,17 +37262,17 @@
             <a:pPr algn="ctr"/>
             <a:r>
               <a:rPr lang="en-IN" sz="1646" dirty="0"/>
-              <a:t>Submit</a:t>
-            </a:r>
-          </a:p>
-        </p:txBody>
-      </p:sp>
-      <p:sp>
-        <p:nvSpPr>
-          <p:cNvPr id="49" name="Rectangle: Rounded Corners 65">
-            <a:extLst>
-              <a:ext uri="{FF2B5EF4-FFF2-40B4-BE49-F238E27FC236}">
-                <a16:creationId xmlns:a16="http://schemas.microsoft.com/office/drawing/2014/main" id="{6188FD5D-1DFF-C04B-97C8-1E8AA05A019E}"/>
+              <a:t>Latest Video Lectures</a:t>
+            </a:r>
+          </a:p>
+        </p:txBody>
+      </p:sp>
+      <p:sp>
+        <p:nvSpPr>
+          <p:cNvPr id="56" name="Rectangle: Rounded Corners 65">
+            <a:extLst>
+              <a:ext uri="{FF2B5EF4-FFF2-40B4-BE49-F238E27FC236}">
+                <a16:creationId xmlns:a16="http://schemas.microsoft.com/office/drawing/2014/main" id="{ECAAA134-E4C3-BD4D-93D4-F68371FD1869}"/>
               </a:ext>
             </a:extLst>
           </p:cNvPr>
@@ -34291,9 +37280,9 @@
           <p:nvPr/>
         </p:nvSpPr>
         <p:spPr>
-          <a:xfrm rot="5400000">
-            <a:off x="10622240" y="3376305"/>
-            <a:ext cx="4125962" cy="288176"/>
+          <a:xfrm>
+            <a:off x="6526879" y="6425365"/>
+            <a:ext cx="2117809" cy="408266"/>
           </a:xfrm>
           <a:prstGeom prst="roundRect">
             <a:avLst/>
@@ -34333,17 +37322,17 @@
             <a:pPr algn="ctr"/>
             <a:r>
               <a:rPr lang="en-IN" sz="1646" dirty="0"/>
-              <a:t>Slider</a:t>
-            </a:r>
-          </a:p>
-        </p:txBody>
-      </p:sp>
-      <p:sp>
-        <p:nvSpPr>
-          <p:cNvPr id="56" name="Rectangle: Rounded Corners 65">
-            <a:extLst>
-              <a:ext uri="{FF2B5EF4-FFF2-40B4-BE49-F238E27FC236}">
-                <a16:creationId xmlns:a16="http://schemas.microsoft.com/office/drawing/2014/main" id="{7B4D125D-3AC0-014B-AB27-D078E9CE3428}"/>
+              <a:t>Latest News</a:t>
+            </a:r>
+          </a:p>
+        </p:txBody>
+      </p:sp>
+      <p:sp>
+        <p:nvSpPr>
+          <p:cNvPr id="75" name="Rectangle 74">
+            <a:extLst>
+              <a:ext uri="{FF2B5EF4-FFF2-40B4-BE49-F238E27FC236}">
+                <a16:creationId xmlns:a16="http://schemas.microsoft.com/office/drawing/2014/main" id="{6E5FE87D-9FBC-D549-9189-9660198F4749}"/>
               </a:ext>
             </a:extLst>
           </p:cNvPr>
@@ -34352,21 +37341,18 @@
         </p:nvSpPr>
         <p:spPr>
           <a:xfrm>
-            <a:off x="8709019" y="6767056"/>
-            <a:ext cx="2117809" cy="425769"/>
-          </a:xfrm>
-          <a:prstGeom prst="roundRect">
+            <a:off x="-2839" y="1026094"/>
+            <a:ext cx="2383085" cy="5901493"/>
+          </a:xfrm>
+          <a:prstGeom prst="rect">
             <a:avLst/>
           </a:prstGeom>
           <a:solidFill>
-            <a:srgbClr val="00B0F0"/>
+            <a:srgbClr val="0090AF"/>
           </a:solidFill>
           <a:ln>
             <a:solidFill>
-              <a:schemeClr val="accent1">
-                <a:lumMod val="60000"/>
-                <a:lumOff val="40000"/>
-              </a:schemeClr>
+              <a:srgbClr val="0090AF"/>
             </a:solidFill>
           </a:ln>
         </p:spPr>
@@ -34387,183 +37373,6 @@
           </a:fontRef>
         </p:style>
         <p:txBody>
-          <a:bodyPr rtlCol="0" anchor="ctr"/>
-          <a:lstStyle/>
-          <a:p>
-            <a:pPr algn="ctr"/>
-            <a:r>
-              <a:rPr lang="en-IN" sz="1646" dirty="0"/>
-              <a:t>Documentation</a:t>
-            </a:r>
-          </a:p>
-        </p:txBody>
-      </p:sp>
-      <p:sp>
-        <p:nvSpPr>
-          <p:cNvPr id="57" name="Rectangle: Rounded Corners 65">
-            <a:extLst>
-              <a:ext uri="{FF2B5EF4-FFF2-40B4-BE49-F238E27FC236}">
-                <a16:creationId xmlns:a16="http://schemas.microsoft.com/office/drawing/2014/main" id="{17644E10-E34A-8E44-BD35-8B6D8D1FEDF6}"/>
-              </a:ext>
-            </a:extLst>
-          </p:cNvPr>
-          <p:cNvSpPr/>
-          <p:nvPr/>
-        </p:nvSpPr>
-        <p:spPr>
-          <a:xfrm>
-            <a:off x="3704060" y="6748566"/>
-            <a:ext cx="2103150" cy="404368"/>
-          </a:xfrm>
-          <a:prstGeom prst="roundRect">
-            <a:avLst/>
-          </a:prstGeom>
-          <a:solidFill>
-            <a:srgbClr val="00B0F0"/>
-          </a:solidFill>
-          <a:ln>
-            <a:solidFill>
-              <a:schemeClr val="accent1">
-                <a:lumMod val="60000"/>
-                <a:lumOff val="40000"/>
-              </a:schemeClr>
-            </a:solidFill>
-          </a:ln>
-        </p:spPr>
-        <p:style>
-          <a:lnRef idx="2">
-            <a:schemeClr val="accent1">
-              <a:shade val="50000"/>
-            </a:schemeClr>
-          </a:lnRef>
-          <a:fillRef idx="1">
-            <a:schemeClr val="accent1"/>
-          </a:fillRef>
-          <a:effectRef idx="0">
-            <a:schemeClr val="accent1"/>
-          </a:effectRef>
-          <a:fontRef idx="minor">
-            <a:schemeClr val="lt1"/>
-          </a:fontRef>
-        </p:style>
-        <p:txBody>
-          <a:bodyPr rtlCol="0" anchor="ctr"/>
-          <a:lstStyle/>
-          <a:p>
-            <a:pPr algn="ctr"/>
-            <a:r>
-              <a:rPr lang="en-IN" sz="1646" dirty="0"/>
-              <a:t>Latest Video Lectures</a:t>
-            </a:r>
-          </a:p>
-        </p:txBody>
-      </p:sp>
-      <p:sp>
-        <p:nvSpPr>
-          <p:cNvPr id="58" name="Rectangle: Rounded Corners 65">
-            <a:extLst>
-              <a:ext uri="{FF2B5EF4-FFF2-40B4-BE49-F238E27FC236}">
-                <a16:creationId xmlns:a16="http://schemas.microsoft.com/office/drawing/2014/main" id="{11BF04B4-6F6D-ED45-9DC6-15B1E9A5F4A4}"/>
-              </a:ext>
-            </a:extLst>
-          </p:cNvPr>
-          <p:cNvSpPr/>
-          <p:nvPr/>
-        </p:nvSpPr>
-        <p:spPr>
-          <a:xfrm>
-            <a:off x="6199210" y="6767056"/>
-            <a:ext cx="2117809" cy="408266"/>
-          </a:xfrm>
-          <a:prstGeom prst="roundRect">
-            <a:avLst/>
-          </a:prstGeom>
-          <a:solidFill>
-            <a:srgbClr val="00B0F0"/>
-          </a:solidFill>
-          <a:ln>
-            <a:solidFill>
-              <a:schemeClr val="accent1">
-                <a:lumMod val="60000"/>
-                <a:lumOff val="40000"/>
-              </a:schemeClr>
-            </a:solidFill>
-          </a:ln>
-        </p:spPr>
-        <p:style>
-          <a:lnRef idx="2">
-            <a:schemeClr val="accent1">
-              <a:shade val="50000"/>
-            </a:schemeClr>
-          </a:lnRef>
-          <a:fillRef idx="1">
-            <a:schemeClr val="accent1"/>
-          </a:fillRef>
-          <a:effectRef idx="0">
-            <a:schemeClr val="accent1"/>
-          </a:effectRef>
-          <a:fontRef idx="minor">
-            <a:schemeClr val="lt1"/>
-          </a:fontRef>
-        </p:style>
-        <p:txBody>
-          <a:bodyPr rtlCol="0" anchor="ctr"/>
-          <a:lstStyle/>
-          <a:p>
-            <a:pPr algn="ctr"/>
-            <a:r>
-              <a:rPr lang="en-IN" sz="1646" dirty="0"/>
-              <a:t>Latest News</a:t>
-            </a:r>
-          </a:p>
-        </p:txBody>
-      </p:sp>
-      <p:sp>
-        <p:nvSpPr>
-          <p:cNvPr id="50" name="Rectangle 49">
-            <a:extLst>
-              <a:ext uri="{FF2B5EF4-FFF2-40B4-BE49-F238E27FC236}">
-                <a16:creationId xmlns:a16="http://schemas.microsoft.com/office/drawing/2014/main" id="{673DAE50-A954-4C46-B721-3439BDA1D6D7}"/>
-              </a:ext>
-            </a:extLst>
-          </p:cNvPr>
-          <p:cNvSpPr/>
-          <p:nvPr/>
-        </p:nvSpPr>
-        <p:spPr>
-          <a:xfrm>
-            <a:off x="-2839" y="1026094"/>
-            <a:ext cx="2383085" cy="6503633"/>
-          </a:xfrm>
-          <a:prstGeom prst="rect">
-            <a:avLst/>
-          </a:prstGeom>
-          <a:solidFill>
-            <a:srgbClr val="0090AF"/>
-          </a:solidFill>
-          <a:ln>
-            <a:solidFill>
-              <a:srgbClr val="0090AF"/>
-            </a:solidFill>
-          </a:ln>
-        </p:spPr>
-        <p:style>
-          <a:lnRef idx="2">
-            <a:schemeClr val="accent1">
-              <a:shade val="50000"/>
-            </a:schemeClr>
-          </a:lnRef>
-          <a:fillRef idx="1">
-            <a:schemeClr val="accent1"/>
-          </a:fillRef>
-          <a:effectRef idx="0">
-            <a:schemeClr val="accent1"/>
-          </a:effectRef>
-          <a:fontRef idx="minor">
-            <a:schemeClr val="lt1"/>
-          </a:fontRef>
-        </p:style>
-        <p:txBody>
           <a:bodyPr rot="0" spcFirstLastPara="0" vertOverflow="overflow" horzOverflow="overflow" vert="horz" wrap="square" lIns="83617" tIns="41809" rIns="83617" bIns="41809" numCol="1" spcCol="0" rtlCol="0" fromWordArt="0" anchor="ctr" anchorCtr="0" forceAA="0" compatLnSpc="1">
             <a:prstTxWarp prst="textNoShape">
               <a:avLst/>
@@ -34582,10 +37391,10 @@
       </p:sp>
       <p:grpSp>
         <p:nvGrpSpPr>
-          <p:cNvPr id="51" name="Group 50">
-            <a:extLst>
-              <a:ext uri="{FF2B5EF4-FFF2-40B4-BE49-F238E27FC236}">
-                <a16:creationId xmlns:a16="http://schemas.microsoft.com/office/drawing/2014/main" id="{24655A13-B647-DD41-A7EE-C5178B560291}"/>
+          <p:cNvPr id="78" name="Group 77">
+            <a:extLst>
+              <a:ext uri="{FF2B5EF4-FFF2-40B4-BE49-F238E27FC236}">
+                <a16:creationId xmlns:a16="http://schemas.microsoft.com/office/drawing/2014/main" id="{2F79DFD8-7D50-C94C-A61D-A492A1D08B91}"/>
               </a:ext>
             </a:extLst>
           </p:cNvPr>
@@ -34602,10 +37411,10 @@
         </p:grpSpPr>
         <p:pic>
           <p:nvPicPr>
-            <p:cNvPr id="52" name="Picture 51">
+            <p:cNvPr id="79" name="Picture 78">
               <a:extLst>
                 <a:ext uri="{FF2B5EF4-FFF2-40B4-BE49-F238E27FC236}">
-                  <a16:creationId xmlns:a16="http://schemas.microsoft.com/office/drawing/2014/main" id="{56CAEFC2-BF63-3040-8316-907A016EB3AD}"/>
+                  <a16:creationId xmlns:a16="http://schemas.microsoft.com/office/drawing/2014/main" id="{EEA7CB3E-A0FB-7540-89A1-55F4926536DD}"/>
                 </a:ext>
               </a:extLst>
             </p:cNvPr>
@@ -34639,10 +37448,10 @@
         </p:pic>
         <p:sp>
           <p:nvSpPr>
-            <p:cNvPr id="53" name="TextBox 52">
+            <p:cNvPr id="80" name="TextBox 79">
               <a:extLst>
                 <a:ext uri="{FF2B5EF4-FFF2-40B4-BE49-F238E27FC236}">
-                  <a16:creationId xmlns:a16="http://schemas.microsoft.com/office/drawing/2014/main" id="{E5DBD53D-B3CA-9A43-8C60-403CC945B483}"/>
+                  <a16:creationId xmlns:a16="http://schemas.microsoft.com/office/drawing/2014/main" id="{793A58C4-7F5A-FA4B-B8E4-4074C09BE98E}"/>
                 </a:ext>
               </a:extLst>
             </p:cNvPr>
@@ -34679,10 +37488,10 @@
       </p:grpSp>
       <p:sp>
         <p:nvSpPr>
-          <p:cNvPr id="54" name="TextBox 53">
-            <a:extLst>
-              <a:ext uri="{FF2B5EF4-FFF2-40B4-BE49-F238E27FC236}">
-                <a16:creationId xmlns:a16="http://schemas.microsoft.com/office/drawing/2014/main" id="{D0BC0577-D409-1C44-AD77-208BDF617E18}"/>
+          <p:cNvPr id="81" name="TextBox 80">
+            <a:extLst>
+              <a:ext uri="{FF2B5EF4-FFF2-40B4-BE49-F238E27FC236}">
+                <a16:creationId xmlns:a16="http://schemas.microsoft.com/office/drawing/2014/main" id="{2794011C-7777-1A4D-993C-C823DF00A958}"/>
               </a:ext>
             </a:extLst>
           </p:cNvPr>
@@ -34723,10 +37532,10 @@
       </p:sp>
       <p:pic>
         <p:nvPicPr>
-          <p:cNvPr id="55" name="Picture 54">
-            <a:extLst>
-              <a:ext uri="{FF2B5EF4-FFF2-40B4-BE49-F238E27FC236}">
-                <a16:creationId xmlns:a16="http://schemas.microsoft.com/office/drawing/2014/main" id="{59B690BA-3473-D44D-9152-D01663D6B82B}"/>
+          <p:cNvPr id="82" name="Picture 81">
+            <a:extLst>
+              <a:ext uri="{FF2B5EF4-FFF2-40B4-BE49-F238E27FC236}">
+                <a16:creationId xmlns:a16="http://schemas.microsoft.com/office/drawing/2014/main" id="{B2E3B43F-396D-5F41-86DE-B9F28D4C8259}"/>
               </a:ext>
             </a:extLst>
           </p:cNvPr>
@@ -34759,10 +37568,10 @@
       </p:pic>
       <p:sp>
         <p:nvSpPr>
-          <p:cNvPr id="59" name="TextBox 58">
-            <a:extLst>
-              <a:ext uri="{FF2B5EF4-FFF2-40B4-BE49-F238E27FC236}">
-                <a16:creationId xmlns:a16="http://schemas.microsoft.com/office/drawing/2014/main" id="{F4F8EA76-9A59-DF46-913A-37F20657DACC}"/>
+          <p:cNvPr id="83" name="TextBox 82">
+            <a:extLst>
+              <a:ext uri="{FF2B5EF4-FFF2-40B4-BE49-F238E27FC236}">
+                <a16:creationId xmlns:a16="http://schemas.microsoft.com/office/drawing/2014/main" id="{E083B724-61EC-F14A-BE95-CBDF8DBBD573}"/>
               </a:ext>
             </a:extLst>
           </p:cNvPr>
@@ -34798,10 +37607,10 @@
       </p:sp>
       <p:grpSp>
         <p:nvGrpSpPr>
-          <p:cNvPr id="60" name="Group 59">
-            <a:extLst>
-              <a:ext uri="{FF2B5EF4-FFF2-40B4-BE49-F238E27FC236}">
-                <a16:creationId xmlns:a16="http://schemas.microsoft.com/office/drawing/2014/main" id="{5FCB7DC8-F3F4-8A45-8338-8B765A280387}"/>
+          <p:cNvPr id="84" name="Group 83">
+            <a:extLst>
+              <a:ext uri="{FF2B5EF4-FFF2-40B4-BE49-F238E27FC236}">
+                <a16:creationId xmlns:a16="http://schemas.microsoft.com/office/drawing/2014/main" id="{575E459D-E6FB-724F-90E1-25F7CBB10AE6}"/>
               </a:ext>
             </a:extLst>
           </p:cNvPr>
@@ -34818,10 +37627,10 @@
         </p:grpSpPr>
         <p:pic>
           <p:nvPicPr>
-            <p:cNvPr id="61" name="Picture 60">
+            <p:cNvPr id="85" name="Picture 84">
               <a:extLst>
                 <a:ext uri="{FF2B5EF4-FFF2-40B4-BE49-F238E27FC236}">
-                  <a16:creationId xmlns:a16="http://schemas.microsoft.com/office/drawing/2014/main" id="{46F726D9-823E-724E-BA4E-86D7C8210ED8}"/>
+                  <a16:creationId xmlns:a16="http://schemas.microsoft.com/office/drawing/2014/main" id="{CCCA570B-7AA0-3348-9120-1DACEFF33032}"/>
                 </a:ext>
               </a:extLst>
             </p:cNvPr>
@@ -34855,10 +37664,10 @@
         </p:pic>
         <p:sp>
           <p:nvSpPr>
-            <p:cNvPr id="62" name="TextBox 61">
+            <p:cNvPr id="87" name="TextBox 86">
               <a:extLst>
                 <a:ext uri="{FF2B5EF4-FFF2-40B4-BE49-F238E27FC236}">
-                  <a16:creationId xmlns:a16="http://schemas.microsoft.com/office/drawing/2014/main" id="{7AD68367-9AFB-2E4C-9299-5533B80E6D17}"/>
+                  <a16:creationId xmlns:a16="http://schemas.microsoft.com/office/drawing/2014/main" id="{90C3538B-DB9B-B44E-AA68-8E990332F1DA}"/>
                 </a:ext>
               </a:extLst>
             </p:cNvPr>
@@ -34895,10 +37704,10 @@
       </p:grpSp>
       <p:pic>
         <p:nvPicPr>
-          <p:cNvPr id="63" name="Picture 62">
-            <a:extLst>
-              <a:ext uri="{FF2B5EF4-FFF2-40B4-BE49-F238E27FC236}">
-                <a16:creationId xmlns:a16="http://schemas.microsoft.com/office/drawing/2014/main" id="{4E98A40D-6F05-3645-895B-30926F2CAD2C}"/>
+          <p:cNvPr id="88" name="Picture 87">
+            <a:extLst>
+              <a:ext uri="{FF2B5EF4-FFF2-40B4-BE49-F238E27FC236}">
+                <a16:creationId xmlns:a16="http://schemas.microsoft.com/office/drawing/2014/main" id="{CC8271A8-7388-524F-908C-AF9548A83416}"/>
               </a:ext>
             </a:extLst>
           </p:cNvPr>
@@ -34931,10 +37740,10 @@
       </p:pic>
       <p:sp>
         <p:nvSpPr>
-          <p:cNvPr id="64" name="TextBox 63">
-            <a:extLst>
-              <a:ext uri="{FF2B5EF4-FFF2-40B4-BE49-F238E27FC236}">
-                <a16:creationId xmlns:a16="http://schemas.microsoft.com/office/drawing/2014/main" id="{E383460C-221C-954A-8A0F-A4FD1C2A030E}"/>
+          <p:cNvPr id="89" name="TextBox 88">
+            <a:extLst>
+              <a:ext uri="{FF2B5EF4-FFF2-40B4-BE49-F238E27FC236}">
+                <a16:creationId xmlns:a16="http://schemas.microsoft.com/office/drawing/2014/main" id="{066C0085-1F96-BF42-83EE-70DD5A95A0F4}"/>
               </a:ext>
             </a:extLst>
           </p:cNvPr>
@@ -34970,10 +37779,10 @@
       </p:sp>
       <p:grpSp>
         <p:nvGrpSpPr>
-          <p:cNvPr id="65" name="Group 64">
-            <a:extLst>
-              <a:ext uri="{FF2B5EF4-FFF2-40B4-BE49-F238E27FC236}">
-                <a16:creationId xmlns:a16="http://schemas.microsoft.com/office/drawing/2014/main" id="{9B2F61D6-232E-4B49-AB35-71E7336C8B1D}"/>
+          <p:cNvPr id="90" name="Group 89">
+            <a:extLst>
+              <a:ext uri="{FF2B5EF4-FFF2-40B4-BE49-F238E27FC236}">
+                <a16:creationId xmlns:a16="http://schemas.microsoft.com/office/drawing/2014/main" id="{F30FA5F2-99AD-4E47-A3B9-E6D6221EB82B}"/>
               </a:ext>
             </a:extLst>
           </p:cNvPr>
@@ -34990,10 +37799,10 @@
         </p:grpSpPr>
         <p:pic>
           <p:nvPicPr>
-            <p:cNvPr id="67" name="Picture 66">
+            <p:cNvPr id="92" name="Picture 91">
               <a:extLst>
                 <a:ext uri="{FF2B5EF4-FFF2-40B4-BE49-F238E27FC236}">
-                  <a16:creationId xmlns:a16="http://schemas.microsoft.com/office/drawing/2014/main" id="{15A11272-454A-4F45-89AA-2C1319C92D5B}"/>
+                  <a16:creationId xmlns:a16="http://schemas.microsoft.com/office/drawing/2014/main" id="{1711C06C-C45A-5747-A617-DAD10D6156F9}"/>
                 </a:ext>
               </a:extLst>
             </p:cNvPr>
@@ -35027,10 +37836,10 @@
         </p:pic>
         <p:sp>
           <p:nvSpPr>
-            <p:cNvPr id="69" name="TextBox 68">
+            <p:cNvPr id="95" name="TextBox 94">
               <a:extLst>
                 <a:ext uri="{FF2B5EF4-FFF2-40B4-BE49-F238E27FC236}">
-                  <a16:creationId xmlns:a16="http://schemas.microsoft.com/office/drawing/2014/main" id="{5B3A44A5-9CBB-E14D-AEF1-B20E958E40BE}"/>
+                  <a16:creationId xmlns:a16="http://schemas.microsoft.com/office/drawing/2014/main" id="{C58EEAD1-2BE8-D144-AC9A-6C9F8B482F5C}"/>
                 </a:ext>
               </a:extLst>
             </p:cNvPr>
@@ -35067,10 +37876,10 @@
       </p:grpSp>
       <p:sp>
         <p:nvSpPr>
-          <p:cNvPr id="72" name="TextBox 71">
-            <a:extLst>
-              <a:ext uri="{FF2B5EF4-FFF2-40B4-BE49-F238E27FC236}">
-                <a16:creationId xmlns:a16="http://schemas.microsoft.com/office/drawing/2014/main" id="{FAE3BA1D-CBAD-B740-A7CD-9F3D78956079}"/>
+          <p:cNvPr id="99" name="TextBox 98">
+            <a:extLst>
+              <a:ext uri="{FF2B5EF4-FFF2-40B4-BE49-F238E27FC236}">
+                <a16:creationId xmlns:a16="http://schemas.microsoft.com/office/drawing/2014/main" id="{A26C90F6-D11C-BB4D-B509-1B0694EF1D9E}"/>
               </a:ext>
             </a:extLst>
           </p:cNvPr>
@@ -35106,10 +37915,10 @@
       </p:sp>
       <p:sp>
         <p:nvSpPr>
-          <p:cNvPr id="74" name="TextBox 73">
-            <a:extLst>
-              <a:ext uri="{FF2B5EF4-FFF2-40B4-BE49-F238E27FC236}">
-                <a16:creationId xmlns:a16="http://schemas.microsoft.com/office/drawing/2014/main" id="{D7180494-2811-9846-B939-9022FA411491}"/>
+          <p:cNvPr id="110" name="TextBox 109">
+            <a:extLst>
+              <a:ext uri="{FF2B5EF4-FFF2-40B4-BE49-F238E27FC236}">
+                <a16:creationId xmlns:a16="http://schemas.microsoft.com/office/drawing/2014/main" id="{E468EF7A-7D94-C642-9F4D-F7CF691F8C0F}"/>
               </a:ext>
             </a:extLst>
           </p:cNvPr>
@@ -35145,10 +37954,10 @@
       </p:sp>
       <p:pic>
         <p:nvPicPr>
-          <p:cNvPr id="75" name="Picture 74">
-            <a:extLst>
-              <a:ext uri="{FF2B5EF4-FFF2-40B4-BE49-F238E27FC236}">
-                <a16:creationId xmlns:a16="http://schemas.microsoft.com/office/drawing/2014/main" id="{E65FFAA9-9719-E14E-818A-6F4A6D74473D}"/>
+          <p:cNvPr id="111" name="Picture 110">
+            <a:extLst>
+              <a:ext uri="{FF2B5EF4-FFF2-40B4-BE49-F238E27FC236}">
+                <a16:creationId xmlns:a16="http://schemas.microsoft.com/office/drawing/2014/main" id="{40DD474C-B068-F74A-A266-0542B0EBA5F5}"/>
               </a:ext>
             </a:extLst>
           </p:cNvPr>
@@ -35175,10 +37984,10 @@
       </p:pic>
       <p:pic>
         <p:nvPicPr>
-          <p:cNvPr id="78" name="Picture 77">
-            <a:extLst>
-              <a:ext uri="{FF2B5EF4-FFF2-40B4-BE49-F238E27FC236}">
-                <a16:creationId xmlns:a16="http://schemas.microsoft.com/office/drawing/2014/main" id="{558C59A8-57DD-8A40-A4E5-63B1D1E033D3}"/>
+          <p:cNvPr id="112" name="Picture 111">
+            <a:extLst>
+              <a:ext uri="{FF2B5EF4-FFF2-40B4-BE49-F238E27FC236}">
+                <a16:creationId xmlns:a16="http://schemas.microsoft.com/office/drawing/2014/main" id="{22389CC7-3911-A544-8161-B5B318E7B7ED}"/>
               </a:ext>
             </a:extLst>
           </p:cNvPr>
@@ -35205,10 +38014,10 @@
       </p:pic>
       <p:pic>
         <p:nvPicPr>
-          <p:cNvPr id="79" name="Picture 78">
-            <a:extLst>
-              <a:ext uri="{FF2B5EF4-FFF2-40B4-BE49-F238E27FC236}">
-                <a16:creationId xmlns:a16="http://schemas.microsoft.com/office/drawing/2014/main" id="{FC2A4CE4-8B47-584D-907E-D7824870ADB2}"/>
+          <p:cNvPr id="113" name="Picture 112">
+            <a:extLst>
+              <a:ext uri="{FF2B5EF4-FFF2-40B4-BE49-F238E27FC236}">
+                <a16:creationId xmlns:a16="http://schemas.microsoft.com/office/drawing/2014/main" id="{2F4E9123-7611-6D42-B551-DF5445484306}"/>
               </a:ext>
             </a:extLst>
           </p:cNvPr>
@@ -35235,10 +38044,10 @@
       </p:pic>
       <p:grpSp>
         <p:nvGrpSpPr>
-          <p:cNvPr id="68" name="Group 67">
-            <a:extLst>
-              <a:ext uri="{FF2B5EF4-FFF2-40B4-BE49-F238E27FC236}">
-                <a16:creationId xmlns:a16="http://schemas.microsoft.com/office/drawing/2014/main" id="{44D7A7AC-965E-824A-8989-199FE5930690}"/>
+          <p:cNvPr id="44" name="Group 43">
+            <a:extLst>
+              <a:ext uri="{FF2B5EF4-FFF2-40B4-BE49-F238E27FC236}">
+                <a16:creationId xmlns:a16="http://schemas.microsoft.com/office/drawing/2014/main" id="{151DB342-8769-D548-BEC1-096F14A0CAAB}"/>
               </a:ext>
             </a:extLst>
           </p:cNvPr>
@@ -35255,10 +38064,10 @@
         </p:grpSpPr>
         <p:sp>
           <p:nvSpPr>
-            <p:cNvPr id="70" name="TextBox 69">
+            <p:cNvPr id="45" name="TextBox 44">
               <a:extLst>
                 <a:ext uri="{FF2B5EF4-FFF2-40B4-BE49-F238E27FC236}">
-                  <a16:creationId xmlns:a16="http://schemas.microsoft.com/office/drawing/2014/main" id="{B4F809A0-FD13-F74B-BC17-2B8918F65C02}"/>
+                  <a16:creationId xmlns:a16="http://schemas.microsoft.com/office/drawing/2014/main" id="{44EFE935-4424-824F-A456-37A2338F95E2}"/>
                 </a:ext>
               </a:extLst>
             </p:cNvPr>
@@ -35290,10 +38099,10 @@
         </p:sp>
         <p:pic>
           <p:nvPicPr>
-            <p:cNvPr id="71" name="Picture 70">
+            <p:cNvPr id="47" name="Picture 46">
               <a:extLst>
                 <a:ext uri="{FF2B5EF4-FFF2-40B4-BE49-F238E27FC236}">
-                  <a16:creationId xmlns:a16="http://schemas.microsoft.com/office/drawing/2014/main" id="{6EEE969B-7344-8E4F-AA36-D7DEF871169F}"/>
+                  <a16:creationId xmlns:a16="http://schemas.microsoft.com/office/drawing/2014/main" id="{931D1604-3968-3A49-AF3F-4E0DAA169051}"/>
                 </a:ext>
               </a:extLst>
             </p:cNvPr>
@@ -35327,10 +38136,10 @@
       </p:grpSp>
       <p:pic>
         <p:nvPicPr>
-          <p:cNvPr id="76" name="Picture 75">
-            <a:extLst>
-              <a:ext uri="{FF2B5EF4-FFF2-40B4-BE49-F238E27FC236}">
-                <a16:creationId xmlns:a16="http://schemas.microsoft.com/office/drawing/2014/main" id="{7C911633-6E97-D741-8235-DBFC334166F7}"/>
+          <p:cNvPr id="48" name="Picture 47">
+            <a:extLst>
+              <a:ext uri="{FF2B5EF4-FFF2-40B4-BE49-F238E27FC236}">
+                <a16:creationId xmlns:a16="http://schemas.microsoft.com/office/drawing/2014/main" id="{65C3EF7D-48A0-A842-84F2-36BE97B98B76}"/>
               </a:ext>
             </a:extLst>
           </p:cNvPr>
@@ -35356,10 +38165,10 @@
       </p:pic>
       <p:sp>
         <p:nvSpPr>
-          <p:cNvPr id="77" name="TextBox 76">
-            <a:extLst>
-              <a:ext uri="{FF2B5EF4-FFF2-40B4-BE49-F238E27FC236}">
-                <a16:creationId xmlns:a16="http://schemas.microsoft.com/office/drawing/2014/main" id="{B84DF2F7-7756-D34F-A621-DE11C0DAFE97}"/>
+          <p:cNvPr id="49" name="TextBox 48">
+            <a:extLst>
+              <a:ext uri="{FF2B5EF4-FFF2-40B4-BE49-F238E27FC236}">
+                <a16:creationId xmlns:a16="http://schemas.microsoft.com/office/drawing/2014/main" id="{BDF6F108-EE14-BA44-BCB4-99A233039F95}"/>
               </a:ext>
             </a:extLst>
           </p:cNvPr>
@@ -35391,10 +38200,10 @@
       </p:sp>
       <p:pic>
         <p:nvPicPr>
-          <p:cNvPr id="80" name="Picture 79">
-            <a:extLst>
-              <a:ext uri="{FF2B5EF4-FFF2-40B4-BE49-F238E27FC236}">
-                <a16:creationId xmlns:a16="http://schemas.microsoft.com/office/drawing/2014/main" id="{95801367-FCCE-C74F-B12F-34CA6CBA13E2}"/>
+          <p:cNvPr id="50" name="Picture 49">
+            <a:extLst>
+              <a:ext uri="{FF2B5EF4-FFF2-40B4-BE49-F238E27FC236}">
+                <a16:creationId xmlns:a16="http://schemas.microsoft.com/office/drawing/2014/main" id="{84389117-64ED-4D43-A9C3-EE176B16CFC6}"/>
               </a:ext>
             </a:extLst>
           </p:cNvPr>
@@ -35428,7 +38237,7 @@
     </p:spTree>
     <p:extLst>
       <p:ext uri="{BB962C8B-B14F-4D97-AF65-F5344CB8AC3E}">
-        <p14:creationId xmlns:p14="http://schemas.microsoft.com/office/powerpoint/2010/main" val="3392063544"/>
+        <p14:creationId xmlns:p14="http://schemas.microsoft.com/office/powerpoint/2010/main" val="2583773871"/>
       </p:ext>
     </p:extLst>
   </p:cSld>
@@ -35455,6 +38264,64 @@
           <a:chExt cx="0" cy="0"/>
         </a:xfrm>
       </p:grpSpPr>
+      <p:sp>
+        <p:nvSpPr>
+          <p:cNvPr id="46" name="Rectangle 45">
+            <a:extLst>
+              <a:ext uri="{FF2B5EF4-FFF2-40B4-BE49-F238E27FC236}">
+                <a16:creationId xmlns:a16="http://schemas.microsoft.com/office/drawing/2014/main" id="{FAA97AB4-F0D3-4C89-92BC-3B6B7236B6BA}"/>
+              </a:ext>
+            </a:extLst>
+          </p:cNvPr>
+          <p:cNvSpPr/>
+          <p:nvPr/>
+        </p:nvSpPr>
+        <p:spPr>
+          <a:xfrm>
+            <a:off x="2892117" y="1457412"/>
+            <a:ext cx="9649016" cy="4125962"/>
+          </a:xfrm>
+          <a:prstGeom prst="rect">
+            <a:avLst/>
+          </a:prstGeom>
+          <a:solidFill>
+            <a:srgbClr val="0090AF"/>
+          </a:solidFill>
+          <a:ln>
+            <a:solidFill>
+              <a:srgbClr val="0090AF"/>
+            </a:solidFill>
+          </a:ln>
+        </p:spPr>
+        <p:style>
+          <a:lnRef idx="2">
+            <a:schemeClr val="accent1">
+              <a:shade val="50000"/>
+            </a:schemeClr>
+          </a:lnRef>
+          <a:fillRef idx="1">
+            <a:schemeClr val="accent1"/>
+          </a:fillRef>
+          <a:effectRef idx="0">
+            <a:schemeClr val="accent1"/>
+          </a:effectRef>
+          <a:fontRef idx="minor">
+            <a:schemeClr val="lt1"/>
+          </a:fontRef>
+        </p:style>
+        <p:txBody>
+          <a:bodyPr rot="0" spcFirstLastPara="0" vertOverflow="overflow" horzOverflow="overflow" vert="horz" wrap="square" lIns="83617" tIns="41809" rIns="83617" bIns="41809" numCol="1" spcCol="0" rtlCol="0" fromWordArt="0" anchor="ctr" anchorCtr="0" forceAA="0" compatLnSpc="1">
+            <a:prstTxWarp prst="textNoShape">
+              <a:avLst/>
+            </a:prstTxWarp>
+            <a:noAutofit/>
+          </a:bodyPr>
+          <a:lstStyle/>
+          <a:p>
+            <a:endParaRPr lang="en-US" sz="1400" dirty="0"/>
+          </a:p>
+        </p:txBody>
+      </p:sp>
       <p:sp>
         <p:nvSpPr>
           <p:cNvPr id="118" name="Rectangle 117">
@@ -36018,7 +38885,7 @@
         </p:blipFill>
         <p:spPr>
           <a:xfrm>
-            <a:off x="5626133" y="117882"/>
+            <a:off x="5621502" y="115069"/>
             <a:ext cx="2089834" cy="743863"/>
           </a:xfrm>
           <a:prstGeom prst="rect">
@@ -36063,10 +38930,192 @@
       </p:sp>
       <p:sp>
         <p:nvSpPr>
-          <p:cNvPr id="38" name="Rectangle 37">
-            <a:extLst>
-              <a:ext uri="{FF2B5EF4-FFF2-40B4-BE49-F238E27FC236}">
-                <a16:creationId xmlns:a16="http://schemas.microsoft.com/office/drawing/2014/main" id="{30028716-C2BF-5A46-ADDC-B7D95A809ECA}"/>
+          <p:cNvPr id="39" name="TextBox 38">
+            <a:extLst>
+              <a:ext uri="{FF2B5EF4-FFF2-40B4-BE49-F238E27FC236}">
+                <a16:creationId xmlns:a16="http://schemas.microsoft.com/office/drawing/2014/main" id="{BC70D7A2-3E35-CA4B-AE30-78E358032325}"/>
+              </a:ext>
+            </a:extLst>
+          </p:cNvPr>
+          <p:cNvSpPr txBox="1"/>
+          <p:nvPr/>
+        </p:nvSpPr>
+        <p:spPr>
+          <a:xfrm>
+            <a:off x="2975207" y="961509"/>
+            <a:ext cx="8014191" cy="430887"/>
+          </a:xfrm>
+          <a:prstGeom prst="rect">
+            <a:avLst/>
+          </a:prstGeom>
+          <a:noFill/>
+        </p:spPr>
+        <p:txBody>
+          <a:bodyPr wrap="square" rtlCol="0">
+            <a:spAutoFit/>
+          </a:bodyPr>
+          <a:lstStyle/>
+          <a:p>
+            <a:pPr algn="ctr"/>
+            <a:r>
+              <a:rPr lang="en-IN" sz="2200" dirty="0">
+                <a:solidFill>
+                  <a:schemeClr val="bg2">
+                    <a:lumMod val="50000"/>
+                  </a:schemeClr>
+                </a:solidFill>
+              </a:rPr>
+              <a:t>Latest Documentation</a:t>
+            </a:r>
+          </a:p>
+        </p:txBody>
+      </p:sp>
+      <p:sp>
+        <p:nvSpPr>
+          <p:cNvPr id="2" name="TextBox 1"/>
+          <p:cNvSpPr txBox="1"/>
+          <p:nvPr/>
+        </p:nvSpPr>
+        <p:spPr>
+          <a:xfrm>
+            <a:off x="2975207" y="1643837"/>
+            <a:ext cx="6723530" cy="4524315"/>
+          </a:xfrm>
+          <a:prstGeom prst="rect">
+            <a:avLst/>
+          </a:prstGeom>
+          <a:noFill/>
+        </p:spPr>
+        <p:txBody>
+          <a:bodyPr wrap="square" rtlCol="0">
+            <a:spAutoFit/>
+          </a:bodyPr>
+          <a:lstStyle/>
+          <a:p>
+            <a:r>
+              <a:rPr lang="en-US" sz="1600" b="1" dirty="0">
+                <a:solidFill>
+                  <a:schemeClr val="bg1"/>
+                </a:solidFill>
+              </a:rPr>
+              <a:t>5 Technologies Now Changing Manufacturing</a:t>
+            </a:r>
+          </a:p>
+          <a:p>
+            <a:r>
+              <a:rPr lang="en-US" sz="1600" b="1" dirty="0">
+                <a:solidFill>
+                  <a:schemeClr val="bg1"/>
+                </a:solidFill>
+              </a:rPr>
+              <a:t>These technologies are having a disruptive impact on the factories of the future</a:t>
+            </a:r>
+          </a:p>
+          <a:p>
+            <a:r>
+              <a:rPr lang="en-US" sz="1600" dirty="0">
+                <a:solidFill>
+                  <a:schemeClr val="bg1"/>
+                </a:solidFill>
+              </a:rPr>
+              <a:t>As new technologies start to pervade all areas of our lives, we are beginning to see their application in the manufacturing industry. The German government coined the term ‘Industry 4.0’ which refers to this revolution of manufacturing through technology. While there is certainly some debate around the use of this term – the integration of production methods with the latest developments in computers certainly has the potential to make manufacturing autonomous, cheaper and more efficient. There are lots of ways this could be done, so what can we expect to see in the factory of the future?</a:t>
+            </a:r>
+          </a:p>
+          <a:p>
+            <a:r>
+              <a:rPr lang="en-US" sz="1600" b="1" dirty="0">
+                <a:solidFill>
+                  <a:schemeClr val="bg1"/>
+                </a:solidFill>
+              </a:rPr>
+              <a:t>1) Ultrafast 3D printing</a:t>
+            </a:r>
+            <a:endParaRPr lang="en-US" sz="1600" dirty="0">
+              <a:solidFill>
+                <a:schemeClr val="bg1"/>
+              </a:solidFill>
+            </a:endParaRPr>
+          </a:p>
+          <a:p>
+            <a:r>
+              <a:rPr lang="en-US" sz="1600" dirty="0">
+                <a:solidFill>
+                  <a:schemeClr val="bg1"/>
+                </a:solidFill>
+              </a:rPr>
+              <a:t>Up until now, 3D printing has had limited applications in the manufacture of plastics. Making plastic layer by layer is a time consuming and expensive process compared to traditional techniques like injection </a:t>
+            </a:r>
+            <a:r>
+              <a:rPr lang="en-US" sz="1600" dirty="0" err="1">
+                <a:solidFill>
+                  <a:schemeClr val="bg1"/>
+                </a:solidFill>
+              </a:rPr>
+              <a:t>moulding</a:t>
+            </a:r>
+            <a:r>
+              <a:rPr lang="en-US" sz="1600" dirty="0">
+                <a:solidFill>
+                  <a:schemeClr val="bg1"/>
+                </a:solidFill>
+              </a:rPr>
+              <a:t>. However, Neil Hopkinson of the University of Sheffield has been working on a 3D printing technique which will make it economically viable to mass print plastic objects on a huge scale. </a:t>
+            </a:r>
+            <a:endParaRPr lang="en-IN" sz="1600" dirty="0">
+              <a:solidFill>
+                <a:schemeClr val="bg1"/>
+              </a:solidFill>
+            </a:endParaRPr>
+          </a:p>
+        </p:txBody>
+      </p:sp>
+      <p:pic>
+        <p:nvPicPr>
+          <p:cNvPr id="1028" name="Picture 4" descr="Image result for 3d printing"/>
+          <p:cNvPicPr>
+            <a:picLocks noChangeAspect="1" noChangeArrowheads="1"/>
+          </p:cNvPicPr>
+          <p:nvPr/>
+        </p:nvPicPr>
+        <p:blipFill>
+          <a:blip r:embed="rId6" cstate="hqprint">
+            <a:extLst>
+              <a:ext uri="{28A0092B-C50C-407E-A947-70E740481C1C}">
+                <a14:useLocalDpi xmlns:a14="http://schemas.microsoft.com/office/drawing/2010/main" val="0"/>
+              </a:ext>
+            </a:extLst>
+          </a:blip>
+          <a:srcRect/>
+          <a:stretch>
+            <a:fillRect/>
+          </a:stretch>
+        </p:blipFill>
+        <p:spPr bwMode="auto">
+          <a:xfrm>
+            <a:off x="9698737" y="3011971"/>
+            <a:ext cx="2690413" cy="1875913"/>
+          </a:xfrm>
+          <a:prstGeom prst="rect">
+            <a:avLst/>
+          </a:prstGeom>
+          <a:noFill/>
+          <a:extLst>
+            <a:ext uri="{909E8E84-426E-40DD-AFC4-6F175D3DCCD1}">
+              <a14:hiddenFill xmlns:a14="http://schemas.microsoft.com/office/drawing/2010/main">
+                <a:solidFill>
+                  <a:srgbClr val="FFFFFF"/>
+                </a:solidFill>
+              </a14:hiddenFill>
+            </a:ext>
+          </a:extLst>
+        </p:spPr>
+      </p:pic>
+      <p:sp>
+        <p:nvSpPr>
+          <p:cNvPr id="47" name="Rectangle: Rounded Corners 65">
+            <a:extLst>
+              <a:ext uri="{FF2B5EF4-FFF2-40B4-BE49-F238E27FC236}">
+                <a16:creationId xmlns:a16="http://schemas.microsoft.com/office/drawing/2014/main" id="{AEEF35AC-A77C-EA4D-9F33-B73848EADA0A}"/>
               </a:ext>
             </a:extLst>
           </p:cNvPr>
@@ -36075,19 +39124,22 @@
         </p:nvSpPr>
         <p:spPr>
           <a:xfrm>
-            <a:off x="2759074" y="1071416"/>
-            <a:ext cx="9833410" cy="5825124"/>
-          </a:xfrm>
-          <a:prstGeom prst="rect">
+            <a:off x="2985365" y="5734619"/>
+            <a:ext cx="6006235" cy="794710"/>
+          </a:xfrm>
+          <a:prstGeom prst="roundRect">
             <a:avLst/>
           </a:prstGeom>
           <a:solidFill>
-            <a:schemeClr val="bg2">
-              <a:alpha val="15000"/>
-            </a:schemeClr>
+            <a:schemeClr val="bg1"/>
           </a:solidFill>
           <a:ln>
-            <a:noFill/>
+            <a:solidFill>
+              <a:schemeClr val="accent1">
+                <a:lumMod val="60000"/>
+                <a:lumOff val="40000"/>
+              </a:schemeClr>
+            </a:solidFill>
           </a:ln>
         </p:spPr>
         <p:style>
@@ -36110,62 +39162,27 @@
           <a:bodyPr rtlCol="0" anchor="ctr"/>
           <a:lstStyle/>
           <a:p>
-            <a:pPr marL="285750" indent="-285750" algn="ctr">
-              <a:buFont typeface="Arial" panose="020B0604020202020204" pitchFamily="34" charset="0"/>
-              <a:buChar char="•"/>
-            </a:pPr>
-            <a:endParaRPr lang="en-IN" sz="1646" dirty="0"/>
-          </a:p>
-        </p:txBody>
-      </p:sp>
-      <p:sp>
-        <p:nvSpPr>
-          <p:cNvPr id="39" name="TextBox 38">
-            <a:extLst>
-              <a:ext uri="{FF2B5EF4-FFF2-40B4-BE49-F238E27FC236}">
-                <a16:creationId xmlns:a16="http://schemas.microsoft.com/office/drawing/2014/main" id="{BC70D7A2-3E35-CA4B-AE30-78E358032325}"/>
-              </a:ext>
-            </a:extLst>
-          </p:cNvPr>
-          <p:cNvSpPr txBox="1"/>
-          <p:nvPr/>
-        </p:nvSpPr>
-        <p:spPr>
-          <a:xfrm>
-            <a:off x="2975207" y="1322878"/>
-            <a:ext cx="8014191" cy="430887"/>
-          </a:xfrm>
-          <a:prstGeom prst="rect">
-            <a:avLst/>
-          </a:prstGeom>
-          <a:noFill/>
-        </p:spPr>
-        <p:txBody>
-          <a:bodyPr wrap="square" rtlCol="0">
-            <a:spAutoFit/>
-          </a:bodyPr>
-          <a:lstStyle/>
-          <a:p>
             <a:pPr algn="ctr"/>
             <a:r>
-              <a:rPr lang="en-IN" sz="2200" b="1" dirty="0">
+              <a:rPr lang="en-IN" sz="1646" dirty="0">
                 <a:solidFill>
-                  <a:schemeClr val="bg2">
-                    <a:lumMod val="50000"/>
+                  <a:schemeClr val="accent1">
+                    <a:lumMod val="60000"/>
+                    <a:lumOff val="40000"/>
                   </a:schemeClr>
                 </a:solidFill>
               </a:rPr>
-              <a:t>Alert Trainee</a:t>
-            </a:r>
-          </a:p>
-        </p:txBody>
-      </p:sp>
-      <p:sp>
-        <p:nvSpPr>
-          <p:cNvPr id="40" name="Rectangle 39">
-            <a:extLst>
-              <a:ext uri="{FF2B5EF4-FFF2-40B4-BE49-F238E27FC236}">
-                <a16:creationId xmlns:a16="http://schemas.microsoft.com/office/drawing/2014/main" id="{5CCF21A6-3573-F543-95AF-2A9029C46D51}"/>
+              <a:t>Enter Data Here</a:t>
+            </a:r>
+          </a:p>
+        </p:txBody>
+      </p:sp>
+      <p:sp>
+        <p:nvSpPr>
+          <p:cNvPr id="48" name="Rectangle: Rounded Corners 65">
+            <a:extLst>
+              <a:ext uri="{FF2B5EF4-FFF2-40B4-BE49-F238E27FC236}">
+                <a16:creationId xmlns:a16="http://schemas.microsoft.com/office/drawing/2014/main" id="{BA17905F-BDB6-624B-B260-E1CAC961F37F}"/>
               </a:ext>
             </a:extLst>
           </p:cNvPr>
@@ -36174,17 +39191,22 @@
         </p:nvSpPr>
         <p:spPr>
           <a:xfrm>
-            <a:off x="2921199" y="2069138"/>
-            <a:ext cx="8835437" cy="694077"/>
-          </a:xfrm>
-          <a:prstGeom prst="rect">
+            <a:off x="9176023" y="5794584"/>
+            <a:ext cx="1978473" cy="426227"/>
+          </a:xfrm>
+          <a:prstGeom prst="roundRect">
             <a:avLst/>
           </a:prstGeom>
           <a:solidFill>
-            <a:schemeClr val="bg1"/>
+            <a:srgbClr val="00B0F0"/>
           </a:solidFill>
           <a:ln>
-            <a:noFill/>
+            <a:solidFill>
+              <a:schemeClr val="accent1">
+                <a:lumMod val="60000"/>
+                <a:lumOff val="40000"/>
+              </a:schemeClr>
+            </a:solidFill>
           </a:ln>
         </p:spPr>
         <p:style>
@@ -36210,17 +39232,17 @@
             <a:pPr algn="ctr"/>
             <a:r>
               <a:rPr lang="en-IN" sz="1646" dirty="0"/>
-              <a:t>E</a:t>
-            </a:r>
-          </a:p>
-        </p:txBody>
-      </p:sp>
-      <p:sp>
-        <p:nvSpPr>
-          <p:cNvPr id="41" name="Rectangle 40">
-            <a:extLst>
-              <a:ext uri="{FF2B5EF4-FFF2-40B4-BE49-F238E27FC236}">
-                <a16:creationId xmlns:a16="http://schemas.microsoft.com/office/drawing/2014/main" id="{5CCF21A6-3573-F543-95AF-2A9029C46D51}"/>
+              <a:t>Submit</a:t>
+            </a:r>
+          </a:p>
+        </p:txBody>
+      </p:sp>
+      <p:sp>
+        <p:nvSpPr>
+          <p:cNvPr id="49" name="Rectangle: Rounded Corners 65">
+            <a:extLst>
+              <a:ext uri="{FF2B5EF4-FFF2-40B4-BE49-F238E27FC236}">
+                <a16:creationId xmlns:a16="http://schemas.microsoft.com/office/drawing/2014/main" id="{6188FD5D-1DFF-C04B-97C8-1E8AA05A019E}"/>
               </a:ext>
             </a:extLst>
           </p:cNvPr>
@@ -36228,18 +39250,23 @@
           <p:nvPr/>
         </p:nvSpPr>
         <p:spPr>
-          <a:xfrm>
-            <a:off x="2921289" y="1995623"/>
-            <a:ext cx="8835437" cy="694077"/>
-          </a:xfrm>
-          <a:prstGeom prst="rect">
+          <a:xfrm rot="5400000">
+            <a:off x="10622240" y="3376305"/>
+            <a:ext cx="4125962" cy="288176"/>
+          </a:xfrm>
+          <a:prstGeom prst="roundRect">
             <a:avLst/>
           </a:prstGeom>
           <a:solidFill>
-            <a:schemeClr val="bg1"/>
+            <a:srgbClr val="00B0F0"/>
           </a:solidFill>
           <a:ln>
-            <a:noFill/>
+            <a:solidFill>
+              <a:schemeClr val="accent1">
+                <a:lumMod val="60000"/>
+                <a:lumOff val="40000"/>
+              </a:schemeClr>
+            </a:solidFill>
           </a:ln>
         </p:spPr>
         <p:style>
@@ -36265,17 +39292,17 @@
             <a:pPr algn="ctr"/>
             <a:r>
               <a:rPr lang="en-IN" sz="1646" dirty="0"/>
-              <a:t>E</a:t>
-            </a:r>
-          </a:p>
-        </p:txBody>
-      </p:sp>
-      <p:sp>
-        <p:nvSpPr>
-          <p:cNvPr id="43" name="Rectangle: Rounded Corners 55">
-            <a:extLst>
-              <a:ext uri="{FF2B5EF4-FFF2-40B4-BE49-F238E27FC236}">
-                <a16:creationId xmlns:a16="http://schemas.microsoft.com/office/drawing/2014/main" id="{1A549288-70C2-FA4A-B20B-0E47D8136C14}"/>
+              <a:t>Slider</a:t>
+            </a:r>
+          </a:p>
+        </p:txBody>
+      </p:sp>
+      <p:sp>
+        <p:nvSpPr>
+          <p:cNvPr id="56" name="Rectangle: Rounded Corners 65">
+            <a:extLst>
+              <a:ext uri="{FF2B5EF4-FFF2-40B4-BE49-F238E27FC236}">
+                <a16:creationId xmlns:a16="http://schemas.microsoft.com/office/drawing/2014/main" id="{7B4D125D-3AC0-014B-AB27-D078E9CE3428}"/>
               </a:ext>
             </a:extLst>
           </p:cNvPr>
@@ -36284,19 +39311,20 @@
         </p:nvSpPr>
         <p:spPr>
           <a:xfrm>
-            <a:off x="5322542" y="2137122"/>
-            <a:ext cx="3068078" cy="422168"/>
+            <a:off x="8709019" y="6767056"/>
+            <a:ext cx="2117809" cy="425769"/>
           </a:xfrm>
           <a:prstGeom prst="roundRect">
             <a:avLst/>
           </a:prstGeom>
           <a:solidFill>
-            <a:schemeClr val="bg1"/>
+            <a:srgbClr val="00B0F0"/>
           </a:solidFill>
           <a:ln>
             <a:solidFill>
-              <a:schemeClr val="bg2">
-                <a:lumMod val="50000"/>
+              <a:schemeClr val="accent1">
+                <a:lumMod val="60000"/>
+                <a:lumOff val="40000"/>
               </a:schemeClr>
             </a:solidFill>
           </a:ln>
@@ -36321,57 +39349,20 @@
           <a:bodyPr rtlCol="0" anchor="ctr"/>
           <a:lstStyle/>
           <a:p>
-            <a:endParaRPr lang="en-IN" sz="1646" dirty="0">
-              <a:solidFill>
-                <a:schemeClr val="bg2">
-                  <a:lumMod val="50000"/>
-                </a:schemeClr>
-              </a:solidFill>
-            </a:endParaRPr>
-          </a:p>
-        </p:txBody>
-      </p:sp>
-      <p:sp>
-        <p:nvSpPr>
-          <p:cNvPr id="45" name="TextBox 44">
-            <a:extLst>
-              <a:ext uri="{FF2B5EF4-FFF2-40B4-BE49-F238E27FC236}">
-                <a16:creationId xmlns:a16="http://schemas.microsoft.com/office/drawing/2014/main" id="{550105AF-B118-154C-AF9F-5CD4F3909DD9}"/>
-              </a:ext>
-            </a:extLst>
-          </p:cNvPr>
-          <p:cNvSpPr txBox="1"/>
-          <p:nvPr/>
-        </p:nvSpPr>
-        <p:spPr>
-          <a:xfrm>
-            <a:off x="3668770" y="2163540"/>
-            <a:ext cx="1362040" cy="369332"/>
-          </a:xfrm>
-          <a:prstGeom prst="rect">
-            <a:avLst/>
-          </a:prstGeom>
-          <a:noFill/>
-        </p:spPr>
-        <p:txBody>
-          <a:bodyPr wrap="none" rtlCol="0">
-            <a:spAutoFit/>
-          </a:bodyPr>
-          <a:lstStyle/>
-          <a:p>
-            <a:r>
-              <a:rPr lang="en-US" dirty="0"/>
-              <a:t>Employee ID</a:t>
-            </a:r>
-          </a:p>
-        </p:txBody>
-      </p:sp>
-      <p:sp>
-        <p:nvSpPr>
-          <p:cNvPr id="46" name="Rectangle 45">
-            <a:extLst>
-              <a:ext uri="{FF2B5EF4-FFF2-40B4-BE49-F238E27FC236}">
-                <a16:creationId xmlns:a16="http://schemas.microsoft.com/office/drawing/2014/main" id="{5CCF21A6-3573-F543-95AF-2A9029C46D51}"/>
+            <a:pPr algn="ctr"/>
+            <a:r>
+              <a:rPr lang="en-IN" sz="1646" dirty="0"/>
+              <a:t>Documentation</a:t>
+            </a:r>
+          </a:p>
+        </p:txBody>
+      </p:sp>
+      <p:sp>
+        <p:nvSpPr>
+          <p:cNvPr id="57" name="Rectangle: Rounded Corners 65">
+            <a:extLst>
+              <a:ext uri="{FF2B5EF4-FFF2-40B4-BE49-F238E27FC236}">
+                <a16:creationId xmlns:a16="http://schemas.microsoft.com/office/drawing/2014/main" id="{17644E10-E34A-8E44-BD35-8B6D8D1FEDF6}"/>
               </a:ext>
             </a:extLst>
           </p:cNvPr>
@@ -36380,17 +39371,22 @@
         </p:nvSpPr>
         <p:spPr>
           <a:xfrm>
-            <a:off x="2967852" y="3113704"/>
-            <a:ext cx="8835437" cy="694077"/>
-          </a:xfrm>
-          <a:prstGeom prst="rect">
+            <a:off x="3704060" y="6748566"/>
+            <a:ext cx="2103150" cy="404368"/>
+          </a:xfrm>
+          <a:prstGeom prst="roundRect">
             <a:avLst/>
           </a:prstGeom>
           <a:solidFill>
-            <a:schemeClr val="bg1"/>
+            <a:srgbClr val="00B0F0"/>
           </a:solidFill>
           <a:ln>
-            <a:noFill/>
+            <a:solidFill>
+              <a:schemeClr val="accent1">
+                <a:lumMod val="60000"/>
+                <a:lumOff val="40000"/>
+              </a:schemeClr>
+            </a:solidFill>
           </a:ln>
         </p:spPr>
         <p:style>
@@ -36416,17 +39412,17 @@
             <a:pPr algn="ctr"/>
             <a:r>
               <a:rPr lang="en-IN" sz="1646" dirty="0"/>
-              <a:t>E</a:t>
-            </a:r>
-          </a:p>
-        </p:txBody>
-      </p:sp>
-      <p:sp>
-        <p:nvSpPr>
-          <p:cNvPr id="47" name="Rectangle: Rounded Corners 55">
-            <a:extLst>
-              <a:ext uri="{FF2B5EF4-FFF2-40B4-BE49-F238E27FC236}">
-                <a16:creationId xmlns:a16="http://schemas.microsoft.com/office/drawing/2014/main" id="{1A549288-70C2-FA4A-B20B-0E47D8136C14}"/>
+              <a:t>Latest Video Lectures</a:t>
+            </a:r>
+          </a:p>
+        </p:txBody>
+      </p:sp>
+      <p:sp>
+        <p:nvSpPr>
+          <p:cNvPr id="58" name="Rectangle: Rounded Corners 65">
+            <a:extLst>
+              <a:ext uri="{FF2B5EF4-FFF2-40B4-BE49-F238E27FC236}">
+                <a16:creationId xmlns:a16="http://schemas.microsoft.com/office/drawing/2014/main" id="{11BF04B4-6F6D-ED45-9DC6-15B1E9A5F4A4}"/>
               </a:ext>
             </a:extLst>
           </p:cNvPr>
@@ -36435,19 +39431,20 @@
         </p:nvSpPr>
         <p:spPr>
           <a:xfrm>
-            <a:off x="5369105" y="3255203"/>
-            <a:ext cx="3068078" cy="422168"/>
+            <a:off x="6199210" y="6767056"/>
+            <a:ext cx="2117809" cy="408266"/>
           </a:xfrm>
           <a:prstGeom prst="roundRect">
             <a:avLst/>
           </a:prstGeom>
           <a:solidFill>
-            <a:schemeClr val="bg1"/>
+            <a:srgbClr val="00B0F0"/>
           </a:solidFill>
           <a:ln>
             <a:solidFill>
-              <a:schemeClr val="bg2">
-                <a:lumMod val="50000"/>
+              <a:schemeClr val="accent1">
+                <a:lumMod val="60000"/>
+                <a:lumOff val="40000"/>
               </a:schemeClr>
             </a:solidFill>
           </a:ln>
@@ -36472,48 +39469,10 @@
           <a:bodyPr rtlCol="0" anchor="ctr"/>
           <a:lstStyle/>
           <a:p>
-            <a:endParaRPr lang="en-IN" sz="1646" dirty="0">
-              <a:solidFill>
-                <a:schemeClr val="bg2">
-                  <a:lumMod val="50000"/>
-                </a:schemeClr>
-              </a:solidFill>
-            </a:endParaRPr>
-          </a:p>
-        </p:txBody>
-      </p:sp>
-      <p:sp>
-        <p:nvSpPr>
-          <p:cNvPr id="49" name="TextBox 48">
-            <a:extLst>
-              <a:ext uri="{FF2B5EF4-FFF2-40B4-BE49-F238E27FC236}">
-                <a16:creationId xmlns:a16="http://schemas.microsoft.com/office/drawing/2014/main" id="{550105AF-B118-154C-AF9F-5CD4F3909DD9}"/>
-              </a:ext>
-            </a:extLst>
-          </p:cNvPr>
-          <p:cNvSpPr txBox="1"/>
-          <p:nvPr/>
-        </p:nvSpPr>
-        <p:spPr>
-          <a:xfrm>
-            <a:off x="3723875" y="3282445"/>
-            <a:ext cx="1086388" cy="369332"/>
-          </a:xfrm>
-          <a:prstGeom prst="rect">
-            <a:avLst/>
-          </a:prstGeom>
-          <a:noFill/>
-        </p:spPr>
-        <p:txBody>
-          <a:bodyPr wrap="none" rtlCol="0">
-            <a:spAutoFit/>
-          </a:bodyPr>
-          <a:lstStyle/>
-          <a:p>
             <a:pPr algn="ctr"/>
             <a:r>
-              <a:rPr lang="en-US" dirty="0"/>
-              <a:t>Course ID</a:t>
+              <a:rPr lang="en-IN" sz="1646" dirty="0"/>
+              <a:t>Latest News</a:t>
             </a:r>
           </a:p>
         </p:txBody>
@@ -36523,7 +39482,7 @@
           <p:cNvPr id="50" name="Rectangle 49">
             <a:extLst>
               <a:ext uri="{FF2B5EF4-FFF2-40B4-BE49-F238E27FC236}">
-                <a16:creationId xmlns:a16="http://schemas.microsoft.com/office/drawing/2014/main" id="{5CCF21A6-3573-F543-95AF-2A9029C46D51}"/>
+                <a16:creationId xmlns:a16="http://schemas.microsoft.com/office/drawing/2014/main" id="{673DAE50-A954-4C46-B721-3439BDA1D6D7}"/>
               </a:ext>
             </a:extLst>
           </p:cNvPr>
@@ -36532,17 +39491,19 @@
         </p:nvSpPr>
         <p:spPr>
           <a:xfrm>
-            <a:off x="2921199" y="4281446"/>
-            <a:ext cx="8835437" cy="694077"/>
+            <a:off x="-2839" y="1026094"/>
+            <a:ext cx="2383085" cy="6503633"/>
           </a:xfrm>
           <a:prstGeom prst="rect">
             <a:avLst/>
           </a:prstGeom>
           <a:solidFill>
-            <a:schemeClr val="bg1"/>
+            <a:srgbClr val="0090AF"/>
           </a:solidFill>
           <a:ln>
-            <a:noFill/>
+            <a:solidFill>
+              <a:srgbClr val="0090AF"/>
+            </a:solidFill>
           </a:ln>
         </p:spPr>
         <p:style>
@@ -36562,280 +39523,6 @@
           </a:fontRef>
         </p:style>
         <p:txBody>
-          <a:bodyPr rtlCol="0" anchor="ctr"/>
-          <a:lstStyle/>
-          <a:p>
-            <a:pPr algn="ctr"/>
-            <a:r>
-              <a:rPr lang="en-IN" sz="1646" dirty="0"/>
-              <a:t>E</a:t>
-            </a:r>
-          </a:p>
-        </p:txBody>
-      </p:sp>
-      <p:sp>
-        <p:nvSpPr>
-          <p:cNvPr id="51" name="Rectangle: Rounded Corners 55">
-            <a:extLst>
-              <a:ext uri="{FF2B5EF4-FFF2-40B4-BE49-F238E27FC236}">
-                <a16:creationId xmlns:a16="http://schemas.microsoft.com/office/drawing/2014/main" id="{1A549288-70C2-FA4A-B20B-0E47D8136C14}"/>
-              </a:ext>
-            </a:extLst>
-          </p:cNvPr>
-          <p:cNvSpPr/>
-          <p:nvPr/>
-        </p:nvSpPr>
-        <p:spPr>
-          <a:xfrm>
-            <a:off x="5322452" y="4422945"/>
-            <a:ext cx="3068078" cy="422168"/>
-          </a:xfrm>
-          <a:prstGeom prst="roundRect">
-            <a:avLst/>
-          </a:prstGeom>
-          <a:solidFill>
-            <a:schemeClr val="bg1"/>
-          </a:solidFill>
-          <a:ln>
-            <a:solidFill>
-              <a:schemeClr val="bg2">
-                <a:lumMod val="50000"/>
-              </a:schemeClr>
-            </a:solidFill>
-          </a:ln>
-        </p:spPr>
-        <p:style>
-          <a:lnRef idx="2">
-            <a:schemeClr val="accent1">
-              <a:shade val="50000"/>
-            </a:schemeClr>
-          </a:lnRef>
-          <a:fillRef idx="1">
-            <a:schemeClr val="accent1"/>
-          </a:fillRef>
-          <a:effectRef idx="0">
-            <a:schemeClr val="accent1"/>
-          </a:effectRef>
-          <a:fontRef idx="minor">
-            <a:schemeClr val="lt1"/>
-          </a:fontRef>
-        </p:style>
-        <p:txBody>
-          <a:bodyPr rtlCol="0" anchor="ctr"/>
-          <a:lstStyle/>
-          <a:p>
-            <a:endParaRPr lang="en-IN" sz="1646" dirty="0">
-              <a:solidFill>
-                <a:schemeClr val="bg2">
-                  <a:lumMod val="50000"/>
-                </a:schemeClr>
-              </a:solidFill>
-            </a:endParaRPr>
-          </a:p>
-        </p:txBody>
-      </p:sp>
-      <p:sp>
-        <p:nvSpPr>
-          <p:cNvPr id="53" name="TextBox 52">
-            <a:extLst>
-              <a:ext uri="{FF2B5EF4-FFF2-40B4-BE49-F238E27FC236}">
-                <a16:creationId xmlns:a16="http://schemas.microsoft.com/office/drawing/2014/main" id="{550105AF-B118-154C-AF9F-5CD4F3909DD9}"/>
-              </a:ext>
-            </a:extLst>
-          </p:cNvPr>
-          <p:cNvSpPr txBox="1"/>
-          <p:nvPr/>
-        </p:nvSpPr>
-        <p:spPr>
-          <a:xfrm>
-            <a:off x="3798350" y="4467243"/>
-            <a:ext cx="937437" cy="369332"/>
-          </a:xfrm>
-          <a:prstGeom prst="rect">
-            <a:avLst/>
-          </a:prstGeom>
-          <a:noFill/>
-        </p:spPr>
-        <p:txBody>
-          <a:bodyPr wrap="none" rtlCol="0">
-            <a:spAutoFit/>
-          </a:bodyPr>
-          <a:lstStyle/>
-          <a:p>
-            <a:pPr algn="ctr"/>
-            <a:r>
-              <a:rPr lang="en-US" dirty="0"/>
-              <a:t>Test No.</a:t>
-            </a:r>
-          </a:p>
-        </p:txBody>
-      </p:sp>
-      <p:sp>
-        <p:nvSpPr>
-          <p:cNvPr id="58" name="Rectangle: Rounded Corners 65">
-            <a:extLst>
-              <a:ext uri="{FF2B5EF4-FFF2-40B4-BE49-F238E27FC236}">
-                <a16:creationId xmlns:a16="http://schemas.microsoft.com/office/drawing/2014/main" id="{05EAECDE-3B6D-E24E-8243-B8611089B202}"/>
-              </a:ext>
-            </a:extLst>
-          </p:cNvPr>
-          <p:cNvSpPr/>
-          <p:nvPr/>
-        </p:nvSpPr>
-        <p:spPr>
-          <a:xfrm>
-            <a:off x="4267068" y="5826682"/>
-            <a:ext cx="1813374" cy="443272"/>
-          </a:xfrm>
-          <a:prstGeom prst="roundRect">
-            <a:avLst/>
-          </a:prstGeom>
-          <a:solidFill>
-            <a:srgbClr val="00B0F0"/>
-          </a:solidFill>
-          <a:ln>
-            <a:solidFill>
-              <a:schemeClr val="accent1">
-                <a:lumMod val="60000"/>
-                <a:lumOff val="40000"/>
-              </a:schemeClr>
-            </a:solidFill>
-          </a:ln>
-        </p:spPr>
-        <p:style>
-          <a:lnRef idx="2">
-            <a:schemeClr val="accent1">
-              <a:shade val="50000"/>
-            </a:schemeClr>
-          </a:lnRef>
-          <a:fillRef idx="1">
-            <a:schemeClr val="accent1"/>
-          </a:fillRef>
-          <a:effectRef idx="0">
-            <a:schemeClr val="accent1"/>
-          </a:effectRef>
-          <a:fontRef idx="minor">
-            <a:schemeClr val="lt1"/>
-          </a:fontRef>
-        </p:style>
-        <p:txBody>
-          <a:bodyPr rtlCol="0" anchor="ctr"/>
-          <a:lstStyle/>
-          <a:p>
-            <a:pPr algn="ctr"/>
-            <a:r>
-              <a:rPr lang="en-IN" sz="1646" dirty="0"/>
-              <a:t>Send  Email</a:t>
-            </a:r>
-          </a:p>
-        </p:txBody>
-      </p:sp>
-      <p:sp>
-        <p:nvSpPr>
-          <p:cNvPr id="59" name="Rectangle: Rounded Corners 65">
-            <a:extLst>
-              <a:ext uri="{FF2B5EF4-FFF2-40B4-BE49-F238E27FC236}">
-                <a16:creationId xmlns:a16="http://schemas.microsoft.com/office/drawing/2014/main" id="{50DF11FB-4625-5A49-B5F9-1B52C1001EDA}"/>
-              </a:ext>
-            </a:extLst>
-          </p:cNvPr>
-          <p:cNvSpPr/>
-          <p:nvPr/>
-        </p:nvSpPr>
-        <p:spPr>
-          <a:xfrm>
-            <a:off x="7162792" y="5843535"/>
-            <a:ext cx="1813374" cy="443272"/>
-          </a:xfrm>
-          <a:prstGeom prst="roundRect">
-            <a:avLst/>
-          </a:prstGeom>
-          <a:solidFill>
-            <a:srgbClr val="00B0F0"/>
-          </a:solidFill>
-          <a:ln>
-            <a:solidFill>
-              <a:schemeClr val="accent1">
-                <a:lumMod val="60000"/>
-                <a:lumOff val="40000"/>
-              </a:schemeClr>
-            </a:solidFill>
-          </a:ln>
-        </p:spPr>
-        <p:style>
-          <a:lnRef idx="2">
-            <a:schemeClr val="accent1">
-              <a:shade val="50000"/>
-            </a:schemeClr>
-          </a:lnRef>
-          <a:fillRef idx="1">
-            <a:schemeClr val="accent1"/>
-          </a:fillRef>
-          <a:effectRef idx="0">
-            <a:schemeClr val="accent1"/>
-          </a:effectRef>
-          <a:fontRef idx="minor">
-            <a:schemeClr val="lt1"/>
-          </a:fontRef>
-        </p:style>
-        <p:txBody>
-          <a:bodyPr rtlCol="0" anchor="ctr"/>
-          <a:lstStyle/>
-          <a:p>
-            <a:pPr algn="ctr"/>
-            <a:r>
-              <a:rPr lang="en-IN" sz="1646" dirty="0"/>
-              <a:t>Send SMS</a:t>
-            </a:r>
-          </a:p>
-        </p:txBody>
-      </p:sp>
-      <p:sp>
-        <p:nvSpPr>
-          <p:cNvPr id="88" name="Rectangle 87">
-            <a:extLst>
-              <a:ext uri="{FF2B5EF4-FFF2-40B4-BE49-F238E27FC236}">
-                <a16:creationId xmlns:a16="http://schemas.microsoft.com/office/drawing/2014/main" id="{4D60762C-D354-5F44-8355-F3DDAAAF3AE5}"/>
-              </a:ext>
-            </a:extLst>
-          </p:cNvPr>
-          <p:cNvSpPr/>
-          <p:nvPr/>
-        </p:nvSpPr>
-        <p:spPr>
-          <a:xfrm>
-            <a:off x="-2839" y="1026094"/>
-            <a:ext cx="2383085" cy="5901493"/>
-          </a:xfrm>
-          <a:prstGeom prst="rect">
-            <a:avLst/>
-          </a:prstGeom>
-          <a:solidFill>
-            <a:srgbClr val="0090AF"/>
-          </a:solidFill>
-          <a:ln>
-            <a:solidFill>
-              <a:srgbClr val="0090AF"/>
-            </a:solidFill>
-          </a:ln>
-        </p:spPr>
-        <p:style>
-          <a:lnRef idx="2">
-            <a:schemeClr val="accent1">
-              <a:shade val="50000"/>
-            </a:schemeClr>
-          </a:lnRef>
-          <a:fillRef idx="1">
-            <a:schemeClr val="accent1"/>
-          </a:fillRef>
-          <a:effectRef idx="0">
-            <a:schemeClr val="accent1"/>
-          </a:effectRef>
-          <a:fontRef idx="minor">
-            <a:schemeClr val="lt1"/>
-          </a:fontRef>
-        </p:style>
-        <p:txBody>
           <a:bodyPr rot="0" spcFirstLastPara="0" vertOverflow="overflow" horzOverflow="overflow" vert="horz" wrap="square" lIns="83617" tIns="41809" rIns="83617" bIns="41809" numCol="1" spcCol="0" rtlCol="0" fromWordArt="0" anchor="ctr" anchorCtr="0" forceAA="0" compatLnSpc="1">
             <a:prstTxWarp prst="textNoShape">
               <a:avLst/>
@@ -36854,10 +39541,10 @@
       </p:sp>
       <p:grpSp>
         <p:nvGrpSpPr>
-          <p:cNvPr id="89" name="Group 88">
-            <a:extLst>
-              <a:ext uri="{FF2B5EF4-FFF2-40B4-BE49-F238E27FC236}">
-                <a16:creationId xmlns:a16="http://schemas.microsoft.com/office/drawing/2014/main" id="{955789C4-C64B-434D-A2DA-A4750B2AD568}"/>
+          <p:cNvPr id="51" name="Group 50">
+            <a:extLst>
+              <a:ext uri="{FF2B5EF4-FFF2-40B4-BE49-F238E27FC236}">
+                <a16:creationId xmlns:a16="http://schemas.microsoft.com/office/drawing/2014/main" id="{24655A13-B647-DD41-A7EE-C5178B560291}"/>
               </a:ext>
             </a:extLst>
           </p:cNvPr>
@@ -36874,10 +39561,10 @@
         </p:grpSpPr>
         <p:pic>
           <p:nvPicPr>
-            <p:cNvPr id="90" name="Picture 89">
+            <p:cNvPr id="52" name="Picture 51">
               <a:extLst>
                 <a:ext uri="{FF2B5EF4-FFF2-40B4-BE49-F238E27FC236}">
-                  <a16:creationId xmlns:a16="http://schemas.microsoft.com/office/drawing/2014/main" id="{11745B24-7792-454D-A0F2-32240B65485E}"/>
+                  <a16:creationId xmlns:a16="http://schemas.microsoft.com/office/drawing/2014/main" id="{56CAEFC2-BF63-3040-8316-907A016EB3AD}"/>
                 </a:ext>
               </a:extLst>
             </p:cNvPr>
@@ -36887,7 +39574,7 @@
             <p:nvPr/>
           </p:nvPicPr>
           <p:blipFill>
-            <a:blip r:embed="rId6" cstate="hqprint">
+            <a:blip r:embed="rId7" cstate="hqprint">
               <a:lum bright="70000" contrast="-70000"/>
               <a:extLst>
                 <a:ext uri="{28A0092B-C50C-407E-A947-70E740481C1C}">
@@ -36911,10 +39598,10 @@
         </p:pic>
         <p:sp>
           <p:nvSpPr>
-            <p:cNvPr id="92" name="TextBox 91">
+            <p:cNvPr id="53" name="TextBox 52">
               <a:extLst>
                 <a:ext uri="{FF2B5EF4-FFF2-40B4-BE49-F238E27FC236}">
-                  <a16:creationId xmlns:a16="http://schemas.microsoft.com/office/drawing/2014/main" id="{6A15E23B-1A90-0247-807F-73B9A0400BEB}"/>
+                  <a16:creationId xmlns:a16="http://schemas.microsoft.com/office/drawing/2014/main" id="{E5DBD53D-B3CA-9A43-8C60-403CC945B483}"/>
                 </a:ext>
               </a:extLst>
             </p:cNvPr>
@@ -36951,10 +39638,10 @@
       </p:grpSp>
       <p:sp>
         <p:nvSpPr>
-          <p:cNvPr id="95" name="TextBox 94">
-            <a:extLst>
-              <a:ext uri="{FF2B5EF4-FFF2-40B4-BE49-F238E27FC236}">
-                <a16:creationId xmlns:a16="http://schemas.microsoft.com/office/drawing/2014/main" id="{5B5BA7DE-19C4-CF42-8D54-DEB759896537}"/>
+          <p:cNvPr id="54" name="TextBox 53">
+            <a:extLst>
+              <a:ext uri="{FF2B5EF4-FFF2-40B4-BE49-F238E27FC236}">
+                <a16:creationId xmlns:a16="http://schemas.microsoft.com/office/drawing/2014/main" id="{D0BC0577-D409-1C44-AD77-208BDF617E18}"/>
               </a:ext>
             </a:extLst>
           </p:cNvPr>
@@ -36995,10 +39682,10 @@
       </p:sp>
       <p:pic>
         <p:nvPicPr>
-          <p:cNvPr id="99" name="Picture 98">
-            <a:extLst>
-              <a:ext uri="{FF2B5EF4-FFF2-40B4-BE49-F238E27FC236}">
-                <a16:creationId xmlns:a16="http://schemas.microsoft.com/office/drawing/2014/main" id="{8D6A1E44-3D17-CB43-B146-11EDC0E853C1}"/>
+          <p:cNvPr id="55" name="Picture 54">
+            <a:extLst>
+              <a:ext uri="{FF2B5EF4-FFF2-40B4-BE49-F238E27FC236}">
+                <a16:creationId xmlns:a16="http://schemas.microsoft.com/office/drawing/2014/main" id="{59B690BA-3473-D44D-9152-D01663D6B82B}"/>
               </a:ext>
             </a:extLst>
           </p:cNvPr>
@@ -37008,7 +39695,7 @@
           <p:nvPr/>
         </p:nvPicPr>
         <p:blipFill>
-          <a:blip r:embed="rId7" cstate="hqprint">
+          <a:blip r:embed="rId8" cstate="hqprint">
             <a:extLst>
               <a:ext uri="{28A0092B-C50C-407E-A947-70E740481C1C}">
                 <a14:useLocalDpi xmlns:a14="http://schemas.microsoft.com/office/drawing/2010/main" val="0"/>
@@ -37031,10 +39718,10 @@
       </p:pic>
       <p:sp>
         <p:nvSpPr>
-          <p:cNvPr id="109" name="TextBox 108">
-            <a:extLst>
-              <a:ext uri="{FF2B5EF4-FFF2-40B4-BE49-F238E27FC236}">
-                <a16:creationId xmlns:a16="http://schemas.microsoft.com/office/drawing/2014/main" id="{ABAF75BA-7218-DA41-A48D-9B814CDBF4E4}"/>
+          <p:cNvPr id="59" name="TextBox 58">
+            <a:extLst>
+              <a:ext uri="{FF2B5EF4-FFF2-40B4-BE49-F238E27FC236}">
+                <a16:creationId xmlns:a16="http://schemas.microsoft.com/office/drawing/2014/main" id="{F4F8EA76-9A59-DF46-913A-37F20657DACC}"/>
               </a:ext>
             </a:extLst>
           </p:cNvPr>
@@ -37070,10 +39757,10 @@
       </p:sp>
       <p:grpSp>
         <p:nvGrpSpPr>
-          <p:cNvPr id="110" name="Group 109">
-            <a:extLst>
-              <a:ext uri="{FF2B5EF4-FFF2-40B4-BE49-F238E27FC236}">
-                <a16:creationId xmlns:a16="http://schemas.microsoft.com/office/drawing/2014/main" id="{746A5953-DAF6-7548-8DFD-8DE63ED0B34B}"/>
+          <p:cNvPr id="60" name="Group 59">
+            <a:extLst>
+              <a:ext uri="{FF2B5EF4-FFF2-40B4-BE49-F238E27FC236}">
+                <a16:creationId xmlns:a16="http://schemas.microsoft.com/office/drawing/2014/main" id="{5FCB7DC8-F3F4-8A45-8338-8B765A280387}"/>
               </a:ext>
             </a:extLst>
           </p:cNvPr>
@@ -37090,10 +39777,10 @@
         </p:grpSpPr>
         <p:pic>
           <p:nvPicPr>
-            <p:cNvPr id="111" name="Picture 110">
+            <p:cNvPr id="61" name="Picture 60">
               <a:extLst>
                 <a:ext uri="{FF2B5EF4-FFF2-40B4-BE49-F238E27FC236}">
-                  <a16:creationId xmlns:a16="http://schemas.microsoft.com/office/drawing/2014/main" id="{4440EB09-60FA-6D47-9ACB-FFDE7AD94EF0}"/>
+                  <a16:creationId xmlns:a16="http://schemas.microsoft.com/office/drawing/2014/main" id="{46F726D9-823E-724E-BA4E-86D7C8210ED8}"/>
                 </a:ext>
               </a:extLst>
             </p:cNvPr>
@@ -37103,7 +39790,7 @@
             <p:nvPr/>
           </p:nvPicPr>
           <p:blipFill>
-            <a:blip r:embed="rId8" cstate="hqprint">
+            <a:blip r:embed="rId9" cstate="hqprint">
               <a:lum bright="70000" contrast="-70000"/>
               <a:extLst>
                 <a:ext uri="{28A0092B-C50C-407E-A947-70E740481C1C}">
@@ -37127,10 +39814,10 @@
         </p:pic>
         <p:sp>
           <p:nvSpPr>
-            <p:cNvPr id="112" name="TextBox 111">
+            <p:cNvPr id="62" name="TextBox 61">
               <a:extLst>
                 <a:ext uri="{FF2B5EF4-FFF2-40B4-BE49-F238E27FC236}">
-                  <a16:creationId xmlns:a16="http://schemas.microsoft.com/office/drawing/2014/main" id="{519A71CF-07A5-B242-9481-51C5F3293BC3}"/>
+                  <a16:creationId xmlns:a16="http://schemas.microsoft.com/office/drawing/2014/main" id="{7AD68367-9AFB-2E4C-9299-5533B80E6D17}"/>
                 </a:ext>
               </a:extLst>
             </p:cNvPr>
@@ -37167,10 +39854,10 @@
       </p:grpSp>
       <p:pic>
         <p:nvPicPr>
-          <p:cNvPr id="113" name="Picture 112">
-            <a:extLst>
-              <a:ext uri="{FF2B5EF4-FFF2-40B4-BE49-F238E27FC236}">
-                <a16:creationId xmlns:a16="http://schemas.microsoft.com/office/drawing/2014/main" id="{D62AF4C7-6940-774D-A0D2-1ECF33E655AD}"/>
+          <p:cNvPr id="63" name="Picture 62">
+            <a:extLst>
+              <a:ext uri="{FF2B5EF4-FFF2-40B4-BE49-F238E27FC236}">
+                <a16:creationId xmlns:a16="http://schemas.microsoft.com/office/drawing/2014/main" id="{4E98A40D-6F05-3645-895B-30926F2CAD2C}"/>
               </a:ext>
             </a:extLst>
           </p:cNvPr>
@@ -37180,7 +39867,7 @@
           <p:nvPr/>
         </p:nvPicPr>
         <p:blipFill>
-          <a:blip r:embed="rId9">
+          <a:blip r:embed="rId10">
             <a:extLst>
               <a:ext uri="{28A0092B-C50C-407E-A947-70E740481C1C}">
                 <a14:useLocalDpi xmlns:a14="http://schemas.microsoft.com/office/drawing/2010/main" val="0"/>
@@ -37203,10 +39890,10 @@
       </p:pic>
       <p:sp>
         <p:nvSpPr>
-          <p:cNvPr id="114" name="TextBox 113">
-            <a:extLst>
-              <a:ext uri="{FF2B5EF4-FFF2-40B4-BE49-F238E27FC236}">
-                <a16:creationId xmlns:a16="http://schemas.microsoft.com/office/drawing/2014/main" id="{C25134DA-5134-D541-94E8-4A4CC7B2832C}"/>
+          <p:cNvPr id="64" name="TextBox 63">
+            <a:extLst>
+              <a:ext uri="{FF2B5EF4-FFF2-40B4-BE49-F238E27FC236}">
+                <a16:creationId xmlns:a16="http://schemas.microsoft.com/office/drawing/2014/main" id="{E383460C-221C-954A-8A0F-A4FD1C2A030E}"/>
               </a:ext>
             </a:extLst>
           </p:cNvPr>
@@ -37242,10 +39929,10 @@
       </p:sp>
       <p:grpSp>
         <p:nvGrpSpPr>
-          <p:cNvPr id="115" name="Group 114">
-            <a:extLst>
-              <a:ext uri="{FF2B5EF4-FFF2-40B4-BE49-F238E27FC236}">
-                <a16:creationId xmlns:a16="http://schemas.microsoft.com/office/drawing/2014/main" id="{44481DC4-3E48-B74C-8ECB-84A26ED82026}"/>
+          <p:cNvPr id="65" name="Group 64">
+            <a:extLst>
+              <a:ext uri="{FF2B5EF4-FFF2-40B4-BE49-F238E27FC236}">
+                <a16:creationId xmlns:a16="http://schemas.microsoft.com/office/drawing/2014/main" id="{9B2F61D6-232E-4B49-AB35-71E7336C8B1D}"/>
               </a:ext>
             </a:extLst>
           </p:cNvPr>
@@ -37262,10 +39949,10 @@
         </p:grpSpPr>
         <p:pic>
           <p:nvPicPr>
-            <p:cNvPr id="116" name="Picture 115">
+            <p:cNvPr id="67" name="Picture 66">
               <a:extLst>
                 <a:ext uri="{FF2B5EF4-FFF2-40B4-BE49-F238E27FC236}">
-                  <a16:creationId xmlns:a16="http://schemas.microsoft.com/office/drawing/2014/main" id="{7417568D-EB07-5942-8C2D-9D0108D8966C}"/>
+                  <a16:creationId xmlns:a16="http://schemas.microsoft.com/office/drawing/2014/main" id="{15A11272-454A-4F45-89AA-2C1319C92D5B}"/>
                 </a:ext>
               </a:extLst>
             </p:cNvPr>
@@ -37275,7 +39962,7 @@
             <p:nvPr/>
           </p:nvPicPr>
           <p:blipFill>
-            <a:blip r:embed="rId8" cstate="hqprint">
+            <a:blip r:embed="rId9" cstate="hqprint">
               <a:lum bright="70000" contrast="-70000"/>
               <a:extLst>
                 <a:ext uri="{28A0092B-C50C-407E-A947-70E740481C1C}">
@@ -37299,10 +39986,10 @@
         </p:pic>
         <p:sp>
           <p:nvSpPr>
-            <p:cNvPr id="117" name="TextBox 116">
+            <p:cNvPr id="69" name="TextBox 68">
               <a:extLst>
                 <a:ext uri="{FF2B5EF4-FFF2-40B4-BE49-F238E27FC236}">
-                  <a16:creationId xmlns:a16="http://schemas.microsoft.com/office/drawing/2014/main" id="{DFFE334A-7CAB-E644-B06C-15F56F9D48C8}"/>
+                  <a16:creationId xmlns:a16="http://schemas.microsoft.com/office/drawing/2014/main" id="{5B3A44A5-9CBB-E14D-AEF1-B20E958E40BE}"/>
                 </a:ext>
               </a:extLst>
             </p:cNvPr>
@@ -37339,10 +40026,10 @@
       </p:grpSp>
       <p:sp>
         <p:nvSpPr>
-          <p:cNvPr id="119" name="TextBox 118">
-            <a:extLst>
-              <a:ext uri="{FF2B5EF4-FFF2-40B4-BE49-F238E27FC236}">
-                <a16:creationId xmlns:a16="http://schemas.microsoft.com/office/drawing/2014/main" id="{2B609247-67A8-4A4E-AE06-2484DE35671E}"/>
+          <p:cNvPr id="72" name="TextBox 71">
+            <a:extLst>
+              <a:ext uri="{FF2B5EF4-FFF2-40B4-BE49-F238E27FC236}">
+                <a16:creationId xmlns:a16="http://schemas.microsoft.com/office/drawing/2014/main" id="{FAE3BA1D-CBAD-B740-A7CD-9F3D78956079}"/>
               </a:ext>
             </a:extLst>
           </p:cNvPr>
@@ -37378,10 +40065,10 @@
       </p:sp>
       <p:sp>
         <p:nvSpPr>
-          <p:cNvPr id="121" name="TextBox 120">
-            <a:extLst>
-              <a:ext uri="{FF2B5EF4-FFF2-40B4-BE49-F238E27FC236}">
-                <a16:creationId xmlns:a16="http://schemas.microsoft.com/office/drawing/2014/main" id="{C707048C-82CF-5643-AA85-694CC600D011}"/>
+          <p:cNvPr id="74" name="TextBox 73">
+            <a:extLst>
+              <a:ext uri="{FF2B5EF4-FFF2-40B4-BE49-F238E27FC236}">
+                <a16:creationId xmlns:a16="http://schemas.microsoft.com/office/drawing/2014/main" id="{D7180494-2811-9846-B939-9022FA411491}"/>
               </a:ext>
             </a:extLst>
           </p:cNvPr>
@@ -37417,40 +40104,10 @@
       </p:sp>
       <p:pic>
         <p:nvPicPr>
-          <p:cNvPr id="122" name="Picture 121">
-            <a:extLst>
-              <a:ext uri="{FF2B5EF4-FFF2-40B4-BE49-F238E27FC236}">
-                <a16:creationId xmlns:a16="http://schemas.microsoft.com/office/drawing/2014/main" id="{D79F9ED7-09CA-8044-B5C7-8E2EE1BC94D7}"/>
-              </a:ext>
-            </a:extLst>
-          </p:cNvPr>
-          <p:cNvPicPr>
-            <a:picLocks noChangeAspect="1"/>
-          </p:cNvPicPr>
-          <p:nvPr/>
-        </p:nvPicPr>
-        <p:blipFill>
-          <a:blip r:embed="rId10"/>
-          <a:stretch>
-            <a:fillRect/>
-          </a:stretch>
-        </p:blipFill>
-        <p:spPr>
-          <a:xfrm>
-            <a:off x="129350" y="5004404"/>
-            <a:ext cx="350735" cy="321943"/>
-          </a:xfrm>
-          <a:prstGeom prst="rect">
-            <a:avLst/>
-          </a:prstGeom>
-        </p:spPr>
-      </p:pic>
-      <p:pic>
-        <p:nvPicPr>
-          <p:cNvPr id="123" name="Picture 122">
-            <a:extLst>
-              <a:ext uri="{FF2B5EF4-FFF2-40B4-BE49-F238E27FC236}">
-                <a16:creationId xmlns:a16="http://schemas.microsoft.com/office/drawing/2014/main" id="{B6DFFAC8-1243-7243-B2A9-A221E2DC80C9}"/>
+          <p:cNvPr id="75" name="Picture 74">
+            <a:extLst>
+              <a:ext uri="{FF2B5EF4-FFF2-40B4-BE49-F238E27FC236}">
+                <a16:creationId xmlns:a16="http://schemas.microsoft.com/office/drawing/2014/main" id="{E65FFAA9-9719-E14E-818A-6F4A6D74473D}"/>
               </a:ext>
             </a:extLst>
           </p:cNvPr>
@@ -37467,8 +40124,8 @@
         </p:blipFill>
         <p:spPr>
           <a:xfrm>
-            <a:off x="176299" y="4456783"/>
-            <a:ext cx="250963" cy="418271"/>
+            <a:off x="129350" y="5004404"/>
+            <a:ext cx="350735" cy="321943"/>
           </a:xfrm>
           <a:prstGeom prst="rect">
             <a:avLst/>
@@ -37477,10 +40134,10 @@
       </p:pic>
       <p:pic>
         <p:nvPicPr>
-          <p:cNvPr id="124" name="Picture 123">
-            <a:extLst>
-              <a:ext uri="{FF2B5EF4-FFF2-40B4-BE49-F238E27FC236}">
-                <a16:creationId xmlns:a16="http://schemas.microsoft.com/office/drawing/2014/main" id="{CD7D3BD4-21F8-6742-A18E-4AC5E23D5A82}"/>
+          <p:cNvPr id="78" name="Picture 77">
+            <a:extLst>
+              <a:ext uri="{FF2B5EF4-FFF2-40B4-BE49-F238E27FC236}">
+                <a16:creationId xmlns:a16="http://schemas.microsoft.com/office/drawing/2014/main" id="{558C59A8-57DD-8A40-A4E5-63B1D1E033D3}"/>
               </a:ext>
             </a:extLst>
           </p:cNvPr>
@@ -37497,6 +40154,36 @@
         </p:blipFill>
         <p:spPr>
           <a:xfrm>
+            <a:off x="176299" y="4456783"/>
+            <a:ext cx="250963" cy="418271"/>
+          </a:xfrm>
+          <a:prstGeom prst="rect">
+            <a:avLst/>
+          </a:prstGeom>
+        </p:spPr>
+      </p:pic>
+      <p:pic>
+        <p:nvPicPr>
+          <p:cNvPr id="79" name="Picture 78">
+            <a:extLst>
+              <a:ext uri="{FF2B5EF4-FFF2-40B4-BE49-F238E27FC236}">
+                <a16:creationId xmlns:a16="http://schemas.microsoft.com/office/drawing/2014/main" id="{FC2A4CE4-8B47-584D-907E-D7824870ADB2}"/>
+              </a:ext>
+            </a:extLst>
+          </p:cNvPr>
+          <p:cNvPicPr>
+            <a:picLocks noChangeAspect="1"/>
+          </p:cNvPicPr>
+          <p:nvPr/>
+        </p:nvPicPr>
+        <p:blipFill>
+          <a:blip r:embed="rId13"/>
+          <a:stretch>
+            <a:fillRect/>
+          </a:stretch>
+        </p:blipFill>
+        <p:spPr>
+          <a:xfrm>
             <a:off x="126338" y="3524672"/>
             <a:ext cx="385157" cy="318839"/>
           </a:xfrm>
@@ -37507,10 +40194,10 @@
       </p:pic>
       <p:grpSp>
         <p:nvGrpSpPr>
-          <p:cNvPr id="52" name="Group 51">
-            <a:extLst>
-              <a:ext uri="{FF2B5EF4-FFF2-40B4-BE49-F238E27FC236}">
-                <a16:creationId xmlns:a16="http://schemas.microsoft.com/office/drawing/2014/main" id="{253C8792-6347-E246-A3C1-DF9EF7FFAC86}"/>
+          <p:cNvPr id="68" name="Group 67">
+            <a:extLst>
+              <a:ext uri="{FF2B5EF4-FFF2-40B4-BE49-F238E27FC236}">
+                <a16:creationId xmlns:a16="http://schemas.microsoft.com/office/drawing/2014/main" id="{44D7A7AC-965E-824A-8989-199FE5930690}"/>
               </a:ext>
             </a:extLst>
           </p:cNvPr>
@@ -37527,10 +40214,10 @@
         </p:grpSpPr>
         <p:sp>
           <p:nvSpPr>
-            <p:cNvPr id="54" name="TextBox 53">
+            <p:cNvPr id="70" name="TextBox 69">
               <a:extLst>
                 <a:ext uri="{FF2B5EF4-FFF2-40B4-BE49-F238E27FC236}">
-                  <a16:creationId xmlns:a16="http://schemas.microsoft.com/office/drawing/2014/main" id="{CEE8CC40-673F-464C-9B1E-96C6F7EB750E}"/>
+                  <a16:creationId xmlns:a16="http://schemas.microsoft.com/office/drawing/2014/main" id="{B4F809A0-FD13-F74B-BC17-2B8918F65C02}"/>
                 </a:ext>
               </a:extLst>
             </p:cNvPr>
@@ -37562,10 +40249,10 @@
         </p:sp>
         <p:pic>
           <p:nvPicPr>
-            <p:cNvPr id="55" name="Picture 54">
+            <p:cNvPr id="71" name="Picture 70">
               <a:extLst>
                 <a:ext uri="{FF2B5EF4-FFF2-40B4-BE49-F238E27FC236}">
-                  <a16:creationId xmlns:a16="http://schemas.microsoft.com/office/drawing/2014/main" id="{2D46A5C5-5699-914E-8305-5A4961851FFB}"/>
+                  <a16:creationId xmlns:a16="http://schemas.microsoft.com/office/drawing/2014/main" id="{6EEE969B-7344-8E4F-AA36-D7DEF871169F}"/>
                 </a:ext>
               </a:extLst>
             </p:cNvPr>
@@ -37599,10 +40286,10 @@
       </p:grpSp>
       <p:pic>
         <p:nvPicPr>
-          <p:cNvPr id="56" name="Picture 55">
-            <a:extLst>
-              <a:ext uri="{FF2B5EF4-FFF2-40B4-BE49-F238E27FC236}">
-                <a16:creationId xmlns:a16="http://schemas.microsoft.com/office/drawing/2014/main" id="{C9AC57AB-61AA-F740-981D-A07667202D7A}"/>
+          <p:cNvPr id="76" name="Picture 75">
+            <a:extLst>
+              <a:ext uri="{FF2B5EF4-FFF2-40B4-BE49-F238E27FC236}">
+                <a16:creationId xmlns:a16="http://schemas.microsoft.com/office/drawing/2014/main" id="{7C911633-6E97-D741-8235-DBFC334166F7}"/>
               </a:ext>
             </a:extLst>
           </p:cNvPr>
@@ -37628,10 +40315,10 @@
       </p:pic>
       <p:sp>
         <p:nvSpPr>
-          <p:cNvPr id="57" name="TextBox 56">
-            <a:extLst>
-              <a:ext uri="{FF2B5EF4-FFF2-40B4-BE49-F238E27FC236}">
-                <a16:creationId xmlns:a16="http://schemas.microsoft.com/office/drawing/2014/main" id="{B8E31D08-A236-4A42-B02A-7E72B322C1A5}"/>
+          <p:cNvPr id="77" name="TextBox 76">
+            <a:extLst>
+              <a:ext uri="{FF2B5EF4-FFF2-40B4-BE49-F238E27FC236}">
+                <a16:creationId xmlns:a16="http://schemas.microsoft.com/office/drawing/2014/main" id="{B84DF2F7-7756-D34F-A621-DE11C0DAFE97}"/>
               </a:ext>
             </a:extLst>
           </p:cNvPr>
@@ -37663,10 +40350,10 @@
       </p:sp>
       <p:pic>
         <p:nvPicPr>
-          <p:cNvPr id="60" name="Picture 59">
-            <a:extLst>
-              <a:ext uri="{FF2B5EF4-FFF2-40B4-BE49-F238E27FC236}">
-                <a16:creationId xmlns:a16="http://schemas.microsoft.com/office/drawing/2014/main" id="{5F66A48E-4E69-004C-A91A-9BD3AAB7B2C8}"/>
+          <p:cNvPr id="80" name="Picture 79">
+            <a:extLst>
+              <a:ext uri="{FF2B5EF4-FFF2-40B4-BE49-F238E27FC236}">
+                <a16:creationId xmlns:a16="http://schemas.microsoft.com/office/drawing/2014/main" id="{95801367-FCCE-C74F-B12F-34CA6CBA13E2}"/>
               </a:ext>
             </a:extLst>
           </p:cNvPr>
@@ -37676,7 +40363,7 @@
           <p:nvPr/>
         </p:nvPicPr>
         <p:blipFill>
-          <a:blip r:embed="rId13">
+          <a:blip r:embed="rId14">
             <a:extLst>
               <a:ext uri="{28A0092B-C50C-407E-A947-70E740481C1C}">
                 <a14:useLocalDpi xmlns:a14="http://schemas.microsoft.com/office/drawing/2010/main" val="0"/>
@@ -37700,7 +40387,7 @@
     </p:spTree>
     <p:extLst>
       <p:ext uri="{BB962C8B-B14F-4D97-AF65-F5344CB8AC3E}">
-        <p14:creationId xmlns:p14="http://schemas.microsoft.com/office/powerpoint/2010/main" val="876097151"/>
+        <p14:creationId xmlns:p14="http://schemas.microsoft.com/office/powerpoint/2010/main" val="3392063544"/>
       </p:ext>
     </p:extLst>
   </p:cSld>
